--- a/StreamZ.pptx
+++ b/StreamZ.pptx
@@ -9,21 +9,22 @@
     <p:sldId id="257" r:id="rId3"/>
     <p:sldId id="258" r:id="rId4"/>
     <p:sldId id="259" r:id="rId5"/>
-    <p:sldId id="260" r:id="rId6"/>
-    <p:sldId id="261" r:id="rId7"/>
-    <p:sldId id="262" r:id="rId8"/>
-    <p:sldId id="263" r:id="rId9"/>
-    <p:sldId id="264" r:id="rId10"/>
-    <p:sldId id="265" r:id="rId11"/>
-    <p:sldId id="267" r:id="rId12"/>
-    <p:sldId id="266" r:id="rId13"/>
-    <p:sldId id="268" r:id="rId14"/>
-    <p:sldId id="269" r:id="rId15"/>
-    <p:sldId id="270" r:id="rId16"/>
-    <p:sldId id="271" r:id="rId17"/>
-    <p:sldId id="272" r:id="rId18"/>
-    <p:sldId id="274" r:id="rId19"/>
-    <p:sldId id="273" r:id="rId20"/>
+    <p:sldId id="275" r:id="rId6"/>
+    <p:sldId id="260" r:id="rId7"/>
+    <p:sldId id="261" r:id="rId8"/>
+    <p:sldId id="262" r:id="rId9"/>
+    <p:sldId id="263" r:id="rId10"/>
+    <p:sldId id="264" r:id="rId11"/>
+    <p:sldId id="265" r:id="rId12"/>
+    <p:sldId id="267" r:id="rId13"/>
+    <p:sldId id="266" r:id="rId14"/>
+    <p:sldId id="268" r:id="rId15"/>
+    <p:sldId id="269" r:id="rId16"/>
+    <p:sldId id="270" r:id="rId17"/>
+    <p:sldId id="271" r:id="rId18"/>
+    <p:sldId id="272" r:id="rId19"/>
+    <p:sldId id="274" r:id="rId20"/>
+    <p:sldId id="273" r:id="rId21"/>
   </p:sldIdLst>
   <p:sldSz cx="12192000" cy="6858000"/>
   <p:notesSz cx="6858000" cy="9144000"/>
@@ -4412,7 +4413,7 @@
           <a:p>
             <a:fld id="{ACE682BD-06F4-4FCE-B5FE-5134258E052E}" type="datetimeFigureOut">
               <a:rPr lang="pt-PT" smtClean="0"/>
-              <a:t>03/11/2020</a:t>
+              <a:t>15/11/2020</a:t>
             </a:fld>
             <a:endParaRPr lang="pt-PT"/>
           </a:p>
@@ -4679,7 +4680,7 @@
           <a:p>
             <a:fld id="{ACE682BD-06F4-4FCE-B5FE-5134258E052E}" type="datetimeFigureOut">
               <a:rPr lang="pt-PT" smtClean="0"/>
-              <a:t>03/11/2020</a:t>
+              <a:t>15/11/2020</a:t>
             </a:fld>
             <a:endParaRPr lang="pt-PT"/>
           </a:p>
@@ -4875,7 +4876,7 @@
           <a:p>
             <a:fld id="{ACE682BD-06F4-4FCE-B5FE-5134258E052E}" type="datetimeFigureOut">
               <a:rPr lang="pt-PT" smtClean="0"/>
-              <a:t>03/11/2020</a:t>
+              <a:t>15/11/2020</a:t>
             </a:fld>
             <a:endParaRPr lang="pt-PT"/>
           </a:p>
@@ -5138,7 +5139,7 @@
           <a:p>
             <a:fld id="{ACE682BD-06F4-4FCE-B5FE-5134258E052E}" type="datetimeFigureOut">
               <a:rPr lang="pt-PT" smtClean="0"/>
-              <a:t>03/11/2020</a:t>
+              <a:t>15/11/2020</a:t>
             </a:fld>
             <a:endParaRPr lang="pt-PT"/>
           </a:p>
@@ -5572,7 +5573,7 @@
           <a:p>
             <a:fld id="{ACE682BD-06F4-4FCE-B5FE-5134258E052E}" type="datetimeFigureOut">
               <a:rPr lang="pt-PT" smtClean="0"/>
-              <a:t>03/11/2020</a:t>
+              <a:t>15/11/2020</a:t>
             </a:fld>
             <a:endParaRPr lang="pt-PT"/>
           </a:p>
@@ -6118,7 +6119,7 @@
           <a:p>
             <a:fld id="{ACE682BD-06F4-4FCE-B5FE-5134258E052E}" type="datetimeFigureOut">
               <a:rPr lang="pt-PT" smtClean="0"/>
-              <a:t>03/11/2020</a:t>
+              <a:t>15/11/2020</a:t>
             </a:fld>
             <a:endParaRPr lang="pt-PT"/>
           </a:p>
@@ -6838,7 +6839,7 @@
           <a:p>
             <a:fld id="{ACE682BD-06F4-4FCE-B5FE-5134258E052E}" type="datetimeFigureOut">
               <a:rPr lang="pt-PT" smtClean="0"/>
-              <a:t>03/11/2020</a:t>
+              <a:t>15/11/2020</a:t>
             </a:fld>
             <a:endParaRPr lang="pt-PT"/>
           </a:p>
@@ -7008,7 +7009,7 @@
           <a:p>
             <a:fld id="{ACE682BD-06F4-4FCE-B5FE-5134258E052E}" type="datetimeFigureOut">
               <a:rPr lang="pt-PT" smtClean="0"/>
-              <a:t>03/11/2020</a:t>
+              <a:t>15/11/2020</a:t>
             </a:fld>
             <a:endParaRPr lang="pt-PT"/>
           </a:p>
@@ -7188,7 +7189,7 @@
           <a:p>
             <a:fld id="{ACE682BD-06F4-4FCE-B5FE-5134258E052E}" type="datetimeFigureOut">
               <a:rPr lang="pt-PT" smtClean="0"/>
-              <a:t>03/11/2020</a:t>
+              <a:t>15/11/2020</a:t>
             </a:fld>
             <a:endParaRPr lang="pt-PT"/>
           </a:p>
@@ -7358,7 +7359,7 @@
           <a:p>
             <a:fld id="{ACE682BD-06F4-4FCE-B5FE-5134258E052E}" type="datetimeFigureOut">
               <a:rPr lang="pt-PT" smtClean="0"/>
-              <a:t>03/11/2020</a:t>
+              <a:t>15/11/2020</a:t>
             </a:fld>
             <a:endParaRPr lang="pt-PT"/>
           </a:p>
@@ -7608,7 +7609,7 @@
           <a:p>
             <a:fld id="{ACE682BD-06F4-4FCE-B5FE-5134258E052E}" type="datetimeFigureOut">
               <a:rPr lang="pt-PT" smtClean="0"/>
-              <a:t>03/11/2020</a:t>
+              <a:t>15/11/2020</a:t>
             </a:fld>
             <a:endParaRPr lang="pt-PT"/>
           </a:p>
@@ -7840,7 +7841,7 @@
           <a:p>
             <a:fld id="{ACE682BD-06F4-4FCE-B5FE-5134258E052E}" type="datetimeFigureOut">
               <a:rPr lang="pt-PT" smtClean="0"/>
-              <a:t>03/11/2020</a:t>
+              <a:t>15/11/2020</a:t>
             </a:fld>
             <a:endParaRPr lang="pt-PT"/>
           </a:p>
@@ -8221,7 +8222,7 @@
           <a:p>
             <a:fld id="{ACE682BD-06F4-4FCE-B5FE-5134258E052E}" type="datetimeFigureOut">
               <a:rPr lang="pt-PT" smtClean="0"/>
-              <a:t>03/11/2020</a:t>
+              <a:t>15/11/2020</a:t>
             </a:fld>
             <a:endParaRPr lang="pt-PT"/>
           </a:p>
@@ -8339,7 +8340,7 @@
           <a:p>
             <a:fld id="{ACE682BD-06F4-4FCE-B5FE-5134258E052E}" type="datetimeFigureOut">
               <a:rPr lang="pt-PT" smtClean="0"/>
-              <a:t>03/11/2020</a:t>
+              <a:t>15/11/2020</a:t>
             </a:fld>
             <a:endParaRPr lang="pt-PT"/>
           </a:p>
@@ -8434,7 +8435,7 @@
           <a:p>
             <a:fld id="{ACE682BD-06F4-4FCE-B5FE-5134258E052E}" type="datetimeFigureOut">
               <a:rPr lang="pt-PT" smtClean="0"/>
-              <a:t>03/11/2020</a:t>
+              <a:t>15/11/2020</a:t>
             </a:fld>
             <a:endParaRPr lang="pt-PT"/>
           </a:p>
@@ -8683,7 +8684,7 @@
           <a:p>
             <a:fld id="{ACE682BD-06F4-4FCE-B5FE-5134258E052E}" type="datetimeFigureOut">
               <a:rPr lang="pt-PT" smtClean="0"/>
-              <a:t>03/11/2020</a:t>
+              <a:t>15/11/2020</a:t>
             </a:fld>
             <a:endParaRPr lang="pt-PT"/>
           </a:p>
@@ -8963,7 +8964,7 @@
           <a:p>
             <a:fld id="{ACE682BD-06F4-4FCE-B5FE-5134258E052E}" type="datetimeFigureOut">
               <a:rPr lang="pt-PT" smtClean="0"/>
-              <a:t>03/11/2020</a:t>
+              <a:t>15/11/2020</a:t>
             </a:fld>
             <a:endParaRPr lang="pt-PT"/>
           </a:p>
@@ -12030,7 +12031,7 @@
           <a:p>
             <a:fld id="{ACE682BD-06F4-4FCE-B5FE-5134258E052E}" type="datetimeFigureOut">
               <a:rPr lang="pt-PT" smtClean="0"/>
-              <a:t>03/11/2020</a:t>
+              <a:t>15/11/2020</a:t>
             </a:fld>
             <a:endParaRPr lang="pt-PT"/>
           </a:p>
@@ -14746,6 +14747,132 @@
                 <a:effectLst/>
                 <a:latin typeface="-apple-system"/>
               </a:rPr>
+              <a:t>Listagens (utilizando métodos de ordenação)</a:t>
+            </a:r>
+            <a:endParaRPr lang="pt-PT" dirty="0"/>
+          </a:p>
+        </p:txBody>
+      </p:sp>
+      <p:sp>
+        <p:nvSpPr>
+          <p:cNvPr id="3" name="Marcador de Posição de Conteúdo 2">
+            <a:extLst>
+              <a:ext uri="{FF2B5EF4-FFF2-40B4-BE49-F238E27FC236}">
+                <a16:creationId xmlns:a16="http://schemas.microsoft.com/office/drawing/2014/main" id="{106A6725-4256-4A5F-AB00-39745331648D}"/>
+              </a:ext>
+            </a:extLst>
+          </p:cNvPr>
+          <p:cNvSpPr>
+            <a:spLocks noGrp="1"/>
+          </p:cNvSpPr>
+          <p:nvPr>
+            <p:ph idx="1"/>
+          </p:nvPr>
+        </p:nvSpPr>
+        <p:spPr/>
+        <p:txBody>
+          <a:bodyPr/>
+          <a:lstStyle/>
+          <a:p>
+            <a:r>
+              <a:rPr lang="pt-PT" dirty="0"/>
+              <a:t>Listagem de </a:t>
+            </a:r>
+            <a:r>
+              <a:rPr lang="pt-PT" dirty="0" err="1"/>
+              <a:t>streams</a:t>
+            </a:r>
+            <a:r>
+              <a:rPr lang="pt-PT" dirty="0"/>
+              <a:t> por maior número de </a:t>
+            </a:r>
+            <a:r>
+              <a:rPr lang="pt-PT" dirty="0" err="1"/>
+              <a:t>likes</a:t>
+            </a:r>
+            <a:r>
+              <a:rPr lang="pt-PT" dirty="0"/>
+              <a:t> ou de visualizações</a:t>
+            </a:r>
+          </a:p>
+          <a:p>
+            <a:endParaRPr lang="pt-PT" dirty="0"/>
+          </a:p>
+          <a:p>
+            <a:endParaRPr lang="pt-PT" dirty="0"/>
+          </a:p>
+          <a:p>
+            <a:endParaRPr lang="pt-PT" dirty="0"/>
+          </a:p>
+          <a:p>
+            <a:pPr>
+              <a:buFont typeface="Wingdings" panose="05000000000000000000" pitchFamily="2" charset="2"/>
+              <a:buChar char="ü"/>
+            </a:pPr>
+            <a:r>
+              <a:rPr lang="pt-PT"/>
+              <a:t>Completa</a:t>
+            </a:r>
+            <a:endParaRPr lang="pt-PT" dirty="0"/>
+          </a:p>
+        </p:txBody>
+      </p:sp>
+    </p:spTree>
+    <p:extLst>
+      <p:ext uri="{BB962C8B-B14F-4D97-AF65-F5344CB8AC3E}">
+        <p14:creationId xmlns:p14="http://schemas.microsoft.com/office/powerpoint/2010/main" val="3603002277"/>
+      </p:ext>
+    </p:extLst>
+  </p:cSld>
+  <p:clrMapOvr>
+    <a:masterClrMapping/>
+  </p:clrMapOvr>
+</p:sld>
+</file>
+
+<file path=ppt/slides/slide11.xml><?xml version="1.0" encoding="utf-8"?>
+<p:sld xmlns:a="http://schemas.openxmlformats.org/drawingml/2006/main" xmlns:r="http://schemas.openxmlformats.org/officeDocument/2006/relationships" xmlns:p="http://schemas.openxmlformats.org/presentationml/2006/main">
+  <p:cSld>
+    <p:spTree>
+      <p:nvGrpSpPr>
+        <p:cNvPr id="1" name=""/>
+        <p:cNvGrpSpPr/>
+        <p:nvPr/>
+      </p:nvGrpSpPr>
+      <p:grpSpPr>
+        <a:xfrm>
+          <a:off x="0" y="0"/>
+          <a:ext cx="0" cy="0"/>
+          <a:chOff x="0" y="0"/>
+          <a:chExt cx="0" cy="0"/>
+        </a:xfrm>
+      </p:grpSpPr>
+      <p:sp>
+        <p:nvSpPr>
+          <p:cNvPr id="2" name="Título 1">
+            <a:extLst>
+              <a:ext uri="{FF2B5EF4-FFF2-40B4-BE49-F238E27FC236}">
+                <a16:creationId xmlns:a16="http://schemas.microsoft.com/office/drawing/2014/main" id="{30368C61-B0DF-42B2-A5FC-8E8EFFB60AE8}"/>
+              </a:ext>
+            </a:extLst>
+          </p:cNvPr>
+          <p:cNvSpPr>
+            <a:spLocks noGrp="1"/>
+          </p:cNvSpPr>
+          <p:nvPr>
+            <p:ph type="title"/>
+          </p:nvPr>
+        </p:nvSpPr>
+        <p:spPr/>
+        <p:txBody>
+          <a:bodyPr/>
+          <a:lstStyle/>
+          <a:p>
+            <a:r>
+              <a:rPr lang="pt-PT" b="0" i="0" dirty="0">
+                <a:effectLst/>
+                <a:latin typeface="-apple-system"/>
+              </a:rPr>
               <a:t>Lista de funcionalidades implementadas, incluindo CRUD, listagem, pesquisa e outras </a:t>
             </a:r>
             <a:endParaRPr lang="pt-PT" dirty="0"/>
@@ -14790,7 +14917,7 @@
 </p:sld>
 </file>
 
-<file path=ppt/slides/slide11.xml><?xml version="1.0" encoding="utf-8"?>
+<file path=ppt/slides/slide12.xml><?xml version="1.0" encoding="utf-8"?>
 <p:sld xmlns:a="http://schemas.openxmlformats.org/drawingml/2006/main" xmlns:r="http://schemas.openxmlformats.org/officeDocument/2006/relationships" xmlns:p="http://schemas.openxmlformats.org/presentationml/2006/main">
   <p:cSld>
     <p:spTree>
@@ -14833,7 +14960,14 @@
                 <a:effectLst/>
                 <a:latin typeface="-apple-system"/>
               </a:rPr>
-              <a:t>Destaque de funcionalidade</a:t>
+              <a:t>Destaque de funcionalidade - </a:t>
+            </a:r>
+            <a:r>
+              <a:rPr lang="pt-PT" b="0" i="0" dirty="0" err="1">
+                <a:effectLst/>
+                <a:latin typeface="-apple-system"/>
+              </a:rPr>
+              <a:t>Map</a:t>
             </a:r>
             <a:endParaRPr lang="pt-PT" dirty="0"/>
           </a:p>
@@ -14861,27 +14995,26 @@
           <a:lstStyle/>
           <a:p>
             <a:r>
-              <a:rPr lang="pt-PT" b="0" i="0" dirty="0">
-                <a:effectLst/>
-                <a:latin typeface="-apple-system"/>
-              </a:rPr>
-              <a:t>uma "</a:t>
+              <a:rPr lang="pt-PT" dirty="0"/>
+              <a:t>Simplifica as operações CRUD que envolvem utilizadores e </a:t>
             </a:r>
             <a:r>
-              <a:rPr lang="pt-PT" b="0" i="0" dirty="0" err="1">
-                <a:effectLst/>
-                <a:latin typeface="-apple-system"/>
-              </a:rPr>
-              <a:t>feature</a:t>
-            </a:r>
-            <a:r>
-              <a:rPr lang="pt-PT" b="0" i="0" dirty="0">
-                <a:effectLst/>
-                <a:latin typeface="-apple-system"/>
-              </a:rPr>
-              <a:t>" que esteja muito bem implementada no trabalho</a:t>
+              <a:rPr lang="pt-PT" dirty="0" err="1"/>
+              <a:t>streams</a:t>
             </a:r>
             <a:endParaRPr lang="pt-PT" dirty="0"/>
+          </a:p>
+          <a:p>
+            <a:r>
+              <a:rPr lang="pt-PT" dirty="0"/>
+              <a:t>Identificando-os mais facilmente</a:t>
+            </a:r>
+          </a:p>
+          <a:p>
+            <a:r>
+              <a:rPr lang="pt-PT" dirty="0"/>
+              <a:t>Através do uso de um ID</a:t>
+            </a:r>
           </a:p>
         </p:txBody>
       </p:sp>
@@ -14898,7 +15031,7 @@
 </p:sld>
 </file>
 
-<file path=ppt/slides/slide12.xml><?xml version="1.0" encoding="utf-8"?>
+<file path=ppt/slides/slide13.xml><?xml version="1.0" encoding="utf-8"?>
 <p:sld xmlns:a="http://schemas.openxmlformats.org/drawingml/2006/main" xmlns:r="http://schemas.openxmlformats.org/officeDocument/2006/relationships" xmlns:p="http://schemas.openxmlformats.org/presentationml/2006/main">
   <p:cSld>
     <p:spTree>
@@ -14985,7 +15118,7 @@
 </p:sld>
 </file>
 
-<file path=ppt/slides/slide13.xml><?xml version="1.0" encoding="utf-8"?>
+<file path=ppt/slides/slide14.xml><?xml version="1.0" encoding="utf-8"?>
 <p:sld xmlns:a="http://schemas.openxmlformats.org/drawingml/2006/main" xmlns:r="http://schemas.openxmlformats.org/officeDocument/2006/relationships" xmlns:p="http://schemas.openxmlformats.org/presentationml/2006/main">
   <p:cSld>
     <p:spTree>
@@ -15075,7 +15208,7 @@
 </p:sld>
 </file>
 
-<file path=ppt/slides/slide14.xml><?xml version="1.0" encoding="utf-8"?>
+<file path=ppt/slides/slide15.xml><?xml version="1.0" encoding="utf-8"?>
 <p:sld xmlns:a="http://schemas.openxmlformats.org/drawingml/2006/main" xmlns:r="http://schemas.openxmlformats.org/officeDocument/2006/relationships" xmlns:p="http://schemas.openxmlformats.org/presentationml/2006/main">
   <p:cSld>
     <p:spTree>
@@ -15162,7 +15295,7 @@
 </p:sld>
 </file>
 
-<file path=ppt/slides/slide15.xml><?xml version="1.0" encoding="utf-8"?>
+<file path=ppt/slides/slide16.xml><?xml version="1.0" encoding="utf-8"?>
 <p:sld xmlns:a="http://schemas.openxmlformats.org/drawingml/2006/main" xmlns:r="http://schemas.openxmlformats.org/officeDocument/2006/relationships" xmlns:p="http://schemas.openxmlformats.org/presentationml/2006/main">
   <p:cSld>
     <p:spTree>
@@ -15249,7 +15382,7 @@
 </p:sld>
 </file>
 
-<file path=ppt/slides/slide16.xml><?xml version="1.0" encoding="utf-8"?>
+<file path=ppt/slides/slide17.xml><?xml version="1.0" encoding="utf-8"?>
 <p:sld xmlns:a="http://schemas.openxmlformats.org/drawingml/2006/main" xmlns:r="http://schemas.openxmlformats.org/officeDocument/2006/relationships" xmlns:p="http://schemas.openxmlformats.org/presentationml/2006/main">
   <p:cSld>
     <p:spTree>
@@ -15336,7 +15469,7 @@
 </p:sld>
 </file>
 
-<file path=ppt/slides/slide17.xml><?xml version="1.0" encoding="utf-8"?>
+<file path=ppt/slides/slide18.xml><?xml version="1.0" encoding="utf-8"?>
 <p:sld xmlns:a="http://schemas.openxmlformats.org/drawingml/2006/main" xmlns:r="http://schemas.openxmlformats.org/officeDocument/2006/relationships" xmlns:p="http://schemas.openxmlformats.org/presentationml/2006/main">
   <p:cSld>
     <p:spTree>
@@ -15423,7 +15556,7 @@
 </p:sld>
 </file>
 
-<file path=ppt/slides/slide18.xml><?xml version="1.0" encoding="utf-8"?>
+<file path=ppt/slides/slide19.xml><?xml version="1.0" encoding="utf-8"?>
 <p:sld xmlns:a="http://schemas.openxmlformats.org/drawingml/2006/main" xmlns:r="http://schemas.openxmlformats.org/officeDocument/2006/relationships" xmlns:p="http://schemas.openxmlformats.org/presentationml/2006/main">
   <p:cSld>
     <p:spTree>
@@ -15509,7 +15642,167 @@
 </p:sld>
 </file>
 
-<file path=ppt/slides/slide19.xml><?xml version="1.0" encoding="utf-8"?>
+<file path=ppt/slides/slide2.xml><?xml version="1.0" encoding="utf-8"?>
+<p:sld xmlns:a="http://schemas.openxmlformats.org/drawingml/2006/main" xmlns:r="http://schemas.openxmlformats.org/officeDocument/2006/relationships" xmlns:p="http://schemas.openxmlformats.org/presentationml/2006/main">
+  <p:cSld>
+    <p:spTree>
+      <p:nvGrpSpPr>
+        <p:cNvPr id="1" name=""/>
+        <p:cNvGrpSpPr/>
+        <p:nvPr/>
+      </p:nvGrpSpPr>
+      <p:grpSpPr>
+        <a:xfrm>
+          <a:off x="0" y="0"/>
+          <a:ext cx="0" cy="0"/>
+          <a:chOff x="0" y="0"/>
+          <a:chExt cx="0" cy="0"/>
+        </a:xfrm>
+      </p:grpSpPr>
+      <p:sp>
+        <p:nvSpPr>
+          <p:cNvPr id="2" name="Título 1">
+            <a:extLst>
+              <a:ext uri="{FF2B5EF4-FFF2-40B4-BE49-F238E27FC236}">
+                <a16:creationId xmlns:a16="http://schemas.microsoft.com/office/drawing/2014/main" id="{FB6C7686-3499-4F94-B506-0F35B6906E61}"/>
+              </a:ext>
+            </a:extLst>
+          </p:cNvPr>
+          <p:cNvSpPr>
+            <a:spLocks noGrp="1"/>
+          </p:cNvSpPr>
+          <p:nvPr>
+            <p:ph type="title"/>
+          </p:nvPr>
+        </p:nvSpPr>
+        <p:spPr/>
+        <p:txBody>
+          <a:bodyPr/>
+          <a:lstStyle/>
+          <a:p>
+            <a:r>
+              <a:rPr lang="pt-PT" dirty="0"/>
+              <a:t>O que é a </a:t>
+            </a:r>
+            <a:r>
+              <a:rPr lang="pt-PT" dirty="0" err="1"/>
+              <a:t>StreamZ</a:t>
+            </a:r>
+            <a:endParaRPr lang="pt-PT" dirty="0"/>
+          </a:p>
+        </p:txBody>
+      </p:sp>
+      <p:sp>
+        <p:nvSpPr>
+          <p:cNvPr id="3" name="Marcador de Posição de Conteúdo 2">
+            <a:extLst>
+              <a:ext uri="{FF2B5EF4-FFF2-40B4-BE49-F238E27FC236}">
+                <a16:creationId xmlns:a16="http://schemas.microsoft.com/office/drawing/2014/main" id="{EEE8D04C-98B4-4556-8BCC-2B3ECA90B737}"/>
+              </a:ext>
+            </a:extLst>
+          </p:cNvPr>
+          <p:cNvSpPr>
+            <a:spLocks noGrp="1"/>
+          </p:cNvSpPr>
+          <p:nvPr>
+            <p:ph idx="1"/>
+          </p:nvPr>
+        </p:nvSpPr>
+        <p:spPr>
+          <a:xfrm>
+            <a:off x="1141412" y="2249486"/>
+            <a:ext cx="9905999" cy="3989995"/>
+          </a:xfrm>
+        </p:spPr>
+        <p:txBody>
+          <a:bodyPr>
+            <a:normAutofit/>
+          </a:bodyPr>
+          <a:lstStyle/>
+          <a:p>
+            <a:r>
+              <a:rPr lang="pt-PT" dirty="0"/>
+              <a:t>Plataforma de </a:t>
+            </a:r>
+            <a:r>
+              <a:rPr lang="pt-PT" dirty="0" err="1"/>
+              <a:t>streaming</a:t>
+            </a:r>
+            <a:endParaRPr lang="pt-PT" dirty="0"/>
+          </a:p>
+          <a:p>
+            <a:r>
+              <a:rPr lang="pt-PT" dirty="0"/>
+              <a:t>Envolve:</a:t>
+            </a:r>
+          </a:p>
+          <a:p>
+            <a:pPr lvl="1"/>
+            <a:r>
+              <a:rPr lang="pt-PT" dirty="0"/>
+              <a:t>Utilizadores</a:t>
+            </a:r>
+          </a:p>
+          <a:p>
+            <a:pPr lvl="2"/>
+            <a:r>
+              <a:rPr lang="pt-PT" dirty="0" err="1"/>
+              <a:t>Streamers</a:t>
+            </a:r>
+            <a:endParaRPr lang="pt-PT" dirty="0"/>
+          </a:p>
+          <a:p>
+            <a:pPr lvl="2"/>
+            <a:r>
+              <a:rPr lang="pt-PT" dirty="0"/>
+              <a:t>Visualizadores</a:t>
+            </a:r>
+          </a:p>
+          <a:p>
+            <a:pPr lvl="1"/>
+            <a:r>
+              <a:rPr lang="pt-PT" dirty="0" err="1"/>
+              <a:t>Streams</a:t>
+            </a:r>
+            <a:endParaRPr lang="pt-PT" dirty="0"/>
+          </a:p>
+          <a:p>
+            <a:pPr lvl="2"/>
+            <a:r>
+              <a:rPr lang="pt-PT" dirty="0"/>
+              <a:t>Privadas</a:t>
+            </a:r>
+          </a:p>
+          <a:p>
+            <a:pPr lvl="2"/>
+            <a:r>
+              <a:rPr lang="pt-PT" dirty="0"/>
+              <a:t>Públicas</a:t>
+            </a:r>
+          </a:p>
+          <a:p>
+            <a:pPr lvl="1"/>
+            <a:r>
+              <a:rPr lang="pt-PT" dirty="0"/>
+              <a:t>Administrador</a:t>
+            </a:r>
+          </a:p>
+        </p:txBody>
+      </p:sp>
+    </p:spTree>
+    <p:extLst>
+      <p:ext uri="{BB962C8B-B14F-4D97-AF65-F5344CB8AC3E}">
+        <p14:creationId xmlns:p14="http://schemas.microsoft.com/office/powerpoint/2010/main" val="2035633219"/>
+      </p:ext>
+    </p:extLst>
+  </p:cSld>
+  <p:clrMapOvr>
+    <a:masterClrMapping/>
+  </p:clrMapOvr>
+</p:sld>
+</file>
+
+<file path=ppt/slides/slide20.xml><?xml version="1.0" encoding="utf-8"?>
 <p:sld xmlns:a="http://schemas.openxmlformats.org/drawingml/2006/main" xmlns:r="http://schemas.openxmlformats.org/officeDocument/2006/relationships" xmlns:p="http://schemas.openxmlformats.org/presentationml/2006/main">
   <p:cSld>
     <p:bg>
@@ -22674,166 +22967,6 @@
 </p:sld>
 </file>
 
-<file path=ppt/slides/slide2.xml><?xml version="1.0" encoding="utf-8"?>
-<p:sld xmlns:a="http://schemas.openxmlformats.org/drawingml/2006/main" xmlns:r="http://schemas.openxmlformats.org/officeDocument/2006/relationships" xmlns:p="http://schemas.openxmlformats.org/presentationml/2006/main">
-  <p:cSld>
-    <p:spTree>
-      <p:nvGrpSpPr>
-        <p:cNvPr id="1" name=""/>
-        <p:cNvGrpSpPr/>
-        <p:nvPr/>
-      </p:nvGrpSpPr>
-      <p:grpSpPr>
-        <a:xfrm>
-          <a:off x="0" y="0"/>
-          <a:ext cx="0" cy="0"/>
-          <a:chOff x="0" y="0"/>
-          <a:chExt cx="0" cy="0"/>
-        </a:xfrm>
-      </p:grpSpPr>
-      <p:sp>
-        <p:nvSpPr>
-          <p:cNvPr id="2" name="Título 1">
-            <a:extLst>
-              <a:ext uri="{FF2B5EF4-FFF2-40B4-BE49-F238E27FC236}">
-                <a16:creationId xmlns:a16="http://schemas.microsoft.com/office/drawing/2014/main" id="{FB6C7686-3499-4F94-B506-0F35B6906E61}"/>
-              </a:ext>
-            </a:extLst>
-          </p:cNvPr>
-          <p:cNvSpPr>
-            <a:spLocks noGrp="1"/>
-          </p:cNvSpPr>
-          <p:nvPr>
-            <p:ph type="title"/>
-          </p:nvPr>
-        </p:nvSpPr>
-        <p:spPr/>
-        <p:txBody>
-          <a:bodyPr/>
-          <a:lstStyle/>
-          <a:p>
-            <a:r>
-              <a:rPr lang="pt-PT" dirty="0"/>
-              <a:t>O que é a </a:t>
-            </a:r>
-            <a:r>
-              <a:rPr lang="pt-PT" dirty="0" err="1"/>
-              <a:t>StreamZ</a:t>
-            </a:r>
-            <a:endParaRPr lang="pt-PT" dirty="0"/>
-          </a:p>
-        </p:txBody>
-      </p:sp>
-      <p:sp>
-        <p:nvSpPr>
-          <p:cNvPr id="3" name="Marcador de Posição de Conteúdo 2">
-            <a:extLst>
-              <a:ext uri="{FF2B5EF4-FFF2-40B4-BE49-F238E27FC236}">
-                <a16:creationId xmlns:a16="http://schemas.microsoft.com/office/drawing/2014/main" id="{EEE8D04C-98B4-4556-8BCC-2B3ECA90B737}"/>
-              </a:ext>
-            </a:extLst>
-          </p:cNvPr>
-          <p:cNvSpPr>
-            <a:spLocks noGrp="1"/>
-          </p:cNvSpPr>
-          <p:nvPr>
-            <p:ph idx="1"/>
-          </p:nvPr>
-        </p:nvSpPr>
-        <p:spPr>
-          <a:xfrm>
-            <a:off x="1141412" y="2249486"/>
-            <a:ext cx="9905999" cy="3989995"/>
-          </a:xfrm>
-        </p:spPr>
-        <p:txBody>
-          <a:bodyPr>
-            <a:normAutofit/>
-          </a:bodyPr>
-          <a:lstStyle/>
-          <a:p>
-            <a:r>
-              <a:rPr lang="pt-PT" dirty="0"/>
-              <a:t>Plataforma de </a:t>
-            </a:r>
-            <a:r>
-              <a:rPr lang="pt-PT" dirty="0" err="1"/>
-              <a:t>streaming</a:t>
-            </a:r>
-            <a:endParaRPr lang="pt-PT" dirty="0"/>
-          </a:p>
-          <a:p>
-            <a:r>
-              <a:rPr lang="pt-PT" dirty="0"/>
-              <a:t>Envolve:</a:t>
-            </a:r>
-          </a:p>
-          <a:p>
-            <a:pPr lvl="1"/>
-            <a:r>
-              <a:rPr lang="pt-PT" dirty="0"/>
-              <a:t>Utilizadores</a:t>
-            </a:r>
-          </a:p>
-          <a:p>
-            <a:pPr lvl="2"/>
-            <a:r>
-              <a:rPr lang="pt-PT" dirty="0" err="1"/>
-              <a:t>Streamers</a:t>
-            </a:r>
-            <a:endParaRPr lang="pt-PT" dirty="0"/>
-          </a:p>
-          <a:p>
-            <a:pPr lvl="2"/>
-            <a:r>
-              <a:rPr lang="pt-PT" dirty="0"/>
-              <a:t>Visualizadores</a:t>
-            </a:r>
-          </a:p>
-          <a:p>
-            <a:pPr lvl="1"/>
-            <a:r>
-              <a:rPr lang="pt-PT" dirty="0" err="1"/>
-              <a:t>Streams</a:t>
-            </a:r>
-            <a:endParaRPr lang="pt-PT" dirty="0"/>
-          </a:p>
-          <a:p>
-            <a:pPr lvl="2"/>
-            <a:r>
-              <a:rPr lang="pt-PT" dirty="0"/>
-              <a:t>Privadas</a:t>
-            </a:r>
-          </a:p>
-          <a:p>
-            <a:pPr lvl="2"/>
-            <a:r>
-              <a:rPr lang="pt-PT" dirty="0"/>
-              <a:t>Públicas</a:t>
-            </a:r>
-          </a:p>
-          <a:p>
-            <a:pPr lvl="1"/>
-            <a:r>
-              <a:rPr lang="pt-PT" dirty="0"/>
-              <a:t>Administrador</a:t>
-            </a:r>
-          </a:p>
-        </p:txBody>
-      </p:sp>
-    </p:spTree>
-    <p:extLst>
-      <p:ext uri="{BB962C8B-B14F-4D97-AF65-F5344CB8AC3E}">
-        <p14:creationId xmlns:p14="http://schemas.microsoft.com/office/powerpoint/2010/main" val="2035633219"/>
-      </p:ext>
-    </p:extLst>
-  </p:cSld>
-  <p:clrMapOvr>
-    <a:masterClrMapping/>
-  </p:clrMapOvr>
-</p:sld>
-</file>
-
 <file path=ppt/slides/slide3.xml><?xml version="1.0" encoding="utf-8"?>
 <p:sld xmlns:a="http://schemas.openxmlformats.org/drawingml/2006/main" xmlns:r="http://schemas.openxmlformats.org/officeDocument/2006/relationships" xmlns:p="http://schemas.openxmlformats.org/presentationml/2006/main">
   <p:cSld>
@@ -22907,21 +23040,13 @@
         </p:spPr>
         <p:txBody>
           <a:bodyPr>
-            <a:normAutofit fontScale="92500" lnSpcReduction="20000"/>
+            <a:normAutofit fontScale="92500" lnSpcReduction="10000"/>
           </a:bodyPr>
           <a:lstStyle/>
           <a:p>
             <a:r>
               <a:rPr lang="pt-PT" dirty="0"/>
-              <a:t>Classe principal (</a:t>
-            </a:r>
-            <a:r>
-              <a:rPr lang="pt-PT" dirty="0" err="1"/>
-              <a:t>frontOffice</a:t>
-            </a:r>
-            <a:r>
-              <a:rPr lang="pt-PT" dirty="0"/>
-              <a:t>???)– </a:t>
+              <a:t>Classe principal – </a:t>
             </a:r>
             <a:r>
               <a:rPr lang="pt-PT" dirty="0" err="1"/>
@@ -22984,38 +23109,35 @@
             <a:endParaRPr lang="pt-PT" dirty="0"/>
           </a:p>
           <a:p>
+            <a:pPr lvl="2"/>
+            <a:r>
+              <a:rPr lang="pt-PT" dirty="0"/>
+              <a:t>Histórico de </a:t>
+            </a:r>
+            <a:r>
+              <a:rPr lang="pt-PT" dirty="0" err="1"/>
+              <a:t>streams</a:t>
+            </a:r>
+            <a:r>
+              <a:rPr lang="pt-PT" dirty="0"/>
+              <a:t> (</a:t>
+            </a:r>
+            <a:r>
+              <a:rPr lang="pt-PT" dirty="0" err="1"/>
+              <a:t>struct</a:t>
+            </a:r>
+            <a:r>
+              <a:rPr lang="pt-PT" dirty="0"/>
+              <a:t>)</a:t>
+            </a:r>
+          </a:p>
+          <a:p>
             <a:pPr lvl="1"/>
             <a:r>
               <a:rPr lang="pt-PT" dirty="0" err="1"/>
               <a:t>Admin</a:t>
             </a:r>
             <a:endParaRPr lang="pt-PT" dirty="0"/>
-          </a:p>
-          <a:p>
-            <a:r>
-              <a:rPr lang="pt-PT" dirty="0" err="1"/>
-              <a:t>Struct</a:t>
-            </a:r>
-            <a:r>
-              <a:rPr lang="pt-PT" dirty="0"/>
-              <a:t> – </a:t>
-            </a:r>
-            <a:r>
-              <a:rPr lang="pt-PT" dirty="0" err="1"/>
-              <a:t>Past</a:t>
-            </a:r>
-            <a:r>
-              <a:rPr lang="pt-PT" dirty="0"/>
-              <a:t> </a:t>
-            </a:r>
-            <a:r>
-              <a:rPr lang="pt-PT" dirty="0" err="1"/>
-              <a:t>stream</a:t>
-            </a:r>
-            <a:r>
-              <a:rPr lang="pt-PT" dirty="0"/>
-              <a:t> ???</a:t>
-            </a:r>
           </a:p>
           <a:p>
             <a:r>
@@ -23103,7 +23225,12 @@
             <p:ph idx="1"/>
           </p:nvPr>
         </p:nvSpPr>
-        <p:spPr/>
+        <p:spPr>
+          <a:xfrm>
+            <a:off x="1141412" y="2249486"/>
+            <a:ext cx="10963502" cy="4090353"/>
+          </a:xfrm>
+        </p:spPr>
         <p:txBody>
           <a:bodyPr/>
           <a:lstStyle/>
@@ -23121,6 +23248,78 @@
               <a:t>)</a:t>
             </a:r>
           </a:p>
+          <a:p>
+            <a:r>
+              <a:rPr lang="pt-PT" dirty="0"/>
+              <a:t>Criação de </a:t>
+            </a:r>
+            <a:r>
+              <a:rPr lang="pt-PT" dirty="0" err="1"/>
+              <a:t>streams</a:t>
+            </a:r>
+            <a:r>
+              <a:rPr lang="pt-PT" dirty="0"/>
+              <a:t> e dos intervenientes fundamentais da plataforma</a:t>
+            </a:r>
+          </a:p>
+          <a:p>
+            <a:pPr lvl="1"/>
+            <a:r>
+              <a:rPr lang="pt-PT" dirty="0" err="1"/>
+              <a:t>Streamers</a:t>
+            </a:r>
+            <a:r>
+              <a:rPr lang="pt-PT" dirty="0"/>
+              <a:t>, </a:t>
+            </a:r>
+            <a:r>
+              <a:rPr lang="pt-PT" dirty="0" err="1"/>
+              <a:t>viewers</a:t>
+            </a:r>
+            <a:r>
+              <a:rPr lang="pt-PT" dirty="0"/>
+              <a:t> e </a:t>
+            </a:r>
+            <a:r>
+              <a:rPr lang="pt-PT" dirty="0" err="1"/>
+              <a:t>admin</a:t>
+            </a:r>
+            <a:endParaRPr lang="pt-PT" dirty="0"/>
+          </a:p>
+          <a:p>
+            <a:r>
+              <a:rPr lang="pt-PT" dirty="0" err="1"/>
+              <a:t>Streamers</a:t>
+            </a:r>
+            <a:r>
+              <a:rPr lang="pt-PT" dirty="0"/>
+              <a:t> gerem as suas próprias </a:t>
+            </a:r>
+            <a:r>
+              <a:rPr lang="pt-PT" dirty="0" err="1"/>
+              <a:t>streams</a:t>
+            </a:r>
+            <a:r>
+              <a:rPr lang="pt-PT" dirty="0"/>
+              <a:t> (começar/acabar, estatísticas, …)</a:t>
+            </a:r>
+          </a:p>
+          <a:p>
+            <a:r>
+              <a:rPr lang="pt-PT" dirty="0" err="1"/>
+              <a:t>Streams</a:t>
+            </a:r>
+            <a:r>
+              <a:rPr lang="pt-PT" dirty="0"/>
+              <a:t> dividem-se em públicas e privadas</a:t>
+            </a:r>
+          </a:p>
+          <a:p>
+            <a:endParaRPr lang="pt-PT" dirty="0"/>
+          </a:p>
+          <a:p>
+            <a:endParaRPr lang="pt-PT" dirty="0"/>
+          </a:p>
         </p:txBody>
       </p:sp>
     </p:spTree>
@@ -23137,6 +23336,135 @@
 </file>
 
 <file path=ppt/slides/slide5.xml><?xml version="1.0" encoding="utf-8"?>
+<p:sld xmlns:a="http://schemas.openxmlformats.org/drawingml/2006/main" xmlns:r="http://schemas.openxmlformats.org/officeDocument/2006/relationships" xmlns:p="http://schemas.openxmlformats.org/presentationml/2006/main">
+  <p:cSld>
+    <p:spTree>
+      <p:nvGrpSpPr>
+        <p:cNvPr id="1" name=""/>
+        <p:cNvGrpSpPr/>
+        <p:nvPr/>
+      </p:nvGrpSpPr>
+      <p:grpSpPr>
+        <a:xfrm>
+          <a:off x="0" y="0"/>
+          <a:ext cx="0" cy="0"/>
+          <a:chOff x="0" y="0"/>
+          <a:chExt cx="0" cy="0"/>
+        </a:xfrm>
+      </p:grpSpPr>
+      <p:sp>
+        <p:nvSpPr>
+          <p:cNvPr id="2" name="Título 1">
+            <a:extLst>
+              <a:ext uri="{FF2B5EF4-FFF2-40B4-BE49-F238E27FC236}">
+                <a16:creationId xmlns:a16="http://schemas.microsoft.com/office/drawing/2014/main" id="{C7C337A8-FFAC-4018-A070-F99FDE74D0DE}"/>
+              </a:ext>
+            </a:extLst>
+          </p:cNvPr>
+          <p:cNvSpPr>
+            <a:spLocks noGrp="1"/>
+          </p:cNvSpPr>
+          <p:nvPr>
+            <p:ph type="title"/>
+          </p:nvPr>
+        </p:nvSpPr>
+        <p:spPr/>
+        <p:txBody>
+          <a:bodyPr/>
+          <a:lstStyle/>
+          <a:p>
+            <a:r>
+              <a:rPr lang="pt-PT" b="0" i="0" dirty="0">
+                <a:effectLst/>
+                <a:latin typeface="-apple-system"/>
+              </a:rPr>
+              <a:t>Descrição da solução, identificação de algoritmos relevantes</a:t>
+            </a:r>
+            <a:endParaRPr lang="pt-PT" dirty="0"/>
+          </a:p>
+        </p:txBody>
+      </p:sp>
+      <p:sp>
+        <p:nvSpPr>
+          <p:cNvPr id="3" name="Marcador de Posição de Conteúdo 2">
+            <a:extLst>
+              <a:ext uri="{FF2B5EF4-FFF2-40B4-BE49-F238E27FC236}">
+                <a16:creationId xmlns:a16="http://schemas.microsoft.com/office/drawing/2014/main" id="{18261AF7-7A9D-4FB0-BB24-447740A94001}"/>
+              </a:ext>
+            </a:extLst>
+          </p:cNvPr>
+          <p:cNvSpPr>
+            <a:spLocks noGrp="1"/>
+          </p:cNvSpPr>
+          <p:nvPr>
+            <p:ph idx="1"/>
+          </p:nvPr>
+        </p:nvSpPr>
+        <p:spPr>
+          <a:xfrm>
+            <a:off x="1141412" y="2249486"/>
+            <a:ext cx="10963502" cy="4090353"/>
+          </a:xfrm>
+        </p:spPr>
+        <p:txBody>
+          <a:bodyPr/>
+          <a:lstStyle/>
+          <a:p>
+            <a:r>
+              <a:rPr lang="pt-PT" dirty="0"/>
+              <a:t>Utilizadores pesquisam e aderem às </a:t>
+            </a:r>
+            <a:r>
+              <a:rPr lang="pt-PT" dirty="0" err="1"/>
+              <a:t>streams</a:t>
+            </a:r>
+            <a:r>
+              <a:rPr lang="pt-PT" dirty="0"/>
+              <a:t> e podem deixar a sua opinião</a:t>
+            </a:r>
+          </a:p>
+          <a:p>
+            <a:r>
+              <a:rPr lang="pt-PT" dirty="0" err="1"/>
+              <a:t>Admin</a:t>
+            </a:r>
+            <a:r>
+              <a:rPr lang="pt-PT" dirty="0"/>
+              <a:t> tem acesso às estatísticas mais importantes da plataforma</a:t>
+            </a:r>
+          </a:p>
+          <a:p>
+            <a:pPr lvl="1"/>
+            <a:r>
+              <a:rPr lang="pt-PT" dirty="0"/>
+              <a:t>Presente e passado</a:t>
+            </a:r>
+          </a:p>
+          <a:p>
+            <a:endParaRPr lang="pt-PT" dirty="0"/>
+          </a:p>
+          <a:p>
+            <a:endParaRPr lang="pt-PT" dirty="0"/>
+          </a:p>
+          <a:p>
+            <a:endParaRPr lang="pt-PT" dirty="0"/>
+          </a:p>
+        </p:txBody>
+      </p:sp>
+    </p:spTree>
+    <p:extLst>
+      <p:ext uri="{BB962C8B-B14F-4D97-AF65-F5344CB8AC3E}">
+        <p14:creationId xmlns:p14="http://schemas.microsoft.com/office/powerpoint/2010/main" val="2324173032"/>
+      </p:ext>
+    </p:extLst>
+  </p:cSld>
+  <p:clrMapOvr>
+    <a:masterClrMapping/>
+  </p:clrMapOvr>
+</p:sld>
+</file>
+
+<file path=ppt/slides/slide6.xml><?xml version="1.0" encoding="utf-8"?>
 <p:sld xmlns:a="http://schemas.openxmlformats.org/drawingml/2006/main" xmlns:r="http://schemas.openxmlformats.org/officeDocument/2006/relationships" xmlns:p="http://schemas.openxmlformats.org/presentationml/2006/main">
   <p:cSld>
     <p:spTree>
@@ -23206,7 +23534,7 @@
           <a:bodyPr/>
           <a:lstStyle/>
           <a:p>
-            <a:endParaRPr lang="pt-PT"/>
+            <a:endParaRPr lang="pt-PT" dirty="0"/>
           </a:p>
         </p:txBody>
       </p:sp>
@@ -23223,7 +23551,7 @@
 </p:sld>
 </file>
 
-<file path=ppt/slides/slide6.xml><?xml version="1.0" encoding="utf-8"?>
+<file path=ppt/slides/slide7.xml><?xml version="1.0" encoding="utf-8"?>
 <p:sld xmlns:a="http://schemas.openxmlformats.org/drawingml/2006/main" xmlns:r="http://schemas.openxmlformats.org/officeDocument/2006/relationships" xmlns:p="http://schemas.openxmlformats.org/presentationml/2006/main">
   <p:cSld>
     <p:spTree>
@@ -23258,7 +23586,9 @@
         </p:nvSpPr>
         <p:spPr/>
         <p:txBody>
-          <a:bodyPr/>
+          <a:bodyPr>
+            <a:normAutofit fontScale="90000"/>
+          </a:bodyPr>
           <a:lstStyle/>
           <a:p>
             <a:r>
@@ -23267,6 +23597,16 @@
                 <a:latin typeface="-apple-system"/>
               </a:rPr>
               <a:t>Estrutura de ficheiros</a:t>
+            </a:r>
+            <a:r>
+              <a:rPr lang="pt-PT" b="0" i="0" dirty="0">
+                <a:solidFill>
+                  <a:srgbClr val="373A3C"/>
+                </a:solidFill>
+                <a:effectLst/>
+                <a:latin typeface="-apple-system"/>
+              </a:rPr>
+              <a:t> (1 slide mostrando como a informação é gravada e lida em ficheiros)</a:t>
             </a:r>
             <a:endParaRPr lang="pt-PT" dirty="0"/>
           </a:p>
@@ -23318,7 +23658,7 @@
 </p:sld>
 </file>
 
-<file path=ppt/slides/slide7.xml><?xml version="1.0" encoding="utf-8"?>
+<file path=ppt/slides/slide8.xml><?xml version="1.0" encoding="utf-8"?>
 <p:sld xmlns:a="http://schemas.openxmlformats.org/drawingml/2006/main" xmlns:r="http://schemas.openxmlformats.org/officeDocument/2006/relationships" xmlns:p="http://schemas.openxmlformats.org/presentationml/2006/main">
   <p:cSld>
     <p:spTree>
@@ -23526,7 +23866,7 @@
 </p:sld>
 </file>
 
-<file path=ppt/slides/slide8.xml><?xml version="1.0" encoding="utf-8"?>
+<file path=ppt/slides/slide9.xml><?xml version="1.0" encoding="utf-8"?>
 <p:sld xmlns:a="http://schemas.openxmlformats.org/drawingml/2006/main" xmlns:r="http://schemas.openxmlformats.org/officeDocument/2006/relationships" xmlns:p="http://schemas.openxmlformats.org/presentationml/2006/main">
   <p:cSld>
     <p:spTree>
@@ -23658,7 +23998,17 @@
             </a:r>
             <a:r>
               <a:rPr lang="pt-PT" dirty="0"/>
-              <a:t> &gt; </a:t>
+              <a:t> </a:t>
+            </a:r>
+            <a:r>
+              <a:rPr lang="pt-PT" dirty="0">
+                <a:sym typeface="Wingdings" panose="05000000000000000000" pitchFamily="2" charset="2"/>
+              </a:rPr>
+              <a:t></a:t>
+            </a:r>
+            <a:r>
+              <a:rPr lang="pt-PT" dirty="0"/>
+              <a:t> </a:t>
             </a:r>
             <a:r>
               <a:rPr lang="pt-PT" dirty="0" err="1"/>
@@ -23711,93 +24061,6 @@
     <p:extLst>
       <p:ext uri="{BB962C8B-B14F-4D97-AF65-F5344CB8AC3E}">
         <p14:creationId xmlns:p14="http://schemas.microsoft.com/office/powerpoint/2010/main" val="1910926186"/>
-      </p:ext>
-    </p:extLst>
-  </p:cSld>
-  <p:clrMapOvr>
-    <a:masterClrMapping/>
-  </p:clrMapOvr>
-</p:sld>
-</file>
-
-<file path=ppt/slides/slide9.xml><?xml version="1.0" encoding="utf-8"?>
-<p:sld xmlns:a="http://schemas.openxmlformats.org/drawingml/2006/main" xmlns:r="http://schemas.openxmlformats.org/officeDocument/2006/relationships" xmlns:p="http://schemas.openxmlformats.org/presentationml/2006/main">
-  <p:cSld>
-    <p:spTree>
-      <p:nvGrpSpPr>
-        <p:cNvPr id="1" name=""/>
-        <p:cNvGrpSpPr/>
-        <p:nvPr/>
-      </p:nvGrpSpPr>
-      <p:grpSpPr>
-        <a:xfrm>
-          <a:off x="0" y="0"/>
-          <a:ext cx="0" cy="0"/>
-          <a:chOff x="0" y="0"/>
-          <a:chExt cx="0" cy="0"/>
-        </a:xfrm>
-      </p:grpSpPr>
-      <p:sp>
-        <p:nvSpPr>
-          <p:cNvPr id="2" name="Título 1">
-            <a:extLst>
-              <a:ext uri="{FF2B5EF4-FFF2-40B4-BE49-F238E27FC236}">
-                <a16:creationId xmlns:a16="http://schemas.microsoft.com/office/drawing/2014/main" id="{30368C61-B0DF-42B2-A5FC-8E8EFFB60AE8}"/>
-              </a:ext>
-            </a:extLst>
-          </p:cNvPr>
-          <p:cNvSpPr>
-            <a:spLocks noGrp="1"/>
-          </p:cNvSpPr>
-          <p:nvPr>
-            <p:ph type="title"/>
-          </p:nvPr>
-        </p:nvSpPr>
-        <p:spPr/>
-        <p:txBody>
-          <a:bodyPr/>
-          <a:lstStyle/>
-          <a:p>
-            <a:r>
-              <a:rPr lang="pt-PT" b="0" i="0" dirty="0">
-                <a:effectLst/>
-                <a:latin typeface="-apple-system"/>
-              </a:rPr>
-              <a:t>Lista de funcionalidades implementadas, incluindo CRUD, listagem, pesquisa e outras </a:t>
-            </a:r>
-            <a:endParaRPr lang="pt-PT" dirty="0"/>
-          </a:p>
-        </p:txBody>
-      </p:sp>
-      <p:sp>
-        <p:nvSpPr>
-          <p:cNvPr id="3" name="Marcador de Posição de Conteúdo 2">
-            <a:extLst>
-              <a:ext uri="{FF2B5EF4-FFF2-40B4-BE49-F238E27FC236}">
-                <a16:creationId xmlns:a16="http://schemas.microsoft.com/office/drawing/2014/main" id="{106A6725-4256-4A5F-AB00-39745331648D}"/>
-              </a:ext>
-            </a:extLst>
-          </p:cNvPr>
-          <p:cNvSpPr>
-            <a:spLocks noGrp="1"/>
-          </p:cNvSpPr>
-          <p:nvPr>
-            <p:ph idx="1"/>
-          </p:nvPr>
-        </p:nvSpPr>
-        <p:spPr/>
-        <p:txBody>
-          <a:bodyPr/>
-          <a:lstStyle/>
-          <a:p>
-            <a:endParaRPr lang="pt-PT"/>
-          </a:p>
-        </p:txBody>
-      </p:sp>
-    </p:spTree>
-    <p:extLst>
-      <p:ext uri="{BB962C8B-B14F-4D97-AF65-F5344CB8AC3E}">
-        <p14:creationId xmlns:p14="http://schemas.microsoft.com/office/powerpoint/2010/main" val="3603002277"/>
       </p:ext>
     </p:extLst>
   </p:cSld>

--- a/StreamZ.pptx
+++ b/StreamZ.pptx
@@ -188,7 +188,7 @@
           <a:noFill/>
           <a:extLst>
             <a:ext uri="{909E8E84-426E-40dd-AFC4-6F175D3DCCD1}">
-              <a14:hiddenFill xmlns:a14="http://schemas.microsoft.com/office/drawing/2010/main" xmlns="">
+              <a14:hiddenFill xmlns="" xmlns:a14="http://schemas.microsoft.com/office/drawing/2010/main">
                 <a:solidFill>
                   <a:srgbClr val="FFFFFF"/>
                 </a:solidFill>
@@ -247,7 +247,7 @@
             </a:ln>
             <a:extLst>
               <a:ext uri="{91240B29-F687-4f45-9708-019B960494DF}">
-                <a14:hiddenLine xmlns:a14="http://schemas.microsoft.com/office/drawing/2010/main" xmlns="" w="9525">
+                <a14:hiddenLine xmlns="" xmlns:a14="http://schemas.microsoft.com/office/drawing/2010/main" w="9525">
                   <a:solidFill>
                     <a:srgbClr val="000000"/>
                   </a:solidFill>
@@ -337,7 +337,7 @@
             </a:ln>
             <a:extLst>
               <a:ext uri="{91240B29-F687-4f45-9708-019B960494DF}">
-                <a14:hiddenLine xmlns:a14="http://schemas.microsoft.com/office/drawing/2010/main" xmlns="" w="9525">
+                <a14:hiddenLine xmlns="" xmlns:a14="http://schemas.microsoft.com/office/drawing/2010/main" w="9525">
                   <a:solidFill>
                     <a:srgbClr val="000000"/>
                   </a:solidFill>
@@ -427,7 +427,7 @@
             </a:ln>
             <a:extLst>
               <a:ext uri="{91240B29-F687-4f45-9708-019B960494DF}">
-                <a14:hiddenLine xmlns:a14="http://schemas.microsoft.com/office/drawing/2010/main" xmlns="" w="9525">
+                <a14:hiddenLine xmlns="" xmlns:a14="http://schemas.microsoft.com/office/drawing/2010/main" w="9525">
                   <a:solidFill>
                     <a:srgbClr val="000000"/>
                   </a:solidFill>
@@ -461,7 +461,7 @@
             </a:ln>
             <a:extLst>
               <a:ext uri="{91240B29-F687-4f45-9708-019B960494DF}">
-                <a14:hiddenLine xmlns:a14="http://schemas.microsoft.com/office/drawing/2010/main" xmlns="" w="9525">
+                <a14:hiddenLine xmlns="" xmlns:a14="http://schemas.microsoft.com/office/drawing/2010/main" w="9525">
                   <a:solidFill>
                     <a:srgbClr val="000000"/>
                   </a:solidFill>
@@ -551,7 +551,7 @@
             </a:ln>
             <a:extLst>
               <a:ext uri="{91240B29-F687-4f45-9708-019B960494DF}">
-                <a14:hiddenLine xmlns:a14="http://schemas.microsoft.com/office/drawing/2010/main" xmlns="" w="9525">
+                <a14:hiddenLine xmlns="" xmlns:a14="http://schemas.microsoft.com/office/drawing/2010/main" w="9525">
                   <a:solidFill>
                     <a:srgbClr val="000000"/>
                   </a:solidFill>
@@ -613,7 +613,7 @@
             </a:ln>
             <a:extLst>
               <a:ext uri="{91240B29-F687-4f45-9708-019B960494DF}">
-                <a14:hiddenLine xmlns:a14="http://schemas.microsoft.com/office/drawing/2010/main" xmlns="" w="9525">
+                <a14:hiddenLine xmlns="" xmlns:a14="http://schemas.microsoft.com/office/drawing/2010/main" w="9525">
                   <a:solidFill>
                     <a:srgbClr val="000000"/>
                   </a:solidFill>
@@ -675,7 +675,7 @@
             </a:ln>
             <a:extLst>
               <a:ext uri="{91240B29-F687-4f45-9708-019B960494DF}">
-                <a14:hiddenLine xmlns:a14="http://schemas.microsoft.com/office/drawing/2010/main" xmlns="" w="9525">
+                <a14:hiddenLine xmlns="" xmlns:a14="http://schemas.microsoft.com/office/drawing/2010/main" w="9525">
                   <a:solidFill>
                     <a:srgbClr val="000000"/>
                   </a:solidFill>
@@ -765,7 +765,7 @@
             </a:ln>
             <a:extLst>
               <a:ext uri="{91240B29-F687-4f45-9708-019B960494DF}">
-                <a14:hiddenLine xmlns:a14="http://schemas.microsoft.com/office/drawing/2010/main" xmlns="" w="9525">
+                <a14:hiddenLine xmlns="" xmlns:a14="http://schemas.microsoft.com/office/drawing/2010/main" w="9525">
                   <a:solidFill>
                     <a:srgbClr val="000000"/>
                   </a:solidFill>
@@ -827,7 +827,7 @@
             </a:ln>
             <a:extLst>
               <a:ext uri="{91240B29-F687-4f45-9708-019B960494DF}">
-                <a14:hiddenLine xmlns:a14="http://schemas.microsoft.com/office/drawing/2010/main" xmlns="" w="9525">
+                <a14:hiddenLine xmlns="" xmlns:a14="http://schemas.microsoft.com/office/drawing/2010/main" w="9525">
                   <a:solidFill>
                     <a:srgbClr val="000000"/>
                   </a:solidFill>
@@ -889,7 +889,7 @@
             </a:ln>
             <a:extLst>
               <a:ext uri="{91240B29-F687-4f45-9708-019B960494DF}">
-                <a14:hiddenLine xmlns:a14="http://schemas.microsoft.com/office/drawing/2010/main" xmlns="" w="9525">
+                <a14:hiddenLine xmlns="" xmlns:a14="http://schemas.microsoft.com/office/drawing/2010/main" w="9525">
                   <a:solidFill>
                     <a:srgbClr val="000000"/>
                   </a:solidFill>
@@ -979,7 +979,7 @@
             </a:ln>
             <a:extLst>
               <a:ext uri="{91240B29-F687-4f45-9708-019B960494DF}">
-                <a14:hiddenLine xmlns:a14="http://schemas.microsoft.com/office/drawing/2010/main" xmlns="" w="9525">
+                <a14:hiddenLine xmlns="" xmlns:a14="http://schemas.microsoft.com/office/drawing/2010/main" w="9525">
                   <a:solidFill>
                     <a:srgbClr val="000000"/>
                   </a:solidFill>
@@ -1069,7 +1069,7 @@
             </a:ln>
             <a:extLst>
               <a:ext uri="{91240B29-F687-4f45-9708-019B960494DF}">
-                <a14:hiddenLine xmlns:a14="http://schemas.microsoft.com/office/drawing/2010/main" xmlns="" w="9525">
+                <a14:hiddenLine xmlns="" xmlns:a14="http://schemas.microsoft.com/office/drawing/2010/main" w="9525">
                   <a:solidFill>
                     <a:srgbClr val="000000"/>
                   </a:solidFill>
@@ -1131,7 +1131,7 @@
             </a:ln>
             <a:extLst>
               <a:ext uri="{91240B29-F687-4f45-9708-019B960494DF}">
-                <a14:hiddenLine xmlns:a14="http://schemas.microsoft.com/office/drawing/2010/main" xmlns="" w="9525">
+                <a14:hiddenLine xmlns="" xmlns:a14="http://schemas.microsoft.com/office/drawing/2010/main" w="9525">
                   <a:solidFill>
                     <a:srgbClr val="000000"/>
                   </a:solidFill>
@@ -1241,7 +1241,7 @@
             </a:ln>
             <a:extLst>
               <a:ext uri="{91240B29-F687-4f45-9708-019B960494DF}">
-                <a14:hiddenLine xmlns:a14="http://schemas.microsoft.com/office/drawing/2010/main" xmlns="" w="9525">
+                <a14:hiddenLine xmlns="" xmlns:a14="http://schemas.microsoft.com/office/drawing/2010/main" w="9525">
                   <a:solidFill>
                     <a:srgbClr val="000000"/>
                   </a:solidFill>
@@ -1303,7 +1303,7 @@
             </a:ln>
             <a:extLst>
               <a:ext uri="{91240B29-F687-4f45-9708-019B960494DF}">
-                <a14:hiddenLine xmlns:a14="http://schemas.microsoft.com/office/drawing/2010/main" xmlns="" w="9525">
+                <a14:hiddenLine xmlns="" xmlns:a14="http://schemas.microsoft.com/office/drawing/2010/main" w="9525">
                   <a:solidFill>
                     <a:srgbClr val="000000"/>
                   </a:solidFill>
@@ -1393,7 +1393,7 @@
             </a:ln>
             <a:extLst>
               <a:ext uri="{91240B29-F687-4f45-9708-019B960494DF}">
-                <a14:hiddenLine xmlns:a14="http://schemas.microsoft.com/office/drawing/2010/main" xmlns="" w="9525">
+                <a14:hiddenLine xmlns="" xmlns:a14="http://schemas.microsoft.com/office/drawing/2010/main" w="9525">
                   <a:solidFill>
                     <a:srgbClr val="000000"/>
                   </a:solidFill>
@@ -1483,7 +1483,7 @@
             </a:ln>
             <a:extLst>
               <a:ext uri="{91240B29-F687-4f45-9708-019B960494DF}">
-                <a14:hiddenLine xmlns:a14="http://schemas.microsoft.com/office/drawing/2010/main" xmlns="" w="9525">
+                <a14:hiddenLine xmlns="" xmlns:a14="http://schemas.microsoft.com/office/drawing/2010/main" w="9525">
                   <a:solidFill>
                     <a:srgbClr val="000000"/>
                   </a:solidFill>
@@ -1545,7 +1545,7 @@
             </a:ln>
             <a:extLst>
               <a:ext uri="{91240B29-F687-4f45-9708-019B960494DF}">
-                <a14:hiddenLine xmlns:a14="http://schemas.microsoft.com/office/drawing/2010/main" xmlns="" w="9525">
+                <a14:hiddenLine xmlns="" xmlns:a14="http://schemas.microsoft.com/office/drawing/2010/main" w="9525">
                   <a:solidFill>
                     <a:srgbClr val="000000"/>
                   </a:solidFill>
@@ -1635,7 +1635,7 @@
             </a:ln>
             <a:extLst>
               <a:ext uri="{91240B29-F687-4f45-9708-019B960494DF}">
-                <a14:hiddenLine xmlns:a14="http://schemas.microsoft.com/office/drawing/2010/main" xmlns="" w="9525">
+                <a14:hiddenLine xmlns="" xmlns:a14="http://schemas.microsoft.com/office/drawing/2010/main" w="9525">
                   <a:solidFill>
                     <a:srgbClr val="000000"/>
                   </a:solidFill>
@@ -1725,7 +1725,7 @@
             </a:ln>
             <a:extLst>
               <a:ext uri="{91240B29-F687-4f45-9708-019B960494DF}">
-                <a14:hiddenLine xmlns:a14="http://schemas.microsoft.com/office/drawing/2010/main" xmlns="" w="9525">
+                <a14:hiddenLine xmlns="" xmlns:a14="http://schemas.microsoft.com/office/drawing/2010/main" w="9525">
                   <a:solidFill>
                     <a:srgbClr val="000000"/>
                   </a:solidFill>
@@ -1781,7 +1781,7 @@
             </a:ln>
             <a:extLst>
               <a:ext uri="{91240B29-F687-4f45-9708-019B960494DF}">
-                <a14:hiddenLine xmlns:a14="http://schemas.microsoft.com/office/drawing/2010/main" xmlns="" w="9525">
+                <a14:hiddenLine xmlns="" xmlns:a14="http://schemas.microsoft.com/office/drawing/2010/main" w="9525">
                   <a:solidFill>
                     <a:srgbClr val="000000"/>
                   </a:solidFill>
@@ -1871,7 +1871,7 @@
             </a:ln>
             <a:extLst>
               <a:ext uri="{91240B29-F687-4f45-9708-019B960494DF}">
-                <a14:hiddenLine xmlns:a14="http://schemas.microsoft.com/office/drawing/2010/main" xmlns="" w="9525">
+                <a14:hiddenLine xmlns="" xmlns:a14="http://schemas.microsoft.com/office/drawing/2010/main" w="9525">
                   <a:solidFill>
                     <a:srgbClr val="000000"/>
                   </a:solidFill>
@@ -1927,7 +1927,7 @@
             </a:ln>
             <a:extLst>
               <a:ext uri="{91240B29-F687-4f45-9708-019B960494DF}">
-                <a14:hiddenLine xmlns:a14="http://schemas.microsoft.com/office/drawing/2010/main" xmlns="" w="9525">
+                <a14:hiddenLine xmlns="" xmlns:a14="http://schemas.microsoft.com/office/drawing/2010/main" w="9525">
                   <a:solidFill>
                     <a:srgbClr val="000000"/>
                   </a:solidFill>
@@ -2017,7 +2017,7 @@
             </a:ln>
             <a:extLst>
               <a:ext uri="{91240B29-F687-4f45-9708-019B960494DF}">
-                <a14:hiddenLine xmlns:a14="http://schemas.microsoft.com/office/drawing/2010/main" xmlns="" w="9525">
+                <a14:hiddenLine xmlns="" xmlns:a14="http://schemas.microsoft.com/office/drawing/2010/main" w="9525">
                   <a:solidFill>
                     <a:srgbClr val="000000"/>
                   </a:solidFill>
@@ -2085,7 +2085,7 @@
             </a:ln>
             <a:extLst>
               <a:ext uri="{91240B29-F687-4f45-9708-019B960494DF}">
-                <a14:hiddenLine xmlns:a14="http://schemas.microsoft.com/office/drawing/2010/main" xmlns="" w="9525">
+                <a14:hiddenLine xmlns="" xmlns:a14="http://schemas.microsoft.com/office/drawing/2010/main" w="9525">
                   <a:solidFill>
                     <a:srgbClr val="000000"/>
                   </a:solidFill>
@@ -2175,7 +2175,7 @@
             </a:ln>
             <a:extLst>
               <a:ext uri="{91240B29-F687-4f45-9708-019B960494DF}">
-                <a14:hiddenLine xmlns:a14="http://schemas.microsoft.com/office/drawing/2010/main" xmlns="" w="9525">
+                <a14:hiddenLine xmlns="" xmlns:a14="http://schemas.microsoft.com/office/drawing/2010/main" w="9525">
                   <a:solidFill>
                     <a:srgbClr val="000000"/>
                   </a:solidFill>
@@ -2243,7 +2243,7 @@
             </a:ln>
             <a:extLst>
               <a:ext uri="{91240B29-F687-4f45-9708-019B960494DF}">
-                <a14:hiddenLine xmlns:a14="http://schemas.microsoft.com/office/drawing/2010/main" xmlns="" w="9525">
+                <a14:hiddenLine xmlns="" xmlns:a14="http://schemas.microsoft.com/office/drawing/2010/main" w="9525">
                   <a:solidFill>
                     <a:srgbClr val="000000"/>
                   </a:solidFill>
@@ -2333,7 +2333,7 @@
             </a:ln>
             <a:extLst>
               <a:ext uri="{91240B29-F687-4f45-9708-019B960494DF}">
-                <a14:hiddenLine xmlns:a14="http://schemas.microsoft.com/office/drawing/2010/main" xmlns="" w="9525">
+                <a14:hiddenLine xmlns="" xmlns:a14="http://schemas.microsoft.com/office/drawing/2010/main" w="9525">
                   <a:solidFill>
                     <a:srgbClr val="000000"/>
                   </a:solidFill>
@@ -2367,7 +2367,7 @@
             </a:ln>
             <a:extLst>
               <a:ext uri="{91240B29-F687-4f45-9708-019B960494DF}">
-                <a14:hiddenLine xmlns:a14="http://schemas.microsoft.com/office/drawing/2010/main" xmlns="" w="9525">
+                <a14:hiddenLine xmlns="" xmlns:a14="http://schemas.microsoft.com/office/drawing/2010/main" w="9525">
                   <a:solidFill>
                     <a:srgbClr val="000000"/>
                   </a:solidFill>
@@ -2457,7 +2457,7 @@
             </a:ln>
             <a:extLst>
               <a:ext uri="{91240B29-F687-4f45-9708-019B960494DF}">
-                <a14:hiddenLine xmlns:a14="http://schemas.microsoft.com/office/drawing/2010/main" xmlns="" w="9525">
+                <a14:hiddenLine xmlns="" xmlns:a14="http://schemas.microsoft.com/office/drawing/2010/main" w="9525">
                   <a:solidFill>
                     <a:srgbClr val="000000"/>
                   </a:solidFill>
@@ -2519,7 +2519,7 @@
             </a:ln>
             <a:extLst>
               <a:ext uri="{91240B29-F687-4f45-9708-019B960494DF}">
-                <a14:hiddenLine xmlns:a14="http://schemas.microsoft.com/office/drawing/2010/main" xmlns="" w="9525">
+                <a14:hiddenLine xmlns="" xmlns:a14="http://schemas.microsoft.com/office/drawing/2010/main" w="9525">
                   <a:solidFill>
                     <a:srgbClr val="000000"/>
                   </a:solidFill>
@@ -2581,7 +2581,7 @@
             </a:ln>
             <a:extLst>
               <a:ext uri="{91240B29-F687-4f45-9708-019B960494DF}">
-                <a14:hiddenLine xmlns:a14="http://schemas.microsoft.com/office/drawing/2010/main" xmlns="" w="9525">
+                <a14:hiddenLine xmlns="" xmlns:a14="http://schemas.microsoft.com/office/drawing/2010/main" w="9525">
                   <a:solidFill>
                     <a:srgbClr val="000000"/>
                   </a:solidFill>
@@ -2671,7 +2671,7 @@
             </a:ln>
             <a:extLst>
               <a:ext uri="{91240B29-F687-4f45-9708-019B960494DF}">
-                <a14:hiddenLine xmlns:a14="http://schemas.microsoft.com/office/drawing/2010/main" xmlns="" w="9525">
+                <a14:hiddenLine xmlns="" xmlns:a14="http://schemas.microsoft.com/office/drawing/2010/main" w="9525">
                   <a:solidFill>
                     <a:srgbClr val="000000"/>
                   </a:solidFill>
@@ -2739,7 +2739,7 @@
             </a:ln>
             <a:extLst>
               <a:ext uri="{91240B29-F687-4f45-9708-019B960494DF}">
-                <a14:hiddenLine xmlns:a14="http://schemas.microsoft.com/office/drawing/2010/main" xmlns="" w="9525">
+                <a14:hiddenLine xmlns="" xmlns:a14="http://schemas.microsoft.com/office/drawing/2010/main" w="9525">
                   <a:solidFill>
                     <a:srgbClr val="000000"/>
                   </a:solidFill>
@@ -2801,7 +2801,7 @@
             </a:ln>
             <a:extLst>
               <a:ext uri="{91240B29-F687-4f45-9708-019B960494DF}">
-                <a14:hiddenLine xmlns:a14="http://schemas.microsoft.com/office/drawing/2010/main" xmlns="" w="9525">
+                <a14:hiddenLine xmlns="" xmlns:a14="http://schemas.microsoft.com/office/drawing/2010/main" w="9525">
                   <a:solidFill>
                     <a:srgbClr val="000000"/>
                   </a:solidFill>
@@ -2891,7 +2891,7 @@
             </a:ln>
             <a:extLst>
               <a:ext uri="{91240B29-F687-4f45-9708-019B960494DF}">
-                <a14:hiddenLine xmlns:a14="http://schemas.microsoft.com/office/drawing/2010/main" xmlns="" w="9525">
+                <a14:hiddenLine xmlns="" xmlns:a14="http://schemas.microsoft.com/office/drawing/2010/main" w="9525">
                   <a:solidFill>
                     <a:srgbClr val="000000"/>
                   </a:solidFill>
@@ -2953,7 +2953,7 @@
             </a:ln>
             <a:extLst>
               <a:ext uri="{91240B29-F687-4f45-9708-019B960494DF}">
-                <a14:hiddenLine xmlns:a14="http://schemas.microsoft.com/office/drawing/2010/main" xmlns="" w="9525">
+                <a14:hiddenLine xmlns="" xmlns:a14="http://schemas.microsoft.com/office/drawing/2010/main" w="9525">
                   <a:solidFill>
                     <a:srgbClr val="000000"/>
                   </a:solidFill>
@@ -3043,7 +3043,7 @@
             </a:ln>
             <a:extLst>
               <a:ext uri="{91240B29-F687-4f45-9708-019B960494DF}">
-                <a14:hiddenLine xmlns:a14="http://schemas.microsoft.com/office/drawing/2010/main" xmlns="" w="9525">
+                <a14:hiddenLine xmlns="" xmlns:a14="http://schemas.microsoft.com/office/drawing/2010/main" w="9525">
                   <a:solidFill>
                     <a:srgbClr val="000000"/>
                   </a:solidFill>
@@ -3105,7 +3105,7 @@
             </a:ln>
             <a:extLst>
               <a:ext uri="{91240B29-F687-4f45-9708-019B960494DF}">
-                <a14:hiddenLine xmlns:a14="http://schemas.microsoft.com/office/drawing/2010/main" xmlns="" w="9525">
+                <a14:hiddenLine xmlns="" xmlns:a14="http://schemas.microsoft.com/office/drawing/2010/main" w="9525">
                   <a:solidFill>
                     <a:srgbClr val="000000"/>
                   </a:solidFill>
@@ -3195,7 +3195,7 @@
             </a:ln>
             <a:extLst>
               <a:ext uri="{91240B29-F687-4f45-9708-019B960494DF}">
-                <a14:hiddenLine xmlns:a14="http://schemas.microsoft.com/office/drawing/2010/main" xmlns="" w="9525">
+                <a14:hiddenLine xmlns="" xmlns:a14="http://schemas.microsoft.com/office/drawing/2010/main" w="9525">
                   <a:solidFill>
                     <a:srgbClr val="000000"/>
                   </a:solidFill>
@@ -3229,7 +3229,7 @@
             </a:ln>
             <a:extLst>
               <a:ext uri="{91240B29-F687-4f45-9708-019B960494DF}">
-                <a14:hiddenLine xmlns:a14="http://schemas.microsoft.com/office/drawing/2010/main" xmlns="" w="9525">
+                <a14:hiddenLine xmlns="" xmlns:a14="http://schemas.microsoft.com/office/drawing/2010/main" w="9525">
                   <a:solidFill>
                     <a:srgbClr val="000000"/>
                   </a:solidFill>
@@ -3294,7 +3294,7 @@
             </a:ln>
             <a:extLst>
               <a:ext uri="{91240B29-F687-4f45-9708-019B960494DF}">
-                <a14:hiddenLine xmlns:a14="http://schemas.microsoft.com/office/drawing/2010/main" xmlns="" w="9525">
+                <a14:hiddenLine xmlns="" xmlns:a14="http://schemas.microsoft.com/office/drawing/2010/main" w="9525">
                   <a:solidFill>
                     <a:srgbClr val="000000"/>
                   </a:solidFill>
@@ -3384,7 +3384,7 @@
             </a:ln>
             <a:extLst>
               <a:ext uri="{91240B29-F687-4f45-9708-019B960494DF}">
-                <a14:hiddenLine xmlns:a14="http://schemas.microsoft.com/office/drawing/2010/main" xmlns="" w="9525">
+                <a14:hiddenLine xmlns="" xmlns:a14="http://schemas.microsoft.com/office/drawing/2010/main" w="9525">
                   <a:solidFill>
                     <a:srgbClr val="000000"/>
                   </a:solidFill>
@@ -3446,7 +3446,7 @@
             </a:ln>
             <a:extLst>
               <a:ext uri="{91240B29-F687-4f45-9708-019B960494DF}">
-                <a14:hiddenLine xmlns:a14="http://schemas.microsoft.com/office/drawing/2010/main" xmlns="" w="9525">
+                <a14:hiddenLine xmlns="" xmlns:a14="http://schemas.microsoft.com/office/drawing/2010/main" w="9525">
                   <a:solidFill>
                     <a:srgbClr val="000000"/>
                   </a:solidFill>
@@ -3536,7 +3536,7 @@
             </a:ln>
             <a:extLst>
               <a:ext uri="{91240B29-F687-4f45-9708-019B960494DF}">
-                <a14:hiddenLine xmlns:a14="http://schemas.microsoft.com/office/drawing/2010/main" xmlns="" w="9525">
+                <a14:hiddenLine xmlns="" xmlns:a14="http://schemas.microsoft.com/office/drawing/2010/main" w="9525">
                   <a:solidFill>
                     <a:srgbClr val="000000"/>
                   </a:solidFill>
@@ -3626,7 +3626,7 @@
             </a:ln>
             <a:extLst>
               <a:ext uri="{91240B29-F687-4f45-9708-019B960494DF}">
-                <a14:hiddenLine xmlns:a14="http://schemas.microsoft.com/office/drawing/2010/main" xmlns="" w="9525">
+                <a14:hiddenLine xmlns="" xmlns:a14="http://schemas.microsoft.com/office/drawing/2010/main" w="9525">
                   <a:solidFill>
                     <a:srgbClr val="000000"/>
                   </a:solidFill>
@@ -3691,7 +3691,7 @@
             </a:ln>
             <a:extLst>
               <a:ext uri="{91240B29-F687-4f45-9708-019B960494DF}">
-                <a14:hiddenLine xmlns:a14="http://schemas.microsoft.com/office/drawing/2010/main" xmlns="" w="9525">
+                <a14:hiddenLine xmlns="" xmlns:a14="http://schemas.microsoft.com/office/drawing/2010/main" w="9525">
                   <a:solidFill>
                     <a:srgbClr val="000000"/>
                   </a:solidFill>
@@ -3753,7 +3753,7 @@
             </a:ln>
             <a:extLst>
               <a:ext uri="{91240B29-F687-4f45-9708-019B960494DF}">
-                <a14:hiddenLine xmlns:a14="http://schemas.microsoft.com/office/drawing/2010/main" xmlns="" w="9525">
+                <a14:hiddenLine xmlns="" xmlns:a14="http://schemas.microsoft.com/office/drawing/2010/main" w="9525">
                   <a:solidFill>
                     <a:srgbClr val="000000"/>
                   </a:solidFill>
@@ -3843,7 +3843,7 @@
             </a:ln>
             <a:extLst>
               <a:ext uri="{91240B29-F687-4f45-9708-019B960494DF}">
-                <a14:hiddenLine xmlns:a14="http://schemas.microsoft.com/office/drawing/2010/main" xmlns="" w="9525">
+                <a14:hiddenLine xmlns="" xmlns:a14="http://schemas.microsoft.com/office/drawing/2010/main" w="9525">
                   <a:solidFill>
                     <a:srgbClr val="000000"/>
                   </a:solidFill>
@@ -3933,7 +3933,7 @@
             </a:ln>
             <a:extLst>
               <a:ext uri="{91240B29-F687-4f45-9708-019B960494DF}">
-                <a14:hiddenLine xmlns:a14="http://schemas.microsoft.com/office/drawing/2010/main" xmlns="" w="9525">
+                <a14:hiddenLine xmlns="" xmlns:a14="http://schemas.microsoft.com/office/drawing/2010/main" w="9525">
                   <a:solidFill>
                     <a:srgbClr val="000000"/>
                   </a:solidFill>
@@ -3995,7 +3995,7 @@
             </a:ln>
             <a:extLst>
               <a:ext uri="{91240B29-F687-4f45-9708-019B960494DF}">
-                <a14:hiddenLine xmlns:a14="http://schemas.microsoft.com/office/drawing/2010/main" xmlns="" w="9525">
+                <a14:hiddenLine xmlns="" xmlns:a14="http://schemas.microsoft.com/office/drawing/2010/main" w="9525">
                   <a:solidFill>
                     <a:srgbClr val="000000"/>
                   </a:solidFill>
@@ -4115,7 +4115,7 @@
             </a:ln>
             <a:extLst>
               <a:ext uri="{91240B29-F687-4f45-9708-019B960494DF}">
-                <a14:hiddenLine xmlns:a14="http://schemas.microsoft.com/office/drawing/2010/main" xmlns="" w="9525">
+                <a14:hiddenLine xmlns="" xmlns:a14="http://schemas.microsoft.com/office/drawing/2010/main" w="9525">
                   <a:solidFill>
                     <a:srgbClr val="000000"/>
                   </a:solidFill>
@@ -4183,7 +4183,7 @@
             </a:ln>
             <a:extLst>
               <a:ext uri="{91240B29-F687-4f45-9708-019B960494DF}">
-                <a14:hiddenLine xmlns:a14="http://schemas.microsoft.com/office/drawing/2010/main" xmlns="" w="9525">
+                <a14:hiddenLine xmlns="" xmlns:a14="http://schemas.microsoft.com/office/drawing/2010/main" w="9525">
                   <a:solidFill>
                     <a:srgbClr val="000000"/>
                   </a:solidFill>
@@ -4273,7 +4273,7 @@
             </a:ln>
             <a:extLst>
               <a:ext uri="{91240B29-F687-4f45-9708-019B960494DF}">
-                <a14:hiddenLine xmlns:a14="http://schemas.microsoft.com/office/drawing/2010/main" xmlns="" w="9525">
+                <a14:hiddenLine xmlns="" xmlns:a14="http://schemas.microsoft.com/office/drawing/2010/main" w="9525">
                   <a:solidFill>
                     <a:srgbClr val="000000"/>
                   </a:solidFill>
@@ -4413,7 +4413,7 @@
           <a:p>
             <a:fld id="{ACE682BD-06F4-4FCE-B5FE-5134258E052E}" type="datetimeFigureOut">
               <a:rPr lang="pt-PT" smtClean="0"/>
-              <a:t>15/11/2020</a:t>
+              <a:t>16/11/2020</a:t>
             </a:fld>
             <a:endParaRPr lang="pt-PT"/>
           </a:p>
@@ -4680,7 +4680,7 @@
           <a:p>
             <a:fld id="{ACE682BD-06F4-4FCE-B5FE-5134258E052E}" type="datetimeFigureOut">
               <a:rPr lang="pt-PT" smtClean="0"/>
-              <a:t>15/11/2020</a:t>
+              <a:t>16/11/2020</a:t>
             </a:fld>
             <a:endParaRPr lang="pt-PT"/>
           </a:p>
@@ -4876,7 +4876,7 @@
           <a:p>
             <a:fld id="{ACE682BD-06F4-4FCE-B5FE-5134258E052E}" type="datetimeFigureOut">
               <a:rPr lang="pt-PT" smtClean="0"/>
-              <a:t>15/11/2020</a:t>
+              <a:t>16/11/2020</a:t>
             </a:fld>
             <a:endParaRPr lang="pt-PT"/>
           </a:p>
@@ -5139,7 +5139,7 @@
           <a:p>
             <a:fld id="{ACE682BD-06F4-4FCE-B5FE-5134258E052E}" type="datetimeFigureOut">
               <a:rPr lang="pt-PT" smtClean="0"/>
-              <a:t>15/11/2020</a:t>
+              <a:t>16/11/2020</a:t>
             </a:fld>
             <a:endParaRPr lang="pt-PT"/>
           </a:p>
@@ -5573,7 +5573,7 @@
           <a:p>
             <a:fld id="{ACE682BD-06F4-4FCE-B5FE-5134258E052E}" type="datetimeFigureOut">
               <a:rPr lang="pt-PT" smtClean="0"/>
-              <a:t>15/11/2020</a:t>
+              <a:t>16/11/2020</a:t>
             </a:fld>
             <a:endParaRPr lang="pt-PT"/>
           </a:p>
@@ -6119,7 +6119,7 @@
           <a:p>
             <a:fld id="{ACE682BD-06F4-4FCE-B5FE-5134258E052E}" type="datetimeFigureOut">
               <a:rPr lang="pt-PT" smtClean="0"/>
-              <a:t>15/11/2020</a:t>
+              <a:t>16/11/2020</a:t>
             </a:fld>
             <a:endParaRPr lang="pt-PT"/>
           </a:p>
@@ -6839,7 +6839,7 @@
           <a:p>
             <a:fld id="{ACE682BD-06F4-4FCE-B5FE-5134258E052E}" type="datetimeFigureOut">
               <a:rPr lang="pt-PT" smtClean="0"/>
-              <a:t>15/11/2020</a:t>
+              <a:t>16/11/2020</a:t>
             </a:fld>
             <a:endParaRPr lang="pt-PT"/>
           </a:p>
@@ -7009,7 +7009,7 @@
           <a:p>
             <a:fld id="{ACE682BD-06F4-4FCE-B5FE-5134258E052E}" type="datetimeFigureOut">
               <a:rPr lang="pt-PT" smtClean="0"/>
-              <a:t>15/11/2020</a:t>
+              <a:t>16/11/2020</a:t>
             </a:fld>
             <a:endParaRPr lang="pt-PT"/>
           </a:p>
@@ -7189,7 +7189,7 @@
           <a:p>
             <a:fld id="{ACE682BD-06F4-4FCE-B5FE-5134258E052E}" type="datetimeFigureOut">
               <a:rPr lang="pt-PT" smtClean="0"/>
-              <a:t>15/11/2020</a:t>
+              <a:t>16/11/2020</a:t>
             </a:fld>
             <a:endParaRPr lang="pt-PT"/>
           </a:p>
@@ -7359,7 +7359,7 @@
           <a:p>
             <a:fld id="{ACE682BD-06F4-4FCE-B5FE-5134258E052E}" type="datetimeFigureOut">
               <a:rPr lang="pt-PT" smtClean="0"/>
-              <a:t>15/11/2020</a:t>
+              <a:t>16/11/2020</a:t>
             </a:fld>
             <a:endParaRPr lang="pt-PT"/>
           </a:p>
@@ -7609,7 +7609,7 @@
           <a:p>
             <a:fld id="{ACE682BD-06F4-4FCE-B5FE-5134258E052E}" type="datetimeFigureOut">
               <a:rPr lang="pt-PT" smtClean="0"/>
-              <a:t>15/11/2020</a:t>
+              <a:t>16/11/2020</a:t>
             </a:fld>
             <a:endParaRPr lang="pt-PT"/>
           </a:p>
@@ -7841,7 +7841,7 @@
           <a:p>
             <a:fld id="{ACE682BD-06F4-4FCE-B5FE-5134258E052E}" type="datetimeFigureOut">
               <a:rPr lang="pt-PT" smtClean="0"/>
-              <a:t>15/11/2020</a:t>
+              <a:t>16/11/2020</a:t>
             </a:fld>
             <a:endParaRPr lang="pt-PT"/>
           </a:p>
@@ -8222,7 +8222,7 @@
           <a:p>
             <a:fld id="{ACE682BD-06F4-4FCE-B5FE-5134258E052E}" type="datetimeFigureOut">
               <a:rPr lang="pt-PT" smtClean="0"/>
-              <a:t>15/11/2020</a:t>
+              <a:t>16/11/2020</a:t>
             </a:fld>
             <a:endParaRPr lang="pt-PT"/>
           </a:p>
@@ -8340,7 +8340,7 @@
           <a:p>
             <a:fld id="{ACE682BD-06F4-4FCE-B5FE-5134258E052E}" type="datetimeFigureOut">
               <a:rPr lang="pt-PT" smtClean="0"/>
-              <a:t>15/11/2020</a:t>
+              <a:t>16/11/2020</a:t>
             </a:fld>
             <a:endParaRPr lang="pt-PT"/>
           </a:p>
@@ -8435,7 +8435,7 @@
           <a:p>
             <a:fld id="{ACE682BD-06F4-4FCE-B5FE-5134258E052E}" type="datetimeFigureOut">
               <a:rPr lang="pt-PT" smtClean="0"/>
-              <a:t>15/11/2020</a:t>
+              <a:t>16/11/2020</a:t>
             </a:fld>
             <a:endParaRPr lang="pt-PT"/>
           </a:p>
@@ -8684,7 +8684,7 @@
           <a:p>
             <a:fld id="{ACE682BD-06F4-4FCE-B5FE-5134258E052E}" type="datetimeFigureOut">
               <a:rPr lang="pt-PT" smtClean="0"/>
-              <a:t>15/11/2020</a:t>
+              <a:t>16/11/2020</a:t>
             </a:fld>
             <a:endParaRPr lang="pt-PT"/>
           </a:p>
@@ -8964,7 +8964,7 @@
           <a:p>
             <a:fld id="{ACE682BD-06F4-4FCE-B5FE-5134258E052E}" type="datetimeFigureOut">
               <a:rPr lang="pt-PT" smtClean="0"/>
-              <a:t>15/11/2020</a:t>
+              <a:t>16/11/2020</a:t>
             </a:fld>
             <a:endParaRPr lang="pt-PT"/>
           </a:p>
@@ -9087,7 +9087,7 @@
           <a:noFill/>
           <a:extLst>
             <a:ext uri="{909E8E84-426E-40dd-AFC4-6F175D3DCCD1}">
-              <a14:hiddenFill xmlns:a14="http://schemas.microsoft.com/office/drawing/2010/main" xmlns="">
+              <a14:hiddenFill xmlns="" xmlns:a14="http://schemas.microsoft.com/office/drawing/2010/main">
                 <a:solidFill>
                   <a:srgbClr val="FFFFFF"/>
                 </a:solidFill>
@@ -9161,7 +9161,7 @@
               </a:ln>
               <a:extLst>
                 <a:ext uri="{91240B29-F687-4f45-9708-019B960494DF}">
-                  <a14:hiddenLine xmlns:a14="http://schemas.microsoft.com/office/drawing/2010/main" xmlns="" w="9525">
+                  <a14:hiddenLine xmlns="" xmlns:a14="http://schemas.microsoft.com/office/drawing/2010/main" w="9525">
                     <a:solidFill>
                       <a:srgbClr val="000000"/>
                     </a:solidFill>
@@ -9251,7 +9251,7 @@
               </a:ln>
               <a:extLst>
                 <a:ext uri="{91240B29-F687-4f45-9708-019B960494DF}">
-                  <a14:hiddenLine xmlns:a14="http://schemas.microsoft.com/office/drawing/2010/main" xmlns="" w="9525">
+                  <a14:hiddenLine xmlns="" xmlns:a14="http://schemas.microsoft.com/office/drawing/2010/main" w="9525">
                     <a:solidFill>
                       <a:srgbClr val="000000"/>
                     </a:solidFill>
@@ -9341,7 +9341,7 @@
               </a:ln>
               <a:extLst>
                 <a:ext uri="{91240B29-F687-4f45-9708-019B960494DF}">
-                  <a14:hiddenLine xmlns:a14="http://schemas.microsoft.com/office/drawing/2010/main" xmlns="" w="9525">
+                  <a14:hiddenLine xmlns="" xmlns:a14="http://schemas.microsoft.com/office/drawing/2010/main" w="9525">
                     <a:solidFill>
                       <a:srgbClr val="000000"/>
                     </a:solidFill>
@@ -9403,7 +9403,7 @@
               </a:ln>
               <a:extLst>
                 <a:ext uri="{91240B29-F687-4f45-9708-019B960494DF}">
-                  <a14:hiddenLine xmlns:a14="http://schemas.microsoft.com/office/drawing/2010/main" xmlns="" w="9525">
+                  <a14:hiddenLine xmlns="" xmlns:a14="http://schemas.microsoft.com/office/drawing/2010/main" w="9525">
                     <a:solidFill>
                       <a:srgbClr val="000000"/>
                     </a:solidFill>
@@ -9493,7 +9493,7 @@
               </a:ln>
               <a:extLst>
                 <a:ext uri="{91240B29-F687-4f45-9708-019B960494DF}">
-                  <a14:hiddenLine xmlns:a14="http://schemas.microsoft.com/office/drawing/2010/main" xmlns="" w="9525">
+                  <a14:hiddenLine xmlns="" xmlns:a14="http://schemas.microsoft.com/office/drawing/2010/main" w="9525">
                     <a:solidFill>
                       <a:srgbClr val="000000"/>
                     </a:solidFill>
@@ -9555,7 +9555,7 @@
               </a:ln>
               <a:extLst>
                 <a:ext uri="{91240B29-F687-4f45-9708-019B960494DF}">
-                  <a14:hiddenLine xmlns:a14="http://schemas.microsoft.com/office/drawing/2010/main" xmlns="" w="9525">
+                  <a14:hiddenLine xmlns="" xmlns:a14="http://schemas.microsoft.com/office/drawing/2010/main" w="9525">
                     <a:solidFill>
                       <a:srgbClr val="000000"/>
                     </a:solidFill>
@@ -9617,7 +9617,7 @@
               </a:ln>
               <a:extLst>
                 <a:ext uri="{91240B29-F687-4f45-9708-019B960494DF}">
-                  <a14:hiddenLine xmlns:a14="http://schemas.microsoft.com/office/drawing/2010/main" xmlns="" w="9525">
+                  <a14:hiddenLine xmlns="" xmlns:a14="http://schemas.microsoft.com/office/drawing/2010/main" w="9525">
                     <a:solidFill>
                       <a:srgbClr val="000000"/>
                     </a:solidFill>
@@ -9707,7 +9707,7 @@
               </a:ln>
               <a:extLst>
                 <a:ext uri="{91240B29-F687-4f45-9708-019B960494DF}">
-                  <a14:hiddenLine xmlns:a14="http://schemas.microsoft.com/office/drawing/2010/main" xmlns="" w="9525">
+                  <a14:hiddenLine xmlns="" xmlns:a14="http://schemas.microsoft.com/office/drawing/2010/main" w="9525">
                     <a:solidFill>
                       <a:srgbClr val="000000"/>
                     </a:solidFill>
@@ -9797,7 +9797,7 @@
               </a:ln>
               <a:extLst>
                 <a:ext uri="{91240B29-F687-4f45-9708-019B960494DF}">
-                  <a14:hiddenLine xmlns:a14="http://schemas.microsoft.com/office/drawing/2010/main" xmlns="" w="9525">
+                  <a14:hiddenLine xmlns="" xmlns:a14="http://schemas.microsoft.com/office/drawing/2010/main" w="9525">
                     <a:solidFill>
                       <a:srgbClr val="000000"/>
                     </a:solidFill>
@@ -9859,7 +9859,7 @@
               </a:ln>
               <a:extLst>
                 <a:ext uri="{91240B29-F687-4f45-9708-019B960494DF}">
-                  <a14:hiddenLine xmlns:a14="http://schemas.microsoft.com/office/drawing/2010/main" xmlns="" w="9525">
+                  <a14:hiddenLine xmlns="" xmlns:a14="http://schemas.microsoft.com/office/drawing/2010/main" w="9525">
                     <a:solidFill>
                       <a:srgbClr val="000000"/>
                     </a:solidFill>
@@ -9969,7 +9969,7 @@
               </a:ln>
               <a:extLst>
                 <a:ext uri="{91240B29-F687-4f45-9708-019B960494DF}">
-                  <a14:hiddenLine xmlns:a14="http://schemas.microsoft.com/office/drawing/2010/main" xmlns="" w="9525">
+                  <a14:hiddenLine xmlns="" xmlns:a14="http://schemas.microsoft.com/office/drawing/2010/main" w="9525">
                     <a:solidFill>
                       <a:srgbClr val="000000"/>
                     </a:solidFill>
@@ -10053,7 +10053,7 @@
               </a:ln>
               <a:extLst>
                 <a:ext uri="{91240B29-F687-4f45-9708-019B960494DF}">
-                  <a14:hiddenLine xmlns:a14="http://schemas.microsoft.com/office/drawing/2010/main" xmlns="" w="9525">
+                  <a14:hiddenLine xmlns="" xmlns:a14="http://schemas.microsoft.com/office/drawing/2010/main" w="9525">
                     <a:solidFill>
                       <a:srgbClr val="000000"/>
                     </a:solidFill>
@@ -10115,7 +10115,7 @@
               </a:ln>
               <a:extLst>
                 <a:ext uri="{91240B29-F687-4f45-9708-019B960494DF}">
-                  <a14:hiddenLine xmlns:a14="http://schemas.microsoft.com/office/drawing/2010/main" xmlns="" w="9525">
+                  <a14:hiddenLine xmlns="" xmlns:a14="http://schemas.microsoft.com/office/drawing/2010/main" w="9525">
                     <a:solidFill>
                       <a:srgbClr val="000000"/>
                     </a:solidFill>
@@ -10177,7 +10177,7 @@
               </a:ln>
               <a:extLst>
                 <a:ext uri="{91240B29-F687-4f45-9708-019B960494DF}">
-                  <a14:hiddenLine xmlns:a14="http://schemas.microsoft.com/office/drawing/2010/main" xmlns="" w="9525">
+                  <a14:hiddenLine xmlns="" xmlns:a14="http://schemas.microsoft.com/office/drawing/2010/main" w="9525">
                     <a:solidFill>
                       <a:srgbClr val="000000"/>
                     </a:solidFill>
@@ -10267,7 +10267,7 @@
               </a:ln>
               <a:extLst>
                 <a:ext uri="{91240B29-F687-4f45-9708-019B960494DF}">
-                  <a14:hiddenLine xmlns:a14="http://schemas.microsoft.com/office/drawing/2010/main" xmlns="" w="9525">
+                  <a14:hiddenLine xmlns="" xmlns:a14="http://schemas.microsoft.com/office/drawing/2010/main" w="9525">
                     <a:solidFill>
                       <a:srgbClr val="000000"/>
                     </a:solidFill>
@@ -10301,7 +10301,7 @@
               </a:ln>
               <a:extLst>
                 <a:ext uri="{91240B29-F687-4f45-9708-019B960494DF}">
-                  <a14:hiddenLine xmlns:a14="http://schemas.microsoft.com/office/drawing/2010/main" xmlns="" w="9525">
+                  <a14:hiddenLine xmlns="" xmlns:a14="http://schemas.microsoft.com/office/drawing/2010/main" w="9525">
                     <a:solidFill>
                       <a:srgbClr val="000000"/>
                     </a:solidFill>
@@ -10366,7 +10366,7 @@
               </a:ln>
               <a:extLst>
                 <a:ext uri="{91240B29-F687-4f45-9708-019B960494DF}">
-                  <a14:hiddenLine xmlns:a14="http://schemas.microsoft.com/office/drawing/2010/main" xmlns="" w="9525">
+                  <a14:hiddenLine xmlns="" xmlns:a14="http://schemas.microsoft.com/office/drawing/2010/main" w="9525">
                     <a:solidFill>
                       <a:srgbClr val="000000"/>
                     </a:solidFill>
@@ -10456,7 +10456,7 @@
               </a:ln>
               <a:extLst>
                 <a:ext uri="{91240B29-F687-4f45-9708-019B960494DF}">
-                  <a14:hiddenLine xmlns:a14="http://schemas.microsoft.com/office/drawing/2010/main" xmlns="" w="9525">
+                  <a14:hiddenLine xmlns="" xmlns:a14="http://schemas.microsoft.com/office/drawing/2010/main" w="9525">
                     <a:solidFill>
                       <a:srgbClr val="000000"/>
                     </a:solidFill>
@@ -10518,7 +10518,7 @@
               </a:ln>
               <a:extLst>
                 <a:ext uri="{91240B29-F687-4f45-9708-019B960494DF}">
-                  <a14:hiddenLine xmlns:a14="http://schemas.microsoft.com/office/drawing/2010/main" xmlns="" w="9525">
+                  <a14:hiddenLine xmlns="" xmlns:a14="http://schemas.microsoft.com/office/drawing/2010/main" w="9525">
                     <a:solidFill>
                       <a:srgbClr val="000000"/>
                     </a:solidFill>
@@ -10608,7 +10608,7 @@
               </a:ln>
               <a:extLst>
                 <a:ext uri="{91240B29-F687-4f45-9708-019B960494DF}">
-                  <a14:hiddenLine xmlns:a14="http://schemas.microsoft.com/office/drawing/2010/main" xmlns="" w="9525">
+                  <a14:hiddenLine xmlns="" xmlns:a14="http://schemas.microsoft.com/office/drawing/2010/main" w="9525">
                     <a:solidFill>
                       <a:srgbClr val="000000"/>
                     </a:solidFill>
@@ -10673,7 +10673,7 @@
               </a:ln>
               <a:extLst>
                 <a:ext uri="{91240B29-F687-4f45-9708-019B960494DF}">
-                  <a14:hiddenLine xmlns:a14="http://schemas.microsoft.com/office/drawing/2010/main" xmlns="" w="9525">
+                  <a14:hiddenLine xmlns="" xmlns:a14="http://schemas.microsoft.com/office/drawing/2010/main" w="9525">
                     <a:solidFill>
                       <a:srgbClr val="000000"/>
                     </a:solidFill>
@@ -10735,7 +10735,7 @@
               </a:ln>
               <a:extLst>
                 <a:ext uri="{91240B29-F687-4f45-9708-019B960494DF}">
-                  <a14:hiddenLine xmlns:a14="http://schemas.microsoft.com/office/drawing/2010/main" xmlns="" w="9525">
+                  <a14:hiddenLine xmlns="" xmlns:a14="http://schemas.microsoft.com/office/drawing/2010/main" w="9525">
                     <a:solidFill>
                       <a:srgbClr val="000000"/>
                     </a:solidFill>
@@ -10825,7 +10825,7 @@
               </a:ln>
               <a:extLst>
                 <a:ext uri="{91240B29-F687-4f45-9708-019B960494DF}">
-                  <a14:hiddenLine xmlns:a14="http://schemas.microsoft.com/office/drawing/2010/main" xmlns="" w="9525">
+                  <a14:hiddenLine xmlns="" xmlns:a14="http://schemas.microsoft.com/office/drawing/2010/main" w="9525">
                     <a:solidFill>
                       <a:srgbClr val="000000"/>
                     </a:solidFill>
@@ -10915,7 +10915,7 @@
               </a:ln>
               <a:extLst>
                 <a:ext uri="{91240B29-F687-4f45-9708-019B960494DF}">
-                  <a14:hiddenLine xmlns:a14="http://schemas.microsoft.com/office/drawing/2010/main" xmlns="" w="9525">
+                  <a14:hiddenLine xmlns="" xmlns:a14="http://schemas.microsoft.com/office/drawing/2010/main" w="9525">
                     <a:solidFill>
                       <a:srgbClr val="000000"/>
                     </a:solidFill>
@@ -10980,7 +10980,7 @@
               </a:ln>
               <a:extLst>
                 <a:ext uri="{91240B29-F687-4f45-9708-019B960494DF}">
-                  <a14:hiddenLine xmlns:a14="http://schemas.microsoft.com/office/drawing/2010/main" xmlns="" w="9525">
+                  <a14:hiddenLine xmlns="" xmlns:a14="http://schemas.microsoft.com/office/drawing/2010/main" w="9525">
                     <a:solidFill>
                       <a:srgbClr val="000000"/>
                     </a:solidFill>
@@ -11100,7 +11100,7 @@
               </a:ln>
               <a:extLst>
                 <a:ext uri="{91240B29-F687-4f45-9708-019B960494DF}">
-                  <a14:hiddenLine xmlns:a14="http://schemas.microsoft.com/office/drawing/2010/main" xmlns="" w="9525">
+                  <a14:hiddenLine xmlns="" xmlns:a14="http://schemas.microsoft.com/office/drawing/2010/main" w="9525">
                     <a:solidFill>
                       <a:srgbClr val="000000"/>
                     </a:solidFill>
@@ -11181,7 +11181,7 @@
               </a:ln>
               <a:extLst>
                 <a:ext uri="{91240B29-F687-4f45-9708-019B960494DF}">
-                  <a14:hiddenLine xmlns:a14="http://schemas.microsoft.com/office/drawing/2010/main" xmlns="" w="9525">
+                  <a14:hiddenLine xmlns="" xmlns:a14="http://schemas.microsoft.com/office/drawing/2010/main" w="9525">
                     <a:solidFill>
                       <a:srgbClr val="000000"/>
                     </a:solidFill>
@@ -11296,7 +11296,7 @@
               </a:ln>
               <a:extLst>
                 <a:ext uri="{91240B29-F687-4f45-9708-019B960494DF}">
-                  <a14:hiddenLine xmlns:a14="http://schemas.microsoft.com/office/drawing/2010/main" xmlns="" w="9525">
+                  <a14:hiddenLine xmlns="" xmlns:a14="http://schemas.microsoft.com/office/drawing/2010/main" w="9525">
                     <a:solidFill>
                       <a:srgbClr val="000000"/>
                     </a:solidFill>
@@ -11386,7 +11386,7 @@
               </a:ln>
               <a:extLst>
                 <a:ext uri="{91240B29-F687-4f45-9708-019B960494DF}">
-                  <a14:hiddenLine xmlns:a14="http://schemas.microsoft.com/office/drawing/2010/main" xmlns="" w="9525">
+                  <a14:hiddenLine xmlns="" xmlns:a14="http://schemas.microsoft.com/office/drawing/2010/main" w="9525">
                     <a:solidFill>
                       <a:srgbClr val="000000"/>
                     </a:solidFill>
@@ -11451,7 +11451,7 @@
               </a:ln>
               <a:extLst>
                 <a:ext uri="{91240B29-F687-4f45-9708-019B960494DF}">
-                  <a14:hiddenLine xmlns:a14="http://schemas.microsoft.com/office/drawing/2010/main" xmlns="" w="9525">
+                  <a14:hiddenLine xmlns="" xmlns:a14="http://schemas.microsoft.com/office/drawing/2010/main" w="9525">
                     <a:solidFill>
                       <a:srgbClr val="000000"/>
                     </a:solidFill>
@@ -11541,7 +11541,7 @@
               </a:ln>
               <a:extLst>
                 <a:ext uri="{91240B29-F687-4f45-9708-019B960494DF}">
-                  <a14:hiddenLine xmlns:a14="http://schemas.microsoft.com/office/drawing/2010/main" xmlns="" w="9525">
+                  <a14:hiddenLine xmlns="" xmlns:a14="http://schemas.microsoft.com/office/drawing/2010/main" w="9525">
                     <a:solidFill>
                       <a:srgbClr val="000000"/>
                     </a:solidFill>
@@ -11609,7 +11609,7 @@
               </a:ln>
               <a:extLst>
                 <a:ext uri="{91240B29-F687-4f45-9708-019B960494DF}">
-                  <a14:hiddenLine xmlns:a14="http://schemas.microsoft.com/office/drawing/2010/main" xmlns="" w="9525">
+                  <a14:hiddenLine xmlns="" xmlns:a14="http://schemas.microsoft.com/office/drawing/2010/main" w="9525">
                     <a:solidFill>
                       <a:srgbClr val="000000"/>
                     </a:solidFill>
@@ -11699,7 +11699,7 @@
               </a:ln>
               <a:extLst>
                 <a:ext uri="{91240B29-F687-4f45-9708-019B960494DF}">
-                  <a14:hiddenLine xmlns:a14="http://schemas.microsoft.com/office/drawing/2010/main" xmlns="" w="9525">
+                  <a14:hiddenLine xmlns="" xmlns:a14="http://schemas.microsoft.com/office/drawing/2010/main" w="9525">
                     <a:solidFill>
                       <a:srgbClr val="000000"/>
                     </a:solidFill>
@@ -11767,7 +11767,7 @@
               </a:ln>
               <a:extLst>
                 <a:ext uri="{91240B29-F687-4f45-9708-019B960494DF}">
-                  <a14:hiddenLine xmlns:a14="http://schemas.microsoft.com/office/drawing/2010/main" xmlns="" w="9525">
+                  <a14:hiddenLine xmlns="" xmlns:a14="http://schemas.microsoft.com/office/drawing/2010/main" w="9525">
                     <a:solidFill>
                       <a:srgbClr val="000000"/>
                     </a:solidFill>
@@ -11857,7 +11857,7 @@
               </a:ln>
               <a:extLst>
                 <a:ext uri="{91240B29-F687-4f45-9708-019B960494DF}">
-                  <a14:hiddenLine xmlns:a14="http://schemas.microsoft.com/office/drawing/2010/main" xmlns="" w="9525">
+                  <a14:hiddenLine xmlns="" xmlns:a14="http://schemas.microsoft.com/office/drawing/2010/main" w="9525">
                     <a:solidFill>
                       <a:srgbClr val="000000"/>
                     </a:solidFill>
@@ -11891,7 +11891,7 @@
               </a:ln>
               <a:extLst>
                 <a:ext uri="{91240B29-F687-4f45-9708-019B960494DF}">
-                  <a14:hiddenLine xmlns:a14="http://schemas.microsoft.com/office/drawing/2010/main" xmlns="" w="9525">
+                  <a14:hiddenLine xmlns="" xmlns:a14="http://schemas.microsoft.com/office/drawing/2010/main" w="9525">
                     <a:solidFill>
                       <a:srgbClr val="000000"/>
                     </a:solidFill>
@@ -12031,7 +12031,7 @@
           <a:p>
             <a:fld id="{ACE682BD-06F4-4FCE-B5FE-5134258E052E}" type="datetimeFigureOut">
               <a:rPr lang="pt-PT" smtClean="0"/>
-              <a:t>15/11/2020</a:t>
+              <a:t>16/11/2020</a:t>
             </a:fld>
             <a:endParaRPr lang="pt-PT"/>
           </a:p>
@@ -12621,7 +12621,7 @@
             <a:noFill/>
             <a:extLst>
               <a:ext uri="{909E8E84-426E-40dd-AFC4-6F175D3DCCD1}">
-                <a14:hiddenFill xmlns="" xmlns:a16="http://schemas.microsoft.com/office/drawing/2014/main" xmlns:p14="http://schemas.microsoft.com/office/powerpoint/2010/main" xmlns:a14="http://schemas.microsoft.com/office/drawing/2010/main">
+                <a14:hiddenFill xmlns:a14="http://schemas.microsoft.com/office/drawing/2010/main" xmlns:p14="http://schemas.microsoft.com/office/powerpoint/2010/main" xmlns:a16="http://schemas.microsoft.com/office/drawing/2014/main" xmlns="">
                   <a:solidFill>
                     <a:srgbClr val="FFFFFF"/>
                   </a:solidFill>
@@ -14747,7 +14747,7 @@
                 <a:effectLst/>
                 <a:latin typeface="-apple-system"/>
               </a:rPr>
-              <a:t>Listagens (utilizando métodos de ordenação)</a:t>
+              <a:t>Algoritmos de Listagem</a:t>
             </a:r>
             <a:endParaRPr lang="pt-PT" dirty="0"/>
           </a:p>
@@ -14769,9 +14769,16 @@
             <p:ph idx="1"/>
           </p:nvPr>
         </p:nvSpPr>
-        <p:spPr/>
+        <p:spPr>
+          <a:xfrm>
+            <a:off x="1141412" y="2249486"/>
+            <a:ext cx="9905999" cy="4212274"/>
+          </a:xfrm>
+        </p:spPr>
         <p:txBody>
-          <a:bodyPr/>
+          <a:bodyPr>
+            <a:normAutofit/>
+          </a:bodyPr>
           <a:lstStyle/>
           <a:p>
             <a:r>
@@ -14784,24 +14791,47 @@
             </a:r>
             <a:r>
               <a:rPr lang="pt-PT" dirty="0"/>
-              <a:t> por maior número de </a:t>
+              <a:t> por maior número de:</a:t>
+            </a:r>
+          </a:p>
+          <a:p>
+            <a:pPr lvl="1"/>
+            <a:r>
+              <a:rPr lang="pt-PT" dirty="0" err="1"/>
+              <a:t>Likes</a:t>
+            </a:r>
+            <a:endParaRPr lang="pt-PT" dirty="0"/>
+          </a:p>
+          <a:p>
+            <a:pPr lvl="1"/>
+            <a:r>
+              <a:rPr lang="pt-PT" dirty="0"/>
+              <a:t>Visualizações</a:t>
+            </a:r>
+          </a:p>
+          <a:p>
+            <a:r>
+              <a:rPr lang="pt-PT" dirty="0">
+                <a:latin typeface="-apple-system"/>
+              </a:rPr>
+              <a:t>U</a:t>
             </a:r>
             <a:r>
-              <a:rPr lang="pt-PT" dirty="0" err="1"/>
-              <a:t>likes</a:t>
+              <a:rPr lang="pt-PT" b="0" i="0" dirty="0">
+                <a:effectLst/>
+                <a:latin typeface="-apple-system"/>
+              </a:rPr>
+              <a:t>tilizando métodos de ordenação</a:t>
             </a:r>
-            <a:r>
-              <a:rPr lang="pt-PT" dirty="0"/>
-              <a:t> ou de visualizações</a:t>
-            </a:r>
-          </a:p>
-          <a:p>
             <a:endParaRPr lang="pt-PT" dirty="0"/>
           </a:p>
           <a:p>
             <a:endParaRPr lang="pt-PT" dirty="0"/>
           </a:p>
           <a:p>
+            <a:pPr marL="0" indent="0">
+              <a:buNone/>
+            </a:pPr>
             <a:endParaRPr lang="pt-PT" dirty="0"/>
           </a:p>
           <a:p>
@@ -14810,10 +14840,9 @@
               <a:buChar char="ü"/>
             </a:pPr>
             <a:r>
-              <a:rPr lang="pt-PT"/>
+              <a:rPr lang="pt-PT" dirty="0"/>
               <a:t>Completa</a:t>
             </a:r>
-            <a:endParaRPr lang="pt-PT" dirty="0"/>
           </a:p>
         </p:txBody>
       </p:sp>
@@ -14873,7 +14902,7 @@
                 <a:effectLst/>
                 <a:latin typeface="-apple-system"/>
               </a:rPr>
-              <a:t>Lista de funcionalidades implementadas, incluindo CRUD, listagem, pesquisa e outras </a:t>
+              <a:t>Algoritmos de pesquisa</a:t>
             </a:r>
             <a:endParaRPr lang="pt-PT" dirty="0"/>
           </a:p>
@@ -14895,12 +14924,78 @@
             <p:ph idx="1"/>
           </p:nvPr>
         </p:nvSpPr>
-        <p:spPr/>
+        <p:spPr>
+          <a:xfrm>
+            <a:off x="1141412" y="2249486"/>
+            <a:ext cx="9905999" cy="3881347"/>
+          </a:xfrm>
+        </p:spPr>
         <p:txBody>
-          <a:bodyPr/>
+          <a:bodyPr>
+            <a:normAutofit/>
+          </a:bodyPr>
           <a:lstStyle/>
           <a:p>
-            <a:endParaRPr lang="pt-PT"/>
+            <a:r>
+              <a:rPr lang="pt-PT" dirty="0"/>
+              <a:t>Pesquisa de </a:t>
+            </a:r>
+            <a:r>
+              <a:rPr lang="pt-PT" dirty="0" err="1"/>
+              <a:t>streams</a:t>
+            </a:r>
+            <a:r>
+              <a:rPr lang="pt-PT" dirty="0"/>
+              <a:t> por:</a:t>
+            </a:r>
+          </a:p>
+          <a:p>
+            <a:pPr lvl="1"/>
+            <a:r>
+              <a:rPr lang="pt-PT" dirty="0"/>
+              <a:t>Título</a:t>
+            </a:r>
+          </a:p>
+          <a:p>
+            <a:pPr lvl="1"/>
+            <a:r>
+              <a:rPr lang="pt-PT" dirty="0"/>
+              <a:t>Linguagem</a:t>
+            </a:r>
+          </a:p>
+          <a:p>
+            <a:pPr lvl="1"/>
+            <a:r>
+              <a:rPr lang="pt-PT" dirty="0"/>
+              <a:t>Idade mínima de adesão à </a:t>
+            </a:r>
+            <a:r>
+              <a:rPr lang="pt-PT" dirty="0" err="1"/>
+              <a:t>stream</a:t>
+            </a:r>
+            <a:endParaRPr lang="pt-PT" dirty="0"/>
+          </a:p>
+          <a:p>
+            <a:pPr lvl="1"/>
+            <a:endParaRPr lang="pt-PT" dirty="0"/>
+          </a:p>
+          <a:p>
+            <a:pPr lvl="1"/>
+            <a:endParaRPr lang="pt-PT" dirty="0"/>
+          </a:p>
+          <a:p>
+            <a:pPr lvl="1"/>
+            <a:endParaRPr lang="pt-PT" dirty="0"/>
+          </a:p>
+          <a:p>
+            <a:pPr>
+              <a:buFont typeface="Wingdings" panose="05000000000000000000" pitchFamily="2" charset="2"/>
+              <a:buChar char="ü"/>
+            </a:pPr>
+            <a:r>
+              <a:rPr lang="pt-PT" dirty="0"/>
+              <a:t>Completa</a:t>
+            </a:r>
           </a:p>
         </p:txBody>
       </p:sp>
@@ -15755,7 +15850,7 @@
             <a:pPr lvl="2"/>
             <a:r>
               <a:rPr lang="pt-PT" dirty="0"/>
-              <a:t>Visualizadores</a:t>
+              <a:t>Visualizador</a:t>
             </a:r>
           </a:p>
           <a:p>
@@ -15893,7 +15988,7 @@
           <a:noFill/>
           <a:extLst>
             <a:ext uri="{909E8E84-426E-40dd-AFC4-6F175D3DCCD1}">
-              <a14:hiddenFill xmlns="" xmlns:a16="http://schemas.microsoft.com/office/drawing/2014/main" xmlns:a14="http://schemas.microsoft.com/office/drawing/2010/main">
+              <a14:hiddenFill xmlns:a14="http://schemas.microsoft.com/office/drawing/2010/main" xmlns:a16="http://schemas.microsoft.com/office/drawing/2014/main" xmlns="">
                 <a:solidFill>
                   <a:srgbClr val="FFFFFF"/>
                 </a:solidFill>
@@ -15985,7 +16080,7 @@
             </a:ln>
             <a:extLst>
               <a:ext uri="{91240B29-F687-4f45-9708-019B960494DF}">
-                <a14:hiddenLine xmlns="" xmlns:a16="http://schemas.microsoft.com/office/drawing/2014/main" xmlns:a14="http://schemas.microsoft.com/office/drawing/2010/main" w="9525">
+                <a14:hiddenLine xmlns:a14="http://schemas.microsoft.com/office/drawing/2010/main" xmlns:a16="http://schemas.microsoft.com/office/drawing/2014/main" xmlns="" w="9525">
                   <a:solidFill>
                     <a:srgbClr val="000000"/>
                   </a:solidFill>
@@ -16090,7 +16185,7 @@
             </a:ln>
             <a:extLst>
               <a:ext uri="{91240B29-F687-4f45-9708-019B960494DF}">
-                <a14:hiddenLine xmlns="" xmlns:a16="http://schemas.microsoft.com/office/drawing/2014/main" xmlns:a14="http://schemas.microsoft.com/office/drawing/2010/main" w="9525">
+                <a14:hiddenLine xmlns:a14="http://schemas.microsoft.com/office/drawing/2010/main" xmlns:a16="http://schemas.microsoft.com/office/drawing/2014/main" xmlns="" w="9525">
                   <a:solidFill>
                     <a:srgbClr val="000000"/>
                   </a:solidFill>
@@ -16195,7 +16290,7 @@
             </a:ln>
             <a:extLst>
               <a:ext uri="{91240B29-F687-4f45-9708-019B960494DF}">
-                <a14:hiddenLine xmlns="" xmlns:a16="http://schemas.microsoft.com/office/drawing/2014/main" xmlns:a14="http://schemas.microsoft.com/office/drawing/2010/main" w="9525">
+                <a14:hiddenLine xmlns:a14="http://schemas.microsoft.com/office/drawing/2010/main" xmlns:a16="http://schemas.microsoft.com/office/drawing/2014/main" xmlns="" w="9525">
                   <a:solidFill>
                     <a:srgbClr val="000000"/>
                   </a:solidFill>
@@ -16244,7 +16339,7 @@
             </a:ln>
             <a:extLst>
               <a:ext uri="{91240B29-F687-4f45-9708-019B960494DF}">
-                <a14:hiddenLine xmlns="" xmlns:a16="http://schemas.microsoft.com/office/drawing/2014/main" xmlns:a14="http://schemas.microsoft.com/office/drawing/2010/main" w="9525">
+                <a14:hiddenLine xmlns:a14="http://schemas.microsoft.com/office/drawing/2010/main" xmlns:a16="http://schemas.microsoft.com/office/drawing/2014/main" xmlns="" w="9525">
                   <a:solidFill>
                     <a:srgbClr val="000000"/>
                   </a:solidFill>
@@ -16349,7 +16444,7 @@
             </a:ln>
             <a:extLst>
               <a:ext uri="{91240B29-F687-4f45-9708-019B960494DF}">
-                <a14:hiddenLine xmlns="" xmlns:a16="http://schemas.microsoft.com/office/drawing/2014/main" xmlns:a14="http://schemas.microsoft.com/office/drawing/2010/main" w="9525">
+                <a14:hiddenLine xmlns:a14="http://schemas.microsoft.com/office/drawing/2010/main" xmlns:a16="http://schemas.microsoft.com/office/drawing/2014/main" xmlns="" w="9525">
                   <a:solidFill>
                     <a:srgbClr val="000000"/>
                   </a:solidFill>
@@ -16426,7 +16521,7 @@
             </a:ln>
             <a:extLst>
               <a:ext uri="{91240B29-F687-4f45-9708-019B960494DF}">
-                <a14:hiddenLine xmlns="" xmlns:a16="http://schemas.microsoft.com/office/drawing/2014/main" xmlns:a14="http://schemas.microsoft.com/office/drawing/2010/main" w="9525">
+                <a14:hiddenLine xmlns:a14="http://schemas.microsoft.com/office/drawing/2010/main" xmlns:a16="http://schemas.microsoft.com/office/drawing/2014/main" xmlns="" w="9525">
                   <a:solidFill>
                     <a:srgbClr val="000000"/>
                   </a:solidFill>
@@ -16503,7 +16598,7 @@
             </a:ln>
             <a:extLst>
               <a:ext uri="{91240B29-F687-4f45-9708-019B960494DF}">
-                <a14:hiddenLine xmlns="" xmlns:a16="http://schemas.microsoft.com/office/drawing/2014/main" xmlns:a14="http://schemas.microsoft.com/office/drawing/2010/main" w="9525">
+                <a14:hiddenLine xmlns:a14="http://schemas.microsoft.com/office/drawing/2010/main" xmlns:a16="http://schemas.microsoft.com/office/drawing/2014/main" xmlns="" w="9525">
                   <a:solidFill>
                     <a:srgbClr val="000000"/>
                   </a:solidFill>
@@ -16608,7 +16703,7 @@
             </a:ln>
             <a:extLst>
               <a:ext uri="{91240B29-F687-4f45-9708-019B960494DF}">
-                <a14:hiddenLine xmlns="" xmlns:a16="http://schemas.microsoft.com/office/drawing/2014/main" xmlns:a14="http://schemas.microsoft.com/office/drawing/2010/main" w="9525">
+                <a14:hiddenLine xmlns:a14="http://schemas.microsoft.com/office/drawing/2010/main" xmlns:a16="http://schemas.microsoft.com/office/drawing/2014/main" xmlns="" w="9525">
                   <a:solidFill>
                     <a:srgbClr val="000000"/>
                   </a:solidFill>
@@ -16685,7 +16780,7 @@
             </a:ln>
             <a:extLst>
               <a:ext uri="{91240B29-F687-4f45-9708-019B960494DF}">
-                <a14:hiddenLine xmlns="" xmlns:a16="http://schemas.microsoft.com/office/drawing/2014/main" xmlns:a14="http://schemas.microsoft.com/office/drawing/2010/main" w="9525">
+                <a14:hiddenLine xmlns:a14="http://schemas.microsoft.com/office/drawing/2010/main" xmlns:a16="http://schemas.microsoft.com/office/drawing/2014/main" xmlns="" w="9525">
                   <a:solidFill>
                     <a:srgbClr val="000000"/>
                   </a:solidFill>
@@ -16762,7 +16857,7 @@
             </a:ln>
             <a:extLst>
               <a:ext uri="{91240B29-F687-4f45-9708-019B960494DF}">
-                <a14:hiddenLine xmlns="" xmlns:a16="http://schemas.microsoft.com/office/drawing/2014/main" xmlns:a14="http://schemas.microsoft.com/office/drawing/2010/main" w="9525">
+                <a14:hiddenLine xmlns:a14="http://schemas.microsoft.com/office/drawing/2010/main" xmlns:a16="http://schemas.microsoft.com/office/drawing/2014/main" xmlns="" w="9525">
                   <a:solidFill>
                     <a:srgbClr val="000000"/>
                   </a:solidFill>
@@ -16867,7 +16962,7 @@
             </a:ln>
             <a:extLst>
               <a:ext uri="{91240B29-F687-4f45-9708-019B960494DF}">
-                <a14:hiddenLine xmlns="" xmlns:a16="http://schemas.microsoft.com/office/drawing/2014/main" xmlns:a14="http://schemas.microsoft.com/office/drawing/2010/main" w="9525">
+                <a14:hiddenLine xmlns:a14="http://schemas.microsoft.com/office/drawing/2010/main" xmlns:a16="http://schemas.microsoft.com/office/drawing/2014/main" xmlns="" w="9525">
                   <a:solidFill>
                     <a:srgbClr val="000000"/>
                   </a:solidFill>
@@ -16972,7 +17067,7 @@
             </a:ln>
             <a:extLst>
               <a:ext uri="{91240B29-F687-4f45-9708-019B960494DF}">
-                <a14:hiddenLine xmlns="" xmlns:a16="http://schemas.microsoft.com/office/drawing/2014/main" xmlns:a14="http://schemas.microsoft.com/office/drawing/2010/main" w="9525">
+                <a14:hiddenLine xmlns:a14="http://schemas.microsoft.com/office/drawing/2010/main" xmlns:a16="http://schemas.microsoft.com/office/drawing/2014/main" xmlns="" w="9525">
                   <a:solidFill>
                     <a:srgbClr val="000000"/>
                   </a:solidFill>
@@ -17049,7 +17144,7 @@
             </a:ln>
             <a:extLst>
               <a:ext uri="{91240B29-F687-4f45-9708-019B960494DF}">
-                <a14:hiddenLine xmlns="" xmlns:a16="http://schemas.microsoft.com/office/drawing/2014/main" xmlns:a14="http://schemas.microsoft.com/office/drawing/2010/main" w="9525">
+                <a14:hiddenLine xmlns:a14="http://schemas.microsoft.com/office/drawing/2010/main" xmlns:a16="http://schemas.microsoft.com/office/drawing/2014/main" xmlns="" w="9525">
                   <a:solidFill>
                     <a:srgbClr val="000000"/>
                   </a:solidFill>
@@ -17174,7 +17269,7 @@
             </a:ln>
             <a:extLst>
               <a:ext uri="{91240B29-F687-4f45-9708-019B960494DF}">
-                <a14:hiddenLine xmlns="" xmlns:a16="http://schemas.microsoft.com/office/drawing/2014/main" xmlns:a14="http://schemas.microsoft.com/office/drawing/2010/main" w="9525">
+                <a14:hiddenLine xmlns:a14="http://schemas.microsoft.com/office/drawing/2010/main" xmlns:a16="http://schemas.microsoft.com/office/drawing/2014/main" xmlns="" w="9525">
                   <a:solidFill>
                     <a:srgbClr val="000000"/>
                   </a:solidFill>
@@ -17251,7 +17346,7 @@
             </a:ln>
             <a:extLst>
               <a:ext uri="{91240B29-F687-4f45-9708-019B960494DF}">
-                <a14:hiddenLine xmlns="" xmlns:a16="http://schemas.microsoft.com/office/drawing/2014/main" xmlns:a14="http://schemas.microsoft.com/office/drawing/2010/main" w="9525">
+                <a14:hiddenLine xmlns:a14="http://schemas.microsoft.com/office/drawing/2010/main" xmlns:a16="http://schemas.microsoft.com/office/drawing/2014/main" xmlns="" w="9525">
                   <a:solidFill>
                     <a:srgbClr val="000000"/>
                   </a:solidFill>
@@ -17356,7 +17451,7 @@
             </a:ln>
             <a:extLst>
               <a:ext uri="{91240B29-F687-4f45-9708-019B960494DF}">
-                <a14:hiddenLine xmlns="" xmlns:a16="http://schemas.microsoft.com/office/drawing/2014/main" xmlns:a14="http://schemas.microsoft.com/office/drawing/2010/main" w="9525">
+                <a14:hiddenLine xmlns:a14="http://schemas.microsoft.com/office/drawing/2010/main" xmlns:a16="http://schemas.microsoft.com/office/drawing/2014/main" xmlns="" w="9525">
                   <a:solidFill>
                     <a:srgbClr val="000000"/>
                   </a:solidFill>
@@ -17461,7 +17556,7 @@
             </a:ln>
             <a:extLst>
               <a:ext uri="{91240B29-F687-4f45-9708-019B960494DF}">
-                <a14:hiddenLine xmlns="" xmlns:a16="http://schemas.microsoft.com/office/drawing/2014/main" xmlns:a14="http://schemas.microsoft.com/office/drawing/2010/main" w="9525">
+                <a14:hiddenLine xmlns:a14="http://schemas.microsoft.com/office/drawing/2010/main" xmlns:a16="http://schemas.microsoft.com/office/drawing/2014/main" xmlns="" w="9525">
                   <a:solidFill>
                     <a:srgbClr val="000000"/>
                   </a:solidFill>
@@ -17538,7 +17633,7 @@
             </a:ln>
             <a:extLst>
               <a:ext uri="{91240B29-F687-4f45-9708-019B960494DF}">
-                <a14:hiddenLine xmlns="" xmlns:a16="http://schemas.microsoft.com/office/drawing/2014/main" xmlns:a14="http://schemas.microsoft.com/office/drawing/2010/main" w="9525">
+                <a14:hiddenLine xmlns:a14="http://schemas.microsoft.com/office/drawing/2010/main" xmlns:a16="http://schemas.microsoft.com/office/drawing/2014/main" xmlns="" w="9525">
                   <a:solidFill>
                     <a:srgbClr val="000000"/>
                   </a:solidFill>
@@ -17643,7 +17738,7 @@
             </a:ln>
             <a:extLst>
               <a:ext uri="{91240B29-F687-4f45-9708-019B960494DF}">
-                <a14:hiddenLine xmlns="" xmlns:a16="http://schemas.microsoft.com/office/drawing/2014/main" xmlns:a14="http://schemas.microsoft.com/office/drawing/2010/main" w="9525">
+                <a14:hiddenLine xmlns:a14="http://schemas.microsoft.com/office/drawing/2010/main" xmlns:a16="http://schemas.microsoft.com/office/drawing/2014/main" xmlns="" w="9525">
                   <a:solidFill>
                     <a:srgbClr val="000000"/>
                   </a:solidFill>
@@ -17748,7 +17843,7 @@
             </a:ln>
             <a:extLst>
               <a:ext uri="{91240B29-F687-4f45-9708-019B960494DF}">
-                <a14:hiddenLine xmlns="" xmlns:a16="http://schemas.microsoft.com/office/drawing/2014/main" xmlns:a14="http://schemas.microsoft.com/office/drawing/2010/main" w="9525">
+                <a14:hiddenLine xmlns:a14="http://schemas.microsoft.com/office/drawing/2010/main" xmlns:a16="http://schemas.microsoft.com/office/drawing/2014/main" xmlns="" w="9525">
                   <a:solidFill>
                     <a:srgbClr val="000000"/>
                   </a:solidFill>
@@ -17819,7 +17914,7 @@
             </a:ln>
             <a:extLst>
               <a:ext uri="{91240B29-F687-4f45-9708-019B960494DF}">
-                <a14:hiddenLine xmlns="" xmlns:a16="http://schemas.microsoft.com/office/drawing/2014/main" xmlns:a14="http://schemas.microsoft.com/office/drawing/2010/main" w="9525">
+                <a14:hiddenLine xmlns:a14="http://schemas.microsoft.com/office/drawing/2010/main" xmlns:a16="http://schemas.microsoft.com/office/drawing/2014/main" xmlns="" w="9525">
                   <a:solidFill>
                     <a:srgbClr val="000000"/>
                   </a:solidFill>
@@ -17924,7 +18019,7 @@
             </a:ln>
             <a:extLst>
               <a:ext uri="{91240B29-F687-4f45-9708-019B960494DF}">
-                <a14:hiddenLine xmlns="" xmlns:a16="http://schemas.microsoft.com/office/drawing/2014/main" xmlns:a14="http://schemas.microsoft.com/office/drawing/2010/main" w="9525">
+                <a14:hiddenLine xmlns:a14="http://schemas.microsoft.com/office/drawing/2010/main" xmlns:a16="http://schemas.microsoft.com/office/drawing/2014/main" xmlns="" w="9525">
                   <a:solidFill>
                     <a:srgbClr val="000000"/>
                   </a:solidFill>
@@ -17995,7 +18090,7 @@
             </a:ln>
             <a:extLst>
               <a:ext uri="{91240B29-F687-4f45-9708-019B960494DF}">
-                <a14:hiddenLine xmlns="" xmlns:a16="http://schemas.microsoft.com/office/drawing/2014/main" xmlns:a14="http://schemas.microsoft.com/office/drawing/2010/main" w="9525">
+                <a14:hiddenLine xmlns:a14="http://schemas.microsoft.com/office/drawing/2010/main" xmlns:a16="http://schemas.microsoft.com/office/drawing/2014/main" xmlns="" w="9525">
                   <a:solidFill>
                     <a:srgbClr val="000000"/>
                   </a:solidFill>
@@ -18100,7 +18195,7 @@
             </a:ln>
             <a:extLst>
               <a:ext uri="{91240B29-F687-4f45-9708-019B960494DF}">
-                <a14:hiddenLine xmlns="" xmlns:a16="http://schemas.microsoft.com/office/drawing/2014/main" xmlns:a14="http://schemas.microsoft.com/office/drawing/2010/main" w="9525">
+                <a14:hiddenLine xmlns:a14="http://schemas.microsoft.com/office/drawing/2010/main" xmlns:a16="http://schemas.microsoft.com/office/drawing/2014/main" xmlns="" w="9525">
                   <a:solidFill>
                     <a:srgbClr val="000000"/>
                   </a:solidFill>
@@ -18183,7 +18278,7 @@
             </a:ln>
             <a:extLst>
               <a:ext uri="{91240B29-F687-4f45-9708-019B960494DF}">
-                <a14:hiddenLine xmlns="" xmlns:a16="http://schemas.microsoft.com/office/drawing/2014/main" xmlns:a14="http://schemas.microsoft.com/office/drawing/2010/main" w="9525">
+                <a14:hiddenLine xmlns:a14="http://schemas.microsoft.com/office/drawing/2010/main" xmlns:a16="http://schemas.microsoft.com/office/drawing/2014/main" xmlns="" w="9525">
                   <a:solidFill>
                     <a:srgbClr val="000000"/>
                   </a:solidFill>
@@ -18288,7 +18383,7 @@
             </a:ln>
             <a:extLst>
               <a:ext uri="{91240B29-F687-4f45-9708-019B960494DF}">
-                <a14:hiddenLine xmlns="" xmlns:a16="http://schemas.microsoft.com/office/drawing/2014/main" xmlns:a14="http://schemas.microsoft.com/office/drawing/2010/main" w="9525">
+                <a14:hiddenLine xmlns:a14="http://schemas.microsoft.com/office/drawing/2010/main" xmlns:a16="http://schemas.microsoft.com/office/drawing/2014/main" xmlns="" w="9525">
                   <a:solidFill>
                     <a:srgbClr val="000000"/>
                   </a:solidFill>
@@ -18371,7 +18466,7 @@
             </a:ln>
             <a:extLst>
               <a:ext uri="{91240B29-F687-4f45-9708-019B960494DF}">
-                <a14:hiddenLine xmlns="" xmlns:a16="http://schemas.microsoft.com/office/drawing/2014/main" xmlns:a14="http://schemas.microsoft.com/office/drawing/2010/main" w="9525">
+                <a14:hiddenLine xmlns:a14="http://schemas.microsoft.com/office/drawing/2010/main" xmlns:a16="http://schemas.microsoft.com/office/drawing/2014/main" xmlns="" w="9525">
                   <a:solidFill>
                     <a:srgbClr val="000000"/>
                   </a:solidFill>
@@ -18476,7 +18571,7 @@
             </a:ln>
             <a:extLst>
               <a:ext uri="{91240B29-F687-4f45-9708-019B960494DF}">
-                <a14:hiddenLine xmlns="" xmlns:a16="http://schemas.microsoft.com/office/drawing/2014/main" xmlns:a14="http://schemas.microsoft.com/office/drawing/2010/main" w="9525">
+                <a14:hiddenLine xmlns:a14="http://schemas.microsoft.com/office/drawing/2010/main" xmlns:a16="http://schemas.microsoft.com/office/drawing/2014/main" xmlns="" w="9525">
                   <a:solidFill>
                     <a:srgbClr val="000000"/>
                   </a:solidFill>
@@ -18525,7 +18620,7 @@
             </a:ln>
             <a:extLst>
               <a:ext uri="{91240B29-F687-4f45-9708-019B960494DF}">
-                <a14:hiddenLine xmlns="" xmlns:a16="http://schemas.microsoft.com/office/drawing/2014/main" xmlns:a14="http://schemas.microsoft.com/office/drawing/2010/main" w="9525">
+                <a14:hiddenLine xmlns:a14="http://schemas.microsoft.com/office/drawing/2010/main" xmlns:a16="http://schemas.microsoft.com/office/drawing/2014/main" xmlns="" w="9525">
                   <a:solidFill>
                     <a:srgbClr val="000000"/>
                   </a:solidFill>
@@ -18630,7 +18725,7 @@
             </a:ln>
             <a:extLst>
               <a:ext uri="{91240B29-F687-4f45-9708-019B960494DF}">
-                <a14:hiddenLine xmlns="" xmlns:a16="http://schemas.microsoft.com/office/drawing/2014/main" xmlns:a14="http://schemas.microsoft.com/office/drawing/2010/main" w="9525">
+                <a14:hiddenLine xmlns:a14="http://schemas.microsoft.com/office/drawing/2010/main" xmlns:a16="http://schemas.microsoft.com/office/drawing/2014/main" xmlns="" w="9525">
                   <a:solidFill>
                     <a:srgbClr val="000000"/>
                   </a:solidFill>
@@ -18707,7 +18802,7 @@
             </a:ln>
             <a:extLst>
               <a:ext uri="{91240B29-F687-4f45-9708-019B960494DF}">
-                <a14:hiddenLine xmlns="" xmlns:a16="http://schemas.microsoft.com/office/drawing/2014/main" xmlns:a14="http://schemas.microsoft.com/office/drawing/2010/main" w="9525">
+                <a14:hiddenLine xmlns:a14="http://schemas.microsoft.com/office/drawing/2010/main" xmlns:a16="http://schemas.microsoft.com/office/drawing/2014/main" xmlns="" w="9525">
                   <a:solidFill>
                     <a:srgbClr val="000000"/>
                   </a:solidFill>
@@ -18784,7 +18879,7 @@
             </a:ln>
             <a:extLst>
               <a:ext uri="{91240B29-F687-4f45-9708-019B960494DF}">
-                <a14:hiddenLine xmlns="" xmlns:a16="http://schemas.microsoft.com/office/drawing/2014/main" xmlns:a14="http://schemas.microsoft.com/office/drawing/2010/main" w="9525">
+                <a14:hiddenLine xmlns:a14="http://schemas.microsoft.com/office/drawing/2010/main" xmlns:a16="http://schemas.microsoft.com/office/drawing/2014/main" xmlns="" w="9525">
                   <a:solidFill>
                     <a:srgbClr val="000000"/>
                   </a:solidFill>
@@ -18889,7 +18984,7 @@
             </a:ln>
             <a:extLst>
               <a:ext uri="{91240B29-F687-4f45-9708-019B960494DF}">
-                <a14:hiddenLine xmlns="" xmlns:a16="http://schemas.microsoft.com/office/drawing/2014/main" xmlns:a14="http://schemas.microsoft.com/office/drawing/2010/main" w="9525">
+                <a14:hiddenLine xmlns:a14="http://schemas.microsoft.com/office/drawing/2010/main" xmlns:a16="http://schemas.microsoft.com/office/drawing/2014/main" xmlns="" w="9525">
                   <a:solidFill>
                     <a:srgbClr val="000000"/>
                   </a:solidFill>
@@ -18972,7 +19067,7 @@
             </a:ln>
             <a:extLst>
               <a:ext uri="{91240B29-F687-4f45-9708-019B960494DF}">
-                <a14:hiddenLine xmlns="" xmlns:a16="http://schemas.microsoft.com/office/drawing/2014/main" xmlns:a14="http://schemas.microsoft.com/office/drawing/2010/main" w="9525">
+                <a14:hiddenLine xmlns:a14="http://schemas.microsoft.com/office/drawing/2010/main" xmlns:a16="http://schemas.microsoft.com/office/drawing/2014/main" xmlns="" w="9525">
                   <a:solidFill>
                     <a:srgbClr val="000000"/>
                   </a:solidFill>
@@ -19049,7 +19144,7 @@
             </a:ln>
             <a:extLst>
               <a:ext uri="{91240B29-F687-4f45-9708-019B960494DF}">
-                <a14:hiddenLine xmlns="" xmlns:a16="http://schemas.microsoft.com/office/drawing/2014/main" xmlns:a14="http://schemas.microsoft.com/office/drawing/2010/main" w="9525">
+                <a14:hiddenLine xmlns:a14="http://schemas.microsoft.com/office/drawing/2010/main" xmlns:a16="http://schemas.microsoft.com/office/drawing/2014/main" xmlns="" w="9525">
                   <a:solidFill>
                     <a:srgbClr val="000000"/>
                   </a:solidFill>
@@ -19154,7 +19249,7 @@
             </a:ln>
             <a:extLst>
               <a:ext uri="{91240B29-F687-4f45-9708-019B960494DF}">
-                <a14:hiddenLine xmlns="" xmlns:a16="http://schemas.microsoft.com/office/drawing/2014/main" xmlns:a14="http://schemas.microsoft.com/office/drawing/2010/main" w="9525">
+                <a14:hiddenLine xmlns:a14="http://schemas.microsoft.com/office/drawing/2010/main" xmlns:a16="http://schemas.microsoft.com/office/drawing/2014/main" xmlns="" w="9525">
                   <a:solidFill>
                     <a:srgbClr val="000000"/>
                   </a:solidFill>
@@ -19231,7 +19326,7 @@
             </a:ln>
             <a:extLst>
               <a:ext uri="{91240B29-F687-4f45-9708-019B960494DF}">
-                <a14:hiddenLine xmlns="" xmlns:a16="http://schemas.microsoft.com/office/drawing/2014/main" xmlns:a14="http://schemas.microsoft.com/office/drawing/2010/main" w="9525">
+                <a14:hiddenLine xmlns:a14="http://schemas.microsoft.com/office/drawing/2010/main" xmlns:a16="http://schemas.microsoft.com/office/drawing/2014/main" xmlns="" w="9525">
                   <a:solidFill>
                     <a:srgbClr val="000000"/>
                   </a:solidFill>
@@ -19336,7 +19431,7 @@
             </a:ln>
             <a:extLst>
               <a:ext uri="{91240B29-F687-4f45-9708-019B960494DF}">
-                <a14:hiddenLine xmlns="" xmlns:a16="http://schemas.microsoft.com/office/drawing/2014/main" xmlns:a14="http://schemas.microsoft.com/office/drawing/2010/main" w="9525">
+                <a14:hiddenLine xmlns:a14="http://schemas.microsoft.com/office/drawing/2010/main" xmlns:a16="http://schemas.microsoft.com/office/drawing/2014/main" xmlns="" w="9525">
                   <a:solidFill>
                     <a:srgbClr val="000000"/>
                   </a:solidFill>
@@ -19413,7 +19508,7 @@
             </a:ln>
             <a:extLst>
               <a:ext uri="{91240B29-F687-4f45-9708-019B960494DF}">
-                <a14:hiddenLine xmlns="" xmlns:a16="http://schemas.microsoft.com/office/drawing/2014/main" xmlns:a14="http://schemas.microsoft.com/office/drawing/2010/main" w="9525">
+                <a14:hiddenLine xmlns:a14="http://schemas.microsoft.com/office/drawing/2010/main" xmlns:a16="http://schemas.microsoft.com/office/drawing/2014/main" xmlns="" w="9525">
                   <a:solidFill>
                     <a:srgbClr val="000000"/>
                   </a:solidFill>
@@ -19518,7 +19613,7 @@
             </a:ln>
             <a:extLst>
               <a:ext uri="{91240B29-F687-4f45-9708-019B960494DF}">
-                <a14:hiddenLine xmlns="" xmlns:a16="http://schemas.microsoft.com/office/drawing/2014/main" xmlns:a14="http://schemas.microsoft.com/office/drawing/2010/main" w="9525">
+                <a14:hiddenLine xmlns:a14="http://schemas.microsoft.com/office/drawing/2010/main" xmlns:a16="http://schemas.microsoft.com/office/drawing/2014/main" xmlns="" w="9525">
                   <a:solidFill>
                     <a:srgbClr val="000000"/>
                   </a:solidFill>
@@ -19567,7 +19662,7 @@
             </a:ln>
             <a:extLst>
               <a:ext uri="{91240B29-F687-4f45-9708-019B960494DF}">
-                <a14:hiddenLine xmlns="" xmlns:a16="http://schemas.microsoft.com/office/drawing/2014/main" xmlns:a14="http://schemas.microsoft.com/office/drawing/2010/main" w="9525">
+                <a14:hiddenLine xmlns:a14="http://schemas.microsoft.com/office/drawing/2010/main" xmlns:a16="http://schemas.microsoft.com/office/drawing/2014/main" xmlns="" w="9525">
                   <a:solidFill>
                     <a:srgbClr val="000000"/>
                   </a:solidFill>
@@ -19647,7 +19742,7 @@
             </a:ln>
             <a:extLst>
               <a:ext uri="{91240B29-F687-4f45-9708-019B960494DF}">
-                <a14:hiddenLine xmlns="" xmlns:a16="http://schemas.microsoft.com/office/drawing/2014/main" xmlns:a14="http://schemas.microsoft.com/office/drawing/2010/main" w="9525">
+                <a14:hiddenLine xmlns:a14="http://schemas.microsoft.com/office/drawing/2010/main" xmlns:a16="http://schemas.microsoft.com/office/drawing/2014/main" xmlns="" w="9525">
                   <a:solidFill>
                     <a:srgbClr val="000000"/>
                   </a:solidFill>
@@ -19752,7 +19847,7 @@
             </a:ln>
             <a:extLst>
               <a:ext uri="{91240B29-F687-4f45-9708-019B960494DF}">
-                <a14:hiddenLine xmlns="" xmlns:a16="http://schemas.microsoft.com/office/drawing/2014/main" xmlns:a14="http://schemas.microsoft.com/office/drawing/2010/main" w="9525">
+                <a14:hiddenLine xmlns:a14="http://schemas.microsoft.com/office/drawing/2010/main" xmlns:a16="http://schemas.microsoft.com/office/drawing/2014/main" xmlns="" w="9525">
                   <a:solidFill>
                     <a:srgbClr val="000000"/>
                   </a:solidFill>
@@ -19829,7 +19924,7 @@
             </a:ln>
             <a:extLst>
               <a:ext uri="{91240B29-F687-4f45-9708-019B960494DF}">
-                <a14:hiddenLine xmlns="" xmlns:a16="http://schemas.microsoft.com/office/drawing/2014/main" xmlns:a14="http://schemas.microsoft.com/office/drawing/2010/main" w="9525">
+                <a14:hiddenLine xmlns:a14="http://schemas.microsoft.com/office/drawing/2010/main" xmlns:a16="http://schemas.microsoft.com/office/drawing/2014/main" xmlns="" w="9525">
                   <a:solidFill>
                     <a:srgbClr val="000000"/>
                   </a:solidFill>
@@ -19934,7 +20029,7 @@
             </a:ln>
             <a:extLst>
               <a:ext uri="{91240B29-F687-4f45-9708-019B960494DF}">
-                <a14:hiddenLine xmlns="" xmlns:a16="http://schemas.microsoft.com/office/drawing/2014/main" xmlns:a14="http://schemas.microsoft.com/office/drawing/2010/main" w="9525">
+                <a14:hiddenLine xmlns:a14="http://schemas.microsoft.com/office/drawing/2010/main" xmlns:a16="http://schemas.microsoft.com/office/drawing/2014/main" xmlns="" w="9525">
                   <a:solidFill>
                     <a:srgbClr val="000000"/>
                   </a:solidFill>
@@ -20039,7 +20134,7 @@
             </a:ln>
             <a:extLst>
               <a:ext uri="{91240B29-F687-4f45-9708-019B960494DF}">
-                <a14:hiddenLine xmlns="" xmlns:a16="http://schemas.microsoft.com/office/drawing/2014/main" xmlns:a14="http://schemas.microsoft.com/office/drawing/2010/main" w="9525">
+                <a14:hiddenLine xmlns:a14="http://schemas.microsoft.com/office/drawing/2010/main" xmlns:a16="http://schemas.microsoft.com/office/drawing/2014/main" xmlns="" w="9525">
                   <a:solidFill>
                     <a:srgbClr val="000000"/>
                   </a:solidFill>
@@ -20119,7 +20214,7 @@
             </a:ln>
             <a:extLst>
               <a:ext uri="{91240B29-F687-4f45-9708-019B960494DF}">
-                <a14:hiddenLine xmlns="" xmlns:a16="http://schemas.microsoft.com/office/drawing/2014/main" xmlns:a14="http://schemas.microsoft.com/office/drawing/2010/main" w="9525">
+                <a14:hiddenLine xmlns:a14="http://schemas.microsoft.com/office/drawing/2010/main" xmlns:a16="http://schemas.microsoft.com/office/drawing/2014/main" xmlns="" w="9525">
                   <a:solidFill>
                     <a:srgbClr val="000000"/>
                   </a:solidFill>
@@ -20196,7 +20291,7 @@
             </a:ln>
             <a:extLst>
               <a:ext uri="{91240B29-F687-4f45-9708-019B960494DF}">
-                <a14:hiddenLine xmlns="" xmlns:a16="http://schemas.microsoft.com/office/drawing/2014/main" xmlns:a14="http://schemas.microsoft.com/office/drawing/2010/main" w="9525">
+                <a14:hiddenLine xmlns:a14="http://schemas.microsoft.com/office/drawing/2010/main" xmlns:a16="http://schemas.microsoft.com/office/drawing/2014/main" xmlns="" w="9525">
                   <a:solidFill>
                     <a:srgbClr val="000000"/>
                   </a:solidFill>
@@ -20301,7 +20396,7 @@
             </a:ln>
             <a:extLst>
               <a:ext uri="{91240B29-F687-4f45-9708-019B960494DF}">
-                <a14:hiddenLine xmlns="" xmlns:a16="http://schemas.microsoft.com/office/drawing/2014/main" xmlns:a14="http://schemas.microsoft.com/office/drawing/2010/main" w="9525">
+                <a14:hiddenLine xmlns:a14="http://schemas.microsoft.com/office/drawing/2010/main" xmlns:a16="http://schemas.microsoft.com/office/drawing/2014/main" xmlns="" w="9525">
                   <a:solidFill>
                     <a:srgbClr val="000000"/>
                   </a:solidFill>
@@ -20406,7 +20501,7 @@
             </a:ln>
             <a:extLst>
               <a:ext uri="{91240B29-F687-4f45-9708-019B960494DF}">
-                <a14:hiddenLine xmlns="" xmlns:a16="http://schemas.microsoft.com/office/drawing/2014/main" xmlns:a14="http://schemas.microsoft.com/office/drawing/2010/main" w="9525">
+                <a14:hiddenLine xmlns:a14="http://schemas.microsoft.com/office/drawing/2010/main" xmlns:a16="http://schemas.microsoft.com/office/drawing/2014/main" xmlns="" w="9525">
                   <a:solidFill>
                     <a:srgbClr val="000000"/>
                   </a:solidFill>
@@ -20483,7 +20578,7 @@
             </a:ln>
             <a:extLst>
               <a:ext uri="{91240B29-F687-4f45-9708-019B960494DF}">
-                <a14:hiddenLine xmlns="" xmlns:a16="http://schemas.microsoft.com/office/drawing/2014/main" xmlns:a14="http://schemas.microsoft.com/office/drawing/2010/main" w="9525">
+                <a14:hiddenLine xmlns:a14="http://schemas.microsoft.com/office/drawing/2010/main" xmlns:a16="http://schemas.microsoft.com/office/drawing/2014/main" xmlns="" w="9525">
                   <a:solidFill>
                     <a:srgbClr val="000000"/>
                   </a:solidFill>
@@ -20618,7 +20713,7 @@
             </a:ln>
             <a:extLst>
               <a:ext uri="{91240B29-F687-4f45-9708-019B960494DF}">
-                <a14:hiddenLine xmlns="" xmlns:a16="http://schemas.microsoft.com/office/drawing/2014/main" xmlns:a14="http://schemas.microsoft.com/office/drawing/2010/main" w="9525">
+                <a14:hiddenLine xmlns:a14="http://schemas.microsoft.com/office/drawing/2010/main" xmlns:a16="http://schemas.microsoft.com/office/drawing/2014/main" xmlns="" w="9525">
                   <a:solidFill>
                     <a:srgbClr val="000000"/>
                   </a:solidFill>
@@ -20701,7 +20796,7 @@
             </a:ln>
             <a:extLst>
               <a:ext uri="{91240B29-F687-4f45-9708-019B960494DF}">
-                <a14:hiddenLine xmlns="" xmlns:a16="http://schemas.microsoft.com/office/drawing/2014/main" xmlns:a14="http://schemas.microsoft.com/office/drawing/2010/main" w="9525">
+                <a14:hiddenLine xmlns:a14="http://schemas.microsoft.com/office/drawing/2010/main" xmlns:a16="http://schemas.microsoft.com/office/drawing/2014/main" xmlns="" w="9525">
                   <a:solidFill>
                     <a:srgbClr val="000000"/>
                   </a:solidFill>
@@ -20806,7 +20901,7 @@
             </a:ln>
             <a:extLst>
               <a:ext uri="{91240B29-F687-4f45-9708-019B960494DF}">
-                <a14:hiddenLine xmlns="" xmlns:a16="http://schemas.microsoft.com/office/drawing/2014/main" xmlns:a14="http://schemas.microsoft.com/office/drawing/2010/main" w="9525">
+                <a14:hiddenLine xmlns:a14="http://schemas.microsoft.com/office/drawing/2010/main" xmlns:a16="http://schemas.microsoft.com/office/drawing/2014/main" xmlns="" w="9525">
                   <a:solidFill>
                     <a:srgbClr val="000000"/>
                   </a:solidFill>
@@ -20963,7 +21058,7 @@
             <a:noFill/>
             <a:extLst>
               <a:ext uri="{909E8E84-426E-40dd-AFC4-6F175D3DCCD1}">
-                <a14:hiddenFill xmlns="" xmlns:a16="http://schemas.microsoft.com/office/drawing/2014/main" xmlns:p14="http://schemas.microsoft.com/office/powerpoint/2010/main" xmlns:a14="http://schemas.microsoft.com/office/drawing/2010/main">
+                <a14:hiddenFill xmlns:a14="http://schemas.microsoft.com/office/drawing/2010/main" xmlns:p14="http://schemas.microsoft.com/office/powerpoint/2010/main" xmlns:a16="http://schemas.microsoft.com/office/drawing/2014/main" xmlns="">
                   <a:solidFill>
                     <a:srgbClr val="FFFFFF"/>
                   </a:solidFill>
@@ -23270,21 +23365,8 @@
             </a:r>
             <a:r>
               <a:rPr lang="pt-PT" dirty="0"/>
-              <a:t>, </a:t>
+              <a:t>, visualizadores e administrador</a:t>
             </a:r>
-            <a:r>
-              <a:rPr lang="pt-PT" dirty="0" err="1"/>
-              <a:t>viewers</a:t>
-            </a:r>
-            <a:r>
-              <a:rPr lang="pt-PT" dirty="0"/>
-              <a:t> e </a:t>
-            </a:r>
-            <a:r>
-              <a:rPr lang="pt-PT" dirty="0" err="1"/>
-              <a:t>admin</a:t>
-            </a:r>
-            <a:endParaRPr lang="pt-PT" dirty="0"/>
           </a:p>
           <a:p>
             <a:r>
@@ -23425,12 +23507,8 @@
           </a:p>
           <a:p>
             <a:r>
-              <a:rPr lang="pt-PT" dirty="0" err="1"/>
-              <a:t>Admin</a:t>
-            </a:r>
-            <a:r>
               <a:rPr lang="pt-PT" dirty="0"/>
-              <a:t> tem acesso às estatísticas mais importantes da plataforma</a:t>
+              <a:t>Administrador tem acesso às estatísticas mais importantes da plataforma</a:t>
             </a:r>
           </a:p>
           <a:p>
@@ -23973,16 +24051,22 @@
             <p:ph idx="1"/>
           </p:nvPr>
         </p:nvSpPr>
-        <p:spPr/>
+        <p:spPr>
+          <a:xfrm>
+            <a:off x="1141412" y="2249487"/>
+            <a:ext cx="9905999" cy="3794262"/>
+          </a:xfrm>
+        </p:spPr>
         <p:txBody>
-          <a:bodyPr/>
+          <a:bodyPr>
+            <a:normAutofit/>
+          </a:bodyPr>
           <a:lstStyle/>
           <a:p>
             <a:r>
-              <a:rPr lang="pt-PT" dirty="0" err="1"/>
-              <a:t>User</a:t>
+              <a:rPr lang="pt-PT" dirty="0"/>
+              <a:t>Utilizador</a:t>
             </a:r>
-            <a:endParaRPr lang="pt-PT" dirty="0"/>
           </a:p>
           <a:p>
             <a:r>
@@ -23993,12 +24077,8 @@
           </a:p>
           <a:p>
             <a:r>
-              <a:rPr lang="pt-PT" dirty="0" err="1"/>
-              <a:t>Admin</a:t>
-            </a:r>
-            <a:r>
               <a:rPr lang="pt-PT" dirty="0"/>
-              <a:t> </a:t>
+              <a:t>Administrador </a:t>
             </a:r>
             <a:r>
               <a:rPr lang="pt-PT" dirty="0">
@@ -24037,6 +24117,10 @@
               <a:rPr lang="pt-PT" dirty="0" err="1"/>
               <a:t>Update</a:t>
             </a:r>
+            <a:endParaRPr lang="pt-PT" dirty="0"/>
+          </a:p>
+          <a:p>
+            <a:pPr lvl="1"/>
             <a:endParaRPr lang="pt-PT" dirty="0"/>
           </a:p>
           <a:p>

--- a/StreamZ.pptx
+++ b/StreamZ.pptx
@@ -188,7 +188,7 @@
           <a:noFill/>
           <a:extLst>
             <a:ext uri="{909E8E84-426E-40dd-AFC4-6F175D3DCCD1}">
-              <a14:hiddenFill xmlns="" xmlns:a14="http://schemas.microsoft.com/office/drawing/2010/main">
+              <a14:hiddenFill xmlns:a14="http://schemas.microsoft.com/office/drawing/2010/main" xmlns="">
                 <a:solidFill>
                   <a:srgbClr val="FFFFFF"/>
                 </a:solidFill>
@@ -247,7 +247,7 @@
             </a:ln>
             <a:extLst>
               <a:ext uri="{91240B29-F687-4f45-9708-019B960494DF}">
-                <a14:hiddenLine xmlns="" xmlns:a14="http://schemas.microsoft.com/office/drawing/2010/main" w="9525">
+                <a14:hiddenLine xmlns:a14="http://schemas.microsoft.com/office/drawing/2010/main" xmlns="" w="9525">
                   <a:solidFill>
                     <a:srgbClr val="000000"/>
                   </a:solidFill>
@@ -337,7 +337,7 @@
             </a:ln>
             <a:extLst>
               <a:ext uri="{91240B29-F687-4f45-9708-019B960494DF}">
-                <a14:hiddenLine xmlns="" xmlns:a14="http://schemas.microsoft.com/office/drawing/2010/main" w="9525">
+                <a14:hiddenLine xmlns:a14="http://schemas.microsoft.com/office/drawing/2010/main" xmlns="" w="9525">
                   <a:solidFill>
                     <a:srgbClr val="000000"/>
                   </a:solidFill>
@@ -427,7 +427,7 @@
             </a:ln>
             <a:extLst>
               <a:ext uri="{91240B29-F687-4f45-9708-019B960494DF}">
-                <a14:hiddenLine xmlns="" xmlns:a14="http://schemas.microsoft.com/office/drawing/2010/main" w="9525">
+                <a14:hiddenLine xmlns:a14="http://schemas.microsoft.com/office/drawing/2010/main" xmlns="" w="9525">
                   <a:solidFill>
                     <a:srgbClr val="000000"/>
                   </a:solidFill>
@@ -461,7 +461,7 @@
             </a:ln>
             <a:extLst>
               <a:ext uri="{91240B29-F687-4f45-9708-019B960494DF}">
-                <a14:hiddenLine xmlns="" xmlns:a14="http://schemas.microsoft.com/office/drawing/2010/main" w="9525">
+                <a14:hiddenLine xmlns:a14="http://schemas.microsoft.com/office/drawing/2010/main" xmlns="" w="9525">
                   <a:solidFill>
                     <a:srgbClr val="000000"/>
                   </a:solidFill>
@@ -551,7 +551,7 @@
             </a:ln>
             <a:extLst>
               <a:ext uri="{91240B29-F687-4f45-9708-019B960494DF}">
-                <a14:hiddenLine xmlns="" xmlns:a14="http://schemas.microsoft.com/office/drawing/2010/main" w="9525">
+                <a14:hiddenLine xmlns:a14="http://schemas.microsoft.com/office/drawing/2010/main" xmlns="" w="9525">
                   <a:solidFill>
                     <a:srgbClr val="000000"/>
                   </a:solidFill>
@@ -613,7 +613,7 @@
             </a:ln>
             <a:extLst>
               <a:ext uri="{91240B29-F687-4f45-9708-019B960494DF}">
-                <a14:hiddenLine xmlns="" xmlns:a14="http://schemas.microsoft.com/office/drawing/2010/main" w="9525">
+                <a14:hiddenLine xmlns:a14="http://schemas.microsoft.com/office/drawing/2010/main" xmlns="" w="9525">
                   <a:solidFill>
                     <a:srgbClr val="000000"/>
                   </a:solidFill>
@@ -675,7 +675,7 @@
             </a:ln>
             <a:extLst>
               <a:ext uri="{91240B29-F687-4f45-9708-019B960494DF}">
-                <a14:hiddenLine xmlns="" xmlns:a14="http://schemas.microsoft.com/office/drawing/2010/main" w="9525">
+                <a14:hiddenLine xmlns:a14="http://schemas.microsoft.com/office/drawing/2010/main" xmlns="" w="9525">
                   <a:solidFill>
                     <a:srgbClr val="000000"/>
                   </a:solidFill>
@@ -765,7 +765,7 @@
             </a:ln>
             <a:extLst>
               <a:ext uri="{91240B29-F687-4f45-9708-019B960494DF}">
-                <a14:hiddenLine xmlns="" xmlns:a14="http://schemas.microsoft.com/office/drawing/2010/main" w="9525">
+                <a14:hiddenLine xmlns:a14="http://schemas.microsoft.com/office/drawing/2010/main" xmlns="" w="9525">
                   <a:solidFill>
                     <a:srgbClr val="000000"/>
                   </a:solidFill>
@@ -827,7 +827,7 @@
             </a:ln>
             <a:extLst>
               <a:ext uri="{91240B29-F687-4f45-9708-019B960494DF}">
-                <a14:hiddenLine xmlns="" xmlns:a14="http://schemas.microsoft.com/office/drawing/2010/main" w="9525">
+                <a14:hiddenLine xmlns:a14="http://schemas.microsoft.com/office/drawing/2010/main" xmlns="" w="9525">
                   <a:solidFill>
                     <a:srgbClr val="000000"/>
                   </a:solidFill>
@@ -889,7 +889,7 @@
             </a:ln>
             <a:extLst>
               <a:ext uri="{91240B29-F687-4f45-9708-019B960494DF}">
-                <a14:hiddenLine xmlns="" xmlns:a14="http://schemas.microsoft.com/office/drawing/2010/main" w="9525">
+                <a14:hiddenLine xmlns:a14="http://schemas.microsoft.com/office/drawing/2010/main" xmlns="" w="9525">
                   <a:solidFill>
                     <a:srgbClr val="000000"/>
                   </a:solidFill>
@@ -979,7 +979,7 @@
             </a:ln>
             <a:extLst>
               <a:ext uri="{91240B29-F687-4f45-9708-019B960494DF}">
-                <a14:hiddenLine xmlns="" xmlns:a14="http://schemas.microsoft.com/office/drawing/2010/main" w="9525">
+                <a14:hiddenLine xmlns:a14="http://schemas.microsoft.com/office/drawing/2010/main" xmlns="" w="9525">
                   <a:solidFill>
                     <a:srgbClr val="000000"/>
                   </a:solidFill>
@@ -1069,7 +1069,7 @@
             </a:ln>
             <a:extLst>
               <a:ext uri="{91240B29-F687-4f45-9708-019B960494DF}">
-                <a14:hiddenLine xmlns="" xmlns:a14="http://schemas.microsoft.com/office/drawing/2010/main" w="9525">
+                <a14:hiddenLine xmlns:a14="http://schemas.microsoft.com/office/drawing/2010/main" xmlns="" w="9525">
                   <a:solidFill>
                     <a:srgbClr val="000000"/>
                   </a:solidFill>
@@ -1131,7 +1131,7 @@
             </a:ln>
             <a:extLst>
               <a:ext uri="{91240B29-F687-4f45-9708-019B960494DF}">
-                <a14:hiddenLine xmlns="" xmlns:a14="http://schemas.microsoft.com/office/drawing/2010/main" w="9525">
+                <a14:hiddenLine xmlns:a14="http://schemas.microsoft.com/office/drawing/2010/main" xmlns="" w="9525">
                   <a:solidFill>
                     <a:srgbClr val="000000"/>
                   </a:solidFill>
@@ -1241,7 +1241,7 @@
             </a:ln>
             <a:extLst>
               <a:ext uri="{91240B29-F687-4f45-9708-019B960494DF}">
-                <a14:hiddenLine xmlns="" xmlns:a14="http://schemas.microsoft.com/office/drawing/2010/main" w="9525">
+                <a14:hiddenLine xmlns:a14="http://schemas.microsoft.com/office/drawing/2010/main" xmlns="" w="9525">
                   <a:solidFill>
                     <a:srgbClr val="000000"/>
                   </a:solidFill>
@@ -1303,7 +1303,7 @@
             </a:ln>
             <a:extLst>
               <a:ext uri="{91240B29-F687-4f45-9708-019B960494DF}">
-                <a14:hiddenLine xmlns="" xmlns:a14="http://schemas.microsoft.com/office/drawing/2010/main" w="9525">
+                <a14:hiddenLine xmlns:a14="http://schemas.microsoft.com/office/drawing/2010/main" xmlns="" w="9525">
                   <a:solidFill>
                     <a:srgbClr val="000000"/>
                   </a:solidFill>
@@ -1393,7 +1393,7 @@
             </a:ln>
             <a:extLst>
               <a:ext uri="{91240B29-F687-4f45-9708-019B960494DF}">
-                <a14:hiddenLine xmlns="" xmlns:a14="http://schemas.microsoft.com/office/drawing/2010/main" w="9525">
+                <a14:hiddenLine xmlns:a14="http://schemas.microsoft.com/office/drawing/2010/main" xmlns="" w="9525">
                   <a:solidFill>
                     <a:srgbClr val="000000"/>
                   </a:solidFill>
@@ -1483,7 +1483,7 @@
             </a:ln>
             <a:extLst>
               <a:ext uri="{91240B29-F687-4f45-9708-019B960494DF}">
-                <a14:hiddenLine xmlns="" xmlns:a14="http://schemas.microsoft.com/office/drawing/2010/main" w="9525">
+                <a14:hiddenLine xmlns:a14="http://schemas.microsoft.com/office/drawing/2010/main" xmlns="" w="9525">
                   <a:solidFill>
                     <a:srgbClr val="000000"/>
                   </a:solidFill>
@@ -1545,7 +1545,7 @@
             </a:ln>
             <a:extLst>
               <a:ext uri="{91240B29-F687-4f45-9708-019B960494DF}">
-                <a14:hiddenLine xmlns="" xmlns:a14="http://schemas.microsoft.com/office/drawing/2010/main" w="9525">
+                <a14:hiddenLine xmlns:a14="http://schemas.microsoft.com/office/drawing/2010/main" xmlns="" w="9525">
                   <a:solidFill>
                     <a:srgbClr val="000000"/>
                   </a:solidFill>
@@ -1635,7 +1635,7 @@
             </a:ln>
             <a:extLst>
               <a:ext uri="{91240B29-F687-4f45-9708-019B960494DF}">
-                <a14:hiddenLine xmlns="" xmlns:a14="http://schemas.microsoft.com/office/drawing/2010/main" w="9525">
+                <a14:hiddenLine xmlns:a14="http://schemas.microsoft.com/office/drawing/2010/main" xmlns="" w="9525">
                   <a:solidFill>
                     <a:srgbClr val="000000"/>
                   </a:solidFill>
@@ -1725,7 +1725,7 @@
             </a:ln>
             <a:extLst>
               <a:ext uri="{91240B29-F687-4f45-9708-019B960494DF}">
-                <a14:hiddenLine xmlns="" xmlns:a14="http://schemas.microsoft.com/office/drawing/2010/main" w="9525">
+                <a14:hiddenLine xmlns:a14="http://schemas.microsoft.com/office/drawing/2010/main" xmlns="" w="9525">
                   <a:solidFill>
                     <a:srgbClr val="000000"/>
                   </a:solidFill>
@@ -1781,7 +1781,7 @@
             </a:ln>
             <a:extLst>
               <a:ext uri="{91240B29-F687-4f45-9708-019B960494DF}">
-                <a14:hiddenLine xmlns="" xmlns:a14="http://schemas.microsoft.com/office/drawing/2010/main" w="9525">
+                <a14:hiddenLine xmlns:a14="http://schemas.microsoft.com/office/drawing/2010/main" xmlns="" w="9525">
                   <a:solidFill>
                     <a:srgbClr val="000000"/>
                   </a:solidFill>
@@ -1871,7 +1871,7 @@
             </a:ln>
             <a:extLst>
               <a:ext uri="{91240B29-F687-4f45-9708-019B960494DF}">
-                <a14:hiddenLine xmlns="" xmlns:a14="http://schemas.microsoft.com/office/drawing/2010/main" w="9525">
+                <a14:hiddenLine xmlns:a14="http://schemas.microsoft.com/office/drawing/2010/main" xmlns="" w="9525">
                   <a:solidFill>
                     <a:srgbClr val="000000"/>
                   </a:solidFill>
@@ -1927,7 +1927,7 @@
             </a:ln>
             <a:extLst>
               <a:ext uri="{91240B29-F687-4f45-9708-019B960494DF}">
-                <a14:hiddenLine xmlns="" xmlns:a14="http://schemas.microsoft.com/office/drawing/2010/main" w="9525">
+                <a14:hiddenLine xmlns:a14="http://schemas.microsoft.com/office/drawing/2010/main" xmlns="" w="9525">
                   <a:solidFill>
                     <a:srgbClr val="000000"/>
                   </a:solidFill>
@@ -2017,7 +2017,7 @@
             </a:ln>
             <a:extLst>
               <a:ext uri="{91240B29-F687-4f45-9708-019B960494DF}">
-                <a14:hiddenLine xmlns="" xmlns:a14="http://schemas.microsoft.com/office/drawing/2010/main" w="9525">
+                <a14:hiddenLine xmlns:a14="http://schemas.microsoft.com/office/drawing/2010/main" xmlns="" w="9525">
                   <a:solidFill>
                     <a:srgbClr val="000000"/>
                   </a:solidFill>
@@ -2085,7 +2085,7 @@
             </a:ln>
             <a:extLst>
               <a:ext uri="{91240B29-F687-4f45-9708-019B960494DF}">
-                <a14:hiddenLine xmlns="" xmlns:a14="http://schemas.microsoft.com/office/drawing/2010/main" w="9525">
+                <a14:hiddenLine xmlns:a14="http://schemas.microsoft.com/office/drawing/2010/main" xmlns="" w="9525">
                   <a:solidFill>
                     <a:srgbClr val="000000"/>
                   </a:solidFill>
@@ -2175,7 +2175,7 @@
             </a:ln>
             <a:extLst>
               <a:ext uri="{91240B29-F687-4f45-9708-019B960494DF}">
-                <a14:hiddenLine xmlns="" xmlns:a14="http://schemas.microsoft.com/office/drawing/2010/main" w="9525">
+                <a14:hiddenLine xmlns:a14="http://schemas.microsoft.com/office/drawing/2010/main" xmlns="" w="9525">
                   <a:solidFill>
                     <a:srgbClr val="000000"/>
                   </a:solidFill>
@@ -2243,7 +2243,7 @@
             </a:ln>
             <a:extLst>
               <a:ext uri="{91240B29-F687-4f45-9708-019B960494DF}">
-                <a14:hiddenLine xmlns="" xmlns:a14="http://schemas.microsoft.com/office/drawing/2010/main" w="9525">
+                <a14:hiddenLine xmlns:a14="http://schemas.microsoft.com/office/drawing/2010/main" xmlns="" w="9525">
                   <a:solidFill>
                     <a:srgbClr val="000000"/>
                   </a:solidFill>
@@ -2333,7 +2333,7 @@
             </a:ln>
             <a:extLst>
               <a:ext uri="{91240B29-F687-4f45-9708-019B960494DF}">
-                <a14:hiddenLine xmlns="" xmlns:a14="http://schemas.microsoft.com/office/drawing/2010/main" w="9525">
+                <a14:hiddenLine xmlns:a14="http://schemas.microsoft.com/office/drawing/2010/main" xmlns="" w="9525">
                   <a:solidFill>
                     <a:srgbClr val="000000"/>
                   </a:solidFill>
@@ -2367,7 +2367,7 @@
             </a:ln>
             <a:extLst>
               <a:ext uri="{91240B29-F687-4f45-9708-019B960494DF}">
-                <a14:hiddenLine xmlns="" xmlns:a14="http://schemas.microsoft.com/office/drawing/2010/main" w="9525">
+                <a14:hiddenLine xmlns:a14="http://schemas.microsoft.com/office/drawing/2010/main" xmlns="" w="9525">
                   <a:solidFill>
                     <a:srgbClr val="000000"/>
                   </a:solidFill>
@@ -2457,7 +2457,7 @@
             </a:ln>
             <a:extLst>
               <a:ext uri="{91240B29-F687-4f45-9708-019B960494DF}">
-                <a14:hiddenLine xmlns="" xmlns:a14="http://schemas.microsoft.com/office/drawing/2010/main" w="9525">
+                <a14:hiddenLine xmlns:a14="http://schemas.microsoft.com/office/drawing/2010/main" xmlns="" w="9525">
                   <a:solidFill>
                     <a:srgbClr val="000000"/>
                   </a:solidFill>
@@ -2519,7 +2519,7 @@
             </a:ln>
             <a:extLst>
               <a:ext uri="{91240B29-F687-4f45-9708-019B960494DF}">
-                <a14:hiddenLine xmlns="" xmlns:a14="http://schemas.microsoft.com/office/drawing/2010/main" w="9525">
+                <a14:hiddenLine xmlns:a14="http://schemas.microsoft.com/office/drawing/2010/main" xmlns="" w="9525">
                   <a:solidFill>
                     <a:srgbClr val="000000"/>
                   </a:solidFill>
@@ -2581,7 +2581,7 @@
             </a:ln>
             <a:extLst>
               <a:ext uri="{91240B29-F687-4f45-9708-019B960494DF}">
-                <a14:hiddenLine xmlns="" xmlns:a14="http://schemas.microsoft.com/office/drawing/2010/main" w="9525">
+                <a14:hiddenLine xmlns:a14="http://schemas.microsoft.com/office/drawing/2010/main" xmlns="" w="9525">
                   <a:solidFill>
                     <a:srgbClr val="000000"/>
                   </a:solidFill>
@@ -2671,7 +2671,7 @@
             </a:ln>
             <a:extLst>
               <a:ext uri="{91240B29-F687-4f45-9708-019B960494DF}">
-                <a14:hiddenLine xmlns="" xmlns:a14="http://schemas.microsoft.com/office/drawing/2010/main" w="9525">
+                <a14:hiddenLine xmlns:a14="http://schemas.microsoft.com/office/drawing/2010/main" xmlns="" w="9525">
                   <a:solidFill>
                     <a:srgbClr val="000000"/>
                   </a:solidFill>
@@ -2739,7 +2739,7 @@
             </a:ln>
             <a:extLst>
               <a:ext uri="{91240B29-F687-4f45-9708-019B960494DF}">
-                <a14:hiddenLine xmlns="" xmlns:a14="http://schemas.microsoft.com/office/drawing/2010/main" w="9525">
+                <a14:hiddenLine xmlns:a14="http://schemas.microsoft.com/office/drawing/2010/main" xmlns="" w="9525">
                   <a:solidFill>
                     <a:srgbClr val="000000"/>
                   </a:solidFill>
@@ -2801,7 +2801,7 @@
             </a:ln>
             <a:extLst>
               <a:ext uri="{91240B29-F687-4f45-9708-019B960494DF}">
-                <a14:hiddenLine xmlns="" xmlns:a14="http://schemas.microsoft.com/office/drawing/2010/main" w="9525">
+                <a14:hiddenLine xmlns:a14="http://schemas.microsoft.com/office/drawing/2010/main" xmlns="" w="9525">
                   <a:solidFill>
                     <a:srgbClr val="000000"/>
                   </a:solidFill>
@@ -2891,7 +2891,7 @@
             </a:ln>
             <a:extLst>
               <a:ext uri="{91240B29-F687-4f45-9708-019B960494DF}">
-                <a14:hiddenLine xmlns="" xmlns:a14="http://schemas.microsoft.com/office/drawing/2010/main" w="9525">
+                <a14:hiddenLine xmlns:a14="http://schemas.microsoft.com/office/drawing/2010/main" xmlns="" w="9525">
                   <a:solidFill>
                     <a:srgbClr val="000000"/>
                   </a:solidFill>
@@ -2953,7 +2953,7 @@
             </a:ln>
             <a:extLst>
               <a:ext uri="{91240B29-F687-4f45-9708-019B960494DF}">
-                <a14:hiddenLine xmlns="" xmlns:a14="http://schemas.microsoft.com/office/drawing/2010/main" w="9525">
+                <a14:hiddenLine xmlns:a14="http://schemas.microsoft.com/office/drawing/2010/main" xmlns="" w="9525">
                   <a:solidFill>
                     <a:srgbClr val="000000"/>
                   </a:solidFill>
@@ -3043,7 +3043,7 @@
             </a:ln>
             <a:extLst>
               <a:ext uri="{91240B29-F687-4f45-9708-019B960494DF}">
-                <a14:hiddenLine xmlns="" xmlns:a14="http://schemas.microsoft.com/office/drawing/2010/main" w="9525">
+                <a14:hiddenLine xmlns:a14="http://schemas.microsoft.com/office/drawing/2010/main" xmlns="" w="9525">
                   <a:solidFill>
                     <a:srgbClr val="000000"/>
                   </a:solidFill>
@@ -3105,7 +3105,7 @@
             </a:ln>
             <a:extLst>
               <a:ext uri="{91240B29-F687-4f45-9708-019B960494DF}">
-                <a14:hiddenLine xmlns="" xmlns:a14="http://schemas.microsoft.com/office/drawing/2010/main" w="9525">
+                <a14:hiddenLine xmlns:a14="http://schemas.microsoft.com/office/drawing/2010/main" xmlns="" w="9525">
                   <a:solidFill>
                     <a:srgbClr val="000000"/>
                   </a:solidFill>
@@ -3195,7 +3195,7 @@
             </a:ln>
             <a:extLst>
               <a:ext uri="{91240B29-F687-4f45-9708-019B960494DF}">
-                <a14:hiddenLine xmlns="" xmlns:a14="http://schemas.microsoft.com/office/drawing/2010/main" w="9525">
+                <a14:hiddenLine xmlns:a14="http://schemas.microsoft.com/office/drawing/2010/main" xmlns="" w="9525">
                   <a:solidFill>
                     <a:srgbClr val="000000"/>
                   </a:solidFill>
@@ -3229,7 +3229,7 @@
             </a:ln>
             <a:extLst>
               <a:ext uri="{91240B29-F687-4f45-9708-019B960494DF}">
-                <a14:hiddenLine xmlns="" xmlns:a14="http://schemas.microsoft.com/office/drawing/2010/main" w="9525">
+                <a14:hiddenLine xmlns:a14="http://schemas.microsoft.com/office/drawing/2010/main" xmlns="" w="9525">
                   <a:solidFill>
                     <a:srgbClr val="000000"/>
                   </a:solidFill>
@@ -3294,7 +3294,7 @@
             </a:ln>
             <a:extLst>
               <a:ext uri="{91240B29-F687-4f45-9708-019B960494DF}">
-                <a14:hiddenLine xmlns="" xmlns:a14="http://schemas.microsoft.com/office/drawing/2010/main" w="9525">
+                <a14:hiddenLine xmlns:a14="http://schemas.microsoft.com/office/drawing/2010/main" xmlns="" w="9525">
                   <a:solidFill>
                     <a:srgbClr val="000000"/>
                   </a:solidFill>
@@ -3384,7 +3384,7 @@
             </a:ln>
             <a:extLst>
               <a:ext uri="{91240B29-F687-4f45-9708-019B960494DF}">
-                <a14:hiddenLine xmlns="" xmlns:a14="http://schemas.microsoft.com/office/drawing/2010/main" w="9525">
+                <a14:hiddenLine xmlns:a14="http://schemas.microsoft.com/office/drawing/2010/main" xmlns="" w="9525">
                   <a:solidFill>
                     <a:srgbClr val="000000"/>
                   </a:solidFill>
@@ -3446,7 +3446,7 @@
             </a:ln>
             <a:extLst>
               <a:ext uri="{91240B29-F687-4f45-9708-019B960494DF}">
-                <a14:hiddenLine xmlns="" xmlns:a14="http://schemas.microsoft.com/office/drawing/2010/main" w="9525">
+                <a14:hiddenLine xmlns:a14="http://schemas.microsoft.com/office/drawing/2010/main" xmlns="" w="9525">
                   <a:solidFill>
                     <a:srgbClr val="000000"/>
                   </a:solidFill>
@@ -3536,7 +3536,7 @@
             </a:ln>
             <a:extLst>
               <a:ext uri="{91240B29-F687-4f45-9708-019B960494DF}">
-                <a14:hiddenLine xmlns="" xmlns:a14="http://schemas.microsoft.com/office/drawing/2010/main" w="9525">
+                <a14:hiddenLine xmlns:a14="http://schemas.microsoft.com/office/drawing/2010/main" xmlns="" w="9525">
                   <a:solidFill>
                     <a:srgbClr val="000000"/>
                   </a:solidFill>
@@ -3626,7 +3626,7 @@
             </a:ln>
             <a:extLst>
               <a:ext uri="{91240B29-F687-4f45-9708-019B960494DF}">
-                <a14:hiddenLine xmlns="" xmlns:a14="http://schemas.microsoft.com/office/drawing/2010/main" w="9525">
+                <a14:hiddenLine xmlns:a14="http://schemas.microsoft.com/office/drawing/2010/main" xmlns="" w="9525">
                   <a:solidFill>
                     <a:srgbClr val="000000"/>
                   </a:solidFill>
@@ -3691,7 +3691,7 @@
             </a:ln>
             <a:extLst>
               <a:ext uri="{91240B29-F687-4f45-9708-019B960494DF}">
-                <a14:hiddenLine xmlns="" xmlns:a14="http://schemas.microsoft.com/office/drawing/2010/main" w="9525">
+                <a14:hiddenLine xmlns:a14="http://schemas.microsoft.com/office/drawing/2010/main" xmlns="" w="9525">
                   <a:solidFill>
                     <a:srgbClr val="000000"/>
                   </a:solidFill>
@@ -3753,7 +3753,7 @@
             </a:ln>
             <a:extLst>
               <a:ext uri="{91240B29-F687-4f45-9708-019B960494DF}">
-                <a14:hiddenLine xmlns="" xmlns:a14="http://schemas.microsoft.com/office/drawing/2010/main" w="9525">
+                <a14:hiddenLine xmlns:a14="http://schemas.microsoft.com/office/drawing/2010/main" xmlns="" w="9525">
                   <a:solidFill>
                     <a:srgbClr val="000000"/>
                   </a:solidFill>
@@ -3843,7 +3843,7 @@
             </a:ln>
             <a:extLst>
               <a:ext uri="{91240B29-F687-4f45-9708-019B960494DF}">
-                <a14:hiddenLine xmlns="" xmlns:a14="http://schemas.microsoft.com/office/drawing/2010/main" w="9525">
+                <a14:hiddenLine xmlns:a14="http://schemas.microsoft.com/office/drawing/2010/main" xmlns="" w="9525">
                   <a:solidFill>
                     <a:srgbClr val="000000"/>
                   </a:solidFill>
@@ -3933,7 +3933,7 @@
             </a:ln>
             <a:extLst>
               <a:ext uri="{91240B29-F687-4f45-9708-019B960494DF}">
-                <a14:hiddenLine xmlns="" xmlns:a14="http://schemas.microsoft.com/office/drawing/2010/main" w="9525">
+                <a14:hiddenLine xmlns:a14="http://schemas.microsoft.com/office/drawing/2010/main" xmlns="" w="9525">
                   <a:solidFill>
                     <a:srgbClr val="000000"/>
                   </a:solidFill>
@@ -3995,7 +3995,7 @@
             </a:ln>
             <a:extLst>
               <a:ext uri="{91240B29-F687-4f45-9708-019B960494DF}">
-                <a14:hiddenLine xmlns="" xmlns:a14="http://schemas.microsoft.com/office/drawing/2010/main" w="9525">
+                <a14:hiddenLine xmlns:a14="http://schemas.microsoft.com/office/drawing/2010/main" xmlns="" w="9525">
                   <a:solidFill>
                     <a:srgbClr val="000000"/>
                   </a:solidFill>
@@ -4115,7 +4115,7 @@
             </a:ln>
             <a:extLst>
               <a:ext uri="{91240B29-F687-4f45-9708-019B960494DF}">
-                <a14:hiddenLine xmlns="" xmlns:a14="http://schemas.microsoft.com/office/drawing/2010/main" w="9525">
+                <a14:hiddenLine xmlns:a14="http://schemas.microsoft.com/office/drawing/2010/main" xmlns="" w="9525">
                   <a:solidFill>
                     <a:srgbClr val="000000"/>
                   </a:solidFill>
@@ -4183,7 +4183,7 @@
             </a:ln>
             <a:extLst>
               <a:ext uri="{91240B29-F687-4f45-9708-019B960494DF}">
-                <a14:hiddenLine xmlns="" xmlns:a14="http://schemas.microsoft.com/office/drawing/2010/main" w="9525">
+                <a14:hiddenLine xmlns:a14="http://schemas.microsoft.com/office/drawing/2010/main" xmlns="" w="9525">
                   <a:solidFill>
                     <a:srgbClr val="000000"/>
                   </a:solidFill>
@@ -4273,7 +4273,7 @@
             </a:ln>
             <a:extLst>
               <a:ext uri="{91240B29-F687-4f45-9708-019B960494DF}">
-                <a14:hiddenLine xmlns="" xmlns:a14="http://schemas.microsoft.com/office/drawing/2010/main" w="9525">
+                <a14:hiddenLine xmlns:a14="http://schemas.microsoft.com/office/drawing/2010/main" xmlns="" w="9525">
                   <a:solidFill>
                     <a:srgbClr val="000000"/>
                   </a:solidFill>
@@ -4413,7 +4413,7 @@
           <a:p>
             <a:fld id="{ACE682BD-06F4-4FCE-B5FE-5134258E052E}" type="datetimeFigureOut">
               <a:rPr lang="pt-PT" smtClean="0"/>
-              <a:t>16/11/2020</a:t>
+              <a:t>17/11/2020</a:t>
             </a:fld>
             <a:endParaRPr lang="pt-PT"/>
           </a:p>
@@ -4680,7 +4680,7 @@
           <a:p>
             <a:fld id="{ACE682BD-06F4-4FCE-B5FE-5134258E052E}" type="datetimeFigureOut">
               <a:rPr lang="pt-PT" smtClean="0"/>
-              <a:t>16/11/2020</a:t>
+              <a:t>17/11/2020</a:t>
             </a:fld>
             <a:endParaRPr lang="pt-PT"/>
           </a:p>
@@ -4876,7 +4876,7 @@
           <a:p>
             <a:fld id="{ACE682BD-06F4-4FCE-B5FE-5134258E052E}" type="datetimeFigureOut">
               <a:rPr lang="pt-PT" smtClean="0"/>
-              <a:t>16/11/2020</a:t>
+              <a:t>17/11/2020</a:t>
             </a:fld>
             <a:endParaRPr lang="pt-PT"/>
           </a:p>
@@ -5139,7 +5139,7 @@
           <a:p>
             <a:fld id="{ACE682BD-06F4-4FCE-B5FE-5134258E052E}" type="datetimeFigureOut">
               <a:rPr lang="pt-PT" smtClean="0"/>
-              <a:t>16/11/2020</a:t>
+              <a:t>17/11/2020</a:t>
             </a:fld>
             <a:endParaRPr lang="pt-PT"/>
           </a:p>
@@ -5573,7 +5573,7 @@
           <a:p>
             <a:fld id="{ACE682BD-06F4-4FCE-B5FE-5134258E052E}" type="datetimeFigureOut">
               <a:rPr lang="pt-PT" smtClean="0"/>
-              <a:t>16/11/2020</a:t>
+              <a:t>17/11/2020</a:t>
             </a:fld>
             <a:endParaRPr lang="pt-PT"/>
           </a:p>
@@ -6119,7 +6119,7 @@
           <a:p>
             <a:fld id="{ACE682BD-06F4-4FCE-B5FE-5134258E052E}" type="datetimeFigureOut">
               <a:rPr lang="pt-PT" smtClean="0"/>
-              <a:t>16/11/2020</a:t>
+              <a:t>17/11/2020</a:t>
             </a:fld>
             <a:endParaRPr lang="pt-PT"/>
           </a:p>
@@ -6839,7 +6839,7 @@
           <a:p>
             <a:fld id="{ACE682BD-06F4-4FCE-B5FE-5134258E052E}" type="datetimeFigureOut">
               <a:rPr lang="pt-PT" smtClean="0"/>
-              <a:t>16/11/2020</a:t>
+              <a:t>17/11/2020</a:t>
             </a:fld>
             <a:endParaRPr lang="pt-PT"/>
           </a:p>
@@ -7009,7 +7009,7 @@
           <a:p>
             <a:fld id="{ACE682BD-06F4-4FCE-B5FE-5134258E052E}" type="datetimeFigureOut">
               <a:rPr lang="pt-PT" smtClean="0"/>
-              <a:t>16/11/2020</a:t>
+              <a:t>17/11/2020</a:t>
             </a:fld>
             <a:endParaRPr lang="pt-PT"/>
           </a:p>
@@ -7189,7 +7189,7 @@
           <a:p>
             <a:fld id="{ACE682BD-06F4-4FCE-B5FE-5134258E052E}" type="datetimeFigureOut">
               <a:rPr lang="pt-PT" smtClean="0"/>
-              <a:t>16/11/2020</a:t>
+              <a:t>17/11/2020</a:t>
             </a:fld>
             <a:endParaRPr lang="pt-PT"/>
           </a:p>
@@ -7359,7 +7359,7 @@
           <a:p>
             <a:fld id="{ACE682BD-06F4-4FCE-B5FE-5134258E052E}" type="datetimeFigureOut">
               <a:rPr lang="pt-PT" smtClean="0"/>
-              <a:t>16/11/2020</a:t>
+              <a:t>17/11/2020</a:t>
             </a:fld>
             <a:endParaRPr lang="pt-PT"/>
           </a:p>
@@ -7609,7 +7609,7 @@
           <a:p>
             <a:fld id="{ACE682BD-06F4-4FCE-B5FE-5134258E052E}" type="datetimeFigureOut">
               <a:rPr lang="pt-PT" smtClean="0"/>
-              <a:t>16/11/2020</a:t>
+              <a:t>17/11/2020</a:t>
             </a:fld>
             <a:endParaRPr lang="pt-PT"/>
           </a:p>
@@ -7841,7 +7841,7 @@
           <a:p>
             <a:fld id="{ACE682BD-06F4-4FCE-B5FE-5134258E052E}" type="datetimeFigureOut">
               <a:rPr lang="pt-PT" smtClean="0"/>
-              <a:t>16/11/2020</a:t>
+              <a:t>17/11/2020</a:t>
             </a:fld>
             <a:endParaRPr lang="pt-PT"/>
           </a:p>
@@ -8222,7 +8222,7 @@
           <a:p>
             <a:fld id="{ACE682BD-06F4-4FCE-B5FE-5134258E052E}" type="datetimeFigureOut">
               <a:rPr lang="pt-PT" smtClean="0"/>
-              <a:t>16/11/2020</a:t>
+              <a:t>17/11/2020</a:t>
             </a:fld>
             <a:endParaRPr lang="pt-PT"/>
           </a:p>
@@ -8340,7 +8340,7 @@
           <a:p>
             <a:fld id="{ACE682BD-06F4-4FCE-B5FE-5134258E052E}" type="datetimeFigureOut">
               <a:rPr lang="pt-PT" smtClean="0"/>
-              <a:t>16/11/2020</a:t>
+              <a:t>17/11/2020</a:t>
             </a:fld>
             <a:endParaRPr lang="pt-PT"/>
           </a:p>
@@ -8435,7 +8435,7 @@
           <a:p>
             <a:fld id="{ACE682BD-06F4-4FCE-B5FE-5134258E052E}" type="datetimeFigureOut">
               <a:rPr lang="pt-PT" smtClean="0"/>
-              <a:t>16/11/2020</a:t>
+              <a:t>17/11/2020</a:t>
             </a:fld>
             <a:endParaRPr lang="pt-PT"/>
           </a:p>
@@ -8684,7 +8684,7 @@
           <a:p>
             <a:fld id="{ACE682BD-06F4-4FCE-B5FE-5134258E052E}" type="datetimeFigureOut">
               <a:rPr lang="pt-PT" smtClean="0"/>
-              <a:t>16/11/2020</a:t>
+              <a:t>17/11/2020</a:t>
             </a:fld>
             <a:endParaRPr lang="pt-PT"/>
           </a:p>
@@ -8964,7 +8964,7 @@
           <a:p>
             <a:fld id="{ACE682BD-06F4-4FCE-B5FE-5134258E052E}" type="datetimeFigureOut">
               <a:rPr lang="pt-PT" smtClean="0"/>
-              <a:t>16/11/2020</a:t>
+              <a:t>17/11/2020</a:t>
             </a:fld>
             <a:endParaRPr lang="pt-PT"/>
           </a:p>
@@ -9087,7 +9087,7 @@
           <a:noFill/>
           <a:extLst>
             <a:ext uri="{909E8E84-426E-40dd-AFC4-6F175D3DCCD1}">
-              <a14:hiddenFill xmlns="" xmlns:a14="http://schemas.microsoft.com/office/drawing/2010/main">
+              <a14:hiddenFill xmlns:a14="http://schemas.microsoft.com/office/drawing/2010/main" xmlns="">
                 <a:solidFill>
                   <a:srgbClr val="FFFFFF"/>
                 </a:solidFill>
@@ -9161,7 +9161,7 @@
               </a:ln>
               <a:extLst>
                 <a:ext uri="{91240B29-F687-4f45-9708-019B960494DF}">
-                  <a14:hiddenLine xmlns="" xmlns:a14="http://schemas.microsoft.com/office/drawing/2010/main" w="9525">
+                  <a14:hiddenLine xmlns:a14="http://schemas.microsoft.com/office/drawing/2010/main" xmlns="" w="9525">
                     <a:solidFill>
                       <a:srgbClr val="000000"/>
                     </a:solidFill>
@@ -9251,7 +9251,7 @@
               </a:ln>
               <a:extLst>
                 <a:ext uri="{91240B29-F687-4f45-9708-019B960494DF}">
-                  <a14:hiddenLine xmlns="" xmlns:a14="http://schemas.microsoft.com/office/drawing/2010/main" w="9525">
+                  <a14:hiddenLine xmlns:a14="http://schemas.microsoft.com/office/drawing/2010/main" xmlns="" w="9525">
                     <a:solidFill>
                       <a:srgbClr val="000000"/>
                     </a:solidFill>
@@ -9341,7 +9341,7 @@
               </a:ln>
               <a:extLst>
                 <a:ext uri="{91240B29-F687-4f45-9708-019B960494DF}">
-                  <a14:hiddenLine xmlns="" xmlns:a14="http://schemas.microsoft.com/office/drawing/2010/main" w="9525">
+                  <a14:hiddenLine xmlns:a14="http://schemas.microsoft.com/office/drawing/2010/main" xmlns="" w="9525">
                     <a:solidFill>
                       <a:srgbClr val="000000"/>
                     </a:solidFill>
@@ -9403,7 +9403,7 @@
               </a:ln>
               <a:extLst>
                 <a:ext uri="{91240B29-F687-4f45-9708-019B960494DF}">
-                  <a14:hiddenLine xmlns="" xmlns:a14="http://schemas.microsoft.com/office/drawing/2010/main" w="9525">
+                  <a14:hiddenLine xmlns:a14="http://schemas.microsoft.com/office/drawing/2010/main" xmlns="" w="9525">
                     <a:solidFill>
                       <a:srgbClr val="000000"/>
                     </a:solidFill>
@@ -9493,7 +9493,7 @@
               </a:ln>
               <a:extLst>
                 <a:ext uri="{91240B29-F687-4f45-9708-019B960494DF}">
-                  <a14:hiddenLine xmlns="" xmlns:a14="http://schemas.microsoft.com/office/drawing/2010/main" w="9525">
+                  <a14:hiddenLine xmlns:a14="http://schemas.microsoft.com/office/drawing/2010/main" xmlns="" w="9525">
                     <a:solidFill>
                       <a:srgbClr val="000000"/>
                     </a:solidFill>
@@ -9555,7 +9555,7 @@
               </a:ln>
               <a:extLst>
                 <a:ext uri="{91240B29-F687-4f45-9708-019B960494DF}">
-                  <a14:hiddenLine xmlns="" xmlns:a14="http://schemas.microsoft.com/office/drawing/2010/main" w="9525">
+                  <a14:hiddenLine xmlns:a14="http://schemas.microsoft.com/office/drawing/2010/main" xmlns="" w="9525">
                     <a:solidFill>
                       <a:srgbClr val="000000"/>
                     </a:solidFill>
@@ -9617,7 +9617,7 @@
               </a:ln>
               <a:extLst>
                 <a:ext uri="{91240B29-F687-4f45-9708-019B960494DF}">
-                  <a14:hiddenLine xmlns="" xmlns:a14="http://schemas.microsoft.com/office/drawing/2010/main" w="9525">
+                  <a14:hiddenLine xmlns:a14="http://schemas.microsoft.com/office/drawing/2010/main" xmlns="" w="9525">
                     <a:solidFill>
                       <a:srgbClr val="000000"/>
                     </a:solidFill>
@@ -9707,7 +9707,7 @@
               </a:ln>
               <a:extLst>
                 <a:ext uri="{91240B29-F687-4f45-9708-019B960494DF}">
-                  <a14:hiddenLine xmlns="" xmlns:a14="http://schemas.microsoft.com/office/drawing/2010/main" w="9525">
+                  <a14:hiddenLine xmlns:a14="http://schemas.microsoft.com/office/drawing/2010/main" xmlns="" w="9525">
                     <a:solidFill>
                       <a:srgbClr val="000000"/>
                     </a:solidFill>
@@ -9797,7 +9797,7 @@
               </a:ln>
               <a:extLst>
                 <a:ext uri="{91240B29-F687-4f45-9708-019B960494DF}">
-                  <a14:hiddenLine xmlns="" xmlns:a14="http://schemas.microsoft.com/office/drawing/2010/main" w="9525">
+                  <a14:hiddenLine xmlns:a14="http://schemas.microsoft.com/office/drawing/2010/main" xmlns="" w="9525">
                     <a:solidFill>
                       <a:srgbClr val="000000"/>
                     </a:solidFill>
@@ -9859,7 +9859,7 @@
               </a:ln>
               <a:extLst>
                 <a:ext uri="{91240B29-F687-4f45-9708-019B960494DF}">
-                  <a14:hiddenLine xmlns="" xmlns:a14="http://schemas.microsoft.com/office/drawing/2010/main" w="9525">
+                  <a14:hiddenLine xmlns:a14="http://schemas.microsoft.com/office/drawing/2010/main" xmlns="" w="9525">
                     <a:solidFill>
                       <a:srgbClr val="000000"/>
                     </a:solidFill>
@@ -9969,7 +9969,7 @@
               </a:ln>
               <a:extLst>
                 <a:ext uri="{91240B29-F687-4f45-9708-019B960494DF}">
-                  <a14:hiddenLine xmlns="" xmlns:a14="http://schemas.microsoft.com/office/drawing/2010/main" w="9525">
+                  <a14:hiddenLine xmlns:a14="http://schemas.microsoft.com/office/drawing/2010/main" xmlns="" w="9525">
                     <a:solidFill>
                       <a:srgbClr val="000000"/>
                     </a:solidFill>
@@ -10053,7 +10053,7 @@
               </a:ln>
               <a:extLst>
                 <a:ext uri="{91240B29-F687-4f45-9708-019B960494DF}">
-                  <a14:hiddenLine xmlns="" xmlns:a14="http://schemas.microsoft.com/office/drawing/2010/main" w="9525">
+                  <a14:hiddenLine xmlns:a14="http://schemas.microsoft.com/office/drawing/2010/main" xmlns="" w="9525">
                     <a:solidFill>
                       <a:srgbClr val="000000"/>
                     </a:solidFill>
@@ -10115,7 +10115,7 @@
               </a:ln>
               <a:extLst>
                 <a:ext uri="{91240B29-F687-4f45-9708-019B960494DF}">
-                  <a14:hiddenLine xmlns="" xmlns:a14="http://schemas.microsoft.com/office/drawing/2010/main" w="9525">
+                  <a14:hiddenLine xmlns:a14="http://schemas.microsoft.com/office/drawing/2010/main" xmlns="" w="9525">
                     <a:solidFill>
                       <a:srgbClr val="000000"/>
                     </a:solidFill>
@@ -10177,7 +10177,7 @@
               </a:ln>
               <a:extLst>
                 <a:ext uri="{91240B29-F687-4f45-9708-019B960494DF}">
-                  <a14:hiddenLine xmlns="" xmlns:a14="http://schemas.microsoft.com/office/drawing/2010/main" w="9525">
+                  <a14:hiddenLine xmlns:a14="http://schemas.microsoft.com/office/drawing/2010/main" xmlns="" w="9525">
                     <a:solidFill>
                       <a:srgbClr val="000000"/>
                     </a:solidFill>
@@ -10267,7 +10267,7 @@
               </a:ln>
               <a:extLst>
                 <a:ext uri="{91240B29-F687-4f45-9708-019B960494DF}">
-                  <a14:hiddenLine xmlns="" xmlns:a14="http://schemas.microsoft.com/office/drawing/2010/main" w="9525">
+                  <a14:hiddenLine xmlns:a14="http://schemas.microsoft.com/office/drawing/2010/main" xmlns="" w="9525">
                     <a:solidFill>
                       <a:srgbClr val="000000"/>
                     </a:solidFill>
@@ -10301,7 +10301,7 @@
               </a:ln>
               <a:extLst>
                 <a:ext uri="{91240B29-F687-4f45-9708-019B960494DF}">
-                  <a14:hiddenLine xmlns="" xmlns:a14="http://schemas.microsoft.com/office/drawing/2010/main" w="9525">
+                  <a14:hiddenLine xmlns:a14="http://schemas.microsoft.com/office/drawing/2010/main" xmlns="" w="9525">
                     <a:solidFill>
                       <a:srgbClr val="000000"/>
                     </a:solidFill>
@@ -10366,7 +10366,7 @@
               </a:ln>
               <a:extLst>
                 <a:ext uri="{91240B29-F687-4f45-9708-019B960494DF}">
-                  <a14:hiddenLine xmlns="" xmlns:a14="http://schemas.microsoft.com/office/drawing/2010/main" w="9525">
+                  <a14:hiddenLine xmlns:a14="http://schemas.microsoft.com/office/drawing/2010/main" xmlns="" w="9525">
                     <a:solidFill>
                       <a:srgbClr val="000000"/>
                     </a:solidFill>
@@ -10456,7 +10456,7 @@
               </a:ln>
               <a:extLst>
                 <a:ext uri="{91240B29-F687-4f45-9708-019B960494DF}">
-                  <a14:hiddenLine xmlns="" xmlns:a14="http://schemas.microsoft.com/office/drawing/2010/main" w="9525">
+                  <a14:hiddenLine xmlns:a14="http://schemas.microsoft.com/office/drawing/2010/main" xmlns="" w="9525">
                     <a:solidFill>
                       <a:srgbClr val="000000"/>
                     </a:solidFill>
@@ -10518,7 +10518,7 @@
               </a:ln>
               <a:extLst>
                 <a:ext uri="{91240B29-F687-4f45-9708-019B960494DF}">
-                  <a14:hiddenLine xmlns="" xmlns:a14="http://schemas.microsoft.com/office/drawing/2010/main" w="9525">
+                  <a14:hiddenLine xmlns:a14="http://schemas.microsoft.com/office/drawing/2010/main" xmlns="" w="9525">
                     <a:solidFill>
                       <a:srgbClr val="000000"/>
                     </a:solidFill>
@@ -10608,7 +10608,7 @@
               </a:ln>
               <a:extLst>
                 <a:ext uri="{91240B29-F687-4f45-9708-019B960494DF}">
-                  <a14:hiddenLine xmlns="" xmlns:a14="http://schemas.microsoft.com/office/drawing/2010/main" w="9525">
+                  <a14:hiddenLine xmlns:a14="http://schemas.microsoft.com/office/drawing/2010/main" xmlns="" w="9525">
                     <a:solidFill>
                       <a:srgbClr val="000000"/>
                     </a:solidFill>
@@ -10673,7 +10673,7 @@
               </a:ln>
               <a:extLst>
                 <a:ext uri="{91240B29-F687-4f45-9708-019B960494DF}">
-                  <a14:hiddenLine xmlns="" xmlns:a14="http://schemas.microsoft.com/office/drawing/2010/main" w="9525">
+                  <a14:hiddenLine xmlns:a14="http://schemas.microsoft.com/office/drawing/2010/main" xmlns="" w="9525">
                     <a:solidFill>
                       <a:srgbClr val="000000"/>
                     </a:solidFill>
@@ -10735,7 +10735,7 @@
               </a:ln>
               <a:extLst>
                 <a:ext uri="{91240B29-F687-4f45-9708-019B960494DF}">
-                  <a14:hiddenLine xmlns="" xmlns:a14="http://schemas.microsoft.com/office/drawing/2010/main" w="9525">
+                  <a14:hiddenLine xmlns:a14="http://schemas.microsoft.com/office/drawing/2010/main" xmlns="" w="9525">
                     <a:solidFill>
                       <a:srgbClr val="000000"/>
                     </a:solidFill>
@@ -10825,7 +10825,7 @@
               </a:ln>
               <a:extLst>
                 <a:ext uri="{91240B29-F687-4f45-9708-019B960494DF}">
-                  <a14:hiddenLine xmlns="" xmlns:a14="http://schemas.microsoft.com/office/drawing/2010/main" w="9525">
+                  <a14:hiddenLine xmlns:a14="http://schemas.microsoft.com/office/drawing/2010/main" xmlns="" w="9525">
                     <a:solidFill>
                       <a:srgbClr val="000000"/>
                     </a:solidFill>
@@ -10915,7 +10915,7 @@
               </a:ln>
               <a:extLst>
                 <a:ext uri="{91240B29-F687-4f45-9708-019B960494DF}">
-                  <a14:hiddenLine xmlns="" xmlns:a14="http://schemas.microsoft.com/office/drawing/2010/main" w="9525">
+                  <a14:hiddenLine xmlns:a14="http://schemas.microsoft.com/office/drawing/2010/main" xmlns="" w="9525">
                     <a:solidFill>
                       <a:srgbClr val="000000"/>
                     </a:solidFill>
@@ -10980,7 +10980,7 @@
               </a:ln>
               <a:extLst>
                 <a:ext uri="{91240B29-F687-4f45-9708-019B960494DF}">
-                  <a14:hiddenLine xmlns="" xmlns:a14="http://schemas.microsoft.com/office/drawing/2010/main" w="9525">
+                  <a14:hiddenLine xmlns:a14="http://schemas.microsoft.com/office/drawing/2010/main" xmlns="" w="9525">
                     <a:solidFill>
                       <a:srgbClr val="000000"/>
                     </a:solidFill>
@@ -11100,7 +11100,7 @@
               </a:ln>
               <a:extLst>
                 <a:ext uri="{91240B29-F687-4f45-9708-019B960494DF}">
-                  <a14:hiddenLine xmlns="" xmlns:a14="http://schemas.microsoft.com/office/drawing/2010/main" w="9525">
+                  <a14:hiddenLine xmlns:a14="http://schemas.microsoft.com/office/drawing/2010/main" xmlns="" w="9525">
                     <a:solidFill>
                       <a:srgbClr val="000000"/>
                     </a:solidFill>
@@ -11181,7 +11181,7 @@
               </a:ln>
               <a:extLst>
                 <a:ext uri="{91240B29-F687-4f45-9708-019B960494DF}">
-                  <a14:hiddenLine xmlns="" xmlns:a14="http://schemas.microsoft.com/office/drawing/2010/main" w="9525">
+                  <a14:hiddenLine xmlns:a14="http://schemas.microsoft.com/office/drawing/2010/main" xmlns="" w="9525">
                     <a:solidFill>
                       <a:srgbClr val="000000"/>
                     </a:solidFill>
@@ -11296,7 +11296,7 @@
               </a:ln>
               <a:extLst>
                 <a:ext uri="{91240B29-F687-4f45-9708-019B960494DF}">
-                  <a14:hiddenLine xmlns="" xmlns:a14="http://schemas.microsoft.com/office/drawing/2010/main" w="9525">
+                  <a14:hiddenLine xmlns:a14="http://schemas.microsoft.com/office/drawing/2010/main" xmlns="" w="9525">
                     <a:solidFill>
                       <a:srgbClr val="000000"/>
                     </a:solidFill>
@@ -11386,7 +11386,7 @@
               </a:ln>
               <a:extLst>
                 <a:ext uri="{91240B29-F687-4f45-9708-019B960494DF}">
-                  <a14:hiddenLine xmlns="" xmlns:a14="http://schemas.microsoft.com/office/drawing/2010/main" w="9525">
+                  <a14:hiddenLine xmlns:a14="http://schemas.microsoft.com/office/drawing/2010/main" xmlns="" w="9525">
                     <a:solidFill>
                       <a:srgbClr val="000000"/>
                     </a:solidFill>
@@ -11451,7 +11451,7 @@
               </a:ln>
               <a:extLst>
                 <a:ext uri="{91240B29-F687-4f45-9708-019B960494DF}">
-                  <a14:hiddenLine xmlns="" xmlns:a14="http://schemas.microsoft.com/office/drawing/2010/main" w="9525">
+                  <a14:hiddenLine xmlns:a14="http://schemas.microsoft.com/office/drawing/2010/main" xmlns="" w="9525">
                     <a:solidFill>
                       <a:srgbClr val="000000"/>
                     </a:solidFill>
@@ -11541,7 +11541,7 @@
               </a:ln>
               <a:extLst>
                 <a:ext uri="{91240B29-F687-4f45-9708-019B960494DF}">
-                  <a14:hiddenLine xmlns="" xmlns:a14="http://schemas.microsoft.com/office/drawing/2010/main" w="9525">
+                  <a14:hiddenLine xmlns:a14="http://schemas.microsoft.com/office/drawing/2010/main" xmlns="" w="9525">
                     <a:solidFill>
                       <a:srgbClr val="000000"/>
                     </a:solidFill>
@@ -11609,7 +11609,7 @@
               </a:ln>
               <a:extLst>
                 <a:ext uri="{91240B29-F687-4f45-9708-019B960494DF}">
-                  <a14:hiddenLine xmlns="" xmlns:a14="http://schemas.microsoft.com/office/drawing/2010/main" w="9525">
+                  <a14:hiddenLine xmlns:a14="http://schemas.microsoft.com/office/drawing/2010/main" xmlns="" w="9525">
                     <a:solidFill>
                       <a:srgbClr val="000000"/>
                     </a:solidFill>
@@ -11699,7 +11699,7 @@
               </a:ln>
               <a:extLst>
                 <a:ext uri="{91240B29-F687-4f45-9708-019B960494DF}">
-                  <a14:hiddenLine xmlns="" xmlns:a14="http://schemas.microsoft.com/office/drawing/2010/main" w="9525">
+                  <a14:hiddenLine xmlns:a14="http://schemas.microsoft.com/office/drawing/2010/main" xmlns="" w="9525">
                     <a:solidFill>
                       <a:srgbClr val="000000"/>
                     </a:solidFill>
@@ -11767,7 +11767,7 @@
               </a:ln>
               <a:extLst>
                 <a:ext uri="{91240B29-F687-4f45-9708-019B960494DF}">
-                  <a14:hiddenLine xmlns="" xmlns:a14="http://schemas.microsoft.com/office/drawing/2010/main" w="9525">
+                  <a14:hiddenLine xmlns:a14="http://schemas.microsoft.com/office/drawing/2010/main" xmlns="" w="9525">
                     <a:solidFill>
                       <a:srgbClr val="000000"/>
                     </a:solidFill>
@@ -11857,7 +11857,7 @@
               </a:ln>
               <a:extLst>
                 <a:ext uri="{91240B29-F687-4f45-9708-019B960494DF}">
-                  <a14:hiddenLine xmlns="" xmlns:a14="http://schemas.microsoft.com/office/drawing/2010/main" w="9525">
+                  <a14:hiddenLine xmlns:a14="http://schemas.microsoft.com/office/drawing/2010/main" xmlns="" w="9525">
                     <a:solidFill>
                       <a:srgbClr val="000000"/>
                     </a:solidFill>
@@ -11891,7 +11891,7 @@
               </a:ln>
               <a:extLst>
                 <a:ext uri="{91240B29-F687-4f45-9708-019B960494DF}">
-                  <a14:hiddenLine xmlns="" xmlns:a14="http://schemas.microsoft.com/office/drawing/2010/main" w="9525">
+                  <a14:hiddenLine xmlns:a14="http://schemas.microsoft.com/office/drawing/2010/main" xmlns="" w="9525">
                     <a:solidFill>
                       <a:srgbClr val="000000"/>
                     </a:solidFill>
@@ -12031,7 +12031,7 @@
           <a:p>
             <a:fld id="{ACE682BD-06F4-4FCE-B5FE-5134258E052E}" type="datetimeFigureOut">
               <a:rPr lang="pt-PT" smtClean="0"/>
-              <a:t>16/11/2020</a:t>
+              <a:t>17/11/2020</a:t>
             </a:fld>
             <a:endParaRPr lang="pt-PT"/>
           </a:p>
@@ -12621,7 +12621,7 @@
             <a:noFill/>
             <a:extLst>
               <a:ext uri="{909E8E84-426E-40dd-AFC4-6F175D3DCCD1}">
-                <a14:hiddenFill xmlns:a14="http://schemas.microsoft.com/office/drawing/2010/main" xmlns:p14="http://schemas.microsoft.com/office/powerpoint/2010/main" xmlns:a16="http://schemas.microsoft.com/office/drawing/2014/main" xmlns="">
+                <a14:hiddenFill xmlns="" xmlns:a16="http://schemas.microsoft.com/office/drawing/2014/main" xmlns:p14="http://schemas.microsoft.com/office/powerpoint/2010/main" xmlns:a14="http://schemas.microsoft.com/office/drawing/2010/main">
                   <a:solidFill>
                     <a:srgbClr val="FFFFFF"/>
                   </a:solidFill>
@@ -15988,7 +15988,7 @@
           <a:noFill/>
           <a:extLst>
             <a:ext uri="{909E8E84-426E-40dd-AFC4-6F175D3DCCD1}">
-              <a14:hiddenFill xmlns:a14="http://schemas.microsoft.com/office/drawing/2010/main" xmlns:a16="http://schemas.microsoft.com/office/drawing/2014/main" xmlns="">
+              <a14:hiddenFill xmlns="" xmlns:a16="http://schemas.microsoft.com/office/drawing/2014/main" xmlns:a14="http://schemas.microsoft.com/office/drawing/2010/main">
                 <a:solidFill>
                   <a:srgbClr val="FFFFFF"/>
                 </a:solidFill>
@@ -16080,7 +16080,7 @@
             </a:ln>
             <a:extLst>
               <a:ext uri="{91240B29-F687-4f45-9708-019B960494DF}">
-                <a14:hiddenLine xmlns:a14="http://schemas.microsoft.com/office/drawing/2010/main" xmlns:a16="http://schemas.microsoft.com/office/drawing/2014/main" xmlns="" w="9525">
+                <a14:hiddenLine xmlns="" xmlns:a16="http://schemas.microsoft.com/office/drawing/2014/main" xmlns:a14="http://schemas.microsoft.com/office/drawing/2010/main" w="9525">
                   <a:solidFill>
                     <a:srgbClr val="000000"/>
                   </a:solidFill>
@@ -16185,7 +16185,7 @@
             </a:ln>
             <a:extLst>
               <a:ext uri="{91240B29-F687-4f45-9708-019B960494DF}">
-                <a14:hiddenLine xmlns:a14="http://schemas.microsoft.com/office/drawing/2010/main" xmlns:a16="http://schemas.microsoft.com/office/drawing/2014/main" xmlns="" w="9525">
+                <a14:hiddenLine xmlns="" xmlns:a16="http://schemas.microsoft.com/office/drawing/2014/main" xmlns:a14="http://schemas.microsoft.com/office/drawing/2010/main" w="9525">
                   <a:solidFill>
                     <a:srgbClr val="000000"/>
                   </a:solidFill>
@@ -16290,7 +16290,7 @@
             </a:ln>
             <a:extLst>
               <a:ext uri="{91240B29-F687-4f45-9708-019B960494DF}">
-                <a14:hiddenLine xmlns:a14="http://schemas.microsoft.com/office/drawing/2010/main" xmlns:a16="http://schemas.microsoft.com/office/drawing/2014/main" xmlns="" w="9525">
+                <a14:hiddenLine xmlns="" xmlns:a16="http://schemas.microsoft.com/office/drawing/2014/main" xmlns:a14="http://schemas.microsoft.com/office/drawing/2010/main" w="9525">
                   <a:solidFill>
                     <a:srgbClr val="000000"/>
                   </a:solidFill>
@@ -16339,7 +16339,7 @@
             </a:ln>
             <a:extLst>
               <a:ext uri="{91240B29-F687-4f45-9708-019B960494DF}">
-                <a14:hiddenLine xmlns:a14="http://schemas.microsoft.com/office/drawing/2010/main" xmlns:a16="http://schemas.microsoft.com/office/drawing/2014/main" xmlns="" w="9525">
+                <a14:hiddenLine xmlns="" xmlns:a16="http://schemas.microsoft.com/office/drawing/2014/main" xmlns:a14="http://schemas.microsoft.com/office/drawing/2010/main" w="9525">
                   <a:solidFill>
                     <a:srgbClr val="000000"/>
                   </a:solidFill>
@@ -16444,7 +16444,7 @@
             </a:ln>
             <a:extLst>
               <a:ext uri="{91240B29-F687-4f45-9708-019B960494DF}">
-                <a14:hiddenLine xmlns:a14="http://schemas.microsoft.com/office/drawing/2010/main" xmlns:a16="http://schemas.microsoft.com/office/drawing/2014/main" xmlns="" w="9525">
+                <a14:hiddenLine xmlns="" xmlns:a16="http://schemas.microsoft.com/office/drawing/2014/main" xmlns:a14="http://schemas.microsoft.com/office/drawing/2010/main" w="9525">
                   <a:solidFill>
                     <a:srgbClr val="000000"/>
                   </a:solidFill>
@@ -16521,7 +16521,7 @@
             </a:ln>
             <a:extLst>
               <a:ext uri="{91240B29-F687-4f45-9708-019B960494DF}">
-                <a14:hiddenLine xmlns:a14="http://schemas.microsoft.com/office/drawing/2010/main" xmlns:a16="http://schemas.microsoft.com/office/drawing/2014/main" xmlns="" w="9525">
+                <a14:hiddenLine xmlns="" xmlns:a16="http://schemas.microsoft.com/office/drawing/2014/main" xmlns:a14="http://schemas.microsoft.com/office/drawing/2010/main" w="9525">
                   <a:solidFill>
                     <a:srgbClr val="000000"/>
                   </a:solidFill>
@@ -16598,7 +16598,7 @@
             </a:ln>
             <a:extLst>
               <a:ext uri="{91240B29-F687-4f45-9708-019B960494DF}">
-                <a14:hiddenLine xmlns:a14="http://schemas.microsoft.com/office/drawing/2010/main" xmlns:a16="http://schemas.microsoft.com/office/drawing/2014/main" xmlns="" w="9525">
+                <a14:hiddenLine xmlns="" xmlns:a16="http://schemas.microsoft.com/office/drawing/2014/main" xmlns:a14="http://schemas.microsoft.com/office/drawing/2010/main" w="9525">
                   <a:solidFill>
                     <a:srgbClr val="000000"/>
                   </a:solidFill>
@@ -16703,7 +16703,7 @@
             </a:ln>
             <a:extLst>
               <a:ext uri="{91240B29-F687-4f45-9708-019B960494DF}">
-                <a14:hiddenLine xmlns:a14="http://schemas.microsoft.com/office/drawing/2010/main" xmlns:a16="http://schemas.microsoft.com/office/drawing/2014/main" xmlns="" w="9525">
+                <a14:hiddenLine xmlns="" xmlns:a16="http://schemas.microsoft.com/office/drawing/2014/main" xmlns:a14="http://schemas.microsoft.com/office/drawing/2010/main" w="9525">
                   <a:solidFill>
                     <a:srgbClr val="000000"/>
                   </a:solidFill>
@@ -16780,7 +16780,7 @@
             </a:ln>
             <a:extLst>
               <a:ext uri="{91240B29-F687-4f45-9708-019B960494DF}">
-                <a14:hiddenLine xmlns:a14="http://schemas.microsoft.com/office/drawing/2010/main" xmlns:a16="http://schemas.microsoft.com/office/drawing/2014/main" xmlns="" w="9525">
+                <a14:hiddenLine xmlns="" xmlns:a16="http://schemas.microsoft.com/office/drawing/2014/main" xmlns:a14="http://schemas.microsoft.com/office/drawing/2010/main" w="9525">
                   <a:solidFill>
                     <a:srgbClr val="000000"/>
                   </a:solidFill>
@@ -16857,7 +16857,7 @@
             </a:ln>
             <a:extLst>
               <a:ext uri="{91240B29-F687-4f45-9708-019B960494DF}">
-                <a14:hiddenLine xmlns:a14="http://schemas.microsoft.com/office/drawing/2010/main" xmlns:a16="http://schemas.microsoft.com/office/drawing/2014/main" xmlns="" w="9525">
+                <a14:hiddenLine xmlns="" xmlns:a16="http://schemas.microsoft.com/office/drawing/2014/main" xmlns:a14="http://schemas.microsoft.com/office/drawing/2010/main" w="9525">
                   <a:solidFill>
                     <a:srgbClr val="000000"/>
                   </a:solidFill>
@@ -16962,7 +16962,7 @@
             </a:ln>
             <a:extLst>
               <a:ext uri="{91240B29-F687-4f45-9708-019B960494DF}">
-                <a14:hiddenLine xmlns:a14="http://schemas.microsoft.com/office/drawing/2010/main" xmlns:a16="http://schemas.microsoft.com/office/drawing/2014/main" xmlns="" w="9525">
+                <a14:hiddenLine xmlns="" xmlns:a16="http://schemas.microsoft.com/office/drawing/2014/main" xmlns:a14="http://schemas.microsoft.com/office/drawing/2010/main" w="9525">
                   <a:solidFill>
                     <a:srgbClr val="000000"/>
                   </a:solidFill>
@@ -17067,7 +17067,7 @@
             </a:ln>
             <a:extLst>
               <a:ext uri="{91240B29-F687-4f45-9708-019B960494DF}">
-                <a14:hiddenLine xmlns:a14="http://schemas.microsoft.com/office/drawing/2010/main" xmlns:a16="http://schemas.microsoft.com/office/drawing/2014/main" xmlns="" w="9525">
+                <a14:hiddenLine xmlns="" xmlns:a16="http://schemas.microsoft.com/office/drawing/2014/main" xmlns:a14="http://schemas.microsoft.com/office/drawing/2010/main" w="9525">
                   <a:solidFill>
                     <a:srgbClr val="000000"/>
                   </a:solidFill>
@@ -17144,7 +17144,7 @@
             </a:ln>
             <a:extLst>
               <a:ext uri="{91240B29-F687-4f45-9708-019B960494DF}">
-                <a14:hiddenLine xmlns:a14="http://schemas.microsoft.com/office/drawing/2010/main" xmlns:a16="http://schemas.microsoft.com/office/drawing/2014/main" xmlns="" w="9525">
+                <a14:hiddenLine xmlns="" xmlns:a16="http://schemas.microsoft.com/office/drawing/2014/main" xmlns:a14="http://schemas.microsoft.com/office/drawing/2010/main" w="9525">
                   <a:solidFill>
                     <a:srgbClr val="000000"/>
                   </a:solidFill>
@@ -17269,7 +17269,7 @@
             </a:ln>
             <a:extLst>
               <a:ext uri="{91240B29-F687-4f45-9708-019B960494DF}">
-                <a14:hiddenLine xmlns:a14="http://schemas.microsoft.com/office/drawing/2010/main" xmlns:a16="http://schemas.microsoft.com/office/drawing/2014/main" xmlns="" w="9525">
+                <a14:hiddenLine xmlns="" xmlns:a16="http://schemas.microsoft.com/office/drawing/2014/main" xmlns:a14="http://schemas.microsoft.com/office/drawing/2010/main" w="9525">
                   <a:solidFill>
                     <a:srgbClr val="000000"/>
                   </a:solidFill>
@@ -17346,7 +17346,7 @@
             </a:ln>
             <a:extLst>
               <a:ext uri="{91240B29-F687-4f45-9708-019B960494DF}">
-                <a14:hiddenLine xmlns:a14="http://schemas.microsoft.com/office/drawing/2010/main" xmlns:a16="http://schemas.microsoft.com/office/drawing/2014/main" xmlns="" w="9525">
+                <a14:hiddenLine xmlns="" xmlns:a16="http://schemas.microsoft.com/office/drawing/2014/main" xmlns:a14="http://schemas.microsoft.com/office/drawing/2010/main" w="9525">
                   <a:solidFill>
                     <a:srgbClr val="000000"/>
                   </a:solidFill>
@@ -17451,7 +17451,7 @@
             </a:ln>
             <a:extLst>
               <a:ext uri="{91240B29-F687-4f45-9708-019B960494DF}">
-                <a14:hiddenLine xmlns:a14="http://schemas.microsoft.com/office/drawing/2010/main" xmlns:a16="http://schemas.microsoft.com/office/drawing/2014/main" xmlns="" w="9525">
+                <a14:hiddenLine xmlns="" xmlns:a16="http://schemas.microsoft.com/office/drawing/2014/main" xmlns:a14="http://schemas.microsoft.com/office/drawing/2010/main" w="9525">
                   <a:solidFill>
                     <a:srgbClr val="000000"/>
                   </a:solidFill>
@@ -17556,7 +17556,7 @@
             </a:ln>
             <a:extLst>
               <a:ext uri="{91240B29-F687-4f45-9708-019B960494DF}">
-                <a14:hiddenLine xmlns:a14="http://schemas.microsoft.com/office/drawing/2010/main" xmlns:a16="http://schemas.microsoft.com/office/drawing/2014/main" xmlns="" w="9525">
+                <a14:hiddenLine xmlns="" xmlns:a16="http://schemas.microsoft.com/office/drawing/2014/main" xmlns:a14="http://schemas.microsoft.com/office/drawing/2010/main" w="9525">
                   <a:solidFill>
                     <a:srgbClr val="000000"/>
                   </a:solidFill>
@@ -17633,7 +17633,7 @@
             </a:ln>
             <a:extLst>
               <a:ext uri="{91240B29-F687-4f45-9708-019B960494DF}">
-                <a14:hiddenLine xmlns:a14="http://schemas.microsoft.com/office/drawing/2010/main" xmlns:a16="http://schemas.microsoft.com/office/drawing/2014/main" xmlns="" w="9525">
+                <a14:hiddenLine xmlns="" xmlns:a16="http://schemas.microsoft.com/office/drawing/2014/main" xmlns:a14="http://schemas.microsoft.com/office/drawing/2010/main" w="9525">
                   <a:solidFill>
                     <a:srgbClr val="000000"/>
                   </a:solidFill>
@@ -17738,7 +17738,7 @@
             </a:ln>
             <a:extLst>
               <a:ext uri="{91240B29-F687-4f45-9708-019B960494DF}">
-                <a14:hiddenLine xmlns:a14="http://schemas.microsoft.com/office/drawing/2010/main" xmlns:a16="http://schemas.microsoft.com/office/drawing/2014/main" xmlns="" w="9525">
+                <a14:hiddenLine xmlns="" xmlns:a16="http://schemas.microsoft.com/office/drawing/2014/main" xmlns:a14="http://schemas.microsoft.com/office/drawing/2010/main" w="9525">
                   <a:solidFill>
                     <a:srgbClr val="000000"/>
                   </a:solidFill>
@@ -17843,7 +17843,7 @@
             </a:ln>
             <a:extLst>
               <a:ext uri="{91240B29-F687-4f45-9708-019B960494DF}">
-                <a14:hiddenLine xmlns:a14="http://schemas.microsoft.com/office/drawing/2010/main" xmlns:a16="http://schemas.microsoft.com/office/drawing/2014/main" xmlns="" w="9525">
+                <a14:hiddenLine xmlns="" xmlns:a16="http://schemas.microsoft.com/office/drawing/2014/main" xmlns:a14="http://schemas.microsoft.com/office/drawing/2010/main" w="9525">
                   <a:solidFill>
                     <a:srgbClr val="000000"/>
                   </a:solidFill>
@@ -17914,7 +17914,7 @@
             </a:ln>
             <a:extLst>
               <a:ext uri="{91240B29-F687-4f45-9708-019B960494DF}">
-                <a14:hiddenLine xmlns:a14="http://schemas.microsoft.com/office/drawing/2010/main" xmlns:a16="http://schemas.microsoft.com/office/drawing/2014/main" xmlns="" w="9525">
+                <a14:hiddenLine xmlns="" xmlns:a16="http://schemas.microsoft.com/office/drawing/2014/main" xmlns:a14="http://schemas.microsoft.com/office/drawing/2010/main" w="9525">
                   <a:solidFill>
                     <a:srgbClr val="000000"/>
                   </a:solidFill>
@@ -18019,7 +18019,7 @@
             </a:ln>
             <a:extLst>
               <a:ext uri="{91240B29-F687-4f45-9708-019B960494DF}">
-                <a14:hiddenLine xmlns:a14="http://schemas.microsoft.com/office/drawing/2010/main" xmlns:a16="http://schemas.microsoft.com/office/drawing/2014/main" xmlns="" w="9525">
+                <a14:hiddenLine xmlns="" xmlns:a16="http://schemas.microsoft.com/office/drawing/2014/main" xmlns:a14="http://schemas.microsoft.com/office/drawing/2010/main" w="9525">
                   <a:solidFill>
                     <a:srgbClr val="000000"/>
                   </a:solidFill>
@@ -18090,7 +18090,7 @@
             </a:ln>
             <a:extLst>
               <a:ext uri="{91240B29-F687-4f45-9708-019B960494DF}">
-                <a14:hiddenLine xmlns:a14="http://schemas.microsoft.com/office/drawing/2010/main" xmlns:a16="http://schemas.microsoft.com/office/drawing/2014/main" xmlns="" w="9525">
+                <a14:hiddenLine xmlns="" xmlns:a16="http://schemas.microsoft.com/office/drawing/2014/main" xmlns:a14="http://schemas.microsoft.com/office/drawing/2010/main" w="9525">
                   <a:solidFill>
                     <a:srgbClr val="000000"/>
                   </a:solidFill>
@@ -18195,7 +18195,7 @@
             </a:ln>
             <a:extLst>
               <a:ext uri="{91240B29-F687-4f45-9708-019B960494DF}">
-                <a14:hiddenLine xmlns:a14="http://schemas.microsoft.com/office/drawing/2010/main" xmlns:a16="http://schemas.microsoft.com/office/drawing/2014/main" xmlns="" w="9525">
+                <a14:hiddenLine xmlns="" xmlns:a16="http://schemas.microsoft.com/office/drawing/2014/main" xmlns:a14="http://schemas.microsoft.com/office/drawing/2010/main" w="9525">
                   <a:solidFill>
                     <a:srgbClr val="000000"/>
                   </a:solidFill>
@@ -18278,7 +18278,7 @@
             </a:ln>
             <a:extLst>
               <a:ext uri="{91240B29-F687-4f45-9708-019B960494DF}">
-                <a14:hiddenLine xmlns:a14="http://schemas.microsoft.com/office/drawing/2010/main" xmlns:a16="http://schemas.microsoft.com/office/drawing/2014/main" xmlns="" w="9525">
+                <a14:hiddenLine xmlns="" xmlns:a16="http://schemas.microsoft.com/office/drawing/2014/main" xmlns:a14="http://schemas.microsoft.com/office/drawing/2010/main" w="9525">
                   <a:solidFill>
                     <a:srgbClr val="000000"/>
                   </a:solidFill>
@@ -18383,7 +18383,7 @@
             </a:ln>
             <a:extLst>
               <a:ext uri="{91240B29-F687-4f45-9708-019B960494DF}">
-                <a14:hiddenLine xmlns:a14="http://schemas.microsoft.com/office/drawing/2010/main" xmlns:a16="http://schemas.microsoft.com/office/drawing/2014/main" xmlns="" w="9525">
+                <a14:hiddenLine xmlns="" xmlns:a16="http://schemas.microsoft.com/office/drawing/2014/main" xmlns:a14="http://schemas.microsoft.com/office/drawing/2010/main" w="9525">
                   <a:solidFill>
                     <a:srgbClr val="000000"/>
                   </a:solidFill>
@@ -18466,7 +18466,7 @@
             </a:ln>
             <a:extLst>
               <a:ext uri="{91240B29-F687-4f45-9708-019B960494DF}">
-                <a14:hiddenLine xmlns:a14="http://schemas.microsoft.com/office/drawing/2010/main" xmlns:a16="http://schemas.microsoft.com/office/drawing/2014/main" xmlns="" w="9525">
+                <a14:hiddenLine xmlns="" xmlns:a16="http://schemas.microsoft.com/office/drawing/2014/main" xmlns:a14="http://schemas.microsoft.com/office/drawing/2010/main" w="9525">
                   <a:solidFill>
                     <a:srgbClr val="000000"/>
                   </a:solidFill>
@@ -18571,7 +18571,7 @@
             </a:ln>
             <a:extLst>
               <a:ext uri="{91240B29-F687-4f45-9708-019B960494DF}">
-                <a14:hiddenLine xmlns:a14="http://schemas.microsoft.com/office/drawing/2010/main" xmlns:a16="http://schemas.microsoft.com/office/drawing/2014/main" xmlns="" w="9525">
+                <a14:hiddenLine xmlns="" xmlns:a16="http://schemas.microsoft.com/office/drawing/2014/main" xmlns:a14="http://schemas.microsoft.com/office/drawing/2010/main" w="9525">
                   <a:solidFill>
                     <a:srgbClr val="000000"/>
                   </a:solidFill>
@@ -18620,7 +18620,7 @@
             </a:ln>
             <a:extLst>
               <a:ext uri="{91240B29-F687-4f45-9708-019B960494DF}">
-                <a14:hiddenLine xmlns:a14="http://schemas.microsoft.com/office/drawing/2010/main" xmlns:a16="http://schemas.microsoft.com/office/drawing/2014/main" xmlns="" w="9525">
+                <a14:hiddenLine xmlns="" xmlns:a16="http://schemas.microsoft.com/office/drawing/2014/main" xmlns:a14="http://schemas.microsoft.com/office/drawing/2010/main" w="9525">
                   <a:solidFill>
                     <a:srgbClr val="000000"/>
                   </a:solidFill>
@@ -18725,7 +18725,7 @@
             </a:ln>
             <a:extLst>
               <a:ext uri="{91240B29-F687-4f45-9708-019B960494DF}">
-                <a14:hiddenLine xmlns:a14="http://schemas.microsoft.com/office/drawing/2010/main" xmlns:a16="http://schemas.microsoft.com/office/drawing/2014/main" xmlns="" w="9525">
+                <a14:hiddenLine xmlns="" xmlns:a16="http://schemas.microsoft.com/office/drawing/2014/main" xmlns:a14="http://schemas.microsoft.com/office/drawing/2010/main" w="9525">
                   <a:solidFill>
                     <a:srgbClr val="000000"/>
                   </a:solidFill>
@@ -18802,7 +18802,7 @@
             </a:ln>
             <a:extLst>
               <a:ext uri="{91240B29-F687-4f45-9708-019B960494DF}">
-                <a14:hiddenLine xmlns:a14="http://schemas.microsoft.com/office/drawing/2010/main" xmlns:a16="http://schemas.microsoft.com/office/drawing/2014/main" xmlns="" w="9525">
+                <a14:hiddenLine xmlns="" xmlns:a16="http://schemas.microsoft.com/office/drawing/2014/main" xmlns:a14="http://schemas.microsoft.com/office/drawing/2010/main" w="9525">
                   <a:solidFill>
                     <a:srgbClr val="000000"/>
                   </a:solidFill>
@@ -18879,7 +18879,7 @@
             </a:ln>
             <a:extLst>
               <a:ext uri="{91240B29-F687-4f45-9708-019B960494DF}">
-                <a14:hiddenLine xmlns:a14="http://schemas.microsoft.com/office/drawing/2010/main" xmlns:a16="http://schemas.microsoft.com/office/drawing/2014/main" xmlns="" w="9525">
+                <a14:hiddenLine xmlns="" xmlns:a16="http://schemas.microsoft.com/office/drawing/2014/main" xmlns:a14="http://schemas.microsoft.com/office/drawing/2010/main" w="9525">
                   <a:solidFill>
                     <a:srgbClr val="000000"/>
                   </a:solidFill>
@@ -18984,7 +18984,7 @@
             </a:ln>
             <a:extLst>
               <a:ext uri="{91240B29-F687-4f45-9708-019B960494DF}">
-                <a14:hiddenLine xmlns:a14="http://schemas.microsoft.com/office/drawing/2010/main" xmlns:a16="http://schemas.microsoft.com/office/drawing/2014/main" xmlns="" w="9525">
+                <a14:hiddenLine xmlns="" xmlns:a16="http://schemas.microsoft.com/office/drawing/2014/main" xmlns:a14="http://schemas.microsoft.com/office/drawing/2010/main" w="9525">
                   <a:solidFill>
                     <a:srgbClr val="000000"/>
                   </a:solidFill>
@@ -19067,7 +19067,7 @@
             </a:ln>
             <a:extLst>
               <a:ext uri="{91240B29-F687-4f45-9708-019B960494DF}">
-                <a14:hiddenLine xmlns:a14="http://schemas.microsoft.com/office/drawing/2010/main" xmlns:a16="http://schemas.microsoft.com/office/drawing/2014/main" xmlns="" w="9525">
+                <a14:hiddenLine xmlns="" xmlns:a16="http://schemas.microsoft.com/office/drawing/2014/main" xmlns:a14="http://schemas.microsoft.com/office/drawing/2010/main" w="9525">
                   <a:solidFill>
                     <a:srgbClr val="000000"/>
                   </a:solidFill>
@@ -19144,7 +19144,7 @@
             </a:ln>
             <a:extLst>
               <a:ext uri="{91240B29-F687-4f45-9708-019B960494DF}">
-                <a14:hiddenLine xmlns:a14="http://schemas.microsoft.com/office/drawing/2010/main" xmlns:a16="http://schemas.microsoft.com/office/drawing/2014/main" xmlns="" w="9525">
+                <a14:hiddenLine xmlns="" xmlns:a16="http://schemas.microsoft.com/office/drawing/2014/main" xmlns:a14="http://schemas.microsoft.com/office/drawing/2010/main" w="9525">
                   <a:solidFill>
                     <a:srgbClr val="000000"/>
                   </a:solidFill>
@@ -19249,7 +19249,7 @@
             </a:ln>
             <a:extLst>
               <a:ext uri="{91240B29-F687-4f45-9708-019B960494DF}">
-                <a14:hiddenLine xmlns:a14="http://schemas.microsoft.com/office/drawing/2010/main" xmlns:a16="http://schemas.microsoft.com/office/drawing/2014/main" xmlns="" w="9525">
+                <a14:hiddenLine xmlns="" xmlns:a16="http://schemas.microsoft.com/office/drawing/2014/main" xmlns:a14="http://schemas.microsoft.com/office/drawing/2010/main" w="9525">
                   <a:solidFill>
                     <a:srgbClr val="000000"/>
                   </a:solidFill>
@@ -19326,7 +19326,7 @@
             </a:ln>
             <a:extLst>
               <a:ext uri="{91240B29-F687-4f45-9708-019B960494DF}">
-                <a14:hiddenLine xmlns:a14="http://schemas.microsoft.com/office/drawing/2010/main" xmlns:a16="http://schemas.microsoft.com/office/drawing/2014/main" xmlns="" w="9525">
+                <a14:hiddenLine xmlns="" xmlns:a16="http://schemas.microsoft.com/office/drawing/2014/main" xmlns:a14="http://schemas.microsoft.com/office/drawing/2010/main" w="9525">
                   <a:solidFill>
                     <a:srgbClr val="000000"/>
                   </a:solidFill>
@@ -19431,7 +19431,7 @@
             </a:ln>
             <a:extLst>
               <a:ext uri="{91240B29-F687-4f45-9708-019B960494DF}">
-                <a14:hiddenLine xmlns:a14="http://schemas.microsoft.com/office/drawing/2010/main" xmlns:a16="http://schemas.microsoft.com/office/drawing/2014/main" xmlns="" w="9525">
+                <a14:hiddenLine xmlns="" xmlns:a16="http://schemas.microsoft.com/office/drawing/2014/main" xmlns:a14="http://schemas.microsoft.com/office/drawing/2010/main" w="9525">
                   <a:solidFill>
                     <a:srgbClr val="000000"/>
                   </a:solidFill>
@@ -19508,7 +19508,7 @@
             </a:ln>
             <a:extLst>
               <a:ext uri="{91240B29-F687-4f45-9708-019B960494DF}">
-                <a14:hiddenLine xmlns:a14="http://schemas.microsoft.com/office/drawing/2010/main" xmlns:a16="http://schemas.microsoft.com/office/drawing/2014/main" xmlns="" w="9525">
+                <a14:hiddenLine xmlns="" xmlns:a16="http://schemas.microsoft.com/office/drawing/2014/main" xmlns:a14="http://schemas.microsoft.com/office/drawing/2010/main" w="9525">
                   <a:solidFill>
                     <a:srgbClr val="000000"/>
                   </a:solidFill>
@@ -19613,7 +19613,7 @@
             </a:ln>
             <a:extLst>
               <a:ext uri="{91240B29-F687-4f45-9708-019B960494DF}">
-                <a14:hiddenLine xmlns:a14="http://schemas.microsoft.com/office/drawing/2010/main" xmlns:a16="http://schemas.microsoft.com/office/drawing/2014/main" xmlns="" w="9525">
+                <a14:hiddenLine xmlns="" xmlns:a16="http://schemas.microsoft.com/office/drawing/2014/main" xmlns:a14="http://schemas.microsoft.com/office/drawing/2010/main" w="9525">
                   <a:solidFill>
                     <a:srgbClr val="000000"/>
                   </a:solidFill>
@@ -19662,7 +19662,7 @@
             </a:ln>
             <a:extLst>
               <a:ext uri="{91240B29-F687-4f45-9708-019B960494DF}">
-                <a14:hiddenLine xmlns:a14="http://schemas.microsoft.com/office/drawing/2010/main" xmlns:a16="http://schemas.microsoft.com/office/drawing/2014/main" xmlns="" w="9525">
+                <a14:hiddenLine xmlns="" xmlns:a16="http://schemas.microsoft.com/office/drawing/2014/main" xmlns:a14="http://schemas.microsoft.com/office/drawing/2010/main" w="9525">
                   <a:solidFill>
                     <a:srgbClr val="000000"/>
                   </a:solidFill>
@@ -19742,7 +19742,7 @@
             </a:ln>
             <a:extLst>
               <a:ext uri="{91240B29-F687-4f45-9708-019B960494DF}">
-                <a14:hiddenLine xmlns:a14="http://schemas.microsoft.com/office/drawing/2010/main" xmlns:a16="http://schemas.microsoft.com/office/drawing/2014/main" xmlns="" w="9525">
+                <a14:hiddenLine xmlns="" xmlns:a16="http://schemas.microsoft.com/office/drawing/2014/main" xmlns:a14="http://schemas.microsoft.com/office/drawing/2010/main" w="9525">
                   <a:solidFill>
                     <a:srgbClr val="000000"/>
                   </a:solidFill>
@@ -19847,7 +19847,7 @@
             </a:ln>
             <a:extLst>
               <a:ext uri="{91240B29-F687-4f45-9708-019B960494DF}">
-                <a14:hiddenLine xmlns:a14="http://schemas.microsoft.com/office/drawing/2010/main" xmlns:a16="http://schemas.microsoft.com/office/drawing/2014/main" xmlns="" w="9525">
+                <a14:hiddenLine xmlns="" xmlns:a16="http://schemas.microsoft.com/office/drawing/2014/main" xmlns:a14="http://schemas.microsoft.com/office/drawing/2010/main" w="9525">
                   <a:solidFill>
                     <a:srgbClr val="000000"/>
                   </a:solidFill>
@@ -19924,7 +19924,7 @@
             </a:ln>
             <a:extLst>
               <a:ext uri="{91240B29-F687-4f45-9708-019B960494DF}">
-                <a14:hiddenLine xmlns:a14="http://schemas.microsoft.com/office/drawing/2010/main" xmlns:a16="http://schemas.microsoft.com/office/drawing/2014/main" xmlns="" w="9525">
+                <a14:hiddenLine xmlns="" xmlns:a16="http://schemas.microsoft.com/office/drawing/2014/main" xmlns:a14="http://schemas.microsoft.com/office/drawing/2010/main" w="9525">
                   <a:solidFill>
                     <a:srgbClr val="000000"/>
                   </a:solidFill>
@@ -20029,7 +20029,7 @@
             </a:ln>
             <a:extLst>
               <a:ext uri="{91240B29-F687-4f45-9708-019B960494DF}">
-                <a14:hiddenLine xmlns:a14="http://schemas.microsoft.com/office/drawing/2010/main" xmlns:a16="http://schemas.microsoft.com/office/drawing/2014/main" xmlns="" w="9525">
+                <a14:hiddenLine xmlns="" xmlns:a16="http://schemas.microsoft.com/office/drawing/2014/main" xmlns:a14="http://schemas.microsoft.com/office/drawing/2010/main" w="9525">
                   <a:solidFill>
                     <a:srgbClr val="000000"/>
                   </a:solidFill>
@@ -20134,7 +20134,7 @@
             </a:ln>
             <a:extLst>
               <a:ext uri="{91240B29-F687-4f45-9708-019B960494DF}">
-                <a14:hiddenLine xmlns:a14="http://schemas.microsoft.com/office/drawing/2010/main" xmlns:a16="http://schemas.microsoft.com/office/drawing/2014/main" xmlns="" w="9525">
+                <a14:hiddenLine xmlns="" xmlns:a16="http://schemas.microsoft.com/office/drawing/2014/main" xmlns:a14="http://schemas.microsoft.com/office/drawing/2010/main" w="9525">
                   <a:solidFill>
                     <a:srgbClr val="000000"/>
                   </a:solidFill>
@@ -20214,7 +20214,7 @@
             </a:ln>
             <a:extLst>
               <a:ext uri="{91240B29-F687-4f45-9708-019B960494DF}">
-                <a14:hiddenLine xmlns:a14="http://schemas.microsoft.com/office/drawing/2010/main" xmlns:a16="http://schemas.microsoft.com/office/drawing/2014/main" xmlns="" w="9525">
+                <a14:hiddenLine xmlns="" xmlns:a16="http://schemas.microsoft.com/office/drawing/2014/main" xmlns:a14="http://schemas.microsoft.com/office/drawing/2010/main" w="9525">
                   <a:solidFill>
                     <a:srgbClr val="000000"/>
                   </a:solidFill>
@@ -20291,7 +20291,7 @@
             </a:ln>
             <a:extLst>
               <a:ext uri="{91240B29-F687-4f45-9708-019B960494DF}">
-                <a14:hiddenLine xmlns:a14="http://schemas.microsoft.com/office/drawing/2010/main" xmlns:a16="http://schemas.microsoft.com/office/drawing/2014/main" xmlns="" w="9525">
+                <a14:hiddenLine xmlns="" xmlns:a16="http://schemas.microsoft.com/office/drawing/2014/main" xmlns:a14="http://schemas.microsoft.com/office/drawing/2010/main" w="9525">
                   <a:solidFill>
                     <a:srgbClr val="000000"/>
                   </a:solidFill>
@@ -20396,7 +20396,7 @@
             </a:ln>
             <a:extLst>
               <a:ext uri="{91240B29-F687-4f45-9708-019B960494DF}">
-                <a14:hiddenLine xmlns:a14="http://schemas.microsoft.com/office/drawing/2010/main" xmlns:a16="http://schemas.microsoft.com/office/drawing/2014/main" xmlns="" w="9525">
+                <a14:hiddenLine xmlns="" xmlns:a16="http://schemas.microsoft.com/office/drawing/2014/main" xmlns:a14="http://schemas.microsoft.com/office/drawing/2010/main" w="9525">
                   <a:solidFill>
                     <a:srgbClr val="000000"/>
                   </a:solidFill>
@@ -20501,7 +20501,7 @@
             </a:ln>
             <a:extLst>
               <a:ext uri="{91240B29-F687-4f45-9708-019B960494DF}">
-                <a14:hiddenLine xmlns:a14="http://schemas.microsoft.com/office/drawing/2010/main" xmlns:a16="http://schemas.microsoft.com/office/drawing/2014/main" xmlns="" w="9525">
+                <a14:hiddenLine xmlns="" xmlns:a16="http://schemas.microsoft.com/office/drawing/2014/main" xmlns:a14="http://schemas.microsoft.com/office/drawing/2010/main" w="9525">
                   <a:solidFill>
                     <a:srgbClr val="000000"/>
                   </a:solidFill>
@@ -20578,7 +20578,7 @@
             </a:ln>
             <a:extLst>
               <a:ext uri="{91240B29-F687-4f45-9708-019B960494DF}">
-                <a14:hiddenLine xmlns:a14="http://schemas.microsoft.com/office/drawing/2010/main" xmlns:a16="http://schemas.microsoft.com/office/drawing/2014/main" xmlns="" w="9525">
+                <a14:hiddenLine xmlns="" xmlns:a16="http://schemas.microsoft.com/office/drawing/2014/main" xmlns:a14="http://schemas.microsoft.com/office/drawing/2010/main" w="9525">
                   <a:solidFill>
                     <a:srgbClr val="000000"/>
                   </a:solidFill>
@@ -20713,7 +20713,7 @@
             </a:ln>
             <a:extLst>
               <a:ext uri="{91240B29-F687-4f45-9708-019B960494DF}">
-                <a14:hiddenLine xmlns:a14="http://schemas.microsoft.com/office/drawing/2010/main" xmlns:a16="http://schemas.microsoft.com/office/drawing/2014/main" xmlns="" w="9525">
+                <a14:hiddenLine xmlns="" xmlns:a16="http://schemas.microsoft.com/office/drawing/2014/main" xmlns:a14="http://schemas.microsoft.com/office/drawing/2010/main" w="9525">
                   <a:solidFill>
                     <a:srgbClr val="000000"/>
                   </a:solidFill>
@@ -20796,7 +20796,7 @@
             </a:ln>
             <a:extLst>
               <a:ext uri="{91240B29-F687-4f45-9708-019B960494DF}">
-                <a14:hiddenLine xmlns:a14="http://schemas.microsoft.com/office/drawing/2010/main" xmlns:a16="http://schemas.microsoft.com/office/drawing/2014/main" xmlns="" w="9525">
+                <a14:hiddenLine xmlns="" xmlns:a16="http://schemas.microsoft.com/office/drawing/2014/main" xmlns:a14="http://schemas.microsoft.com/office/drawing/2010/main" w="9525">
                   <a:solidFill>
                     <a:srgbClr val="000000"/>
                   </a:solidFill>
@@ -20901,7 +20901,7 @@
             </a:ln>
             <a:extLst>
               <a:ext uri="{91240B29-F687-4f45-9708-019B960494DF}">
-                <a14:hiddenLine xmlns:a14="http://schemas.microsoft.com/office/drawing/2010/main" xmlns:a16="http://schemas.microsoft.com/office/drawing/2014/main" xmlns="" w="9525">
+                <a14:hiddenLine xmlns="" xmlns:a16="http://schemas.microsoft.com/office/drawing/2014/main" xmlns:a14="http://schemas.microsoft.com/office/drawing/2010/main" w="9525">
                   <a:solidFill>
                     <a:srgbClr val="000000"/>
                   </a:solidFill>
@@ -21058,7 +21058,7 @@
             <a:noFill/>
             <a:extLst>
               <a:ext uri="{909E8E84-426E-40dd-AFC4-6F175D3DCCD1}">
-                <a14:hiddenFill xmlns:a14="http://schemas.microsoft.com/office/drawing/2010/main" xmlns:p14="http://schemas.microsoft.com/office/powerpoint/2010/main" xmlns:a16="http://schemas.microsoft.com/office/drawing/2014/main" xmlns="">
+                <a14:hiddenFill xmlns="" xmlns:a16="http://schemas.microsoft.com/office/drawing/2014/main" xmlns:p14="http://schemas.microsoft.com/office/powerpoint/2010/main" xmlns:a14="http://schemas.microsoft.com/office/drawing/2010/main">
                   <a:solidFill>
                     <a:srgbClr val="FFFFFF"/>
                   </a:solidFill>
@@ -23593,29 +23593,1061 @@
       </p:sp>
       <p:sp>
         <p:nvSpPr>
-          <p:cNvPr id="3" name="Marcador de Posição de Conteúdo 2">
+          <p:cNvPr id="4" name="Retângulo 3">
             <a:extLst>
               <a:ext uri="{FF2B5EF4-FFF2-40B4-BE49-F238E27FC236}">
-                <a16:creationId xmlns:a16="http://schemas.microsoft.com/office/drawing/2014/main" id="{30D411BF-C051-406D-AD3D-621A7EDA73D1}"/>
+                <a16:creationId xmlns:a16="http://schemas.microsoft.com/office/drawing/2014/main" id="{7FB8B182-501C-4156-BD4E-E83CA00719CE}"/>
               </a:ext>
             </a:extLst>
           </p:cNvPr>
-          <p:cNvSpPr>
-            <a:spLocks noGrp="1"/>
-          </p:cNvSpPr>
-          <p:nvPr>
-            <p:ph idx="1"/>
-          </p:nvPr>
+          <p:cNvSpPr/>
+          <p:nvPr/>
         </p:nvSpPr>
-        <p:spPr/>
+        <p:spPr>
+          <a:xfrm>
+            <a:off x="5124994" y="1676060"/>
+            <a:ext cx="1489166" cy="574766"/>
+          </a:xfrm>
+          <a:prstGeom prst="rect">
+            <a:avLst/>
+          </a:prstGeom>
+        </p:spPr>
+        <p:style>
+          <a:lnRef idx="2">
+            <a:schemeClr val="dk1"/>
+          </a:lnRef>
+          <a:fillRef idx="1">
+            <a:schemeClr val="lt1"/>
+          </a:fillRef>
+          <a:effectRef idx="0">
+            <a:schemeClr val="dk1"/>
+          </a:effectRef>
+          <a:fontRef idx="minor">
+            <a:schemeClr val="dk1"/>
+          </a:fontRef>
+        </p:style>
         <p:txBody>
-          <a:bodyPr/>
+          <a:bodyPr rtlCol="0" anchor="ctr"/>
           <a:lstStyle/>
           <a:p>
+            <a:pPr algn="ctr"/>
+            <a:r>
+              <a:rPr lang="pt-PT" dirty="0" err="1"/>
+              <a:t>StreamZ</a:t>
+            </a:r>
             <a:endParaRPr lang="pt-PT" dirty="0"/>
           </a:p>
         </p:txBody>
       </p:sp>
+      <p:sp>
+        <p:nvSpPr>
+          <p:cNvPr id="6" name="Retângulo 5">
+            <a:extLst>
+              <a:ext uri="{FF2B5EF4-FFF2-40B4-BE49-F238E27FC236}">
+                <a16:creationId xmlns:a16="http://schemas.microsoft.com/office/drawing/2014/main" id="{D3382DCC-AD0C-49B3-A8C7-51C4B6214D02}"/>
+              </a:ext>
+            </a:extLst>
+          </p:cNvPr>
+          <p:cNvSpPr/>
+          <p:nvPr/>
+        </p:nvSpPr>
+        <p:spPr>
+          <a:xfrm>
+            <a:off x="472151" y="4910796"/>
+            <a:ext cx="1489166" cy="574766"/>
+          </a:xfrm>
+          <a:prstGeom prst="rect">
+            <a:avLst/>
+          </a:prstGeom>
+        </p:spPr>
+        <p:style>
+          <a:lnRef idx="2">
+            <a:schemeClr val="dk1"/>
+          </a:lnRef>
+          <a:fillRef idx="1">
+            <a:schemeClr val="lt1"/>
+          </a:fillRef>
+          <a:effectRef idx="0">
+            <a:schemeClr val="dk1"/>
+          </a:effectRef>
+          <a:fontRef idx="minor">
+            <a:schemeClr val="dk1"/>
+          </a:fontRef>
+        </p:style>
+        <p:txBody>
+          <a:bodyPr rtlCol="0" anchor="ctr"/>
+          <a:lstStyle/>
+          <a:p>
+            <a:pPr algn="ctr"/>
+            <a:r>
+              <a:rPr lang="pt-PT" dirty="0" err="1"/>
+              <a:t>Streamer</a:t>
+            </a:r>
+            <a:endParaRPr lang="pt-PT" dirty="0"/>
+          </a:p>
+        </p:txBody>
+      </p:sp>
+      <p:sp>
+        <p:nvSpPr>
+          <p:cNvPr id="8" name="Retângulo 7">
+            <a:extLst>
+              <a:ext uri="{FF2B5EF4-FFF2-40B4-BE49-F238E27FC236}">
+                <a16:creationId xmlns:a16="http://schemas.microsoft.com/office/drawing/2014/main" id="{D3B4C170-94BE-44A6-A068-26AD30A63541}"/>
+              </a:ext>
+            </a:extLst>
+          </p:cNvPr>
+          <p:cNvSpPr/>
+          <p:nvPr/>
+        </p:nvSpPr>
+        <p:spPr>
+          <a:xfrm>
+            <a:off x="2412277" y="4910796"/>
+            <a:ext cx="1489166" cy="574766"/>
+          </a:xfrm>
+          <a:prstGeom prst="rect">
+            <a:avLst/>
+          </a:prstGeom>
+        </p:spPr>
+        <p:style>
+          <a:lnRef idx="2">
+            <a:schemeClr val="dk1"/>
+          </a:lnRef>
+          <a:fillRef idx="1">
+            <a:schemeClr val="lt1"/>
+          </a:fillRef>
+          <a:effectRef idx="0">
+            <a:schemeClr val="dk1"/>
+          </a:effectRef>
+          <a:fontRef idx="minor">
+            <a:schemeClr val="dk1"/>
+          </a:fontRef>
+        </p:style>
+        <p:txBody>
+          <a:bodyPr rtlCol="0" anchor="ctr"/>
+          <a:lstStyle/>
+          <a:p>
+            <a:pPr algn="ctr"/>
+            <a:r>
+              <a:rPr lang="pt-PT" dirty="0" err="1"/>
+              <a:t>Viewer</a:t>
+            </a:r>
+            <a:endParaRPr lang="pt-PT" dirty="0"/>
+          </a:p>
+        </p:txBody>
+      </p:sp>
+      <p:sp>
+        <p:nvSpPr>
+          <p:cNvPr id="10" name="Retângulo 9">
+            <a:extLst>
+              <a:ext uri="{FF2B5EF4-FFF2-40B4-BE49-F238E27FC236}">
+                <a16:creationId xmlns:a16="http://schemas.microsoft.com/office/drawing/2014/main" id="{4762D349-2DED-4661-8151-ABD3D46CD4F2}"/>
+              </a:ext>
+            </a:extLst>
+          </p:cNvPr>
+          <p:cNvSpPr/>
+          <p:nvPr/>
+        </p:nvSpPr>
+        <p:spPr>
+          <a:xfrm>
+            <a:off x="6174376" y="4910796"/>
+            <a:ext cx="1489166" cy="574766"/>
+          </a:xfrm>
+          <a:prstGeom prst="rect">
+            <a:avLst/>
+          </a:prstGeom>
+        </p:spPr>
+        <p:style>
+          <a:lnRef idx="2">
+            <a:schemeClr val="dk1"/>
+          </a:lnRef>
+          <a:fillRef idx="1">
+            <a:schemeClr val="lt1"/>
+          </a:fillRef>
+          <a:effectRef idx="0">
+            <a:schemeClr val="dk1"/>
+          </a:effectRef>
+          <a:fontRef idx="minor">
+            <a:schemeClr val="dk1"/>
+          </a:fontRef>
+        </p:style>
+        <p:txBody>
+          <a:bodyPr rtlCol="0" anchor="ctr"/>
+          <a:lstStyle/>
+          <a:p>
+            <a:pPr algn="ctr"/>
+            <a:r>
+              <a:rPr lang="pt-PT" dirty="0" err="1"/>
+              <a:t>Public</a:t>
+            </a:r>
+            <a:r>
+              <a:rPr lang="pt-PT" dirty="0"/>
+              <a:t> </a:t>
+            </a:r>
+            <a:r>
+              <a:rPr lang="pt-PT" dirty="0" err="1"/>
+              <a:t>Stream</a:t>
+            </a:r>
+            <a:endParaRPr lang="pt-PT" dirty="0"/>
+          </a:p>
+        </p:txBody>
+      </p:sp>
+      <p:sp>
+        <p:nvSpPr>
+          <p:cNvPr id="12" name="Retângulo 11">
+            <a:extLst>
+              <a:ext uri="{FF2B5EF4-FFF2-40B4-BE49-F238E27FC236}">
+                <a16:creationId xmlns:a16="http://schemas.microsoft.com/office/drawing/2014/main" id="{687CEC0F-959C-46A2-A683-1B05985FCDF4}"/>
+              </a:ext>
+            </a:extLst>
+          </p:cNvPr>
+          <p:cNvSpPr/>
+          <p:nvPr/>
+        </p:nvSpPr>
+        <p:spPr>
+          <a:xfrm>
+            <a:off x="4248699" y="4910796"/>
+            <a:ext cx="1489166" cy="574766"/>
+          </a:xfrm>
+          <a:prstGeom prst="rect">
+            <a:avLst/>
+          </a:prstGeom>
+        </p:spPr>
+        <p:style>
+          <a:lnRef idx="2">
+            <a:schemeClr val="dk1"/>
+          </a:lnRef>
+          <a:fillRef idx="1">
+            <a:schemeClr val="lt1"/>
+          </a:fillRef>
+          <a:effectRef idx="0">
+            <a:schemeClr val="dk1"/>
+          </a:effectRef>
+          <a:fontRef idx="minor">
+            <a:schemeClr val="dk1"/>
+          </a:fontRef>
+        </p:style>
+        <p:txBody>
+          <a:bodyPr rtlCol="0" anchor="ctr"/>
+          <a:lstStyle/>
+          <a:p>
+            <a:pPr algn="ctr"/>
+            <a:r>
+              <a:rPr lang="pt-PT" dirty="0" err="1"/>
+              <a:t>Private</a:t>
+            </a:r>
+            <a:r>
+              <a:rPr lang="pt-PT" dirty="0"/>
+              <a:t> </a:t>
+            </a:r>
+            <a:r>
+              <a:rPr lang="pt-PT" dirty="0" err="1"/>
+              <a:t>Stream</a:t>
+            </a:r>
+            <a:endParaRPr lang="pt-PT" dirty="0"/>
+          </a:p>
+        </p:txBody>
+      </p:sp>
+      <p:sp>
+        <p:nvSpPr>
+          <p:cNvPr id="14" name="Retângulo 13">
+            <a:extLst>
+              <a:ext uri="{FF2B5EF4-FFF2-40B4-BE49-F238E27FC236}">
+                <a16:creationId xmlns:a16="http://schemas.microsoft.com/office/drawing/2014/main" id="{2C2D5436-0677-4D29-8D27-2216355EEB2B}"/>
+              </a:ext>
+            </a:extLst>
+          </p:cNvPr>
+          <p:cNvSpPr/>
+          <p:nvPr/>
+        </p:nvSpPr>
+        <p:spPr>
+          <a:xfrm>
+            <a:off x="5124994" y="3139690"/>
+            <a:ext cx="1489166" cy="574766"/>
+          </a:xfrm>
+          <a:prstGeom prst="rect">
+            <a:avLst/>
+          </a:prstGeom>
+        </p:spPr>
+        <p:style>
+          <a:lnRef idx="2">
+            <a:schemeClr val="dk1"/>
+          </a:lnRef>
+          <a:fillRef idx="1">
+            <a:schemeClr val="lt1"/>
+          </a:fillRef>
+          <a:effectRef idx="0">
+            <a:schemeClr val="dk1"/>
+          </a:effectRef>
+          <a:fontRef idx="minor">
+            <a:schemeClr val="dk1"/>
+          </a:fontRef>
+        </p:style>
+        <p:txBody>
+          <a:bodyPr rtlCol="0" anchor="ctr"/>
+          <a:lstStyle/>
+          <a:p>
+            <a:pPr algn="ctr"/>
+            <a:r>
+              <a:rPr lang="pt-PT" dirty="0" err="1"/>
+              <a:t>Stream</a:t>
+            </a:r>
+            <a:endParaRPr lang="pt-PT" dirty="0"/>
+          </a:p>
+        </p:txBody>
+      </p:sp>
+      <p:sp>
+        <p:nvSpPr>
+          <p:cNvPr id="16" name="Retângulo 15">
+            <a:extLst>
+              <a:ext uri="{FF2B5EF4-FFF2-40B4-BE49-F238E27FC236}">
+                <a16:creationId xmlns:a16="http://schemas.microsoft.com/office/drawing/2014/main" id="{FB712CAB-0CDA-49DB-8F97-CE2A09961C77}"/>
+              </a:ext>
+            </a:extLst>
+          </p:cNvPr>
+          <p:cNvSpPr/>
+          <p:nvPr/>
+        </p:nvSpPr>
+        <p:spPr>
+          <a:xfrm>
+            <a:off x="1537063" y="3141617"/>
+            <a:ext cx="1489166" cy="574766"/>
+          </a:xfrm>
+          <a:prstGeom prst="rect">
+            <a:avLst/>
+          </a:prstGeom>
+        </p:spPr>
+        <p:style>
+          <a:lnRef idx="2">
+            <a:schemeClr val="dk1"/>
+          </a:lnRef>
+          <a:fillRef idx="1">
+            <a:schemeClr val="lt1"/>
+          </a:fillRef>
+          <a:effectRef idx="0">
+            <a:schemeClr val="dk1"/>
+          </a:effectRef>
+          <a:fontRef idx="minor">
+            <a:schemeClr val="dk1"/>
+          </a:fontRef>
+        </p:style>
+        <p:txBody>
+          <a:bodyPr rtlCol="0" anchor="ctr"/>
+          <a:lstStyle/>
+          <a:p>
+            <a:pPr algn="ctr"/>
+            <a:r>
+              <a:rPr lang="pt-PT" dirty="0" err="1"/>
+              <a:t>User</a:t>
+            </a:r>
+            <a:endParaRPr lang="pt-PT" dirty="0"/>
+          </a:p>
+        </p:txBody>
+      </p:sp>
+      <p:sp>
+        <p:nvSpPr>
+          <p:cNvPr id="18" name="Retângulo 17">
+            <a:extLst>
+              <a:ext uri="{FF2B5EF4-FFF2-40B4-BE49-F238E27FC236}">
+                <a16:creationId xmlns:a16="http://schemas.microsoft.com/office/drawing/2014/main" id="{AFAD0CBB-CFF9-43BF-AD9F-DDB89854E75A}"/>
+              </a:ext>
+            </a:extLst>
+          </p:cNvPr>
+          <p:cNvSpPr/>
+          <p:nvPr/>
+        </p:nvSpPr>
+        <p:spPr>
+          <a:xfrm>
+            <a:off x="8712925" y="3139690"/>
+            <a:ext cx="1489166" cy="574766"/>
+          </a:xfrm>
+          <a:prstGeom prst="rect">
+            <a:avLst/>
+          </a:prstGeom>
+        </p:spPr>
+        <p:style>
+          <a:lnRef idx="2">
+            <a:schemeClr val="dk1"/>
+          </a:lnRef>
+          <a:fillRef idx="1">
+            <a:schemeClr val="lt1"/>
+          </a:fillRef>
+          <a:effectRef idx="0">
+            <a:schemeClr val="dk1"/>
+          </a:effectRef>
+          <a:fontRef idx="minor">
+            <a:schemeClr val="dk1"/>
+          </a:fontRef>
+        </p:style>
+        <p:txBody>
+          <a:bodyPr rtlCol="0" anchor="ctr"/>
+          <a:lstStyle/>
+          <a:p>
+            <a:pPr algn="ctr"/>
+            <a:r>
+              <a:rPr lang="pt-PT" dirty="0" err="1"/>
+              <a:t>Admin</a:t>
+            </a:r>
+            <a:endParaRPr lang="pt-PT" dirty="0"/>
+          </a:p>
+        </p:txBody>
+      </p:sp>
+      <p:cxnSp>
+        <p:nvCxnSpPr>
+          <p:cNvPr id="20" name="Conexão reta 19">
+            <a:extLst>
+              <a:ext uri="{FF2B5EF4-FFF2-40B4-BE49-F238E27FC236}">
+                <a16:creationId xmlns:a16="http://schemas.microsoft.com/office/drawing/2014/main" id="{348FE9D3-20B0-4A4C-A958-87DE582D6E7C}"/>
+              </a:ext>
+            </a:extLst>
+          </p:cNvPr>
+          <p:cNvCxnSpPr>
+            <a:stCxn id="4" idx="2"/>
+          </p:cNvCxnSpPr>
+          <p:nvPr/>
+        </p:nvCxnSpPr>
+        <p:spPr>
+          <a:xfrm>
+            <a:off x="5869577" y="2250826"/>
+            <a:ext cx="0" cy="448831"/>
+          </a:xfrm>
+          <a:prstGeom prst="line">
+            <a:avLst/>
+          </a:prstGeom>
+        </p:spPr>
+        <p:style>
+          <a:lnRef idx="2">
+            <a:schemeClr val="accent2"/>
+          </a:lnRef>
+          <a:fillRef idx="0">
+            <a:schemeClr val="accent2"/>
+          </a:fillRef>
+          <a:effectRef idx="1">
+            <a:schemeClr val="accent2"/>
+          </a:effectRef>
+          <a:fontRef idx="minor">
+            <a:schemeClr val="tx1"/>
+          </a:fontRef>
+        </p:style>
+      </p:cxnSp>
+      <p:cxnSp>
+        <p:nvCxnSpPr>
+          <p:cNvPr id="22" name="Conexão reta 21">
+            <a:extLst>
+              <a:ext uri="{FF2B5EF4-FFF2-40B4-BE49-F238E27FC236}">
+                <a16:creationId xmlns:a16="http://schemas.microsoft.com/office/drawing/2014/main" id="{CEB4F359-5DC3-4161-BFCB-21054FBBAECF}"/>
+              </a:ext>
+            </a:extLst>
+          </p:cNvPr>
+          <p:cNvCxnSpPr>
+            <a:cxnSpLocks/>
+          </p:cNvCxnSpPr>
+          <p:nvPr/>
+        </p:nvCxnSpPr>
+        <p:spPr>
+          <a:xfrm>
+            <a:off x="5873931" y="2673194"/>
+            <a:ext cx="0" cy="448831"/>
+          </a:xfrm>
+          <a:prstGeom prst="line">
+            <a:avLst/>
+          </a:prstGeom>
+        </p:spPr>
+        <p:style>
+          <a:lnRef idx="2">
+            <a:schemeClr val="accent2"/>
+          </a:lnRef>
+          <a:fillRef idx="0">
+            <a:schemeClr val="accent2"/>
+          </a:fillRef>
+          <a:effectRef idx="1">
+            <a:schemeClr val="accent2"/>
+          </a:effectRef>
+          <a:fontRef idx="minor">
+            <a:schemeClr val="tx1"/>
+          </a:fontRef>
+        </p:style>
+      </p:cxnSp>
+      <p:cxnSp>
+        <p:nvCxnSpPr>
+          <p:cNvPr id="24" name="Conexão reta 23">
+            <a:extLst>
+              <a:ext uri="{FF2B5EF4-FFF2-40B4-BE49-F238E27FC236}">
+                <a16:creationId xmlns:a16="http://schemas.microsoft.com/office/drawing/2014/main" id="{0192C01A-3CF4-409F-85F6-F58C70243001}"/>
+              </a:ext>
+            </a:extLst>
+          </p:cNvPr>
+          <p:cNvCxnSpPr>
+            <a:cxnSpLocks/>
+          </p:cNvCxnSpPr>
+          <p:nvPr/>
+        </p:nvCxnSpPr>
+        <p:spPr>
+          <a:xfrm>
+            <a:off x="5869577" y="2708026"/>
+            <a:ext cx="3587931" cy="0"/>
+          </a:xfrm>
+          <a:prstGeom prst="line">
+            <a:avLst/>
+          </a:prstGeom>
+        </p:spPr>
+        <p:style>
+          <a:lnRef idx="2">
+            <a:schemeClr val="accent2"/>
+          </a:lnRef>
+          <a:fillRef idx="0">
+            <a:schemeClr val="accent2"/>
+          </a:fillRef>
+          <a:effectRef idx="1">
+            <a:schemeClr val="accent2"/>
+          </a:effectRef>
+          <a:fontRef idx="minor">
+            <a:schemeClr val="tx1"/>
+          </a:fontRef>
+        </p:style>
+      </p:cxnSp>
+      <p:cxnSp>
+        <p:nvCxnSpPr>
+          <p:cNvPr id="29" name="Conexão reta 28">
+            <a:extLst>
+              <a:ext uri="{FF2B5EF4-FFF2-40B4-BE49-F238E27FC236}">
+                <a16:creationId xmlns:a16="http://schemas.microsoft.com/office/drawing/2014/main" id="{3B022947-F70E-4681-9566-264FC1909D01}"/>
+              </a:ext>
+            </a:extLst>
+          </p:cNvPr>
+          <p:cNvCxnSpPr>
+            <a:cxnSpLocks/>
+          </p:cNvCxnSpPr>
+          <p:nvPr/>
+        </p:nvCxnSpPr>
+        <p:spPr>
+          <a:xfrm>
+            <a:off x="2271056" y="2708026"/>
+            <a:ext cx="3587931" cy="0"/>
+          </a:xfrm>
+          <a:prstGeom prst="line">
+            <a:avLst/>
+          </a:prstGeom>
+        </p:spPr>
+        <p:style>
+          <a:lnRef idx="2">
+            <a:schemeClr val="accent2"/>
+          </a:lnRef>
+          <a:fillRef idx="0">
+            <a:schemeClr val="accent2"/>
+          </a:fillRef>
+          <a:effectRef idx="1">
+            <a:schemeClr val="accent2"/>
+          </a:effectRef>
+          <a:fontRef idx="minor">
+            <a:schemeClr val="tx1"/>
+          </a:fontRef>
+        </p:style>
+      </p:cxnSp>
+      <p:cxnSp>
+        <p:nvCxnSpPr>
+          <p:cNvPr id="31" name="Conexão reta 30">
+            <a:extLst>
+              <a:ext uri="{FF2B5EF4-FFF2-40B4-BE49-F238E27FC236}">
+                <a16:creationId xmlns:a16="http://schemas.microsoft.com/office/drawing/2014/main" id="{30A5EFAC-BE96-484C-A686-EFE987400AF6}"/>
+              </a:ext>
+            </a:extLst>
+          </p:cNvPr>
+          <p:cNvCxnSpPr>
+            <a:cxnSpLocks/>
+          </p:cNvCxnSpPr>
+          <p:nvPr/>
+        </p:nvCxnSpPr>
+        <p:spPr>
+          <a:xfrm>
+            <a:off x="2281646" y="2699657"/>
+            <a:ext cx="0" cy="448831"/>
+          </a:xfrm>
+          <a:prstGeom prst="line">
+            <a:avLst/>
+          </a:prstGeom>
+        </p:spPr>
+        <p:style>
+          <a:lnRef idx="2">
+            <a:schemeClr val="accent2"/>
+          </a:lnRef>
+          <a:fillRef idx="0">
+            <a:schemeClr val="accent2"/>
+          </a:fillRef>
+          <a:effectRef idx="1">
+            <a:schemeClr val="accent2"/>
+          </a:effectRef>
+          <a:fontRef idx="minor">
+            <a:schemeClr val="tx1"/>
+          </a:fontRef>
+        </p:style>
+      </p:cxnSp>
+      <p:cxnSp>
+        <p:nvCxnSpPr>
+          <p:cNvPr id="33" name="Conexão reta 32">
+            <a:extLst>
+              <a:ext uri="{FF2B5EF4-FFF2-40B4-BE49-F238E27FC236}">
+                <a16:creationId xmlns:a16="http://schemas.microsoft.com/office/drawing/2014/main" id="{305A3E0C-A311-4F31-A302-782C4C0A770C}"/>
+              </a:ext>
+            </a:extLst>
+          </p:cNvPr>
+          <p:cNvCxnSpPr>
+            <a:cxnSpLocks/>
+          </p:cNvCxnSpPr>
+          <p:nvPr/>
+        </p:nvCxnSpPr>
+        <p:spPr>
+          <a:xfrm>
+            <a:off x="9448799" y="2708026"/>
+            <a:ext cx="0" cy="448831"/>
+          </a:xfrm>
+          <a:prstGeom prst="line">
+            <a:avLst/>
+          </a:prstGeom>
+        </p:spPr>
+        <p:style>
+          <a:lnRef idx="2">
+            <a:schemeClr val="accent2"/>
+          </a:lnRef>
+          <a:fillRef idx="0">
+            <a:schemeClr val="accent2"/>
+          </a:fillRef>
+          <a:effectRef idx="1">
+            <a:schemeClr val="accent2"/>
+          </a:effectRef>
+          <a:fontRef idx="minor">
+            <a:schemeClr val="tx1"/>
+          </a:fontRef>
+        </p:style>
+      </p:cxnSp>
+      <p:cxnSp>
+        <p:nvCxnSpPr>
+          <p:cNvPr id="35" name="Conexão reta 34">
+            <a:extLst>
+              <a:ext uri="{FF2B5EF4-FFF2-40B4-BE49-F238E27FC236}">
+                <a16:creationId xmlns:a16="http://schemas.microsoft.com/office/drawing/2014/main" id="{DF38A25C-97EC-42C8-8AD3-965E54D7386B}"/>
+              </a:ext>
+            </a:extLst>
+          </p:cNvPr>
+          <p:cNvCxnSpPr>
+            <a:cxnSpLocks/>
+          </p:cNvCxnSpPr>
+          <p:nvPr/>
+        </p:nvCxnSpPr>
+        <p:spPr>
+          <a:xfrm>
+            <a:off x="2281646" y="3714456"/>
+            <a:ext cx="0" cy="639830"/>
+          </a:xfrm>
+          <a:prstGeom prst="line">
+            <a:avLst/>
+          </a:prstGeom>
+        </p:spPr>
+        <p:style>
+          <a:lnRef idx="2">
+            <a:schemeClr val="accent2"/>
+          </a:lnRef>
+          <a:fillRef idx="0">
+            <a:schemeClr val="accent2"/>
+          </a:fillRef>
+          <a:effectRef idx="1">
+            <a:schemeClr val="accent2"/>
+          </a:effectRef>
+          <a:fontRef idx="minor">
+            <a:schemeClr val="tx1"/>
+          </a:fontRef>
+        </p:style>
+      </p:cxnSp>
+      <p:cxnSp>
+        <p:nvCxnSpPr>
+          <p:cNvPr id="37" name="Conexão reta 36">
+            <a:extLst>
+              <a:ext uri="{FF2B5EF4-FFF2-40B4-BE49-F238E27FC236}">
+                <a16:creationId xmlns:a16="http://schemas.microsoft.com/office/drawing/2014/main" id="{CFD53AE3-863E-4A97-92FF-62DFD1ABFDC8}"/>
+              </a:ext>
+            </a:extLst>
+          </p:cNvPr>
+          <p:cNvCxnSpPr>
+            <a:cxnSpLocks/>
+          </p:cNvCxnSpPr>
+          <p:nvPr/>
+        </p:nvCxnSpPr>
+        <p:spPr>
+          <a:xfrm flipV="1">
+            <a:off x="1297577" y="4350189"/>
+            <a:ext cx="1859283" cy="4097"/>
+          </a:xfrm>
+          <a:prstGeom prst="line">
+            <a:avLst/>
+          </a:prstGeom>
+        </p:spPr>
+        <p:style>
+          <a:lnRef idx="2">
+            <a:schemeClr val="accent2"/>
+          </a:lnRef>
+          <a:fillRef idx="0">
+            <a:schemeClr val="accent2"/>
+          </a:fillRef>
+          <a:effectRef idx="1">
+            <a:schemeClr val="accent2"/>
+          </a:effectRef>
+          <a:fontRef idx="minor">
+            <a:schemeClr val="tx1"/>
+          </a:fontRef>
+        </p:style>
+      </p:cxnSp>
+      <p:cxnSp>
+        <p:nvCxnSpPr>
+          <p:cNvPr id="43" name="Conexão reta 42">
+            <a:extLst>
+              <a:ext uri="{FF2B5EF4-FFF2-40B4-BE49-F238E27FC236}">
+                <a16:creationId xmlns:a16="http://schemas.microsoft.com/office/drawing/2014/main" id="{1C81F17B-D258-45B8-B10D-3201F07ED1BE}"/>
+              </a:ext>
+            </a:extLst>
+          </p:cNvPr>
+          <p:cNvCxnSpPr>
+            <a:cxnSpLocks/>
+          </p:cNvCxnSpPr>
+          <p:nvPr/>
+        </p:nvCxnSpPr>
+        <p:spPr>
+          <a:xfrm>
+            <a:off x="1306286" y="4341480"/>
+            <a:ext cx="0" cy="569316"/>
+          </a:xfrm>
+          <a:prstGeom prst="line">
+            <a:avLst/>
+          </a:prstGeom>
+        </p:spPr>
+        <p:style>
+          <a:lnRef idx="2">
+            <a:schemeClr val="accent2"/>
+          </a:lnRef>
+          <a:fillRef idx="0">
+            <a:schemeClr val="accent2"/>
+          </a:fillRef>
+          <a:effectRef idx="1">
+            <a:schemeClr val="accent2"/>
+          </a:effectRef>
+          <a:fontRef idx="minor">
+            <a:schemeClr val="tx1"/>
+          </a:fontRef>
+        </p:style>
+      </p:cxnSp>
+      <p:cxnSp>
+        <p:nvCxnSpPr>
+          <p:cNvPr id="46" name="Conexão reta 45">
+            <a:extLst>
+              <a:ext uri="{FF2B5EF4-FFF2-40B4-BE49-F238E27FC236}">
+                <a16:creationId xmlns:a16="http://schemas.microsoft.com/office/drawing/2014/main" id="{826C81E7-560D-41EA-ABC2-8752494B2BDA}"/>
+              </a:ext>
+            </a:extLst>
+          </p:cNvPr>
+          <p:cNvCxnSpPr>
+            <a:cxnSpLocks/>
+          </p:cNvCxnSpPr>
+          <p:nvPr/>
+        </p:nvCxnSpPr>
+        <p:spPr>
+          <a:xfrm>
+            <a:off x="3152506" y="4341480"/>
+            <a:ext cx="0" cy="569316"/>
+          </a:xfrm>
+          <a:prstGeom prst="line">
+            <a:avLst/>
+          </a:prstGeom>
+        </p:spPr>
+        <p:style>
+          <a:lnRef idx="2">
+            <a:schemeClr val="accent2"/>
+          </a:lnRef>
+          <a:fillRef idx="0">
+            <a:schemeClr val="accent2"/>
+          </a:fillRef>
+          <a:effectRef idx="1">
+            <a:schemeClr val="accent2"/>
+          </a:effectRef>
+          <a:fontRef idx="minor">
+            <a:schemeClr val="tx1"/>
+          </a:fontRef>
+        </p:style>
+      </p:cxnSp>
+      <p:cxnSp>
+        <p:nvCxnSpPr>
+          <p:cNvPr id="48" name="Conexão reta 47">
+            <a:extLst>
+              <a:ext uri="{FF2B5EF4-FFF2-40B4-BE49-F238E27FC236}">
+                <a16:creationId xmlns:a16="http://schemas.microsoft.com/office/drawing/2014/main" id="{62AABB42-971E-4878-ACEC-E5F7F4398777}"/>
+              </a:ext>
+            </a:extLst>
+          </p:cNvPr>
+          <p:cNvCxnSpPr>
+            <a:cxnSpLocks/>
+          </p:cNvCxnSpPr>
+          <p:nvPr/>
+        </p:nvCxnSpPr>
+        <p:spPr>
+          <a:xfrm>
+            <a:off x="4980219" y="4358642"/>
+            <a:ext cx="1936276" cy="0"/>
+          </a:xfrm>
+          <a:prstGeom prst="line">
+            <a:avLst/>
+          </a:prstGeom>
+        </p:spPr>
+        <p:style>
+          <a:lnRef idx="2">
+            <a:schemeClr val="accent2"/>
+          </a:lnRef>
+          <a:fillRef idx="0">
+            <a:schemeClr val="accent2"/>
+          </a:fillRef>
+          <a:effectRef idx="1">
+            <a:schemeClr val="accent2"/>
+          </a:effectRef>
+          <a:fontRef idx="minor">
+            <a:schemeClr val="tx1"/>
+          </a:fontRef>
+        </p:style>
+      </p:cxnSp>
+      <p:cxnSp>
+        <p:nvCxnSpPr>
+          <p:cNvPr id="50" name="Conexão reta 49">
+            <a:extLst>
+              <a:ext uri="{FF2B5EF4-FFF2-40B4-BE49-F238E27FC236}">
+                <a16:creationId xmlns:a16="http://schemas.microsoft.com/office/drawing/2014/main" id="{70C92226-2BAC-4A05-8A94-1EFCE29BE354}"/>
+              </a:ext>
+            </a:extLst>
+          </p:cNvPr>
+          <p:cNvCxnSpPr>
+            <a:cxnSpLocks/>
+          </p:cNvCxnSpPr>
+          <p:nvPr/>
+        </p:nvCxnSpPr>
+        <p:spPr>
+          <a:xfrm>
+            <a:off x="5869879" y="3718812"/>
+            <a:ext cx="0" cy="639830"/>
+          </a:xfrm>
+          <a:prstGeom prst="line">
+            <a:avLst/>
+          </a:prstGeom>
+        </p:spPr>
+        <p:style>
+          <a:lnRef idx="2">
+            <a:schemeClr val="accent2"/>
+          </a:lnRef>
+          <a:fillRef idx="0">
+            <a:schemeClr val="accent2"/>
+          </a:fillRef>
+          <a:effectRef idx="1">
+            <a:schemeClr val="accent2"/>
+          </a:effectRef>
+          <a:fontRef idx="minor">
+            <a:schemeClr val="tx1"/>
+          </a:fontRef>
+        </p:style>
+      </p:cxnSp>
+      <p:cxnSp>
+        <p:nvCxnSpPr>
+          <p:cNvPr id="52" name="Conexão reta 51">
+            <a:extLst>
+              <a:ext uri="{FF2B5EF4-FFF2-40B4-BE49-F238E27FC236}">
+                <a16:creationId xmlns:a16="http://schemas.microsoft.com/office/drawing/2014/main" id="{AEB41259-631D-4691-A8EA-6C4428B542A6}"/>
+              </a:ext>
+            </a:extLst>
+          </p:cNvPr>
+          <p:cNvCxnSpPr>
+            <a:cxnSpLocks/>
+            <a:endCxn id="12" idx="0"/>
+          </p:cNvCxnSpPr>
+          <p:nvPr/>
+        </p:nvCxnSpPr>
+        <p:spPr>
+          <a:xfrm>
+            <a:off x="4993282" y="4350189"/>
+            <a:ext cx="0" cy="560607"/>
+          </a:xfrm>
+          <a:prstGeom prst="line">
+            <a:avLst/>
+          </a:prstGeom>
+        </p:spPr>
+        <p:style>
+          <a:lnRef idx="2">
+            <a:schemeClr val="accent2"/>
+          </a:lnRef>
+          <a:fillRef idx="0">
+            <a:schemeClr val="accent2"/>
+          </a:fillRef>
+          <a:effectRef idx="1">
+            <a:schemeClr val="accent2"/>
+          </a:effectRef>
+          <a:fontRef idx="minor">
+            <a:schemeClr val="tx1"/>
+          </a:fontRef>
+        </p:style>
+      </p:cxnSp>
+      <p:cxnSp>
+        <p:nvCxnSpPr>
+          <p:cNvPr id="59" name="Conexão reta 58">
+            <a:extLst>
+              <a:ext uri="{FF2B5EF4-FFF2-40B4-BE49-F238E27FC236}">
+                <a16:creationId xmlns:a16="http://schemas.microsoft.com/office/drawing/2014/main" id="{D59AD5D9-95C6-49D9-9EAC-3D95A2EC74C5}"/>
+              </a:ext>
+            </a:extLst>
+          </p:cNvPr>
+          <p:cNvCxnSpPr>
+            <a:cxnSpLocks/>
+          </p:cNvCxnSpPr>
+          <p:nvPr/>
+        </p:nvCxnSpPr>
+        <p:spPr>
+          <a:xfrm>
+            <a:off x="6918959" y="4351947"/>
+            <a:ext cx="4354" cy="569316"/>
+          </a:xfrm>
+          <a:prstGeom prst="line">
+            <a:avLst/>
+          </a:prstGeom>
+        </p:spPr>
+        <p:style>
+          <a:lnRef idx="2">
+            <a:schemeClr val="accent2"/>
+          </a:lnRef>
+          <a:fillRef idx="0">
+            <a:schemeClr val="accent2"/>
+          </a:fillRef>
+          <a:effectRef idx="1">
+            <a:schemeClr val="accent2"/>
+          </a:effectRef>
+          <a:fontRef idx="minor">
+            <a:schemeClr val="tx1"/>
+          </a:fontRef>
+        </p:style>
+      </p:cxnSp>
+      <p:sp>
+        <p:nvSpPr>
+          <p:cNvPr id="65" name="Retângulo 64">
+            <a:extLst>
+              <a:ext uri="{FF2B5EF4-FFF2-40B4-BE49-F238E27FC236}">
+                <a16:creationId xmlns:a16="http://schemas.microsoft.com/office/drawing/2014/main" id="{D8167E74-48FE-4E00-900D-F2A868C4A62B}"/>
+              </a:ext>
+            </a:extLst>
+          </p:cNvPr>
+          <p:cNvSpPr/>
+          <p:nvPr/>
+        </p:nvSpPr>
+        <p:spPr>
+          <a:xfrm>
+            <a:off x="3603765" y="3225379"/>
+            <a:ext cx="933402" cy="407242"/>
+          </a:xfrm>
+          <a:prstGeom prst="rect">
+            <a:avLst/>
+          </a:prstGeom>
+        </p:spPr>
+        <p:style>
+          <a:lnRef idx="2">
+            <a:schemeClr val="dk1"/>
+          </a:lnRef>
+          <a:fillRef idx="1">
+            <a:schemeClr val="lt1"/>
+          </a:fillRef>
+          <a:effectRef idx="0">
+            <a:schemeClr val="dk1"/>
+          </a:effectRef>
+          <a:fontRef idx="minor">
+            <a:schemeClr val="dk1"/>
+          </a:fontRef>
+        </p:style>
+        <p:txBody>
+          <a:bodyPr rtlCol="0" anchor="ctr"/>
+          <a:lstStyle/>
+          <a:p>
+            <a:pPr algn="ctr"/>
+            <a:r>
+              <a:rPr lang="pt-PT" dirty="0"/>
+              <a:t>Date</a:t>
+            </a:r>
+          </a:p>
+        </p:txBody>
+      </p:sp>
+      <p:cxnSp>
+        <p:nvCxnSpPr>
+          <p:cNvPr id="67" name="Conexão reta 66">
+            <a:extLst>
+              <a:ext uri="{FF2B5EF4-FFF2-40B4-BE49-F238E27FC236}">
+                <a16:creationId xmlns:a16="http://schemas.microsoft.com/office/drawing/2014/main" id="{DF3C6FC8-5457-44C7-966D-64BE6413510C}"/>
+              </a:ext>
+            </a:extLst>
+          </p:cNvPr>
+          <p:cNvCxnSpPr>
+            <a:cxnSpLocks/>
+            <a:endCxn id="65" idx="1"/>
+          </p:cNvCxnSpPr>
+          <p:nvPr/>
+        </p:nvCxnSpPr>
+        <p:spPr>
+          <a:xfrm>
+            <a:off x="3026229" y="3427075"/>
+            <a:ext cx="577536" cy="1925"/>
+          </a:xfrm>
+          <a:prstGeom prst="line">
+            <a:avLst/>
+          </a:prstGeom>
+        </p:spPr>
+        <p:style>
+          <a:lnRef idx="2">
+            <a:schemeClr val="accent2"/>
+          </a:lnRef>
+          <a:fillRef idx="0">
+            <a:schemeClr val="accent2"/>
+          </a:fillRef>
+          <a:effectRef idx="1">
+            <a:schemeClr val="accent2"/>
+          </a:effectRef>
+          <a:fontRef idx="minor">
+            <a:schemeClr val="tx1"/>
+          </a:fontRef>
+        </p:style>
+      </p:cxnSp>
+      <p:cxnSp>
+        <p:nvCxnSpPr>
+          <p:cNvPr id="71" name="Conexão reta 70">
+            <a:extLst>
+              <a:ext uri="{FF2B5EF4-FFF2-40B4-BE49-F238E27FC236}">
+                <a16:creationId xmlns:a16="http://schemas.microsoft.com/office/drawing/2014/main" id="{C86609B0-D3AA-432E-838B-55AD62CF85CA}"/>
+              </a:ext>
+            </a:extLst>
+          </p:cNvPr>
+          <p:cNvCxnSpPr>
+            <a:cxnSpLocks/>
+          </p:cNvCxnSpPr>
+          <p:nvPr/>
+        </p:nvCxnSpPr>
+        <p:spPr>
+          <a:xfrm>
+            <a:off x="4547458" y="3427073"/>
+            <a:ext cx="577536" cy="1925"/>
+          </a:xfrm>
+          <a:prstGeom prst="line">
+            <a:avLst/>
+          </a:prstGeom>
+        </p:spPr>
+        <p:style>
+          <a:lnRef idx="2">
+            <a:schemeClr val="accent2"/>
+          </a:lnRef>
+          <a:fillRef idx="0">
+            <a:schemeClr val="accent2"/>
+          </a:fillRef>
+          <a:effectRef idx="1">
+            <a:schemeClr val="accent2"/>
+          </a:effectRef>
+          <a:fontRef idx="minor">
+            <a:schemeClr val="tx1"/>
+          </a:fontRef>
+        </p:style>
+      </p:cxnSp>
     </p:spTree>
     <p:extLst>
       <p:ext uri="{BB962C8B-B14F-4D97-AF65-F5344CB8AC3E}">

--- a/StreamZ.pptx
+++ b/StreamZ.pptx
@@ -13,7 +13,7 @@
     <p:sldId id="258" r:id="rId4"/>
     <p:sldId id="259" r:id="rId5"/>
     <p:sldId id="275" r:id="rId6"/>
-    <p:sldId id="260" r:id="rId7"/>
+    <p:sldId id="278" r:id="rId7"/>
     <p:sldId id="276" r:id="rId8"/>
     <p:sldId id="261" r:id="rId9"/>
     <p:sldId id="262" r:id="rId10"/>
@@ -230,7 +230,7 @@
           <a:p>
             <a:fld id="{2C6EE50A-DEFA-44F0-BA6D-8AF59745F88F}" type="datetimeFigureOut">
               <a:rPr lang="en-US" smtClean="0"/>
-              <a:t>11/17/2020</a:t>
+              <a:t>11/18/2020</a:t>
             </a:fld>
             <a:endParaRPr lang="en-US"/>
           </a:p>
@@ -388,7 +388,7 @@
           <a:p>
             <a:fld id="{4F1D87AD-7F15-454B-AEBB-C308D2F86D9B}" type="slidenum">
               <a:rPr lang="en-US" smtClean="0"/>
-              <a:t>‹#›</a:t>
+              <a:t>‹nº›</a:t>
             </a:fld>
             <a:endParaRPr lang="en-US"/>
           </a:p>
@@ -554,7 +554,7 @@
           <a:noFill/>
           <a:extLst>
             <a:ext uri="{909E8E84-426E-40dd-AFC4-6F175D3DCCD1}">
-              <a14:hiddenFill xmlns:a14="http://schemas.microsoft.com/office/drawing/2010/main" xmlns="">
+              <a14:hiddenFill xmlns="" xmlns:a14="http://schemas.microsoft.com/office/drawing/2010/main">
                 <a:solidFill>
                   <a:srgbClr val="FFFFFF"/>
                 </a:solidFill>
@@ -613,7 +613,7 @@
             </a:ln>
             <a:extLst>
               <a:ext uri="{91240B29-F687-4f45-9708-019B960494DF}">
-                <a14:hiddenLine xmlns:a14="http://schemas.microsoft.com/office/drawing/2010/main" xmlns="" w="9525">
+                <a14:hiddenLine xmlns="" xmlns:a14="http://schemas.microsoft.com/office/drawing/2010/main" w="9525">
                   <a:solidFill>
                     <a:srgbClr val="000000"/>
                   </a:solidFill>
@@ -703,7 +703,7 @@
             </a:ln>
             <a:extLst>
               <a:ext uri="{91240B29-F687-4f45-9708-019B960494DF}">
-                <a14:hiddenLine xmlns:a14="http://schemas.microsoft.com/office/drawing/2010/main" xmlns="" w="9525">
+                <a14:hiddenLine xmlns="" xmlns:a14="http://schemas.microsoft.com/office/drawing/2010/main" w="9525">
                   <a:solidFill>
                     <a:srgbClr val="000000"/>
                   </a:solidFill>
@@ -793,7 +793,7 @@
             </a:ln>
             <a:extLst>
               <a:ext uri="{91240B29-F687-4f45-9708-019B960494DF}">
-                <a14:hiddenLine xmlns:a14="http://schemas.microsoft.com/office/drawing/2010/main" xmlns="" w="9525">
+                <a14:hiddenLine xmlns="" xmlns:a14="http://schemas.microsoft.com/office/drawing/2010/main" w="9525">
                   <a:solidFill>
                     <a:srgbClr val="000000"/>
                   </a:solidFill>
@@ -827,7 +827,7 @@
             </a:ln>
             <a:extLst>
               <a:ext uri="{91240B29-F687-4f45-9708-019B960494DF}">
-                <a14:hiddenLine xmlns:a14="http://schemas.microsoft.com/office/drawing/2010/main" xmlns="" w="9525">
+                <a14:hiddenLine xmlns="" xmlns:a14="http://schemas.microsoft.com/office/drawing/2010/main" w="9525">
                   <a:solidFill>
                     <a:srgbClr val="000000"/>
                   </a:solidFill>
@@ -917,7 +917,7 @@
             </a:ln>
             <a:extLst>
               <a:ext uri="{91240B29-F687-4f45-9708-019B960494DF}">
-                <a14:hiddenLine xmlns:a14="http://schemas.microsoft.com/office/drawing/2010/main" xmlns="" w="9525">
+                <a14:hiddenLine xmlns="" xmlns:a14="http://schemas.microsoft.com/office/drawing/2010/main" w="9525">
                   <a:solidFill>
                     <a:srgbClr val="000000"/>
                   </a:solidFill>
@@ -979,7 +979,7 @@
             </a:ln>
             <a:extLst>
               <a:ext uri="{91240B29-F687-4f45-9708-019B960494DF}">
-                <a14:hiddenLine xmlns:a14="http://schemas.microsoft.com/office/drawing/2010/main" xmlns="" w="9525">
+                <a14:hiddenLine xmlns="" xmlns:a14="http://schemas.microsoft.com/office/drawing/2010/main" w="9525">
                   <a:solidFill>
                     <a:srgbClr val="000000"/>
                   </a:solidFill>
@@ -1041,7 +1041,7 @@
             </a:ln>
             <a:extLst>
               <a:ext uri="{91240B29-F687-4f45-9708-019B960494DF}">
-                <a14:hiddenLine xmlns:a14="http://schemas.microsoft.com/office/drawing/2010/main" xmlns="" w="9525">
+                <a14:hiddenLine xmlns="" xmlns:a14="http://schemas.microsoft.com/office/drawing/2010/main" w="9525">
                   <a:solidFill>
                     <a:srgbClr val="000000"/>
                   </a:solidFill>
@@ -1131,7 +1131,7 @@
             </a:ln>
             <a:extLst>
               <a:ext uri="{91240B29-F687-4f45-9708-019B960494DF}">
-                <a14:hiddenLine xmlns:a14="http://schemas.microsoft.com/office/drawing/2010/main" xmlns="" w="9525">
+                <a14:hiddenLine xmlns="" xmlns:a14="http://schemas.microsoft.com/office/drawing/2010/main" w="9525">
                   <a:solidFill>
                     <a:srgbClr val="000000"/>
                   </a:solidFill>
@@ -1193,7 +1193,7 @@
             </a:ln>
             <a:extLst>
               <a:ext uri="{91240B29-F687-4f45-9708-019B960494DF}">
-                <a14:hiddenLine xmlns:a14="http://schemas.microsoft.com/office/drawing/2010/main" xmlns="" w="9525">
+                <a14:hiddenLine xmlns="" xmlns:a14="http://schemas.microsoft.com/office/drawing/2010/main" w="9525">
                   <a:solidFill>
                     <a:srgbClr val="000000"/>
                   </a:solidFill>
@@ -1255,7 +1255,7 @@
             </a:ln>
             <a:extLst>
               <a:ext uri="{91240B29-F687-4f45-9708-019B960494DF}">
-                <a14:hiddenLine xmlns:a14="http://schemas.microsoft.com/office/drawing/2010/main" xmlns="" w="9525">
+                <a14:hiddenLine xmlns="" xmlns:a14="http://schemas.microsoft.com/office/drawing/2010/main" w="9525">
                   <a:solidFill>
                     <a:srgbClr val="000000"/>
                   </a:solidFill>
@@ -1345,7 +1345,7 @@
             </a:ln>
             <a:extLst>
               <a:ext uri="{91240B29-F687-4f45-9708-019B960494DF}">
-                <a14:hiddenLine xmlns:a14="http://schemas.microsoft.com/office/drawing/2010/main" xmlns="" w="9525">
+                <a14:hiddenLine xmlns="" xmlns:a14="http://schemas.microsoft.com/office/drawing/2010/main" w="9525">
                   <a:solidFill>
                     <a:srgbClr val="000000"/>
                   </a:solidFill>
@@ -1435,7 +1435,7 @@
             </a:ln>
             <a:extLst>
               <a:ext uri="{91240B29-F687-4f45-9708-019B960494DF}">
-                <a14:hiddenLine xmlns:a14="http://schemas.microsoft.com/office/drawing/2010/main" xmlns="" w="9525">
+                <a14:hiddenLine xmlns="" xmlns:a14="http://schemas.microsoft.com/office/drawing/2010/main" w="9525">
                   <a:solidFill>
                     <a:srgbClr val="000000"/>
                   </a:solidFill>
@@ -1497,7 +1497,7 @@
             </a:ln>
             <a:extLst>
               <a:ext uri="{91240B29-F687-4f45-9708-019B960494DF}">
-                <a14:hiddenLine xmlns:a14="http://schemas.microsoft.com/office/drawing/2010/main" xmlns="" w="9525">
+                <a14:hiddenLine xmlns="" xmlns:a14="http://schemas.microsoft.com/office/drawing/2010/main" w="9525">
                   <a:solidFill>
                     <a:srgbClr val="000000"/>
                   </a:solidFill>
@@ -1607,7 +1607,7 @@
             </a:ln>
             <a:extLst>
               <a:ext uri="{91240B29-F687-4f45-9708-019B960494DF}">
-                <a14:hiddenLine xmlns:a14="http://schemas.microsoft.com/office/drawing/2010/main" xmlns="" w="9525">
+                <a14:hiddenLine xmlns="" xmlns:a14="http://schemas.microsoft.com/office/drawing/2010/main" w="9525">
                   <a:solidFill>
                     <a:srgbClr val="000000"/>
                   </a:solidFill>
@@ -1669,7 +1669,7 @@
             </a:ln>
             <a:extLst>
               <a:ext uri="{91240B29-F687-4f45-9708-019B960494DF}">
-                <a14:hiddenLine xmlns:a14="http://schemas.microsoft.com/office/drawing/2010/main" xmlns="" w="9525">
+                <a14:hiddenLine xmlns="" xmlns:a14="http://schemas.microsoft.com/office/drawing/2010/main" w="9525">
                   <a:solidFill>
                     <a:srgbClr val="000000"/>
                   </a:solidFill>
@@ -1759,7 +1759,7 @@
             </a:ln>
             <a:extLst>
               <a:ext uri="{91240B29-F687-4f45-9708-019B960494DF}">
-                <a14:hiddenLine xmlns:a14="http://schemas.microsoft.com/office/drawing/2010/main" xmlns="" w="9525">
+                <a14:hiddenLine xmlns="" xmlns:a14="http://schemas.microsoft.com/office/drawing/2010/main" w="9525">
                   <a:solidFill>
                     <a:srgbClr val="000000"/>
                   </a:solidFill>
@@ -1849,7 +1849,7 @@
             </a:ln>
             <a:extLst>
               <a:ext uri="{91240B29-F687-4f45-9708-019B960494DF}">
-                <a14:hiddenLine xmlns:a14="http://schemas.microsoft.com/office/drawing/2010/main" xmlns="" w="9525">
+                <a14:hiddenLine xmlns="" xmlns:a14="http://schemas.microsoft.com/office/drawing/2010/main" w="9525">
                   <a:solidFill>
                     <a:srgbClr val="000000"/>
                   </a:solidFill>
@@ -1911,7 +1911,7 @@
             </a:ln>
             <a:extLst>
               <a:ext uri="{91240B29-F687-4f45-9708-019B960494DF}">
-                <a14:hiddenLine xmlns:a14="http://schemas.microsoft.com/office/drawing/2010/main" xmlns="" w="9525">
+                <a14:hiddenLine xmlns="" xmlns:a14="http://schemas.microsoft.com/office/drawing/2010/main" w="9525">
                   <a:solidFill>
                     <a:srgbClr val="000000"/>
                   </a:solidFill>
@@ -2001,7 +2001,7 @@
             </a:ln>
             <a:extLst>
               <a:ext uri="{91240B29-F687-4f45-9708-019B960494DF}">
-                <a14:hiddenLine xmlns:a14="http://schemas.microsoft.com/office/drawing/2010/main" xmlns="" w="9525">
+                <a14:hiddenLine xmlns="" xmlns:a14="http://schemas.microsoft.com/office/drawing/2010/main" w="9525">
                   <a:solidFill>
                     <a:srgbClr val="000000"/>
                   </a:solidFill>
@@ -2091,7 +2091,7 @@
             </a:ln>
             <a:extLst>
               <a:ext uri="{91240B29-F687-4f45-9708-019B960494DF}">
-                <a14:hiddenLine xmlns:a14="http://schemas.microsoft.com/office/drawing/2010/main" xmlns="" w="9525">
+                <a14:hiddenLine xmlns="" xmlns:a14="http://schemas.microsoft.com/office/drawing/2010/main" w="9525">
                   <a:solidFill>
                     <a:srgbClr val="000000"/>
                   </a:solidFill>
@@ -2147,7 +2147,7 @@
             </a:ln>
             <a:extLst>
               <a:ext uri="{91240B29-F687-4f45-9708-019B960494DF}">
-                <a14:hiddenLine xmlns:a14="http://schemas.microsoft.com/office/drawing/2010/main" xmlns="" w="9525">
+                <a14:hiddenLine xmlns="" xmlns:a14="http://schemas.microsoft.com/office/drawing/2010/main" w="9525">
                   <a:solidFill>
                     <a:srgbClr val="000000"/>
                   </a:solidFill>
@@ -2237,7 +2237,7 @@
             </a:ln>
             <a:extLst>
               <a:ext uri="{91240B29-F687-4f45-9708-019B960494DF}">
-                <a14:hiddenLine xmlns:a14="http://schemas.microsoft.com/office/drawing/2010/main" xmlns="" w="9525">
+                <a14:hiddenLine xmlns="" xmlns:a14="http://schemas.microsoft.com/office/drawing/2010/main" w="9525">
                   <a:solidFill>
                     <a:srgbClr val="000000"/>
                   </a:solidFill>
@@ -2293,7 +2293,7 @@
             </a:ln>
             <a:extLst>
               <a:ext uri="{91240B29-F687-4f45-9708-019B960494DF}">
-                <a14:hiddenLine xmlns:a14="http://schemas.microsoft.com/office/drawing/2010/main" xmlns="" w="9525">
+                <a14:hiddenLine xmlns="" xmlns:a14="http://schemas.microsoft.com/office/drawing/2010/main" w="9525">
                   <a:solidFill>
                     <a:srgbClr val="000000"/>
                   </a:solidFill>
@@ -2383,7 +2383,7 @@
             </a:ln>
             <a:extLst>
               <a:ext uri="{91240B29-F687-4f45-9708-019B960494DF}">
-                <a14:hiddenLine xmlns:a14="http://schemas.microsoft.com/office/drawing/2010/main" xmlns="" w="9525">
+                <a14:hiddenLine xmlns="" xmlns:a14="http://schemas.microsoft.com/office/drawing/2010/main" w="9525">
                   <a:solidFill>
                     <a:srgbClr val="000000"/>
                   </a:solidFill>
@@ -2451,7 +2451,7 @@
             </a:ln>
             <a:extLst>
               <a:ext uri="{91240B29-F687-4f45-9708-019B960494DF}">
-                <a14:hiddenLine xmlns:a14="http://schemas.microsoft.com/office/drawing/2010/main" xmlns="" w="9525">
+                <a14:hiddenLine xmlns="" xmlns:a14="http://schemas.microsoft.com/office/drawing/2010/main" w="9525">
                   <a:solidFill>
                     <a:srgbClr val="000000"/>
                   </a:solidFill>
@@ -2541,7 +2541,7 @@
             </a:ln>
             <a:extLst>
               <a:ext uri="{91240B29-F687-4f45-9708-019B960494DF}">
-                <a14:hiddenLine xmlns:a14="http://schemas.microsoft.com/office/drawing/2010/main" xmlns="" w="9525">
+                <a14:hiddenLine xmlns="" xmlns:a14="http://schemas.microsoft.com/office/drawing/2010/main" w="9525">
                   <a:solidFill>
                     <a:srgbClr val="000000"/>
                   </a:solidFill>
@@ -2609,7 +2609,7 @@
             </a:ln>
             <a:extLst>
               <a:ext uri="{91240B29-F687-4f45-9708-019B960494DF}">
-                <a14:hiddenLine xmlns:a14="http://schemas.microsoft.com/office/drawing/2010/main" xmlns="" w="9525">
+                <a14:hiddenLine xmlns="" xmlns:a14="http://schemas.microsoft.com/office/drawing/2010/main" w="9525">
                   <a:solidFill>
                     <a:srgbClr val="000000"/>
                   </a:solidFill>
@@ -2699,7 +2699,7 @@
             </a:ln>
             <a:extLst>
               <a:ext uri="{91240B29-F687-4f45-9708-019B960494DF}">
-                <a14:hiddenLine xmlns:a14="http://schemas.microsoft.com/office/drawing/2010/main" xmlns="" w="9525">
+                <a14:hiddenLine xmlns="" xmlns:a14="http://schemas.microsoft.com/office/drawing/2010/main" w="9525">
                   <a:solidFill>
                     <a:srgbClr val="000000"/>
                   </a:solidFill>
@@ -2733,7 +2733,7 @@
             </a:ln>
             <a:extLst>
               <a:ext uri="{91240B29-F687-4f45-9708-019B960494DF}">
-                <a14:hiddenLine xmlns:a14="http://schemas.microsoft.com/office/drawing/2010/main" xmlns="" w="9525">
+                <a14:hiddenLine xmlns="" xmlns:a14="http://schemas.microsoft.com/office/drawing/2010/main" w="9525">
                   <a:solidFill>
                     <a:srgbClr val="000000"/>
                   </a:solidFill>
@@ -2823,7 +2823,7 @@
             </a:ln>
             <a:extLst>
               <a:ext uri="{91240B29-F687-4f45-9708-019B960494DF}">
-                <a14:hiddenLine xmlns:a14="http://schemas.microsoft.com/office/drawing/2010/main" xmlns="" w="9525">
+                <a14:hiddenLine xmlns="" xmlns:a14="http://schemas.microsoft.com/office/drawing/2010/main" w="9525">
                   <a:solidFill>
                     <a:srgbClr val="000000"/>
                   </a:solidFill>
@@ -2885,7 +2885,7 @@
             </a:ln>
             <a:extLst>
               <a:ext uri="{91240B29-F687-4f45-9708-019B960494DF}">
-                <a14:hiddenLine xmlns:a14="http://schemas.microsoft.com/office/drawing/2010/main" xmlns="" w="9525">
+                <a14:hiddenLine xmlns="" xmlns:a14="http://schemas.microsoft.com/office/drawing/2010/main" w="9525">
                   <a:solidFill>
                     <a:srgbClr val="000000"/>
                   </a:solidFill>
@@ -2947,7 +2947,7 @@
             </a:ln>
             <a:extLst>
               <a:ext uri="{91240B29-F687-4f45-9708-019B960494DF}">
-                <a14:hiddenLine xmlns:a14="http://schemas.microsoft.com/office/drawing/2010/main" xmlns="" w="9525">
+                <a14:hiddenLine xmlns="" xmlns:a14="http://schemas.microsoft.com/office/drawing/2010/main" w="9525">
                   <a:solidFill>
                     <a:srgbClr val="000000"/>
                   </a:solidFill>
@@ -3037,7 +3037,7 @@
             </a:ln>
             <a:extLst>
               <a:ext uri="{91240B29-F687-4f45-9708-019B960494DF}">
-                <a14:hiddenLine xmlns:a14="http://schemas.microsoft.com/office/drawing/2010/main" xmlns="" w="9525">
+                <a14:hiddenLine xmlns="" xmlns:a14="http://schemas.microsoft.com/office/drawing/2010/main" w="9525">
                   <a:solidFill>
                     <a:srgbClr val="000000"/>
                   </a:solidFill>
@@ -3105,7 +3105,7 @@
             </a:ln>
             <a:extLst>
               <a:ext uri="{91240B29-F687-4f45-9708-019B960494DF}">
-                <a14:hiddenLine xmlns:a14="http://schemas.microsoft.com/office/drawing/2010/main" xmlns="" w="9525">
+                <a14:hiddenLine xmlns="" xmlns:a14="http://schemas.microsoft.com/office/drawing/2010/main" w="9525">
                   <a:solidFill>
                     <a:srgbClr val="000000"/>
                   </a:solidFill>
@@ -3167,7 +3167,7 @@
             </a:ln>
             <a:extLst>
               <a:ext uri="{91240B29-F687-4f45-9708-019B960494DF}">
-                <a14:hiddenLine xmlns:a14="http://schemas.microsoft.com/office/drawing/2010/main" xmlns="" w="9525">
+                <a14:hiddenLine xmlns="" xmlns:a14="http://schemas.microsoft.com/office/drawing/2010/main" w="9525">
                   <a:solidFill>
                     <a:srgbClr val="000000"/>
                   </a:solidFill>
@@ -3257,7 +3257,7 @@
             </a:ln>
             <a:extLst>
               <a:ext uri="{91240B29-F687-4f45-9708-019B960494DF}">
-                <a14:hiddenLine xmlns:a14="http://schemas.microsoft.com/office/drawing/2010/main" xmlns="" w="9525">
+                <a14:hiddenLine xmlns="" xmlns:a14="http://schemas.microsoft.com/office/drawing/2010/main" w="9525">
                   <a:solidFill>
                     <a:srgbClr val="000000"/>
                   </a:solidFill>
@@ -3319,7 +3319,7 @@
             </a:ln>
             <a:extLst>
               <a:ext uri="{91240B29-F687-4f45-9708-019B960494DF}">
-                <a14:hiddenLine xmlns:a14="http://schemas.microsoft.com/office/drawing/2010/main" xmlns="" w="9525">
+                <a14:hiddenLine xmlns="" xmlns:a14="http://schemas.microsoft.com/office/drawing/2010/main" w="9525">
                   <a:solidFill>
                     <a:srgbClr val="000000"/>
                   </a:solidFill>
@@ -3409,7 +3409,7 @@
             </a:ln>
             <a:extLst>
               <a:ext uri="{91240B29-F687-4f45-9708-019B960494DF}">
-                <a14:hiddenLine xmlns:a14="http://schemas.microsoft.com/office/drawing/2010/main" xmlns="" w="9525">
+                <a14:hiddenLine xmlns="" xmlns:a14="http://schemas.microsoft.com/office/drawing/2010/main" w="9525">
                   <a:solidFill>
                     <a:srgbClr val="000000"/>
                   </a:solidFill>
@@ -3471,7 +3471,7 @@
             </a:ln>
             <a:extLst>
               <a:ext uri="{91240B29-F687-4f45-9708-019B960494DF}">
-                <a14:hiddenLine xmlns:a14="http://schemas.microsoft.com/office/drawing/2010/main" xmlns="" w="9525">
+                <a14:hiddenLine xmlns="" xmlns:a14="http://schemas.microsoft.com/office/drawing/2010/main" w="9525">
                   <a:solidFill>
                     <a:srgbClr val="000000"/>
                   </a:solidFill>
@@ -3561,7 +3561,7 @@
             </a:ln>
             <a:extLst>
               <a:ext uri="{91240B29-F687-4f45-9708-019B960494DF}">
-                <a14:hiddenLine xmlns:a14="http://schemas.microsoft.com/office/drawing/2010/main" xmlns="" w="9525">
+                <a14:hiddenLine xmlns="" xmlns:a14="http://schemas.microsoft.com/office/drawing/2010/main" w="9525">
                   <a:solidFill>
                     <a:srgbClr val="000000"/>
                   </a:solidFill>
@@ -3595,7 +3595,7 @@
             </a:ln>
             <a:extLst>
               <a:ext uri="{91240B29-F687-4f45-9708-019B960494DF}">
-                <a14:hiddenLine xmlns:a14="http://schemas.microsoft.com/office/drawing/2010/main" xmlns="" w="9525">
+                <a14:hiddenLine xmlns="" xmlns:a14="http://schemas.microsoft.com/office/drawing/2010/main" w="9525">
                   <a:solidFill>
                     <a:srgbClr val="000000"/>
                   </a:solidFill>
@@ -3660,7 +3660,7 @@
             </a:ln>
             <a:extLst>
               <a:ext uri="{91240B29-F687-4f45-9708-019B960494DF}">
-                <a14:hiddenLine xmlns:a14="http://schemas.microsoft.com/office/drawing/2010/main" xmlns="" w="9525">
+                <a14:hiddenLine xmlns="" xmlns:a14="http://schemas.microsoft.com/office/drawing/2010/main" w="9525">
                   <a:solidFill>
                     <a:srgbClr val="000000"/>
                   </a:solidFill>
@@ -3750,7 +3750,7 @@
             </a:ln>
             <a:extLst>
               <a:ext uri="{91240B29-F687-4f45-9708-019B960494DF}">
-                <a14:hiddenLine xmlns:a14="http://schemas.microsoft.com/office/drawing/2010/main" xmlns="" w="9525">
+                <a14:hiddenLine xmlns="" xmlns:a14="http://schemas.microsoft.com/office/drawing/2010/main" w="9525">
                   <a:solidFill>
                     <a:srgbClr val="000000"/>
                   </a:solidFill>
@@ -3812,7 +3812,7 @@
             </a:ln>
             <a:extLst>
               <a:ext uri="{91240B29-F687-4f45-9708-019B960494DF}">
-                <a14:hiddenLine xmlns:a14="http://schemas.microsoft.com/office/drawing/2010/main" xmlns="" w="9525">
+                <a14:hiddenLine xmlns="" xmlns:a14="http://schemas.microsoft.com/office/drawing/2010/main" w="9525">
                   <a:solidFill>
                     <a:srgbClr val="000000"/>
                   </a:solidFill>
@@ -3902,7 +3902,7 @@
             </a:ln>
             <a:extLst>
               <a:ext uri="{91240B29-F687-4f45-9708-019B960494DF}">
-                <a14:hiddenLine xmlns:a14="http://schemas.microsoft.com/office/drawing/2010/main" xmlns="" w="9525">
+                <a14:hiddenLine xmlns="" xmlns:a14="http://schemas.microsoft.com/office/drawing/2010/main" w="9525">
                   <a:solidFill>
                     <a:srgbClr val="000000"/>
                   </a:solidFill>
@@ -3992,7 +3992,7 @@
             </a:ln>
             <a:extLst>
               <a:ext uri="{91240B29-F687-4f45-9708-019B960494DF}">
-                <a14:hiddenLine xmlns:a14="http://schemas.microsoft.com/office/drawing/2010/main" xmlns="" w="9525">
+                <a14:hiddenLine xmlns="" xmlns:a14="http://schemas.microsoft.com/office/drawing/2010/main" w="9525">
                   <a:solidFill>
                     <a:srgbClr val="000000"/>
                   </a:solidFill>
@@ -4057,7 +4057,7 @@
             </a:ln>
             <a:extLst>
               <a:ext uri="{91240B29-F687-4f45-9708-019B960494DF}">
-                <a14:hiddenLine xmlns:a14="http://schemas.microsoft.com/office/drawing/2010/main" xmlns="" w="9525">
+                <a14:hiddenLine xmlns="" xmlns:a14="http://schemas.microsoft.com/office/drawing/2010/main" w="9525">
                   <a:solidFill>
                     <a:srgbClr val="000000"/>
                   </a:solidFill>
@@ -4119,7 +4119,7 @@
             </a:ln>
             <a:extLst>
               <a:ext uri="{91240B29-F687-4f45-9708-019B960494DF}">
-                <a14:hiddenLine xmlns:a14="http://schemas.microsoft.com/office/drawing/2010/main" xmlns="" w="9525">
+                <a14:hiddenLine xmlns="" xmlns:a14="http://schemas.microsoft.com/office/drawing/2010/main" w="9525">
                   <a:solidFill>
                     <a:srgbClr val="000000"/>
                   </a:solidFill>
@@ -4209,7 +4209,7 @@
             </a:ln>
             <a:extLst>
               <a:ext uri="{91240B29-F687-4f45-9708-019B960494DF}">
-                <a14:hiddenLine xmlns:a14="http://schemas.microsoft.com/office/drawing/2010/main" xmlns="" w="9525">
+                <a14:hiddenLine xmlns="" xmlns:a14="http://schemas.microsoft.com/office/drawing/2010/main" w="9525">
                   <a:solidFill>
                     <a:srgbClr val="000000"/>
                   </a:solidFill>
@@ -4299,7 +4299,7 @@
             </a:ln>
             <a:extLst>
               <a:ext uri="{91240B29-F687-4f45-9708-019B960494DF}">
-                <a14:hiddenLine xmlns:a14="http://schemas.microsoft.com/office/drawing/2010/main" xmlns="" w="9525">
+                <a14:hiddenLine xmlns="" xmlns:a14="http://schemas.microsoft.com/office/drawing/2010/main" w="9525">
                   <a:solidFill>
                     <a:srgbClr val="000000"/>
                   </a:solidFill>
@@ -4361,7 +4361,7 @@
             </a:ln>
             <a:extLst>
               <a:ext uri="{91240B29-F687-4f45-9708-019B960494DF}">
-                <a14:hiddenLine xmlns:a14="http://schemas.microsoft.com/office/drawing/2010/main" xmlns="" w="9525">
+                <a14:hiddenLine xmlns="" xmlns:a14="http://schemas.microsoft.com/office/drawing/2010/main" w="9525">
                   <a:solidFill>
                     <a:srgbClr val="000000"/>
                   </a:solidFill>
@@ -4481,7 +4481,7 @@
             </a:ln>
             <a:extLst>
               <a:ext uri="{91240B29-F687-4f45-9708-019B960494DF}">
-                <a14:hiddenLine xmlns:a14="http://schemas.microsoft.com/office/drawing/2010/main" xmlns="" w="9525">
+                <a14:hiddenLine xmlns="" xmlns:a14="http://schemas.microsoft.com/office/drawing/2010/main" w="9525">
                   <a:solidFill>
                     <a:srgbClr val="000000"/>
                   </a:solidFill>
@@ -4549,7 +4549,7 @@
             </a:ln>
             <a:extLst>
               <a:ext uri="{91240B29-F687-4f45-9708-019B960494DF}">
-                <a14:hiddenLine xmlns:a14="http://schemas.microsoft.com/office/drawing/2010/main" xmlns="" w="9525">
+                <a14:hiddenLine xmlns="" xmlns:a14="http://schemas.microsoft.com/office/drawing/2010/main" w="9525">
                   <a:solidFill>
                     <a:srgbClr val="000000"/>
                   </a:solidFill>
@@ -4639,7 +4639,7 @@
             </a:ln>
             <a:extLst>
               <a:ext uri="{91240B29-F687-4f45-9708-019B960494DF}">
-                <a14:hiddenLine xmlns:a14="http://schemas.microsoft.com/office/drawing/2010/main" xmlns="" w="9525">
+                <a14:hiddenLine xmlns="" xmlns:a14="http://schemas.microsoft.com/office/drawing/2010/main" w="9525">
                   <a:solidFill>
                     <a:srgbClr val="000000"/>
                   </a:solidFill>
@@ -4779,7 +4779,7 @@
           <a:p>
             <a:fld id="{27DE8FD0-B8D1-4CF8-B65B-341A3FE1C371}" type="datetime1">
               <a:rPr lang="pt-PT" smtClean="0"/>
-              <a:t>17/11/2020</a:t>
+              <a:t>18/11/2020</a:t>
             </a:fld>
             <a:endParaRPr lang="pt-PT"/>
           </a:p>
@@ -4834,7 +4834,7 @@
           <a:p>
             <a:fld id="{40FE1B0E-D763-4525-8983-8614C84C5E4B}" type="slidenum">
               <a:rPr lang="pt-PT" smtClean="0"/>
-              <a:t>‹#›</a:t>
+              <a:t>‹nº›</a:t>
             </a:fld>
             <a:endParaRPr lang="pt-PT"/>
           </a:p>
@@ -5049,7 +5049,7 @@
           <a:p>
             <a:fld id="{E195478E-DBF5-43C3-A369-08A84CC12EB7}" type="datetime1">
               <a:rPr lang="pt-PT" smtClean="0"/>
-              <a:t>17/11/2020</a:t>
+              <a:t>18/11/2020</a:t>
             </a:fld>
             <a:endParaRPr lang="pt-PT"/>
           </a:p>
@@ -5094,7 +5094,7 @@
           <a:p>
             <a:fld id="{40FE1B0E-D763-4525-8983-8614C84C5E4B}" type="slidenum">
               <a:rPr lang="pt-PT" smtClean="0"/>
-              <a:t>‹#›</a:t>
+              <a:t>‹nº›</a:t>
             </a:fld>
             <a:endParaRPr lang="pt-PT"/>
           </a:p>
@@ -5248,7 +5248,7 @@
           <a:p>
             <a:fld id="{8260499F-8424-4F23-8E82-B14204570DD7}" type="datetime1">
               <a:rPr lang="pt-PT" smtClean="0"/>
-              <a:t>17/11/2020</a:t>
+              <a:t>18/11/2020</a:t>
             </a:fld>
             <a:endParaRPr lang="pt-PT"/>
           </a:p>
@@ -5293,7 +5293,7 @@
           <a:p>
             <a:fld id="{40FE1B0E-D763-4525-8983-8614C84C5E4B}" type="slidenum">
               <a:rPr lang="pt-PT" smtClean="0"/>
-              <a:t>‹#›</a:t>
+              <a:t>‹nº›</a:t>
             </a:fld>
             <a:endParaRPr lang="pt-PT"/>
           </a:p>
@@ -5514,7 +5514,7 @@
           <a:p>
             <a:fld id="{4846D8D5-C49C-4B12-95FD-F66350576C7D}" type="datetime1">
               <a:rPr lang="pt-PT" smtClean="0"/>
-              <a:t>17/11/2020</a:t>
+              <a:t>18/11/2020</a:t>
             </a:fld>
             <a:endParaRPr lang="pt-PT"/>
           </a:p>
@@ -5559,7 +5559,7 @@
           <a:p>
             <a:fld id="{40FE1B0E-D763-4525-8983-8614C84C5E4B}" type="slidenum">
               <a:rPr lang="pt-PT" smtClean="0"/>
-              <a:t>‹#›</a:t>
+              <a:t>‹nº›</a:t>
             </a:fld>
             <a:endParaRPr lang="pt-PT"/>
           </a:p>
@@ -5951,7 +5951,7 @@
           <a:p>
             <a:fld id="{5912AA66-6185-4FA3-A72C-E6CBCF0A6930}" type="datetime1">
               <a:rPr lang="pt-PT" smtClean="0"/>
-              <a:t>17/11/2020</a:t>
+              <a:t>18/11/2020</a:t>
             </a:fld>
             <a:endParaRPr lang="pt-PT"/>
           </a:p>
@@ -5996,7 +5996,7 @@
           <a:p>
             <a:fld id="{40FE1B0E-D763-4525-8983-8614C84C5E4B}" type="slidenum">
               <a:rPr lang="pt-PT" smtClean="0"/>
-              <a:t>‹#›</a:t>
+              <a:t>‹nº›</a:t>
             </a:fld>
             <a:endParaRPr lang="pt-PT"/>
           </a:p>
@@ -6500,7 +6500,7 @@
           <a:p>
             <a:fld id="{18853F53-A3A2-4982-B5B3-DDD492D2B770}" type="datetime1">
               <a:rPr lang="pt-PT" smtClean="0"/>
-              <a:t>17/11/2020</a:t>
+              <a:t>18/11/2020</a:t>
             </a:fld>
             <a:endParaRPr lang="pt-PT"/>
           </a:p>
@@ -6545,7 +6545,7 @@
           <a:p>
             <a:fld id="{40FE1B0E-D763-4525-8983-8614C84C5E4B}" type="slidenum">
               <a:rPr lang="pt-PT" smtClean="0"/>
-              <a:t>‹#›</a:t>
+              <a:t>‹nº›</a:t>
             </a:fld>
             <a:endParaRPr lang="pt-PT"/>
           </a:p>
@@ -7223,7 +7223,7 @@
           <a:p>
             <a:fld id="{2A2B9A31-2C19-477D-B1A5-188153B08B11}" type="datetime1">
               <a:rPr lang="pt-PT" smtClean="0"/>
-              <a:t>17/11/2020</a:t>
+              <a:t>18/11/2020</a:t>
             </a:fld>
             <a:endParaRPr lang="pt-PT"/>
           </a:p>
@@ -7268,7 +7268,7 @@
           <a:p>
             <a:fld id="{40FE1B0E-D763-4525-8983-8614C84C5E4B}" type="slidenum">
               <a:rPr lang="pt-PT" smtClean="0"/>
-              <a:t>‹#›</a:t>
+              <a:t>‹nº›</a:t>
             </a:fld>
             <a:endParaRPr lang="pt-PT"/>
           </a:p>
@@ -7396,7 +7396,7 @@
           <a:p>
             <a:fld id="{917FAF22-9758-4D36-8C39-FBAB9C6B0E56}" type="datetime1">
               <a:rPr lang="pt-PT" smtClean="0"/>
-              <a:t>17/11/2020</a:t>
+              <a:t>18/11/2020</a:t>
             </a:fld>
             <a:endParaRPr lang="pt-PT"/>
           </a:p>
@@ -7441,7 +7441,7 @@
           <a:p>
             <a:fld id="{40FE1B0E-D763-4525-8983-8614C84C5E4B}" type="slidenum">
               <a:rPr lang="pt-PT" smtClean="0"/>
-              <a:t>‹#›</a:t>
+              <a:t>‹nº›</a:t>
             </a:fld>
             <a:endParaRPr lang="pt-PT"/>
           </a:p>
@@ -7579,7 +7579,7 @@
           <a:p>
             <a:fld id="{22A86143-14B8-4393-8072-6285109451CD}" type="datetime1">
               <a:rPr lang="pt-PT" smtClean="0"/>
-              <a:t>17/11/2020</a:t>
+              <a:t>18/11/2020</a:t>
             </a:fld>
             <a:endParaRPr lang="pt-PT"/>
           </a:p>
@@ -7624,7 +7624,7 @@
           <a:p>
             <a:fld id="{40FE1B0E-D763-4525-8983-8614C84C5E4B}" type="slidenum">
               <a:rPr lang="pt-PT" smtClean="0"/>
-              <a:t>‹#›</a:t>
+              <a:t>‹nº›</a:t>
             </a:fld>
             <a:endParaRPr lang="pt-PT"/>
           </a:p>
@@ -7752,7 +7752,7 @@
           <a:p>
             <a:fld id="{AF72628B-060C-4ECB-955E-D39E4333B094}" type="datetime1">
               <a:rPr lang="pt-PT" smtClean="0"/>
-              <a:t>17/11/2020</a:t>
+              <a:t>18/11/2020</a:t>
             </a:fld>
             <a:endParaRPr lang="pt-PT"/>
           </a:p>
@@ -7797,7 +7797,7 @@
           <a:p>
             <a:fld id="{40FE1B0E-D763-4525-8983-8614C84C5E4B}" type="slidenum">
               <a:rPr lang="pt-PT" smtClean="0"/>
-              <a:t>‹#›</a:t>
+              <a:t>‹nº›</a:t>
             </a:fld>
             <a:endParaRPr lang="pt-PT"/>
           </a:p>
@@ -8005,7 +8005,7 @@
           <a:p>
             <a:fld id="{BFF7688C-C1A7-4ADF-844C-914343A5196F}" type="datetime1">
               <a:rPr lang="pt-PT" smtClean="0"/>
-              <a:t>17/11/2020</a:t>
+              <a:t>18/11/2020</a:t>
             </a:fld>
             <a:endParaRPr lang="pt-PT"/>
           </a:p>
@@ -8050,7 +8050,7 @@
           <a:p>
             <a:fld id="{40FE1B0E-D763-4525-8983-8614C84C5E4B}" type="slidenum">
               <a:rPr lang="pt-PT" smtClean="0"/>
-              <a:t>‹#›</a:t>
+              <a:t>‹nº›</a:t>
             </a:fld>
             <a:endParaRPr lang="pt-PT"/>
           </a:p>
@@ -8240,7 +8240,7 @@
           <a:p>
             <a:fld id="{1F636DAA-B9A4-4BD7-8FA9-71C8178E0C2D}" type="datetime1">
               <a:rPr lang="pt-PT" smtClean="0"/>
-              <a:t>17/11/2020</a:t>
+              <a:t>18/11/2020</a:t>
             </a:fld>
             <a:endParaRPr lang="pt-PT"/>
           </a:p>
@@ -8285,7 +8285,7 @@
           <a:p>
             <a:fld id="{40FE1B0E-D763-4525-8983-8614C84C5E4B}" type="slidenum">
               <a:rPr lang="pt-PT" smtClean="0"/>
-              <a:t>‹#›</a:t>
+              <a:t>‹nº›</a:t>
             </a:fld>
             <a:endParaRPr lang="pt-PT"/>
           </a:p>
@@ -8624,7 +8624,7 @@
           <a:p>
             <a:fld id="{6BA687B3-4116-4224-95AC-60ED592E9AE2}" type="datetime1">
               <a:rPr lang="pt-PT" smtClean="0"/>
-              <a:t>17/11/2020</a:t>
+              <a:t>18/11/2020</a:t>
             </a:fld>
             <a:endParaRPr lang="pt-PT"/>
           </a:p>
@@ -8669,7 +8669,7 @@
           <a:p>
             <a:fld id="{40FE1B0E-D763-4525-8983-8614C84C5E4B}" type="slidenum">
               <a:rPr lang="pt-PT" smtClean="0"/>
-              <a:t>‹#›</a:t>
+              <a:t>‹nº›</a:t>
             </a:fld>
             <a:endParaRPr lang="pt-PT"/>
           </a:p>
@@ -8745,7 +8745,7 @@
           <a:p>
             <a:fld id="{A4D0725B-1634-4FC2-BC65-86DC7EE043BE}" type="datetime1">
               <a:rPr lang="pt-PT" smtClean="0"/>
-              <a:t>17/11/2020</a:t>
+              <a:t>18/11/2020</a:t>
             </a:fld>
             <a:endParaRPr lang="pt-PT"/>
           </a:p>
@@ -8790,7 +8790,7 @@
           <a:p>
             <a:fld id="{40FE1B0E-D763-4525-8983-8614C84C5E4B}" type="slidenum">
               <a:rPr lang="pt-PT" smtClean="0"/>
-              <a:t>‹#›</a:t>
+              <a:t>‹nº›</a:t>
             </a:fld>
             <a:endParaRPr lang="pt-PT"/>
           </a:p>
@@ -8843,7 +8843,7 @@
           <a:p>
             <a:fld id="{5E0B111F-DDAD-46F2-AF00-A2166420382E}" type="datetime1">
               <a:rPr lang="pt-PT" smtClean="0"/>
-              <a:t>17/11/2020</a:t>
+              <a:t>18/11/2020</a:t>
             </a:fld>
             <a:endParaRPr lang="pt-PT"/>
           </a:p>
@@ -8888,7 +8888,7 @@
           <a:p>
             <a:fld id="{40FE1B0E-D763-4525-8983-8614C84C5E4B}" type="slidenum">
               <a:rPr lang="pt-PT" smtClean="0"/>
-              <a:t>‹#›</a:t>
+              <a:t>‹nº›</a:t>
             </a:fld>
             <a:endParaRPr lang="pt-PT"/>
           </a:p>
@@ -9095,7 +9095,7 @@
           <a:p>
             <a:fld id="{D34684B5-5D91-4586-A091-85811B1BBCE7}" type="datetime1">
               <a:rPr lang="pt-PT" smtClean="0"/>
-              <a:t>17/11/2020</a:t>
+              <a:t>18/11/2020</a:t>
             </a:fld>
             <a:endParaRPr lang="pt-PT"/>
           </a:p>
@@ -9140,7 +9140,7 @@
           <a:p>
             <a:fld id="{40FE1B0E-D763-4525-8983-8614C84C5E4B}" type="slidenum">
               <a:rPr lang="pt-PT" smtClean="0"/>
-              <a:t>‹#›</a:t>
+              <a:t>‹nº›</a:t>
             </a:fld>
             <a:endParaRPr lang="pt-PT"/>
           </a:p>
@@ -9378,7 +9378,7 @@
           <a:p>
             <a:fld id="{C02CEE88-EDC7-409F-915E-E3F464B307F7}" type="datetime1">
               <a:rPr lang="pt-PT" smtClean="0"/>
-              <a:t>17/11/2020</a:t>
+              <a:t>18/11/2020</a:t>
             </a:fld>
             <a:endParaRPr lang="pt-PT"/>
           </a:p>
@@ -9423,7 +9423,7 @@
           <a:p>
             <a:fld id="{40FE1B0E-D763-4525-8983-8614C84C5E4B}" type="slidenum">
               <a:rPr lang="pt-PT" smtClean="0"/>
-              <a:t>‹#›</a:t>
+              <a:t>‹nº›</a:t>
             </a:fld>
             <a:endParaRPr lang="pt-PT"/>
           </a:p>
@@ -9504,7 +9504,7 @@
           <a:noFill/>
           <a:extLst>
             <a:ext uri="{909E8E84-426E-40dd-AFC4-6F175D3DCCD1}">
-              <a14:hiddenFill xmlns:a14="http://schemas.microsoft.com/office/drawing/2010/main" xmlns="">
+              <a14:hiddenFill xmlns="" xmlns:a14="http://schemas.microsoft.com/office/drawing/2010/main">
                 <a:solidFill>
                   <a:srgbClr val="FFFFFF"/>
                 </a:solidFill>
@@ -9578,7 +9578,7 @@
               </a:ln>
               <a:extLst>
                 <a:ext uri="{91240B29-F687-4f45-9708-019B960494DF}">
-                  <a14:hiddenLine xmlns:a14="http://schemas.microsoft.com/office/drawing/2010/main" xmlns="" w="9525">
+                  <a14:hiddenLine xmlns="" xmlns:a14="http://schemas.microsoft.com/office/drawing/2010/main" w="9525">
                     <a:solidFill>
                       <a:srgbClr val="000000"/>
                     </a:solidFill>
@@ -9668,7 +9668,7 @@
               </a:ln>
               <a:extLst>
                 <a:ext uri="{91240B29-F687-4f45-9708-019B960494DF}">
-                  <a14:hiddenLine xmlns:a14="http://schemas.microsoft.com/office/drawing/2010/main" xmlns="" w="9525">
+                  <a14:hiddenLine xmlns="" xmlns:a14="http://schemas.microsoft.com/office/drawing/2010/main" w="9525">
                     <a:solidFill>
                       <a:srgbClr val="000000"/>
                     </a:solidFill>
@@ -9758,7 +9758,7 @@
               </a:ln>
               <a:extLst>
                 <a:ext uri="{91240B29-F687-4f45-9708-019B960494DF}">
-                  <a14:hiddenLine xmlns:a14="http://schemas.microsoft.com/office/drawing/2010/main" xmlns="" w="9525">
+                  <a14:hiddenLine xmlns="" xmlns:a14="http://schemas.microsoft.com/office/drawing/2010/main" w="9525">
                     <a:solidFill>
                       <a:srgbClr val="000000"/>
                     </a:solidFill>
@@ -9820,7 +9820,7 @@
               </a:ln>
               <a:extLst>
                 <a:ext uri="{91240B29-F687-4f45-9708-019B960494DF}">
-                  <a14:hiddenLine xmlns:a14="http://schemas.microsoft.com/office/drawing/2010/main" xmlns="" w="9525">
+                  <a14:hiddenLine xmlns="" xmlns:a14="http://schemas.microsoft.com/office/drawing/2010/main" w="9525">
                     <a:solidFill>
                       <a:srgbClr val="000000"/>
                     </a:solidFill>
@@ -9910,7 +9910,7 @@
               </a:ln>
               <a:extLst>
                 <a:ext uri="{91240B29-F687-4f45-9708-019B960494DF}">
-                  <a14:hiddenLine xmlns:a14="http://schemas.microsoft.com/office/drawing/2010/main" xmlns="" w="9525">
+                  <a14:hiddenLine xmlns="" xmlns:a14="http://schemas.microsoft.com/office/drawing/2010/main" w="9525">
                     <a:solidFill>
                       <a:srgbClr val="000000"/>
                     </a:solidFill>
@@ -9972,7 +9972,7 @@
               </a:ln>
               <a:extLst>
                 <a:ext uri="{91240B29-F687-4f45-9708-019B960494DF}">
-                  <a14:hiddenLine xmlns:a14="http://schemas.microsoft.com/office/drawing/2010/main" xmlns="" w="9525">
+                  <a14:hiddenLine xmlns="" xmlns:a14="http://schemas.microsoft.com/office/drawing/2010/main" w="9525">
                     <a:solidFill>
                       <a:srgbClr val="000000"/>
                     </a:solidFill>
@@ -10034,7 +10034,7 @@
               </a:ln>
               <a:extLst>
                 <a:ext uri="{91240B29-F687-4f45-9708-019B960494DF}">
-                  <a14:hiddenLine xmlns:a14="http://schemas.microsoft.com/office/drawing/2010/main" xmlns="" w="9525">
+                  <a14:hiddenLine xmlns="" xmlns:a14="http://schemas.microsoft.com/office/drawing/2010/main" w="9525">
                     <a:solidFill>
                       <a:srgbClr val="000000"/>
                     </a:solidFill>
@@ -10124,7 +10124,7 @@
               </a:ln>
               <a:extLst>
                 <a:ext uri="{91240B29-F687-4f45-9708-019B960494DF}">
-                  <a14:hiddenLine xmlns:a14="http://schemas.microsoft.com/office/drawing/2010/main" xmlns="" w="9525">
+                  <a14:hiddenLine xmlns="" xmlns:a14="http://schemas.microsoft.com/office/drawing/2010/main" w="9525">
                     <a:solidFill>
                       <a:srgbClr val="000000"/>
                     </a:solidFill>
@@ -10214,7 +10214,7 @@
               </a:ln>
               <a:extLst>
                 <a:ext uri="{91240B29-F687-4f45-9708-019B960494DF}">
-                  <a14:hiddenLine xmlns:a14="http://schemas.microsoft.com/office/drawing/2010/main" xmlns="" w="9525">
+                  <a14:hiddenLine xmlns="" xmlns:a14="http://schemas.microsoft.com/office/drawing/2010/main" w="9525">
                     <a:solidFill>
                       <a:srgbClr val="000000"/>
                     </a:solidFill>
@@ -10276,7 +10276,7 @@
               </a:ln>
               <a:extLst>
                 <a:ext uri="{91240B29-F687-4f45-9708-019B960494DF}">
-                  <a14:hiddenLine xmlns:a14="http://schemas.microsoft.com/office/drawing/2010/main" xmlns="" w="9525">
+                  <a14:hiddenLine xmlns="" xmlns:a14="http://schemas.microsoft.com/office/drawing/2010/main" w="9525">
                     <a:solidFill>
                       <a:srgbClr val="000000"/>
                     </a:solidFill>
@@ -10386,7 +10386,7 @@
               </a:ln>
               <a:extLst>
                 <a:ext uri="{91240B29-F687-4f45-9708-019B960494DF}">
-                  <a14:hiddenLine xmlns:a14="http://schemas.microsoft.com/office/drawing/2010/main" xmlns="" w="9525">
+                  <a14:hiddenLine xmlns="" xmlns:a14="http://schemas.microsoft.com/office/drawing/2010/main" w="9525">
                     <a:solidFill>
                       <a:srgbClr val="000000"/>
                     </a:solidFill>
@@ -10470,7 +10470,7 @@
               </a:ln>
               <a:extLst>
                 <a:ext uri="{91240B29-F687-4f45-9708-019B960494DF}">
-                  <a14:hiddenLine xmlns:a14="http://schemas.microsoft.com/office/drawing/2010/main" xmlns="" w="9525">
+                  <a14:hiddenLine xmlns="" xmlns:a14="http://schemas.microsoft.com/office/drawing/2010/main" w="9525">
                     <a:solidFill>
                       <a:srgbClr val="000000"/>
                     </a:solidFill>
@@ -10532,7 +10532,7 @@
               </a:ln>
               <a:extLst>
                 <a:ext uri="{91240B29-F687-4f45-9708-019B960494DF}">
-                  <a14:hiddenLine xmlns:a14="http://schemas.microsoft.com/office/drawing/2010/main" xmlns="" w="9525">
+                  <a14:hiddenLine xmlns="" xmlns:a14="http://schemas.microsoft.com/office/drawing/2010/main" w="9525">
                     <a:solidFill>
                       <a:srgbClr val="000000"/>
                     </a:solidFill>
@@ -10594,7 +10594,7 @@
               </a:ln>
               <a:extLst>
                 <a:ext uri="{91240B29-F687-4f45-9708-019B960494DF}">
-                  <a14:hiddenLine xmlns:a14="http://schemas.microsoft.com/office/drawing/2010/main" xmlns="" w="9525">
+                  <a14:hiddenLine xmlns="" xmlns:a14="http://schemas.microsoft.com/office/drawing/2010/main" w="9525">
                     <a:solidFill>
                       <a:srgbClr val="000000"/>
                     </a:solidFill>
@@ -10684,7 +10684,7 @@
               </a:ln>
               <a:extLst>
                 <a:ext uri="{91240B29-F687-4f45-9708-019B960494DF}">
-                  <a14:hiddenLine xmlns:a14="http://schemas.microsoft.com/office/drawing/2010/main" xmlns="" w="9525">
+                  <a14:hiddenLine xmlns="" xmlns:a14="http://schemas.microsoft.com/office/drawing/2010/main" w="9525">
                     <a:solidFill>
                       <a:srgbClr val="000000"/>
                     </a:solidFill>
@@ -10718,7 +10718,7 @@
               </a:ln>
               <a:extLst>
                 <a:ext uri="{91240B29-F687-4f45-9708-019B960494DF}">
-                  <a14:hiddenLine xmlns:a14="http://schemas.microsoft.com/office/drawing/2010/main" xmlns="" w="9525">
+                  <a14:hiddenLine xmlns="" xmlns:a14="http://schemas.microsoft.com/office/drawing/2010/main" w="9525">
                     <a:solidFill>
                       <a:srgbClr val="000000"/>
                     </a:solidFill>
@@ -10783,7 +10783,7 @@
               </a:ln>
               <a:extLst>
                 <a:ext uri="{91240B29-F687-4f45-9708-019B960494DF}">
-                  <a14:hiddenLine xmlns:a14="http://schemas.microsoft.com/office/drawing/2010/main" xmlns="" w="9525">
+                  <a14:hiddenLine xmlns="" xmlns:a14="http://schemas.microsoft.com/office/drawing/2010/main" w="9525">
                     <a:solidFill>
                       <a:srgbClr val="000000"/>
                     </a:solidFill>
@@ -10873,7 +10873,7 @@
               </a:ln>
               <a:extLst>
                 <a:ext uri="{91240B29-F687-4f45-9708-019B960494DF}">
-                  <a14:hiddenLine xmlns:a14="http://schemas.microsoft.com/office/drawing/2010/main" xmlns="" w="9525">
+                  <a14:hiddenLine xmlns="" xmlns:a14="http://schemas.microsoft.com/office/drawing/2010/main" w="9525">
                     <a:solidFill>
                       <a:srgbClr val="000000"/>
                     </a:solidFill>
@@ -10935,7 +10935,7 @@
               </a:ln>
               <a:extLst>
                 <a:ext uri="{91240B29-F687-4f45-9708-019B960494DF}">
-                  <a14:hiddenLine xmlns:a14="http://schemas.microsoft.com/office/drawing/2010/main" xmlns="" w="9525">
+                  <a14:hiddenLine xmlns="" xmlns:a14="http://schemas.microsoft.com/office/drawing/2010/main" w="9525">
                     <a:solidFill>
                       <a:srgbClr val="000000"/>
                     </a:solidFill>
@@ -11025,7 +11025,7 @@
               </a:ln>
               <a:extLst>
                 <a:ext uri="{91240B29-F687-4f45-9708-019B960494DF}">
-                  <a14:hiddenLine xmlns:a14="http://schemas.microsoft.com/office/drawing/2010/main" xmlns="" w="9525">
+                  <a14:hiddenLine xmlns="" xmlns:a14="http://schemas.microsoft.com/office/drawing/2010/main" w="9525">
                     <a:solidFill>
                       <a:srgbClr val="000000"/>
                     </a:solidFill>
@@ -11090,7 +11090,7 @@
               </a:ln>
               <a:extLst>
                 <a:ext uri="{91240B29-F687-4f45-9708-019B960494DF}">
-                  <a14:hiddenLine xmlns:a14="http://schemas.microsoft.com/office/drawing/2010/main" xmlns="" w="9525">
+                  <a14:hiddenLine xmlns="" xmlns:a14="http://schemas.microsoft.com/office/drawing/2010/main" w="9525">
                     <a:solidFill>
                       <a:srgbClr val="000000"/>
                     </a:solidFill>
@@ -11152,7 +11152,7 @@
               </a:ln>
               <a:extLst>
                 <a:ext uri="{91240B29-F687-4f45-9708-019B960494DF}">
-                  <a14:hiddenLine xmlns:a14="http://schemas.microsoft.com/office/drawing/2010/main" xmlns="" w="9525">
+                  <a14:hiddenLine xmlns="" xmlns:a14="http://schemas.microsoft.com/office/drawing/2010/main" w="9525">
                     <a:solidFill>
                       <a:srgbClr val="000000"/>
                     </a:solidFill>
@@ -11242,7 +11242,7 @@
               </a:ln>
               <a:extLst>
                 <a:ext uri="{91240B29-F687-4f45-9708-019B960494DF}">
-                  <a14:hiddenLine xmlns:a14="http://schemas.microsoft.com/office/drawing/2010/main" xmlns="" w="9525">
+                  <a14:hiddenLine xmlns="" xmlns:a14="http://schemas.microsoft.com/office/drawing/2010/main" w="9525">
                     <a:solidFill>
                       <a:srgbClr val="000000"/>
                     </a:solidFill>
@@ -11332,7 +11332,7 @@
               </a:ln>
               <a:extLst>
                 <a:ext uri="{91240B29-F687-4f45-9708-019B960494DF}">
-                  <a14:hiddenLine xmlns:a14="http://schemas.microsoft.com/office/drawing/2010/main" xmlns="" w="9525">
+                  <a14:hiddenLine xmlns="" xmlns:a14="http://schemas.microsoft.com/office/drawing/2010/main" w="9525">
                     <a:solidFill>
                       <a:srgbClr val="000000"/>
                     </a:solidFill>
@@ -11397,7 +11397,7 @@
               </a:ln>
               <a:extLst>
                 <a:ext uri="{91240B29-F687-4f45-9708-019B960494DF}">
-                  <a14:hiddenLine xmlns:a14="http://schemas.microsoft.com/office/drawing/2010/main" xmlns="" w="9525">
+                  <a14:hiddenLine xmlns="" xmlns:a14="http://schemas.microsoft.com/office/drawing/2010/main" w="9525">
                     <a:solidFill>
                       <a:srgbClr val="000000"/>
                     </a:solidFill>
@@ -11517,7 +11517,7 @@
               </a:ln>
               <a:extLst>
                 <a:ext uri="{91240B29-F687-4f45-9708-019B960494DF}">
-                  <a14:hiddenLine xmlns:a14="http://schemas.microsoft.com/office/drawing/2010/main" xmlns="" w="9525">
+                  <a14:hiddenLine xmlns="" xmlns:a14="http://schemas.microsoft.com/office/drawing/2010/main" w="9525">
                     <a:solidFill>
                       <a:srgbClr val="000000"/>
                     </a:solidFill>
@@ -11598,7 +11598,7 @@
               </a:ln>
               <a:extLst>
                 <a:ext uri="{91240B29-F687-4f45-9708-019B960494DF}">
-                  <a14:hiddenLine xmlns:a14="http://schemas.microsoft.com/office/drawing/2010/main" xmlns="" w="9525">
+                  <a14:hiddenLine xmlns="" xmlns:a14="http://schemas.microsoft.com/office/drawing/2010/main" w="9525">
                     <a:solidFill>
                       <a:srgbClr val="000000"/>
                     </a:solidFill>
@@ -11713,7 +11713,7 @@
               </a:ln>
               <a:extLst>
                 <a:ext uri="{91240B29-F687-4f45-9708-019B960494DF}">
-                  <a14:hiddenLine xmlns:a14="http://schemas.microsoft.com/office/drawing/2010/main" xmlns="" w="9525">
+                  <a14:hiddenLine xmlns="" xmlns:a14="http://schemas.microsoft.com/office/drawing/2010/main" w="9525">
                     <a:solidFill>
                       <a:srgbClr val="000000"/>
                     </a:solidFill>
@@ -11803,7 +11803,7 @@
               </a:ln>
               <a:extLst>
                 <a:ext uri="{91240B29-F687-4f45-9708-019B960494DF}">
-                  <a14:hiddenLine xmlns:a14="http://schemas.microsoft.com/office/drawing/2010/main" xmlns="" w="9525">
+                  <a14:hiddenLine xmlns="" xmlns:a14="http://schemas.microsoft.com/office/drawing/2010/main" w="9525">
                     <a:solidFill>
                       <a:srgbClr val="000000"/>
                     </a:solidFill>
@@ -11868,7 +11868,7 @@
               </a:ln>
               <a:extLst>
                 <a:ext uri="{91240B29-F687-4f45-9708-019B960494DF}">
-                  <a14:hiddenLine xmlns:a14="http://schemas.microsoft.com/office/drawing/2010/main" xmlns="" w="9525">
+                  <a14:hiddenLine xmlns="" xmlns:a14="http://schemas.microsoft.com/office/drawing/2010/main" w="9525">
                     <a:solidFill>
                       <a:srgbClr val="000000"/>
                     </a:solidFill>
@@ -11958,7 +11958,7 @@
               </a:ln>
               <a:extLst>
                 <a:ext uri="{91240B29-F687-4f45-9708-019B960494DF}">
-                  <a14:hiddenLine xmlns:a14="http://schemas.microsoft.com/office/drawing/2010/main" xmlns="" w="9525">
+                  <a14:hiddenLine xmlns="" xmlns:a14="http://schemas.microsoft.com/office/drawing/2010/main" w="9525">
                     <a:solidFill>
                       <a:srgbClr val="000000"/>
                     </a:solidFill>
@@ -12026,7 +12026,7 @@
               </a:ln>
               <a:extLst>
                 <a:ext uri="{91240B29-F687-4f45-9708-019B960494DF}">
-                  <a14:hiddenLine xmlns:a14="http://schemas.microsoft.com/office/drawing/2010/main" xmlns="" w="9525">
+                  <a14:hiddenLine xmlns="" xmlns:a14="http://schemas.microsoft.com/office/drawing/2010/main" w="9525">
                     <a:solidFill>
                       <a:srgbClr val="000000"/>
                     </a:solidFill>
@@ -12116,7 +12116,7 @@
               </a:ln>
               <a:extLst>
                 <a:ext uri="{91240B29-F687-4f45-9708-019B960494DF}">
-                  <a14:hiddenLine xmlns:a14="http://schemas.microsoft.com/office/drawing/2010/main" xmlns="" w="9525">
+                  <a14:hiddenLine xmlns="" xmlns:a14="http://schemas.microsoft.com/office/drawing/2010/main" w="9525">
                     <a:solidFill>
                       <a:srgbClr val="000000"/>
                     </a:solidFill>
@@ -12184,7 +12184,7 @@
               </a:ln>
               <a:extLst>
                 <a:ext uri="{91240B29-F687-4f45-9708-019B960494DF}">
-                  <a14:hiddenLine xmlns:a14="http://schemas.microsoft.com/office/drawing/2010/main" xmlns="" w="9525">
+                  <a14:hiddenLine xmlns="" xmlns:a14="http://schemas.microsoft.com/office/drawing/2010/main" w="9525">
                     <a:solidFill>
                       <a:srgbClr val="000000"/>
                     </a:solidFill>
@@ -12274,7 +12274,7 @@
               </a:ln>
               <a:extLst>
                 <a:ext uri="{91240B29-F687-4f45-9708-019B960494DF}">
-                  <a14:hiddenLine xmlns:a14="http://schemas.microsoft.com/office/drawing/2010/main" xmlns="" w="9525">
+                  <a14:hiddenLine xmlns="" xmlns:a14="http://schemas.microsoft.com/office/drawing/2010/main" w="9525">
                     <a:solidFill>
                       <a:srgbClr val="000000"/>
                     </a:solidFill>
@@ -12308,7 +12308,7 @@
               </a:ln>
               <a:extLst>
                 <a:ext uri="{91240B29-F687-4f45-9708-019B960494DF}">
-                  <a14:hiddenLine xmlns:a14="http://schemas.microsoft.com/office/drawing/2010/main" xmlns="" w="9525">
+                  <a14:hiddenLine xmlns="" xmlns:a14="http://schemas.microsoft.com/office/drawing/2010/main" w="9525">
                     <a:solidFill>
                       <a:srgbClr val="000000"/>
                     </a:solidFill>
@@ -12448,7 +12448,7 @@
           <a:p>
             <a:fld id="{79CFD873-FE55-4C14-B00F-33C689AAB81F}" type="datetime1">
               <a:rPr lang="pt-PT" smtClean="0"/>
-              <a:t>17/11/2020</a:t>
+              <a:t>18/11/2020</a:t>
             </a:fld>
             <a:endParaRPr lang="pt-PT"/>
           </a:p>
@@ -12529,7 +12529,7 @@
           <a:p>
             <a:fld id="{40FE1B0E-D763-4525-8983-8614C84C5E4B}" type="slidenum">
               <a:rPr lang="pt-PT" smtClean="0"/>
-              <a:t>‹#›</a:t>
+              <a:t>‹nº›</a:t>
             </a:fld>
             <a:endParaRPr lang="pt-PT"/>
           </a:p>
@@ -13121,7 +13121,7 @@
           <a:noFill/>
           <a:extLst>
             <a:ext uri="{909E8E84-426E-40dd-AFC4-6F175D3DCCD1}">
-              <a14:hiddenFill xmlns="" xmlns:a16="http://schemas.microsoft.com/office/drawing/2014/main" xmlns:a14="http://schemas.microsoft.com/office/drawing/2010/main">
+              <a14:hiddenFill xmlns:a14="http://schemas.microsoft.com/office/drawing/2010/main" xmlns:a16="http://schemas.microsoft.com/office/drawing/2014/main" xmlns="">
                 <a:solidFill>
                   <a:srgbClr val="FFFFFF"/>
                 </a:solidFill>
@@ -13213,7 +13213,7 @@
             </a:ln>
             <a:extLst>
               <a:ext uri="{91240B29-F687-4f45-9708-019B960494DF}">
-                <a14:hiddenLine xmlns="" xmlns:a16="http://schemas.microsoft.com/office/drawing/2014/main" xmlns:a14="http://schemas.microsoft.com/office/drawing/2010/main" w="9525">
+                <a14:hiddenLine xmlns:a14="http://schemas.microsoft.com/office/drawing/2010/main" xmlns:a16="http://schemas.microsoft.com/office/drawing/2014/main" xmlns="" w="9525">
                   <a:solidFill>
                     <a:srgbClr val="000000"/>
                   </a:solidFill>
@@ -13318,7 +13318,7 @@
             </a:ln>
             <a:extLst>
               <a:ext uri="{91240B29-F687-4f45-9708-019B960494DF}">
-                <a14:hiddenLine xmlns="" xmlns:a16="http://schemas.microsoft.com/office/drawing/2014/main" xmlns:a14="http://schemas.microsoft.com/office/drawing/2010/main" w="9525">
+                <a14:hiddenLine xmlns:a14="http://schemas.microsoft.com/office/drawing/2010/main" xmlns:a16="http://schemas.microsoft.com/office/drawing/2014/main" xmlns="" w="9525">
                   <a:solidFill>
                     <a:srgbClr val="000000"/>
                   </a:solidFill>
@@ -13423,7 +13423,7 @@
             </a:ln>
             <a:extLst>
               <a:ext uri="{91240B29-F687-4f45-9708-019B960494DF}">
-                <a14:hiddenLine xmlns="" xmlns:a16="http://schemas.microsoft.com/office/drawing/2014/main" xmlns:a14="http://schemas.microsoft.com/office/drawing/2010/main" w="9525">
+                <a14:hiddenLine xmlns:a14="http://schemas.microsoft.com/office/drawing/2010/main" xmlns:a16="http://schemas.microsoft.com/office/drawing/2014/main" xmlns="" w="9525">
                   <a:solidFill>
                     <a:srgbClr val="000000"/>
                   </a:solidFill>
@@ -13472,7 +13472,7 @@
             </a:ln>
             <a:extLst>
               <a:ext uri="{91240B29-F687-4f45-9708-019B960494DF}">
-                <a14:hiddenLine xmlns="" xmlns:a16="http://schemas.microsoft.com/office/drawing/2014/main" xmlns:a14="http://schemas.microsoft.com/office/drawing/2010/main" w="9525">
+                <a14:hiddenLine xmlns:a14="http://schemas.microsoft.com/office/drawing/2010/main" xmlns:a16="http://schemas.microsoft.com/office/drawing/2014/main" xmlns="" w="9525">
                   <a:solidFill>
                     <a:srgbClr val="000000"/>
                   </a:solidFill>
@@ -13577,7 +13577,7 @@
             </a:ln>
             <a:extLst>
               <a:ext uri="{91240B29-F687-4f45-9708-019B960494DF}">
-                <a14:hiddenLine xmlns="" xmlns:a16="http://schemas.microsoft.com/office/drawing/2014/main" xmlns:a14="http://schemas.microsoft.com/office/drawing/2010/main" w="9525">
+                <a14:hiddenLine xmlns:a14="http://schemas.microsoft.com/office/drawing/2010/main" xmlns:a16="http://schemas.microsoft.com/office/drawing/2014/main" xmlns="" w="9525">
                   <a:solidFill>
                     <a:srgbClr val="000000"/>
                   </a:solidFill>
@@ -13654,7 +13654,7 @@
             </a:ln>
             <a:extLst>
               <a:ext uri="{91240B29-F687-4f45-9708-019B960494DF}">
-                <a14:hiddenLine xmlns="" xmlns:a16="http://schemas.microsoft.com/office/drawing/2014/main" xmlns:a14="http://schemas.microsoft.com/office/drawing/2010/main" w="9525">
+                <a14:hiddenLine xmlns:a14="http://schemas.microsoft.com/office/drawing/2010/main" xmlns:a16="http://schemas.microsoft.com/office/drawing/2014/main" xmlns="" w="9525">
                   <a:solidFill>
                     <a:srgbClr val="000000"/>
                   </a:solidFill>
@@ -13731,7 +13731,7 @@
             </a:ln>
             <a:extLst>
               <a:ext uri="{91240B29-F687-4f45-9708-019B960494DF}">
-                <a14:hiddenLine xmlns="" xmlns:a16="http://schemas.microsoft.com/office/drawing/2014/main" xmlns:a14="http://schemas.microsoft.com/office/drawing/2010/main" w="9525">
+                <a14:hiddenLine xmlns:a14="http://schemas.microsoft.com/office/drawing/2010/main" xmlns:a16="http://schemas.microsoft.com/office/drawing/2014/main" xmlns="" w="9525">
                   <a:solidFill>
                     <a:srgbClr val="000000"/>
                   </a:solidFill>
@@ -13836,7 +13836,7 @@
             </a:ln>
             <a:extLst>
               <a:ext uri="{91240B29-F687-4f45-9708-019B960494DF}">
-                <a14:hiddenLine xmlns="" xmlns:a16="http://schemas.microsoft.com/office/drawing/2014/main" xmlns:a14="http://schemas.microsoft.com/office/drawing/2010/main" w="9525">
+                <a14:hiddenLine xmlns:a14="http://schemas.microsoft.com/office/drawing/2010/main" xmlns:a16="http://schemas.microsoft.com/office/drawing/2014/main" xmlns="" w="9525">
                   <a:solidFill>
                     <a:srgbClr val="000000"/>
                   </a:solidFill>
@@ -13913,7 +13913,7 @@
             </a:ln>
             <a:extLst>
               <a:ext uri="{91240B29-F687-4f45-9708-019B960494DF}">
-                <a14:hiddenLine xmlns="" xmlns:a16="http://schemas.microsoft.com/office/drawing/2014/main" xmlns:a14="http://schemas.microsoft.com/office/drawing/2010/main" w="9525">
+                <a14:hiddenLine xmlns:a14="http://schemas.microsoft.com/office/drawing/2010/main" xmlns:a16="http://schemas.microsoft.com/office/drawing/2014/main" xmlns="" w="9525">
                   <a:solidFill>
                     <a:srgbClr val="000000"/>
                   </a:solidFill>
@@ -13990,7 +13990,7 @@
             </a:ln>
             <a:extLst>
               <a:ext uri="{91240B29-F687-4f45-9708-019B960494DF}">
-                <a14:hiddenLine xmlns="" xmlns:a16="http://schemas.microsoft.com/office/drawing/2014/main" xmlns:a14="http://schemas.microsoft.com/office/drawing/2010/main" w="9525">
+                <a14:hiddenLine xmlns:a14="http://schemas.microsoft.com/office/drawing/2010/main" xmlns:a16="http://schemas.microsoft.com/office/drawing/2014/main" xmlns="" w="9525">
                   <a:solidFill>
                     <a:srgbClr val="000000"/>
                   </a:solidFill>
@@ -14095,7 +14095,7 @@
             </a:ln>
             <a:extLst>
               <a:ext uri="{91240B29-F687-4f45-9708-019B960494DF}">
-                <a14:hiddenLine xmlns="" xmlns:a16="http://schemas.microsoft.com/office/drawing/2014/main" xmlns:a14="http://schemas.microsoft.com/office/drawing/2010/main" w="9525">
+                <a14:hiddenLine xmlns:a14="http://schemas.microsoft.com/office/drawing/2010/main" xmlns:a16="http://schemas.microsoft.com/office/drawing/2014/main" xmlns="" w="9525">
                   <a:solidFill>
                     <a:srgbClr val="000000"/>
                   </a:solidFill>
@@ -14200,7 +14200,7 @@
             </a:ln>
             <a:extLst>
               <a:ext uri="{91240B29-F687-4f45-9708-019B960494DF}">
-                <a14:hiddenLine xmlns="" xmlns:a16="http://schemas.microsoft.com/office/drawing/2014/main" xmlns:a14="http://schemas.microsoft.com/office/drawing/2010/main" w="9525">
+                <a14:hiddenLine xmlns:a14="http://schemas.microsoft.com/office/drawing/2010/main" xmlns:a16="http://schemas.microsoft.com/office/drawing/2014/main" xmlns="" w="9525">
                   <a:solidFill>
                     <a:srgbClr val="000000"/>
                   </a:solidFill>
@@ -14277,7 +14277,7 @@
             </a:ln>
             <a:extLst>
               <a:ext uri="{91240B29-F687-4f45-9708-019B960494DF}">
-                <a14:hiddenLine xmlns="" xmlns:a16="http://schemas.microsoft.com/office/drawing/2014/main" xmlns:a14="http://schemas.microsoft.com/office/drawing/2010/main" w="9525">
+                <a14:hiddenLine xmlns:a14="http://schemas.microsoft.com/office/drawing/2010/main" xmlns:a16="http://schemas.microsoft.com/office/drawing/2014/main" xmlns="" w="9525">
                   <a:solidFill>
                     <a:srgbClr val="000000"/>
                   </a:solidFill>
@@ -14402,7 +14402,7 @@
             </a:ln>
             <a:extLst>
               <a:ext uri="{91240B29-F687-4f45-9708-019B960494DF}">
-                <a14:hiddenLine xmlns="" xmlns:a16="http://schemas.microsoft.com/office/drawing/2014/main" xmlns:a14="http://schemas.microsoft.com/office/drawing/2010/main" w="9525">
+                <a14:hiddenLine xmlns:a14="http://schemas.microsoft.com/office/drawing/2010/main" xmlns:a16="http://schemas.microsoft.com/office/drawing/2014/main" xmlns="" w="9525">
                   <a:solidFill>
                     <a:srgbClr val="000000"/>
                   </a:solidFill>
@@ -14479,7 +14479,7 @@
             </a:ln>
             <a:extLst>
               <a:ext uri="{91240B29-F687-4f45-9708-019B960494DF}">
-                <a14:hiddenLine xmlns="" xmlns:a16="http://schemas.microsoft.com/office/drawing/2014/main" xmlns:a14="http://schemas.microsoft.com/office/drawing/2010/main" w="9525">
+                <a14:hiddenLine xmlns:a14="http://schemas.microsoft.com/office/drawing/2010/main" xmlns:a16="http://schemas.microsoft.com/office/drawing/2014/main" xmlns="" w="9525">
                   <a:solidFill>
                     <a:srgbClr val="000000"/>
                   </a:solidFill>
@@ -14584,7 +14584,7 @@
             </a:ln>
             <a:extLst>
               <a:ext uri="{91240B29-F687-4f45-9708-019B960494DF}">
-                <a14:hiddenLine xmlns="" xmlns:a16="http://schemas.microsoft.com/office/drawing/2014/main" xmlns:a14="http://schemas.microsoft.com/office/drawing/2010/main" w="9525">
+                <a14:hiddenLine xmlns:a14="http://schemas.microsoft.com/office/drawing/2010/main" xmlns:a16="http://schemas.microsoft.com/office/drawing/2014/main" xmlns="" w="9525">
                   <a:solidFill>
                     <a:srgbClr val="000000"/>
                   </a:solidFill>
@@ -14689,7 +14689,7 @@
             </a:ln>
             <a:extLst>
               <a:ext uri="{91240B29-F687-4f45-9708-019B960494DF}">
-                <a14:hiddenLine xmlns="" xmlns:a16="http://schemas.microsoft.com/office/drawing/2014/main" xmlns:a14="http://schemas.microsoft.com/office/drawing/2010/main" w="9525">
+                <a14:hiddenLine xmlns:a14="http://schemas.microsoft.com/office/drawing/2010/main" xmlns:a16="http://schemas.microsoft.com/office/drawing/2014/main" xmlns="" w="9525">
                   <a:solidFill>
                     <a:srgbClr val="000000"/>
                   </a:solidFill>
@@ -14766,7 +14766,7 @@
             </a:ln>
             <a:extLst>
               <a:ext uri="{91240B29-F687-4f45-9708-019B960494DF}">
-                <a14:hiddenLine xmlns="" xmlns:a16="http://schemas.microsoft.com/office/drawing/2014/main" xmlns:a14="http://schemas.microsoft.com/office/drawing/2010/main" w="9525">
+                <a14:hiddenLine xmlns:a14="http://schemas.microsoft.com/office/drawing/2010/main" xmlns:a16="http://schemas.microsoft.com/office/drawing/2014/main" xmlns="" w="9525">
                   <a:solidFill>
                     <a:srgbClr val="000000"/>
                   </a:solidFill>
@@ -14871,7 +14871,7 @@
             </a:ln>
             <a:extLst>
               <a:ext uri="{91240B29-F687-4f45-9708-019B960494DF}">
-                <a14:hiddenLine xmlns="" xmlns:a16="http://schemas.microsoft.com/office/drawing/2014/main" xmlns:a14="http://schemas.microsoft.com/office/drawing/2010/main" w="9525">
+                <a14:hiddenLine xmlns:a14="http://schemas.microsoft.com/office/drawing/2010/main" xmlns:a16="http://schemas.microsoft.com/office/drawing/2014/main" xmlns="" w="9525">
                   <a:solidFill>
                     <a:srgbClr val="000000"/>
                   </a:solidFill>
@@ -14976,7 +14976,7 @@
             </a:ln>
             <a:extLst>
               <a:ext uri="{91240B29-F687-4f45-9708-019B960494DF}">
-                <a14:hiddenLine xmlns="" xmlns:a16="http://schemas.microsoft.com/office/drawing/2014/main" xmlns:a14="http://schemas.microsoft.com/office/drawing/2010/main" w="9525">
+                <a14:hiddenLine xmlns:a14="http://schemas.microsoft.com/office/drawing/2010/main" xmlns:a16="http://schemas.microsoft.com/office/drawing/2014/main" xmlns="" w="9525">
                   <a:solidFill>
                     <a:srgbClr val="000000"/>
                   </a:solidFill>
@@ -15047,7 +15047,7 @@
             </a:ln>
             <a:extLst>
               <a:ext uri="{91240B29-F687-4f45-9708-019B960494DF}">
-                <a14:hiddenLine xmlns="" xmlns:a16="http://schemas.microsoft.com/office/drawing/2014/main" xmlns:a14="http://schemas.microsoft.com/office/drawing/2010/main" w="9525">
+                <a14:hiddenLine xmlns:a14="http://schemas.microsoft.com/office/drawing/2010/main" xmlns:a16="http://schemas.microsoft.com/office/drawing/2014/main" xmlns="" w="9525">
                   <a:solidFill>
                     <a:srgbClr val="000000"/>
                   </a:solidFill>
@@ -15152,7 +15152,7 @@
             </a:ln>
             <a:extLst>
               <a:ext uri="{91240B29-F687-4f45-9708-019B960494DF}">
-                <a14:hiddenLine xmlns="" xmlns:a16="http://schemas.microsoft.com/office/drawing/2014/main" xmlns:a14="http://schemas.microsoft.com/office/drawing/2010/main" w="9525">
+                <a14:hiddenLine xmlns:a14="http://schemas.microsoft.com/office/drawing/2010/main" xmlns:a16="http://schemas.microsoft.com/office/drawing/2014/main" xmlns="" w="9525">
                   <a:solidFill>
                     <a:srgbClr val="000000"/>
                   </a:solidFill>
@@ -15223,7 +15223,7 @@
             </a:ln>
             <a:extLst>
               <a:ext uri="{91240B29-F687-4f45-9708-019B960494DF}">
-                <a14:hiddenLine xmlns="" xmlns:a16="http://schemas.microsoft.com/office/drawing/2014/main" xmlns:a14="http://schemas.microsoft.com/office/drawing/2010/main" w="9525">
+                <a14:hiddenLine xmlns:a14="http://schemas.microsoft.com/office/drawing/2010/main" xmlns:a16="http://schemas.microsoft.com/office/drawing/2014/main" xmlns="" w="9525">
                   <a:solidFill>
                     <a:srgbClr val="000000"/>
                   </a:solidFill>
@@ -15328,7 +15328,7 @@
             </a:ln>
             <a:extLst>
               <a:ext uri="{91240B29-F687-4f45-9708-019B960494DF}">
-                <a14:hiddenLine xmlns="" xmlns:a16="http://schemas.microsoft.com/office/drawing/2014/main" xmlns:a14="http://schemas.microsoft.com/office/drawing/2010/main" w="9525">
+                <a14:hiddenLine xmlns:a14="http://schemas.microsoft.com/office/drawing/2010/main" xmlns:a16="http://schemas.microsoft.com/office/drawing/2014/main" xmlns="" w="9525">
                   <a:solidFill>
                     <a:srgbClr val="000000"/>
                   </a:solidFill>
@@ -15411,7 +15411,7 @@
             </a:ln>
             <a:extLst>
               <a:ext uri="{91240B29-F687-4f45-9708-019B960494DF}">
-                <a14:hiddenLine xmlns="" xmlns:a16="http://schemas.microsoft.com/office/drawing/2014/main" xmlns:a14="http://schemas.microsoft.com/office/drawing/2010/main" w="9525">
+                <a14:hiddenLine xmlns:a14="http://schemas.microsoft.com/office/drawing/2010/main" xmlns:a16="http://schemas.microsoft.com/office/drawing/2014/main" xmlns="" w="9525">
                   <a:solidFill>
                     <a:srgbClr val="000000"/>
                   </a:solidFill>
@@ -15516,7 +15516,7 @@
             </a:ln>
             <a:extLst>
               <a:ext uri="{91240B29-F687-4f45-9708-019B960494DF}">
-                <a14:hiddenLine xmlns="" xmlns:a16="http://schemas.microsoft.com/office/drawing/2014/main" xmlns:a14="http://schemas.microsoft.com/office/drawing/2010/main" w="9525">
+                <a14:hiddenLine xmlns:a14="http://schemas.microsoft.com/office/drawing/2010/main" xmlns:a16="http://schemas.microsoft.com/office/drawing/2014/main" xmlns="" w="9525">
                   <a:solidFill>
                     <a:srgbClr val="000000"/>
                   </a:solidFill>
@@ -15599,7 +15599,7 @@
             </a:ln>
             <a:extLst>
               <a:ext uri="{91240B29-F687-4f45-9708-019B960494DF}">
-                <a14:hiddenLine xmlns="" xmlns:a16="http://schemas.microsoft.com/office/drawing/2014/main" xmlns:a14="http://schemas.microsoft.com/office/drawing/2010/main" w="9525">
+                <a14:hiddenLine xmlns:a14="http://schemas.microsoft.com/office/drawing/2010/main" xmlns:a16="http://schemas.microsoft.com/office/drawing/2014/main" xmlns="" w="9525">
                   <a:solidFill>
                     <a:srgbClr val="000000"/>
                   </a:solidFill>
@@ -15704,7 +15704,7 @@
             </a:ln>
             <a:extLst>
               <a:ext uri="{91240B29-F687-4f45-9708-019B960494DF}">
-                <a14:hiddenLine xmlns="" xmlns:a16="http://schemas.microsoft.com/office/drawing/2014/main" xmlns:a14="http://schemas.microsoft.com/office/drawing/2010/main" w="9525">
+                <a14:hiddenLine xmlns:a14="http://schemas.microsoft.com/office/drawing/2010/main" xmlns:a16="http://schemas.microsoft.com/office/drawing/2014/main" xmlns="" w="9525">
                   <a:solidFill>
                     <a:srgbClr val="000000"/>
                   </a:solidFill>
@@ -15753,7 +15753,7 @@
             </a:ln>
             <a:extLst>
               <a:ext uri="{91240B29-F687-4f45-9708-019B960494DF}">
-                <a14:hiddenLine xmlns="" xmlns:a16="http://schemas.microsoft.com/office/drawing/2014/main" xmlns:a14="http://schemas.microsoft.com/office/drawing/2010/main" w="9525">
+                <a14:hiddenLine xmlns:a14="http://schemas.microsoft.com/office/drawing/2010/main" xmlns:a16="http://schemas.microsoft.com/office/drawing/2014/main" xmlns="" w="9525">
                   <a:solidFill>
                     <a:srgbClr val="000000"/>
                   </a:solidFill>
@@ -15858,7 +15858,7 @@
             </a:ln>
             <a:extLst>
               <a:ext uri="{91240B29-F687-4f45-9708-019B960494DF}">
-                <a14:hiddenLine xmlns="" xmlns:a16="http://schemas.microsoft.com/office/drawing/2014/main" xmlns:a14="http://schemas.microsoft.com/office/drawing/2010/main" w="9525">
+                <a14:hiddenLine xmlns:a14="http://schemas.microsoft.com/office/drawing/2010/main" xmlns:a16="http://schemas.microsoft.com/office/drawing/2014/main" xmlns="" w="9525">
                   <a:solidFill>
                     <a:srgbClr val="000000"/>
                   </a:solidFill>
@@ -15935,7 +15935,7 @@
             </a:ln>
             <a:extLst>
               <a:ext uri="{91240B29-F687-4f45-9708-019B960494DF}">
-                <a14:hiddenLine xmlns="" xmlns:a16="http://schemas.microsoft.com/office/drawing/2014/main" xmlns:a14="http://schemas.microsoft.com/office/drawing/2010/main" w="9525">
+                <a14:hiddenLine xmlns:a14="http://schemas.microsoft.com/office/drawing/2010/main" xmlns:a16="http://schemas.microsoft.com/office/drawing/2014/main" xmlns="" w="9525">
                   <a:solidFill>
                     <a:srgbClr val="000000"/>
                   </a:solidFill>
@@ -16012,7 +16012,7 @@
             </a:ln>
             <a:extLst>
               <a:ext uri="{91240B29-F687-4f45-9708-019B960494DF}">
-                <a14:hiddenLine xmlns="" xmlns:a16="http://schemas.microsoft.com/office/drawing/2014/main" xmlns:a14="http://schemas.microsoft.com/office/drawing/2010/main" w="9525">
+                <a14:hiddenLine xmlns:a14="http://schemas.microsoft.com/office/drawing/2010/main" xmlns:a16="http://schemas.microsoft.com/office/drawing/2014/main" xmlns="" w="9525">
                   <a:solidFill>
                     <a:srgbClr val="000000"/>
                   </a:solidFill>
@@ -16117,7 +16117,7 @@
             </a:ln>
             <a:extLst>
               <a:ext uri="{91240B29-F687-4f45-9708-019B960494DF}">
-                <a14:hiddenLine xmlns="" xmlns:a16="http://schemas.microsoft.com/office/drawing/2014/main" xmlns:a14="http://schemas.microsoft.com/office/drawing/2010/main" w="9525">
+                <a14:hiddenLine xmlns:a14="http://schemas.microsoft.com/office/drawing/2010/main" xmlns:a16="http://schemas.microsoft.com/office/drawing/2014/main" xmlns="" w="9525">
                   <a:solidFill>
                     <a:srgbClr val="000000"/>
                   </a:solidFill>
@@ -16200,7 +16200,7 @@
             </a:ln>
             <a:extLst>
               <a:ext uri="{91240B29-F687-4f45-9708-019B960494DF}">
-                <a14:hiddenLine xmlns="" xmlns:a16="http://schemas.microsoft.com/office/drawing/2014/main" xmlns:a14="http://schemas.microsoft.com/office/drawing/2010/main" w="9525">
+                <a14:hiddenLine xmlns:a14="http://schemas.microsoft.com/office/drawing/2010/main" xmlns:a16="http://schemas.microsoft.com/office/drawing/2014/main" xmlns="" w="9525">
                   <a:solidFill>
                     <a:srgbClr val="000000"/>
                   </a:solidFill>
@@ -16277,7 +16277,7 @@
             </a:ln>
             <a:extLst>
               <a:ext uri="{91240B29-F687-4f45-9708-019B960494DF}">
-                <a14:hiddenLine xmlns="" xmlns:a16="http://schemas.microsoft.com/office/drawing/2014/main" xmlns:a14="http://schemas.microsoft.com/office/drawing/2010/main" w="9525">
+                <a14:hiddenLine xmlns:a14="http://schemas.microsoft.com/office/drawing/2010/main" xmlns:a16="http://schemas.microsoft.com/office/drawing/2014/main" xmlns="" w="9525">
                   <a:solidFill>
                     <a:srgbClr val="000000"/>
                   </a:solidFill>
@@ -16382,7 +16382,7 @@
             </a:ln>
             <a:extLst>
               <a:ext uri="{91240B29-F687-4f45-9708-019B960494DF}">
-                <a14:hiddenLine xmlns="" xmlns:a16="http://schemas.microsoft.com/office/drawing/2014/main" xmlns:a14="http://schemas.microsoft.com/office/drawing/2010/main" w="9525">
+                <a14:hiddenLine xmlns:a14="http://schemas.microsoft.com/office/drawing/2010/main" xmlns:a16="http://schemas.microsoft.com/office/drawing/2014/main" xmlns="" w="9525">
                   <a:solidFill>
                     <a:srgbClr val="000000"/>
                   </a:solidFill>
@@ -16459,7 +16459,7 @@
             </a:ln>
             <a:extLst>
               <a:ext uri="{91240B29-F687-4f45-9708-019B960494DF}">
-                <a14:hiddenLine xmlns="" xmlns:a16="http://schemas.microsoft.com/office/drawing/2014/main" xmlns:a14="http://schemas.microsoft.com/office/drawing/2010/main" w="9525">
+                <a14:hiddenLine xmlns:a14="http://schemas.microsoft.com/office/drawing/2010/main" xmlns:a16="http://schemas.microsoft.com/office/drawing/2014/main" xmlns="" w="9525">
                   <a:solidFill>
                     <a:srgbClr val="000000"/>
                   </a:solidFill>
@@ -16564,7 +16564,7 @@
             </a:ln>
             <a:extLst>
               <a:ext uri="{91240B29-F687-4f45-9708-019B960494DF}">
-                <a14:hiddenLine xmlns="" xmlns:a16="http://schemas.microsoft.com/office/drawing/2014/main" xmlns:a14="http://schemas.microsoft.com/office/drawing/2010/main" w="9525">
+                <a14:hiddenLine xmlns:a14="http://schemas.microsoft.com/office/drawing/2010/main" xmlns:a16="http://schemas.microsoft.com/office/drawing/2014/main" xmlns="" w="9525">
                   <a:solidFill>
                     <a:srgbClr val="000000"/>
                   </a:solidFill>
@@ -16641,7 +16641,7 @@
             </a:ln>
             <a:extLst>
               <a:ext uri="{91240B29-F687-4f45-9708-019B960494DF}">
-                <a14:hiddenLine xmlns="" xmlns:a16="http://schemas.microsoft.com/office/drawing/2014/main" xmlns:a14="http://schemas.microsoft.com/office/drawing/2010/main" w="9525">
+                <a14:hiddenLine xmlns:a14="http://schemas.microsoft.com/office/drawing/2010/main" xmlns:a16="http://schemas.microsoft.com/office/drawing/2014/main" xmlns="" w="9525">
                   <a:solidFill>
                     <a:srgbClr val="000000"/>
                   </a:solidFill>
@@ -16746,7 +16746,7 @@
             </a:ln>
             <a:extLst>
               <a:ext uri="{91240B29-F687-4f45-9708-019B960494DF}">
-                <a14:hiddenLine xmlns="" xmlns:a16="http://schemas.microsoft.com/office/drawing/2014/main" xmlns:a14="http://schemas.microsoft.com/office/drawing/2010/main" w="9525">
+                <a14:hiddenLine xmlns:a14="http://schemas.microsoft.com/office/drawing/2010/main" xmlns:a16="http://schemas.microsoft.com/office/drawing/2014/main" xmlns="" w="9525">
                   <a:solidFill>
                     <a:srgbClr val="000000"/>
                   </a:solidFill>
@@ -16795,7 +16795,7 @@
             </a:ln>
             <a:extLst>
               <a:ext uri="{91240B29-F687-4f45-9708-019B960494DF}">
-                <a14:hiddenLine xmlns="" xmlns:a16="http://schemas.microsoft.com/office/drawing/2014/main" xmlns:a14="http://schemas.microsoft.com/office/drawing/2010/main" w="9525">
+                <a14:hiddenLine xmlns:a14="http://schemas.microsoft.com/office/drawing/2010/main" xmlns:a16="http://schemas.microsoft.com/office/drawing/2014/main" xmlns="" w="9525">
                   <a:solidFill>
                     <a:srgbClr val="000000"/>
                   </a:solidFill>
@@ -16875,7 +16875,7 @@
             </a:ln>
             <a:extLst>
               <a:ext uri="{91240B29-F687-4f45-9708-019B960494DF}">
-                <a14:hiddenLine xmlns="" xmlns:a16="http://schemas.microsoft.com/office/drawing/2014/main" xmlns:a14="http://schemas.microsoft.com/office/drawing/2010/main" w="9525">
+                <a14:hiddenLine xmlns:a14="http://schemas.microsoft.com/office/drawing/2010/main" xmlns:a16="http://schemas.microsoft.com/office/drawing/2014/main" xmlns="" w="9525">
                   <a:solidFill>
                     <a:srgbClr val="000000"/>
                   </a:solidFill>
@@ -16980,7 +16980,7 @@
             </a:ln>
             <a:extLst>
               <a:ext uri="{91240B29-F687-4f45-9708-019B960494DF}">
-                <a14:hiddenLine xmlns="" xmlns:a16="http://schemas.microsoft.com/office/drawing/2014/main" xmlns:a14="http://schemas.microsoft.com/office/drawing/2010/main" w="9525">
+                <a14:hiddenLine xmlns:a14="http://schemas.microsoft.com/office/drawing/2010/main" xmlns:a16="http://schemas.microsoft.com/office/drawing/2014/main" xmlns="" w="9525">
                   <a:solidFill>
                     <a:srgbClr val="000000"/>
                   </a:solidFill>
@@ -17057,7 +17057,7 @@
             </a:ln>
             <a:extLst>
               <a:ext uri="{91240B29-F687-4f45-9708-019B960494DF}">
-                <a14:hiddenLine xmlns="" xmlns:a16="http://schemas.microsoft.com/office/drawing/2014/main" xmlns:a14="http://schemas.microsoft.com/office/drawing/2010/main" w="9525">
+                <a14:hiddenLine xmlns:a14="http://schemas.microsoft.com/office/drawing/2010/main" xmlns:a16="http://schemas.microsoft.com/office/drawing/2014/main" xmlns="" w="9525">
                   <a:solidFill>
                     <a:srgbClr val="000000"/>
                   </a:solidFill>
@@ -17162,7 +17162,7 @@
             </a:ln>
             <a:extLst>
               <a:ext uri="{91240B29-F687-4f45-9708-019B960494DF}">
-                <a14:hiddenLine xmlns="" xmlns:a16="http://schemas.microsoft.com/office/drawing/2014/main" xmlns:a14="http://schemas.microsoft.com/office/drawing/2010/main" w="9525">
+                <a14:hiddenLine xmlns:a14="http://schemas.microsoft.com/office/drawing/2010/main" xmlns:a16="http://schemas.microsoft.com/office/drawing/2014/main" xmlns="" w="9525">
                   <a:solidFill>
                     <a:srgbClr val="000000"/>
                   </a:solidFill>
@@ -17267,7 +17267,7 @@
             </a:ln>
             <a:extLst>
               <a:ext uri="{91240B29-F687-4f45-9708-019B960494DF}">
-                <a14:hiddenLine xmlns="" xmlns:a16="http://schemas.microsoft.com/office/drawing/2014/main" xmlns:a14="http://schemas.microsoft.com/office/drawing/2010/main" w="9525">
+                <a14:hiddenLine xmlns:a14="http://schemas.microsoft.com/office/drawing/2010/main" xmlns:a16="http://schemas.microsoft.com/office/drawing/2014/main" xmlns="" w="9525">
                   <a:solidFill>
                     <a:srgbClr val="000000"/>
                   </a:solidFill>
@@ -17347,7 +17347,7 @@
             </a:ln>
             <a:extLst>
               <a:ext uri="{91240B29-F687-4f45-9708-019B960494DF}">
-                <a14:hiddenLine xmlns="" xmlns:a16="http://schemas.microsoft.com/office/drawing/2014/main" xmlns:a14="http://schemas.microsoft.com/office/drawing/2010/main" w="9525">
+                <a14:hiddenLine xmlns:a14="http://schemas.microsoft.com/office/drawing/2010/main" xmlns:a16="http://schemas.microsoft.com/office/drawing/2014/main" xmlns="" w="9525">
                   <a:solidFill>
                     <a:srgbClr val="000000"/>
                   </a:solidFill>
@@ -17424,7 +17424,7 @@
             </a:ln>
             <a:extLst>
               <a:ext uri="{91240B29-F687-4f45-9708-019B960494DF}">
-                <a14:hiddenLine xmlns="" xmlns:a16="http://schemas.microsoft.com/office/drawing/2014/main" xmlns:a14="http://schemas.microsoft.com/office/drawing/2010/main" w="9525">
+                <a14:hiddenLine xmlns:a14="http://schemas.microsoft.com/office/drawing/2010/main" xmlns:a16="http://schemas.microsoft.com/office/drawing/2014/main" xmlns="" w="9525">
                   <a:solidFill>
                     <a:srgbClr val="000000"/>
                   </a:solidFill>
@@ -17529,7 +17529,7 @@
             </a:ln>
             <a:extLst>
               <a:ext uri="{91240B29-F687-4f45-9708-019B960494DF}">
-                <a14:hiddenLine xmlns="" xmlns:a16="http://schemas.microsoft.com/office/drawing/2014/main" xmlns:a14="http://schemas.microsoft.com/office/drawing/2010/main" w="9525">
+                <a14:hiddenLine xmlns:a14="http://schemas.microsoft.com/office/drawing/2010/main" xmlns:a16="http://schemas.microsoft.com/office/drawing/2014/main" xmlns="" w="9525">
                   <a:solidFill>
                     <a:srgbClr val="000000"/>
                   </a:solidFill>
@@ -17634,7 +17634,7 @@
             </a:ln>
             <a:extLst>
               <a:ext uri="{91240B29-F687-4f45-9708-019B960494DF}">
-                <a14:hiddenLine xmlns="" xmlns:a16="http://schemas.microsoft.com/office/drawing/2014/main" xmlns:a14="http://schemas.microsoft.com/office/drawing/2010/main" w="9525">
+                <a14:hiddenLine xmlns:a14="http://schemas.microsoft.com/office/drawing/2010/main" xmlns:a16="http://schemas.microsoft.com/office/drawing/2014/main" xmlns="" w="9525">
                   <a:solidFill>
                     <a:srgbClr val="000000"/>
                   </a:solidFill>
@@ -17711,7 +17711,7 @@
             </a:ln>
             <a:extLst>
               <a:ext uri="{91240B29-F687-4f45-9708-019B960494DF}">
-                <a14:hiddenLine xmlns="" xmlns:a16="http://schemas.microsoft.com/office/drawing/2014/main" xmlns:a14="http://schemas.microsoft.com/office/drawing/2010/main" w="9525">
+                <a14:hiddenLine xmlns:a14="http://schemas.microsoft.com/office/drawing/2010/main" xmlns:a16="http://schemas.microsoft.com/office/drawing/2014/main" xmlns="" w="9525">
                   <a:solidFill>
                     <a:srgbClr val="000000"/>
                   </a:solidFill>
@@ -17846,7 +17846,7 @@
             </a:ln>
             <a:extLst>
               <a:ext uri="{91240B29-F687-4f45-9708-019B960494DF}">
-                <a14:hiddenLine xmlns="" xmlns:a16="http://schemas.microsoft.com/office/drawing/2014/main" xmlns:a14="http://schemas.microsoft.com/office/drawing/2010/main" w="9525">
+                <a14:hiddenLine xmlns:a14="http://schemas.microsoft.com/office/drawing/2010/main" xmlns:a16="http://schemas.microsoft.com/office/drawing/2014/main" xmlns="" w="9525">
                   <a:solidFill>
                     <a:srgbClr val="000000"/>
                   </a:solidFill>
@@ -17929,7 +17929,7 @@
             </a:ln>
             <a:extLst>
               <a:ext uri="{91240B29-F687-4f45-9708-019B960494DF}">
-                <a14:hiddenLine xmlns="" xmlns:a16="http://schemas.microsoft.com/office/drawing/2014/main" xmlns:a14="http://schemas.microsoft.com/office/drawing/2010/main" w="9525">
+                <a14:hiddenLine xmlns:a14="http://schemas.microsoft.com/office/drawing/2010/main" xmlns:a16="http://schemas.microsoft.com/office/drawing/2014/main" xmlns="" w="9525">
                   <a:solidFill>
                     <a:srgbClr val="000000"/>
                   </a:solidFill>
@@ -18034,7 +18034,7 @@
             </a:ln>
             <a:extLst>
               <a:ext uri="{91240B29-F687-4f45-9708-019B960494DF}">
-                <a14:hiddenLine xmlns="" xmlns:a16="http://schemas.microsoft.com/office/drawing/2014/main" xmlns:a14="http://schemas.microsoft.com/office/drawing/2010/main" w="9525">
+                <a14:hiddenLine xmlns:a14="http://schemas.microsoft.com/office/drawing/2010/main" xmlns:a16="http://schemas.microsoft.com/office/drawing/2014/main" xmlns="" w="9525">
                   <a:solidFill>
                     <a:srgbClr val="000000"/>
                   </a:solidFill>
@@ -18181,7 +18181,7 @@
             </a:ln>
             <a:extLst>
               <a:ext uri="{91240B29-F687-4f45-9708-019B960494DF}">
-                <a14:hiddenLine xmlns="" xmlns:a16="http://schemas.microsoft.com/office/drawing/2014/main" xmlns:p14="http://schemas.microsoft.com/office/powerpoint/2010/main" xmlns:a14="http://schemas.microsoft.com/office/drawing/2010/main" w="9525">
+                <a14:hiddenLine xmlns:a14="http://schemas.microsoft.com/office/drawing/2010/main" xmlns:p14="http://schemas.microsoft.com/office/powerpoint/2010/main" xmlns:a16="http://schemas.microsoft.com/office/drawing/2014/main" xmlns="" w="9525">
                   <a:solidFill>
                     <a:srgbClr val="000000"/>
                   </a:solidFill>
@@ -18286,7 +18286,7 @@
             </a:ln>
             <a:extLst>
               <a:ext uri="{91240B29-F687-4f45-9708-019B960494DF}">
-                <a14:hiddenLine xmlns="" xmlns:a16="http://schemas.microsoft.com/office/drawing/2014/main" xmlns:p14="http://schemas.microsoft.com/office/powerpoint/2010/main" xmlns:a14="http://schemas.microsoft.com/office/drawing/2010/main" w="9525">
+                <a14:hiddenLine xmlns:a14="http://schemas.microsoft.com/office/drawing/2010/main" xmlns:p14="http://schemas.microsoft.com/office/powerpoint/2010/main" xmlns:a16="http://schemas.microsoft.com/office/drawing/2014/main" xmlns="" w="9525">
                   <a:solidFill>
                     <a:srgbClr val="000000"/>
                   </a:solidFill>
@@ -18391,7 +18391,7 @@
             </a:ln>
             <a:extLst>
               <a:ext uri="{91240B29-F687-4f45-9708-019B960494DF}">
-                <a14:hiddenLine xmlns="" xmlns:a16="http://schemas.microsoft.com/office/drawing/2014/main" xmlns:p14="http://schemas.microsoft.com/office/powerpoint/2010/main" xmlns:a14="http://schemas.microsoft.com/office/drawing/2010/main" w="9525">
+                <a14:hiddenLine xmlns:a14="http://schemas.microsoft.com/office/drawing/2010/main" xmlns:p14="http://schemas.microsoft.com/office/powerpoint/2010/main" xmlns:a16="http://schemas.microsoft.com/office/drawing/2014/main" xmlns="" w="9525">
                   <a:solidFill>
                     <a:srgbClr val="000000"/>
                   </a:solidFill>
@@ -18440,7 +18440,7 @@
             </a:ln>
             <a:extLst>
               <a:ext uri="{91240B29-F687-4f45-9708-019B960494DF}">
-                <a14:hiddenLine xmlns="" xmlns:a16="http://schemas.microsoft.com/office/drawing/2014/main" xmlns:p14="http://schemas.microsoft.com/office/powerpoint/2010/main" xmlns:a14="http://schemas.microsoft.com/office/drawing/2010/main" w="9525">
+                <a14:hiddenLine xmlns:a14="http://schemas.microsoft.com/office/drawing/2010/main" xmlns:p14="http://schemas.microsoft.com/office/powerpoint/2010/main" xmlns:a16="http://schemas.microsoft.com/office/drawing/2014/main" xmlns="" w="9525">
                   <a:solidFill>
                     <a:srgbClr val="000000"/>
                   </a:solidFill>
@@ -18545,7 +18545,7 @@
             </a:ln>
             <a:extLst>
               <a:ext uri="{91240B29-F687-4f45-9708-019B960494DF}">
-                <a14:hiddenLine xmlns="" xmlns:a16="http://schemas.microsoft.com/office/drawing/2014/main" xmlns:p14="http://schemas.microsoft.com/office/powerpoint/2010/main" xmlns:a14="http://schemas.microsoft.com/office/drawing/2010/main" w="9525">
+                <a14:hiddenLine xmlns:a14="http://schemas.microsoft.com/office/drawing/2010/main" xmlns:p14="http://schemas.microsoft.com/office/powerpoint/2010/main" xmlns:a16="http://schemas.microsoft.com/office/drawing/2014/main" xmlns="" w="9525">
                   <a:solidFill>
                     <a:srgbClr val="000000"/>
                   </a:solidFill>
@@ -18622,7 +18622,7 @@
             </a:ln>
             <a:extLst>
               <a:ext uri="{91240B29-F687-4f45-9708-019B960494DF}">
-                <a14:hiddenLine xmlns="" xmlns:a16="http://schemas.microsoft.com/office/drawing/2014/main" xmlns:p14="http://schemas.microsoft.com/office/powerpoint/2010/main" xmlns:a14="http://schemas.microsoft.com/office/drawing/2010/main" w="9525">
+                <a14:hiddenLine xmlns:a14="http://schemas.microsoft.com/office/drawing/2010/main" xmlns:p14="http://schemas.microsoft.com/office/powerpoint/2010/main" xmlns:a16="http://schemas.microsoft.com/office/drawing/2014/main" xmlns="" w="9525">
                   <a:solidFill>
                     <a:srgbClr val="000000"/>
                   </a:solidFill>
@@ -18699,7 +18699,7 @@
             </a:ln>
             <a:extLst>
               <a:ext uri="{91240B29-F687-4f45-9708-019B960494DF}">
-                <a14:hiddenLine xmlns="" xmlns:a16="http://schemas.microsoft.com/office/drawing/2014/main" xmlns:p14="http://schemas.microsoft.com/office/powerpoint/2010/main" xmlns:a14="http://schemas.microsoft.com/office/drawing/2010/main" w="9525">
+                <a14:hiddenLine xmlns:a14="http://schemas.microsoft.com/office/drawing/2010/main" xmlns:p14="http://schemas.microsoft.com/office/powerpoint/2010/main" xmlns:a16="http://schemas.microsoft.com/office/drawing/2014/main" xmlns="" w="9525">
                   <a:solidFill>
                     <a:srgbClr val="000000"/>
                   </a:solidFill>
@@ -18804,7 +18804,7 @@
             </a:ln>
             <a:extLst>
               <a:ext uri="{91240B29-F687-4f45-9708-019B960494DF}">
-                <a14:hiddenLine xmlns="" xmlns:a16="http://schemas.microsoft.com/office/drawing/2014/main" xmlns:p14="http://schemas.microsoft.com/office/powerpoint/2010/main" xmlns:a14="http://schemas.microsoft.com/office/drawing/2010/main" w="9525">
+                <a14:hiddenLine xmlns:a14="http://schemas.microsoft.com/office/drawing/2010/main" xmlns:p14="http://schemas.microsoft.com/office/powerpoint/2010/main" xmlns:a16="http://schemas.microsoft.com/office/drawing/2014/main" xmlns="" w="9525">
                   <a:solidFill>
                     <a:srgbClr val="000000"/>
                   </a:solidFill>
@@ -18881,7 +18881,7 @@
             </a:ln>
             <a:extLst>
               <a:ext uri="{91240B29-F687-4f45-9708-019B960494DF}">
-                <a14:hiddenLine xmlns="" xmlns:a16="http://schemas.microsoft.com/office/drawing/2014/main" xmlns:p14="http://schemas.microsoft.com/office/powerpoint/2010/main" xmlns:a14="http://schemas.microsoft.com/office/drawing/2010/main" w="9525">
+                <a14:hiddenLine xmlns:a14="http://schemas.microsoft.com/office/drawing/2010/main" xmlns:p14="http://schemas.microsoft.com/office/powerpoint/2010/main" xmlns:a16="http://schemas.microsoft.com/office/drawing/2014/main" xmlns="" w="9525">
                   <a:solidFill>
                     <a:srgbClr val="000000"/>
                   </a:solidFill>
@@ -18958,7 +18958,7 @@
             </a:ln>
             <a:extLst>
               <a:ext uri="{91240B29-F687-4f45-9708-019B960494DF}">
-                <a14:hiddenLine xmlns="" xmlns:a16="http://schemas.microsoft.com/office/drawing/2014/main" xmlns:p14="http://schemas.microsoft.com/office/powerpoint/2010/main" xmlns:a14="http://schemas.microsoft.com/office/drawing/2010/main" w="9525">
+                <a14:hiddenLine xmlns:a14="http://schemas.microsoft.com/office/drawing/2010/main" xmlns:p14="http://schemas.microsoft.com/office/powerpoint/2010/main" xmlns:a16="http://schemas.microsoft.com/office/drawing/2014/main" xmlns="" w="9525">
                   <a:solidFill>
                     <a:srgbClr val="000000"/>
                   </a:solidFill>
@@ -19063,7 +19063,7 @@
             </a:ln>
             <a:extLst>
               <a:ext uri="{91240B29-F687-4f45-9708-019B960494DF}">
-                <a14:hiddenLine xmlns="" xmlns:a16="http://schemas.microsoft.com/office/drawing/2014/main" xmlns:p14="http://schemas.microsoft.com/office/powerpoint/2010/main" xmlns:a14="http://schemas.microsoft.com/office/drawing/2010/main" w="9525">
+                <a14:hiddenLine xmlns:a14="http://schemas.microsoft.com/office/drawing/2010/main" xmlns:p14="http://schemas.microsoft.com/office/powerpoint/2010/main" xmlns:a16="http://schemas.microsoft.com/office/drawing/2014/main" xmlns="" w="9525">
                   <a:solidFill>
                     <a:srgbClr val="000000"/>
                   </a:solidFill>
@@ -19168,7 +19168,7 @@
             </a:ln>
             <a:extLst>
               <a:ext uri="{91240B29-F687-4f45-9708-019B960494DF}">
-                <a14:hiddenLine xmlns="" xmlns:a16="http://schemas.microsoft.com/office/drawing/2014/main" xmlns:p14="http://schemas.microsoft.com/office/powerpoint/2010/main" xmlns:a14="http://schemas.microsoft.com/office/drawing/2010/main" w="9525">
+                <a14:hiddenLine xmlns:a14="http://schemas.microsoft.com/office/drawing/2010/main" xmlns:p14="http://schemas.microsoft.com/office/powerpoint/2010/main" xmlns:a16="http://schemas.microsoft.com/office/drawing/2014/main" xmlns="" w="9525">
                   <a:solidFill>
                     <a:srgbClr val="000000"/>
                   </a:solidFill>
@@ -19245,7 +19245,7 @@
             </a:ln>
             <a:extLst>
               <a:ext uri="{91240B29-F687-4f45-9708-019B960494DF}">
-                <a14:hiddenLine xmlns="" xmlns:a16="http://schemas.microsoft.com/office/drawing/2014/main" xmlns:p14="http://schemas.microsoft.com/office/powerpoint/2010/main" xmlns:a14="http://schemas.microsoft.com/office/drawing/2010/main" w="9525">
+                <a14:hiddenLine xmlns:a14="http://schemas.microsoft.com/office/drawing/2010/main" xmlns:p14="http://schemas.microsoft.com/office/powerpoint/2010/main" xmlns:a16="http://schemas.microsoft.com/office/drawing/2014/main" xmlns="" w="9525">
                   <a:solidFill>
                     <a:srgbClr val="000000"/>
                   </a:solidFill>
@@ -19370,7 +19370,7 @@
             </a:ln>
             <a:extLst>
               <a:ext uri="{91240B29-F687-4f45-9708-019B960494DF}">
-                <a14:hiddenLine xmlns="" xmlns:a16="http://schemas.microsoft.com/office/drawing/2014/main" xmlns:p14="http://schemas.microsoft.com/office/powerpoint/2010/main" xmlns:a14="http://schemas.microsoft.com/office/drawing/2010/main" w="9525">
+                <a14:hiddenLine xmlns:a14="http://schemas.microsoft.com/office/drawing/2010/main" xmlns:p14="http://schemas.microsoft.com/office/powerpoint/2010/main" xmlns:a16="http://schemas.microsoft.com/office/drawing/2014/main" xmlns="" w="9525">
                   <a:solidFill>
                     <a:srgbClr val="000000"/>
                   </a:solidFill>
@@ -19447,7 +19447,7 @@
             </a:ln>
             <a:extLst>
               <a:ext uri="{91240B29-F687-4f45-9708-019B960494DF}">
-                <a14:hiddenLine xmlns="" xmlns:a16="http://schemas.microsoft.com/office/drawing/2014/main" xmlns:p14="http://schemas.microsoft.com/office/powerpoint/2010/main" xmlns:a14="http://schemas.microsoft.com/office/drawing/2010/main" w="9525">
+                <a14:hiddenLine xmlns:a14="http://schemas.microsoft.com/office/drawing/2010/main" xmlns:p14="http://schemas.microsoft.com/office/powerpoint/2010/main" xmlns:a16="http://schemas.microsoft.com/office/drawing/2014/main" xmlns="" w="9525">
                   <a:solidFill>
                     <a:srgbClr val="000000"/>
                   </a:solidFill>
@@ -19552,7 +19552,7 @@
             </a:ln>
             <a:extLst>
               <a:ext uri="{91240B29-F687-4f45-9708-019B960494DF}">
-                <a14:hiddenLine xmlns="" xmlns:a16="http://schemas.microsoft.com/office/drawing/2014/main" xmlns:p14="http://schemas.microsoft.com/office/powerpoint/2010/main" xmlns:a14="http://schemas.microsoft.com/office/drawing/2010/main" w="9525">
+                <a14:hiddenLine xmlns:a14="http://schemas.microsoft.com/office/drawing/2010/main" xmlns:p14="http://schemas.microsoft.com/office/powerpoint/2010/main" xmlns:a16="http://schemas.microsoft.com/office/drawing/2014/main" xmlns="" w="9525">
                   <a:solidFill>
                     <a:srgbClr val="000000"/>
                   </a:solidFill>
@@ -19657,7 +19657,7 @@
             </a:ln>
             <a:extLst>
               <a:ext uri="{91240B29-F687-4f45-9708-019B960494DF}">
-                <a14:hiddenLine xmlns="" xmlns:a16="http://schemas.microsoft.com/office/drawing/2014/main" xmlns:p14="http://schemas.microsoft.com/office/powerpoint/2010/main" xmlns:a14="http://schemas.microsoft.com/office/drawing/2010/main" w="9525">
+                <a14:hiddenLine xmlns:a14="http://schemas.microsoft.com/office/drawing/2010/main" xmlns:p14="http://schemas.microsoft.com/office/powerpoint/2010/main" xmlns:a16="http://schemas.microsoft.com/office/drawing/2014/main" xmlns="" w="9525">
                   <a:solidFill>
                     <a:srgbClr val="000000"/>
                   </a:solidFill>
@@ -19734,7 +19734,7 @@
             </a:ln>
             <a:extLst>
               <a:ext uri="{91240B29-F687-4f45-9708-019B960494DF}">
-                <a14:hiddenLine xmlns="" xmlns:a16="http://schemas.microsoft.com/office/drawing/2014/main" xmlns:p14="http://schemas.microsoft.com/office/powerpoint/2010/main" xmlns:a14="http://schemas.microsoft.com/office/drawing/2010/main" w="9525">
+                <a14:hiddenLine xmlns:a14="http://schemas.microsoft.com/office/drawing/2010/main" xmlns:p14="http://schemas.microsoft.com/office/powerpoint/2010/main" xmlns:a16="http://schemas.microsoft.com/office/drawing/2014/main" xmlns="" w="9525">
                   <a:solidFill>
                     <a:srgbClr val="000000"/>
                   </a:solidFill>
@@ -19839,7 +19839,7 @@
             </a:ln>
             <a:extLst>
               <a:ext uri="{91240B29-F687-4f45-9708-019B960494DF}">
-                <a14:hiddenLine xmlns="" xmlns:a16="http://schemas.microsoft.com/office/drawing/2014/main" xmlns:p14="http://schemas.microsoft.com/office/powerpoint/2010/main" xmlns:a14="http://schemas.microsoft.com/office/drawing/2010/main" w="9525">
+                <a14:hiddenLine xmlns:a14="http://schemas.microsoft.com/office/drawing/2010/main" xmlns:p14="http://schemas.microsoft.com/office/powerpoint/2010/main" xmlns:a16="http://schemas.microsoft.com/office/drawing/2014/main" xmlns="" w="9525">
                   <a:solidFill>
                     <a:srgbClr val="000000"/>
                   </a:solidFill>
@@ -19944,7 +19944,7 @@
             </a:ln>
             <a:extLst>
               <a:ext uri="{91240B29-F687-4f45-9708-019B960494DF}">
-                <a14:hiddenLine xmlns="" xmlns:a16="http://schemas.microsoft.com/office/drawing/2014/main" xmlns:p14="http://schemas.microsoft.com/office/powerpoint/2010/main" xmlns:a14="http://schemas.microsoft.com/office/drawing/2010/main" w="9525">
+                <a14:hiddenLine xmlns:a14="http://schemas.microsoft.com/office/drawing/2010/main" xmlns:p14="http://schemas.microsoft.com/office/powerpoint/2010/main" xmlns:a16="http://schemas.microsoft.com/office/drawing/2014/main" xmlns="" w="9525">
                   <a:solidFill>
                     <a:srgbClr val="000000"/>
                   </a:solidFill>
@@ -20015,7 +20015,7 @@
             </a:ln>
             <a:extLst>
               <a:ext uri="{91240B29-F687-4f45-9708-019B960494DF}">
-                <a14:hiddenLine xmlns="" xmlns:a16="http://schemas.microsoft.com/office/drawing/2014/main" xmlns:p14="http://schemas.microsoft.com/office/powerpoint/2010/main" xmlns:a14="http://schemas.microsoft.com/office/drawing/2010/main" w="9525">
+                <a14:hiddenLine xmlns:a14="http://schemas.microsoft.com/office/drawing/2010/main" xmlns:p14="http://schemas.microsoft.com/office/powerpoint/2010/main" xmlns:a16="http://schemas.microsoft.com/office/drawing/2014/main" xmlns="" w="9525">
                   <a:solidFill>
                     <a:srgbClr val="000000"/>
                   </a:solidFill>
@@ -20120,7 +20120,7 @@
             </a:ln>
             <a:extLst>
               <a:ext uri="{91240B29-F687-4f45-9708-019B960494DF}">
-                <a14:hiddenLine xmlns="" xmlns:a16="http://schemas.microsoft.com/office/drawing/2014/main" xmlns:p14="http://schemas.microsoft.com/office/powerpoint/2010/main" xmlns:a14="http://schemas.microsoft.com/office/drawing/2010/main" w="9525">
+                <a14:hiddenLine xmlns:a14="http://schemas.microsoft.com/office/drawing/2010/main" xmlns:p14="http://schemas.microsoft.com/office/powerpoint/2010/main" xmlns:a16="http://schemas.microsoft.com/office/drawing/2014/main" xmlns="" w="9525">
                   <a:solidFill>
                     <a:srgbClr val="000000"/>
                   </a:solidFill>
@@ -20191,7 +20191,7 @@
             </a:ln>
             <a:extLst>
               <a:ext uri="{91240B29-F687-4f45-9708-019B960494DF}">
-                <a14:hiddenLine xmlns="" xmlns:a16="http://schemas.microsoft.com/office/drawing/2014/main" xmlns:p14="http://schemas.microsoft.com/office/powerpoint/2010/main" xmlns:a14="http://schemas.microsoft.com/office/drawing/2010/main" w="9525">
+                <a14:hiddenLine xmlns:a14="http://schemas.microsoft.com/office/drawing/2010/main" xmlns:p14="http://schemas.microsoft.com/office/powerpoint/2010/main" xmlns:a16="http://schemas.microsoft.com/office/drawing/2014/main" xmlns="" w="9525">
                   <a:solidFill>
                     <a:srgbClr val="000000"/>
                   </a:solidFill>
@@ -20296,7 +20296,7 @@
             </a:ln>
             <a:extLst>
               <a:ext uri="{91240B29-F687-4f45-9708-019B960494DF}">
-                <a14:hiddenLine xmlns="" xmlns:a16="http://schemas.microsoft.com/office/drawing/2014/main" xmlns:p14="http://schemas.microsoft.com/office/powerpoint/2010/main" xmlns:a14="http://schemas.microsoft.com/office/drawing/2010/main" w="9525">
+                <a14:hiddenLine xmlns:a14="http://schemas.microsoft.com/office/drawing/2010/main" xmlns:p14="http://schemas.microsoft.com/office/powerpoint/2010/main" xmlns:a16="http://schemas.microsoft.com/office/drawing/2014/main" xmlns="" w="9525">
                   <a:solidFill>
                     <a:srgbClr val="000000"/>
                   </a:solidFill>
@@ -20379,7 +20379,7 @@
             </a:ln>
             <a:extLst>
               <a:ext uri="{91240B29-F687-4f45-9708-019B960494DF}">
-                <a14:hiddenLine xmlns="" xmlns:a16="http://schemas.microsoft.com/office/drawing/2014/main" xmlns:p14="http://schemas.microsoft.com/office/powerpoint/2010/main" xmlns:a14="http://schemas.microsoft.com/office/drawing/2010/main" w="9525">
+                <a14:hiddenLine xmlns:a14="http://schemas.microsoft.com/office/drawing/2010/main" xmlns:p14="http://schemas.microsoft.com/office/powerpoint/2010/main" xmlns:a16="http://schemas.microsoft.com/office/drawing/2014/main" xmlns="" w="9525">
                   <a:solidFill>
                     <a:srgbClr val="000000"/>
                   </a:solidFill>
@@ -20484,7 +20484,7 @@
             </a:ln>
             <a:extLst>
               <a:ext uri="{91240B29-F687-4f45-9708-019B960494DF}">
-                <a14:hiddenLine xmlns="" xmlns:a16="http://schemas.microsoft.com/office/drawing/2014/main" xmlns:p14="http://schemas.microsoft.com/office/powerpoint/2010/main" xmlns:a14="http://schemas.microsoft.com/office/drawing/2010/main" w="9525">
+                <a14:hiddenLine xmlns:a14="http://schemas.microsoft.com/office/drawing/2010/main" xmlns:p14="http://schemas.microsoft.com/office/powerpoint/2010/main" xmlns:a16="http://schemas.microsoft.com/office/drawing/2014/main" xmlns="" w="9525">
                   <a:solidFill>
                     <a:srgbClr val="000000"/>
                   </a:solidFill>
@@ -20567,7 +20567,7 @@
             </a:ln>
             <a:extLst>
               <a:ext uri="{91240B29-F687-4f45-9708-019B960494DF}">
-                <a14:hiddenLine xmlns="" xmlns:a16="http://schemas.microsoft.com/office/drawing/2014/main" xmlns:p14="http://schemas.microsoft.com/office/powerpoint/2010/main" xmlns:a14="http://schemas.microsoft.com/office/drawing/2010/main" w="9525">
+                <a14:hiddenLine xmlns:a14="http://schemas.microsoft.com/office/drawing/2010/main" xmlns:p14="http://schemas.microsoft.com/office/powerpoint/2010/main" xmlns:a16="http://schemas.microsoft.com/office/drawing/2014/main" xmlns="" w="9525">
                   <a:solidFill>
                     <a:srgbClr val="000000"/>
                   </a:solidFill>
@@ -20672,7 +20672,7 @@
             </a:ln>
             <a:extLst>
               <a:ext uri="{91240B29-F687-4f45-9708-019B960494DF}">
-                <a14:hiddenLine xmlns="" xmlns:a16="http://schemas.microsoft.com/office/drawing/2014/main" xmlns:p14="http://schemas.microsoft.com/office/powerpoint/2010/main" xmlns:a14="http://schemas.microsoft.com/office/drawing/2010/main" w="9525">
+                <a14:hiddenLine xmlns:a14="http://schemas.microsoft.com/office/drawing/2010/main" xmlns:p14="http://schemas.microsoft.com/office/powerpoint/2010/main" xmlns:a16="http://schemas.microsoft.com/office/drawing/2014/main" xmlns="" w="9525">
                   <a:solidFill>
                     <a:srgbClr val="000000"/>
                   </a:solidFill>
@@ -20721,7 +20721,7 @@
             </a:ln>
             <a:extLst>
               <a:ext uri="{91240B29-F687-4f45-9708-019B960494DF}">
-                <a14:hiddenLine xmlns="" xmlns:a16="http://schemas.microsoft.com/office/drawing/2014/main" xmlns:p14="http://schemas.microsoft.com/office/powerpoint/2010/main" xmlns:a14="http://schemas.microsoft.com/office/drawing/2010/main" w="9525">
+                <a14:hiddenLine xmlns:a14="http://schemas.microsoft.com/office/drawing/2010/main" xmlns:p14="http://schemas.microsoft.com/office/powerpoint/2010/main" xmlns:a16="http://schemas.microsoft.com/office/drawing/2014/main" xmlns="" w="9525">
                   <a:solidFill>
                     <a:srgbClr val="000000"/>
                   </a:solidFill>
@@ -20826,7 +20826,7 @@
             </a:ln>
             <a:extLst>
               <a:ext uri="{91240B29-F687-4f45-9708-019B960494DF}">
-                <a14:hiddenLine xmlns="" xmlns:a16="http://schemas.microsoft.com/office/drawing/2014/main" xmlns:p14="http://schemas.microsoft.com/office/powerpoint/2010/main" xmlns:a14="http://schemas.microsoft.com/office/drawing/2010/main" w="9525">
+                <a14:hiddenLine xmlns:a14="http://schemas.microsoft.com/office/drawing/2010/main" xmlns:p14="http://schemas.microsoft.com/office/powerpoint/2010/main" xmlns:a16="http://schemas.microsoft.com/office/drawing/2014/main" xmlns="" w="9525">
                   <a:solidFill>
                     <a:srgbClr val="000000"/>
                   </a:solidFill>
@@ -20903,7 +20903,7 @@
             </a:ln>
             <a:extLst>
               <a:ext uri="{91240B29-F687-4f45-9708-019B960494DF}">
-                <a14:hiddenLine xmlns="" xmlns:a16="http://schemas.microsoft.com/office/drawing/2014/main" xmlns:p14="http://schemas.microsoft.com/office/powerpoint/2010/main" xmlns:a14="http://schemas.microsoft.com/office/drawing/2010/main" w="9525">
+                <a14:hiddenLine xmlns:a14="http://schemas.microsoft.com/office/drawing/2010/main" xmlns:p14="http://schemas.microsoft.com/office/powerpoint/2010/main" xmlns:a16="http://schemas.microsoft.com/office/drawing/2014/main" xmlns="" w="9525">
                   <a:solidFill>
                     <a:srgbClr val="000000"/>
                   </a:solidFill>
@@ -20980,7 +20980,7 @@
             </a:ln>
             <a:extLst>
               <a:ext uri="{91240B29-F687-4f45-9708-019B960494DF}">
-                <a14:hiddenLine xmlns="" xmlns:a16="http://schemas.microsoft.com/office/drawing/2014/main" xmlns:p14="http://schemas.microsoft.com/office/powerpoint/2010/main" xmlns:a14="http://schemas.microsoft.com/office/drawing/2010/main" w="9525">
+                <a14:hiddenLine xmlns:a14="http://schemas.microsoft.com/office/drawing/2010/main" xmlns:p14="http://schemas.microsoft.com/office/powerpoint/2010/main" xmlns:a16="http://schemas.microsoft.com/office/drawing/2014/main" xmlns="" w="9525">
                   <a:solidFill>
                     <a:srgbClr val="000000"/>
                   </a:solidFill>
@@ -21085,7 +21085,7 @@
             </a:ln>
             <a:extLst>
               <a:ext uri="{91240B29-F687-4f45-9708-019B960494DF}">
-                <a14:hiddenLine xmlns="" xmlns:a16="http://schemas.microsoft.com/office/drawing/2014/main" xmlns:p14="http://schemas.microsoft.com/office/powerpoint/2010/main" xmlns:a14="http://schemas.microsoft.com/office/drawing/2010/main" w="9525">
+                <a14:hiddenLine xmlns:a14="http://schemas.microsoft.com/office/drawing/2010/main" xmlns:p14="http://schemas.microsoft.com/office/powerpoint/2010/main" xmlns:a16="http://schemas.microsoft.com/office/drawing/2014/main" xmlns="" w="9525">
                   <a:solidFill>
                     <a:srgbClr val="000000"/>
                   </a:solidFill>
@@ -21168,7 +21168,7 @@
             </a:ln>
             <a:extLst>
               <a:ext uri="{91240B29-F687-4f45-9708-019B960494DF}">
-                <a14:hiddenLine xmlns="" xmlns:a16="http://schemas.microsoft.com/office/drawing/2014/main" xmlns:p14="http://schemas.microsoft.com/office/powerpoint/2010/main" xmlns:a14="http://schemas.microsoft.com/office/drawing/2010/main" w="9525">
+                <a14:hiddenLine xmlns:a14="http://schemas.microsoft.com/office/drawing/2010/main" xmlns:p14="http://schemas.microsoft.com/office/powerpoint/2010/main" xmlns:a16="http://schemas.microsoft.com/office/drawing/2014/main" xmlns="" w="9525">
                   <a:solidFill>
                     <a:srgbClr val="000000"/>
                   </a:solidFill>
@@ -21245,7 +21245,7 @@
             </a:ln>
             <a:extLst>
               <a:ext uri="{91240B29-F687-4f45-9708-019B960494DF}">
-                <a14:hiddenLine xmlns="" xmlns:a16="http://schemas.microsoft.com/office/drawing/2014/main" xmlns:p14="http://schemas.microsoft.com/office/powerpoint/2010/main" xmlns:a14="http://schemas.microsoft.com/office/drawing/2010/main" w="9525">
+                <a14:hiddenLine xmlns:a14="http://schemas.microsoft.com/office/drawing/2010/main" xmlns:p14="http://schemas.microsoft.com/office/powerpoint/2010/main" xmlns:a16="http://schemas.microsoft.com/office/drawing/2014/main" xmlns="" w="9525">
                   <a:solidFill>
                     <a:srgbClr val="000000"/>
                   </a:solidFill>
@@ -21350,7 +21350,7 @@
             </a:ln>
             <a:extLst>
               <a:ext uri="{91240B29-F687-4f45-9708-019B960494DF}">
-                <a14:hiddenLine xmlns="" xmlns:a16="http://schemas.microsoft.com/office/drawing/2014/main" xmlns:p14="http://schemas.microsoft.com/office/powerpoint/2010/main" xmlns:a14="http://schemas.microsoft.com/office/drawing/2010/main" w="9525">
+                <a14:hiddenLine xmlns:a14="http://schemas.microsoft.com/office/drawing/2010/main" xmlns:p14="http://schemas.microsoft.com/office/powerpoint/2010/main" xmlns:a16="http://schemas.microsoft.com/office/drawing/2014/main" xmlns="" w="9525">
                   <a:solidFill>
                     <a:srgbClr val="000000"/>
                   </a:solidFill>
@@ -21427,7 +21427,7 @@
             </a:ln>
             <a:extLst>
               <a:ext uri="{91240B29-F687-4f45-9708-019B960494DF}">
-                <a14:hiddenLine xmlns="" xmlns:a16="http://schemas.microsoft.com/office/drawing/2014/main" xmlns:p14="http://schemas.microsoft.com/office/powerpoint/2010/main" xmlns:a14="http://schemas.microsoft.com/office/drawing/2010/main" w="9525">
+                <a14:hiddenLine xmlns:a14="http://schemas.microsoft.com/office/drawing/2010/main" xmlns:p14="http://schemas.microsoft.com/office/powerpoint/2010/main" xmlns:a16="http://schemas.microsoft.com/office/drawing/2014/main" xmlns="" w="9525">
                   <a:solidFill>
                     <a:srgbClr val="000000"/>
                   </a:solidFill>
@@ -21532,7 +21532,7 @@
             </a:ln>
             <a:extLst>
               <a:ext uri="{91240B29-F687-4f45-9708-019B960494DF}">
-                <a14:hiddenLine xmlns="" xmlns:a16="http://schemas.microsoft.com/office/drawing/2014/main" xmlns:p14="http://schemas.microsoft.com/office/powerpoint/2010/main" xmlns:a14="http://schemas.microsoft.com/office/drawing/2010/main" w="9525">
+                <a14:hiddenLine xmlns:a14="http://schemas.microsoft.com/office/drawing/2010/main" xmlns:p14="http://schemas.microsoft.com/office/powerpoint/2010/main" xmlns:a16="http://schemas.microsoft.com/office/drawing/2014/main" xmlns="" w="9525">
                   <a:solidFill>
                     <a:srgbClr val="000000"/>
                   </a:solidFill>
@@ -21609,7 +21609,7 @@
             </a:ln>
             <a:extLst>
               <a:ext uri="{91240B29-F687-4f45-9708-019B960494DF}">
-                <a14:hiddenLine xmlns="" xmlns:a16="http://schemas.microsoft.com/office/drawing/2014/main" xmlns:p14="http://schemas.microsoft.com/office/powerpoint/2010/main" xmlns:a14="http://schemas.microsoft.com/office/drawing/2010/main" w="9525">
+                <a14:hiddenLine xmlns:a14="http://schemas.microsoft.com/office/drawing/2010/main" xmlns:p14="http://schemas.microsoft.com/office/powerpoint/2010/main" xmlns:a16="http://schemas.microsoft.com/office/drawing/2014/main" xmlns="" w="9525">
                   <a:solidFill>
                     <a:srgbClr val="000000"/>
                   </a:solidFill>
@@ -21714,7 +21714,7 @@
             </a:ln>
             <a:extLst>
               <a:ext uri="{91240B29-F687-4f45-9708-019B960494DF}">
-                <a14:hiddenLine xmlns="" xmlns:a16="http://schemas.microsoft.com/office/drawing/2014/main" xmlns:p14="http://schemas.microsoft.com/office/powerpoint/2010/main" xmlns:a14="http://schemas.microsoft.com/office/drawing/2010/main" w="9525">
+                <a14:hiddenLine xmlns:a14="http://schemas.microsoft.com/office/drawing/2010/main" xmlns:p14="http://schemas.microsoft.com/office/powerpoint/2010/main" xmlns:a16="http://schemas.microsoft.com/office/drawing/2014/main" xmlns="" w="9525">
                   <a:solidFill>
                     <a:srgbClr val="000000"/>
                   </a:solidFill>
@@ -21763,7 +21763,7 @@
             </a:ln>
             <a:extLst>
               <a:ext uri="{91240B29-F687-4f45-9708-019B960494DF}">
-                <a14:hiddenLine xmlns="" xmlns:a16="http://schemas.microsoft.com/office/drawing/2014/main" xmlns:p14="http://schemas.microsoft.com/office/powerpoint/2010/main" xmlns:a14="http://schemas.microsoft.com/office/drawing/2010/main" w="9525">
+                <a14:hiddenLine xmlns:a14="http://schemas.microsoft.com/office/drawing/2010/main" xmlns:p14="http://schemas.microsoft.com/office/powerpoint/2010/main" xmlns:a16="http://schemas.microsoft.com/office/drawing/2014/main" xmlns="" w="9525">
                   <a:solidFill>
                     <a:srgbClr val="000000"/>
                   </a:solidFill>
@@ -21843,7 +21843,7 @@
             </a:ln>
             <a:extLst>
               <a:ext uri="{91240B29-F687-4f45-9708-019B960494DF}">
-                <a14:hiddenLine xmlns="" xmlns:a16="http://schemas.microsoft.com/office/drawing/2014/main" xmlns:p14="http://schemas.microsoft.com/office/powerpoint/2010/main" xmlns:a14="http://schemas.microsoft.com/office/drawing/2010/main" w="9525">
+                <a14:hiddenLine xmlns:a14="http://schemas.microsoft.com/office/drawing/2010/main" xmlns:p14="http://schemas.microsoft.com/office/powerpoint/2010/main" xmlns:a16="http://schemas.microsoft.com/office/drawing/2014/main" xmlns="" w="9525">
                   <a:solidFill>
                     <a:srgbClr val="000000"/>
                   </a:solidFill>
@@ -21948,7 +21948,7 @@
             </a:ln>
             <a:extLst>
               <a:ext uri="{91240B29-F687-4f45-9708-019B960494DF}">
-                <a14:hiddenLine xmlns="" xmlns:a16="http://schemas.microsoft.com/office/drawing/2014/main" xmlns:p14="http://schemas.microsoft.com/office/powerpoint/2010/main" xmlns:a14="http://schemas.microsoft.com/office/drawing/2010/main" w="9525">
+                <a14:hiddenLine xmlns:a14="http://schemas.microsoft.com/office/drawing/2010/main" xmlns:p14="http://schemas.microsoft.com/office/powerpoint/2010/main" xmlns:a16="http://schemas.microsoft.com/office/drawing/2014/main" xmlns="" w="9525">
                   <a:solidFill>
                     <a:srgbClr val="000000"/>
                   </a:solidFill>
@@ -22025,7 +22025,7 @@
             </a:ln>
             <a:extLst>
               <a:ext uri="{91240B29-F687-4f45-9708-019B960494DF}">
-                <a14:hiddenLine xmlns="" xmlns:a16="http://schemas.microsoft.com/office/drawing/2014/main" xmlns:p14="http://schemas.microsoft.com/office/powerpoint/2010/main" xmlns:a14="http://schemas.microsoft.com/office/drawing/2010/main" w="9525">
+                <a14:hiddenLine xmlns:a14="http://schemas.microsoft.com/office/drawing/2010/main" xmlns:p14="http://schemas.microsoft.com/office/powerpoint/2010/main" xmlns:a16="http://schemas.microsoft.com/office/drawing/2014/main" xmlns="" w="9525">
                   <a:solidFill>
                     <a:srgbClr val="000000"/>
                   </a:solidFill>
@@ -22130,7 +22130,7 @@
             </a:ln>
             <a:extLst>
               <a:ext uri="{91240B29-F687-4f45-9708-019B960494DF}">
-                <a14:hiddenLine xmlns="" xmlns:a16="http://schemas.microsoft.com/office/drawing/2014/main" xmlns:p14="http://schemas.microsoft.com/office/powerpoint/2010/main" xmlns:a14="http://schemas.microsoft.com/office/drawing/2010/main" w="9525">
+                <a14:hiddenLine xmlns:a14="http://schemas.microsoft.com/office/drawing/2010/main" xmlns:p14="http://schemas.microsoft.com/office/powerpoint/2010/main" xmlns:a16="http://schemas.microsoft.com/office/drawing/2014/main" xmlns="" w="9525">
                   <a:solidFill>
                     <a:srgbClr val="000000"/>
                   </a:solidFill>
@@ -22235,7 +22235,7 @@
             </a:ln>
             <a:extLst>
               <a:ext uri="{91240B29-F687-4f45-9708-019B960494DF}">
-                <a14:hiddenLine xmlns="" xmlns:a16="http://schemas.microsoft.com/office/drawing/2014/main" xmlns:p14="http://schemas.microsoft.com/office/powerpoint/2010/main" xmlns:a14="http://schemas.microsoft.com/office/drawing/2010/main" w="9525">
+                <a14:hiddenLine xmlns:a14="http://schemas.microsoft.com/office/drawing/2010/main" xmlns:p14="http://schemas.microsoft.com/office/powerpoint/2010/main" xmlns:a16="http://schemas.microsoft.com/office/drawing/2014/main" xmlns="" w="9525">
                   <a:solidFill>
                     <a:srgbClr val="000000"/>
                   </a:solidFill>
@@ -22315,7 +22315,7 @@
             </a:ln>
             <a:extLst>
               <a:ext uri="{91240B29-F687-4f45-9708-019B960494DF}">
-                <a14:hiddenLine xmlns="" xmlns:a16="http://schemas.microsoft.com/office/drawing/2014/main" xmlns:p14="http://schemas.microsoft.com/office/powerpoint/2010/main" xmlns:a14="http://schemas.microsoft.com/office/drawing/2010/main" w="9525">
+                <a14:hiddenLine xmlns:a14="http://schemas.microsoft.com/office/drawing/2010/main" xmlns:p14="http://schemas.microsoft.com/office/powerpoint/2010/main" xmlns:a16="http://schemas.microsoft.com/office/drawing/2014/main" xmlns="" w="9525">
                   <a:solidFill>
                     <a:srgbClr val="000000"/>
                   </a:solidFill>
@@ -22392,7 +22392,7 @@
             </a:ln>
             <a:extLst>
               <a:ext uri="{91240B29-F687-4f45-9708-019B960494DF}">
-                <a14:hiddenLine xmlns="" xmlns:a16="http://schemas.microsoft.com/office/drawing/2014/main" xmlns:p14="http://schemas.microsoft.com/office/powerpoint/2010/main" xmlns:a14="http://schemas.microsoft.com/office/drawing/2010/main" w="9525">
+                <a14:hiddenLine xmlns:a14="http://schemas.microsoft.com/office/drawing/2010/main" xmlns:p14="http://schemas.microsoft.com/office/powerpoint/2010/main" xmlns:a16="http://schemas.microsoft.com/office/drawing/2014/main" xmlns="" w="9525">
                   <a:solidFill>
                     <a:srgbClr val="000000"/>
                   </a:solidFill>
@@ -22497,7 +22497,7 @@
             </a:ln>
             <a:extLst>
               <a:ext uri="{91240B29-F687-4f45-9708-019B960494DF}">
-                <a14:hiddenLine xmlns="" xmlns:a16="http://schemas.microsoft.com/office/drawing/2014/main" xmlns:p14="http://schemas.microsoft.com/office/powerpoint/2010/main" xmlns:a14="http://schemas.microsoft.com/office/drawing/2010/main" w="9525">
+                <a14:hiddenLine xmlns:a14="http://schemas.microsoft.com/office/drawing/2010/main" xmlns:p14="http://schemas.microsoft.com/office/powerpoint/2010/main" xmlns:a16="http://schemas.microsoft.com/office/drawing/2014/main" xmlns="" w="9525">
                   <a:solidFill>
                     <a:srgbClr val="000000"/>
                   </a:solidFill>
@@ -22602,7 +22602,7 @@
             </a:ln>
             <a:extLst>
               <a:ext uri="{91240B29-F687-4f45-9708-019B960494DF}">
-                <a14:hiddenLine xmlns="" xmlns:a16="http://schemas.microsoft.com/office/drawing/2014/main" xmlns:p14="http://schemas.microsoft.com/office/powerpoint/2010/main" xmlns:a14="http://schemas.microsoft.com/office/drawing/2010/main" w="9525">
+                <a14:hiddenLine xmlns:a14="http://schemas.microsoft.com/office/drawing/2010/main" xmlns:p14="http://schemas.microsoft.com/office/powerpoint/2010/main" xmlns:a16="http://schemas.microsoft.com/office/drawing/2014/main" xmlns="" w="9525">
                   <a:solidFill>
                     <a:srgbClr val="000000"/>
                   </a:solidFill>
@@ -22679,7 +22679,7 @@
             </a:ln>
             <a:extLst>
               <a:ext uri="{91240B29-F687-4f45-9708-019B960494DF}">
-                <a14:hiddenLine xmlns="" xmlns:a16="http://schemas.microsoft.com/office/drawing/2014/main" xmlns:p14="http://schemas.microsoft.com/office/powerpoint/2010/main" xmlns:a14="http://schemas.microsoft.com/office/drawing/2010/main" w="9525">
+                <a14:hiddenLine xmlns:a14="http://schemas.microsoft.com/office/drawing/2010/main" xmlns:p14="http://schemas.microsoft.com/office/powerpoint/2010/main" xmlns:a16="http://schemas.microsoft.com/office/drawing/2014/main" xmlns="" w="9525">
                   <a:solidFill>
                     <a:srgbClr val="000000"/>
                   </a:solidFill>
@@ -22814,7 +22814,7 @@
             </a:ln>
             <a:extLst>
               <a:ext uri="{91240B29-F687-4f45-9708-019B960494DF}">
-                <a14:hiddenLine xmlns="" xmlns:a16="http://schemas.microsoft.com/office/drawing/2014/main" xmlns:p14="http://schemas.microsoft.com/office/powerpoint/2010/main" xmlns:a14="http://schemas.microsoft.com/office/drawing/2010/main" w="9525">
+                <a14:hiddenLine xmlns:a14="http://schemas.microsoft.com/office/drawing/2010/main" xmlns:p14="http://schemas.microsoft.com/office/powerpoint/2010/main" xmlns:a16="http://schemas.microsoft.com/office/drawing/2014/main" xmlns="" w="9525">
                   <a:solidFill>
                     <a:srgbClr val="000000"/>
                   </a:solidFill>
@@ -22897,7 +22897,7 @@
             </a:ln>
             <a:extLst>
               <a:ext uri="{91240B29-F687-4f45-9708-019B960494DF}">
-                <a14:hiddenLine xmlns="" xmlns:a16="http://schemas.microsoft.com/office/drawing/2014/main" xmlns:p14="http://schemas.microsoft.com/office/powerpoint/2010/main" xmlns:a14="http://schemas.microsoft.com/office/drawing/2010/main" w="9525">
+                <a14:hiddenLine xmlns:a14="http://schemas.microsoft.com/office/drawing/2010/main" xmlns:p14="http://schemas.microsoft.com/office/powerpoint/2010/main" xmlns:a16="http://schemas.microsoft.com/office/drawing/2014/main" xmlns="" w="9525">
                   <a:solidFill>
                     <a:srgbClr val="000000"/>
                   </a:solidFill>
@@ -23002,7 +23002,7 @@
             </a:ln>
             <a:extLst>
               <a:ext uri="{91240B29-F687-4f45-9708-019B960494DF}">
-                <a14:hiddenLine xmlns="" xmlns:a16="http://schemas.microsoft.com/office/drawing/2014/main" xmlns:p14="http://schemas.microsoft.com/office/powerpoint/2010/main" xmlns:a14="http://schemas.microsoft.com/office/drawing/2010/main" w="9525">
+                <a14:hiddenLine xmlns:a14="http://schemas.microsoft.com/office/drawing/2010/main" xmlns:p14="http://schemas.microsoft.com/office/powerpoint/2010/main" xmlns:a16="http://schemas.microsoft.com/office/drawing/2014/main" xmlns="" w="9525">
                   <a:solidFill>
                     <a:srgbClr val="000000"/>
                   </a:solidFill>
@@ -23070,7 +23070,7 @@
           <a:noFill/>
           <a:extLst>
             <a:ext uri="{909E8E84-426E-40dd-AFC4-6F175D3DCCD1}">
-              <a14:hiddenFill xmlns="" xmlns:a16="http://schemas.microsoft.com/office/drawing/2014/main" xmlns:p14="http://schemas.microsoft.com/office/powerpoint/2010/main" xmlns:a14="http://schemas.microsoft.com/office/drawing/2010/main">
+              <a14:hiddenFill xmlns:a14="http://schemas.microsoft.com/office/drawing/2010/main" xmlns:p14="http://schemas.microsoft.com/office/powerpoint/2010/main" xmlns:a16="http://schemas.microsoft.com/office/drawing/2014/main" xmlns="">
                 <a:solidFill>
                   <a:srgbClr val="FFFFFF"/>
                 </a:solidFill>
@@ -23712,7 +23712,7 @@
             </a:ln>
             <a:extLst>
               <a:ext uri="{91240B29-F687-4f45-9708-019B960494DF}">
-                <a14:hiddenLine xmlns="" xmlns:a16="http://schemas.microsoft.com/office/drawing/2014/main" xmlns:p14="http://schemas.microsoft.com/office/powerpoint/2010/main" xmlns:a14="http://schemas.microsoft.com/office/drawing/2010/main" w="9525">
+                <a14:hiddenLine xmlns:a14="http://schemas.microsoft.com/office/drawing/2010/main" xmlns:p14="http://schemas.microsoft.com/office/powerpoint/2010/main" xmlns:a16="http://schemas.microsoft.com/office/drawing/2014/main" xmlns="" w="9525">
                   <a:solidFill>
                     <a:srgbClr val="000000"/>
                   </a:solidFill>
@@ -23817,7 +23817,7 @@
             </a:ln>
             <a:extLst>
               <a:ext uri="{91240B29-F687-4f45-9708-019B960494DF}">
-                <a14:hiddenLine xmlns="" xmlns:a16="http://schemas.microsoft.com/office/drawing/2014/main" xmlns:p14="http://schemas.microsoft.com/office/powerpoint/2010/main" xmlns:a14="http://schemas.microsoft.com/office/drawing/2010/main" w="9525">
+                <a14:hiddenLine xmlns:a14="http://schemas.microsoft.com/office/drawing/2010/main" xmlns:p14="http://schemas.microsoft.com/office/powerpoint/2010/main" xmlns:a16="http://schemas.microsoft.com/office/drawing/2014/main" xmlns="" w="9525">
                   <a:solidFill>
                     <a:srgbClr val="000000"/>
                   </a:solidFill>
@@ -23922,7 +23922,7 @@
             </a:ln>
             <a:extLst>
               <a:ext uri="{91240B29-F687-4f45-9708-019B960494DF}">
-                <a14:hiddenLine xmlns="" xmlns:a16="http://schemas.microsoft.com/office/drawing/2014/main" xmlns:p14="http://schemas.microsoft.com/office/powerpoint/2010/main" xmlns:a14="http://schemas.microsoft.com/office/drawing/2010/main" w="9525">
+                <a14:hiddenLine xmlns:a14="http://schemas.microsoft.com/office/drawing/2010/main" xmlns:p14="http://schemas.microsoft.com/office/powerpoint/2010/main" xmlns:a16="http://schemas.microsoft.com/office/drawing/2014/main" xmlns="" w="9525">
                   <a:solidFill>
                     <a:srgbClr val="000000"/>
                   </a:solidFill>
@@ -23999,7 +23999,7 @@
             </a:ln>
             <a:extLst>
               <a:ext uri="{91240B29-F687-4f45-9708-019B960494DF}">
-                <a14:hiddenLine xmlns="" xmlns:a16="http://schemas.microsoft.com/office/drawing/2014/main" xmlns:p14="http://schemas.microsoft.com/office/powerpoint/2010/main" xmlns:a14="http://schemas.microsoft.com/office/drawing/2010/main" w="9525">
+                <a14:hiddenLine xmlns:a14="http://schemas.microsoft.com/office/drawing/2010/main" xmlns:p14="http://schemas.microsoft.com/office/powerpoint/2010/main" xmlns:a16="http://schemas.microsoft.com/office/drawing/2014/main" xmlns="" w="9525">
                   <a:solidFill>
                     <a:srgbClr val="000000"/>
                   </a:solidFill>
@@ -24104,7 +24104,7 @@
             </a:ln>
             <a:extLst>
               <a:ext uri="{91240B29-F687-4f45-9708-019B960494DF}">
-                <a14:hiddenLine xmlns="" xmlns:a16="http://schemas.microsoft.com/office/drawing/2014/main" xmlns:p14="http://schemas.microsoft.com/office/powerpoint/2010/main" xmlns:a14="http://schemas.microsoft.com/office/drawing/2010/main" w="9525">
+                <a14:hiddenLine xmlns:a14="http://schemas.microsoft.com/office/drawing/2010/main" xmlns:p14="http://schemas.microsoft.com/office/powerpoint/2010/main" xmlns:a16="http://schemas.microsoft.com/office/drawing/2014/main" xmlns="" w="9525">
                   <a:solidFill>
                     <a:srgbClr val="000000"/>
                   </a:solidFill>
@@ -24181,7 +24181,7 @@
             </a:ln>
             <a:extLst>
               <a:ext uri="{91240B29-F687-4f45-9708-019B960494DF}">
-                <a14:hiddenLine xmlns="" xmlns:a16="http://schemas.microsoft.com/office/drawing/2014/main" xmlns:p14="http://schemas.microsoft.com/office/powerpoint/2010/main" xmlns:a14="http://schemas.microsoft.com/office/drawing/2010/main" w="9525">
+                <a14:hiddenLine xmlns:a14="http://schemas.microsoft.com/office/drawing/2010/main" xmlns:p14="http://schemas.microsoft.com/office/powerpoint/2010/main" xmlns:a16="http://schemas.microsoft.com/office/drawing/2014/main" xmlns="" w="9525">
                   <a:solidFill>
                     <a:srgbClr val="000000"/>
                   </a:solidFill>
@@ -24258,7 +24258,7 @@
             </a:ln>
             <a:extLst>
               <a:ext uri="{91240B29-F687-4f45-9708-019B960494DF}">
-                <a14:hiddenLine xmlns="" xmlns:a16="http://schemas.microsoft.com/office/drawing/2014/main" xmlns:p14="http://schemas.microsoft.com/office/powerpoint/2010/main" xmlns:a14="http://schemas.microsoft.com/office/drawing/2010/main" w="9525">
+                <a14:hiddenLine xmlns:a14="http://schemas.microsoft.com/office/drawing/2010/main" xmlns:p14="http://schemas.microsoft.com/office/powerpoint/2010/main" xmlns:a16="http://schemas.microsoft.com/office/drawing/2014/main" xmlns="" w="9525">
                   <a:solidFill>
                     <a:srgbClr val="000000"/>
                   </a:solidFill>
@@ -24363,7 +24363,7 @@
             </a:ln>
             <a:extLst>
               <a:ext uri="{91240B29-F687-4f45-9708-019B960494DF}">
-                <a14:hiddenLine xmlns="" xmlns:a16="http://schemas.microsoft.com/office/drawing/2014/main" xmlns:p14="http://schemas.microsoft.com/office/powerpoint/2010/main" xmlns:a14="http://schemas.microsoft.com/office/drawing/2010/main" w="9525">
+                <a14:hiddenLine xmlns:a14="http://schemas.microsoft.com/office/drawing/2010/main" xmlns:p14="http://schemas.microsoft.com/office/powerpoint/2010/main" xmlns:a16="http://schemas.microsoft.com/office/drawing/2014/main" xmlns="" w="9525">
                   <a:solidFill>
                     <a:srgbClr val="000000"/>
                   </a:solidFill>
@@ -24468,7 +24468,7 @@
             </a:ln>
             <a:extLst>
               <a:ext uri="{91240B29-F687-4f45-9708-019B960494DF}">
-                <a14:hiddenLine xmlns="" xmlns:a16="http://schemas.microsoft.com/office/drawing/2014/main" xmlns:p14="http://schemas.microsoft.com/office/powerpoint/2010/main" xmlns:a14="http://schemas.microsoft.com/office/drawing/2010/main" w="9525">
+                <a14:hiddenLine xmlns:a14="http://schemas.microsoft.com/office/drawing/2010/main" xmlns:p14="http://schemas.microsoft.com/office/powerpoint/2010/main" xmlns:a16="http://schemas.microsoft.com/office/drawing/2014/main" xmlns="" w="9525">
                   <a:solidFill>
                     <a:srgbClr val="000000"/>
                   </a:solidFill>
@@ -24545,7 +24545,7 @@
             </a:ln>
             <a:extLst>
               <a:ext uri="{91240B29-F687-4f45-9708-019B960494DF}">
-                <a14:hiddenLine xmlns="" xmlns:a16="http://schemas.microsoft.com/office/drawing/2014/main" xmlns:p14="http://schemas.microsoft.com/office/powerpoint/2010/main" xmlns:a14="http://schemas.microsoft.com/office/drawing/2010/main" w="9525">
+                <a14:hiddenLine xmlns:a14="http://schemas.microsoft.com/office/drawing/2010/main" xmlns:p14="http://schemas.microsoft.com/office/powerpoint/2010/main" xmlns:a16="http://schemas.microsoft.com/office/drawing/2014/main" xmlns="" w="9525">
                   <a:solidFill>
                     <a:srgbClr val="000000"/>
                   </a:solidFill>
@@ -24670,7 +24670,7 @@
             </a:ln>
             <a:extLst>
               <a:ext uri="{91240B29-F687-4f45-9708-019B960494DF}">
-                <a14:hiddenLine xmlns="" xmlns:a16="http://schemas.microsoft.com/office/drawing/2014/main" xmlns:p14="http://schemas.microsoft.com/office/powerpoint/2010/main" xmlns:a14="http://schemas.microsoft.com/office/drawing/2010/main" w="9525">
+                <a14:hiddenLine xmlns:a14="http://schemas.microsoft.com/office/drawing/2010/main" xmlns:p14="http://schemas.microsoft.com/office/powerpoint/2010/main" xmlns:a16="http://schemas.microsoft.com/office/drawing/2014/main" xmlns="" w="9525">
                   <a:solidFill>
                     <a:srgbClr val="000000"/>
                   </a:solidFill>
@@ -24784,7 +24784,7 @@
             </a:ln>
             <a:extLst>
               <a:ext uri="{91240B29-F687-4f45-9708-019B960494DF}">
-                <a14:hiddenLine xmlns="" xmlns:a16="http://schemas.microsoft.com/office/drawing/2014/main" xmlns:p14="http://schemas.microsoft.com/office/powerpoint/2010/main" xmlns:a14="http://schemas.microsoft.com/office/drawing/2010/main" w="9525">
+                <a14:hiddenLine xmlns:a14="http://schemas.microsoft.com/office/drawing/2010/main" xmlns:p14="http://schemas.microsoft.com/office/powerpoint/2010/main" xmlns:a16="http://schemas.microsoft.com/office/drawing/2014/main" xmlns="" w="9525">
                   <a:solidFill>
                     <a:srgbClr val="000000"/>
                   </a:solidFill>
@@ -24861,7 +24861,7 @@
             </a:ln>
             <a:extLst>
               <a:ext uri="{91240B29-F687-4f45-9708-019B960494DF}">
-                <a14:hiddenLine xmlns="" xmlns:a16="http://schemas.microsoft.com/office/drawing/2014/main" xmlns:p14="http://schemas.microsoft.com/office/powerpoint/2010/main" xmlns:a14="http://schemas.microsoft.com/office/drawing/2010/main" w="9525">
+                <a14:hiddenLine xmlns:a14="http://schemas.microsoft.com/office/drawing/2010/main" xmlns:p14="http://schemas.microsoft.com/office/powerpoint/2010/main" xmlns:a16="http://schemas.microsoft.com/office/drawing/2014/main" xmlns="" w="9525">
                   <a:solidFill>
                     <a:srgbClr val="000000"/>
                   </a:solidFill>
@@ -24938,7 +24938,7 @@
             </a:ln>
             <a:extLst>
               <a:ext uri="{91240B29-F687-4f45-9708-019B960494DF}">
-                <a14:hiddenLine xmlns="" xmlns:a16="http://schemas.microsoft.com/office/drawing/2014/main" xmlns:p14="http://schemas.microsoft.com/office/powerpoint/2010/main" xmlns:a14="http://schemas.microsoft.com/office/drawing/2010/main" w="9525">
+                <a14:hiddenLine xmlns:a14="http://schemas.microsoft.com/office/drawing/2010/main" xmlns:p14="http://schemas.microsoft.com/office/powerpoint/2010/main" xmlns:a16="http://schemas.microsoft.com/office/drawing/2014/main" xmlns="" w="9525">
                   <a:solidFill>
                     <a:srgbClr val="000000"/>
                   </a:solidFill>
@@ -25043,7 +25043,7 @@
             </a:ln>
             <a:extLst>
               <a:ext uri="{91240B29-F687-4f45-9708-019B960494DF}">
-                <a14:hiddenLine xmlns="" xmlns:a16="http://schemas.microsoft.com/office/drawing/2014/main" xmlns:p14="http://schemas.microsoft.com/office/powerpoint/2010/main" xmlns:a14="http://schemas.microsoft.com/office/drawing/2010/main" w="9525">
+                <a14:hiddenLine xmlns:a14="http://schemas.microsoft.com/office/drawing/2010/main" xmlns:p14="http://schemas.microsoft.com/office/powerpoint/2010/main" xmlns:a16="http://schemas.microsoft.com/office/drawing/2014/main" xmlns="" w="9525">
                   <a:solidFill>
                     <a:srgbClr val="000000"/>
                   </a:solidFill>
@@ -25092,7 +25092,7 @@
             </a:ln>
             <a:extLst>
               <a:ext uri="{91240B29-F687-4f45-9708-019B960494DF}">
-                <a14:hiddenLine xmlns="" xmlns:a16="http://schemas.microsoft.com/office/drawing/2014/main" xmlns:p14="http://schemas.microsoft.com/office/powerpoint/2010/main" xmlns:a14="http://schemas.microsoft.com/office/drawing/2010/main" w="9525">
+                <a14:hiddenLine xmlns:a14="http://schemas.microsoft.com/office/drawing/2010/main" xmlns:p14="http://schemas.microsoft.com/office/powerpoint/2010/main" xmlns:a16="http://schemas.microsoft.com/office/drawing/2014/main" xmlns="" w="9525">
                   <a:solidFill>
                     <a:srgbClr val="000000"/>
                   </a:solidFill>
@@ -25172,7 +25172,7 @@
             </a:ln>
             <a:extLst>
               <a:ext uri="{91240B29-F687-4f45-9708-019B960494DF}">
-                <a14:hiddenLine xmlns="" xmlns:a16="http://schemas.microsoft.com/office/drawing/2014/main" xmlns:p14="http://schemas.microsoft.com/office/powerpoint/2010/main" xmlns:a14="http://schemas.microsoft.com/office/drawing/2010/main" w="9525">
+                <a14:hiddenLine xmlns:a14="http://schemas.microsoft.com/office/drawing/2010/main" xmlns:p14="http://schemas.microsoft.com/office/powerpoint/2010/main" xmlns:a16="http://schemas.microsoft.com/office/drawing/2014/main" xmlns="" w="9525">
                   <a:solidFill>
                     <a:srgbClr val="000000"/>
                   </a:solidFill>
@@ -25277,7 +25277,7 @@
             </a:ln>
             <a:extLst>
               <a:ext uri="{91240B29-F687-4f45-9708-019B960494DF}">
-                <a14:hiddenLine xmlns="" xmlns:a16="http://schemas.microsoft.com/office/drawing/2014/main" xmlns:p14="http://schemas.microsoft.com/office/powerpoint/2010/main" xmlns:a14="http://schemas.microsoft.com/office/drawing/2010/main" w="9525">
+                <a14:hiddenLine xmlns:a14="http://schemas.microsoft.com/office/drawing/2010/main" xmlns:p14="http://schemas.microsoft.com/office/powerpoint/2010/main" xmlns:a16="http://schemas.microsoft.com/office/drawing/2014/main" xmlns="" w="9525">
                   <a:solidFill>
                     <a:srgbClr val="000000"/>
                   </a:solidFill>
@@ -25354,7 +25354,7 @@
             </a:ln>
             <a:extLst>
               <a:ext uri="{91240B29-F687-4f45-9708-019B960494DF}">
-                <a14:hiddenLine xmlns="" xmlns:a16="http://schemas.microsoft.com/office/drawing/2014/main" xmlns:p14="http://schemas.microsoft.com/office/powerpoint/2010/main" xmlns:a14="http://schemas.microsoft.com/office/drawing/2010/main" w="9525">
+                <a14:hiddenLine xmlns:a14="http://schemas.microsoft.com/office/drawing/2010/main" xmlns:p14="http://schemas.microsoft.com/office/powerpoint/2010/main" xmlns:a16="http://schemas.microsoft.com/office/drawing/2014/main" xmlns="" w="9525">
                   <a:solidFill>
                     <a:srgbClr val="000000"/>
                   </a:solidFill>
@@ -25459,7 +25459,7 @@
             </a:ln>
             <a:extLst>
               <a:ext uri="{91240B29-F687-4f45-9708-019B960494DF}">
-                <a14:hiddenLine xmlns="" xmlns:a16="http://schemas.microsoft.com/office/drawing/2014/main" xmlns:p14="http://schemas.microsoft.com/office/powerpoint/2010/main" xmlns:a14="http://schemas.microsoft.com/office/drawing/2010/main" w="9525">
+                <a14:hiddenLine xmlns:a14="http://schemas.microsoft.com/office/drawing/2010/main" xmlns:p14="http://schemas.microsoft.com/office/powerpoint/2010/main" xmlns:a16="http://schemas.microsoft.com/office/drawing/2014/main" xmlns="" w="9525">
                   <a:solidFill>
                     <a:srgbClr val="000000"/>
                   </a:solidFill>
@@ -25539,7 +25539,7 @@
             </a:ln>
             <a:extLst>
               <a:ext uri="{91240B29-F687-4f45-9708-019B960494DF}">
-                <a14:hiddenLine xmlns="" xmlns:a16="http://schemas.microsoft.com/office/drawing/2014/main" xmlns:p14="http://schemas.microsoft.com/office/powerpoint/2010/main" xmlns:a14="http://schemas.microsoft.com/office/drawing/2010/main" w="9525">
+                <a14:hiddenLine xmlns:a14="http://schemas.microsoft.com/office/drawing/2010/main" xmlns:p14="http://schemas.microsoft.com/office/powerpoint/2010/main" xmlns:a16="http://schemas.microsoft.com/office/drawing/2014/main" xmlns="" w="9525">
                   <a:solidFill>
                     <a:srgbClr val="000000"/>
                   </a:solidFill>
@@ -25616,7 +25616,7 @@
             </a:ln>
             <a:extLst>
               <a:ext uri="{91240B29-F687-4f45-9708-019B960494DF}">
-                <a14:hiddenLine xmlns="" xmlns:a16="http://schemas.microsoft.com/office/drawing/2014/main" xmlns:p14="http://schemas.microsoft.com/office/powerpoint/2010/main" xmlns:a14="http://schemas.microsoft.com/office/drawing/2010/main" w="9525">
+                <a14:hiddenLine xmlns:a14="http://schemas.microsoft.com/office/drawing/2010/main" xmlns:p14="http://schemas.microsoft.com/office/powerpoint/2010/main" xmlns:a16="http://schemas.microsoft.com/office/drawing/2014/main" xmlns="" w="9525">
                   <a:solidFill>
                     <a:srgbClr val="000000"/>
                   </a:solidFill>
@@ -25721,7 +25721,7 @@
             </a:ln>
             <a:extLst>
               <a:ext uri="{91240B29-F687-4f45-9708-019B960494DF}">
-                <a14:hiddenLine xmlns="" xmlns:a16="http://schemas.microsoft.com/office/drawing/2014/main" xmlns:p14="http://schemas.microsoft.com/office/powerpoint/2010/main" xmlns:a14="http://schemas.microsoft.com/office/drawing/2010/main" w="9525">
+                <a14:hiddenLine xmlns:a14="http://schemas.microsoft.com/office/drawing/2010/main" xmlns:p14="http://schemas.microsoft.com/office/powerpoint/2010/main" xmlns:a16="http://schemas.microsoft.com/office/drawing/2014/main" xmlns="" w="9525">
                   <a:solidFill>
                     <a:srgbClr val="000000"/>
                   </a:solidFill>
@@ -25826,7 +25826,7 @@
             </a:ln>
             <a:extLst>
               <a:ext uri="{91240B29-F687-4f45-9708-019B960494DF}">
-                <a14:hiddenLine xmlns="" xmlns:a16="http://schemas.microsoft.com/office/drawing/2014/main" xmlns:p14="http://schemas.microsoft.com/office/powerpoint/2010/main" xmlns:a14="http://schemas.microsoft.com/office/drawing/2010/main" w="9525">
+                <a14:hiddenLine xmlns:a14="http://schemas.microsoft.com/office/drawing/2010/main" xmlns:p14="http://schemas.microsoft.com/office/powerpoint/2010/main" xmlns:a16="http://schemas.microsoft.com/office/drawing/2014/main" xmlns="" w="9525">
                   <a:solidFill>
                     <a:srgbClr val="000000"/>
                   </a:solidFill>
@@ -25906,7 +25906,7 @@
             </a:ln>
             <a:extLst>
               <a:ext uri="{91240B29-F687-4f45-9708-019B960494DF}">
-                <a14:hiddenLine xmlns="" xmlns:a16="http://schemas.microsoft.com/office/drawing/2014/main" xmlns:p14="http://schemas.microsoft.com/office/powerpoint/2010/main" xmlns:a14="http://schemas.microsoft.com/office/drawing/2010/main" w="9525">
+                <a14:hiddenLine xmlns:a14="http://schemas.microsoft.com/office/drawing/2010/main" xmlns:p14="http://schemas.microsoft.com/office/powerpoint/2010/main" xmlns:a16="http://schemas.microsoft.com/office/drawing/2014/main" xmlns="" w="9525">
                   <a:solidFill>
                     <a:srgbClr val="000000"/>
                   </a:solidFill>
@@ -26041,7 +26041,7 @@
             </a:ln>
             <a:extLst>
               <a:ext uri="{91240B29-F687-4f45-9708-019B960494DF}">
-                <a14:hiddenLine xmlns="" xmlns:a16="http://schemas.microsoft.com/office/drawing/2014/main" xmlns:p14="http://schemas.microsoft.com/office/powerpoint/2010/main" xmlns:a14="http://schemas.microsoft.com/office/drawing/2010/main" w="9525">
+                <a14:hiddenLine xmlns:a14="http://schemas.microsoft.com/office/drawing/2010/main" xmlns:p14="http://schemas.microsoft.com/office/powerpoint/2010/main" xmlns:a16="http://schemas.microsoft.com/office/drawing/2014/main" xmlns="" w="9525">
                   <a:solidFill>
                     <a:srgbClr val="000000"/>
                   </a:solidFill>
@@ -26301,7 +26301,7 @@
             </a:ln>
             <a:extLst>
               <a:ext uri="{91240B29-F687-4f45-9708-019B960494DF}">
-                <a14:hiddenLine xmlns="" xmlns:a16="http://schemas.microsoft.com/office/drawing/2014/main" xmlns:p14="http://schemas.microsoft.com/office/powerpoint/2010/main" xmlns:a14="http://schemas.microsoft.com/office/drawing/2010/main" w="9525">
+                <a14:hiddenLine xmlns:a14="http://schemas.microsoft.com/office/drawing/2010/main" xmlns:p14="http://schemas.microsoft.com/office/powerpoint/2010/main" xmlns:a16="http://schemas.microsoft.com/office/drawing/2014/main" xmlns="" w="9525">
                   <a:solidFill>
                     <a:srgbClr val="000000"/>
                   </a:solidFill>
@@ -26431,7 +26431,7 @@
             </a:ln>
             <a:extLst>
               <a:ext uri="{91240B29-F687-4f45-9708-019B960494DF}">
-                <a14:hiddenLine xmlns="" xmlns:a16="http://schemas.microsoft.com/office/drawing/2014/main" xmlns:p14="http://schemas.microsoft.com/office/powerpoint/2010/main" xmlns:a14="http://schemas.microsoft.com/office/drawing/2010/main" w="9525">
+                <a14:hiddenLine xmlns:a14="http://schemas.microsoft.com/office/drawing/2010/main" xmlns:p14="http://schemas.microsoft.com/office/powerpoint/2010/main" xmlns:a16="http://schemas.microsoft.com/office/drawing/2014/main" xmlns="" w="9525">
                   <a:solidFill>
                     <a:srgbClr val="000000"/>
                   </a:solidFill>
@@ -26536,7 +26536,7 @@
             </a:ln>
             <a:extLst>
               <a:ext uri="{91240B29-F687-4f45-9708-019B960494DF}">
-                <a14:hiddenLine xmlns="" xmlns:a16="http://schemas.microsoft.com/office/drawing/2014/main" xmlns:p14="http://schemas.microsoft.com/office/powerpoint/2010/main" xmlns:a14="http://schemas.microsoft.com/office/drawing/2010/main" w="9525">
+                <a14:hiddenLine xmlns:a14="http://schemas.microsoft.com/office/drawing/2010/main" xmlns:p14="http://schemas.microsoft.com/office/powerpoint/2010/main" xmlns:a16="http://schemas.microsoft.com/office/drawing/2014/main" xmlns="" w="9525">
                   <a:solidFill>
                     <a:srgbClr val="000000"/>
                   </a:solidFill>
@@ -26616,7 +26616,7 @@
             </a:ln>
             <a:extLst>
               <a:ext uri="{91240B29-F687-4f45-9708-019B960494DF}">
-                <a14:hiddenLine xmlns="" xmlns:a16="http://schemas.microsoft.com/office/drawing/2014/main" xmlns:p14="http://schemas.microsoft.com/office/powerpoint/2010/main" xmlns:a14="http://schemas.microsoft.com/office/drawing/2010/main" w="9525">
+                <a14:hiddenLine xmlns:a14="http://schemas.microsoft.com/office/drawing/2010/main" xmlns:p14="http://schemas.microsoft.com/office/powerpoint/2010/main" xmlns:a16="http://schemas.microsoft.com/office/drawing/2014/main" xmlns="" w="9525">
                   <a:solidFill>
                     <a:srgbClr val="000000"/>
                   </a:solidFill>
@@ -26721,7 +26721,7 @@
             </a:ln>
             <a:extLst>
               <a:ext uri="{91240B29-F687-4f45-9708-019B960494DF}">
-                <a14:hiddenLine xmlns="" xmlns:a16="http://schemas.microsoft.com/office/drawing/2014/main" xmlns:p14="http://schemas.microsoft.com/office/powerpoint/2010/main" xmlns:a14="http://schemas.microsoft.com/office/drawing/2010/main" w="9525">
+                <a14:hiddenLine xmlns:a14="http://schemas.microsoft.com/office/drawing/2010/main" xmlns:p14="http://schemas.microsoft.com/office/powerpoint/2010/main" xmlns:a16="http://schemas.microsoft.com/office/drawing/2014/main" xmlns="" w="9525">
                   <a:solidFill>
                     <a:srgbClr val="000000"/>
                   </a:solidFill>
@@ -26804,7 +26804,7 @@
             </a:ln>
             <a:extLst>
               <a:ext uri="{91240B29-F687-4f45-9708-019B960494DF}">
-                <a14:hiddenLine xmlns="" xmlns:a16="http://schemas.microsoft.com/office/drawing/2014/main" xmlns:p14="http://schemas.microsoft.com/office/powerpoint/2010/main" xmlns:a14="http://schemas.microsoft.com/office/drawing/2010/main" w="9525">
+                <a14:hiddenLine xmlns:a14="http://schemas.microsoft.com/office/drawing/2010/main" xmlns:p14="http://schemas.microsoft.com/office/powerpoint/2010/main" xmlns:a16="http://schemas.microsoft.com/office/drawing/2014/main" xmlns="" w="9525">
                   <a:solidFill>
                     <a:srgbClr val="000000"/>
                   </a:solidFill>
@@ -26909,7 +26909,7 @@
             </a:ln>
             <a:extLst>
               <a:ext uri="{91240B29-F687-4f45-9708-019B960494DF}">
-                <a14:hiddenLine xmlns="" xmlns:a16="http://schemas.microsoft.com/office/drawing/2014/main" xmlns:p14="http://schemas.microsoft.com/office/powerpoint/2010/main" xmlns:a14="http://schemas.microsoft.com/office/drawing/2010/main" w="9525">
+                <a14:hiddenLine xmlns:a14="http://schemas.microsoft.com/office/drawing/2010/main" xmlns:p14="http://schemas.microsoft.com/office/powerpoint/2010/main" xmlns:a16="http://schemas.microsoft.com/office/drawing/2014/main" xmlns="" w="9525">
                   <a:solidFill>
                     <a:srgbClr val="000000"/>
                   </a:solidFill>
@@ -26992,7 +26992,7 @@
             </a:ln>
             <a:extLst>
               <a:ext uri="{91240B29-F687-4f45-9708-019B960494DF}">
-                <a14:hiddenLine xmlns="" xmlns:a16="http://schemas.microsoft.com/office/drawing/2014/main" xmlns:p14="http://schemas.microsoft.com/office/powerpoint/2010/main" xmlns:a14="http://schemas.microsoft.com/office/drawing/2010/main" w="9525">
+                <a14:hiddenLine xmlns:a14="http://schemas.microsoft.com/office/drawing/2010/main" xmlns:p14="http://schemas.microsoft.com/office/powerpoint/2010/main" xmlns:a16="http://schemas.microsoft.com/office/drawing/2014/main" xmlns="" w="9525">
                   <a:solidFill>
                     <a:srgbClr val="000000"/>
                   </a:solidFill>
@@ -27097,7 +27097,7 @@
             </a:ln>
             <a:extLst>
               <a:ext uri="{91240B29-F687-4f45-9708-019B960494DF}">
-                <a14:hiddenLine xmlns="" xmlns:a16="http://schemas.microsoft.com/office/drawing/2014/main" xmlns:p14="http://schemas.microsoft.com/office/powerpoint/2010/main" xmlns:a14="http://schemas.microsoft.com/office/drawing/2010/main" w="9525">
+                <a14:hiddenLine xmlns:a14="http://schemas.microsoft.com/office/drawing/2010/main" xmlns:p14="http://schemas.microsoft.com/office/powerpoint/2010/main" xmlns:a16="http://schemas.microsoft.com/office/drawing/2014/main" xmlns="" w="9525">
                   <a:solidFill>
                     <a:srgbClr val="000000"/>
                   </a:solidFill>
@@ -27146,7 +27146,7 @@
             </a:ln>
             <a:extLst>
               <a:ext uri="{91240B29-F687-4f45-9708-019B960494DF}">
-                <a14:hiddenLine xmlns="" xmlns:a16="http://schemas.microsoft.com/office/drawing/2014/main" xmlns:p14="http://schemas.microsoft.com/office/powerpoint/2010/main" xmlns:a14="http://schemas.microsoft.com/office/drawing/2010/main" w="9525">
+                <a14:hiddenLine xmlns:a14="http://schemas.microsoft.com/office/drawing/2010/main" xmlns:p14="http://schemas.microsoft.com/office/powerpoint/2010/main" xmlns:a16="http://schemas.microsoft.com/office/drawing/2014/main" xmlns="" w="9525">
                   <a:solidFill>
                     <a:srgbClr val="000000"/>
                   </a:solidFill>
@@ -28726,33 +28726,1065 @@
       </p:sp>
       <p:sp>
         <p:nvSpPr>
-          <p:cNvPr id="3" name="Marcador de Posição de Conteúdo 2">
+          <p:cNvPr id="4" name="Retângulo 3">
             <a:extLst>
               <a:ext uri="{FF2B5EF4-FFF2-40B4-BE49-F238E27FC236}">
-                <a16:creationId xmlns:a16="http://schemas.microsoft.com/office/drawing/2014/main" id="{30D411BF-C051-406D-AD3D-621A7EDA73D1}"/>
+                <a16:creationId xmlns:a16="http://schemas.microsoft.com/office/drawing/2014/main" id="{7FB8B182-501C-4156-BD4E-E83CA00719CE}"/>
               </a:ext>
             </a:extLst>
           </p:cNvPr>
-          <p:cNvSpPr>
-            <a:spLocks noGrp="1"/>
-          </p:cNvSpPr>
-          <p:nvPr>
-            <p:ph idx="1"/>
-          </p:nvPr>
+          <p:cNvSpPr/>
+          <p:nvPr/>
         </p:nvSpPr>
-        <p:spPr/>
+        <p:spPr>
+          <a:xfrm>
+            <a:off x="5124994" y="1676060"/>
+            <a:ext cx="1489166" cy="574766"/>
+          </a:xfrm>
+          <a:prstGeom prst="rect">
+            <a:avLst/>
+          </a:prstGeom>
+        </p:spPr>
+        <p:style>
+          <a:lnRef idx="2">
+            <a:schemeClr val="dk1"/>
+          </a:lnRef>
+          <a:fillRef idx="1">
+            <a:schemeClr val="lt1"/>
+          </a:fillRef>
+          <a:effectRef idx="0">
+            <a:schemeClr val="dk1"/>
+          </a:effectRef>
+          <a:fontRef idx="minor">
+            <a:schemeClr val="dk1"/>
+          </a:fontRef>
+        </p:style>
         <p:txBody>
-          <a:bodyPr/>
+          <a:bodyPr rtlCol="0" anchor="ctr"/>
           <a:lstStyle/>
           <a:p>
+            <a:pPr algn="ctr"/>
+            <a:r>
+              <a:rPr lang="pt-PT" dirty="0" err="1"/>
+              <a:t>StreamZ</a:t>
+            </a:r>
             <a:endParaRPr lang="pt-PT" dirty="0"/>
           </a:p>
         </p:txBody>
       </p:sp>
+      <p:sp>
+        <p:nvSpPr>
+          <p:cNvPr id="6" name="Retângulo 5">
+            <a:extLst>
+              <a:ext uri="{FF2B5EF4-FFF2-40B4-BE49-F238E27FC236}">
+                <a16:creationId xmlns:a16="http://schemas.microsoft.com/office/drawing/2014/main" id="{D3382DCC-AD0C-49B3-A8C7-51C4B6214D02}"/>
+              </a:ext>
+            </a:extLst>
+          </p:cNvPr>
+          <p:cNvSpPr/>
+          <p:nvPr/>
+        </p:nvSpPr>
+        <p:spPr>
+          <a:xfrm>
+            <a:off x="472151" y="4910796"/>
+            <a:ext cx="1489166" cy="574766"/>
+          </a:xfrm>
+          <a:prstGeom prst="rect">
+            <a:avLst/>
+          </a:prstGeom>
+        </p:spPr>
+        <p:style>
+          <a:lnRef idx="2">
+            <a:schemeClr val="dk1"/>
+          </a:lnRef>
+          <a:fillRef idx="1">
+            <a:schemeClr val="lt1"/>
+          </a:fillRef>
+          <a:effectRef idx="0">
+            <a:schemeClr val="dk1"/>
+          </a:effectRef>
+          <a:fontRef idx="minor">
+            <a:schemeClr val="dk1"/>
+          </a:fontRef>
+        </p:style>
+        <p:txBody>
+          <a:bodyPr rtlCol="0" anchor="ctr"/>
+          <a:lstStyle/>
+          <a:p>
+            <a:pPr algn="ctr"/>
+            <a:r>
+              <a:rPr lang="pt-PT" dirty="0" err="1"/>
+              <a:t>Streamer</a:t>
+            </a:r>
+            <a:endParaRPr lang="pt-PT" dirty="0"/>
+          </a:p>
+        </p:txBody>
+      </p:sp>
+      <p:sp>
+        <p:nvSpPr>
+          <p:cNvPr id="8" name="Retângulo 7">
+            <a:extLst>
+              <a:ext uri="{FF2B5EF4-FFF2-40B4-BE49-F238E27FC236}">
+                <a16:creationId xmlns:a16="http://schemas.microsoft.com/office/drawing/2014/main" id="{D3B4C170-94BE-44A6-A068-26AD30A63541}"/>
+              </a:ext>
+            </a:extLst>
+          </p:cNvPr>
+          <p:cNvSpPr/>
+          <p:nvPr/>
+        </p:nvSpPr>
+        <p:spPr>
+          <a:xfrm>
+            <a:off x="2412277" y="4910796"/>
+            <a:ext cx="1489166" cy="574766"/>
+          </a:xfrm>
+          <a:prstGeom prst="rect">
+            <a:avLst/>
+          </a:prstGeom>
+        </p:spPr>
+        <p:style>
+          <a:lnRef idx="2">
+            <a:schemeClr val="dk1"/>
+          </a:lnRef>
+          <a:fillRef idx="1">
+            <a:schemeClr val="lt1"/>
+          </a:fillRef>
+          <a:effectRef idx="0">
+            <a:schemeClr val="dk1"/>
+          </a:effectRef>
+          <a:fontRef idx="minor">
+            <a:schemeClr val="dk1"/>
+          </a:fontRef>
+        </p:style>
+        <p:txBody>
+          <a:bodyPr rtlCol="0" anchor="ctr"/>
+          <a:lstStyle/>
+          <a:p>
+            <a:pPr algn="ctr"/>
+            <a:r>
+              <a:rPr lang="pt-PT" dirty="0" err="1"/>
+              <a:t>Viewer</a:t>
+            </a:r>
+            <a:endParaRPr lang="pt-PT" dirty="0"/>
+          </a:p>
+        </p:txBody>
+      </p:sp>
+      <p:sp>
+        <p:nvSpPr>
+          <p:cNvPr id="10" name="Retângulo 9">
+            <a:extLst>
+              <a:ext uri="{FF2B5EF4-FFF2-40B4-BE49-F238E27FC236}">
+                <a16:creationId xmlns:a16="http://schemas.microsoft.com/office/drawing/2014/main" id="{4762D349-2DED-4661-8151-ABD3D46CD4F2}"/>
+              </a:ext>
+            </a:extLst>
+          </p:cNvPr>
+          <p:cNvSpPr/>
+          <p:nvPr/>
+        </p:nvSpPr>
+        <p:spPr>
+          <a:xfrm>
+            <a:off x="6174376" y="4910796"/>
+            <a:ext cx="1489166" cy="574766"/>
+          </a:xfrm>
+          <a:prstGeom prst="rect">
+            <a:avLst/>
+          </a:prstGeom>
+        </p:spPr>
+        <p:style>
+          <a:lnRef idx="2">
+            <a:schemeClr val="dk1"/>
+          </a:lnRef>
+          <a:fillRef idx="1">
+            <a:schemeClr val="lt1"/>
+          </a:fillRef>
+          <a:effectRef idx="0">
+            <a:schemeClr val="dk1"/>
+          </a:effectRef>
+          <a:fontRef idx="minor">
+            <a:schemeClr val="dk1"/>
+          </a:fontRef>
+        </p:style>
+        <p:txBody>
+          <a:bodyPr rtlCol="0" anchor="ctr"/>
+          <a:lstStyle/>
+          <a:p>
+            <a:pPr algn="ctr"/>
+            <a:r>
+              <a:rPr lang="pt-PT" dirty="0" err="1"/>
+              <a:t>Public</a:t>
+            </a:r>
+            <a:r>
+              <a:rPr lang="pt-PT" dirty="0"/>
+              <a:t> </a:t>
+            </a:r>
+            <a:r>
+              <a:rPr lang="pt-PT" dirty="0" err="1"/>
+              <a:t>Stream</a:t>
+            </a:r>
+            <a:endParaRPr lang="pt-PT" dirty="0"/>
+          </a:p>
+        </p:txBody>
+      </p:sp>
+      <p:sp>
+        <p:nvSpPr>
+          <p:cNvPr id="12" name="Retângulo 11">
+            <a:extLst>
+              <a:ext uri="{FF2B5EF4-FFF2-40B4-BE49-F238E27FC236}">
+                <a16:creationId xmlns:a16="http://schemas.microsoft.com/office/drawing/2014/main" id="{687CEC0F-959C-46A2-A683-1B05985FCDF4}"/>
+              </a:ext>
+            </a:extLst>
+          </p:cNvPr>
+          <p:cNvSpPr/>
+          <p:nvPr/>
+        </p:nvSpPr>
+        <p:spPr>
+          <a:xfrm>
+            <a:off x="4248699" y="4910796"/>
+            <a:ext cx="1489166" cy="574766"/>
+          </a:xfrm>
+          <a:prstGeom prst="rect">
+            <a:avLst/>
+          </a:prstGeom>
+        </p:spPr>
+        <p:style>
+          <a:lnRef idx="2">
+            <a:schemeClr val="dk1"/>
+          </a:lnRef>
+          <a:fillRef idx="1">
+            <a:schemeClr val="lt1"/>
+          </a:fillRef>
+          <a:effectRef idx="0">
+            <a:schemeClr val="dk1"/>
+          </a:effectRef>
+          <a:fontRef idx="minor">
+            <a:schemeClr val="dk1"/>
+          </a:fontRef>
+        </p:style>
+        <p:txBody>
+          <a:bodyPr rtlCol="0" anchor="ctr"/>
+          <a:lstStyle/>
+          <a:p>
+            <a:pPr algn="ctr"/>
+            <a:r>
+              <a:rPr lang="pt-PT" dirty="0" err="1"/>
+              <a:t>Private</a:t>
+            </a:r>
+            <a:r>
+              <a:rPr lang="pt-PT" dirty="0"/>
+              <a:t> </a:t>
+            </a:r>
+            <a:r>
+              <a:rPr lang="pt-PT" dirty="0" err="1"/>
+              <a:t>Stream</a:t>
+            </a:r>
+            <a:endParaRPr lang="pt-PT" dirty="0"/>
+          </a:p>
+        </p:txBody>
+      </p:sp>
+      <p:sp>
+        <p:nvSpPr>
+          <p:cNvPr id="14" name="Retângulo 13">
+            <a:extLst>
+              <a:ext uri="{FF2B5EF4-FFF2-40B4-BE49-F238E27FC236}">
+                <a16:creationId xmlns:a16="http://schemas.microsoft.com/office/drawing/2014/main" id="{2C2D5436-0677-4D29-8D27-2216355EEB2B}"/>
+              </a:ext>
+            </a:extLst>
+          </p:cNvPr>
+          <p:cNvSpPr/>
+          <p:nvPr/>
+        </p:nvSpPr>
+        <p:spPr>
+          <a:xfrm>
+            <a:off x="5124994" y="3139690"/>
+            <a:ext cx="1489166" cy="574766"/>
+          </a:xfrm>
+          <a:prstGeom prst="rect">
+            <a:avLst/>
+          </a:prstGeom>
+        </p:spPr>
+        <p:style>
+          <a:lnRef idx="2">
+            <a:schemeClr val="dk1"/>
+          </a:lnRef>
+          <a:fillRef idx="1">
+            <a:schemeClr val="lt1"/>
+          </a:fillRef>
+          <a:effectRef idx="0">
+            <a:schemeClr val="dk1"/>
+          </a:effectRef>
+          <a:fontRef idx="minor">
+            <a:schemeClr val="dk1"/>
+          </a:fontRef>
+        </p:style>
+        <p:txBody>
+          <a:bodyPr rtlCol="0" anchor="ctr"/>
+          <a:lstStyle/>
+          <a:p>
+            <a:pPr algn="ctr"/>
+            <a:r>
+              <a:rPr lang="pt-PT" dirty="0" err="1"/>
+              <a:t>Stream</a:t>
+            </a:r>
+            <a:endParaRPr lang="pt-PT" dirty="0"/>
+          </a:p>
+        </p:txBody>
+      </p:sp>
+      <p:sp>
+        <p:nvSpPr>
+          <p:cNvPr id="16" name="Retângulo 15">
+            <a:extLst>
+              <a:ext uri="{FF2B5EF4-FFF2-40B4-BE49-F238E27FC236}">
+                <a16:creationId xmlns:a16="http://schemas.microsoft.com/office/drawing/2014/main" id="{FB712CAB-0CDA-49DB-8F97-CE2A09961C77}"/>
+              </a:ext>
+            </a:extLst>
+          </p:cNvPr>
+          <p:cNvSpPr/>
+          <p:nvPr/>
+        </p:nvSpPr>
+        <p:spPr>
+          <a:xfrm>
+            <a:off x="1537063" y="3141617"/>
+            <a:ext cx="1489166" cy="574766"/>
+          </a:xfrm>
+          <a:prstGeom prst="rect">
+            <a:avLst/>
+          </a:prstGeom>
+        </p:spPr>
+        <p:style>
+          <a:lnRef idx="2">
+            <a:schemeClr val="dk1"/>
+          </a:lnRef>
+          <a:fillRef idx="1">
+            <a:schemeClr val="lt1"/>
+          </a:fillRef>
+          <a:effectRef idx="0">
+            <a:schemeClr val="dk1"/>
+          </a:effectRef>
+          <a:fontRef idx="minor">
+            <a:schemeClr val="dk1"/>
+          </a:fontRef>
+        </p:style>
+        <p:txBody>
+          <a:bodyPr rtlCol="0" anchor="ctr"/>
+          <a:lstStyle/>
+          <a:p>
+            <a:pPr algn="ctr"/>
+            <a:r>
+              <a:rPr lang="pt-PT" dirty="0" err="1"/>
+              <a:t>User</a:t>
+            </a:r>
+            <a:endParaRPr lang="pt-PT" dirty="0"/>
+          </a:p>
+        </p:txBody>
+      </p:sp>
+      <p:sp>
+        <p:nvSpPr>
+          <p:cNvPr id="18" name="Retângulo 17">
+            <a:extLst>
+              <a:ext uri="{FF2B5EF4-FFF2-40B4-BE49-F238E27FC236}">
+                <a16:creationId xmlns:a16="http://schemas.microsoft.com/office/drawing/2014/main" id="{AFAD0CBB-CFF9-43BF-AD9F-DDB89854E75A}"/>
+              </a:ext>
+            </a:extLst>
+          </p:cNvPr>
+          <p:cNvSpPr/>
+          <p:nvPr/>
+        </p:nvSpPr>
+        <p:spPr>
+          <a:xfrm>
+            <a:off x="8712925" y="3139690"/>
+            <a:ext cx="1489166" cy="574766"/>
+          </a:xfrm>
+          <a:prstGeom prst="rect">
+            <a:avLst/>
+          </a:prstGeom>
+        </p:spPr>
+        <p:style>
+          <a:lnRef idx="2">
+            <a:schemeClr val="dk1"/>
+          </a:lnRef>
+          <a:fillRef idx="1">
+            <a:schemeClr val="lt1"/>
+          </a:fillRef>
+          <a:effectRef idx="0">
+            <a:schemeClr val="dk1"/>
+          </a:effectRef>
+          <a:fontRef idx="minor">
+            <a:schemeClr val="dk1"/>
+          </a:fontRef>
+        </p:style>
+        <p:txBody>
+          <a:bodyPr rtlCol="0" anchor="ctr"/>
+          <a:lstStyle/>
+          <a:p>
+            <a:pPr algn="ctr"/>
+            <a:r>
+              <a:rPr lang="pt-PT" dirty="0" err="1"/>
+              <a:t>Admin</a:t>
+            </a:r>
+            <a:endParaRPr lang="pt-PT" dirty="0"/>
+          </a:p>
+        </p:txBody>
+      </p:sp>
+      <p:cxnSp>
+        <p:nvCxnSpPr>
+          <p:cNvPr id="20" name="Conexão reta 19">
+            <a:extLst>
+              <a:ext uri="{FF2B5EF4-FFF2-40B4-BE49-F238E27FC236}">
+                <a16:creationId xmlns:a16="http://schemas.microsoft.com/office/drawing/2014/main" id="{348FE9D3-20B0-4A4C-A958-87DE582D6E7C}"/>
+              </a:ext>
+            </a:extLst>
+          </p:cNvPr>
+          <p:cNvCxnSpPr>
+            <a:stCxn id="4" idx="2"/>
+          </p:cNvCxnSpPr>
+          <p:nvPr/>
+        </p:nvCxnSpPr>
+        <p:spPr>
+          <a:xfrm>
+            <a:off x="5869577" y="2250826"/>
+            <a:ext cx="0" cy="448831"/>
+          </a:xfrm>
+          <a:prstGeom prst="line">
+            <a:avLst/>
+          </a:prstGeom>
+        </p:spPr>
+        <p:style>
+          <a:lnRef idx="2">
+            <a:schemeClr val="accent2"/>
+          </a:lnRef>
+          <a:fillRef idx="0">
+            <a:schemeClr val="accent2"/>
+          </a:fillRef>
+          <a:effectRef idx="1">
+            <a:schemeClr val="accent2"/>
+          </a:effectRef>
+          <a:fontRef idx="minor">
+            <a:schemeClr val="tx1"/>
+          </a:fontRef>
+        </p:style>
+      </p:cxnSp>
+      <p:cxnSp>
+        <p:nvCxnSpPr>
+          <p:cNvPr id="22" name="Conexão reta 21">
+            <a:extLst>
+              <a:ext uri="{FF2B5EF4-FFF2-40B4-BE49-F238E27FC236}">
+                <a16:creationId xmlns:a16="http://schemas.microsoft.com/office/drawing/2014/main" id="{CEB4F359-5DC3-4161-BFCB-21054FBBAECF}"/>
+              </a:ext>
+            </a:extLst>
+          </p:cNvPr>
+          <p:cNvCxnSpPr>
+            <a:cxnSpLocks/>
+          </p:cNvCxnSpPr>
+          <p:nvPr/>
+        </p:nvCxnSpPr>
+        <p:spPr>
+          <a:xfrm>
+            <a:off x="5873931" y="2673194"/>
+            <a:ext cx="0" cy="448831"/>
+          </a:xfrm>
+          <a:prstGeom prst="line">
+            <a:avLst/>
+          </a:prstGeom>
+        </p:spPr>
+        <p:style>
+          <a:lnRef idx="2">
+            <a:schemeClr val="accent2"/>
+          </a:lnRef>
+          <a:fillRef idx="0">
+            <a:schemeClr val="accent2"/>
+          </a:fillRef>
+          <a:effectRef idx="1">
+            <a:schemeClr val="accent2"/>
+          </a:effectRef>
+          <a:fontRef idx="minor">
+            <a:schemeClr val="tx1"/>
+          </a:fontRef>
+        </p:style>
+      </p:cxnSp>
+      <p:cxnSp>
+        <p:nvCxnSpPr>
+          <p:cNvPr id="24" name="Conexão reta 23">
+            <a:extLst>
+              <a:ext uri="{FF2B5EF4-FFF2-40B4-BE49-F238E27FC236}">
+                <a16:creationId xmlns:a16="http://schemas.microsoft.com/office/drawing/2014/main" id="{0192C01A-3CF4-409F-85F6-F58C70243001}"/>
+              </a:ext>
+            </a:extLst>
+          </p:cNvPr>
+          <p:cNvCxnSpPr>
+            <a:cxnSpLocks/>
+          </p:cNvCxnSpPr>
+          <p:nvPr/>
+        </p:nvCxnSpPr>
+        <p:spPr>
+          <a:xfrm>
+            <a:off x="5869577" y="2708026"/>
+            <a:ext cx="3587931" cy="0"/>
+          </a:xfrm>
+          <a:prstGeom prst="line">
+            <a:avLst/>
+          </a:prstGeom>
+        </p:spPr>
+        <p:style>
+          <a:lnRef idx="2">
+            <a:schemeClr val="accent2"/>
+          </a:lnRef>
+          <a:fillRef idx="0">
+            <a:schemeClr val="accent2"/>
+          </a:fillRef>
+          <a:effectRef idx="1">
+            <a:schemeClr val="accent2"/>
+          </a:effectRef>
+          <a:fontRef idx="minor">
+            <a:schemeClr val="tx1"/>
+          </a:fontRef>
+        </p:style>
+      </p:cxnSp>
+      <p:cxnSp>
+        <p:nvCxnSpPr>
+          <p:cNvPr id="29" name="Conexão reta 28">
+            <a:extLst>
+              <a:ext uri="{FF2B5EF4-FFF2-40B4-BE49-F238E27FC236}">
+                <a16:creationId xmlns:a16="http://schemas.microsoft.com/office/drawing/2014/main" id="{3B022947-F70E-4681-9566-264FC1909D01}"/>
+              </a:ext>
+            </a:extLst>
+          </p:cNvPr>
+          <p:cNvCxnSpPr>
+            <a:cxnSpLocks/>
+          </p:cNvCxnSpPr>
+          <p:nvPr/>
+        </p:nvCxnSpPr>
+        <p:spPr>
+          <a:xfrm>
+            <a:off x="2271056" y="2708026"/>
+            <a:ext cx="3587931" cy="0"/>
+          </a:xfrm>
+          <a:prstGeom prst="line">
+            <a:avLst/>
+          </a:prstGeom>
+        </p:spPr>
+        <p:style>
+          <a:lnRef idx="2">
+            <a:schemeClr val="accent2"/>
+          </a:lnRef>
+          <a:fillRef idx="0">
+            <a:schemeClr val="accent2"/>
+          </a:fillRef>
+          <a:effectRef idx="1">
+            <a:schemeClr val="accent2"/>
+          </a:effectRef>
+          <a:fontRef idx="minor">
+            <a:schemeClr val="tx1"/>
+          </a:fontRef>
+        </p:style>
+      </p:cxnSp>
+      <p:cxnSp>
+        <p:nvCxnSpPr>
+          <p:cNvPr id="31" name="Conexão reta 30">
+            <a:extLst>
+              <a:ext uri="{FF2B5EF4-FFF2-40B4-BE49-F238E27FC236}">
+                <a16:creationId xmlns:a16="http://schemas.microsoft.com/office/drawing/2014/main" id="{30A5EFAC-BE96-484C-A686-EFE987400AF6}"/>
+              </a:ext>
+            </a:extLst>
+          </p:cNvPr>
+          <p:cNvCxnSpPr>
+            <a:cxnSpLocks/>
+          </p:cNvCxnSpPr>
+          <p:nvPr/>
+        </p:nvCxnSpPr>
+        <p:spPr>
+          <a:xfrm>
+            <a:off x="2281646" y="2699657"/>
+            <a:ext cx="0" cy="448831"/>
+          </a:xfrm>
+          <a:prstGeom prst="line">
+            <a:avLst/>
+          </a:prstGeom>
+        </p:spPr>
+        <p:style>
+          <a:lnRef idx="2">
+            <a:schemeClr val="accent2"/>
+          </a:lnRef>
+          <a:fillRef idx="0">
+            <a:schemeClr val="accent2"/>
+          </a:fillRef>
+          <a:effectRef idx="1">
+            <a:schemeClr val="accent2"/>
+          </a:effectRef>
+          <a:fontRef idx="minor">
+            <a:schemeClr val="tx1"/>
+          </a:fontRef>
+        </p:style>
+      </p:cxnSp>
+      <p:cxnSp>
+        <p:nvCxnSpPr>
+          <p:cNvPr id="33" name="Conexão reta 32">
+            <a:extLst>
+              <a:ext uri="{FF2B5EF4-FFF2-40B4-BE49-F238E27FC236}">
+                <a16:creationId xmlns:a16="http://schemas.microsoft.com/office/drawing/2014/main" id="{305A3E0C-A311-4F31-A302-782C4C0A770C}"/>
+              </a:ext>
+            </a:extLst>
+          </p:cNvPr>
+          <p:cNvCxnSpPr>
+            <a:cxnSpLocks/>
+          </p:cNvCxnSpPr>
+          <p:nvPr/>
+        </p:nvCxnSpPr>
+        <p:spPr>
+          <a:xfrm>
+            <a:off x="9448799" y="2708026"/>
+            <a:ext cx="0" cy="448831"/>
+          </a:xfrm>
+          <a:prstGeom prst="line">
+            <a:avLst/>
+          </a:prstGeom>
+        </p:spPr>
+        <p:style>
+          <a:lnRef idx="2">
+            <a:schemeClr val="accent2"/>
+          </a:lnRef>
+          <a:fillRef idx="0">
+            <a:schemeClr val="accent2"/>
+          </a:fillRef>
+          <a:effectRef idx="1">
+            <a:schemeClr val="accent2"/>
+          </a:effectRef>
+          <a:fontRef idx="minor">
+            <a:schemeClr val="tx1"/>
+          </a:fontRef>
+        </p:style>
+      </p:cxnSp>
+      <p:cxnSp>
+        <p:nvCxnSpPr>
+          <p:cNvPr id="35" name="Conexão reta 34">
+            <a:extLst>
+              <a:ext uri="{FF2B5EF4-FFF2-40B4-BE49-F238E27FC236}">
+                <a16:creationId xmlns:a16="http://schemas.microsoft.com/office/drawing/2014/main" id="{DF38A25C-97EC-42C8-8AD3-965E54D7386B}"/>
+              </a:ext>
+            </a:extLst>
+          </p:cNvPr>
+          <p:cNvCxnSpPr>
+            <a:cxnSpLocks/>
+          </p:cNvCxnSpPr>
+          <p:nvPr/>
+        </p:nvCxnSpPr>
+        <p:spPr>
+          <a:xfrm>
+            <a:off x="2281646" y="3714456"/>
+            <a:ext cx="0" cy="639830"/>
+          </a:xfrm>
+          <a:prstGeom prst="line">
+            <a:avLst/>
+          </a:prstGeom>
+        </p:spPr>
+        <p:style>
+          <a:lnRef idx="2">
+            <a:schemeClr val="accent2"/>
+          </a:lnRef>
+          <a:fillRef idx="0">
+            <a:schemeClr val="accent2"/>
+          </a:fillRef>
+          <a:effectRef idx="1">
+            <a:schemeClr val="accent2"/>
+          </a:effectRef>
+          <a:fontRef idx="minor">
+            <a:schemeClr val="tx1"/>
+          </a:fontRef>
+        </p:style>
+      </p:cxnSp>
+      <p:cxnSp>
+        <p:nvCxnSpPr>
+          <p:cNvPr id="37" name="Conexão reta 36">
+            <a:extLst>
+              <a:ext uri="{FF2B5EF4-FFF2-40B4-BE49-F238E27FC236}">
+                <a16:creationId xmlns:a16="http://schemas.microsoft.com/office/drawing/2014/main" id="{CFD53AE3-863E-4A97-92FF-62DFD1ABFDC8}"/>
+              </a:ext>
+            </a:extLst>
+          </p:cNvPr>
+          <p:cNvCxnSpPr>
+            <a:cxnSpLocks/>
+          </p:cNvCxnSpPr>
+          <p:nvPr/>
+        </p:nvCxnSpPr>
+        <p:spPr>
+          <a:xfrm flipV="1">
+            <a:off x="1297577" y="4350189"/>
+            <a:ext cx="1859283" cy="4097"/>
+          </a:xfrm>
+          <a:prstGeom prst="line">
+            <a:avLst/>
+          </a:prstGeom>
+        </p:spPr>
+        <p:style>
+          <a:lnRef idx="2">
+            <a:schemeClr val="accent2"/>
+          </a:lnRef>
+          <a:fillRef idx="0">
+            <a:schemeClr val="accent2"/>
+          </a:fillRef>
+          <a:effectRef idx="1">
+            <a:schemeClr val="accent2"/>
+          </a:effectRef>
+          <a:fontRef idx="minor">
+            <a:schemeClr val="tx1"/>
+          </a:fontRef>
+        </p:style>
+      </p:cxnSp>
+      <p:cxnSp>
+        <p:nvCxnSpPr>
+          <p:cNvPr id="43" name="Conexão reta 42">
+            <a:extLst>
+              <a:ext uri="{FF2B5EF4-FFF2-40B4-BE49-F238E27FC236}">
+                <a16:creationId xmlns:a16="http://schemas.microsoft.com/office/drawing/2014/main" id="{1C81F17B-D258-45B8-B10D-3201F07ED1BE}"/>
+              </a:ext>
+            </a:extLst>
+          </p:cNvPr>
+          <p:cNvCxnSpPr>
+            <a:cxnSpLocks/>
+          </p:cNvCxnSpPr>
+          <p:nvPr/>
+        </p:nvCxnSpPr>
+        <p:spPr>
+          <a:xfrm>
+            <a:off x="1306286" y="4341480"/>
+            <a:ext cx="0" cy="569316"/>
+          </a:xfrm>
+          <a:prstGeom prst="line">
+            <a:avLst/>
+          </a:prstGeom>
+        </p:spPr>
+        <p:style>
+          <a:lnRef idx="2">
+            <a:schemeClr val="accent2"/>
+          </a:lnRef>
+          <a:fillRef idx="0">
+            <a:schemeClr val="accent2"/>
+          </a:fillRef>
+          <a:effectRef idx="1">
+            <a:schemeClr val="accent2"/>
+          </a:effectRef>
+          <a:fontRef idx="minor">
+            <a:schemeClr val="tx1"/>
+          </a:fontRef>
+        </p:style>
+      </p:cxnSp>
+      <p:cxnSp>
+        <p:nvCxnSpPr>
+          <p:cNvPr id="46" name="Conexão reta 45">
+            <a:extLst>
+              <a:ext uri="{FF2B5EF4-FFF2-40B4-BE49-F238E27FC236}">
+                <a16:creationId xmlns:a16="http://schemas.microsoft.com/office/drawing/2014/main" id="{826C81E7-560D-41EA-ABC2-8752494B2BDA}"/>
+              </a:ext>
+            </a:extLst>
+          </p:cNvPr>
+          <p:cNvCxnSpPr>
+            <a:cxnSpLocks/>
+          </p:cNvCxnSpPr>
+          <p:nvPr/>
+        </p:nvCxnSpPr>
+        <p:spPr>
+          <a:xfrm>
+            <a:off x="3152506" y="4341480"/>
+            <a:ext cx="0" cy="569316"/>
+          </a:xfrm>
+          <a:prstGeom prst="line">
+            <a:avLst/>
+          </a:prstGeom>
+        </p:spPr>
+        <p:style>
+          <a:lnRef idx="2">
+            <a:schemeClr val="accent2"/>
+          </a:lnRef>
+          <a:fillRef idx="0">
+            <a:schemeClr val="accent2"/>
+          </a:fillRef>
+          <a:effectRef idx="1">
+            <a:schemeClr val="accent2"/>
+          </a:effectRef>
+          <a:fontRef idx="minor">
+            <a:schemeClr val="tx1"/>
+          </a:fontRef>
+        </p:style>
+      </p:cxnSp>
+      <p:cxnSp>
+        <p:nvCxnSpPr>
+          <p:cNvPr id="48" name="Conexão reta 47">
+            <a:extLst>
+              <a:ext uri="{FF2B5EF4-FFF2-40B4-BE49-F238E27FC236}">
+                <a16:creationId xmlns:a16="http://schemas.microsoft.com/office/drawing/2014/main" id="{62AABB42-971E-4878-ACEC-E5F7F4398777}"/>
+              </a:ext>
+            </a:extLst>
+          </p:cNvPr>
+          <p:cNvCxnSpPr>
+            <a:cxnSpLocks/>
+          </p:cNvCxnSpPr>
+          <p:nvPr/>
+        </p:nvCxnSpPr>
+        <p:spPr>
+          <a:xfrm>
+            <a:off x="4980219" y="4358642"/>
+            <a:ext cx="1936276" cy="0"/>
+          </a:xfrm>
+          <a:prstGeom prst="line">
+            <a:avLst/>
+          </a:prstGeom>
+        </p:spPr>
+        <p:style>
+          <a:lnRef idx="2">
+            <a:schemeClr val="accent2"/>
+          </a:lnRef>
+          <a:fillRef idx="0">
+            <a:schemeClr val="accent2"/>
+          </a:fillRef>
+          <a:effectRef idx="1">
+            <a:schemeClr val="accent2"/>
+          </a:effectRef>
+          <a:fontRef idx="minor">
+            <a:schemeClr val="tx1"/>
+          </a:fontRef>
+        </p:style>
+      </p:cxnSp>
+      <p:cxnSp>
+        <p:nvCxnSpPr>
+          <p:cNvPr id="50" name="Conexão reta 49">
+            <a:extLst>
+              <a:ext uri="{FF2B5EF4-FFF2-40B4-BE49-F238E27FC236}">
+                <a16:creationId xmlns:a16="http://schemas.microsoft.com/office/drawing/2014/main" id="{70C92226-2BAC-4A05-8A94-1EFCE29BE354}"/>
+              </a:ext>
+            </a:extLst>
+          </p:cNvPr>
+          <p:cNvCxnSpPr>
+            <a:cxnSpLocks/>
+          </p:cNvCxnSpPr>
+          <p:nvPr/>
+        </p:nvCxnSpPr>
+        <p:spPr>
+          <a:xfrm>
+            <a:off x="5869879" y="3718812"/>
+            <a:ext cx="0" cy="639830"/>
+          </a:xfrm>
+          <a:prstGeom prst="line">
+            <a:avLst/>
+          </a:prstGeom>
+        </p:spPr>
+        <p:style>
+          <a:lnRef idx="2">
+            <a:schemeClr val="accent2"/>
+          </a:lnRef>
+          <a:fillRef idx="0">
+            <a:schemeClr val="accent2"/>
+          </a:fillRef>
+          <a:effectRef idx="1">
+            <a:schemeClr val="accent2"/>
+          </a:effectRef>
+          <a:fontRef idx="minor">
+            <a:schemeClr val="tx1"/>
+          </a:fontRef>
+        </p:style>
+      </p:cxnSp>
+      <p:cxnSp>
+        <p:nvCxnSpPr>
+          <p:cNvPr id="52" name="Conexão reta 51">
+            <a:extLst>
+              <a:ext uri="{FF2B5EF4-FFF2-40B4-BE49-F238E27FC236}">
+                <a16:creationId xmlns:a16="http://schemas.microsoft.com/office/drawing/2014/main" id="{AEB41259-631D-4691-A8EA-6C4428B542A6}"/>
+              </a:ext>
+            </a:extLst>
+          </p:cNvPr>
+          <p:cNvCxnSpPr>
+            <a:cxnSpLocks/>
+            <a:endCxn id="12" idx="0"/>
+          </p:cNvCxnSpPr>
+          <p:nvPr/>
+        </p:nvCxnSpPr>
+        <p:spPr>
+          <a:xfrm>
+            <a:off x="4993282" y="4350189"/>
+            <a:ext cx="0" cy="560607"/>
+          </a:xfrm>
+          <a:prstGeom prst="line">
+            <a:avLst/>
+          </a:prstGeom>
+        </p:spPr>
+        <p:style>
+          <a:lnRef idx="2">
+            <a:schemeClr val="accent2"/>
+          </a:lnRef>
+          <a:fillRef idx="0">
+            <a:schemeClr val="accent2"/>
+          </a:fillRef>
+          <a:effectRef idx="1">
+            <a:schemeClr val="accent2"/>
+          </a:effectRef>
+          <a:fontRef idx="minor">
+            <a:schemeClr val="tx1"/>
+          </a:fontRef>
+        </p:style>
+      </p:cxnSp>
+      <p:cxnSp>
+        <p:nvCxnSpPr>
+          <p:cNvPr id="59" name="Conexão reta 58">
+            <a:extLst>
+              <a:ext uri="{FF2B5EF4-FFF2-40B4-BE49-F238E27FC236}">
+                <a16:creationId xmlns:a16="http://schemas.microsoft.com/office/drawing/2014/main" id="{D59AD5D9-95C6-49D9-9EAC-3D95A2EC74C5}"/>
+              </a:ext>
+            </a:extLst>
+          </p:cNvPr>
+          <p:cNvCxnSpPr>
+            <a:cxnSpLocks/>
+          </p:cNvCxnSpPr>
+          <p:nvPr/>
+        </p:nvCxnSpPr>
+        <p:spPr>
+          <a:xfrm>
+            <a:off x="6918959" y="4351947"/>
+            <a:ext cx="4354" cy="569316"/>
+          </a:xfrm>
+          <a:prstGeom prst="line">
+            <a:avLst/>
+          </a:prstGeom>
+        </p:spPr>
+        <p:style>
+          <a:lnRef idx="2">
+            <a:schemeClr val="accent2"/>
+          </a:lnRef>
+          <a:fillRef idx="0">
+            <a:schemeClr val="accent2"/>
+          </a:fillRef>
+          <a:effectRef idx="1">
+            <a:schemeClr val="accent2"/>
+          </a:effectRef>
+          <a:fontRef idx="minor">
+            <a:schemeClr val="tx1"/>
+          </a:fontRef>
+        </p:style>
+      </p:cxnSp>
+      <p:sp>
+        <p:nvSpPr>
+          <p:cNvPr id="65" name="Retângulo 64">
+            <a:extLst>
+              <a:ext uri="{FF2B5EF4-FFF2-40B4-BE49-F238E27FC236}">
+                <a16:creationId xmlns:a16="http://schemas.microsoft.com/office/drawing/2014/main" id="{D8167E74-48FE-4E00-900D-F2A868C4A62B}"/>
+              </a:ext>
+            </a:extLst>
+          </p:cNvPr>
+          <p:cNvSpPr/>
+          <p:nvPr/>
+        </p:nvSpPr>
+        <p:spPr>
+          <a:xfrm>
+            <a:off x="3603765" y="3225379"/>
+            <a:ext cx="933402" cy="407242"/>
+          </a:xfrm>
+          <a:prstGeom prst="rect">
+            <a:avLst/>
+          </a:prstGeom>
+        </p:spPr>
+        <p:style>
+          <a:lnRef idx="2">
+            <a:schemeClr val="dk1"/>
+          </a:lnRef>
+          <a:fillRef idx="1">
+            <a:schemeClr val="lt1"/>
+          </a:fillRef>
+          <a:effectRef idx="0">
+            <a:schemeClr val="dk1"/>
+          </a:effectRef>
+          <a:fontRef idx="minor">
+            <a:schemeClr val="dk1"/>
+          </a:fontRef>
+        </p:style>
+        <p:txBody>
+          <a:bodyPr rtlCol="0" anchor="ctr"/>
+          <a:lstStyle/>
+          <a:p>
+            <a:pPr algn="ctr"/>
+            <a:r>
+              <a:rPr lang="pt-PT" dirty="0"/>
+              <a:t>Date</a:t>
+            </a:r>
+          </a:p>
+        </p:txBody>
+      </p:sp>
+      <p:cxnSp>
+        <p:nvCxnSpPr>
+          <p:cNvPr id="67" name="Conexão reta 66">
+            <a:extLst>
+              <a:ext uri="{FF2B5EF4-FFF2-40B4-BE49-F238E27FC236}">
+                <a16:creationId xmlns:a16="http://schemas.microsoft.com/office/drawing/2014/main" id="{DF3C6FC8-5457-44C7-966D-64BE6413510C}"/>
+              </a:ext>
+            </a:extLst>
+          </p:cNvPr>
+          <p:cNvCxnSpPr>
+            <a:cxnSpLocks/>
+            <a:endCxn id="65" idx="1"/>
+          </p:cNvCxnSpPr>
+          <p:nvPr/>
+        </p:nvCxnSpPr>
+        <p:spPr>
+          <a:xfrm>
+            <a:off x="3026229" y="3427075"/>
+            <a:ext cx="577536" cy="1925"/>
+          </a:xfrm>
+          <a:prstGeom prst="line">
+            <a:avLst/>
+          </a:prstGeom>
+        </p:spPr>
+        <p:style>
+          <a:lnRef idx="2">
+            <a:schemeClr val="accent2"/>
+          </a:lnRef>
+          <a:fillRef idx="0">
+            <a:schemeClr val="accent2"/>
+          </a:fillRef>
+          <a:effectRef idx="1">
+            <a:schemeClr val="accent2"/>
+          </a:effectRef>
+          <a:fontRef idx="minor">
+            <a:schemeClr val="tx1"/>
+          </a:fontRef>
+        </p:style>
+      </p:cxnSp>
+      <p:cxnSp>
+        <p:nvCxnSpPr>
+          <p:cNvPr id="71" name="Conexão reta 70">
+            <a:extLst>
+              <a:ext uri="{FF2B5EF4-FFF2-40B4-BE49-F238E27FC236}">
+                <a16:creationId xmlns:a16="http://schemas.microsoft.com/office/drawing/2014/main" id="{C86609B0-D3AA-432E-838B-55AD62CF85CA}"/>
+              </a:ext>
+            </a:extLst>
+          </p:cNvPr>
+          <p:cNvCxnSpPr>
+            <a:cxnSpLocks/>
+          </p:cNvCxnSpPr>
+          <p:nvPr/>
+        </p:nvCxnSpPr>
+        <p:spPr>
+          <a:xfrm>
+            <a:off x="4547458" y="3427073"/>
+            <a:ext cx="577536" cy="1925"/>
+          </a:xfrm>
+          <a:prstGeom prst="line">
+            <a:avLst/>
+          </a:prstGeom>
+        </p:spPr>
+        <p:style>
+          <a:lnRef idx="2">
+            <a:schemeClr val="accent2"/>
+          </a:lnRef>
+          <a:fillRef idx="0">
+            <a:schemeClr val="accent2"/>
+          </a:fillRef>
+          <a:effectRef idx="1">
+            <a:schemeClr val="accent2"/>
+          </a:effectRef>
+          <a:fontRef idx="minor">
+            <a:schemeClr val="tx1"/>
+          </a:fontRef>
+        </p:style>
+      </p:cxnSp>
     </p:spTree>
     <p:extLst>
       <p:ext uri="{BB962C8B-B14F-4D97-AF65-F5344CB8AC3E}">
-        <p14:creationId xmlns:p14="http://schemas.microsoft.com/office/powerpoint/2010/main" val="2701239769"/>
+        <p14:creationId xmlns:p14="http://schemas.microsoft.com/office/powerpoint/2010/main" val="2951188222"/>
       </p:ext>
     </p:extLst>
   </p:cSld>

--- a/StreamZ.pptx
+++ b/StreamZ.pptx
@@ -554,7 +554,7 @@
           <a:noFill/>
           <a:extLst>
             <a:ext uri="{909E8E84-426E-40dd-AFC4-6F175D3DCCD1}">
-              <a14:hiddenFill xmlns="" xmlns:a14="http://schemas.microsoft.com/office/drawing/2010/main">
+              <a14:hiddenFill xmlns:a14="http://schemas.microsoft.com/office/drawing/2010/main" xmlns="">
                 <a:solidFill>
                   <a:srgbClr val="FFFFFF"/>
                 </a:solidFill>
@@ -613,7 +613,7 @@
             </a:ln>
             <a:extLst>
               <a:ext uri="{91240B29-F687-4f45-9708-019B960494DF}">
-                <a14:hiddenLine xmlns="" xmlns:a14="http://schemas.microsoft.com/office/drawing/2010/main" w="9525">
+                <a14:hiddenLine xmlns:a14="http://schemas.microsoft.com/office/drawing/2010/main" xmlns="" w="9525">
                   <a:solidFill>
                     <a:srgbClr val="000000"/>
                   </a:solidFill>
@@ -703,7 +703,7 @@
             </a:ln>
             <a:extLst>
               <a:ext uri="{91240B29-F687-4f45-9708-019B960494DF}">
-                <a14:hiddenLine xmlns="" xmlns:a14="http://schemas.microsoft.com/office/drawing/2010/main" w="9525">
+                <a14:hiddenLine xmlns:a14="http://schemas.microsoft.com/office/drawing/2010/main" xmlns="" w="9525">
                   <a:solidFill>
                     <a:srgbClr val="000000"/>
                   </a:solidFill>
@@ -793,7 +793,7 @@
             </a:ln>
             <a:extLst>
               <a:ext uri="{91240B29-F687-4f45-9708-019B960494DF}">
-                <a14:hiddenLine xmlns="" xmlns:a14="http://schemas.microsoft.com/office/drawing/2010/main" w="9525">
+                <a14:hiddenLine xmlns:a14="http://schemas.microsoft.com/office/drawing/2010/main" xmlns="" w="9525">
                   <a:solidFill>
                     <a:srgbClr val="000000"/>
                   </a:solidFill>
@@ -827,7 +827,7 @@
             </a:ln>
             <a:extLst>
               <a:ext uri="{91240B29-F687-4f45-9708-019B960494DF}">
-                <a14:hiddenLine xmlns="" xmlns:a14="http://schemas.microsoft.com/office/drawing/2010/main" w="9525">
+                <a14:hiddenLine xmlns:a14="http://schemas.microsoft.com/office/drawing/2010/main" xmlns="" w="9525">
                   <a:solidFill>
                     <a:srgbClr val="000000"/>
                   </a:solidFill>
@@ -917,7 +917,7 @@
             </a:ln>
             <a:extLst>
               <a:ext uri="{91240B29-F687-4f45-9708-019B960494DF}">
-                <a14:hiddenLine xmlns="" xmlns:a14="http://schemas.microsoft.com/office/drawing/2010/main" w="9525">
+                <a14:hiddenLine xmlns:a14="http://schemas.microsoft.com/office/drawing/2010/main" xmlns="" w="9525">
                   <a:solidFill>
                     <a:srgbClr val="000000"/>
                   </a:solidFill>
@@ -979,7 +979,7 @@
             </a:ln>
             <a:extLst>
               <a:ext uri="{91240B29-F687-4f45-9708-019B960494DF}">
-                <a14:hiddenLine xmlns="" xmlns:a14="http://schemas.microsoft.com/office/drawing/2010/main" w="9525">
+                <a14:hiddenLine xmlns:a14="http://schemas.microsoft.com/office/drawing/2010/main" xmlns="" w="9525">
                   <a:solidFill>
                     <a:srgbClr val="000000"/>
                   </a:solidFill>
@@ -1041,7 +1041,7 @@
             </a:ln>
             <a:extLst>
               <a:ext uri="{91240B29-F687-4f45-9708-019B960494DF}">
-                <a14:hiddenLine xmlns="" xmlns:a14="http://schemas.microsoft.com/office/drawing/2010/main" w="9525">
+                <a14:hiddenLine xmlns:a14="http://schemas.microsoft.com/office/drawing/2010/main" xmlns="" w="9525">
                   <a:solidFill>
                     <a:srgbClr val="000000"/>
                   </a:solidFill>
@@ -1131,7 +1131,7 @@
             </a:ln>
             <a:extLst>
               <a:ext uri="{91240B29-F687-4f45-9708-019B960494DF}">
-                <a14:hiddenLine xmlns="" xmlns:a14="http://schemas.microsoft.com/office/drawing/2010/main" w="9525">
+                <a14:hiddenLine xmlns:a14="http://schemas.microsoft.com/office/drawing/2010/main" xmlns="" w="9525">
                   <a:solidFill>
                     <a:srgbClr val="000000"/>
                   </a:solidFill>
@@ -1193,7 +1193,7 @@
             </a:ln>
             <a:extLst>
               <a:ext uri="{91240B29-F687-4f45-9708-019B960494DF}">
-                <a14:hiddenLine xmlns="" xmlns:a14="http://schemas.microsoft.com/office/drawing/2010/main" w="9525">
+                <a14:hiddenLine xmlns:a14="http://schemas.microsoft.com/office/drawing/2010/main" xmlns="" w="9525">
                   <a:solidFill>
                     <a:srgbClr val="000000"/>
                   </a:solidFill>
@@ -1255,7 +1255,7 @@
             </a:ln>
             <a:extLst>
               <a:ext uri="{91240B29-F687-4f45-9708-019B960494DF}">
-                <a14:hiddenLine xmlns="" xmlns:a14="http://schemas.microsoft.com/office/drawing/2010/main" w="9525">
+                <a14:hiddenLine xmlns:a14="http://schemas.microsoft.com/office/drawing/2010/main" xmlns="" w="9525">
                   <a:solidFill>
                     <a:srgbClr val="000000"/>
                   </a:solidFill>
@@ -1345,7 +1345,7 @@
             </a:ln>
             <a:extLst>
               <a:ext uri="{91240B29-F687-4f45-9708-019B960494DF}">
-                <a14:hiddenLine xmlns="" xmlns:a14="http://schemas.microsoft.com/office/drawing/2010/main" w="9525">
+                <a14:hiddenLine xmlns:a14="http://schemas.microsoft.com/office/drawing/2010/main" xmlns="" w="9525">
                   <a:solidFill>
                     <a:srgbClr val="000000"/>
                   </a:solidFill>
@@ -1435,7 +1435,7 @@
             </a:ln>
             <a:extLst>
               <a:ext uri="{91240B29-F687-4f45-9708-019B960494DF}">
-                <a14:hiddenLine xmlns="" xmlns:a14="http://schemas.microsoft.com/office/drawing/2010/main" w="9525">
+                <a14:hiddenLine xmlns:a14="http://schemas.microsoft.com/office/drawing/2010/main" xmlns="" w="9525">
                   <a:solidFill>
                     <a:srgbClr val="000000"/>
                   </a:solidFill>
@@ -1497,7 +1497,7 @@
             </a:ln>
             <a:extLst>
               <a:ext uri="{91240B29-F687-4f45-9708-019B960494DF}">
-                <a14:hiddenLine xmlns="" xmlns:a14="http://schemas.microsoft.com/office/drawing/2010/main" w="9525">
+                <a14:hiddenLine xmlns:a14="http://schemas.microsoft.com/office/drawing/2010/main" xmlns="" w="9525">
                   <a:solidFill>
                     <a:srgbClr val="000000"/>
                   </a:solidFill>
@@ -1607,7 +1607,7 @@
             </a:ln>
             <a:extLst>
               <a:ext uri="{91240B29-F687-4f45-9708-019B960494DF}">
-                <a14:hiddenLine xmlns="" xmlns:a14="http://schemas.microsoft.com/office/drawing/2010/main" w="9525">
+                <a14:hiddenLine xmlns:a14="http://schemas.microsoft.com/office/drawing/2010/main" xmlns="" w="9525">
                   <a:solidFill>
                     <a:srgbClr val="000000"/>
                   </a:solidFill>
@@ -1669,7 +1669,7 @@
             </a:ln>
             <a:extLst>
               <a:ext uri="{91240B29-F687-4f45-9708-019B960494DF}">
-                <a14:hiddenLine xmlns="" xmlns:a14="http://schemas.microsoft.com/office/drawing/2010/main" w="9525">
+                <a14:hiddenLine xmlns:a14="http://schemas.microsoft.com/office/drawing/2010/main" xmlns="" w="9525">
                   <a:solidFill>
                     <a:srgbClr val="000000"/>
                   </a:solidFill>
@@ -1759,7 +1759,7 @@
             </a:ln>
             <a:extLst>
               <a:ext uri="{91240B29-F687-4f45-9708-019B960494DF}">
-                <a14:hiddenLine xmlns="" xmlns:a14="http://schemas.microsoft.com/office/drawing/2010/main" w="9525">
+                <a14:hiddenLine xmlns:a14="http://schemas.microsoft.com/office/drawing/2010/main" xmlns="" w="9525">
                   <a:solidFill>
                     <a:srgbClr val="000000"/>
                   </a:solidFill>
@@ -1849,7 +1849,7 @@
             </a:ln>
             <a:extLst>
               <a:ext uri="{91240B29-F687-4f45-9708-019B960494DF}">
-                <a14:hiddenLine xmlns="" xmlns:a14="http://schemas.microsoft.com/office/drawing/2010/main" w="9525">
+                <a14:hiddenLine xmlns:a14="http://schemas.microsoft.com/office/drawing/2010/main" xmlns="" w="9525">
                   <a:solidFill>
                     <a:srgbClr val="000000"/>
                   </a:solidFill>
@@ -1911,7 +1911,7 @@
             </a:ln>
             <a:extLst>
               <a:ext uri="{91240B29-F687-4f45-9708-019B960494DF}">
-                <a14:hiddenLine xmlns="" xmlns:a14="http://schemas.microsoft.com/office/drawing/2010/main" w="9525">
+                <a14:hiddenLine xmlns:a14="http://schemas.microsoft.com/office/drawing/2010/main" xmlns="" w="9525">
                   <a:solidFill>
                     <a:srgbClr val="000000"/>
                   </a:solidFill>
@@ -2001,7 +2001,7 @@
             </a:ln>
             <a:extLst>
               <a:ext uri="{91240B29-F687-4f45-9708-019B960494DF}">
-                <a14:hiddenLine xmlns="" xmlns:a14="http://schemas.microsoft.com/office/drawing/2010/main" w="9525">
+                <a14:hiddenLine xmlns:a14="http://schemas.microsoft.com/office/drawing/2010/main" xmlns="" w="9525">
                   <a:solidFill>
                     <a:srgbClr val="000000"/>
                   </a:solidFill>
@@ -2091,7 +2091,7 @@
             </a:ln>
             <a:extLst>
               <a:ext uri="{91240B29-F687-4f45-9708-019B960494DF}">
-                <a14:hiddenLine xmlns="" xmlns:a14="http://schemas.microsoft.com/office/drawing/2010/main" w="9525">
+                <a14:hiddenLine xmlns:a14="http://schemas.microsoft.com/office/drawing/2010/main" xmlns="" w="9525">
                   <a:solidFill>
                     <a:srgbClr val="000000"/>
                   </a:solidFill>
@@ -2147,7 +2147,7 @@
             </a:ln>
             <a:extLst>
               <a:ext uri="{91240B29-F687-4f45-9708-019B960494DF}">
-                <a14:hiddenLine xmlns="" xmlns:a14="http://schemas.microsoft.com/office/drawing/2010/main" w="9525">
+                <a14:hiddenLine xmlns:a14="http://schemas.microsoft.com/office/drawing/2010/main" xmlns="" w="9525">
                   <a:solidFill>
                     <a:srgbClr val="000000"/>
                   </a:solidFill>
@@ -2237,7 +2237,7 @@
             </a:ln>
             <a:extLst>
               <a:ext uri="{91240B29-F687-4f45-9708-019B960494DF}">
-                <a14:hiddenLine xmlns="" xmlns:a14="http://schemas.microsoft.com/office/drawing/2010/main" w="9525">
+                <a14:hiddenLine xmlns:a14="http://schemas.microsoft.com/office/drawing/2010/main" xmlns="" w="9525">
                   <a:solidFill>
                     <a:srgbClr val="000000"/>
                   </a:solidFill>
@@ -2293,7 +2293,7 @@
             </a:ln>
             <a:extLst>
               <a:ext uri="{91240B29-F687-4f45-9708-019B960494DF}">
-                <a14:hiddenLine xmlns="" xmlns:a14="http://schemas.microsoft.com/office/drawing/2010/main" w="9525">
+                <a14:hiddenLine xmlns:a14="http://schemas.microsoft.com/office/drawing/2010/main" xmlns="" w="9525">
                   <a:solidFill>
                     <a:srgbClr val="000000"/>
                   </a:solidFill>
@@ -2383,7 +2383,7 @@
             </a:ln>
             <a:extLst>
               <a:ext uri="{91240B29-F687-4f45-9708-019B960494DF}">
-                <a14:hiddenLine xmlns="" xmlns:a14="http://schemas.microsoft.com/office/drawing/2010/main" w="9525">
+                <a14:hiddenLine xmlns:a14="http://schemas.microsoft.com/office/drawing/2010/main" xmlns="" w="9525">
                   <a:solidFill>
                     <a:srgbClr val="000000"/>
                   </a:solidFill>
@@ -2451,7 +2451,7 @@
             </a:ln>
             <a:extLst>
               <a:ext uri="{91240B29-F687-4f45-9708-019B960494DF}">
-                <a14:hiddenLine xmlns="" xmlns:a14="http://schemas.microsoft.com/office/drawing/2010/main" w="9525">
+                <a14:hiddenLine xmlns:a14="http://schemas.microsoft.com/office/drawing/2010/main" xmlns="" w="9525">
                   <a:solidFill>
                     <a:srgbClr val="000000"/>
                   </a:solidFill>
@@ -2541,7 +2541,7 @@
             </a:ln>
             <a:extLst>
               <a:ext uri="{91240B29-F687-4f45-9708-019B960494DF}">
-                <a14:hiddenLine xmlns="" xmlns:a14="http://schemas.microsoft.com/office/drawing/2010/main" w="9525">
+                <a14:hiddenLine xmlns:a14="http://schemas.microsoft.com/office/drawing/2010/main" xmlns="" w="9525">
                   <a:solidFill>
                     <a:srgbClr val="000000"/>
                   </a:solidFill>
@@ -2609,7 +2609,7 @@
             </a:ln>
             <a:extLst>
               <a:ext uri="{91240B29-F687-4f45-9708-019B960494DF}">
-                <a14:hiddenLine xmlns="" xmlns:a14="http://schemas.microsoft.com/office/drawing/2010/main" w="9525">
+                <a14:hiddenLine xmlns:a14="http://schemas.microsoft.com/office/drawing/2010/main" xmlns="" w="9525">
                   <a:solidFill>
                     <a:srgbClr val="000000"/>
                   </a:solidFill>
@@ -2699,7 +2699,7 @@
             </a:ln>
             <a:extLst>
               <a:ext uri="{91240B29-F687-4f45-9708-019B960494DF}">
-                <a14:hiddenLine xmlns="" xmlns:a14="http://schemas.microsoft.com/office/drawing/2010/main" w="9525">
+                <a14:hiddenLine xmlns:a14="http://schemas.microsoft.com/office/drawing/2010/main" xmlns="" w="9525">
                   <a:solidFill>
                     <a:srgbClr val="000000"/>
                   </a:solidFill>
@@ -2733,7 +2733,7 @@
             </a:ln>
             <a:extLst>
               <a:ext uri="{91240B29-F687-4f45-9708-019B960494DF}">
-                <a14:hiddenLine xmlns="" xmlns:a14="http://schemas.microsoft.com/office/drawing/2010/main" w="9525">
+                <a14:hiddenLine xmlns:a14="http://schemas.microsoft.com/office/drawing/2010/main" xmlns="" w="9525">
                   <a:solidFill>
                     <a:srgbClr val="000000"/>
                   </a:solidFill>
@@ -2823,7 +2823,7 @@
             </a:ln>
             <a:extLst>
               <a:ext uri="{91240B29-F687-4f45-9708-019B960494DF}">
-                <a14:hiddenLine xmlns="" xmlns:a14="http://schemas.microsoft.com/office/drawing/2010/main" w="9525">
+                <a14:hiddenLine xmlns:a14="http://schemas.microsoft.com/office/drawing/2010/main" xmlns="" w="9525">
                   <a:solidFill>
                     <a:srgbClr val="000000"/>
                   </a:solidFill>
@@ -2885,7 +2885,7 @@
             </a:ln>
             <a:extLst>
               <a:ext uri="{91240B29-F687-4f45-9708-019B960494DF}">
-                <a14:hiddenLine xmlns="" xmlns:a14="http://schemas.microsoft.com/office/drawing/2010/main" w="9525">
+                <a14:hiddenLine xmlns:a14="http://schemas.microsoft.com/office/drawing/2010/main" xmlns="" w="9525">
                   <a:solidFill>
                     <a:srgbClr val="000000"/>
                   </a:solidFill>
@@ -2947,7 +2947,7 @@
             </a:ln>
             <a:extLst>
               <a:ext uri="{91240B29-F687-4f45-9708-019B960494DF}">
-                <a14:hiddenLine xmlns="" xmlns:a14="http://schemas.microsoft.com/office/drawing/2010/main" w="9525">
+                <a14:hiddenLine xmlns:a14="http://schemas.microsoft.com/office/drawing/2010/main" xmlns="" w="9525">
                   <a:solidFill>
                     <a:srgbClr val="000000"/>
                   </a:solidFill>
@@ -3037,7 +3037,7 @@
             </a:ln>
             <a:extLst>
               <a:ext uri="{91240B29-F687-4f45-9708-019B960494DF}">
-                <a14:hiddenLine xmlns="" xmlns:a14="http://schemas.microsoft.com/office/drawing/2010/main" w="9525">
+                <a14:hiddenLine xmlns:a14="http://schemas.microsoft.com/office/drawing/2010/main" xmlns="" w="9525">
                   <a:solidFill>
                     <a:srgbClr val="000000"/>
                   </a:solidFill>
@@ -3105,7 +3105,7 @@
             </a:ln>
             <a:extLst>
               <a:ext uri="{91240B29-F687-4f45-9708-019B960494DF}">
-                <a14:hiddenLine xmlns="" xmlns:a14="http://schemas.microsoft.com/office/drawing/2010/main" w="9525">
+                <a14:hiddenLine xmlns:a14="http://schemas.microsoft.com/office/drawing/2010/main" xmlns="" w="9525">
                   <a:solidFill>
                     <a:srgbClr val="000000"/>
                   </a:solidFill>
@@ -3167,7 +3167,7 @@
             </a:ln>
             <a:extLst>
               <a:ext uri="{91240B29-F687-4f45-9708-019B960494DF}">
-                <a14:hiddenLine xmlns="" xmlns:a14="http://schemas.microsoft.com/office/drawing/2010/main" w="9525">
+                <a14:hiddenLine xmlns:a14="http://schemas.microsoft.com/office/drawing/2010/main" xmlns="" w="9525">
                   <a:solidFill>
                     <a:srgbClr val="000000"/>
                   </a:solidFill>
@@ -3257,7 +3257,7 @@
             </a:ln>
             <a:extLst>
               <a:ext uri="{91240B29-F687-4f45-9708-019B960494DF}">
-                <a14:hiddenLine xmlns="" xmlns:a14="http://schemas.microsoft.com/office/drawing/2010/main" w="9525">
+                <a14:hiddenLine xmlns:a14="http://schemas.microsoft.com/office/drawing/2010/main" xmlns="" w="9525">
                   <a:solidFill>
                     <a:srgbClr val="000000"/>
                   </a:solidFill>
@@ -3319,7 +3319,7 @@
             </a:ln>
             <a:extLst>
               <a:ext uri="{91240B29-F687-4f45-9708-019B960494DF}">
-                <a14:hiddenLine xmlns="" xmlns:a14="http://schemas.microsoft.com/office/drawing/2010/main" w="9525">
+                <a14:hiddenLine xmlns:a14="http://schemas.microsoft.com/office/drawing/2010/main" xmlns="" w="9525">
                   <a:solidFill>
                     <a:srgbClr val="000000"/>
                   </a:solidFill>
@@ -3409,7 +3409,7 @@
             </a:ln>
             <a:extLst>
               <a:ext uri="{91240B29-F687-4f45-9708-019B960494DF}">
-                <a14:hiddenLine xmlns="" xmlns:a14="http://schemas.microsoft.com/office/drawing/2010/main" w="9525">
+                <a14:hiddenLine xmlns:a14="http://schemas.microsoft.com/office/drawing/2010/main" xmlns="" w="9525">
                   <a:solidFill>
                     <a:srgbClr val="000000"/>
                   </a:solidFill>
@@ -3471,7 +3471,7 @@
             </a:ln>
             <a:extLst>
               <a:ext uri="{91240B29-F687-4f45-9708-019B960494DF}">
-                <a14:hiddenLine xmlns="" xmlns:a14="http://schemas.microsoft.com/office/drawing/2010/main" w="9525">
+                <a14:hiddenLine xmlns:a14="http://schemas.microsoft.com/office/drawing/2010/main" xmlns="" w="9525">
                   <a:solidFill>
                     <a:srgbClr val="000000"/>
                   </a:solidFill>
@@ -3561,7 +3561,7 @@
             </a:ln>
             <a:extLst>
               <a:ext uri="{91240B29-F687-4f45-9708-019B960494DF}">
-                <a14:hiddenLine xmlns="" xmlns:a14="http://schemas.microsoft.com/office/drawing/2010/main" w="9525">
+                <a14:hiddenLine xmlns:a14="http://schemas.microsoft.com/office/drawing/2010/main" xmlns="" w="9525">
                   <a:solidFill>
                     <a:srgbClr val="000000"/>
                   </a:solidFill>
@@ -3595,7 +3595,7 @@
             </a:ln>
             <a:extLst>
               <a:ext uri="{91240B29-F687-4f45-9708-019B960494DF}">
-                <a14:hiddenLine xmlns="" xmlns:a14="http://schemas.microsoft.com/office/drawing/2010/main" w="9525">
+                <a14:hiddenLine xmlns:a14="http://schemas.microsoft.com/office/drawing/2010/main" xmlns="" w="9525">
                   <a:solidFill>
                     <a:srgbClr val="000000"/>
                   </a:solidFill>
@@ -3660,7 +3660,7 @@
             </a:ln>
             <a:extLst>
               <a:ext uri="{91240B29-F687-4f45-9708-019B960494DF}">
-                <a14:hiddenLine xmlns="" xmlns:a14="http://schemas.microsoft.com/office/drawing/2010/main" w="9525">
+                <a14:hiddenLine xmlns:a14="http://schemas.microsoft.com/office/drawing/2010/main" xmlns="" w="9525">
                   <a:solidFill>
                     <a:srgbClr val="000000"/>
                   </a:solidFill>
@@ -3750,7 +3750,7 @@
             </a:ln>
             <a:extLst>
               <a:ext uri="{91240B29-F687-4f45-9708-019B960494DF}">
-                <a14:hiddenLine xmlns="" xmlns:a14="http://schemas.microsoft.com/office/drawing/2010/main" w="9525">
+                <a14:hiddenLine xmlns:a14="http://schemas.microsoft.com/office/drawing/2010/main" xmlns="" w="9525">
                   <a:solidFill>
                     <a:srgbClr val="000000"/>
                   </a:solidFill>
@@ -3812,7 +3812,7 @@
             </a:ln>
             <a:extLst>
               <a:ext uri="{91240B29-F687-4f45-9708-019B960494DF}">
-                <a14:hiddenLine xmlns="" xmlns:a14="http://schemas.microsoft.com/office/drawing/2010/main" w="9525">
+                <a14:hiddenLine xmlns:a14="http://schemas.microsoft.com/office/drawing/2010/main" xmlns="" w="9525">
                   <a:solidFill>
                     <a:srgbClr val="000000"/>
                   </a:solidFill>
@@ -3902,7 +3902,7 @@
             </a:ln>
             <a:extLst>
               <a:ext uri="{91240B29-F687-4f45-9708-019B960494DF}">
-                <a14:hiddenLine xmlns="" xmlns:a14="http://schemas.microsoft.com/office/drawing/2010/main" w="9525">
+                <a14:hiddenLine xmlns:a14="http://schemas.microsoft.com/office/drawing/2010/main" xmlns="" w="9525">
                   <a:solidFill>
                     <a:srgbClr val="000000"/>
                   </a:solidFill>
@@ -3992,7 +3992,7 @@
             </a:ln>
             <a:extLst>
               <a:ext uri="{91240B29-F687-4f45-9708-019B960494DF}">
-                <a14:hiddenLine xmlns="" xmlns:a14="http://schemas.microsoft.com/office/drawing/2010/main" w="9525">
+                <a14:hiddenLine xmlns:a14="http://schemas.microsoft.com/office/drawing/2010/main" xmlns="" w="9525">
                   <a:solidFill>
                     <a:srgbClr val="000000"/>
                   </a:solidFill>
@@ -4057,7 +4057,7 @@
             </a:ln>
             <a:extLst>
               <a:ext uri="{91240B29-F687-4f45-9708-019B960494DF}">
-                <a14:hiddenLine xmlns="" xmlns:a14="http://schemas.microsoft.com/office/drawing/2010/main" w="9525">
+                <a14:hiddenLine xmlns:a14="http://schemas.microsoft.com/office/drawing/2010/main" xmlns="" w="9525">
                   <a:solidFill>
                     <a:srgbClr val="000000"/>
                   </a:solidFill>
@@ -4119,7 +4119,7 @@
             </a:ln>
             <a:extLst>
               <a:ext uri="{91240B29-F687-4f45-9708-019B960494DF}">
-                <a14:hiddenLine xmlns="" xmlns:a14="http://schemas.microsoft.com/office/drawing/2010/main" w="9525">
+                <a14:hiddenLine xmlns:a14="http://schemas.microsoft.com/office/drawing/2010/main" xmlns="" w="9525">
                   <a:solidFill>
                     <a:srgbClr val="000000"/>
                   </a:solidFill>
@@ -4209,7 +4209,7 @@
             </a:ln>
             <a:extLst>
               <a:ext uri="{91240B29-F687-4f45-9708-019B960494DF}">
-                <a14:hiddenLine xmlns="" xmlns:a14="http://schemas.microsoft.com/office/drawing/2010/main" w="9525">
+                <a14:hiddenLine xmlns:a14="http://schemas.microsoft.com/office/drawing/2010/main" xmlns="" w="9525">
                   <a:solidFill>
                     <a:srgbClr val="000000"/>
                   </a:solidFill>
@@ -4299,7 +4299,7 @@
             </a:ln>
             <a:extLst>
               <a:ext uri="{91240B29-F687-4f45-9708-019B960494DF}">
-                <a14:hiddenLine xmlns="" xmlns:a14="http://schemas.microsoft.com/office/drawing/2010/main" w="9525">
+                <a14:hiddenLine xmlns:a14="http://schemas.microsoft.com/office/drawing/2010/main" xmlns="" w="9525">
                   <a:solidFill>
                     <a:srgbClr val="000000"/>
                   </a:solidFill>
@@ -4361,7 +4361,7 @@
             </a:ln>
             <a:extLst>
               <a:ext uri="{91240B29-F687-4f45-9708-019B960494DF}">
-                <a14:hiddenLine xmlns="" xmlns:a14="http://schemas.microsoft.com/office/drawing/2010/main" w="9525">
+                <a14:hiddenLine xmlns:a14="http://schemas.microsoft.com/office/drawing/2010/main" xmlns="" w="9525">
                   <a:solidFill>
                     <a:srgbClr val="000000"/>
                   </a:solidFill>
@@ -4481,7 +4481,7 @@
             </a:ln>
             <a:extLst>
               <a:ext uri="{91240B29-F687-4f45-9708-019B960494DF}">
-                <a14:hiddenLine xmlns="" xmlns:a14="http://schemas.microsoft.com/office/drawing/2010/main" w="9525">
+                <a14:hiddenLine xmlns:a14="http://schemas.microsoft.com/office/drawing/2010/main" xmlns="" w="9525">
                   <a:solidFill>
                     <a:srgbClr val="000000"/>
                   </a:solidFill>
@@ -4549,7 +4549,7 @@
             </a:ln>
             <a:extLst>
               <a:ext uri="{91240B29-F687-4f45-9708-019B960494DF}">
-                <a14:hiddenLine xmlns="" xmlns:a14="http://schemas.microsoft.com/office/drawing/2010/main" w="9525">
+                <a14:hiddenLine xmlns:a14="http://schemas.microsoft.com/office/drawing/2010/main" xmlns="" w="9525">
                   <a:solidFill>
                     <a:srgbClr val="000000"/>
                   </a:solidFill>
@@ -4639,7 +4639,7 @@
             </a:ln>
             <a:extLst>
               <a:ext uri="{91240B29-F687-4f45-9708-019B960494DF}">
-                <a14:hiddenLine xmlns="" xmlns:a14="http://schemas.microsoft.com/office/drawing/2010/main" w="9525">
+                <a14:hiddenLine xmlns:a14="http://schemas.microsoft.com/office/drawing/2010/main" xmlns="" w="9525">
                   <a:solidFill>
                     <a:srgbClr val="000000"/>
                   </a:solidFill>
@@ -9504,7 +9504,7 @@
           <a:noFill/>
           <a:extLst>
             <a:ext uri="{909E8E84-426E-40dd-AFC4-6F175D3DCCD1}">
-              <a14:hiddenFill xmlns="" xmlns:a14="http://schemas.microsoft.com/office/drawing/2010/main">
+              <a14:hiddenFill xmlns:a14="http://schemas.microsoft.com/office/drawing/2010/main" xmlns="">
                 <a:solidFill>
                   <a:srgbClr val="FFFFFF"/>
                 </a:solidFill>
@@ -9578,7 +9578,7 @@
               </a:ln>
               <a:extLst>
                 <a:ext uri="{91240B29-F687-4f45-9708-019B960494DF}">
-                  <a14:hiddenLine xmlns="" xmlns:a14="http://schemas.microsoft.com/office/drawing/2010/main" w="9525">
+                  <a14:hiddenLine xmlns:a14="http://schemas.microsoft.com/office/drawing/2010/main" xmlns="" w="9525">
                     <a:solidFill>
                       <a:srgbClr val="000000"/>
                     </a:solidFill>
@@ -9668,7 +9668,7 @@
               </a:ln>
               <a:extLst>
                 <a:ext uri="{91240B29-F687-4f45-9708-019B960494DF}">
-                  <a14:hiddenLine xmlns="" xmlns:a14="http://schemas.microsoft.com/office/drawing/2010/main" w="9525">
+                  <a14:hiddenLine xmlns:a14="http://schemas.microsoft.com/office/drawing/2010/main" xmlns="" w="9525">
                     <a:solidFill>
                       <a:srgbClr val="000000"/>
                     </a:solidFill>
@@ -9758,7 +9758,7 @@
               </a:ln>
               <a:extLst>
                 <a:ext uri="{91240B29-F687-4f45-9708-019B960494DF}">
-                  <a14:hiddenLine xmlns="" xmlns:a14="http://schemas.microsoft.com/office/drawing/2010/main" w="9525">
+                  <a14:hiddenLine xmlns:a14="http://schemas.microsoft.com/office/drawing/2010/main" xmlns="" w="9525">
                     <a:solidFill>
                       <a:srgbClr val="000000"/>
                     </a:solidFill>
@@ -9820,7 +9820,7 @@
               </a:ln>
               <a:extLst>
                 <a:ext uri="{91240B29-F687-4f45-9708-019B960494DF}">
-                  <a14:hiddenLine xmlns="" xmlns:a14="http://schemas.microsoft.com/office/drawing/2010/main" w="9525">
+                  <a14:hiddenLine xmlns:a14="http://schemas.microsoft.com/office/drawing/2010/main" xmlns="" w="9525">
                     <a:solidFill>
                       <a:srgbClr val="000000"/>
                     </a:solidFill>
@@ -9910,7 +9910,7 @@
               </a:ln>
               <a:extLst>
                 <a:ext uri="{91240B29-F687-4f45-9708-019B960494DF}">
-                  <a14:hiddenLine xmlns="" xmlns:a14="http://schemas.microsoft.com/office/drawing/2010/main" w="9525">
+                  <a14:hiddenLine xmlns:a14="http://schemas.microsoft.com/office/drawing/2010/main" xmlns="" w="9525">
                     <a:solidFill>
                       <a:srgbClr val="000000"/>
                     </a:solidFill>
@@ -9972,7 +9972,7 @@
               </a:ln>
               <a:extLst>
                 <a:ext uri="{91240B29-F687-4f45-9708-019B960494DF}">
-                  <a14:hiddenLine xmlns="" xmlns:a14="http://schemas.microsoft.com/office/drawing/2010/main" w="9525">
+                  <a14:hiddenLine xmlns:a14="http://schemas.microsoft.com/office/drawing/2010/main" xmlns="" w="9525">
                     <a:solidFill>
                       <a:srgbClr val="000000"/>
                     </a:solidFill>
@@ -10034,7 +10034,7 @@
               </a:ln>
               <a:extLst>
                 <a:ext uri="{91240B29-F687-4f45-9708-019B960494DF}">
-                  <a14:hiddenLine xmlns="" xmlns:a14="http://schemas.microsoft.com/office/drawing/2010/main" w="9525">
+                  <a14:hiddenLine xmlns:a14="http://schemas.microsoft.com/office/drawing/2010/main" xmlns="" w="9525">
                     <a:solidFill>
                       <a:srgbClr val="000000"/>
                     </a:solidFill>
@@ -10124,7 +10124,7 @@
               </a:ln>
               <a:extLst>
                 <a:ext uri="{91240B29-F687-4f45-9708-019B960494DF}">
-                  <a14:hiddenLine xmlns="" xmlns:a14="http://schemas.microsoft.com/office/drawing/2010/main" w="9525">
+                  <a14:hiddenLine xmlns:a14="http://schemas.microsoft.com/office/drawing/2010/main" xmlns="" w="9525">
                     <a:solidFill>
                       <a:srgbClr val="000000"/>
                     </a:solidFill>
@@ -10214,7 +10214,7 @@
               </a:ln>
               <a:extLst>
                 <a:ext uri="{91240B29-F687-4f45-9708-019B960494DF}">
-                  <a14:hiddenLine xmlns="" xmlns:a14="http://schemas.microsoft.com/office/drawing/2010/main" w="9525">
+                  <a14:hiddenLine xmlns:a14="http://schemas.microsoft.com/office/drawing/2010/main" xmlns="" w="9525">
                     <a:solidFill>
                       <a:srgbClr val="000000"/>
                     </a:solidFill>
@@ -10276,7 +10276,7 @@
               </a:ln>
               <a:extLst>
                 <a:ext uri="{91240B29-F687-4f45-9708-019B960494DF}">
-                  <a14:hiddenLine xmlns="" xmlns:a14="http://schemas.microsoft.com/office/drawing/2010/main" w="9525">
+                  <a14:hiddenLine xmlns:a14="http://schemas.microsoft.com/office/drawing/2010/main" xmlns="" w="9525">
                     <a:solidFill>
                       <a:srgbClr val="000000"/>
                     </a:solidFill>
@@ -10386,7 +10386,7 @@
               </a:ln>
               <a:extLst>
                 <a:ext uri="{91240B29-F687-4f45-9708-019B960494DF}">
-                  <a14:hiddenLine xmlns="" xmlns:a14="http://schemas.microsoft.com/office/drawing/2010/main" w="9525">
+                  <a14:hiddenLine xmlns:a14="http://schemas.microsoft.com/office/drawing/2010/main" xmlns="" w="9525">
                     <a:solidFill>
                       <a:srgbClr val="000000"/>
                     </a:solidFill>
@@ -10470,7 +10470,7 @@
               </a:ln>
               <a:extLst>
                 <a:ext uri="{91240B29-F687-4f45-9708-019B960494DF}">
-                  <a14:hiddenLine xmlns="" xmlns:a14="http://schemas.microsoft.com/office/drawing/2010/main" w="9525">
+                  <a14:hiddenLine xmlns:a14="http://schemas.microsoft.com/office/drawing/2010/main" xmlns="" w="9525">
                     <a:solidFill>
                       <a:srgbClr val="000000"/>
                     </a:solidFill>
@@ -10532,7 +10532,7 @@
               </a:ln>
               <a:extLst>
                 <a:ext uri="{91240B29-F687-4f45-9708-019B960494DF}">
-                  <a14:hiddenLine xmlns="" xmlns:a14="http://schemas.microsoft.com/office/drawing/2010/main" w="9525">
+                  <a14:hiddenLine xmlns:a14="http://schemas.microsoft.com/office/drawing/2010/main" xmlns="" w="9525">
                     <a:solidFill>
                       <a:srgbClr val="000000"/>
                     </a:solidFill>
@@ -10594,7 +10594,7 @@
               </a:ln>
               <a:extLst>
                 <a:ext uri="{91240B29-F687-4f45-9708-019B960494DF}">
-                  <a14:hiddenLine xmlns="" xmlns:a14="http://schemas.microsoft.com/office/drawing/2010/main" w="9525">
+                  <a14:hiddenLine xmlns:a14="http://schemas.microsoft.com/office/drawing/2010/main" xmlns="" w="9525">
                     <a:solidFill>
                       <a:srgbClr val="000000"/>
                     </a:solidFill>
@@ -10684,7 +10684,7 @@
               </a:ln>
               <a:extLst>
                 <a:ext uri="{91240B29-F687-4f45-9708-019B960494DF}">
-                  <a14:hiddenLine xmlns="" xmlns:a14="http://schemas.microsoft.com/office/drawing/2010/main" w="9525">
+                  <a14:hiddenLine xmlns:a14="http://schemas.microsoft.com/office/drawing/2010/main" xmlns="" w="9525">
                     <a:solidFill>
                       <a:srgbClr val="000000"/>
                     </a:solidFill>
@@ -10718,7 +10718,7 @@
               </a:ln>
               <a:extLst>
                 <a:ext uri="{91240B29-F687-4f45-9708-019B960494DF}">
-                  <a14:hiddenLine xmlns="" xmlns:a14="http://schemas.microsoft.com/office/drawing/2010/main" w="9525">
+                  <a14:hiddenLine xmlns:a14="http://schemas.microsoft.com/office/drawing/2010/main" xmlns="" w="9525">
                     <a:solidFill>
                       <a:srgbClr val="000000"/>
                     </a:solidFill>
@@ -10783,7 +10783,7 @@
               </a:ln>
               <a:extLst>
                 <a:ext uri="{91240B29-F687-4f45-9708-019B960494DF}">
-                  <a14:hiddenLine xmlns="" xmlns:a14="http://schemas.microsoft.com/office/drawing/2010/main" w="9525">
+                  <a14:hiddenLine xmlns:a14="http://schemas.microsoft.com/office/drawing/2010/main" xmlns="" w="9525">
                     <a:solidFill>
                       <a:srgbClr val="000000"/>
                     </a:solidFill>
@@ -10873,7 +10873,7 @@
               </a:ln>
               <a:extLst>
                 <a:ext uri="{91240B29-F687-4f45-9708-019B960494DF}">
-                  <a14:hiddenLine xmlns="" xmlns:a14="http://schemas.microsoft.com/office/drawing/2010/main" w="9525">
+                  <a14:hiddenLine xmlns:a14="http://schemas.microsoft.com/office/drawing/2010/main" xmlns="" w="9525">
                     <a:solidFill>
                       <a:srgbClr val="000000"/>
                     </a:solidFill>
@@ -10935,7 +10935,7 @@
               </a:ln>
               <a:extLst>
                 <a:ext uri="{91240B29-F687-4f45-9708-019B960494DF}">
-                  <a14:hiddenLine xmlns="" xmlns:a14="http://schemas.microsoft.com/office/drawing/2010/main" w="9525">
+                  <a14:hiddenLine xmlns:a14="http://schemas.microsoft.com/office/drawing/2010/main" xmlns="" w="9525">
                     <a:solidFill>
                       <a:srgbClr val="000000"/>
                     </a:solidFill>
@@ -11025,7 +11025,7 @@
               </a:ln>
               <a:extLst>
                 <a:ext uri="{91240B29-F687-4f45-9708-019B960494DF}">
-                  <a14:hiddenLine xmlns="" xmlns:a14="http://schemas.microsoft.com/office/drawing/2010/main" w="9525">
+                  <a14:hiddenLine xmlns:a14="http://schemas.microsoft.com/office/drawing/2010/main" xmlns="" w="9525">
                     <a:solidFill>
                       <a:srgbClr val="000000"/>
                     </a:solidFill>
@@ -11090,7 +11090,7 @@
               </a:ln>
               <a:extLst>
                 <a:ext uri="{91240B29-F687-4f45-9708-019B960494DF}">
-                  <a14:hiddenLine xmlns="" xmlns:a14="http://schemas.microsoft.com/office/drawing/2010/main" w="9525">
+                  <a14:hiddenLine xmlns:a14="http://schemas.microsoft.com/office/drawing/2010/main" xmlns="" w="9525">
                     <a:solidFill>
                       <a:srgbClr val="000000"/>
                     </a:solidFill>
@@ -11152,7 +11152,7 @@
               </a:ln>
               <a:extLst>
                 <a:ext uri="{91240B29-F687-4f45-9708-019B960494DF}">
-                  <a14:hiddenLine xmlns="" xmlns:a14="http://schemas.microsoft.com/office/drawing/2010/main" w="9525">
+                  <a14:hiddenLine xmlns:a14="http://schemas.microsoft.com/office/drawing/2010/main" xmlns="" w="9525">
                     <a:solidFill>
                       <a:srgbClr val="000000"/>
                     </a:solidFill>
@@ -11242,7 +11242,7 @@
               </a:ln>
               <a:extLst>
                 <a:ext uri="{91240B29-F687-4f45-9708-019B960494DF}">
-                  <a14:hiddenLine xmlns="" xmlns:a14="http://schemas.microsoft.com/office/drawing/2010/main" w="9525">
+                  <a14:hiddenLine xmlns:a14="http://schemas.microsoft.com/office/drawing/2010/main" xmlns="" w="9525">
                     <a:solidFill>
                       <a:srgbClr val="000000"/>
                     </a:solidFill>
@@ -11332,7 +11332,7 @@
               </a:ln>
               <a:extLst>
                 <a:ext uri="{91240B29-F687-4f45-9708-019B960494DF}">
-                  <a14:hiddenLine xmlns="" xmlns:a14="http://schemas.microsoft.com/office/drawing/2010/main" w="9525">
+                  <a14:hiddenLine xmlns:a14="http://schemas.microsoft.com/office/drawing/2010/main" xmlns="" w="9525">
                     <a:solidFill>
                       <a:srgbClr val="000000"/>
                     </a:solidFill>
@@ -11397,7 +11397,7 @@
               </a:ln>
               <a:extLst>
                 <a:ext uri="{91240B29-F687-4f45-9708-019B960494DF}">
-                  <a14:hiddenLine xmlns="" xmlns:a14="http://schemas.microsoft.com/office/drawing/2010/main" w="9525">
+                  <a14:hiddenLine xmlns:a14="http://schemas.microsoft.com/office/drawing/2010/main" xmlns="" w="9525">
                     <a:solidFill>
                       <a:srgbClr val="000000"/>
                     </a:solidFill>
@@ -11517,7 +11517,7 @@
               </a:ln>
               <a:extLst>
                 <a:ext uri="{91240B29-F687-4f45-9708-019B960494DF}">
-                  <a14:hiddenLine xmlns="" xmlns:a14="http://schemas.microsoft.com/office/drawing/2010/main" w="9525">
+                  <a14:hiddenLine xmlns:a14="http://schemas.microsoft.com/office/drawing/2010/main" xmlns="" w="9525">
                     <a:solidFill>
                       <a:srgbClr val="000000"/>
                     </a:solidFill>
@@ -11598,7 +11598,7 @@
               </a:ln>
               <a:extLst>
                 <a:ext uri="{91240B29-F687-4f45-9708-019B960494DF}">
-                  <a14:hiddenLine xmlns="" xmlns:a14="http://schemas.microsoft.com/office/drawing/2010/main" w="9525">
+                  <a14:hiddenLine xmlns:a14="http://schemas.microsoft.com/office/drawing/2010/main" xmlns="" w="9525">
                     <a:solidFill>
                       <a:srgbClr val="000000"/>
                     </a:solidFill>
@@ -11713,7 +11713,7 @@
               </a:ln>
               <a:extLst>
                 <a:ext uri="{91240B29-F687-4f45-9708-019B960494DF}">
-                  <a14:hiddenLine xmlns="" xmlns:a14="http://schemas.microsoft.com/office/drawing/2010/main" w="9525">
+                  <a14:hiddenLine xmlns:a14="http://schemas.microsoft.com/office/drawing/2010/main" xmlns="" w="9525">
                     <a:solidFill>
                       <a:srgbClr val="000000"/>
                     </a:solidFill>
@@ -11803,7 +11803,7 @@
               </a:ln>
               <a:extLst>
                 <a:ext uri="{91240B29-F687-4f45-9708-019B960494DF}">
-                  <a14:hiddenLine xmlns="" xmlns:a14="http://schemas.microsoft.com/office/drawing/2010/main" w="9525">
+                  <a14:hiddenLine xmlns:a14="http://schemas.microsoft.com/office/drawing/2010/main" xmlns="" w="9525">
                     <a:solidFill>
                       <a:srgbClr val="000000"/>
                     </a:solidFill>
@@ -11868,7 +11868,7 @@
               </a:ln>
               <a:extLst>
                 <a:ext uri="{91240B29-F687-4f45-9708-019B960494DF}">
-                  <a14:hiddenLine xmlns="" xmlns:a14="http://schemas.microsoft.com/office/drawing/2010/main" w="9525">
+                  <a14:hiddenLine xmlns:a14="http://schemas.microsoft.com/office/drawing/2010/main" xmlns="" w="9525">
                     <a:solidFill>
                       <a:srgbClr val="000000"/>
                     </a:solidFill>
@@ -11958,7 +11958,7 @@
               </a:ln>
               <a:extLst>
                 <a:ext uri="{91240B29-F687-4f45-9708-019B960494DF}">
-                  <a14:hiddenLine xmlns="" xmlns:a14="http://schemas.microsoft.com/office/drawing/2010/main" w="9525">
+                  <a14:hiddenLine xmlns:a14="http://schemas.microsoft.com/office/drawing/2010/main" xmlns="" w="9525">
                     <a:solidFill>
                       <a:srgbClr val="000000"/>
                     </a:solidFill>
@@ -12026,7 +12026,7 @@
               </a:ln>
               <a:extLst>
                 <a:ext uri="{91240B29-F687-4f45-9708-019B960494DF}">
-                  <a14:hiddenLine xmlns="" xmlns:a14="http://schemas.microsoft.com/office/drawing/2010/main" w="9525">
+                  <a14:hiddenLine xmlns:a14="http://schemas.microsoft.com/office/drawing/2010/main" xmlns="" w="9525">
                     <a:solidFill>
                       <a:srgbClr val="000000"/>
                     </a:solidFill>
@@ -12116,7 +12116,7 @@
               </a:ln>
               <a:extLst>
                 <a:ext uri="{91240B29-F687-4f45-9708-019B960494DF}">
-                  <a14:hiddenLine xmlns="" xmlns:a14="http://schemas.microsoft.com/office/drawing/2010/main" w="9525">
+                  <a14:hiddenLine xmlns:a14="http://schemas.microsoft.com/office/drawing/2010/main" xmlns="" w="9525">
                     <a:solidFill>
                       <a:srgbClr val="000000"/>
                     </a:solidFill>
@@ -12184,7 +12184,7 @@
               </a:ln>
               <a:extLst>
                 <a:ext uri="{91240B29-F687-4f45-9708-019B960494DF}">
-                  <a14:hiddenLine xmlns="" xmlns:a14="http://schemas.microsoft.com/office/drawing/2010/main" w="9525">
+                  <a14:hiddenLine xmlns:a14="http://schemas.microsoft.com/office/drawing/2010/main" xmlns="" w="9525">
                     <a:solidFill>
                       <a:srgbClr val="000000"/>
                     </a:solidFill>
@@ -12274,7 +12274,7 @@
               </a:ln>
               <a:extLst>
                 <a:ext uri="{91240B29-F687-4f45-9708-019B960494DF}">
-                  <a14:hiddenLine xmlns="" xmlns:a14="http://schemas.microsoft.com/office/drawing/2010/main" w="9525">
+                  <a14:hiddenLine xmlns:a14="http://schemas.microsoft.com/office/drawing/2010/main" xmlns="" w="9525">
                     <a:solidFill>
                       <a:srgbClr val="000000"/>
                     </a:solidFill>
@@ -12308,7 +12308,7 @@
               </a:ln>
               <a:extLst>
                 <a:ext uri="{91240B29-F687-4f45-9708-019B960494DF}">
-                  <a14:hiddenLine xmlns="" xmlns:a14="http://schemas.microsoft.com/office/drawing/2010/main" w="9525">
+                  <a14:hiddenLine xmlns:a14="http://schemas.microsoft.com/office/drawing/2010/main" xmlns="" w="9525">
                     <a:solidFill>
                       <a:srgbClr val="000000"/>
                     </a:solidFill>
@@ -13121,7 +13121,7 @@
           <a:noFill/>
           <a:extLst>
             <a:ext uri="{909E8E84-426E-40dd-AFC4-6F175D3DCCD1}">
-              <a14:hiddenFill xmlns:a14="http://schemas.microsoft.com/office/drawing/2010/main" xmlns:a16="http://schemas.microsoft.com/office/drawing/2014/main" xmlns="">
+              <a14:hiddenFill xmlns="" xmlns:a16="http://schemas.microsoft.com/office/drawing/2014/main" xmlns:a14="http://schemas.microsoft.com/office/drawing/2010/main">
                 <a:solidFill>
                   <a:srgbClr val="FFFFFF"/>
                 </a:solidFill>
@@ -13213,7 +13213,7 @@
             </a:ln>
             <a:extLst>
               <a:ext uri="{91240B29-F687-4f45-9708-019B960494DF}">
-                <a14:hiddenLine xmlns:a14="http://schemas.microsoft.com/office/drawing/2010/main" xmlns:a16="http://schemas.microsoft.com/office/drawing/2014/main" xmlns="" w="9525">
+                <a14:hiddenLine xmlns="" xmlns:a16="http://schemas.microsoft.com/office/drawing/2014/main" xmlns:a14="http://schemas.microsoft.com/office/drawing/2010/main" w="9525">
                   <a:solidFill>
                     <a:srgbClr val="000000"/>
                   </a:solidFill>
@@ -13318,7 +13318,7 @@
             </a:ln>
             <a:extLst>
               <a:ext uri="{91240B29-F687-4f45-9708-019B960494DF}">
-                <a14:hiddenLine xmlns:a14="http://schemas.microsoft.com/office/drawing/2010/main" xmlns:a16="http://schemas.microsoft.com/office/drawing/2014/main" xmlns="" w="9525">
+                <a14:hiddenLine xmlns="" xmlns:a16="http://schemas.microsoft.com/office/drawing/2014/main" xmlns:a14="http://schemas.microsoft.com/office/drawing/2010/main" w="9525">
                   <a:solidFill>
                     <a:srgbClr val="000000"/>
                   </a:solidFill>
@@ -13423,7 +13423,7 @@
             </a:ln>
             <a:extLst>
               <a:ext uri="{91240B29-F687-4f45-9708-019B960494DF}">
-                <a14:hiddenLine xmlns:a14="http://schemas.microsoft.com/office/drawing/2010/main" xmlns:a16="http://schemas.microsoft.com/office/drawing/2014/main" xmlns="" w="9525">
+                <a14:hiddenLine xmlns="" xmlns:a16="http://schemas.microsoft.com/office/drawing/2014/main" xmlns:a14="http://schemas.microsoft.com/office/drawing/2010/main" w="9525">
                   <a:solidFill>
                     <a:srgbClr val="000000"/>
                   </a:solidFill>
@@ -13472,7 +13472,7 @@
             </a:ln>
             <a:extLst>
               <a:ext uri="{91240B29-F687-4f45-9708-019B960494DF}">
-                <a14:hiddenLine xmlns:a14="http://schemas.microsoft.com/office/drawing/2010/main" xmlns:a16="http://schemas.microsoft.com/office/drawing/2014/main" xmlns="" w="9525">
+                <a14:hiddenLine xmlns="" xmlns:a16="http://schemas.microsoft.com/office/drawing/2014/main" xmlns:a14="http://schemas.microsoft.com/office/drawing/2010/main" w="9525">
                   <a:solidFill>
                     <a:srgbClr val="000000"/>
                   </a:solidFill>
@@ -13577,7 +13577,7 @@
             </a:ln>
             <a:extLst>
               <a:ext uri="{91240B29-F687-4f45-9708-019B960494DF}">
-                <a14:hiddenLine xmlns:a14="http://schemas.microsoft.com/office/drawing/2010/main" xmlns:a16="http://schemas.microsoft.com/office/drawing/2014/main" xmlns="" w="9525">
+                <a14:hiddenLine xmlns="" xmlns:a16="http://schemas.microsoft.com/office/drawing/2014/main" xmlns:a14="http://schemas.microsoft.com/office/drawing/2010/main" w="9525">
                   <a:solidFill>
                     <a:srgbClr val="000000"/>
                   </a:solidFill>
@@ -13654,7 +13654,7 @@
             </a:ln>
             <a:extLst>
               <a:ext uri="{91240B29-F687-4f45-9708-019B960494DF}">
-                <a14:hiddenLine xmlns:a14="http://schemas.microsoft.com/office/drawing/2010/main" xmlns:a16="http://schemas.microsoft.com/office/drawing/2014/main" xmlns="" w="9525">
+                <a14:hiddenLine xmlns="" xmlns:a16="http://schemas.microsoft.com/office/drawing/2014/main" xmlns:a14="http://schemas.microsoft.com/office/drawing/2010/main" w="9525">
                   <a:solidFill>
                     <a:srgbClr val="000000"/>
                   </a:solidFill>
@@ -13731,7 +13731,7 @@
             </a:ln>
             <a:extLst>
               <a:ext uri="{91240B29-F687-4f45-9708-019B960494DF}">
-                <a14:hiddenLine xmlns:a14="http://schemas.microsoft.com/office/drawing/2010/main" xmlns:a16="http://schemas.microsoft.com/office/drawing/2014/main" xmlns="" w="9525">
+                <a14:hiddenLine xmlns="" xmlns:a16="http://schemas.microsoft.com/office/drawing/2014/main" xmlns:a14="http://schemas.microsoft.com/office/drawing/2010/main" w="9525">
                   <a:solidFill>
                     <a:srgbClr val="000000"/>
                   </a:solidFill>
@@ -13836,7 +13836,7 @@
             </a:ln>
             <a:extLst>
               <a:ext uri="{91240B29-F687-4f45-9708-019B960494DF}">
-                <a14:hiddenLine xmlns:a14="http://schemas.microsoft.com/office/drawing/2010/main" xmlns:a16="http://schemas.microsoft.com/office/drawing/2014/main" xmlns="" w="9525">
+                <a14:hiddenLine xmlns="" xmlns:a16="http://schemas.microsoft.com/office/drawing/2014/main" xmlns:a14="http://schemas.microsoft.com/office/drawing/2010/main" w="9525">
                   <a:solidFill>
                     <a:srgbClr val="000000"/>
                   </a:solidFill>
@@ -13913,7 +13913,7 @@
             </a:ln>
             <a:extLst>
               <a:ext uri="{91240B29-F687-4f45-9708-019B960494DF}">
-                <a14:hiddenLine xmlns:a14="http://schemas.microsoft.com/office/drawing/2010/main" xmlns:a16="http://schemas.microsoft.com/office/drawing/2014/main" xmlns="" w="9525">
+                <a14:hiddenLine xmlns="" xmlns:a16="http://schemas.microsoft.com/office/drawing/2014/main" xmlns:a14="http://schemas.microsoft.com/office/drawing/2010/main" w="9525">
                   <a:solidFill>
                     <a:srgbClr val="000000"/>
                   </a:solidFill>
@@ -13990,7 +13990,7 @@
             </a:ln>
             <a:extLst>
               <a:ext uri="{91240B29-F687-4f45-9708-019B960494DF}">
-                <a14:hiddenLine xmlns:a14="http://schemas.microsoft.com/office/drawing/2010/main" xmlns:a16="http://schemas.microsoft.com/office/drawing/2014/main" xmlns="" w="9525">
+                <a14:hiddenLine xmlns="" xmlns:a16="http://schemas.microsoft.com/office/drawing/2014/main" xmlns:a14="http://schemas.microsoft.com/office/drawing/2010/main" w="9525">
                   <a:solidFill>
                     <a:srgbClr val="000000"/>
                   </a:solidFill>
@@ -14095,7 +14095,7 @@
             </a:ln>
             <a:extLst>
               <a:ext uri="{91240B29-F687-4f45-9708-019B960494DF}">
-                <a14:hiddenLine xmlns:a14="http://schemas.microsoft.com/office/drawing/2010/main" xmlns:a16="http://schemas.microsoft.com/office/drawing/2014/main" xmlns="" w="9525">
+                <a14:hiddenLine xmlns="" xmlns:a16="http://schemas.microsoft.com/office/drawing/2014/main" xmlns:a14="http://schemas.microsoft.com/office/drawing/2010/main" w="9525">
                   <a:solidFill>
                     <a:srgbClr val="000000"/>
                   </a:solidFill>
@@ -14200,7 +14200,7 @@
             </a:ln>
             <a:extLst>
               <a:ext uri="{91240B29-F687-4f45-9708-019B960494DF}">
-                <a14:hiddenLine xmlns:a14="http://schemas.microsoft.com/office/drawing/2010/main" xmlns:a16="http://schemas.microsoft.com/office/drawing/2014/main" xmlns="" w="9525">
+                <a14:hiddenLine xmlns="" xmlns:a16="http://schemas.microsoft.com/office/drawing/2014/main" xmlns:a14="http://schemas.microsoft.com/office/drawing/2010/main" w="9525">
                   <a:solidFill>
                     <a:srgbClr val="000000"/>
                   </a:solidFill>
@@ -14277,7 +14277,7 @@
             </a:ln>
             <a:extLst>
               <a:ext uri="{91240B29-F687-4f45-9708-019B960494DF}">
-                <a14:hiddenLine xmlns:a14="http://schemas.microsoft.com/office/drawing/2010/main" xmlns:a16="http://schemas.microsoft.com/office/drawing/2014/main" xmlns="" w="9525">
+                <a14:hiddenLine xmlns="" xmlns:a16="http://schemas.microsoft.com/office/drawing/2014/main" xmlns:a14="http://schemas.microsoft.com/office/drawing/2010/main" w="9525">
                   <a:solidFill>
                     <a:srgbClr val="000000"/>
                   </a:solidFill>
@@ -14402,7 +14402,7 @@
             </a:ln>
             <a:extLst>
               <a:ext uri="{91240B29-F687-4f45-9708-019B960494DF}">
-                <a14:hiddenLine xmlns:a14="http://schemas.microsoft.com/office/drawing/2010/main" xmlns:a16="http://schemas.microsoft.com/office/drawing/2014/main" xmlns="" w="9525">
+                <a14:hiddenLine xmlns="" xmlns:a16="http://schemas.microsoft.com/office/drawing/2014/main" xmlns:a14="http://schemas.microsoft.com/office/drawing/2010/main" w="9525">
                   <a:solidFill>
                     <a:srgbClr val="000000"/>
                   </a:solidFill>
@@ -14479,7 +14479,7 @@
             </a:ln>
             <a:extLst>
               <a:ext uri="{91240B29-F687-4f45-9708-019B960494DF}">
-                <a14:hiddenLine xmlns:a14="http://schemas.microsoft.com/office/drawing/2010/main" xmlns:a16="http://schemas.microsoft.com/office/drawing/2014/main" xmlns="" w="9525">
+                <a14:hiddenLine xmlns="" xmlns:a16="http://schemas.microsoft.com/office/drawing/2014/main" xmlns:a14="http://schemas.microsoft.com/office/drawing/2010/main" w="9525">
                   <a:solidFill>
                     <a:srgbClr val="000000"/>
                   </a:solidFill>
@@ -14584,7 +14584,7 @@
             </a:ln>
             <a:extLst>
               <a:ext uri="{91240B29-F687-4f45-9708-019B960494DF}">
-                <a14:hiddenLine xmlns:a14="http://schemas.microsoft.com/office/drawing/2010/main" xmlns:a16="http://schemas.microsoft.com/office/drawing/2014/main" xmlns="" w="9525">
+                <a14:hiddenLine xmlns="" xmlns:a16="http://schemas.microsoft.com/office/drawing/2014/main" xmlns:a14="http://schemas.microsoft.com/office/drawing/2010/main" w="9525">
                   <a:solidFill>
                     <a:srgbClr val="000000"/>
                   </a:solidFill>
@@ -14689,7 +14689,7 @@
             </a:ln>
             <a:extLst>
               <a:ext uri="{91240B29-F687-4f45-9708-019B960494DF}">
-                <a14:hiddenLine xmlns:a14="http://schemas.microsoft.com/office/drawing/2010/main" xmlns:a16="http://schemas.microsoft.com/office/drawing/2014/main" xmlns="" w="9525">
+                <a14:hiddenLine xmlns="" xmlns:a16="http://schemas.microsoft.com/office/drawing/2014/main" xmlns:a14="http://schemas.microsoft.com/office/drawing/2010/main" w="9525">
                   <a:solidFill>
                     <a:srgbClr val="000000"/>
                   </a:solidFill>
@@ -14766,7 +14766,7 @@
             </a:ln>
             <a:extLst>
               <a:ext uri="{91240B29-F687-4f45-9708-019B960494DF}">
-                <a14:hiddenLine xmlns:a14="http://schemas.microsoft.com/office/drawing/2010/main" xmlns:a16="http://schemas.microsoft.com/office/drawing/2014/main" xmlns="" w="9525">
+                <a14:hiddenLine xmlns="" xmlns:a16="http://schemas.microsoft.com/office/drawing/2014/main" xmlns:a14="http://schemas.microsoft.com/office/drawing/2010/main" w="9525">
                   <a:solidFill>
                     <a:srgbClr val="000000"/>
                   </a:solidFill>
@@ -14871,7 +14871,7 @@
             </a:ln>
             <a:extLst>
               <a:ext uri="{91240B29-F687-4f45-9708-019B960494DF}">
-                <a14:hiddenLine xmlns:a14="http://schemas.microsoft.com/office/drawing/2010/main" xmlns:a16="http://schemas.microsoft.com/office/drawing/2014/main" xmlns="" w="9525">
+                <a14:hiddenLine xmlns="" xmlns:a16="http://schemas.microsoft.com/office/drawing/2014/main" xmlns:a14="http://schemas.microsoft.com/office/drawing/2010/main" w="9525">
                   <a:solidFill>
                     <a:srgbClr val="000000"/>
                   </a:solidFill>
@@ -14976,7 +14976,7 @@
             </a:ln>
             <a:extLst>
               <a:ext uri="{91240B29-F687-4f45-9708-019B960494DF}">
-                <a14:hiddenLine xmlns:a14="http://schemas.microsoft.com/office/drawing/2010/main" xmlns:a16="http://schemas.microsoft.com/office/drawing/2014/main" xmlns="" w="9525">
+                <a14:hiddenLine xmlns="" xmlns:a16="http://schemas.microsoft.com/office/drawing/2014/main" xmlns:a14="http://schemas.microsoft.com/office/drawing/2010/main" w="9525">
                   <a:solidFill>
                     <a:srgbClr val="000000"/>
                   </a:solidFill>
@@ -15047,7 +15047,7 @@
             </a:ln>
             <a:extLst>
               <a:ext uri="{91240B29-F687-4f45-9708-019B960494DF}">
-                <a14:hiddenLine xmlns:a14="http://schemas.microsoft.com/office/drawing/2010/main" xmlns:a16="http://schemas.microsoft.com/office/drawing/2014/main" xmlns="" w="9525">
+                <a14:hiddenLine xmlns="" xmlns:a16="http://schemas.microsoft.com/office/drawing/2014/main" xmlns:a14="http://schemas.microsoft.com/office/drawing/2010/main" w="9525">
                   <a:solidFill>
                     <a:srgbClr val="000000"/>
                   </a:solidFill>
@@ -15152,7 +15152,7 @@
             </a:ln>
             <a:extLst>
               <a:ext uri="{91240B29-F687-4f45-9708-019B960494DF}">
-                <a14:hiddenLine xmlns:a14="http://schemas.microsoft.com/office/drawing/2010/main" xmlns:a16="http://schemas.microsoft.com/office/drawing/2014/main" xmlns="" w="9525">
+                <a14:hiddenLine xmlns="" xmlns:a16="http://schemas.microsoft.com/office/drawing/2014/main" xmlns:a14="http://schemas.microsoft.com/office/drawing/2010/main" w="9525">
                   <a:solidFill>
                     <a:srgbClr val="000000"/>
                   </a:solidFill>
@@ -15223,7 +15223,7 @@
             </a:ln>
             <a:extLst>
               <a:ext uri="{91240B29-F687-4f45-9708-019B960494DF}">
-                <a14:hiddenLine xmlns:a14="http://schemas.microsoft.com/office/drawing/2010/main" xmlns:a16="http://schemas.microsoft.com/office/drawing/2014/main" xmlns="" w="9525">
+                <a14:hiddenLine xmlns="" xmlns:a16="http://schemas.microsoft.com/office/drawing/2014/main" xmlns:a14="http://schemas.microsoft.com/office/drawing/2010/main" w="9525">
                   <a:solidFill>
                     <a:srgbClr val="000000"/>
                   </a:solidFill>
@@ -15328,7 +15328,7 @@
             </a:ln>
             <a:extLst>
               <a:ext uri="{91240B29-F687-4f45-9708-019B960494DF}">
-                <a14:hiddenLine xmlns:a14="http://schemas.microsoft.com/office/drawing/2010/main" xmlns:a16="http://schemas.microsoft.com/office/drawing/2014/main" xmlns="" w="9525">
+                <a14:hiddenLine xmlns="" xmlns:a16="http://schemas.microsoft.com/office/drawing/2014/main" xmlns:a14="http://schemas.microsoft.com/office/drawing/2010/main" w="9525">
                   <a:solidFill>
                     <a:srgbClr val="000000"/>
                   </a:solidFill>
@@ -15411,7 +15411,7 @@
             </a:ln>
             <a:extLst>
               <a:ext uri="{91240B29-F687-4f45-9708-019B960494DF}">
-                <a14:hiddenLine xmlns:a14="http://schemas.microsoft.com/office/drawing/2010/main" xmlns:a16="http://schemas.microsoft.com/office/drawing/2014/main" xmlns="" w="9525">
+                <a14:hiddenLine xmlns="" xmlns:a16="http://schemas.microsoft.com/office/drawing/2014/main" xmlns:a14="http://schemas.microsoft.com/office/drawing/2010/main" w="9525">
                   <a:solidFill>
                     <a:srgbClr val="000000"/>
                   </a:solidFill>
@@ -15516,7 +15516,7 @@
             </a:ln>
             <a:extLst>
               <a:ext uri="{91240B29-F687-4f45-9708-019B960494DF}">
-                <a14:hiddenLine xmlns:a14="http://schemas.microsoft.com/office/drawing/2010/main" xmlns:a16="http://schemas.microsoft.com/office/drawing/2014/main" xmlns="" w="9525">
+                <a14:hiddenLine xmlns="" xmlns:a16="http://schemas.microsoft.com/office/drawing/2014/main" xmlns:a14="http://schemas.microsoft.com/office/drawing/2010/main" w="9525">
                   <a:solidFill>
                     <a:srgbClr val="000000"/>
                   </a:solidFill>
@@ -15599,7 +15599,7 @@
             </a:ln>
             <a:extLst>
               <a:ext uri="{91240B29-F687-4f45-9708-019B960494DF}">
-                <a14:hiddenLine xmlns:a14="http://schemas.microsoft.com/office/drawing/2010/main" xmlns:a16="http://schemas.microsoft.com/office/drawing/2014/main" xmlns="" w="9525">
+                <a14:hiddenLine xmlns="" xmlns:a16="http://schemas.microsoft.com/office/drawing/2014/main" xmlns:a14="http://schemas.microsoft.com/office/drawing/2010/main" w="9525">
                   <a:solidFill>
                     <a:srgbClr val="000000"/>
                   </a:solidFill>
@@ -15704,7 +15704,7 @@
             </a:ln>
             <a:extLst>
               <a:ext uri="{91240B29-F687-4f45-9708-019B960494DF}">
-                <a14:hiddenLine xmlns:a14="http://schemas.microsoft.com/office/drawing/2010/main" xmlns:a16="http://schemas.microsoft.com/office/drawing/2014/main" xmlns="" w="9525">
+                <a14:hiddenLine xmlns="" xmlns:a16="http://schemas.microsoft.com/office/drawing/2014/main" xmlns:a14="http://schemas.microsoft.com/office/drawing/2010/main" w="9525">
                   <a:solidFill>
                     <a:srgbClr val="000000"/>
                   </a:solidFill>
@@ -15753,7 +15753,7 @@
             </a:ln>
             <a:extLst>
               <a:ext uri="{91240B29-F687-4f45-9708-019B960494DF}">
-                <a14:hiddenLine xmlns:a14="http://schemas.microsoft.com/office/drawing/2010/main" xmlns:a16="http://schemas.microsoft.com/office/drawing/2014/main" xmlns="" w="9525">
+                <a14:hiddenLine xmlns="" xmlns:a16="http://schemas.microsoft.com/office/drawing/2014/main" xmlns:a14="http://schemas.microsoft.com/office/drawing/2010/main" w="9525">
                   <a:solidFill>
                     <a:srgbClr val="000000"/>
                   </a:solidFill>
@@ -15858,7 +15858,7 @@
             </a:ln>
             <a:extLst>
               <a:ext uri="{91240B29-F687-4f45-9708-019B960494DF}">
-                <a14:hiddenLine xmlns:a14="http://schemas.microsoft.com/office/drawing/2010/main" xmlns:a16="http://schemas.microsoft.com/office/drawing/2014/main" xmlns="" w="9525">
+                <a14:hiddenLine xmlns="" xmlns:a16="http://schemas.microsoft.com/office/drawing/2014/main" xmlns:a14="http://schemas.microsoft.com/office/drawing/2010/main" w="9525">
                   <a:solidFill>
                     <a:srgbClr val="000000"/>
                   </a:solidFill>
@@ -15935,7 +15935,7 @@
             </a:ln>
             <a:extLst>
               <a:ext uri="{91240B29-F687-4f45-9708-019B960494DF}">
-                <a14:hiddenLine xmlns:a14="http://schemas.microsoft.com/office/drawing/2010/main" xmlns:a16="http://schemas.microsoft.com/office/drawing/2014/main" xmlns="" w="9525">
+                <a14:hiddenLine xmlns="" xmlns:a16="http://schemas.microsoft.com/office/drawing/2014/main" xmlns:a14="http://schemas.microsoft.com/office/drawing/2010/main" w="9525">
                   <a:solidFill>
                     <a:srgbClr val="000000"/>
                   </a:solidFill>
@@ -16012,7 +16012,7 @@
             </a:ln>
             <a:extLst>
               <a:ext uri="{91240B29-F687-4f45-9708-019B960494DF}">
-                <a14:hiddenLine xmlns:a14="http://schemas.microsoft.com/office/drawing/2010/main" xmlns:a16="http://schemas.microsoft.com/office/drawing/2014/main" xmlns="" w="9525">
+                <a14:hiddenLine xmlns="" xmlns:a16="http://schemas.microsoft.com/office/drawing/2014/main" xmlns:a14="http://schemas.microsoft.com/office/drawing/2010/main" w="9525">
                   <a:solidFill>
                     <a:srgbClr val="000000"/>
                   </a:solidFill>
@@ -16117,7 +16117,7 @@
             </a:ln>
             <a:extLst>
               <a:ext uri="{91240B29-F687-4f45-9708-019B960494DF}">
-                <a14:hiddenLine xmlns:a14="http://schemas.microsoft.com/office/drawing/2010/main" xmlns:a16="http://schemas.microsoft.com/office/drawing/2014/main" xmlns="" w="9525">
+                <a14:hiddenLine xmlns="" xmlns:a16="http://schemas.microsoft.com/office/drawing/2014/main" xmlns:a14="http://schemas.microsoft.com/office/drawing/2010/main" w="9525">
                   <a:solidFill>
                     <a:srgbClr val="000000"/>
                   </a:solidFill>
@@ -16200,7 +16200,7 @@
             </a:ln>
             <a:extLst>
               <a:ext uri="{91240B29-F687-4f45-9708-019B960494DF}">
-                <a14:hiddenLine xmlns:a14="http://schemas.microsoft.com/office/drawing/2010/main" xmlns:a16="http://schemas.microsoft.com/office/drawing/2014/main" xmlns="" w="9525">
+                <a14:hiddenLine xmlns="" xmlns:a16="http://schemas.microsoft.com/office/drawing/2014/main" xmlns:a14="http://schemas.microsoft.com/office/drawing/2010/main" w="9525">
                   <a:solidFill>
                     <a:srgbClr val="000000"/>
                   </a:solidFill>
@@ -16277,7 +16277,7 @@
             </a:ln>
             <a:extLst>
               <a:ext uri="{91240B29-F687-4f45-9708-019B960494DF}">
-                <a14:hiddenLine xmlns:a14="http://schemas.microsoft.com/office/drawing/2010/main" xmlns:a16="http://schemas.microsoft.com/office/drawing/2014/main" xmlns="" w="9525">
+                <a14:hiddenLine xmlns="" xmlns:a16="http://schemas.microsoft.com/office/drawing/2014/main" xmlns:a14="http://schemas.microsoft.com/office/drawing/2010/main" w="9525">
                   <a:solidFill>
                     <a:srgbClr val="000000"/>
                   </a:solidFill>
@@ -16382,7 +16382,7 @@
             </a:ln>
             <a:extLst>
               <a:ext uri="{91240B29-F687-4f45-9708-019B960494DF}">
-                <a14:hiddenLine xmlns:a14="http://schemas.microsoft.com/office/drawing/2010/main" xmlns:a16="http://schemas.microsoft.com/office/drawing/2014/main" xmlns="" w="9525">
+                <a14:hiddenLine xmlns="" xmlns:a16="http://schemas.microsoft.com/office/drawing/2014/main" xmlns:a14="http://schemas.microsoft.com/office/drawing/2010/main" w="9525">
                   <a:solidFill>
                     <a:srgbClr val="000000"/>
                   </a:solidFill>
@@ -16459,7 +16459,7 @@
             </a:ln>
             <a:extLst>
               <a:ext uri="{91240B29-F687-4f45-9708-019B960494DF}">
-                <a14:hiddenLine xmlns:a14="http://schemas.microsoft.com/office/drawing/2010/main" xmlns:a16="http://schemas.microsoft.com/office/drawing/2014/main" xmlns="" w="9525">
+                <a14:hiddenLine xmlns="" xmlns:a16="http://schemas.microsoft.com/office/drawing/2014/main" xmlns:a14="http://schemas.microsoft.com/office/drawing/2010/main" w="9525">
                   <a:solidFill>
                     <a:srgbClr val="000000"/>
                   </a:solidFill>
@@ -16564,7 +16564,7 @@
             </a:ln>
             <a:extLst>
               <a:ext uri="{91240B29-F687-4f45-9708-019B960494DF}">
-                <a14:hiddenLine xmlns:a14="http://schemas.microsoft.com/office/drawing/2010/main" xmlns:a16="http://schemas.microsoft.com/office/drawing/2014/main" xmlns="" w="9525">
+                <a14:hiddenLine xmlns="" xmlns:a16="http://schemas.microsoft.com/office/drawing/2014/main" xmlns:a14="http://schemas.microsoft.com/office/drawing/2010/main" w="9525">
                   <a:solidFill>
                     <a:srgbClr val="000000"/>
                   </a:solidFill>
@@ -16641,7 +16641,7 @@
             </a:ln>
             <a:extLst>
               <a:ext uri="{91240B29-F687-4f45-9708-019B960494DF}">
-                <a14:hiddenLine xmlns:a14="http://schemas.microsoft.com/office/drawing/2010/main" xmlns:a16="http://schemas.microsoft.com/office/drawing/2014/main" xmlns="" w="9525">
+                <a14:hiddenLine xmlns="" xmlns:a16="http://schemas.microsoft.com/office/drawing/2014/main" xmlns:a14="http://schemas.microsoft.com/office/drawing/2010/main" w="9525">
                   <a:solidFill>
                     <a:srgbClr val="000000"/>
                   </a:solidFill>
@@ -16746,7 +16746,7 @@
             </a:ln>
             <a:extLst>
               <a:ext uri="{91240B29-F687-4f45-9708-019B960494DF}">
-                <a14:hiddenLine xmlns:a14="http://schemas.microsoft.com/office/drawing/2010/main" xmlns:a16="http://schemas.microsoft.com/office/drawing/2014/main" xmlns="" w="9525">
+                <a14:hiddenLine xmlns="" xmlns:a16="http://schemas.microsoft.com/office/drawing/2014/main" xmlns:a14="http://schemas.microsoft.com/office/drawing/2010/main" w="9525">
                   <a:solidFill>
                     <a:srgbClr val="000000"/>
                   </a:solidFill>
@@ -16795,7 +16795,7 @@
             </a:ln>
             <a:extLst>
               <a:ext uri="{91240B29-F687-4f45-9708-019B960494DF}">
-                <a14:hiddenLine xmlns:a14="http://schemas.microsoft.com/office/drawing/2010/main" xmlns:a16="http://schemas.microsoft.com/office/drawing/2014/main" xmlns="" w="9525">
+                <a14:hiddenLine xmlns="" xmlns:a16="http://schemas.microsoft.com/office/drawing/2014/main" xmlns:a14="http://schemas.microsoft.com/office/drawing/2010/main" w="9525">
                   <a:solidFill>
                     <a:srgbClr val="000000"/>
                   </a:solidFill>
@@ -16875,7 +16875,7 @@
             </a:ln>
             <a:extLst>
               <a:ext uri="{91240B29-F687-4f45-9708-019B960494DF}">
-                <a14:hiddenLine xmlns:a14="http://schemas.microsoft.com/office/drawing/2010/main" xmlns:a16="http://schemas.microsoft.com/office/drawing/2014/main" xmlns="" w="9525">
+                <a14:hiddenLine xmlns="" xmlns:a16="http://schemas.microsoft.com/office/drawing/2014/main" xmlns:a14="http://schemas.microsoft.com/office/drawing/2010/main" w="9525">
                   <a:solidFill>
                     <a:srgbClr val="000000"/>
                   </a:solidFill>
@@ -16980,7 +16980,7 @@
             </a:ln>
             <a:extLst>
               <a:ext uri="{91240B29-F687-4f45-9708-019B960494DF}">
-                <a14:hiddenLine xmlns:a14="http://schemas.microsoft.com/office/drawing/2010/main" xmlns:a16="http://schemas.microsoft.com/office/drawing/2014/main" xmlns="" w="9525">
+                <a14:hiddenLine xmlns="" xmlns:a16="http://schemas.microsoft.com/office/drawing/2014/main" xmlns:a14="http://schemas.microsoft.com/office/drawing/2010/main" w="9525">
                   <a:solidFill>
                     <a:srgbClr val="000000"/>
                   </a:solidFill>
@@ -17057,7 +17057,7 @@
             </a:ln>
             <a:extLst>
               <a:ext uri="{91240B29-F687-4f45-9708-019B960494DF}">
-                <a14:hiddenLine xmlns:a14="http://schemas.microsoft.com/office/drawing/2010/main" xmlns:a16="http://schemas.microsoft.com/office/drawing/2014/main" xmlns="" w="9525">
+                <a14:hiddenLine xmlns="" xmlns:a16="http://schemas.microsoft.com/office/drawing/2014/main" xmlns:a14="http://schemas.microsoft.com/office/drawing/2010/main" w="9525">
                   <a:solidFill>
                     <a:srgbClr val="000000"/>
                   </a:solidFill>
@@ -17162,7 +17162,7 @@
             </a:ln>
             <a:extLst>
               <a:ext uri="{91240B29-F687-4f45-9708-019B960494DF}">
-                <a14:hiddenLine xmlns:a14="http://schemas.microsoft.com/office/drawing/2010/main" xmlns:a16="http://schemas.microsoft.com/office/drawing/2014/main" xmlns="" w="9525">
+                <a14:hiddenLine xmlns="" xmlns:a16="http://schemas.microsoft.com/office/drawing/2014/main" xmlns:a14="http://schemas.microsoft.com/office/drawing/2010/main" w="9525">
                   <a:solidFill>
                     <a:srgbClr val="000000"/>
                   </a:solidFill>
@@ -17267,7 +17267,7 @@
             </a:ln>
             <a:extLst>
               <a:ext uri="{91240B29-F687-4f45-9708-019B960494DF}">
-                <a14:hiddenLine xmlns:a14="http://schemas.microsoft.com/office/drawing/2010/main" xmlns:a16="http://schemas.microsoft.com/office/drawing/2014/main" xmlns="" w="9525">
+                <a14:hiddenLine xmlns="" xmlns:a16="http://schemas.microsoft.com/office/drawing/2014/main" xmlns:a14="http://schemas.microsoft.com/office/drawing/2010/main" w="9525">
                   <a:solidFill>
                     <a:srgbClr val="000000"/>
                   </a:solidFill>
@@ -17347,7 +17347,7 @@
             </a:ln>
             <a:extLst>
               <a:ext uri="{91240B29-F687-4f45-9708-019B960494DF}">
-                <a14:hiddenLine xmlns:a14="http://schemas.microsoft.com/office/drawing/2010/main" xmlns:a16="http://schemas.microsoft.com/office/drawing/2014/main" xmlns="" w="9525">
+                <a14:hiddenLine xmlns="" xmlns:a16="http://schemas.microsoft.com/office/drawing/2014/main" xmlns:a14="http://schemas.microsoft.com/office/drawing/2010/main" w="9525">
                   <a:solidFill>
                     <a:srgbClr val="000000"/>
                   </a:solidFill>
@@ -17424,7 +17424,7 @@
             </a:ln>
             <a:extLst>
               <a:ext uri="{91240B29-F687-4f45-9708-019B960494DF}">
-                <a14:hiddenLine xmlns:a14="http://schemas.microsoft.com/office/drawing/2010/main" xmlns:a16="http://schemas.microsoft.com/office/drawing/2014/main" xmlns="" w="9525">
+                <a14:hiddenLine xmlns="" xmlns:a16="http://schemas.microsoft.com/office/drawing/2014/main" xmlns:a14="http://schemas.microsoft.com/office/drawing/2010/main" w="9525">
                   <a:solidFill>
                     <a:srgbClr val="000000"/>
                   </a:solidFill>
@@ -17529,7 +17529,7 @@
             </a:ln>
             <a:extLst>
               <a:ext uri="{91240B29-F687-4f45-9708-019B960494DF}">
-                <a14:hiddenLine xmlns:a14="http://schemas.microsoft.com/office/drawing/2010/main" xmlns:a16="http://schemas.microsoft.com/office/drawing/2014/main" xmlns="" w="9525">
+                <a14:hiddenLine xmlns="" xmlns:a16="http://schemas.microsoft.com/office/drawing/2014/main" xmlns:a14="http://schemas.microsoft.com/office/drawing/2010/main" w="9525">
                   <a:solidFill>
                     <a:srgbClr val="000000"/>
                   </a:solidFill>
@@ -17634,7 +17634,7 @@
             </a:ln>
             <a:extLst>
               <a:ext uri="{91240B29-F687-4f45-9708-019B960494DF}">
-                <a14:hiddenLine xmlns:a14="http://schemas.microsoft.com/office/drawing/2010/main" xmlns:a16="http://schemas.microsoft.com/office/drawing/2014/main" xmlns="" w="9525">
+                <a14:hiddenLine xmlns="" xmlns:a16="http://schemas.microsoft.com/office/drawing/2014/main" xmlns:a14="http://schemas.microsoft.com/office/drawing/2010/main" w="9525">
                   <a:solidFill>
                     <a:srgbClr val="000000"/>
                   </a:solidFill>
@@ -17711,7 +17711,7 @@
             </a:ln>
             <a:extLst>
               <a:ext uri="{91240B29-F687-4f45-9708-019B960494DF}">
-                <a14:hiddenLine xmlns:a14="http://schemas.microsoft.com/office/drawing/2010/main" xmlns:a16="http://schemas.microsoft.com/office/drawing/2014/main" xmlns="" w="9525">
+                <a14:hiddenLine xmlns="" xmlns:a16="http://schemas.microsoft.com/office/drawing/2014/main" xmlns:a14="http://schemas.microsoft.com/office/drawing/2010/main" w="9525">
                   <a:solidFill>
                     <a:srgbClr val="000000"/>
                   </a:solidFill>
@@ -17846,7 +17846,7 @@
             </a:ln>
             <a:extLst>
               <a:ext uri="{91240B29-F687-4f45-9708-019B960494DF}">
-                <a14:hiddenLine xmlns:a14="http://schemas.microsoft.com/office/drawing/2010/main" xmlns:a16="http://schemas.microsoft.com/office/drawing/2014/main" xmlns="" w="9525">
+                <a14:hiddenLine xmlns="" xmlns:a16="http://schemas.microsoft.com/office/drawing/2014/main" xmlns:a14="http://schemas.microsoft.com/office/drawing/2010/main" w="9525">
                   <a:solidFill>
                     <a:srgbClr val="000000"/>
                   </a:solidFill>
@@ -17929,7 +17929,7 @@
             </a:ln>
             <a:extLst>
               <a:ext uri="{91240B29-F687-4f45-9708-019B960494DF}">
-                <a14:hiddenLine xmlns:a14="http://schemas.microsoft.com/office/drawing/2010/main" xmlns:a16="http://schemas.microsoft.com/office/drawing/2014/main" xmlns="" w="9525">
+                <a14:hiddenLine xmlns="" xmlns:a16="http://schemas.microsoft.com/office/drawing/2014/main" xmlns:a14="http://schemas.microsoft.com/office/drawing/2010/main" w="9525">
                   <a:solidFill>
                     <a:srgbClr val="000000"/>
                   </a:solidFill>
@@ -18034,7 +18034,7 @@
             </a:ln>
             <a:extLst>
               <a:ext uri="{91240B29-F687-4f45-9708-019B960494DF}">
-                <a14:hiddenLine xmlns:a14="http://schemas.microsoft.com/office/drawing/2010/main" xmlns:a16="http://schemas.microsoft.com/office/drawing/2014/main" xmlns="" w="9525">
+                <a14:hiddenLine xmlns="" xmlns:a16="http://schemas.microsoft.com/office/drawing/2014/main" xmlns:a14="http://schemas.microsoft.com/office/drawing/2010/main" w="9525">
                   <a:solidFill>
                     <a:srgbClr val="000000"/>
                   </a:solidFill>
@@ -18181,7 +18181,7 @@
             </a:ln>
             <a:extLst>
               <a:ext uri="{91240B29-F687-4f45-9708-019B960494DF}">
-                <a14:hiddenLine xmlns:a14="http://schemas.microsoft.com/office/drawing/2010/main" xmlns:p14="http://schemas.microsoft.com/office/powerpoint/2010/main" xmlns:a16="http://schemas.microsoft.com/office/drawing/2014/main" xmlns="" w="9525">
+                <a14:hiddenLine xmlns="" xmlns:a16="http://schemas.microsoft.com/office/drawing/2014/main" xmlns:p14="http://schemas.microsoft.com/office/powerpoint/2010/main" xmlns:a14="http://schemas.microsoft.com/office/drawing/2010/main" w="9525">
                   <a:solidFill>
                     <a:srgbClr val="000000"/>
                   </a:solidFill>
@@ -18286,7 +18286,7 @@
             </a:ln>
             <a:extLst>
               <a:ext uri="{91240B29-F687-4f45-9708-019B960494DF}">
-                <a14:hiddenLine xmlns:a14="http://schemas.microsoft.com/office/drawing/2010/main" xmlns:p14="http://schemas.microsoft.com/office/powerpoint/2010/main" xmlns:a16="http://schemas.microsoft.com/office/drawing/2014/main" xmlns="" w="9525">
+                <a14:hiddenLine xmlns="" xmlns:a16="http://schemas.microsoft.com/office/drawing/2014/main" xmlns:p14="http://schemas.microsoft.com/office/powerpoint/2010/main" xmlns:a14="http://schemas.microsoft.com/office/drawing/2010/main" w="9525">
                   <a:solidFill>
                     <a:srgbClr val="000000"/>
                   </a:solidFill>
@@ -18391,7 +18391,7 @@
             </a:ln>
             <a:extLst>
               <a:ext uri="{91240B29-F687-4f45-9708-019B960494DF}">
-                <a14:hiddenLine xmlns:a14="http://schemas.microsoft.com/office/drawing/2010/main" xmlns:p14="http://schemas.microsoft.com/office/powerpoint/2010/main" xmlns:a16="http://schemas.microsoft.com/office/drawing/2014/main" xmlns="" w="9525">
+                <a14:hiddenLine xmlns="" xmlns:a16="http://schemas.microsoft.com/office/drawing/2014/main" xmlns:p14="http://schemas.microsoft.com/office/powerpoint/2010/main" xmlns:a14="http://schemas.microsoft.com/office/drawing/2010/main" w="9525">
                   <a:solidFill>
                     <a:srgbClr val="000000"/>
                   </a:solidFill>
@@ -18440,7 +18440,7 @@
             </a:ln>
             <a:extLst>
               <a:ext uri="{91240B29-F687-4f45-9708-019B960494DF}">
-                <a14:hiddenLine xmlns:a14="http://schemas.microsoft.com/office/drawing/2010/main" xmlns:p14="http://schemas.microsoft.com/office/powerpoint/2010/main" xmlns:a16="http://schemas.microsoft.com/office/drawing/2014/main" xmlns="" w="9525">
+                <a14:hiddenLine xmlns="" xmlns:a16="http://schemas.microsoft.com/office/drawing/2014/main" xmlns:p14="http://schemas.microsoft.com/office/powerpoint/2010/main" xmlns:a14="http://schemas.microsoft.com/office/drawing/2010/main" w="9525">
                   <a:solidFill>
                     <a:srgbClr val="000000"/>
                   </a:solidFill>
@@ -18545,7 +18545,7 @@
             </a:ln>
             <a:extLst>
               <a:ext uri="{91240B29-F687-4f45-9708-019B960494DF}">
-                <a14:hiddenLine xmlns:a14="http://schemas.microsoft.com/office/drawing/2010/main" xmlns:p14="http://schemas.microsoft.com/office/powerpoint/2010/main" xmlns:a16="http://schemas.microsoft.com/office/drawing/2014/main" xmlns="" w="9525">
+                <a14:hiddenLine xmlns="" xmlns:a16="http://schemas.microsoft.com/office/drawing/2014/main" xmlns:p14="http://schemas.microsoft.com/office/powerpoint/2010/main" xmlns:a14="http://schemas.microsoft.com/office/drawing/2010/main" w="9525">
                   <a:solidFill>
                     <a:srgbClr val="000000"/>
                   </a:solidFill>
@@ -18622,7 +18622,7 @@
             </a:ln>
             <a:extLst>
               <a:ext uri="{91240B29-F687-4f45-9708-019B960494DF}">
-                <a14:hiddenLine xmlns:a14="http://schemas.microsoft.com/office/drawing/2010/main" xmlns:p14="http://schemas.microsoft.com/office/powerpoint/2010/main" xmlns:a16="http://schemas.microsoft.com/office/drawing/2014/main" xmlns="" w="9525">
+                <a14:hiddenLine xmlns="" xmlns:a16="http://schemas.microsoft.com/office/drawing/2014/main" xmlns:p14="http://schemas.microsoft.com/office/powerpoint/2010/main" xmlns:a14="http://schemas.microsoft.com/office/drawing/2010/main" w="9525">
                   <a:solidFill>
                     <a:srgbClr val="000000"/>
                   </a:solidFill>
@@ -18699,7 +18699,7 @@
             </a:ln>
             <a:extLst>
               <a:ext uri="{91240B29-F687-4f45-9708-019B960494DF}">
-                <a14:hiddenLine xmlns:a14="http://schemas.microsoft.com/office/drawing/2010/main" xmlns:p14="http://schemas.microsoft.com/office/powerpoint/2010/main" xmlns:a16="http://schemas.microsoft.com/office/drawing/2014/main" xmlns="" w="9525">
+                <a14:hiddenLine xmlns="" xmlns:a16="http://schemas.microsoft.com/office/drawing/2014/main" xmlns:p14="http://schemas.microsoft.com/office/powerpoint/2010/main" xmlns:a14="http://schemas.microsoft.com/office/drawing/2010/main" w="9525">
                   <a:solidFill>
                     <a:srgbClr val="000000"/>
                   </a:solidFill>
@@ -18804,7 +18804,7 @@
             </a:ln>
             <a:extLst>
               <a:ext uri="{91240B29-F687-4f45-9708-019B960494DF}">
-                <a14:hiddenLine xmlns:a14="http://schemas.microsoft.com/office/drawing/2010/main" xmlns:p14="http://schemas.microsoft.com/office/powerpoint/2010/main" xmlns:a16="http://schemas.microsoft.com/office/drawing/2014/main" xmlns="" w="9525">
+                <a14:hiddenLine xmlns="" xmlns:a16="http://schemas.microsoft.com/office/drawing/2014/main" xmlns:p14="http://schemas.microsoft.com/office/powerpoint/2010/main" xmlns:a14="http://schemas.microsoft.com/office/drawing/2010/main" w="9525">
                   <a:solidFill>
                     <a:srgbClr val="000000"/>
                   </a:solidFill>
@@ -18881,7 +18881,7 @@
             </a:ln>
             <a:extLst>
               <a:ext uri="{91240B29-F687-4f45-9708-019B960494DF}">
-                <a14:hiddenLine xmlns:a14="http://schemas.microsoft.com/office/drawing/2010/main" xmlns:p14="http://schemas.microsoft.com/office/powerpoint/2010/main" xmlns:a16="http://schemas.microsoft.com/office/drawing/2014/main" xmlns="" w="9525">
+                <a14:hiddenLine xmlns="" xmlns:a16="http://schemas.microsoft.com/office/drawing/2014/main" xmlns:p14="http://schemas.microsoft.com/office/powerpoint/2010/main" xmlns:a14="http://schemas.microsoft.com/office/drawing/2010/main" w="9525">
                   <a:solidFill>
                     <a:srgbClr val="000000"/>
                   </a:solidFill>
@@ -18958,7 +18958,7 @@
             </a:ln>
             <a:extLst>
               <a:ext uri="{91240B29-F687-4f45-9708-019B960494DF}">
-                <a14:hiddenLine xmlns:a14="http://schemas.microsoft.com/office/drawing/2010/main" xmlns:p14="http://schemas.microsoft.com/office/powerpoint/2010/main" xmlns:a16="http://schemas.microsoft.com/office/drawing/2014/main" xmlns="" w="9525">
+                <a14:hiddenLine xmlns="" xmlns:a16="http://schemas.microsoft.com/office/drawing/2014/main" xmlns:p14="http://schemas.microsoft.com/office/powerpoint/2010/main" xmlns:a14="http://schemas.microsoft.com/office/drawing/2010/main" w="9525">
                   <a:solidFill>
                     <a:srgbClr val="000000"/>
                   </a:solidFill>
@@ -19063,7 +19063,7 @@
             </a:ln>
             <a:extLst>
               <a:ext uri="{91240B29-F687-4f45-9708-019B960494DF}">
-                <a14:hiddenLine xmlns:a14="http://schemas.microsoft.com/office/drawing/2010/main" xmlns:p14="http://schemas.microsoft.com/office/powerpoint/2010/main" xmlns:a16="http://schemas.microsoft.com/office/drawing/2014/main" xmlns="" w="9525">
+                <a14:hiddenLine xmlns="" xmlns:a16="http://schemas.microsoft.com/office/drawing/2014/main" xmlns:p14="http://schemas.microsoft.com/office/powerpoint/2010/main" xmlns:a14="http://schemas.microsoft.com/office/drawing/2010/main" w="9525">
                   <a:solidFill>
                     <a:srgbClr val="000000"/>
                   </a:solidFill>
@@ -19168,7 +19168,7 @@
             </a:ln>
             <a:extLst>
               <a:ext uri="{91240B29-F687-4f45-9708-019B960494DF}">
-                <a14:hiddenLine xmlns:a14="http://schemas.microsoft.com/office/drawing/2010/main" xmlns:p14="http://schemas.microsoft.com/office/powerpoint/2010/main" xmlns:a16="http://schemas.microsoft.com/office/drawing/2014/main" xmlns="" w="9525">
+                <a14:hiddenLine xmlns="" xmlns:a16="http://schemas.microsoft.com/office/drawing/2014/main" xmlns:p14="http://schemas.microsoft.com/office/powerpoint/2010/main" xmlns:a14="http://schemas.microsoft.com/office/drawing/2010/main" w="9525">
                   <a:solidFill>
                     <a:srgbClr val="000000"/>
                   </a:solidFill>
@@ -19245,7 +19245,7 @@
             </a:ln>
             <a:extLst>
               <a:ext uri="{91240B29-F687-4f45-9708-019B960494DF}">
-                <a14:hiddenLine xmlns:a14="http://schemas.microsoft.com/office/drawing/2010/main" xmlns:p14="http://schemas.microsoft.com/office/powerpoint/2010/main" xmlns:a16="http://schemas.microsoft.com/office/drawing/2014/main" xmlns="" w="9525">
+                <a14:hiddenLine xmlns="" xmlns:a16="http://schemas.microsoft.com/office/drawing/2014/main" xmlns:p14="http://schemas.microsoft.com/office/powerpoint/2010/main" xmlns:a14="http://schemas.microsoft.com/office/drawing/2010/main" w="9525">
                   <a:solidFill>
                     <a:srgbClr val="000000"/>
                   </a:solidFill>
@@ -19370,7 +19370,7 @@
             </a:ln>
             <a:extLst>
               <a:ext uri="{91240B29-F687-4f45-9708-019B960494DF}">
-                <a14:hiddenLine xmlns:a14="http://schemas.microsoft.com/office/drawing/2010/main" xmlns:p14="http://schemas.microsoft.com/office/powerpoint/2010/main" xmlns:a16="http://schemas.microsoft.com/office/drawing/2014/main" xmlns="" w="9525">
+                <a14:hiddenLine xmlns="" xmlns:a16="http://schemas.microsoft.com/office/drawing/2014/main" xmlns:p14="http://schemas.microsoft.com/office/powerpoint/2010/main" xmlns:a14="http://schemas.microsoft.com/office/drawing/2010/main" w="9525">
                   <a:solidFill>
                     <a:srgbClr val="000000"/>
                   </a:solidFill>
@@ -19447,7 +19447,7 @@
             </a:ln>
             <a:extLst>
               <a:ext uri="{91240B29-F687-4f45-9708-019B960494DF}">
-                <a14:hiddenLine xmlns:a14="http://schemas.microsoft.com/office/drawing/2010/main" xmlns:p14="http://schemas.microsoft.com/office/powerpoint/2010/main" xmlns:a16="http://schemas.microsoft.com/office/drawing/2014/main" xmlns="" w="9525">
+                <a14:hiddenLine xmlns="" xmlns:a16="http://schemas.microsoft.com/office/drawing/2014/main" xmlns:p14="http://schemas.microsoft.com/office/powerpoint/2010/main" xmlns:a14="http://schemas.microsoft.com/office/drawing/2010/main" w="9525">
                   <a:solidFill>
                     <a:srgbClr val="000000"/>
                   </a:solidFill>
@@ -19552,7 +19552,7 @@
             </a:ln>
             <a:extLst>
               <a:ext uri="{91240B29-F687-4f45-9708-019B960494DF}">
-                <a14:hiddenLine xmlns:a14="http://schemas.microsoft.com/office/drawing/2010/main" xmlns:p14="http://schemas.microsoft.com/office/powerpoint/2010/main" xmlns:a16="http://schemas.microsoft.com/office/drawing/2014/main" xmlns="" w="9525">
+                <a14:hiddenLine xmlns="" xmlns:a16="http://schemas.microsoft.com/office/drawing/2014/main" xmlns:p14="http://schemas.microsoft.com/office/powerpoint/2010/main" xmlns:a14="http://schemas.microsoft.com/office/drawing/2010/main" w="9525">
                   <a:solidFill>
                     <a:srgbClr val="000000"/>
                   </a:solidFill>
@@ -19657,7 +19657,7 @@
             </a:ln>
             <a:extLst>
               <a:ext uri="{91240B29-F687-4f45-9708-019B960494DF}">
-                <a14:hiddenLine xmlns:a14="http://schemas.microsoft.com/office/drawing/2010/main" xmlns:p14="http://schemas.microsoft.com/office/powerpoint/2010/main" xmlns:a16="http://schemas.microsoft.com/office/drawing/2014/main" xmlns="" w="9525">
+                <a14:hiddenLine xmlns="" xmlns:a16="http://schemas.microsoft.com/office/drawing/2014/main" xmlns:p14="http://schemas.microsoft.com/office/powerpoint/2010/main" xmlns:a14="http://schemas.microsoft.com/office/drawing/2010/main" w="9525">
                   <a:solidFill>
                     <a:srgbClr val="000000"/>
                   </a:solidFill>
@@ -19734,7 +19734,7 @@
             </a:ln>
             <a:extLst>
               <a:ext uri="{91240B29-F687-4f45-9708-019B960494DF}">
-                <a14:hiddenLine xmlns:a14="http://schemas.microsoft.com/office/drawing/2010/main" xmlns:p14="http://schemas.microsoft.com/office/powerpoint/2010/main" xmlns:a16="http://schemas.microsoft.com/office/drawing/2014/main" xmlns="" w="9525">
+                <a14:hiddenLine xmlns="" xmlns:a16="http://schemas.microsoft.com/office/drawing/2014/main" xmlns:p14="http://schemas.microsoft.com/office/powerpoint/2010/main" xmlns:a14="http://schemas.microsoft.com/office/drawing/2010/main" w="9525">
                   <a:solidFill>
                     <a:srgbClr val="000000"/>
                   </a:solidFill>
@@ -19839,7 +19839,7 @@
             </a:ln>
             <a:extLst>
               <a:ext uri="{91240B29-F687-4f45-9708-019B960494DF}">
-                <a14:hiddenLine xmlns:a14="http://schemas.microsoft.com/office/drawing/2010/main" xmlns:p14="http://schemas.microsoft.com/office/powerpoint/2010/main" xmlns:a16="http://schemas.microsoft.com/office/drawing/2014/main" xmlns="" w="9525">
+                <a14:hiddenLine xmlns="" xmlns:a16="http://schemas.microsoft.com/office/drawing/2014/main" xmlns:p14="http://schemas.microsoft.com/office/powerpoint/2010/main" xmlns:a14="http://schemas.microsoft.com/office/drawing/2010/main" w="9525">
                   <a:solidFill>
                     <a:srgbClr val="000000"/>
                   </a:solidFill>
@@ -19944,7 +19944,7 @@
             </a:ln>
             <a:extLst>
               <a:ext uri="{91240B29-F687-4f45-9708-019B960494DF}">
-                <a14:hiddenLine xmlns:a14="http://schemas.microsoft.com/office/drawing/2010/main" xmlns:p14="http://schemas.microsoft.com/office/powerpoint/2010/main" xmlns:a16="http://schemas.microsoft.com/office/drawing/2014/main" xmlns="" w="9525">
+                <a14:hiddenLine xmlns="" xmlns:a16="http://schemas.microsoft.com/office/drawing/2014/main" xmlns:p14="http://schemas.microsoft.com/office/powerpoint/2010/main" xmlns:a14="http://schemas.microsoft.com/office/drawing/2010/main" w="9525">
                   <a:solidFill>
                     <a:srgbClr val="000000"/>
                   </a:solidFill>
@@ -20015,7 +20015,7 @@
             </a:ln>
             <a:extLst>
               <a:ext uri="{91240B29-F687-4f45-9708-019B960494DF}">
-                <a14:hiddenLine xmlns:a14="http://schemas.microsoft.com/office/drawing/2010/main" xmlns:p14="http://schemas.microsoft.com/office/powerpoint/2010/main" xmlns:a16="http://schemas.microsoft.com/office/drawing/2014/main" xmlns="" w="9525">
+                <a14:hiddenLine xmlns="" xmlns:a16="http://schemas.microsoft.com/office/drawing/2014/main" xmlns:p14="http://schemas.microsoft.com/office/powerpoint/2010/main" xmlns:a14="http://schemas.microsoft.com/office/drawing/2010/main" w="9525">
                   <a:solidFill>
                     <a:srgbClr val="000000"/>
                   </a:solidFill>
@@ -20120,7 +20120,7 @@
             </a:ln>
             <a:extLst>
               <a:ext uri="{91240B29-F687-4f45-9708-019B960494DF}">
-                <a14:hiddenLine xmlns:a14="http://schemas.microsoft.com/office/drawing/2010/main" xmlns:p14="http://schemas.microsoft.com/office/powerpoint/2010/main" xmlns:a16="http://schemas.microsoft.com/office/drawing/2014/main" xmlns="" w="9525">
+                <a14:hiddenLine xmlns="" xmlns:a16="http://schemas.microsoft.com/office/drawing/2014/main" xmlns:p14="http://schemas.microsoft.com/office/powerpoint/2010/main" xmlns:a14="http://schemas.microsoft.com/office/drawing/2010/main" w="9525">
                   <a:solidFill>
                     <a:srgbClr val="000000"/>
                   </a:solidFill>
@@ -20191,7 +20191,7 @@
             </a:ln>
             <a:extLst>
               <a:ext uri="{91240B29-F687-4f45-9708-019B960494DF}">
-                <a14:hiddenLine xmlns:a14="http://schemas.microsoft.com/office/drawing/2010/main" xmlns:p14="http://schemas.microsoft.com/office/powerpoint/2010/main" xmlns:a16="http://schemas.microsoft.com/office/drawing/2014/main" xmlns="" w="9525">
+                <a14:hiddenLine xmlns="" xmlns:a16="http://schemas.microsoft.com/office/drawing/2014/main" xmlns:p14="http://schemas.microsoft.com/office/powerpoint/2010/main" xmlns:a14="http://schemas.microsoft.com/office/drawing/2010/main" w="9525">
                   <a:solidFill>
                     <a:srgbClr val="000000"/>
                   </a:solidFill>
@@ -20296,7 +20296,7 @@
             </a:ln>
             <a:extLst>
               <a:ext uri="{91240B29-F687-4f45-9708-019B960494DF}">
-                <a14:hiddenLine xmlns:a14="http://schemas.microsoft.com/office/drawing/2010/main" xmlns:p14="http://schemas.microsoft.com/office/powerpoint/2010/main" xmlns:a16="http://schemas.microsoft.com/office/drawing/2014/main" xmlns="" w="9525">
+                <a14:hiddenLine xmlns="" xmlns:a16="http://schemas.microsoft.com/office/drawing/2014/main" xmlns:p14="http://schemas.microsoft.com/office/powerpoint/2010/main" xmlns:a14="http://schemas.microsoft.com/office/drawing/2010/main" w="9525">
                   <a:solidFill>
                     <a:srgbClr val="000000"/>
                   </a:solidFill>
@@ -20379,7 +20379,7 @@
             </a:ln>
             <a:extLst>
               <a:ext uri="{91240B29-F687-4f45-9708-019B960494DF}">
-                <a14:hiddenLine xmlns:a14="http://schemas.microsoft.com/office/drawing/2010/main" xmlns:p14="http://schemas.microsoft.com/office/powerpoint/2010/main" xmlns:a16="http://schemas.microsoft.com/office/drawing/2014/main" xmlns="" w="9525">
+                <a14:hiddenLine xmlns="" xmlns:a16="http://schemas.microsoft.com/office/drawing/2014/main" xmlns:p14="http://schemas.microsoft.com/office/powerpoint/2010/main" xmlns:a14="http://schemas.microsoft.com/office/drawing/2010/main" w="9525">
                   <a:solidFill>
                     <a:srgbClr val="000000"/>
                   </a:solidFill>
@@ -20484,7 +20484,7 @@
             </a:ln>
             <a:extLst>
               <a:ext uri="{91240B29-F687-4f45-9708-019B960494DF}">
-                <a14:hiddenLine xmlns:a14="http://schemas.microsoft.com/office/drawing/2010/main" xmlns:p14="http://schemas.microsoft.com/office/powerpoint/2010/main" xmlns:a16="http://schemas.microsoft.com/office/drawing/2014/main" xmlns="" w="9525">
+                <a14:hiddenLine xmlns="" xmlns:a16="http://schemas.microsoft.com/office/drawing/2014/main" xmlns:p14="http://schemas.microsoft.com/office/powerpoint/2010/main" xmlns:a14="http://schemas.microsoft.com/office/drawing/2010/main" w="9525">
                   <a:solidFill>
                     <a:srgbClr val="000000"/>
                   </a:solidFill>
@@ -20567,7 +20567,7 @@
             </a:ln>
             <a:extLst>
               <a:ext uri="{91240B29-F687-4f45-9708-019B960494DF}">
-                <a14:hiddenLine xmlns:a14="http://schemas.microsoft.com/office/drawing/2010/main" xmlns:p14="http://schemas.microsoft.com/office/powerpoint/2010/main" xmlns:a16="http://schemas.microsoft.com/office/drawing/2014/main" xmlns="" w="9525">
+                <a14:hiddenLine xmlns="" xmlns:a16="http://schemas.microsoft.com/office/drawing/2014/main" xmlns:p14="http://schemas.microsoft.com/office/powerpoint/2010/main" xmlns:a14="http://schemas.microsoft.com/office/drawing/2010/main" w="9525">
                   <a:solidFill>
                     <a:srgbClr val="000000"/>
                   </a:solidFill>
@@ -20672,7 +20672,7 @@
             </a:ln>
             <a:extLst>
               <a:ext uri="{91240B29-F687-4f45-9708-019B960494DF}">
-                <a14:hiddenLine xmlns:a14="http://schemas.microsoft.com/office/drawing/2010/main" xmlns:p14="http://schemas.microsoft.com/office/powerpoint/2010/main" xmlns:a16="http://schemas.microsoft.com/office/drawing/2014/main" xmlns="" w="9525">
+                <a14:hiddenLine xmlns="" xmlns:a16="http://schemas.microsoft.com/office/drawing/2014/main" xmlns:p14="http://schemas.microsoft.com/office/powerpoint/2010/main" xmlns:a14="http://schemas.microsoft.com/office/drawing/2010/main" w="9525">
                   <a:solidFill>
                     <a:srgbClr val="000000"/>
                   </a:solidFill>
@@ -20721,7 +20721,7 @@
             </a:ln>
             <a:extLst>
               <a:ext uri="{91240B29-F687-4f45-9708-019B960494DF}">
-                <a14:hiddenLine xmlns:a14="http://schemas.microsoft.com/office/drawing/2010/main" xmlns:p14="http://schemas.microsoft.com/office/powerpoint/2010/main" xmlns:a16="http://schemas.microsoft.com/office/drawing/2014/main" xmlns="" w="9525">
+                <a14:hiddenLine xmlns="" xmlns:a16="http://schemas.microsoft.com/office/drawing/2014/main" xmlns:p14="http://schemas.microsoft.com/office/powerpoint/2010/main" xmlns:a14="http://schemas.microsoft.com/office/drawing/2010/main" w="9525">
                   <a:solidFill>
                     <a:srgbClr val="000000"/>
                   </a:solidFill>
@@ -20826,7 +20826,7 @@
             </a:ln>
             <a:extLst>
               <a:ext uri="{91240B29-F687-4f45-9708-019B960494DF}">
-                <a14:hiddenLine xmlns:a14="http://schemas.microsoft.com/office/drawing/2010/main" xmlns:p14="http://schemas.microsoft.com/office/powerpoint/2010/main" xmlns:a16="http://schemas.microsoft.com/office/drawing/2014/main" xmlns="" w="9525">
+                <a14:hiddenLine xmlns="" xmlns:a16="http://schemas.microsoft.com/office/drawing/2014/main" xmlns:p14="http://schemas.microsoft.com/office/powerpoint/2010/main" xmlns:a14="http://schemas.microsoft.com/office/drawing/2010/main" w="9525">
                   <a:solidFill>
                     <a:srgbClr val="000000"/>
                   </a:solidFill>
@@ -20903,7 +20903,7 @@
             </a:ln>
             <a:extLst>
               <a:ext uri="{91240B29-F687-4f45-9708-019B960494DF}">
-                <a14:hiddenLine xmlns:a14="http://schemas.microsoft.com/office/drawing/2010/main" xmlns:p14="http://schemas.microsoft.com/office/powerpoint/2010/main" xmlns:a16="http://schemas.microsoft.com/office/drawing/2014/main" xmlns="" w="9525">
+                <a14:hiddenLine xmlns="" xmlns:a16="http://schemas.microsoft.com/office/drawing/2014/main" xmlns:p14="http://schemas.microsoft.com/office/powerpoint/2010/main" xmlns:a14="http://schemas.microsoft.com/office/drawing/2010/main" w="9525">
                   <a:solidFill>
                     <a:srgbClr val="000000"/>
                   </a:solidFill>
@@ -20980,7 +20980,7 @@
             </a:ln>
             <a:extLst>
               <a:ext uri="{91240B29-F687-4f45-9708-019B960494DF}">
-                <a14:hiddenLine xmlns:a14="http://schemas.microsoft.com/office/drawing/2010/main" xmlns:p14="http://schemas.microsoft.com/office/powerpoint/2010/main" xmlns:a16="http://schemas.microsoft.com/office/drawing/2014/main" xmlns="" w="9525">
+                <a14:hiddenLine xmlns="" xmlns:a16="http://schemas.microsoft.com/office/drawing/2014/main" xmlns:p14="http://schemas.microsoft.com/office/powerpoint/2010/main" xmlns:a14="http://schemas.microsoft.com/office/drawing/2010/main" w="9525">
                   <a:solidFill>
                     <a:srgbClr val="000000"/>
                   </a:solidFill>
@@ -21085,7 +21085,7 @@
             </a:ln>
             <a:extLst>
               <a:ext uri="{91240B29-F687-4f45-9708-019B960494DF}">
-                <a14:hiddenLine xmlns:a14="http://schemas.microsoft.com/office/drawing/2010/main" xmlns:p14="http://schemas.microsoft.com/office/powerpoint/2010/main" xmlns:a16="http://schemas.microsoft.com/office/drawing/2014/main" xmlns="" w="9525">
+                <a14:hiddenLine xmlns="" xmlns:a16="http://schemas.microsoft.com/office/drawing/2014/main" xmlns:p14="http://schemas.microsoft.com/office/powerpoint/2010/main" xmlns:a14="http://schemas.microsoft.com/office/drawing/2010/main" w="9525">
                   <a:solidFill>
                     <a:srgbClr val="000000"/>
                   </a:solidFill>
@@ -21168,7 +21168,7 @@
             </a:ln>
             <a:extLst>
               <a:ext uri="{91240B29-F687-4f45-9708-019B960494DF}">
-                <a14:hiddenLine xmlns:a14="http://schemas.microsoft.com/office/drawing/2010/main" xmlns:p14="http://schemas.microsoft.com/office/powerpoint/2010/main" xmlns:a16="http://schemas.microsoft.com/office/drawing/2014/main" xmlns="" w="9525">
+                <a14:hiddenLine xmlns="" xmlns:a16="http://schemas.microsoft.com/office/drawing/2014/main" xmlns:p14="http://schemas.microsoft.com/office/powerpoint/2010/main" xmlns:a14="http://schemas.microsoft.com/office/drawing/2010/main" w="9525">
                   <a:solidFill>
                     <a:srgbClr val="000000"/>
                   </a:solidFill>
@@ -21245,7 +21245,7 @@
             </a:ln>
             <a:extLst>
               <a:ext uri="{91240B29-F687-4f45-9708-019B960494DF}">
-                <a14:hiddenLine xmlns:a14="http://schemas.microsoft.com/office/drawing/2010/main" xmlns:p14="http://schemas.microsoft.com/office/powerpoint/2010/main" xmlns:a16="http://schemas.microsoft.com/office/drawing/2014/main" xmlns="" w="9525">
+                <a14:hiddenLine xmlns="" xmlns:a16="http://schemas.microsoft.com/office/drawing/2014/main" xmlns:p14="http://schemas.microsoft.com/office/powerpoint/2010/main" xmlns:a14="http://schemas.microsoft.com/office/drawing/2010/main" w="9525">
                   <a:solidFill>
                     <a:srgbClr val="000000"/>
                   </a:solidFill>
@@ -21350,7 +21350,7 @@
             </a:ln>
             <a:extLst>
               <a:ext uri="{91240B29-F687-4f45-9708-019B960494DF}">
-                <a14:hiddenLine xmlns:a14="http://schemas.microsoft.com/office/drawing/2010/main" xmlns:p14="http://schemas.microsoft.com/office/powerpoint/2010/main" xmlns:a16="http://schemas.microsoft.com/office/drawing/2014/main" xmlns="" w="9525">
+                <a14:hiddenLine xmlns="" xmlns:a16="http://schemas.microsoft.com/office/drawing/2014/main" xmlns:p14="http://schemas.microsoft.com/office/powerpoint/2010/main" xmlns:a14="http://schemas.microsoft.com/office/drawing/2010/main" w="9525">
                   <a:solidFill>
                     <a:srgbClr val="000000"/>
                   </a:solidFill>
@@ -21427,7 +21427,7 @@
             </a:ln>
             <a:extLst>
               <a:ext uri="{91240B29-F687-4f45-9708-019B960494DF}">
-                <a14:hiddenLine xmlns:a14="http://schemas.microsoft.com/office/drawing/2010/main" xmlns:p14="http://schemas.microsoft.com/office/powerpoint/2010/main" xmlns:a16="http://schemas.microsoft.com/office/drawing/2014/main" xmlns="" w="9525">
+                <a14:hiddenLine xmlns="" xmlns:a16="http://schemas.microsoft.com/office/drawing/2014/main" xmlns:p14="http://schemas.microsoft.com/office/powerpoint/2010/main" xmlns:a14="http://schemas.microsoft.com/office/drawing/2010/main" w="9525">
                   <a:solidFill>
                     <a:srgbClr val="000000"/>
                   </a:solidFill>
@@ -21532,7 +21532,7 @@
             </a:ln>
             <a:extLst>
               <a:ext uri="{91240B29-F687-4f45-9708-019B960494DF}">
-                <a14:hiddenLine xmlns:a14="http://schemas.microsoft.com/office/drawing/2010/main" xmlns:p14="http://schemas.microsoft.com/office/powerpoint/2010/main" xmlns:a16="http://schemas.microsoft.com/office/drawing/2014/main" xmlns="" w="9525">
+                <a14:hiddenLine xmlns="" xmlns:a16="http://schemas.microsoft.com/office/drawing/2014/main" xmlns:p14="http://schemas.microsoft.com/office/powerpoint/2010/main" xmlns:a14="http://schemas.microsoft.com/office/drawing/2010/main" w="9525">
                   <a:solidFill>
                     <a:srgbClr val="000000"/>
                   </a:solidFill>
@@ -21609,7 +21609,7 @@
             </a:ln>
             <a:extLst>
               <a:ext uri="{91240B29-F687-4f45-9708-019B960494DF}">
-                <a14:hiddenLine xmlns:a14="http://schemas.microsoft.com/office/drawing/2010/main" xmlns:p14="http://schemas.microsoft.com/office/powerpoint/2010/main" xmlns:a16="http://schemas.microsoft.com/office/drawing/2014/main" xmlns="" w="9525">
+                <a14:hiddenLine xmlns="" xmlns:a16="http://schemas.microsoft.com/office/drawing/2014/main" xmlns:p14="http://schemas.microsoft.com/office/powerpoint/2010/main" xmlns:a14="http://schemas.microsoft.com/office/drawing/2010/main" w="9525">
                   <a:solidFill>
                     <a:srgbClr val="000000"/>
                   </a:solidFill>
@@ -21714,7 +21714,7 @@
             </a:ln>
             <a:extLst>
               <a:ext uri="{91240B29-F687-4f45-9708-019B960494DF}">
-                <a14:hiddenLine xmlns:a14="http://schemas.microsoft.com/office/drawing/2010/main" xmlns:p14="http://schemas.microsoft.com/office/powerpoint/2010/main" xmlns:a16="http://schemas.microsoft.com/office/drawing/2014/main" xmlns="" w="9525">
+                <a14:hiddenLine xmlns="" xmlns:a16="http://schemas.microsoft.com/office/drawing/2014/main" xmlns:p14="http://schemas.microsoft.com/office/powerpoint/2010/main" xmlns:a14="http://schemas.microsoft.com/office/drawing/2010/main" w="9525">
                   <a:solidFill>
                     <a:srgbClr val="000000"/>
                   </a:solidFill>
@@ -21763,7 +21763,7 @@
             </a:ln>
             <a:extLst>
               <a:ext uri="{91240B29-F687-4f45-9708-019B960494DF}">
-                <a14:hiddenLine xmlns:a14="http://schemas.microsoft.com/office/drawing/2010/main" xmlns:p14="http://schemas.microsoft.com/office/powerpoint/2010/main" xmlns:a16="http://schemas.microsoft.com/office/drawing/2014/main" xmlns="" w="9525">
+                <a14:hiddenLine xmlns="" xmlns:a16="http://schemas.microsoft.com/office/drawing/2014/main" xmlns:p14="http://schemas.microsoft.com/office/powerpoint/2010/main" xmlns:a14="http://schemas.microsoft.com/office/drawing/2010/main" w="9525">
                   <a:solidFill>
                     <a:srgbClr val="000000"/>
                   </a:solidFill>
@@ -21843,7 +21843,7 @@
             </a:ln>
             <a:extLst>
               <a:ext uri="{91240B29-F687-4f45-9708-019B960494DF}">
-                <a14:hiddenLine xmlns:a14="http://schemas.microsoft.com/office/drawing/2010/main" xmlns:p14="http://schemas.microsoft.com/office/powerpoint/2010/main" xmlns:a16="http://schemas.microsoft.com/office/drawing/2014/main" xmlns="" w="9525">
+                <a14:hiddenLine xmlns="" xmlns:a16="http://schemas.microsoft.com/office/drawing/2014/main" xmlns:p14="http://schemas.microsoft.com/office/powerpoint/2010/main" xmlns:a14="http://schemas.microsoft.com/office/drawing/2010/main" w="9525">
                   <a:solidFill>
                     <a:srgbClr val="000000"/>
                   </a:solidFill>
@@ -21948,7 +21948,7 @@
             </a:ln>
             <a:extLst>
               <a:ext uri="{91240B29-F687-4f45-9708-019B960494DF}">
-                <a14:hiddenLine xmlns:a14="http://schemas.microsoft.com/office/drawing/2010/main" xmlns:p14="http://schemas.microsoft.com/office/powerpoint/2010/main" xmlns:a16="http://schemas.microsoft.com/office/drawing/2014/main" xmlns="" w="9525">
+                <a14:hiddenLine xmlns="" xmlns:a16="http://schemas.microsoft.com/office/drawing/2014/main" xmlns:p14="http://schemas.microsoft.com/office/powerpoint/2010/main" xmlns:a14="http://schemas.microsoft.com/office/drawing/2010/main" w="9525">
                   <a:solidFill>
                     <a:srgbClr val="000000"/>
                   </a:solidFill>
@@ -22025,7 +22025,7 @@
             </a:ln>
             <a:extLst>
               <a:ext uri="{91240B29-F687-4f45-9708-019B960494DF}">
-                <a14:hiddenLine xmlns:a14="http://schemas.microsoft.com/office/drawing/2010/main" xmlns:p14="http://schemas.microsoft.com/office/powerpoint/2010/main" xmlns:a16="http://schemas.microsoft.com/office/drawing/2014/main" xmlns="" w="9525">
+                <a14:hiddenLine xmlns="" xmlns:a16="http://schemas.microsoft.com/office/drawing/2014/main" xmlns:p14="http://schemas.microsoft.com/office/powerpoint/2010/main" xmlns:a14="http://schemas.microsoft.com/office/drawing/2010/main" w="9525">
                   <a:solidFill>
                     <a:srgbClr val="000000"/>
                   </a:solidFill>
@@ -22130,7 +22130,7 @@
             </a:ln>
             <a:extLst>
               <a:ext uri="{91240B29-F687-4f45-9708-019B960494DF}">
-                <a14:hiddenLine xmlns:a14="http://schemas.microsoft.com/office/drawing/2010/main" xmlns:p14="http://schemas.microsoft.com/office/powerpoint/2010/main" xmlns:a16="http://schemas.microsoft.com/office/drawing/2014/main" xmlns="" w="9525">
+                <a14:hiddenLine xmlns="" xmlns:a16="http://schemas.microsoft.com/office/drawing/2014/main" xmlns:p14="http://schemas.microsoft.com/office/powerpoint/2010/main" xmlns:a14="http://schemas.microsoft.com/office/drawing/2010/main" w="9525">
                   <a:solidFill>
                     <a:srgbClr val="000000"/>
                   </a:solidFill>
@@ -22235,7 +22235,7 @@
             </a:ln>
             <a:extLst>
               <a:ext uri="{91240B29-F687-4f45-9708-019B960494DF}">
-                <a14:hiddenLine xmlns:a14="http://schemas.microsoft.com/office/drawing/2010/main" xmlns:p14="http://schemas.microsoft.com/office/powerpoint/2010/main" xmlns:a16="http://schemas.microsoft.com/office/drawing/2014/main" xmlns="" w="9525">
+                <a14:hiddenLine xmlns="" xmlns:a16="http://schemas.microsoft.com/office/drawing/2014/main" xmlns:p14="http://schemas.microsoft.com/office/powerpoint/2010/main" xmlns:a14="http://schemas.microsoft.com/office/drawing/2010/main" w="9525">
                   <a:solidFill>
                     <a:srgbClr val="000000"/>
                   </a:solidFill>
@@ -22315,7 +22315,7 @@
             </a:ln>
             <a:extLst>
               <a:ext uri="{91240B29-F687-4f45-9708-019B960494DF}">
-                <a14:hiddenLine xmlns:a14="http://schemas.microsoft.com/office/drawing/2010/main" xmlns:p14="http://schemas.microsoft.com/office/powerpoint/2010/main" xmlns:a16="http://schemas.microsoft.com/office/drawing/2014/main" xmlns="" w="9525">
+                <a14:hiddenLine xmlns="" xmlns:a16="http://schemas.microsoft.com/office/drawing/2014/main" xmlns:p14="http://schemas.microsoft.com/office/powerpoint/2010/main" xmlns:a14="http://schemas.microsoft.com/office/drawing/2010/main" w="9525">
                   <a:solidFill>
                     <a:srgbClr val="000000"/>
                   </a:solidFill>
@@ -22392,7 +22392,7 @@
             </a:ln>
             <a:extLst>
               <a:ext uri="{91240B29-F687-4f45-9708-019B960494DF}">
-                <a14:hiddenLine xmlns:a14="http://schemas.microsoft.com/office/drawing/2010/main" xmlns:p14="http://schemas.microsoft.com/office/powerpoint/2010/main" xmlns:a16="http://schemas.microsoft.com/office/drawing/2014/main" xmlns="" w="9525">
+                <a14:hiddenLine xmlns="" xmlns:a16="http://schemas.microsoft.com/office/drawing/2014/main" xmlns:p14="http://schemas.microsoft.com/office/powerpoint/2010/main" xmlns:a14="http://schemas.microsoft.com/office/drawing/2010/main" w="9525">
                   <a:solidFill>
                     <a:srgbClr val="000000"/>
                   </a:solidFill>
@@ -22497,7 +22497,7 @@
             </a:ln>
             <a:extLst>
               <a:ext uri="{91240B29-F687-4f45-9708-019B960494DF}">
-                <a14:hiddenLine xmlns:a14="http://schemas.microsoft.com/office/drawing/2010/main" xmlns:p14="http://schemas.microsoft.com/office/powerpoint/2010/main" xmlns:a16="http://schemas.microsoft.com/office/drawing/2014/main" xmlns="" w="9525">
+                <a14:hiddenLine xmlns="" xmlns:a16="http://schemas.microsoft.com/office/drawing/2014/main" xmlns:p14="http://schemas.microsoft.com/office/powerpoint/2010/main" xmlns:a14="http://schemas.microsoft.com/office/drawing/2010/main" w="9525">
                   <a:solidFill>
                     <a:srgbClr val="000000"/>
                   </a:solidFill>
@@ -22602,7 +22602,7 @@
             </a:ln>
             <a:extLst>
               <a:ext uri="{91240B29-F687-4f45-9708-019B960494DF}">
-                <a14:hiddenLine xmlns:a14="http://schemas.microsoft.com/office/drawing/2010/main" xmlns:p14="http://schemas.microsoft.com/office/powerpoint/2010/main" xmlns:a16="http://schemas.microsoft.com/office/drawing/2014/main" xmlns="" w="9525">
+                <a14:hiddenLine xmlns="" xmlns:a16="http://schemas.microsoft.com/office/drawing/2014/main" xmlns:p14="http://schemas.microsoft.com/office/powerpoint/2010/main" xmlns:a14="http://schemas.microsoft.com/office/drawing/2010/main" w="9525">
                   <a:solidFill>
                     <a:srgbClr val="000000"/>
                   </a:solidFill>
@@ -22679,7 +22679,7 @@
             </a:ln>
             <a:extLst>
               <a:ext uri="{91240B29-F687-4f45-9708-019B960494DF}">
-                <a14:hiddenLine xmlns:a14="http://schemas.microsoft.com/office/drawing/2010/main" xmlns:p14="http://schemas.microsoft.com/office/powerpoint/2010/main" xmlns:a16="http://schemas.microsoft.com/office/drawing/2014/main" xmlns="" w="9525">
+                <a14:hiddenLine xmlns="" xmlns:a16="http://schemas.microsoft.com/office/drawing/2014/main" xmlns:p14="http://schemas.microsoft.com/office/powerpoint/2010/main" xmlns:a14="http://schemas.microsoft.com/office/drawing/2010/main" w="9525">
                   <a:solidFill>
                     <a:srgbClr val="000000"/>
                   </a:solidFill>
@@ -22814,7 +22814,7 @@
             </a:ln>
             <a:extLst>
               <a:ext uri="{91240B29-F687-4f45-9708-019B960494DF}">
-                <a14:hiddenLine xmlns:a14="http://schemas.microsoft.com/office/drawing/2010/main" xmlns:p14="http://schemas.microsoft.com/office/powerpoint/2010/main" xmlns:a16="http://schemas.microsoft.com/office/drawing/2014/main" xmlns="" w="9525">
+                <a14:hiddenLine xmlns="" xmlns:a16="http://schemas.microsoft.com/office/drawing/2014/main" xmlns:p14="http://schemas.microsoft.com/office/powerpoint/2010/main" xmlns:a14="http://schemas.microsoft.com/office/drawing/2010/main" w="9525">
                   <a:solidFill>
                     <a:srgbClr val="000000"/>
                   </a:solidFill>
@@ -22897,7 +22897,7 @@
             </a:ln>
             <a:extLst>
               <a:ext uri="{91240B29-F687-4f45-9708-019B960494DF}">
-                <a14:hiddenLine xmlns:a14="http://schemas.microsoft.com/office/drawing/2010/main" xmlns:p14="http://schemas.microsoft.com/office/powerpoint/2010/main" xmlns:a16="http://schemas.microsoft.com/office/drawing/2014/main" xmlns="" w="9525">
+                <a14:hiddenLine xmlns="" xmlns:a16="http://schemas.microsoft.com/office/drawing/2014/main" xmlns:p14="http://schemas.microsoft.com/office/powerpoint/2010/main" xmlns:a14="http://schemas.microsoft.com/office/drawing/2010/main" w="9525">
                   <a:solidFill>
                     <a:srgbClr val="000000"/>
                   </a:solidFill>
@@ -23002,7 +23002,7 @@
             </a:ln>
             <a:extLst>
               <a:ext uri="{91240B29-F687-4f45-9708-019B960494DF}">
-                <a14:hiddenLine xmlns:a14="http://schemas.microsoft.com/office/drawing/2010/main" xmlns:p14="http://schemas.microsoft.com/office/powerpoint/2010/main" xmlns:a16="http://schemas.microsoft.com/office/drawing/2014/main" xmlns="" w="9525">
+                <a14:hiddenLine xmlns="" xmlns:a16="http://schemas.microsoft.com/office/drawing/2014/main" xmlns:p14="http://schemas.microsoft.com/office/powerpoint/2010/main" xmlns:a14="http://schemas.microsoft.com/office/drawing/2010/main" w="9525">
                   <a:solidFill>
                     <a:srgbClr val="000000"/>
                   </a:solidFill>
@@ -23070,7 +23070,7 @@
           <a:noFill/>
           <a:extLst>
             <a:ext uri="{909E8E84-426E-40dd-AFC4-6F175D3DCCD1}">
-              <a14:hiddenFill xmlns:a14="http://schemas.microsoft.com/office/drawing/2010/main" xmlns:p14="http://schemas.microsoft.com/office/powerpoint/2010/main" xmlns:a16="http://schemas.microsoft.com/office/drawing/2014/main" xmlns="">
+              <a14:hiddenFill xmlns="" xmlns:a16="http://schemas.microsoft.com/office/drawing/2014/main" xmlns:p14="http://schemas.microsoft.com/office/powerpoint/2010/main" xmlns:a14="http://schemas.microsoft.com/office/drawing/2010/main">
                 <a:solidFill>
                   <a:srgbClr val="FFFFFF"/>
                 </a:solidFill>
@@ -23712,7 +23712,7 @@
             </a:ln>
             <a:extLst>
               <a:ext uri="{91240B29-F687-4f45-9708-019B960494DF}">
-                <a14:hiddenLine xmlns:a14="http://schemas.microsoft.com/office/drawing/2010/main" xmlns:p14="http://schemas.microsoft.com/office/powerpoint/2010/main" xmlns:a16="http://schemas.microsoft.com/office/drawing/2014/main" xmlns="" w="9525">
+                <a14:hiddenLine xmlns="" xmlns:a16="http://schemas.microsoft.com/office/drawing/2014/main" xmlns:p14="http://schemas.microsoft.com/office/powerpoint/2010/main" xmlns:a14="http://schemas.microsoft.com/office/drawing/2010/main" w="9525">
                   <a:solidFill>
                     <a:srgbClr val="000000"/>
                   </a:solidFill>
@@ -23817,7 +23817,7 @@
             </a:ln>
             <a:extLst>
               <a:ext uri="{91240B29-F687-4f45-9708-019B960494DF}">
-                <a14:hiddenLine xmlns:a14="http://schemas.microsoft.com/office/drawing/2010/main" xmlns:p14="http://schemas.microsoft.com/office/powerpoint/2010/main" xmlns:a16="http://schemas.microsoft.com/office/drawing/2014/main" xmlns="" w="9525">
+                <a14:hiddenLine xmlns="" xmlns:a16="http://schemas.microsoft.com/office/drawing/2014/main" xmlns:p14="http://schemas.microsoft.com/office/powerpoint/2010/main" xmlns:a14="http://schemas.microsoft.com/office/drawing/2010/main" w="9525">
                   <a:solidFill>
                     <a:srgbClr val="000000"/>
                   </a:solidFill>
@@ -23922,7 +23922,7 @@
             </a:ln>
             <a:extLst>
               <a:ext uri="{91240B29-F687-4f45-9708-019B960494DF}">
-                <a14:hiddenLine xmlns:a14="http://schemas.microsoft.com/office/drawing/2010/main" xmlns:p14="http://schemas.microsoft.com/office/powerpoint/2010/main" xmlns:a16="http://schemas.microsoft.com/office/drawing/2014/main" xmlns="" w="9525">
+                <a14:hiddenLine xmlns="" xmlns:a16="http://schemas.microsoft.com/office/drawing/2014/main" xmlns:p14="http://schemas.microsoft.com/office/powerpoint/2010/main" xmlns:a14="http://schemas.microsoft.com/office/drawing/2010/main" w="9525">
                   <a:solidFill>
                     <a:srgbClr val="000000"/>
                   </a:solidFill>
@@ -23999,7 +23999,7 @@
             </a:ln>
             <a:extLst>
               <a:ext uri="{91240B29-F687-4f45-9708-019B960494DF}">
-                <a14:hiddenLine xmlns:a14="http://schemas.microsoft.com/office/drawing/2010/main" xmlns:p14="http://schemas.microsoft.com/office/powerpoint/2010/main" xmlns:a16="http://schemas.microsoft.com/office/drawing/2014/main" xmlns="" w="9525">
+                <a14:hiddenLine xmlns="" xmlns:a16="http://schemas.microsoft.com/office/drawing/2014/main" xmlns:p14="http://schemas.microsoft.com/office/powerpoint/2010/main" xmlns:a14="http://schemas.microsoft.com/office/drawing/2010/main" w="9525">
                   <a:solidFill>
                     <a:srgbClr val="000000"/>
                   </a:solidFill>
@@ -24104,7 +24104,7 @@
             </a:ln>
             <a:extLst>
               <a:ext uri="{91240B29-F687-4f45-9708-019B960494DF}">
-                <a14:hiddenLine xmlns:a14="http://schemas.microsoft.com/office/drawing/2010/main" xmlns:p14="http://schemas.microsoft.com/office/powerpoint/2010/main" xmlns:a16="http://schemas.microsoft.com/office/drawing/2014/main" xmlns="" w="9525">
+                <a14:hiddenLine xmlns="" xmlns:a16="http://schemas.microsoft.com/office/drawing/2014/main" xmlns:p14="http://schemas.microsoft.com/office/powerpoint/2010/main" xmlns:a14="http://schemas.microsoft.com/office/drawing/2010/main" w="9525">
                   <a:solidFill>
                     <a:srgbClr val="000000"/>
                   </a:solidFill>
@@ -24181,7 +24181,7 @@
             </a:ln>
             <a:extLst>
               <a:ext uri="{91240B29-F687-4f45-9708-019B960494DF}">
-                <a14:hiddenLine xmlns:a14="http://schemas.microsoft.com/office/drawing/2010/main" xmlns:p14="http://schemas.microsoft.com/office/powerpoint/2010/main" xmlns:a16="http://schemas.microsoft.com/office/drawing/2014/main" xmlns="" w="9525">
+                <a14:hiddenLine xmlns="" xmlns:a16="http://schemas.microsoft.com/office/drawing/2014/main" xmlns:p14="http://schemas.microsoft.com/office/powerpoint/2010/main" xmlns:a14="http://schemas.microsoft.com/office/drawing/2010/main" w="9525">
                   <a:solidFill>
                     <a:srgbClr val="000000"/>
                   </a:solidFill>
@@ -24258,7 +24258,7 @@
             </a:ln>
             <a:extLst>
               <a:ext uri="{91240B29-F687-4f45-9708-019B960494DF}">
-                <a14:hiddenLine xmlns:a14="http://schemas.microsoft.com/office/drawing/2010/main" xmlns:p14="http://schemas.microsoft.com/office/powerpoint/2010/main" xmlns:a16="http://schemas.microsoft.com/office/drawing/2014/main" xmlns="" w="9525">
+                <a14:hiddenLine xmlns="" xmlns:a16="http://schemas.microsoft.com/office/drawing/2014/main" xmlns:p14="http://schemas.microsoft.com/office/powerpoint/2010/main" xmlns:a14="http://schemas.microsoft.com/office/drawing/2010/main" w="9525">
                   <a:solidFill>
                     <a:srgbClr val="000000"/>
                   </a:solidFill>
@@ -24363,7 +24363,7 @@
             </a:ln>
             <a:extLst>
               <a:ext uri="{91240B29-F687-4f45-9708-019B960494DF}">
-                <a14:hiddenLine xmlns:a14="http://schemas.microsoft.com/office/drawing/2010/main" xmlns:p14="http://schemas.microsoft.com/office/powerpoint/2010/main" xmlns:a16="http://schemas.microsoft.com/office/drawing/2014/main" xmlns="" w="9525">
+                <a14:hiddenLine xmlns="" xmlns:a16="http://schemas.microsoft.com/office/drawing/2014/main" xmlns:p14="http://schemas.microsoft.com/office/powerpoint/2010/main" xmlns:a14="http://schemas.microsoft.com/office/drawing/2010/main" w="9525">
                   <a:solidFill>
                     <a:srgbClr val="000000"/>
                   </a:solidFill>
@@ -24468,7 +24468,7 @@
             </a:ln>
             <a:extLst>
               <a:ext uri="{91240B29-F687-4f45-9708-019B960494DF}">
-                <a14:hiddenLine xmlns:a14="http://schemas.microsoft.com/office/drawing/2010/main" xmlns:p14="http://schemas.microsoft.com/office/powerpoint/2010/main" xmlns:a16="http://schemas.microsoft.com/office/drawing/2014/main" xmlns="" w="9525">
+                <a14:hiddenLine xmlns="" xmlns:a16="http://schemas.microsoft.com/office/drawing/2014/main" xmlns:p14="http://schemas.microsoft.com/office/powerpoint/2010/main" xmlns:a14="http://schemas.microsoft.com/office/drawing/2010/main" w="9525">
                   <a:solidFill>
                     <a:srgbClr val="000000"/>
                   </a:solidFill>
@@ -24545,7 +24545,7 @@
             </a:ln>
             <a:extLst>
               <a:ext uri="{91240B29-F687-4f45-9708-019B960494DF}">
-                <a14:hiddenLine xmlns:a14="http://schemas.microsoft.com/office/drawing/2010/main" xmlns:p14="http://schemas.microsoft.com/office/powerpoint/2010/main" xmlns:a16="http://schemas.microsoft.com/office/drawing/2014/main" xmlns="" w="9525">
+                <a14:hiddenLine xmlns="" xmlns:a16="http://schemas.microsoft.com/office/drawing/2014/main" xmlns:p14="http://schemas.microsoft.com/office/powerpoint/2010/main" xmlns:a14="http://schemas.microsoft.com/office/drawing/2010/main" w="9525">
                   <a:solidFill>
                     <a:srgbClr val="000000"/>
                   </a:solidFill>
@@ -24670,7 +24670,7 @@
             </a:ln>
             <a:extLst>
               <a:ext uri="{91240B29-F687-4f45-9708-019B960494DF}">
-                <a14:hiddenLine xmlns:a14="http://schemas.microsoft.com/office/drawing/2010/main" xmlns:p14="http://schemas.microsoft.com/office/powerpoint/2010/main" xmlns:a16="http://schemas.microsoft.com/office/drawing/2014/main" xmlns="" w="9525">
+                <a14:hiddenLine xmlns="" xmlns:a16="http://schemas.microsoft.com/office/drawing/2014/main" xmlns:p14="http://schemas.microsoft.com/office/powerpoint/2010/main" xmlns:a14="http://schemas.microsoft.com/office/drawing/2010/main" w="9525">
                   <a:solidFill>
                     <a:srgbClr val="000000"/>
                   </a:solidFill>
@@ -24784,7 +24784,7 @@
             </a:ln>
             <a:extLst>
               <a:ext uri="{91240B29-F687-4f45-9708-019B960494DF}">
-                <a14:hiddenLine xmlns:a14="http://schemas.microsoft.com/office/drawing/2010/main" xmlns:p14="http://schemas.microsoft.com/office/powerpoint/2010/main" xmlns:a16="http://schemas.microsoft.com/office/drawing/2014/main" xmlns="" w="9525">
+                <a14:hiddenLine xmlns="" xmlns:a16="http://schemas.microsoft.com/office/drawing/2014/main" xmlns:p14="http://schemas.microsoft.com/office/powerpoint/2010/main" xmlns:a14="http://schemas.microsoft.com/office/drawing/2010/main" w="9525">
                   <a:solidFill>
                     <a:srgbClr val="000000"/>
                   </a:solidFill>
@@ -24861,7 +24861,7 @@
             </a:ln>
             <a:extLst>
               <a:ext uri="{91240B29-F687-4f45-9708-019B960494DF}">
-                <a14:hiddenLine xmlns:a14="http://schemas.microsoft.com/office/drawing/2010/main" xmlns:p14="http://schemas.microsoft.com/office/powerpoint/2010/main" xmlns:a16="http://schemas.microsoft.com/office/drawing/2014/main" xmlns="" w="9525">
+                <a14:hiddenLine xmlns="" xmlns:a16="http://schemas.microsoft.com/office/drawing/2014/main" xmlns:p14="http://schemas.microsoft.com/office/powerpoint/2010/main" xmlns:a14="http://schemas.microsoft.com/office/drawing/2010/main" w="9525">
                   <a:solidFill>
                     <a:srgbClr val="000000"/>
                   </a:solidFill>
@@ -24938,7 +24938,7 @@
             </a:ln>
             <a:extLst>
               <a:ext uri="{91240B29-F687-4f45-9708-019B960494DF}">
-                <a14:hiddenLine xmlns:a14="http://schemas.microsoft.com/office/drawing/2010/main" xmlns:p14="http://schemas.microsoft.com/office/powerpoint/2010/main" xmlns:a16="http://schemas.microsoft.com/office/drawing/2014/main" xmlns="" w="9525">
+                <a14:hiddenLine xmlns="" xmlns:a16="http://schemas.microsoft.com/office/drawing/2014/main" xmlns:p14="http://schemas.microsoft.com/office/powerpoint/2010/main" xmlns:a14="http://schemas.microsoft.com/office/drawing/2010/main" w="9525">
                   <a:solidFill>
                     <a:srgbClr val="000000"/>
                   </a:solidFill>
@@ -25043,7 +25043,7 @@
             </a:ln>
             <a:extLst>
               <a:ext uri="{91240B29-F687-4f45-9708-019B960494DF}">
-                <a14:hiddenLine xmlns:a14="http://schemas.microsoft.com/office/drawing/2010/main" xmlns:p14="http://schemas.microsoft.com/office/powerpoint/2010/main" xmlns:a16="http://schemas.microsoft.com/office/drawing/2014/main" xmlns="" w="9525">
+                <a14:hiddenLine xmlns="" xmlns:a16="http://schemas.microsoft.com/office/drawing/2014/main" xmlns:p14="http://schemas.microsoft.com/office/powerpoint/2010/main" xmlns:a14="http://schemas.microsoft.com/office/drawing/2010/main" w="9525">
                   <a:solidFill>
                     <a:srgbClr val="000000"/>
                   </a:solidFill>
@@ -25092,7 +25092,7 @@
             </a:ln>
             <a:extLst>
               <a:ext uri="{91240B29-F687-4f45-9708-019B960494DF}">
-                <a14:hiddenLine xmlns:a14="http://schemas.microsoft.com/office/drawing/2010/main" xmlns:p14="http://schemas.microsoft.com/office/powerpoint/2010/main" xmlns:a16="http://schemas.microsoft.com/office/drawing/2014/main" xmlns="" w="9525">
+                <a14:hiddenLine xmlns="" xmlns:a16="http://schemas.microsoft.com/office/drawing/2014/main" xmlns:p14="http://schemas.microsoft.com/office/powerpoint/2010/main" xmlns:a14="http://schemas.microsoft.com/office/drawing/2010/main" w="9525">
                   <a:solidFill>
                     <a:srgbClr val="000000"/>
                   </a:solidFill>
@@ -25172,7 +25172,7 @@
             </a:ln>
             <a:extLst>
               <a:ext uri="{91240B29-F687-4f45-9708-019B960494DF}">
-                <a14:hiddenLine xmlns:a14="http://schemas.microsoft.com/office/drawing/2010/main" xmlns:p14="http://schemas.microsoft.com/office/powerpoint/2010/main" xmlns:a16="http://schemas.microsoft.com/office/drawing/2014/main" xmlns="" w="9525">
+                <a14:hiddenLine xmlns="" xmlns:a16="http://schemas.microsoft.com/office/drawing/2014/main" xmlns:p14="http://schemas.microsoft.com/office/powerpoint/2010/main" xmlns:a14="http://schemas.microsoft.com/office/drawing/2010/main" w="9525">
                   <a:solidFill>
                     <a:srgbClr val="000000"/>
                   </a:solidFill>
@@ -25277,7 +25277,7 @@
             </a:ln>
             <a:extLst>
               <a:ext uri="{91240B29-F687-4f45-9708-019B960494DF}">
-                <a14:hiddenLine xmlns:a14="http://schemas.microsoft.com/office/drawing/2010/main" xmlns:p14="http://schemas.microsoft.com/office/powerpoint/2010/main" xmlns:a16="http://schemas.microsoft.com/office/drawing/2014/main" xmlns="" w="9525">
+                <a14:hiddenLine xmlns="" xmlns:a16="http://schemas.microsoft.com/office/drawing/2014/main" xmlns:p14="http://schemas.microsoft.com/office/powerpoint/2010/main" xmlns:a14="http://schemas.microsoft.com/office/drawing/2010/main" w="9525">
                   <a:solidFill>
                     <a:srgbClr val="000000"/>
                   </a:solidFill>
@@ -25354,7 +25354,7 @@
             </a:ln>
             <a:extLst>
               <a:ext uri="{91240B29-F687-4f45-9708-019B960494DF}">
-                <a14:hiddenLine xmlns:a14="http://schemas.microsoft.com/office/drawing/2010/main" xmlns:p14="http://schemas.microsoft.com/office/powerpoint/2010/main" xmlns:a16="http://schemas.microsoft.com/office/drawing/2014/main" xmlns="" w="9525">
+                <a14:hiddenLine xmlns="" xmlns:a16="http://schemas.microsoft.com/office/drawing/2014/main" xmlns:p14="http://schemas.microsoft.com/office/powerpoint/2010/main" xmlns:a14="http://schemas.microsoft.com/office/drawing/2010/main" w="9525">
                   <a:solidFill>
                     <a:srgbClr val="000000"/>
                   </a:solidFill>
@@ -25459,7 +25459,7 @@
             </a:ln>
             <a:extLst>
               <a:ext uri="{91240B29-F687-4f45-9708-019B960494DF}">
-                <a14:hiddenLine xmlns:a14="http://schemas.microsoft.com/office/drawing/2010/main" xmlns:p14="http://schemas.microsoft.com/office/powerpoint/2010/main" xmlns:a16="http://schemas.microsoft.com/office/drawing/2014/main" xmlns="" w="9525">
+                <a14:hiddenLine xmlns="" xmlns:a16="http://schemas.microsoft.com/office/drawing/2014/main" xmlns:p14="http://schemas.microsoft.com/office/powerpoint/2010/main" xmlns:a14="http://schemas.microsoft.com/office/drawing/2010/main" w="9525">
                   <a:solidFill>
                     <a:srgbClr val="000000"/>
                   </a:solidFill>
@@ -25539,7 +25539,7 @@
             </a:ln>
             <a:extLst>
               <a:ext uri="{91240B29-F687-4f45-9708-019B960494DF}">
-                <a14:hiddenLine xmlns:a14="http://schemas.microsoft.com/office/drawing/2010/main" xmlns:p14="http://schemas.microsoft.com/office/powerpoint/2010/main" xmlns:a16="http://schemas.microsoft.com/office/drawing/2014/main" xmlns="" w="9525">
+                <a14:hiddenLine xmlns="" xmlns:a16="http://schemas.microsoft.com/office/drawing/2014/main" xmlns:p14="http://schemas.microsoft.com/office/powerpoint/2010/main" xmlns:a14="http://schemas.microsoft.com/office/drawing/2010/main" w="9525">
                   <a:solidFill>
                     <a:srgbClr val="000000"/>
                   </a:solidFill>
@@ -25616,7 +25616,7 @@
             </a:ln>
             <a:extLst>
               <a:ext uri="{91240B29-F687-4f45-9708-019B960494DF}">
-                <a14:hiddenLine xmlns:a14="http://schemas.microsoft.com/office/drawing/2010/main" xmlns:p14="http://schemas.microsoft.com/office/powerpoint/2010/main" xmlns:a16="http://schemas.microsoft.com/office/drawing/2014/main" xmlns="" w="9525">
+                <a14:hiddenLine xmlns="" xmlns:a16="http://schemas.microsoft.com/office/drawing/2014/main" xmlns:p14="http://schemas.microsoft.com/office/powerpoint/2010/main" xmlns:a14="http://schemas.microsoft.com/office/drawing/2010/main" w="9525">
                   <a:solidFill>
                     <a:srgbClr val="000000"/>
                   </a:solidFill>
@@ -25721,7 +25721,7 @@
             </a:ln>
             <a:extLst>
               <a:ext uri="{91240B29-F687-4f45-9708-019B960494DF}">
-                <a14:hiddenLine xmlns:a14="http://schemas.microsoft.com/office/drawing/2010/main" xmlns:p14="http://schemas.microsoft.com/office/powerpoint/2010/main" xmlns:a16="http://schemas.microsoft.com/office/drawing/2014/main" xmlns="" w="9525">
+                <a14:hiddenLine xmlns="" xmlns:a16="http://schemas.microsoft.com/office/drawing/2014/main" xmlns:p14="http://schemas.microsoft.com/office/powerpoint/2010/main" xmlns:a14="http://schemas.microsoft.com/office/drawing/2010/main" w="9525">
                   <a:solidFill>
                     <a:srgbClr val="000000"/>
                   </a:solidFill>
@@ -25826,7 +25826,7 @@
             </a:ln>
             <a:extLst>
               <a:ext uri="{91240B29-F687-4f45-9708-019B960494DF}">
-                <a14:hiddenLine xmlns:a14="http://schemas.microsoft.com/office/drawing/2010/main" xmlns:p14="http://schemas.microsoft.com/office/powerpoint/2010/main" xmlns:a16="http://schemas.microsoft.com/office/drawing/2014/main" xmlns="" w="9525">
+                <a14:hiddenLine xmlns="" xmlns:a16="http://schemas.microsoft.com/office/drawing/2014/main" xmlns:p14="http://schemas.microsoft.com/office/powerpoint/2010/main" xmlns:a14="http://schemas.microsoft.com/office/drawing/2010/main" w="9525">
                   <a:solidFill>
                     <a:srgbClr val="000000"/>
                   </a:solidFill>
@@ -25906,7 +25906,7 @@
             </a:ln>
             <a:extLst>
               <a:ext uri="{91240B29-F687-4f45-9708-019B960494DF}">
-                <a14:hiddenLine xmlns:a14="http://schemas.microsoft.com/office/drawing/2010/main" xmlns:p14="http://schemas.microsoft.com/office/powerpoint/2010/main" xmlns:a16="http://schemas.microsoft.com/office/drawing/2014/main" xmlns="" w="9525">
+                <a14:hiddenLine xmlns="" xmlns:a16="http://schemas.microsoft.com/office/drawing/2014/main" xmlns:p14="http://schemas.microsoft.com/office/powerpoint/2010/main" xmlns:a14="http://schemas.microsoft.com/office/drawing/2010/main" w="9525">
                   <a:solidFill>
                     <a:srgbClr val="000000"/>
                   </a:solidFill>
@@ -26041,7 +26041,7 @@
             </a:ln>
             <a:extLst>
               <a:ext uri="{91240B29-F687-4f45-9708-019B960494DF}">
-                <a14:hiddenLine xmlns:a14="http://schemas.microsoft.com/office/drawing/2010/main" xmlns:p14="http://schemas.microsoft.com/office/powerpoint/2010/main" xmlns:a16="http://schemas.microsoft.com/office/drawing/2014/main" xmlns="" w="9525">
+                <a14:hiddenLine xmlns="" xmlns:a16="http://schemas.microsoft.com/office/drawing/2014/main" xmlns:p14="http://schemas.microsoft.com/office/powerpoint/2010/main" xmlns:a14="http://schemas.microsoft.com/office/drawing/2010/main" w="9525">
                   <a:solidFill>
                     <a:srgbClr val="000000"/>
                   </a:solidFill>
@@ -26301,7 +26301,7 @@
             </a:ln>
             <a:extLst>
               <a:ext uri="{91240B29-F687-4f45-9708-019B960494DF}">
-                <a14:hiddenLine xmlns:a14="http://schemas.microsoft.com/office/drawing/2010/main" xmlns:p14="http://schemas.microsoft.com/office/powerpoint/2010/main" xmlns:a16="http://schemas.microsoft.com/office/drawing/2014/main" xmlns="" w="9525">
+                <a14:hiddenLine xmlns="" xmlns:a16="http://schemas.microsoft.com/office/drawing/2014/main" xmlns:p14="http://schemas.microsoft.com/office/powerpoint/2010/main" xmlns:a14="http://schemas.microsoft.com/office/drawing/2010/main" w="9525">
                   <a:solidFill>
                     <a:srgbClr val="000000"/>
                   </a:solidFill>
@@ -26431,7 +26431,7 @@
             </a:ln>
             <a:extLst>
               <a:ext uri="{91240B29-F687-4f45-9708-019B960494DF}">
-                <a14:hiddenLine xmlns:a14="http://schemas.microsoft.com/office/drawing/2010/main" xmlns:p14="http://schemas.microsoft.com/office/powerpoint/2010/main" xmlns:a16="http://schemas.microsoft.com/office/drawing/2014/main" xmlns="" w="9525">
+                <a14:hiddenLine xmlns="" xmlns:a16="http://schemas.microsoft.com/office/drawing/2014/main" xmlns:p14="http://schemas.microsoft.com/office/powerpoint/2010/main" xmlns:a14="http://schemas.microsoft.com/office/drawing/2010/main" w="9525">
                   <a:solidFill>
                     <a:srgbClr val="000000"/>
                   </a:solidFill>
@@ -26536,7 +26536,7 @@
             </a:ln>
             <a:extLst>
               <a:ext uri="{91240B29-F687-4f45-9708-019B960494DF}">
-                <a14:hiddenLine xmlns:a14="http://schemas.microsoft.com/office/drawing/2010/main" xmlns:p14="http://schemas.microsoft.com/office/powerpoint/2010/main" xmlns:a16="http://schemas.microsoft.com/office/drawing/2014/main" xmlns="" w="9525">
+                <a14:hiddenLine xmlns="" xmlns:a16="http://schemas.microsoft.com/office/drawing/2014/main" xmlns:p14="http://schemas.microsoft.com/office/powerpoint/2010/main" xmlns:a14="http://schemas.microsoft.com/office/drawing/2010/main" w="9525">
                   <a:solidFill>
                     <a:srgbClr val="000000"/>
                   </a:solidFill>
@@ -26616,7 +26616,7 @@
             </a:ln>
             <a:extLst>
               <a:ext uri="{91240B29-F687-4f45-9708-019B960494DF}">
-                <a14:hiddenLine xmlns:a14="http://schemas.microsoft.com/office/drawing/2010/main" xmlns:p14="http://schemas.microsoft.com/office/powerpoint/2010/main" xmlns:a16="http://schemas.microsoft.com/office/drawing/2014/main" xmlns="" w="9525">
+                <a14:hiddenLine xmlns="" xmlns:a16="http://schemas.microsoft.com/office/drawing/2014/main" xmlns:p14="http://schemas.microsoft.com/office/powerpoint/2010/main" xmlns:a14="http://schemas.microsoft.com/office/drawing/2010/main" w="9525">
                   <a:solidFill>
                     <a:srgbClr val="000000"/>
                   </a:solidFill>
@@ -26721,7 +26721,7 @@
             </a:ln>
             <a:extLst>
               <a:ext uri="{91240B29-F687-4f45-9708-019B960494DF}">
-                <a14:hiddenLine xmlns:a14="http://schemas.microsoft.com/office/drawing/2010/main" xmlns:p14="http://schemas.microsoft.com/office/powerpoint/2010/main" xmlns:a16="http://schemas.microsoft.com/office/drawing/2014/main" xmlns="" w="9525">
+                <a14:hiddenLine xmlns="" xmlns:a16="http://schemas.microsoft.com/office/drawing/2014/main" xmlns:p14="http://schemas.microsoft.com/office/powerpoint/2010/main" xmlns:a14="http://schemas.microsoft.com/office/drawing/2010/main" w="9525">
                   <a:solidFill>
                     <a:srgbClr val="000000"/>
                   </a:solidFill>
@@ -26804,7 +26804,7 @@
             </a:ln>
             <a:extLst>
               <a:ext uri="{91240B29-F687-4f45-9708-019B960494DF}">
-                <a14:hiddenLine xmlns:a14="http://schemas.microsoft.com/office/drawing/2010/main" xmlns:p14="http://schemas.microsoft.com/office/powerpoint/2010/main" xmlns:a16="http://schemas.microsoft.com/office/drawing/2014/main" xmlns="" w="9525">
+                <a14:hiddenLine xmlns="" xmlns:a16="http://schemas.microsoft.com/office/drawing/2014/main" xmlns:p14="http://schemas.microsoft.com/office/powerpoint/2010/main" xmlns:a14="http://schemas.microsoft.com/office/drawing/2010/main" w="9525">
                   <a:solidFill>
                     <a:srgbClr val="000000"/>
                   </a:solidFill>
@@ -26909,7 +26909,7 @@
             </a:ln>
             <a:extLst>
               <a:ext uri="{91240B29-F687-4f45-9708-019B960494DF}">
-                <a14:hiddenLine xmlns:a14="http://schemas.microsoft.com/office/drawing/2010/main" xmlns:p14="http://schemas.microsoft.com/office/powerpoint/2010/main" xmlns:a16="http://schemas.microsoft.com/office/drawing/2014/main" xmlns="" w="9525">
+                <a14:hiddenLine xmlns="" xmlns:a16="http://schemas.microsoft.com/office/drawing/2014/main" xmlns:p14="http://schemas.microsoft.com/office/powerpoint/2010/main" xmlns:a14="http://schemas.microsoft.com/office/drawing/2010/main" w="9525">
                   <a:solidFill>
                     <a:srgbClr val="000000"/>
                   </a:solidFill>
@@ -26992,7 +26992,7 @@
             </a:ln>
             <a:extLst>
               <a:ext uri="{91240B29-F687-4f45-9708-019B960494DF}">
-                <a14:hiddenLine xmlns:a14="http://schemas.microsoft.com/office/drawing/2010/main" xmlns:p14="http://schemas.microsoft.com/office/powerpoint/2010/main" xmlns:a16="http://schemas.microsoft.com/office/drawing/2014/main" xmlns="" w="9525">
+                <a14:hiddenLine xmlns="" xmlns:a16="http://schemas.microsoft.com/office/drawing/2014/main" xmlns:p14="http://schemas.microsoft.com/office/powerpoint/2010/main" xmlns:a14="http://schemas.microsoft.com/office/drawing/2010/main" w="9525">
                   <a:solidFill>
                     <a:srgbClr val="000000"/>
                   </a:solidFill>
@@ -27097,7 +27097,7 @@
             </a:ln>
             <a:extLst>
               <a:ext uri="{91240B29-F687-4f45-9708-019B960494DF}">
-                <a14:hiddenLine xmlns:a14="http://schemas.microsoft.com/office/drawing/2010/main" xmlns:p14="http://schemas.microsoft.com/office/powerpoint/2010/main" xmlns:a16="http://schemas.microsoft.com/office/drawing/2014/main" xmlns="" w="9525">
+                <a14:hiddenLine xmlns="" xmlns:a16="http://schemas.microsoft.com/office/drawing/2014/main" xmlns:p14="http://schemas.microsoft.com/office/powerpoint/2010/main" xmlns:a14="http://schemas.microsoft.com/office/drawing/2010/main" w="9525">
                   <a:solidFill>
                     <a:srgbClr val="000000"/>
                   </a:solidFill>
@@ -27146,7 +27146,7 @@
             </a:ln>
             <a:extLst>
               <a:ext uri="{91240B29-F687-4f45-9708-019B960494DF}">
-                <a14:hiddenLine xmlns:a14="http://schemas.microsoft.com/office/drawing/2010/main" xmlns:p14="http://schemas.microsoft.com/office/powerpoint/2010/main" xmlns:a16="http://schemas.microsoft.com/office/drawing/2014/main" xmlns="" w="9525">
+                <a14:hiddenLine xmlns="" xmlns:a16="http://schemas.microsoft.com/office/drawing/2014/main" xmlns:p14="http://schemas.microsoft.com/office/powerpoint/2010/main" xmlns:a14="http://schemas.microsoft.com/office/drawing/2010/main" w="9525">
                   <a:solidFill>
                     <a:srgbClr val="000000"/>
                   </a:solidFill>
@@ -29671,7 +29671,7 @@
         </p:nvSpPr>
         <p:spPr>
           <a:xfrm>
-            <a:off x="3603765" y="3225379"/>
+            <a:off x="8167057" y="1820666"/>
             <a:ext cx="933402" cy="407242"/>
           </a:xfrm>
           <a:prstGeom prst="rect">
@@ -29715,14 +29715,15 @@
           </p:cNvPr>
           <p:cNvCxnSpPr>
             <a:cxnSpLocks/>
-            <a:endCxn id="65" idx="1"/>
+            <a:stCxn id="14" idx="3"/>
+            <a:endCxn id="65" idx="2"/>
           </p:cNvCxnSpPr>
           <p:nvPr/>
         </p:nvCxnSpPr>
         <p:spPr>
-          <a:xfrm>
-            <a:off x="3026229" y="3427075"/>
-            <a:ext cx="577536" cy="1925"/>
+          <a:xfrm flipV="1">
+            <a:off x="6614160" y="2227908"/>
+            <a:ext cx="2019598" cy="1199165"/>
           </a:xfrm>
           <a:prstGeom prst="line">
             <a:avLst/>
@@ -29730,13 +29731,13 @@
         </p:spPr>
         <p:style>
           <a:lnRef idx="2">
-            <a:schemeClr val="accent2"/>
+            <a:schemeClr val="accent1"/>
           </a:lnRef>
           <a:fillRef idx="0">
-            <a:schemeClr val="accent2"/>
+            <a:schemeClr val="accent1"/>
           </a:fillRef>
           <a:effectRef idx="1">
-            <a:schemeClr val="accent2"/>
+            <a:schemeClr val="accent1"/>
           </a:effectRef>
           <a:fontRef idx="minor">
             <a:schemeClr val="tx1"/>
@@ -29754,13 +29755,14 @@
           </p:cNvPr>
           <p:cNvCxnSpPr>
             <a:cxnSpLocks/>
+            <a:endCxn id="65" idx="2"/>
           </p:cNvCxnSpPr>
           <p:nvPr/>
         </p:nvCxnSpPr>
         <p:spPr>
-          <a:xfrm>
-            <a:off x="4547458" y="3427073"/>
-            <a:ext cx="577536" cy="1925"/>
+          <a:xfrm flipV="1">
+            <a:off x="3010395" y="2227908"/>
+            <a:ext cx="5623363" cy="1199166"/>
           </a:xfrm>
           <a:prstGeom prst="line">
             <a:avLst/>
@@ -29768,13 +29770,51 @@
         </p:spPr>
         <p:style>
           <a:lnRef idx="2">
-            <a:schemeClr val="accent2"/>
+            <a:schemeClr val="accent1"/>
           </a:lnRef>
           <a:fillRef idx="0">
-            <a:schemeClr val="accent2"/>
+            <a:schemeClr val="accent1"/>
           </a:fillRef>
           <a:effectRef idx="1">
-            <a:schemeClr val="accent2"/>
+            <a:schemeClr val="accent1"/>
+          </a:effectRef>
+          <a:fontRef idx="minor">
+            <a:schemeClr val="tx1"/>
+          </a:fontRef>
+        </p:style>
+      </p:cxnSp>
+      <p:cxnSp>
+        <p:nvCxnSpPr>
+          <p:cNvPr id="7" name="Conexão reta 6">
+            <a:extLst>
+              <a:ext uri="{FF2B5EF4-FFF2-40B4-BE49-F238E27FC236}">
+                <a16:creationId xmlns:a16="http://schemas.microsoft.com/office/drawing/2014/main" id="{63F4837D-A79A-4741-9175-151463BB3A58}"/>
+              </a:ext>
+            </a:extLst>
+          </p:cNvPr>
+          <p:cNvCxnSpPr>
+            <a:cxnSpLocks/>
+          </p:cNvCxnSpPr>
+          <p:nvPr/>
+        </p:nvCxnSpPr>
+        <p:spPr>
+          <a:xfrm flipH="1" flipV="1">
+            <a:off x="8633758" y="2227908"/>
+            <a:ext cx="277881" cy="894117"/>
+          </a:xfrm>
+          <a:prstGeom prst="line">
+            <a:avLst/>
+          </a:prstGeom>
+        </p:spPr>
+        <p:style>
+          <a:lnRef idx="2">
+            <a:schemeClr val="accent1"/>
+          </a:lnRef>
+          <a:fillRef idx="0">
+            <a:schemeClr val="accent1"/>
+          </a:fillRef>
+          <a:effectRef idx="1">
+            <a:schemeClr val="accent1"/>
           </a:effectRef>
           <a:fontRef idx="minor">
             <a:schemeClr val="tx1"/>

--- a/StreamZ.pptx
+++ b/StreamZ.pptx
@@ -31278,7 +31278,7 @@
             <a:pPr lvl="1"/>
             <a:r>
               <a:rPr lang="pt-PT" sz="2200" dirty="0"/>
-              <a:t>Divisão do trabalho por classes:</a:t>
+              <a:t>Divisão do trabalho de cada elemento por classes:</a:t>
             </a:r>
           </a:p>
           <a:p>

--- a/StreamZ.pptx
+++ b/StreamZ.pptx
@@ -384,7 +384,7 @@
           <a:p>
             <a:fld id="{4F1D87AD-7F15-454B-AEBB-C308D2F86D9B}" type="slidenum">
               <a:rPr lang="en-US" smtClean="0"/>
-              <a:t>‹#›</a:t>
+              <a:t>‹nº›</a:t>
             </a:fld>
             <a:endParaRPr lang="en-US"/>
           </a:p>
@@ -550,7 +550,7 @@
           <a:noFill/>
           <a:extLst>
             <a:ext uri="{909E8E84-426E-40dd-AFC4-6F175D3DCCD1}">
-              <a14:hiddenFill xmlns:a14="http://schemas.microsoft.com/office/drawing/2010/main" xmlns="">
+              <a14:hiddenFill xmlns="" xmlns:a14="http://schemas.microsoft.com/office/drawing/2010/main">
                 <a:solidFill>
                   <a:srgbClr val="FFFFFF"/>
                 </a:solidFill>
@@ -609,7 +609,7 @@
             </a:ln>
             <a:extLst>
               <a:ext uri="{91240B29-F687-4f45-9708-019B960494DF}">
-                <a14:hiddenLine xmlns:a14="http://schemas.microsoft.com/office/drawing/2010/main" xmlns="" w="9525">
+                <a14:hiddenLine xmlns="" xmlns:a14="http://schemas.microsoft.com/office/drawing/2010/main" w="9525">
                   <a:solidFill>
                     <a:srgbClr val="000000"/>
                   </a:solidFill>
@@ -699,7 +699,7 @@
             </a:ln>
             <a:extLst>
               <a:ext uri="{91240B29-F687-4f45-9708-019B960494DF}">
-                <a14:hiddenLine xmlns:a14="http://schemas.microsoft.com/office/drawing/2010/main" xmlns="" w="9525">
+                <a14:hiddenLine xmlns="" xmlns:a14="http://schemas.microsoft.com/office/drawing/2010/main" w="9525">
                   <a:solidFill>
                     <a:srgbClr val="000000"/>
                   </a:solidFill>
@@ -789,7 +789,7 @@
             </a:ln>
             <a:extLst>
               <a:ext uri="{91240B29-F687-4f45-9708-019B960494DF}">
-                <a14:hiddenLine xmlns:a14="http://schemas.microsoft.com/office/drawing/2010/main" xmlns="" w="9525">
+                <a14:hiddenLine xmlns="" xmlns:a14="http://schemas.microsoft.com/office/drawing/2010/main" w="9525">
                   <a:solidFill>
                     <a:srgbClr val="000000"/>
                   </a:solidFill>
@@ -823,7 +823,7 @@
             </a:ln>
             <a:extLst>
               <a:ext uri="{91240B29-F687-4f45-9708-019B960494DF}">
-                <a14:hiddenLine xmlns:a14="http://schemas.microsoft.com/office/drawing/2010/main" xmlns="" w="9525">
+                <a14:hiddenLine xmlns="" xmlns:a14="http://schemas.microsoft.com/office/drawing/2010/main" w="9525">
                   <a:solidFill>
                     <a:srgbClr val="000000"/>
                   </a:solidFill>
@@ -913,7 +913,7 @@
             </a:ln>
             <a:extLst>
               <a:ext uri="{91240B29-F687-4f45-9708-019B960494DF}">
-                <a14:hiddenLine xmlns:a14="http://schemas.microsoft.com/office/drawing/2010/main" xmlns="" w="9525">
+                <a14:hiddenLine xmlns="" xmlns:a14="http://schemas.microsoft.com/office/drawing/2010/main" w="9525">
                   <a:solidFill>
                     <a:srgbClr val="000000"/>
                   </a:solidFill>
@@ -975,7 +975,7 @@
             </a:ln>
             <a:extLst>
               <a:ext uri="{91240B29-F687-4f45-9708-019B960494DF}">
-                <a14:hiddenLine xmlns:a14="http://schemas.microsoft.com/office/drawing/2010/main" xmlns="" w="9525">
+                <a14:hiddenLine xmlns="" xmlns:a14="http://schemas.microsoft.com/office/drawing/2010/main" w="9525">
                   <a:solidFill>
                     <a:srgbClr val="000000"/>
                   </a:solidFill>
@@ -1037,7 +1037,7 @@
             </a:ln>
             <a:extLst>
               <a:ext uri="{91240B29-F687-4f45-9708-019B960494DF}">
-                <a14:hiddenLine xmlns:a14="http://schemas.microsoft.com/office/drawing/2010/main" xmlns="" w="9525">
+                <a14:hiddenLine xmlns="" xmlns:a14="http://schemas.microsoft.com/office/drawing/2010/main" w="9525">
                   <a:solidFill>
                     <a:srgbClr val="000000"/>
                   </a:solidFill>
@@ -1127,7 +1127,7 @@
             </a:ln>
             <a:extLst>
               <a:ext uri="{91240B29-F687-4f45-9708-019B960494DF}">
-                <a14:hiddenLine xmlns:a14="http://schemas.microsoft.com/office/drawing/2010/main" xmlns="" w="9525">
+                <a14:hiddenLine xmlns="" xmlns:a14="http://schemas.microsoft.com/office/drawing/2010/main" w="9525">
                   <a:solidFill>
                     <a:srgbClr val="000000"/>
                   </a:solidFill>
@@ -1189,7 +1189,7 @@
             </a:ln>
             <a:extLst>
               <a:ext uri="{91240B29-F687-4f45-9708-019B960494DF}">
-                <a14:hiddenLine xmlns:a14="http://schemas.microsoft.com/office/drawing/2010/main" xmlns="" w="9525">
+                <a14:hiddenLine xmlns="" xmlns:a14="http://schemas.microsoft.com/office/drawing/2010/main" w="9525">
                   <a:solidFill>
                     <a:srgbClr val="000000"/>
                   </a:solidFill>
@@ -1251,7 +1251,7 @@
             </a:ln>
             <a:extLst>
               <a:ext uri="{91240B29-F687-4f45-9708-019B960494DF}">
-                <a14:hiddenLine xmlns:a14="http://schemas.microsoft.com/office/drawing/2010/main" xmlns="" w="9525">
+                <a14:hiddenLine xmlns="" xmlns:a14="http://schemas.microsoft.com/office/drawing/2010/main" w="9525">
                   <a:solidFill>
                     <a:srgbClr val="000000"/>
                   </a:solidFill>
@@ -1341,7 +1341,7 @@
             </a:ln>
             <a:extLst>
               <a:ext uri="{91240B29-F687-4f45-9708-019B960494DF}">
-                <a14:hiddenLine xmlns:a14="http://schemas.microsoft.com/office/drawing/2010/main" xmlns="" w="9525">
+                <a14:hiddenLine xmlns="" xmlns:a14="http://schemas.microsoft.com/office/drawing/2010/main" w="9525">
                   <a:solidFill>
                     <a:srgbClr val="000000"/>
                   </a:solidFill>
@@ -1431,7 +1431,7 @@
             </a:ln>
             <a:extLst>
               <a:ext uri="{91240B29-F687-4f45-9708-019B960494DF}">
-                <a14:hiddenLine xmlns:a14="http://schemas.microsoft.com/office/drawing/2010/main" xmlns="" w="9525">
+                <a14:hiddenLine xmlns="" xmlns:a14="http://schemas.microsoft.com/office/drawing/2010/main" w="9525">
                   <a:solidFill>
                     <a:srgbClr val="000000"/>
                   </a:solidFill>
@@ -1493,7 +1493,7 @@
             </a:ln>
             <a:extLst>
               <a:ext uri="{91240B29-F687-4f45-9708-019B960494DF}">
-                <a14:hiddenLine xmlns:a14="http://schemas.microsoft.com/office/drawing/2010/main" xmlns="" w="9525">
+                <a14:hiddenLine xmlns="" xmlns:a14="http://schemas.microsoft.com/office/drawing/2010/main" w="9525">
                   <a:solidFill>
                     <a:srgbClr val="000000"/>
                   </a:solidFill>
@@ -1603,7 +1603,7 @@
             </a:ln>
             <a:extLst>
               <a:ext uri="{91240B29-F687-4f45-9708-019B960494DF}">
-                <a14:hiddenLine xmlns:a14="http://schemas.microsoft.com/office/drawing/2010/main" xmlns="" w="9525">
+                <a14:hiddenLine xmlns="" xmlns:a14="http://schemas.microsoft.com/office/drawing/2010/main" w="9525">
                   <a:solidFill>
                     <a:srgbClr val="000000"/>
                   </a:solidFill>
@@ -1665,7 +1665,7 @@
             </a:ln>
             <a:extLst>
               <a:ext uri="{91240B29-F687-4f45-9708-019B960494DF}">
-                <a14:hiddenLine xmlns:a14="http://schemas.microsoft.com/office/drawing/2010/main" xmlns="" w="9525">
+                <a14:hiddenLine xmlns="" xmlns:a14="http://schemas.microsoft.com/office/drawing/2010/main" w="9525">
                   <a:solidFill>
                     <a:srgbClr val="000000"/>
                   </a:solidFill>
@@ -1755,7 +1755,7 @@
             </a:ln>
             <a:extLst>
               <a:ext uri="{91240B29-F687-4f45-9708-019B960494DF}">
-                <a14:hiddenLine xmlns:a14="http://schemas.microsoft.com/office/drawing/2010/main" xmlns="" w="9525">
+                <a14:hiddenLine xmlns="" xmlns:a14="http://schemas.microsoft.com/office/drawing/2010/main" w="9525">
                   <a:solidFill>
                     <a:srgbClr val="000000"/>
                   </a:solidFill>
@@ -1845,7 +1845,7 @@
             </a:ln>
             <a:extLst>
               <a:ext uri="{91240B29-F687-4f45-9708-019B960494DF}">
-                <a14:hiddenLine xmlns:a14="http://schemas.microsoft.com/office/drawing/2010/main" xmlns="" w="9525">
+                <a14:hiddenLine xmlns="" xmlns:a14="http://schemas.microsoft.com/office/drawing/2010/main" w="9525">
                   <a:solidFill>
                     <a:srgbClr val="000000"/>
                   </a:solidFill>
@@ -1907,7 +1907,7 @@
             </a:ln>
             <a:extLst>
               <a:ext uri="{91240B29-F687-4f45-9708-019B960494DF}">
-                <a14:hiddenLine xmlns:a14="http://schemas.microsoft.com/office/drawing/2010/main" xmlns="" w="9525">
+                <a14:hiddenLine xmlns="" xmlns:a14="http://schemas.microsoft.com/office/drawing/2010/main" w="9525">
                   <a:solidFill>
                     <a:srgbClr val="000000"/>
                   </a:solidFill>
@@ -1997,7 +1997,7 @@
             </a:ln>
             <a:extLst>
               <a:ext uri="{91240B29-F687-4f45-9708-019B960494DF}">
-                <a14:hiddenLine xmlns:a14="http://schemas.microsoft.com/office/drawing/2010/main" xmlns="" w="9525">
+                <a14:hiddenLine xmlns="" xmlns:a14="http://schemas.microsoft.com/office/drawing/2010/main" w="9525">
                   <a:solidFill>
                     <a:srgbClr val="000000"/>
                   </a:solidFill>
@@ -2087,7 +2087,7 @@
             </a:ln>
             <a:extLst>
               <a:ext uri="{91240B29-F687-4f45-9708-019B960494DF}">
-                <a14:hiddenLine xmlns:a14="http://schemas.microsoft.com/office/drawing/2010/main" xmlns="" w="9525">
+                <a14:hiddenLine xmlns="" xmlns:a14="http://schemas.microsoft.com/office/drawing/2010/main" w="9525">
                   <a:solidFill>
                     <a:srgbClr val="000000"/>
                   </a:solidFill>
@@ -2143,7 +2143,7 @@
             </a:ln>
             <a:extLst>
               <a:ext uri="{91240B29-F687-4f45-9708-019B960494DF}">
-                <a14:hiddenLine xmlns:a14="http://schemas.microsoft.com/office/drawing/2010/main" xmlns="" w="9525">
+                <a14:hiddenLine xmlns="" xmlns:a14="http://schemas.microsoft.com/office/drawing/2010/main" w="9525">
                   <a:solidFill>
                     <a:srgbClr val="000000"/>
                   </a:solidFill>
@@ -2233,7 +2233,7 @@
             </a:ln>
             <a:extLst>
               <a:ext uri="{91240B29-F687-4f45-9708-019B960494DF}">
-                <a14:hiddenLine xmlns:a14="http://schemas.microsoft.com/office/drawing/2010/main" xmlns="" w="9525">
+                <a14:hiddenLine xmlns="" xmlns:a14="http://schemas.microsoft.com/office/drawing/2010/main" w="9525">
                   <a:solidFill>
                     <a:srgbClr val="000000"/>
                   </a:solidFill>
@@ -2289,7 +2289,7 @@
             </a:ln>
             <a:extLst>
               <a:ext uri="{91240B29-F687-4f45-9708-019B960494DF}">
-                <a14:hiddenLine xmlns:a14="http://schemas.microsoft.com/office/drawing/2010/main" xmlns="" w="9525">
+                <a14:hiddenLine xmlns="" xmlns:a14="http://schemas.microsoft.com/office/drawing/2010/main" w="9525">
                   <a:solidFill>
                     <a:srgbClr val="000000"/>
                   </a:solidFill>
@@ -2379,7 +2379,7 @@
             </a:ln>
             <a:extLst>
               <a:ext uri="{91240B29-F687-4f45-9708-019B960494DF}">
-                <a14:hiddenLine xmlns:a14="http://schemas.microsoft.com/office/drawing/2010/main" xmlns="" w="9525">
+                <a14:hiddenLine xmlns="" xmlns:a14="http://schemas.microsoft.com/office/drawing/2010/main" w="9525">
                   <a:solidFill>
                     <a:srgbClr val="000000"/>
                   </a:solidFill>
@@ -2447,7 +2447,7 @@
             </a:ln>
             <a:extLst>
               <a:ext uri="{91240B29-F687-4f45-9708-019B960494DF}">
-                <a14:hiddenLine xmlns:a14="http://schemas.microsoft.com/office/drawing/2010/main" xmlns="" w="9525">
+                <a14:hiddenLine xmlns="" xmlns:a14="http://schemas.microsoft.com/office/drawing/2010/main" w="9525">
                   <a:solidFill>
                     <a:srgbClr val="000000"/>
                   </a:solidFill>
@@ -2537,7 +2537,7 @@
             </a:ln>
             <a:extLst>
               <a:ext uri="{91240B29-F687-4f45-9708-019B960494DF}">
-                <a14:hiddenLine xmlns:a14="http://schemas.microsoft.com/office/drawing/2010/main" xmlns="" w="9525">
+                <a14:hiddenLine xmlns="" xmlns:a14="http://schemas.microsoft.com/office/drawing/2010/main" w="9525">
                   <a:solidFill>
                     <a:srgbClr val="000000"/>
                   </a:solidFill>
@@ -2605,7 +2605,7 @@
             </a:ln>
             <a:extLst>
               <a:ext uri="{91240B29-F687-4f45-9708-019B960494DF}">
-                <a14:hiddenLine xmlns:a14="http://schemas.microsoft.com/office/drawing/2010/main" xmlns="" w="9525">
+                <a14:hiddenLine xmlns="" xmlns:a14="http://schemas.microsoft.com/office/drawing/2010/main" w="9525">
                   <a:solidFill>
                     <a:srgbClr val="000000"/>
                   </a:solidFill>
@@ -2695,7 +2695,7 @@
             </a:ln>
             <a:extLst>
               <a:ext uri="{91240B29-F687-4f45-9708-019B960494DF}">
-                <a14:hiddenLine xmlns:a14="http://schemas.microsoft.com/office/drawing/2010/main" xmlns="" w="9525">
+                <a14:hiddenLine xmlns="" xmlns:a14="http://schemas.microsoft.com/office/drawing/2010/main" w="9525">
                   <a:solidFill>
                     <a:srgbClr val="000000"/>
                   </a:solidFill>
@@ -2729,7 +2729,7 @@
             </a:ln>
             <a:extLst>
               <a:ext uri="{91240B29-F687-4f45-9708-019B960494DF}">
-                <a14:hiddenLine xmlns:a14="http://schemas.microsoft.com/office/drawing/2010/main" xmlns="" w="9525">
+                <a14:hiddenLine xmlns="" xmlns:a14="http://schemas.microsoft.com/office/drawing/2010/main" w="9525">
                   <a:solidFill>
                     <a:srgbClr val="000000"/>
                   </a:solidFill>
@@ -2819,7 +2819,7 @@
             </a:ln>
             <a:extLst>
               <a:ext uri="{91240B29-F687-4f45-9708-019B960494DF}">
-                <a14:hiddenLine xmlns:a14="http://schemas.microsoft.com/office/drawing/2010/main" xmlns="" w="9525">
+                <a14:hiddenLine xmlns="" xmlns:a14="http://schemas.microsoft.com/office/drawing/2010/main" w="9525">
                   <a:solidFill>
                     <a:srgbClr val="000000"/>
                   </a:solidFill>
@@ -2881,7 +2881,7 @@
             </a:ln>
             <a:extLst>
               <a:ext uri="{91240B29-F687-4f45-9708-019B960494DF}">
-                <a14:hiddenLine xmlns:a14="http://schemas.microsoft.com/office/drawing/2010/main" xmlns="" w="9525">
+                <a14:hiddenLine xmlns="" xmlns:a14="http://schemas.microsoft.com/office/drawing/2010/main" w="9525">
                   <a:solidFill>
                     <a:srgbClr val="000000"/>
                   </a:solidFill>
@@ -2943,7 +2943,7 @@
             </a:ln>
             <a:extLst>
               <a:ext uri="{91240B29-F687-4f45-9708-019B960494DF}">
-                <a14:hiddenLine xmlns:a14="http://schemas.microsoft.com/office/drawing/2010/main" xmlns="" w="9525">
+                <a14:hiddenLine xmlns="" xmlns:a14="http://schemas.microsoft.com/office/drawing/2010/main" w="9525">
                   <a:solidFill>
                     <a:srgbClr val="000000"/>
                   </a:solidFill>
@@ -3033,7 +3033,7 @@
             </a:ln>
             <a:extLst>
               <a:ext uri="{91240B29-F687-4f45-9708-019B960494DF}">
-                <a14:hiddenLine xmlns:a14="http://schemas.microsoft.com/office/drawing/2010/main" xmlns="" w="9525">
+                <a14:hiddenLine xmlns="" xmlns:a14="http://schemas.microsoft.com/office/drawing/2010/main" w="9525">
                   <a:solidFill>
                     <a:srgbClr val="000000"/>
                   </a:solidFill>
@@ -3101,7 +3101,7 @@
             </a:ln>
             <a:extLst>
               <a:ext uri="{91240B29-F687-4f45-9708-019B960494DF}">
-                <a14:hiddenLine xmlns:a14="http://schemas.microsoft.com/office/drawing/2010/main" xmlns="" w="9525">
+                <a14:hiddenLine xmlns="" xmlns:a14="http://schemas.microsoft.com/office/drawing/2010/main" w="9525">
                   <a:solidFill>
                     <a:srgbClr val="000000"/>
                   </a:solidFill>
@@ -3163,7 +3163,7 @@
             </a:ln>
             <a:extLst>
               <a:ext uri="{91240B29-F687-4f45-9708-019B960494DF}">
-                <a14:hiddenLine xmlns:a14="http://schemas.microsoft.com/office/drawing/2010/main" xmlns="" w="9525">
+                <a14:hiddenLine xmlns="" xmlns:a14="http://schemas.microsoft.com/office/drawing/2010/main" w="9525">
                   <a:solidFill>
                     <a:srgbClr val="000000"/>
                   </a:solidFill>
@@ -3253,7 +3253,7 @@
             </a:ln>
             <a:extLst>
               <a:ext uri="{91240B29-F687-4f45-9708-019B960494DF}">
-                <a14:hiddenLine xmlns:a14="http://schemas.microsoft.com/office/drawing/2010/main" xmlns="" w="9525">
+                <a14:hiddenLine xmlns="" xmlns:a14="http://schemas.microsoft.com/office/drawing/2010/main" w="9525">
                   <a:solidFill>
                     <a:srgbClr val="000000"/>
                   </a:solidFill>
@@ -3315,7 +3315,7 @@
             </a:ln>
             <a:extLst>
               <a:ext uri="{91240B29-F687-4f45-9708-019B960494DF}">
-                <a14:hiddenLine xmlns:a14="http://schemas.microsoft.com/office/drawing/2010/main" xmlns="" w="9525">
+                <a14:hiddenLine xmlns="" xmlns:a14="http://schemas.microsoft.com/office/drawing/2010/main" w="9525">
                   <a:solidFill>
                     <a:srgbClr val="000000"/>
                   </a:solidFill>
@@ -3405,7 +3405,7 @@
             </a:ln>
             <a:extLst>
               <a:ext uri="{91240B29-F687-4f45-9708-019B960494DF}">
-                <a14:hiddenLine xmlns:a14="http://schemas.microsoft.com/office/drawing/2010/main" xmlns="" w="9525">
+                <a14:hiddenLine xmlns="" xmlns:a14="http://schemas.microsoft.com/office/drawing/2010/main" w="9525">
                   <a:solidFill>
                     <a:srgbClr val="000000"/>
                   </a:solidFill>
@@ -3467,7 +3467,7 @@
             </a:ln>
             <a:extLst>
               <a:ext uri="{91240B29-F687-4f45-9708-019B960494DF}">
-                <a14:hiddenLine xmlns:a14="http://schemas.microsoft.com/office/drawing/2010/main" xmlns="" w="9525">
+                <a14:hiddenLine xmlns="" xmlns:a14="http://schemas.microsoft.com/office/drawing/2010/main" w="9525">
                   <a:solidFill>
                     <a:srgbClr val="000000"/>
                   </a:solidFill>
@@ -3557,7 +3557,7 @@
             </a:ln>
             <a:extLst>
               <a:ext uri="{91240B29-F687-4f45-9708-019B960494DF}">
-                <a14:hiddenLine xmlns:a14="http://schemas.microsoft.com/office/drawing/2010/main" xmlns="" w="9525">
+                <a14:hiddenLine xmlns="" xmlns:a14="http://schemas.microsoft.com/office/drawing/2010/main" w="9525">
                   <a:solidFill>
                     <a:srgbClr val="000000"/>
                   </a:solidFill>
@@ -3591,7 +3591,7 @@
             </a:ln>
             <a:extLst>
               <a:ext uri="{91240B29-F687-4f45-9708-019B960494DF}">
-                <a14:hiddenLine xmlns:a14="http://schemas.microsoft.com/office/drawing/2010/main" xmlns="" w="9525">
+                <a14:hiddenLine xmlns="" xmlns:a14="http://schemas.microsoft.com/office/drawing/2010/main" w="9525">
                   <a:solidFill>
                     <a:srgbClr val="000000"/>
                   </a:solidFill>
@@ -3656,7 +3656,7 @@
             </a:ln>
             <a:extLst>
               <a:ext uri="{91240B29-F687-4f45-9708-019B960494DF}">
-                <a14:hiddenLine xmlns:a14="http://schemas.microsoft.com/office/drawing/2010/main" xmlns="" w="9525">
+                <a14:hiddenLine xmlns="" xmlns:a14="http://schemas.microsoft.com/office/drawing/2010/main" w="9525">
                   <a:solidFill>
                     <a:srgbClr val="000000"/>
                   </a:solidFill>
@@ -3746,7 +3746,7 @@
             </a:ln>
             <a:extLst>
               <a:ext uri="{91240B29-F687-4f45-9708-019B960494DF}">
-                <a14:hiddenLine xmlns:a14="http://schemas.microsoft.com/office/drawing/2010/main" xmlns="" w="9525">
+                <a14:hiddenLine xmlns="" xmlns:a14="http://schemas.microsoft.com/office/drawing/2010/main" w="9525">
                   <a:solidFill>
                     <a:srgbClr val="000000"/>
                   </a:solidFill>
@@ -3808,7 +3808,7 @@
             </a:ln>
             <a:extLst>
               <a:ext uri="{91240B29-F687-4f45-9708-019B960494DF}">
-                <a14:hiddenLine xmlns:a14="http://schemas.microsoft.com/office/drawing/2010/main" xmlns="" w="9525">
+                <a14:hiddenLine xmlns="" xmlns:a14="http://schemas.microsoft.com/office/drawing/2010/main" w="9525">
                   <a:solidFill>
                     <a:srgbClr val="000000"/>
                   </a:solidFill>
@@ -3898,7 +3898,7 @@
             </a:ln>
             <a:extLst>
               <a:ext uri="{91240B29-F687-4f45-9708-019B960494DF}">
-                <a14:hiddenLine xmlns:a14="http://schemas.microsoft.com/office/drawing/2010/main" xmlns="" w="9525">
+                <a14:hiddenLine xmlns="" xmlns:a14="http://schemas.microsoft.com/office/drawing/2010/main" w="9525">
                   <a:solidFill>
                     <a:srgbClr val="000000"/>
                   </a:solidFill>
@@ -3988,7 +3988,7 @@
             </a:ln>
             <a:extLst>
               <a:ext uri="{91240B29-F687-4f45-9708-019B960494DF}">
-                <a14:hiddenLine xmlns:a14="http://schemas.microsoft.com/office/drawing/2010/main" xmlns="" w="9525">
+                <a14:hiddenLine xmlns="" xmlns:a14="http://schemas.microsoft.com/office/drawing/2010/main" w="9525">
                   <a:solidFill>
                     <a:srgbClr val="000000"/>
                   </a:solidFill>
@@ -4053,7 +4053,7 @@
             </a:ln>
             <a:extLst>
               <a:ext uri="{91240B29-F687-4f45-9708-019B960494DF}">
-                <a14:hiddenLine xmlns:a14="http://schemas.microsoft.com/office/drawing/2010/main" xmlns="" w="9525">
+                <a14:hiddenLine xmlns="" xmlns:a14="http://schemas.microsoft.com/office/drawing/2010/main" w="9525">
                   <a:solidFill>
                     <a:srgbClr val="000000"/>
                   </a:solidFill>
@@ -4115,7 +4115,7 @@
             </a:ln>
             <a:extLst>
               <a:ext uri="{91240B29-F687-4f45-9708-019B960494DF}">
-                <a14:hiddenLine xmlns:a14="http://schemas.microsoft.com/office/drawing/2010/main" xmlns="" w="9525">
+                <a14:hiddenLine xmlns="" xmlns:a14="http://schemas.microsoft.com/office/drawing/2010/main" w="9525">
                   <a:solidFill>
                     <a:srgbClr val="000000"/>
                   </a:solidFill>
@@ -4205,7 +4205,7 @@
             </a:ln>
             <a:extLst>
               <a:ext uri="{91240B29-F687-4f45-9708-019B960494DF}">
-                <a14:hiddenLine xmlns:a14="http://schemas.microsoft.com/office/drawing/2010/main" xmlns="" w="9525">
+                <a14:hiddenLine xmlns="" xmlns:a14="http://schemas.microsoft.com/office/drawing/2010/main" w="9525">
                   <a:solidFill>
                     <a:srgbClr val="000000"/>
                   </a:solidFill>
@@ -4295,7 +4295,7 @@
             </a:ln>
             <a:extLst>
               <a:ext uri="{91240B29-F687-4f45-9708-019B960494DF}">
-                <a14:hiddenLine xmlns:a14="http://schemas.microsoft.com/office/drawing/2010/main" xmlns="" w="9525">
+                <a14:hiddenLine xmlns="" xmlns:a14="http://schemas.microsoft.com/office/drawing/2010/main" w="9525">
                   <a:solidFill>
                     <a:srgbClr val="000000"/>
                   </a:solidFill>
@@ -4357,7 +4357,7 @@
             </a:ln>
             <a:extLst>
               <a:ext uri="{91240B29-F687-4f45-9708-019B960494DF}">
-                <a14:hiddenLine xmlns:a14="http://schemas.microsoft.com/office/drawing/2010/main" xmlns="" w="9525">
+                <a14:hiddenLine xmlns="" xmlns:a14="http://schemas.microsoft.com/office/drawing/2010/main" w="9525">
                   <a:solidFill>
                     <a:srgbClr val="000000"/>
                   </a:solidFill>
@@ -4477,7 +4477,7 @@
             </a:ln>
             <a:extLst>
               <a:ext uri="{91240B29-F687-4f45-9708-019B960494DF}">
-                <a14:hiddenLine xmlns:a14="http://schemas.microsoft.com/office/drawing/2010/main" xmlns="" w="9525">
+                <a14:hiddenLine xmlns="" xmlns:a14="http://schemas.microsoft.com/office/drawing/2010/main" w="9525">
                   <a:solidFill>
                     <a:srgbClr val="000000"/>
                   </a:solidFill>
@@ -4545,7 +4545,7 @@
             </a:ln>
             <a:extLst>
               <a:ext uri="{91240B29-F687-4f45-9708-019B960494DF}">
-                <a14:hiddenLine xmlns:a14="http://schemas.microsoft.com/office/drawing/2010/main" xmlns="" w="9525">
+                <a14:hiddenLine xmlns="" xmlns:a14="http://schemas.microsoft.com/office/drawing/2010/main" w="9525">
                   <a:solidFill>
                     <a:srgbClr val="000000"/>
                   </a:solidFill>
@@ -4635,7 +4635,7 @@
             </a:ln>
             <a:extLst>
               <a:ext uri="{91240B29-F687-4f45-9708-019B960494DF}">
-                <a14:hiddenLine xmlns:a14="http://schemas.microsoft.com/office/drawing/2010/main" xmlns="" w="9525">
+                <a14:hiddenLine xmlns="" xmlns:a14="http://schemas.microsoft.com/office/drawing/2010/main" w="9525">
                   <a:solidFill>
                     <a:srgbClr val="000000"/>
                   </a:solidFill>
@@ -4830,7 +4830,7 @@
           <a:p>
             <a:fld id="{40FE1B0E-D763-4525-8983-8614C84C5E4B}" type="slidenum">
               <a:rPr lang="pt-PT" smtClean="0"/>
-              <a:t>‹#›</a:t>
+              <a:t>‹nº›</a:t>
             </a:fld>
             <a:endParaRPr lang="pt-PT"/>
           </a:p>
@@ -5090,7 +5090,7 @@
           <a:p>
             <a:fld id="{40FE1B0E-D763-4525-8983-8614C84C5E4B}" type="slidenum">
               <a:rPr lang="pt-PT" smtClean="0"/>
-              <a:t>‹#›</a:t>
+              <a:t>‹nº›</a:t>
             </a:fld>
             <a:endParaRPr lang="pt-PT"/>
           </a:p>
@@ -5289,7 +5289,7 @@
           <a:p>
             <a:fld id="{40FE1B0E-D763-4525-8983-8614C84C5E4B}" type="slidenum">
               <a:rPr lang="pt-PT" smtClean="0"/>
-              <a:t>‹#›</a:t>
+              <a:t>‹nº›</a:t>
             </a:fld>
             <a:endParaRPr lang="pt-PT"/>
           </a:p>
@@ -5555,7 +5555,7 @@
           <a:p>
             <a:fld id="{40FE1B0E-D763-4525-8983-8614C84C5E4B}" type="slidenum">
               <a:rPr lang="pt-PT" smtClean="0"/>
-              <a:t>‹#›</a:t>
+              <a:t>‹nº›</a:t>
             </a:fld>
             <a:endParaRPr lang="pt-PT"/>
           </a:p>
@@ -5992,7 +5992,7 @@
           <a:p>
             <a:fld id="{40FE1B0E-D763-4525-8983-8614C84C5E4B}" type="slidenum">
               <a:rPr lang="pt-PT" smtClean="0"/>
-              <a:t>‹#›</a:t>
+              <a:t>‹nº›</a:t>
             </a:fld>
             <a:endParaRPr lang="pt-PT"/>
           </a:p>
@@ -6541,7 +6541,7 @@
           <a:p>
             <a:fld id="{40FE1B0E-D763-4525-8983-8614C84C5E4B}" type="slidenum">
               <a:rPr lang="pt-PT" smtClean="0"/>
-              <a:t>‹#›</a:t>
+              <a:t>‹nº›</a:t>
             </a:fld>
             <a:endParaRPr lang="pt-PT"/>
           </a:p>
@@ -7264,7 +7264,7 @@
           <a:p>
             <a:fld id="{40FE1B0E-D763-4525-8983-8614C84C5E4B}" type="slidenum">
               <a:rPr lang="pt-PT" smtClean="0"/>
-              <a:t>‹#›</a:t>
+              <a:t>‹nº›</a:t>
             </a:fld>
             <a:endParaRPr lang="pt-PT"/>
           </a:p>
@@ -7437,7 +7437,7 @@
           <a:p>
             <a:fld id="{40FE1B0E-D763-4525-8983-8614C84C5E4B}" type="slidenum">
               <a:rPr lang="pt-PT" smtClean="0"/>
-              <a:t>‹#›</a:t>
+              <a:t>‹nº›</a:t>
             </a:fld>
             <a:endParaRPr lang="pt-PT"/>
           </a:p>
@@ -7620,7 +7620,7 @@
           <a:p>
             <a:fld id="{40FE1B0E-D763-4525-8983-8614C84C5E4B}" type="slidenum">
               <a:rPr lang="pt-PT" smtClean="0"/>
-              <a:t>‹#›</a:t>
+              <a:t>‹nº›</a:t>
             </a:fld>
             <a:endParaRPr lang="pt-PT"/>
           </a:p>
@@ -7793,7 +7793,7 @@
           <a:p>
             <a:fld id="{40FE1B0E-D763-4525-8983-8614C84C5E4B}" type="slidenum">
               <a:rPr lang="pt-PT" smtClean="0"/>
-              <a:t>‹#›</a:t>
+              <a:t>‹nº›</a:t>
             </a:fld>
             <a:endParaRPr lang="pt-PT"/>
           </a:p>
@@ -8046,7 +8046,7 @@
           <a:p>
             <a:fld id="{40FE1B0E-D763-4525-8983-8614C84C5E4B}" type="slidenum">
               <a:rPr lang="pt-PT" smtClean="0"/>
-              <a:t>‹#›</a:t>
+              <a:t>‹nº›</a:t>
             </a:fld>
             <a:endParaRPr lang="pt-PT"/>
           </a:p>
@@ -8281,7 +8281,7 @@
           <a:p>
             <a:fld id="{40FE1B0E-D763-4525-8983-8614C84C5E4B}" type="slidenum">
               <a:rPr lang="pt-PT" smtClean="0"/>
-              <a:t>‹#›</a:t>
+              <a:t>‹nº›</a:t>
             </a:fld>
             <a:endParaRPr lang="pt-PT"/>
           </a:p>
@@ -8665,7 +8665,7 @@
           <a:p>
             <a:fld id="{40FE1B0E-D763-4525-8983-8614C84C5E4B}" type="slidenum">
               <a:rPr lang="pt-PT" smtClean="0"/>
-              <a:t>‹#›</a:t>
+              <a:t>‹nº›</a:t>
             </a:fld>
             <a:endParaRPr lang="pt-PT"/>
           </a:p>
@@ -8786,7 +8786,7 @@
           <a:p>
             <a:fld id="{40FE1B0E-D763-4525-8983-8614C84C5E4B}" type="slidenum">
               <a:rPr lang="pt-PT" smtClean="0"/>
-              <a:t>‹#›</a:t>
+              <a:t>‹nº›</a:t>
             </a:fld>
             <a:endParaRPr lang="pt-PT"/>
           </a:p>
@@ -8884,7 +8884,7 @@
           <a:p>
             <a:fld id="{40FE1B0E-D763-4525-8983-8614C84C5E4B}" type="slidenum">
               <a:rPr lang="pt-PT" smtClean="0"/>
-              <a:t>‹#›</a:t>
+              <a:t>‹nº›</a:t>
             </a:fld>
             <a:endParaRPr lang="pt-PT"/>
           </a:p>
@@ -9136,7 +9136,7 @@
           <a:p>
             <a:fld id="{40FE1B0E-D763-4525-8983-8614C84C5E4B}" type="slidenum">
               <a:rPr lang="pt-PT" smtClean="0"/>
-              <a:t>‹#›</a:t>
+              <a:t>‹nº›</a:t>
             </a:fld>
             <a:endParaRPr lang="pt-PT"/>
           </a:p>
@@ -9419,7 +9419,7 @@
           <a:p>
             <a:fld id="{40FE1B0E-D763-4525-8983-8614C84C5E4B}" type="slidenum">
               <a:rPr lang="pt-PT" smtClean="0"/>
-              <a:t>‹#›</a:t>
+              <a:t>‹nº›</a:t>
             </a:fld>
             <a:endParaRPr lang="pt-PT"/>
           </a:p>
@@ -9500,7 +9500,7 @@
           <a:noFill/>
           <a:extLst>
             <a:ext uri="{909E8E84-426E-40dd-AFC4-6F175D3DCCD1}">
-              <a14:hiddenFill xmlns:a14="http://schemas.microsoft.com/office/drawing/2010/main" xmlns="">
+              <a14:hiddenFill xmlns="" xmlns:a14="http://schemas.microsoft.com/office/drawing/2010/main">
                 <a:solidFill>
                   <a:srgbClr val="FFFFFF"/>
                 </a:solidFill>
@@ -9574,7 +9574,7 @@
               </a:ln>
               <a:extLst>
                 <a:ext uri="{91240B29-F687-4f45-9708-019B960494DF}">
-                  <a14:hiddenLine xmlns:a14="http://schemas.microsoft.com/office/drawing/2010/main" xmlns="" w="9525">
+                  <a14:hiddenLine xmlns="" xmlns:a14="http://schemas.microsoft.com/office/drawing/2010/main" w="9525">
                     <a:solidFill>
                       <a:srgbClr val="000000"/>
                     </a:solidFill>
@@ -9664,7 +9664,7 @@
               </a:ln>
               <a:extLst>
                 <a:ext uri="{91240B29-F687-4f45-9708-019B960494DF}">
-                  <a14:hiddenLine xmlns:a14="http://schemas.microsoft.com/office/drawing/2010/main" xmlns="" w="9525">
+                  <a14:hiddenLine xmlns="" xmlns:a14="http://schemas.microsoft.com/office/drawing/2010/main" w="9525">
                     <a:solidFill>
                       <a:srgbClr val="000000"/>
                     </a:solidFill>
@@ -9754,7 +9754,7 @@
               </a:ln>
               <a:extLst>
                 <a:ext uri="{91240B29-F687-4f45-9708-019B960494DF}">
-                  <a14:hiddenLine xmlns:a14="http://schemas.microsoft.com/office/drawing/2010/main" xmlns="" w="9525">
+                  <a14:hiddenLine xmlns="" xmlns:a14="http://schemas.microsoft.com/office/drawing/2010/main" w="9525">
                     <a:solidFill>
                       <a:srgbClr val="000000"/>
                     </a:solidFill>
@@ -9816,7 +9816,7 @@
               </a:ln>
               <a:extLst>
                 <a:ext uri="{91240B29-F687-4f45-9708-019B960494DF}">
-                  <a14:hiddenLine xmlns:a14="http://schemas.microsoft.com/office/drawing/2010/main" xmlns="" w="9525">
+                  <a14:hiddenLine xmlns="" xmlns:a14="http://schemas.microsoft.com/office/drawing/2010/main" w="9525">
                     <a:solidFill>
                       <a:srgbClr val="000000"/>
                     </a:solidFill>
@@ -9906,7 +9906,7 @@
               </a:ln>
               <a:extLst>
                 <a:ext uri="{91240B29-F687-4f45-9708-019B960494DF}">
-                  <a14:hiddenLine xmlns:a14="http://schemas.microsoft.com/office/drawing/2010/main" xmlns="" w="9525">
+                  <a14:hiddenLine xmlns="" xmlns:a14="http://schemas.microsoft.com/office/drawing/2010/main" w="9525">
                     <a:solidFill>
                       <a:srgbClr val="000000"/>
                     </a:solidFill>
@@ -9968,7 +9968,7 @@
               </a:ln>
               <a:extLst>
                 <a:ext uri="{91240B29-F687-4f45-9708-019B960494DF}">
-                  <a14:hiddenLine xmlns:a14="http://schemas.microsoft.com/office/drawing/2010/main" xmlns="" w="9525">
+                  <a14:hiddenLine xmlns="" xmlns:a14="http://schemas.microsoft.com/office/drawing/2010/main" w="9525">
                     <a:solidFill>
                       <a:srgbClr val="000000"/>
                     </a:solidFill>
@@ -10030,7 +10030,7 @@
               </a:ln>
               <a:extLst>
                 <a:ext uri="{91240B29-F687-4f45-9708-019B960494DF}">
-                  <a14:hiddenLine xmlns:a14="http://schemas.microsoft.com/office/drawing/2010/main" xmlns="" w="9525">
+                  <a14:hiddenLine xmlns="" xmlns:a14="http://schemas.microsoft.com/office/drawing/2010/main" w="9525">
                     <a:solidFill>
                       <a:srgbClr val="000000"/>
                     </a:solidFill>
@@ -10120,7 +10120,7 @@
               </a:ln>
               <a:extLst>
                 <a:ext uri="{91240B29-F687-4f45-9708-019B960494DF}">
-                  <a14:hiddenLine xmlns:a14="http://schemas.microsoft.com/office/drawing/2010/main" xmlns="" w="9525">
+                  <a14:hiddenLine xmlns="" xmlns:a14="http://schemas.microsoft.com/office/drawing/2010/main" w="9525">
                     <a:solidFill>
                       <a:srgbClr val="000000"/>
                     </a:solidFill>
@@ -10210,7 +10210,7 @@
               </a:ln>
               <a:extLst>
                 <a:ext uri="{91240B29-F687-4f45-9708-019B960494DF}">
-                  <a14:hiddenLine xmlns:a14="http://schemas.microsoft.com/office/drawing/2010/main" xmlns="" w="9525">
+                  <a14:hiddenLine xmlns="" xmlns:a14="http://schemas.microsoft.com/office/drawing/2010/main" w="9525">
                     <a:solidFill>
                       <a:srgbClr val="000000"/>
                     </a:solidFill>
@@ -10272,7 +10272,7 @@
               </a:ln>
               <a:extLst>
                 <a:ext uri="{91240B29-F687-4f45-9708-019B960494DF}">
-                  <a14:hiddenLine xmlns:a14="http://schemas.microsoft.com/office/drawing/2010/main" xmlns="" w="9525">
+                  <a14:hiddenLine xmlns="" xmlns:a14="http://schemas.microsoft.com/office/drawing/2010/main" w="9525">
                     <a:solidFill>
                       <a:srgbClr val="000000"/>
                     </a:solidFill>
@@ -10382,7 +10382,7 @@
               </a:ln>
               <a:extLst>
                 <a:ext uri="{91240B29-F687-4f45-9708-019B960494DF}">
-                  <a14:hiddenLine xmlns:a14="http://schemas.microsoft.com/office/drawing/2010/main" xmlns="" w="9525">
+                  <a14:hiddenLine xmlns="" xmlns:a14="http://schemas.microsoft.com/office/drawing/2010/main" w="9525">
                     <a:solidFill>
                       <a:srgbClr val="000000"/>
                     </a:solidFill>
@@ -10466,7 +10466,7 @@
               </a:ln>
               <a:extLst>
                 <a:ext uri="{91240B29-F687-4f45-9708-019B960494DF}">
-                  <a14:hiddenLine xmlns:a14="http://schemas.microsoft.com/office/drawing/2010/main" xmlns="" w="9525">
+                  <a14:hiddenLine xmlns="" xmlns:a14="http://schemas.microsoft.com/office/drawing/2010/main" w="9525">
                     <a:solidFill>
                       <a:srgbClr val="000000"/>
                     </a:solidFill>
@@ -10528,7 +10528,7 @@
               </a:ln>
               <a:extLst>
                 <a:ext uri="{91240B29-F687-4f45-9708-019B960494DF}">
-                  <a14:hiddenLine xmlns:a14="http://schemas.microsoft.com/office/drawing/2010/main" xmlns="" w="9525">
+                  <a14:hiddenLine xmlns="" xmlns:a14="http://schemas.microsoft.com/office/drawing/2010/main" w="9525">
                     <a:solidFill>
                       <a:srgbClr val="000000"/>
                     </a:solidFill>
@@ -10590,7 +10590,7 @@
               </a:ln>
               <a:extLst>
                 <a:ext uri="{91240B29-F687-4f45-9708-019B960494DF}">
-                  <a14:hiddenLine xmlns:a14="http://schemas.microsoft.com/office/drawing/2010/main" xmlns="" w="9525">
+                  <a14:hiddenLine xmlns="" xmlns:a14="http://schemas.microsoft.com/office/drawing/2010/main" w="9525">
                     <a:solidFill>
                       <a:srgbClr val="000000"/>
                     </a:solidFill>
@@ -10680,7 +10680,7 @@
               </a:ln>
               <a:extLst>
                 <a:ext uri="{91240B29-F687-4f45-9708-019B960494DF}">
-                  <a14:hiddenLine xmlns:a14="http://schemas.microsoft.com/office/drawing/2010/main" xmlns="" w="9525">
+                  <a14:hiddenLine xmlns="" xmlns:a14="http://schemas.microsoft.com/office/drawing/2010/main" w="9525">
                     <a:solidFill>
                       <a:srgbClr val="000000"/>
                     </a:solidFill>
@@ -10714,7 +10714,7 @@
               </a:ln>
               <a:extLst>
                 <a:ext uri="{91240B29-F687-4f45-9708-019B960494DF}">
-                  <a14:hiddenLine xmlns:a14="http://schemas.microsoft.com/office/drawing/2010/main" xmlns="" w="9525">
+                  <a14:hiddenLine xmlns="" xmlns:a14="http://schemas.microsoft.com/office/drawing/2010/main" w="9525">
                     <a:solidFill>
                       <a:srgbClr val="000000"/>
                     </a:solidFill>
@@ -10779,7 +10779,7 @@
               </a:ln>
               <a:extLst>
                 <a:ext uri="{91240B29-F687-4f45-9708-019B960494DF}">
-                  <a14:hiddenLine xmlns:a14="http://schemas.microsoft.com/office/drawing/2010/main" xmlns="" w="9525">
+                  <a14:hiddenLine xmlns="" xmlns:a14="http://schemas.microsoft.com/office/drawing/2010/main" w="9525">
                     <a:solidFill>
                       <a:srgbClr val="000000"/>
                     </a:solidFill>
@@ -10869,7 +10869,7 @@
               </a:ln>
               <a:extLst>
                 <a:ext uri="{91240B29-F687-4f45-9708-019B960494DF}">
-                  <a14:hiddenLine xmlns:a14="http://schemas.microsoft.com/office/drawing/2010/main" xmlns="" w="9525">
+                  <a14:hiddenLine xmlns="" xmlns:a14="http://schemas.microsoft.com/office/drawing/2010/main" w="9525">
                     <a:solidFill>
                       <a:srgbClr val="000000"/>
                     </a:solidFill>
@@ -10931,7 +10931,7 @@
               </a:ln>
               <a:extLst>
                 <a:ext uri="{91240B29-F687-4f45-9708-019B960494DF}">
-                  <a14:hiddenLine xmlns:a14="http://schemas.microsoft.com/office/drawing/2010/main" xmlns="" w="9525">
+                  <a14:hiddenLine xmlns="" xmlns:a14="http://schemas.microsoft.com/office/drawing/2010/main" w="9525">
                     <a:solidFill>
                       <a:srgbClr val="000000"/>
                     </a:solidFill>
@@ -11021,7 +11021,7 @@
               </a:ln>
               <a:extLst>
                 <a:ext uri="{91240B29-F687-4f45-9708-019B960494DF}">
-                  <a14:hiddenLine xmlns:a14="http://schemas.microsoft.com/office/drawing/2010/main" xmlns="" w="9525">
+                  <a14:hiddenLine xmlns="" xmlns:a14="http://schemas.microsoft.com/office/drawing/2010/main" w="9525">
                     <a:solidFill>
                       <a:srgbClr val="000000"/>
                     </a:solidFill>
@@ -11086,7 +11086,7 @@
               </a:ln>
               <a:extLst>
                 <a:ext uri="{91240B29-F687-4f45-9708-019B960494DF}">
-                  <a14:hiddenLine xmlns:a14="http://schemas.microsoft.com/office/drawing/2010/main" xmlns="" w="9525">
+                  <a14:hiddenLine xmlns="" xmlns:a14="http://schemas.microsoft.com/office/drawing/2010/main" w="9525">
                     <a:solidFill>
                       <a:srgbClr val="000000"/>
                     </a:solidFill>
@@ -11148,7 +11148,7 @@
               </a:ln>
               <a:extLst>
                 <a:ext uri="{91240B29-F687-4f45-9708-019B960494DF}">
-                  <a14:hiddenLine xmlns:a14="http://schemas.microsoft.com/office/drawing/2010/main" xmlns="" w="9525">
+                  <a14:hiddenLine xmlns="" xmlns:a14="http://schemas.microsoft.com/office/drawing/2010/main" w="9525">
                     <a:solidFill>
                       <a:srgbClr val="000000"/>
                     </a:solidFill>
@@ -11238,7 +11238,7 @@
               </a:ln>
               <a:extLst>
                 <a:ext uri="{91240B29-F687-4f45-9708-019B960494DF}">
-                  <a14:hiddenLine xmlns:a14="http://schemas.microsoft.com/office/drawing/2010/main" xmlns="" w="9525">
+                  <a14:hiddenLine xmlns="" xmlns:a14="http://schemas.microsoft.com/office/drawing/2010/main" w="9525">
                     <a:solidFill>
                       <a:srgbClr val="000000"/>
                     </a:solidFill>
@@ -11328,7 +11328,7 @@
               </a:ln>
               <a:extLst>
                 <a:ext uri="{91240B29-F687-4f45-9708-019B960494DF}">
-                  <a14:hiddenLine xmlns:a14="http://schemas.microsoft.com/office/drawing/2010/main" xmlns="" w="9525">
+                  <a14:hiddenLine xmlns="" xmlns:a14="http://schemas.microsoft.com/office/drawing/2010/main" w="9525">
                     <a:solidFill>
                       <a:srgbClr val="000000"/>
                     </a:solidFill>
@@ -11393,7 +11393,7 @@
               </a:ln>
               <a:extLst>
                 <a:ext uri="{91240B29-F687-4f45-9708-019B960494DF}">
-                  <a14:hiddenLine xmlns:a14="http://schemas.microsoft.com/office/drawing/2010/main" xmlns="" w="9525">
+                  <a14:hiddenLine xmlns="" xmlns:a14="http://schemas.microsoft.com/office/drawing/2010/main" w="9525">
                     <a:solidFill>
                       <a:srgbClr val="000000"/>
                     </a:solidFill>
@@ -11513,7 +11513,7 @@
               </a:ln>
               <a:extLst>
                 <a:ext uri="{91240B29-F687-4f45-9708-019B960494DF}">
-                  <a14:hiddenLine xmlns:a14="http://schemas.microsoft.com/office/drawing/2010/main" xmlns="" w="9525">
+                  <a14:hiddenLine xmlns="" xmlns:a14="http://schemas.microsoft.com/office/drawing/2010/main" w="9525">
                     <a:solidFill>
                       <a:srgbClr val="000000"/>
                     </a:solidFill>
@@ -11594,7 +11594,7 @@
               </a:ln>
               <a:extLst>
                 <a:ext uri="{91240B29-F687-4f45-9708-019B960494DF}">
-                  <a14:hiddenLine xmlns:a14="http://schemas.microsoft.com/office/drawing/2010/main" xmlns="" w="9525">
+                  <a14:hiddenLine xmlns="" xmlns:a14="http://schemas.microsoft.com/office/drawing/2010/main" w="9525">
                     <a:solidFill>
                       <a:srgbClr val="000000"/>
                     </a:solidFill>
@@ -11709,7 +11709,7 @@
               </a:ln>
               <a:extLst>
                 <a:ext uri="{91240B29-F687-4f45-9708-019B960494DF}">
-                  <a14:hiddenLine xmlns:a14="http://schemas.microsoft.com/office/drawing/2010/main" xmlns="" w="9525">
+                  <a14:hiddenLine xmlns="" xmlns:a14="http://schemas.microsoft.com/office/drawing/2010/main" w="9525">
                     <a:solidFill>
                       <a:srgbClr val="000000"/>
                     </a:solidFill>
@@ -11799,7 +11799,7 @@
               </a:ln>
               <a:extLst>
                 <a:ext uri="{91240B29-F687-4f45-9708-019B960494DF}">
-                  <a14:hiddenLine xmlns:a14="http://schemas.microsoft.com/office/drawing/2010/main" xmlns="" w="9525">
+                  <a14:hiddenLine xmlns="" xmlns:a14="http://schemas.microsoft.com/office/drawing/2010/main" w="9525">
                     <a:solidFill>
                       <a:srgbClr val="000000"/>
                     </a:solidFill>
@@ -11864,7 +11864,7 @@
               </a:ln>
               <a:extLst>
                 <a:ext uri="{91240B29-F687-4f45-9708-019B960494DF}">
-                  <a14:hiddenLine xmlns:a14="http://schemas.microsoft.com/office/drawing/2010/main" xmlns="" w="9525">
+                  <a14:hiddenLine xmlns="" xmlns:a14="http://schemas.microsoft.com/office/drawing/2010/main" w="9525">
                     <a:solidFill>
                       <a:srgbClr val="000000"/>
                     </a:solidFill>
@@ -11954,7 +11954,7 @@
               </a:ln>
               <a:extLst>
                 <a:ext uri="{91240B29-F687-4f45-9708-019B960494DF}">
-                  <a14:hiddenLine xmlns:a14="http://schemas.microsoft.com/office/drawing/2010/main" xmlns="" w="9525">
+                  <a14:hiddenLine xmlns="" xmlns:a14="http://schemas.microsoft.com/office/drawing/2010/main" w="9525">
                     <a:solidFill>
                       <a:srgbClr val="000000"/>
                     </a:solidFill>
@@ -12022,7 +12022,7 @@
               </a:ln>
               <a:extLst>
                 <a:ext uri="{91240B29-F687-4f45-9708-019B960494DF}">
-                  <a14:hiddenLine xmlns:a14="http://schemas.microsoft.com/office/drawing/2010/main" xmlns="" w="9525">
+                  <a14:hiddenLine xmlns="" xmlns:a14="http://schemas.microsoft.com/office/drawing/2010/main" w="9525">
                     <a:solidFill>
                       <a:srgbClr val="000000"/>
                     </a:solidFill>
@@ -12112,7 +12112,7 @@
               </a:ln>
               <a:extLst>
                 <a:ext uri="{91240B29-F687-4f45-9708-019B960494DF}">
-                  <a14:hiddenLine xmlns:a14="http://schemas.microsoft.com/office/drawing/2010/main" xmlns="" w="9525">
+                  <a14:hiddenLine xmlns="" xmlns:a14="http://schemas.microsoft.com/office/drawing/2010/main" w="9525">
                     <a:solidFill>
                       <a:srgbClr val="000000"/>
                     </a:solidFill>
@@ -12180,7 +12180,7 @@
               </a:ln>
               <a:extLst>
                 <a:ext uri="{91240B29-F687-4f45-9708-019B960494DF}">
-                  <a14:hiddenLine xmlns:a14="http://schemas.microsoft.com/office/drawing/2010/main" xmlns="" w="9525">
+                  <a14:hiddenLine xmlns="" xmlns:a14="http://schemas.microsoft.com/office/drawing/2010/main" w="9525">
                     <a:solidFill>
                       <a:srgbClr val="000000"/>
                     </a:solidFill>
@@ -12270,7 +12270,7 @@
               </a:ln>
               <a:extLst>
                 <a:ext uri="{91240B29-F687-4f45-9708-019B960494DF}">
-                  <a14:hiddenLine xmlns:a14="http://schemas.microsoft.com/office/drawing/2010/main" xmlns="" w="9525">
+                  <a14:hiddenLine xmlns="" xmlns:a14="http://schemas.microsoft.com/office/drawing/2010/main" w="9525">
                     <a:solidFill>
                       <a:srgbClr val="000000"/>
                     </a:solidFill>
@@ -12304,7 +12304,7 @@
               </a:ln>
               <a:extLst>
                 <a:ext uri="{91240B29-F687-4f45-9708-019B960494DF}">
-                  <a14:hiddenLine xmlns:a14="http://schemas.microsoft.com/office/drawing/2010/main" xmlns="" w="9525">
+                  <a14:hiddenLine xmlns="" xmlns:a14="http://schemas.microsoft.com/office/drawing/2010/main" w="9525">
                     <a:solidFill>
                       <a:srgbClr val="000000"/>
                     </a:solidFill>
@@ -12525,7 +12525,7 @@
           <a:p>
             <a:fld id="{40FE1B0E-D763-4525-8983-8614C84C5E4B}" type="slidenum">
               <a:rPr lang="pt-PT" smtClean="0"/>
-              <a:t>‹#›</a:t>
+              <a:t>‹nº›</a:t>
             </a:fld>
             <a:endParaRPr lang="pt-PT"/>
           </a:p>
@@ -13185,7 +13185,7 @@
           <a:noFill/>
           <a:extLst>
             <a:ext uri="{909E8E84-426E-40dd-AFC4-6F175D3DCCD1}">
-              <a14:hiddenFill xmlns="" xmlns:a16="http://schemas.microsoft.com/office/drawing/2014/main" xmlns:a14="http://schemas.microsoft.com/office/drawing/2010/main">
+              <a14:hiddenFill xmlns:a14="http://schemas.microsoft.com/office/drawing/2010/main" xmlns:a16="http://schemas.microsoft.com/office/drawing/2014/main" xmlns="">
                 <a:solidFill>
                   <a:srgbClr val="FFFFFF"/>
                 </a:solidFill>
@@ -13277,7 +13277,7 @@
             </a:ln>
             <a:extLst>
               <a:ext uri="{91240B29-F687-4f45-9708-019B960494DF}">
-                <a14:hiddenLine xmlns="" xmlns:a16="http://schemas.microsoft.com/office/drawing/2014/main" xmlns:a14="http://schemas.microsoft.com/office/drawing/2010/main" w="9525">
+                <a14:hiddenLine xmlns:a14="http://schemas.microsoft.com/office/drawing/2010/main" xmlns:a16="http://schemas.microsoft.com/office/drawing/2014/main" xmlns="" w="9525">
                   <a:solidFill>
                     <a:srgbClr val="000000"/>
                   </a:solidFill>
@@ -13382,7 +13382,7 @@
             </a:ln>
             <a:extLst>
               <a:ext uri="{91240B29-F687-4f45-9708-019B960494DF}">
-                <a14:hiddenLine xmlns="" xmlns:a16="http://schemas.microsoft.com/office/drawing/2014/main" xmlns:a14="http://schemas.microsoft.com/office/drawing/2010/main" w="9525">
+                <a14:hiddenLine xmlns:a14="http://schemas.microsoft.com/office/drawing/2010/main" xmlns:a16="http://schemas.microsoft.com/office/drawing/2014/main" xmlns="" w="9525">
                   <a:solidFill>
                     <a:srgbClr val="000000"/>
                   </a:solidFill>
@@ -13487,7 +13487,7 @@
             </a:ln>
             <a:extLst>
               <a:ext uri="{91240B29-F687-4f45-9708-019B960494DF}">
-                <a14:hiddenLine xmlns="" xmlns:a16="http://schemas.microsoft.com/office/drawing/2014/main" xmlns:a14="http://schemas.microsoft.com/office/drawing/2010/main" w="9525">
+                <a14:hiddenLine xmlns:a14="http://schemas.microsoft.com/office/drawing/2010/main" xmlns:a16="http://schemas.microsoft.com/office/drawing/2014/main" xmlns="" w="9525">
                   <a:solidFill>
                     <a:srgbClr val="000000"/>
                   </a:solidFill>
@@ -13536,7 +13536,7 @@
             </a:ln>
             <a:extLst>
               <a:ext uri="{91240B29-F687-4f45-9708-019B960494DF}">
-                <a14:hiddenLine xmlns="" xmlns:a16="http://schemas.microsoft.com/office/drawing/2014/main" xmlns:a14="http://schemas.microsoft.com/office/drawing/2010/main" w="9525">
+                <a14:hiddenLine xmlns:a14="http://schemas.microsoft.com/office/drawing/2010/main" xmlns:a16="http://schemas.microsoft.com/office/drawing/2014/main" xmlns="" w="9525">
                   <a:solidFill>
                     <a:srgbClr val="000000"/>
                   </a:solidFill>
@@ -13641,7 +13641,7 @@
             </a:ln>
             <a:extLst>
               <a:ext uri="{91240B29-F687-4f45-9708-019B960494DF}">
-                <a14:hiddenLine xmlns="" xmlns:a16="http://schemas.microsoft.com/office/drawing/2014/main" xmlns:a14="http://schemas.microsoft.com/office/drawing/2010/main" w="9525">
+                <a14:hiddenLine xmlns:a14="http://schemas.microsoft.com/office/drawing/2010/main" xmlns:a16="http://schemas.microsoft.com/office/drawing/2014/main" xmlns="" w="9525">
                   <a:solidFill>
                     <a:srgbClr val="000000"/>
                   </a:solidFill>
@@ -13718,7 +13718,7 @@
             </a:ln>
             <a:extLst>
               <a:ext uri="{91240B29-F687-4f45-9708-019B960494DF}">
-                <a14:hiddenLine xmlns="" xmlns:a16="http://schemas.microsoft.com/office/drawing/2014/main" xmlns:a14="http://schemas.microsoft.com/office/drawing/2010/main" w="9525">
+                <a14:hiddenLine xmlns:a14="http://schemas.microsoft.com/office/drawing/2010/main" xmlns:a16="http://schemas.microsoft.com/office/drawing/2014/main" xmlns="" w="9525">
                   <a:solidFill>
                     <a:srgbClr val="000000"/>
                   </a:solidFill>
@@ -13795,7 +13795,7 @@
             </a:ln>
             <a:extLst>
               <a:ext uri="{91240B29-F687-4f45-9708-019B960494DF}">
-                <a14:hiddenLine xmlns="" xmlns:a16="http://schemas.microsoft.com/office/drawing/2014/main" xmlns:a14="http://schemas.microsoft.com/office/drawing/2010/main" w="9525">
+                <a14:hiddenLine xmlns:a14="http://schemas.microsoft.com/office/drawing/2010/main" xmlns:a16="http://schemas.microsoft.com/office/drawing/2014/main" xmlns="" w="9525">
                   <a:solidFill>
                     <a:srgbClr val="000000"/>
                   </a:solidFill>
@@ -13900,7 +13900,7 @@
             </a:ln>
             <a:extLst>
               <a:ext uri="{91240B29-F687-4f45-9708-019B960494DF}">
-                <a14:hiddenLine xmlns="" xmlns:a16="http://schemas.microsoft.com/office/drawing/2014/main" xmlns:a14="http://schemas.microsoft.com/office/drawing/2010/main" w="9525">
+                <a14:hiddenLine xmlns:a14="http://schemas.microsoft.com/office/drawing/2010/main" xmlns:a16="http://schemas.microsoft.com/office/drawing/2014/main" xmlns="" w="9525">
                   <a:solidFill>
                     <a:srgbClr val="000000"/>
                   </a:solidFill>
@@ -13977,7 +13977,7 @@
             </a:ln>
             <a:extLst>
               <a:ext uri="{91240B29-F687-4f45-9708-019B960494DF}">
-                <a14:hiddenLine xmlns="" xmlns:a16="http://schemas.microsoft.com/office/drawing/2014/main" xmlns:a14="http://schemas.microsoft.com/office/drawing/2010/main" w="9525">
+                <a14:hiddenLine xmlns:a14="http://schemas.microsoft.com/office/drawing/2010/main" xmlns:a16="http://schemas.microsoft.com/office/drawing/2014/main" xmlns="" w="9525">
                   <a:solidFill>
                     <a:srgbClr val="000000"/>
                   </a:solidFill>
@@ -14054,7 +14054,7 @@
             </a:ln>
             <a:extLst>
               <a:ext uri="{91240B29-F687-4f45-9708-019B960494DF}">
-                <a14:hiddenLine xmlns="" xmlns:a16="http://schemas.microsoft.com/office/drawing/2014/main" xmlns:a14="http://schemas.microsoft.com/office/drawing/2010/main" w="9525">
+                <a14:hiddenLine xmlns:a14="http://schemas.microsoft.com/office/drawing/2010/main" xmlns:a16="http://schemas.microsoft.com/office/drawing/2014/main" xmlns="" w="9525">
                   <a:solidFill>
                     <a:srgbClr val="000000"/>
                   </a:solidFill>
@@ -14159,7 +14159,7 @@
             </a:ln>
             <a:extLst>
               <a:ext uri="{91240B29-F687-4f45-9708-019B960494DF}">
-                <a14:hiddenLine xmlns="" xmlns:a16="http://schemas.microsoft.com/office/drawing/2014/main" xmlns:a14="http://schemas.microsoft.com/office/drawing/2010/main" w="9525">
+                <a14:hiddenLine xmlns:a14="http://schemas.microsoft.com/office/drawing/2010/main" xmlns:a16="http://schemas.microsoft.com/office/drawing/2014/main" xmlns="" w="9525">
                   <a:solidFill>
                     <a:srgbClr val="000000"/>
                   </a:solidFill>
@@ -14264,7 +14264,7 @@
             </a:ln>
             <a:extLst>
               <a:ext uri="{91240B29-F687-4f45-9708-019B960494DF}">
-                <a14:hiddenLine xmlns="" xmlns:a16="http://schemas.microsoft.com/office/drawing/2014/main" xmlns:a14="http://schemas.microsoft.com/office/drawing/2010/main" w="9525">
+                <a14:hiddenLine xmlns:a14="http://schemas.microsoft.com/office/drawing/2010/main" xmlns:a16="http://schemas.microsoft.com/office/drawing/2014/main" xmlns="" w="9525">
                   <a:solidFill>
                     <a:srgbClr val="000000"/>
                   </a:solidFill>
@@ -14341,7 +14341,7 @@
             </a:ln>
             <a:extLst>
               <a:ext uri="{91240B29-F687-4f45-9708-019B960494DF}">
-                <a14:hiddenLine xmlns="" xmlns:a16="http://schemas.microsoft.com/office/drawing/2014/main" xmlns:a14="http://schemas.microsoft.com/office/drawing/2010/main" w="9525">
+                <a14:hiddenLine xmlns:a14="http://schemas.microsoft.com/office/drawing/2010/main" xmlns:a16="http://schemas.microsoft.com/office/drawing/2014/main" xmlns="" w="9525">
                   <a:solidFill>
                     <a:srgbClr val="000000"/>
                   </a:solidFill>
@@ -14466,7 +14466,7 @@
             </a:ln>
             <a:extLst>
               <a:ext uri="{91240B29-F687-4f45-9708-019B960494DF}">
-                <a14:hiddenLine xmlns="" xmlns:a16="http://schemas.microsoft.com/office/drawing/2014/main" xmlns:a14="http://schemas.microsoft.com/office/drawing/2010/main" w="9525">
+                <a14:hiddenLine xmlns:a14="http://schemas.microsoft.com/office/drawing/2010/main" xmlns:a16="http://schemas.microsoft.com/office/drawing/2014/main" xmlns="" w="9525">
                   <a:solidFill>
                     <a:srgbClr val="000000"/>
                   </a:solidFill>
@@ -14543,7 +14543,7 @@
             </a:ln>
             <a:extLst>
               <a:ext uri="{91240B29-F687-4f45-9708-019B960494DF}">
-                <a14:hiddenLine xmlns="" xmlns:a16="http://schemas.microsoft.com/office/drawing/2014/main" xmlns:a14="http://schemas.microsoft.com/office/drawing/2010/main" w="9525">
+                <a14:hiddenLine xmlns:a14="http://schemas.microsoft.com/office/drawing/2010/main" xmlns:a16="http://schemas.microsoft.com/office/drawing/2014/main" xmlns="" w="9525">
                   <a:solidFill>
                     <a:srgbClr val="000000"/>
                   </a:solidFill>
@@ -14648,7 +14648,7 @@
             </a:ln>
             <a:extLst>
               <a:ext uri="{91240B29-F687-4f45-9708-019B960494DF}">
-                <a14:hiddenLine xmlns="" xmlns:a16="http://schemas.microsoft.com/office/drawing/2014/main" xmlns:a14="http://schemas.microsoft.com/office/drawing/2010/main" w="9525">
+                <a14:hiddenLine xmlns:a14="http://schemas.microsoft.com/office/drawing/2010/main" xmlns:a16="http://schemas.microsoft.com/office/drawing/2014/main" xmlns="" w="9525">
                   <a:solidFill>
                     <a:srgbClr val="000000"/>
                   </a:solidFill>
@@ -14753,7 +14753,7 @@
             </a:ln>
             <a:extLst>
               <a:ext uri="{91240B29-F687-4f45-9708-019B960494DF}">
-                <a14:hiddenLine xmlns="" xmlns:a16="http://schemas.microsoft.com/office/drawing/2014/main" xmlns:a14="http://schemas.microsoft.com/office/drawing/2010/main" w="9525">
+                <a14:hiddenLine xmlns:a14="http://schemas.microsoft.com/office/drawing/2010/main" xmlns:a16="http://schemas.microsoft.com/office/drawing/2014/main" xmlns="" w="9525">
                   <a:solidFill>
                     <a:srgbClr val="000000"/>
                   </a:solidFill>
@@ -14830,7 +14830,7 @@
             </a:ln>
             <a:extLst>
               <a:ext uri="{91240B29-F687-4f45-9708-019B960494DF}">
-                <a14:hiddenLine xmlns="" xmlns:a16="http://schemas.microsoft.com/office/drawing/2014/main" xmlns:a14="http://schemas.microsoft.com/office/drawing/2010/main" w="9525">
+                <a14:hiddenLine xmlns:a14="http://schemas.microsoft.com/office/drawing/2010/main" xmlns:a16="http://schemas.microsoft.com/office/drawing/2014/main" xmlns="" w="9525">
                   <a:solidFill>
                     <a:srgbClr val="000000"/>
                   </a:solidFill>
@@ -14935,7 +14935,7 @@
             </a:ln>
             <a:extLst>
               <a:ext uri="{91240B29-F687-4f45-9708-019B960494DF}">
-                <a14:hiddenLine xmlns="" xmlns:a16="http://schemas.microsoft.com/office/drawing/2014/main" xmlns:a14="http://schemas.microsoft.com/office/drawing/2010/main" w="9525">
+                <a14:hiddenLine xmlns:a14="http://schemas.microsoft.com/office/drawing/2010/main" xmlns:a16="http://schemas.microsoft.com/office/drawing/2014/main" xmlns="" w="9525">
                   <a:solidFill>
                     <a:srgbClr val="000000"/>
                   </a:solidFill>
@@ -15040,7 +15040,7 @@
             </a:ln>
             <a:extLst>
               <a:ext uri="{91240B29-F687-4f45-9708-019B960494DF}">
-                <a14:hiddenLine xmlns="" xmlns:a16="http://schemas.microsoft.com/office/drawing/2014/main" xmlns:a14="http://schemas.microsoft.com/office/drawing/2010/main" w="9525">
+                <a14:hiddenLine xmlns:a14="http://schemas.microsoft.com/office/drawing/2010/main" xmlns:a16="http://schemas.microsoft.com/office/drawing/2014/main" xmlns="" w="9525">
                   <a:solidFill>
                     <a:srgbClr val="000000"/>
                   </a:solidFill>
@@ -15111,7 +15111,7 @@
             </a:ln>
             <a:extLst>
               <a:ext uri="{91240B29-F687-4f45-9708-019B960494DF}">
-                <a14:hiddenLine xmlns="" xmlns:a16="http://schemas.microsoft.com/office/drawing/2014/main" xmlns:a14="http://schemas.microsoft.com/office/drawing/2010/main" w="9525">
+                <a14:hiddenLine xmlns:a14="http://schemas.microsoft.com/office/drawing/2010/main" xmlns:a16="http://schemas.microsoft.com/office/drawing/2014/main" xmlns="" w="9525">
                   <a:solidFill>
                     <a:srgbClr val="000000"/>
                   </a:solidFill>
@@ -15216,7 +15216,7 @@
             </a:ln>
             <a:extLst>
               <a:ext uri="{91240B29-F687-4f45-9708-019B960494DF}">
-                <a14:hiddenLine xmlns="" xmlns:a16="http://schemas.microsoft.com/office/drawing/2014/main" xmlns:a14="http://schemas.microsoft.com/office/drawing/2010/main" w="9525">
+                <a14:hiddenLine xmlns:a14="http://schemas.microsoft.com/office/drawing/2010/main" xmlns:a16="http://schemas.microsoft.com/office/drawing/2014/main" xmlns="" w="9525">
                   <a:solidFill>
                     <a:srgbClr val="000000"/>
                   </a:solidFill>
@@ -15287,7 +15287,7 @@
             </a:ln>
             <a:extLst>
               <a:ext uri="{91240B29-F687-4f45-9708-019B960494DF}">
-                <a14:hiddenLine xmlns="" xmlns:a16="http://schemas.microsoft.com/office/drawing/2014/main" xmlns:a14="http://schemas.microsoft.com/office/drawing/2010/main" w="9525">
+                <a14:hiddenLine xmlns:a14="http://schemas.microsoft.com/office/drawing/2010/main" xmlns:a16="http://schemas.microsoft.com/office/drawing/2014/main" xmlns="" w="9525">
                   <a:solidFill>
                     <a:srgbClr val="000000"/>
                   </a:solidFill>
@@ -15392,7 +15392,7 @@
             </a:ln>
             <a:extLst>
               <a:ext uri="{91240B29-F687-4f45-9708-019B960494DF}">
-                <a14:hiddenLine xmlns="" xmlns:a16="http://schemas.microsoft.com/office/drawing/2014/main" xmlns:a14="http://schemas.microsoft.com/office/drawing/2010/main" w="9525">
+                <a14:hiddenLine xmlns:a14="http://schemas.microsoft.com/office/drawing/2010/main" xmlns:a16="http://schemas.microsoft.com/office/drawing/2014/main" xmlns="" w="9525">
                   <a:solidFill>
                     <a:srgbClr val="000000"/>
                   </a:solidFill>
@@ -15475,7 +15475,7 @@
             </a:ln>
             <a:extLst>
               <a:ext uri="{91240B29-F687-4f45-9708-019B960494DF}">
-                <a14:hiddenLine xmlns="" xmlns:a16="http://schemas.microsoft.com/office/drawing/2014/main" xmlns:a14="http://schemas.microsoft.com/office/drawing/2010/main" w="9525">
+                <a14:hiddenLine xmlns:a14="http://schemas.microsoft.com/office/drawing/2010/main" xmlns:a16="http://schemas.microsoft.com/office/drawing/2014/main" xmlns="" w="9525">
                   <a:solidFill>
                     <a:srgbClr val="000000"/>
                   </a:solidFill>
@@ -15580,7 +15580,7 @@
             </a:ln>
             <a:extLst>
               <a:ext uri="{91240B29-F687-4f45-9708-019B960494DF}">
-                <a14:hiddenLine xmlns="" xmlns:a16="http://schemas.microsoft.com/office/drawing/2014/main" xmlns:a14="http://schemas.microsoft.com/office/drawing/2010/main" w="9525">
+                <a14:hiddenLine xmlns:a14="http://schemas.microsoft.com/office/drawing/2010/main" xmlns:a16="http://schemas.microsoft.com/office/drawing/2014/main" xmlns="" w="9525">
                   <a:solidFill>
                     <a:srgbClr val="000000"/>
                   </a:solidFill>
@@ -15663,7 +15663,7 @@
             </a:ln>
             <a:extLst>
               <a:ext uri="{91240B29-F687-4f45-9708-019B960494DF}">
-                <a14:hiddenLine xmlns="" xmlns:a16="http://schemas.microsoft.com/office/drawing/2014/main" xmlns:a14="http://schemas.microsoft.com/office/drawing/2010/main" w="9525">
+                <a14:hiddenLine xmlns:a14="http://schemas.microsoft.com/office/drawing/2010/main" xmlns:a16="http://schemas.microsoft.com/office/drawing/2014/main" xmlns="" w="9525">
                   <a:solidFill>
                     <a:srgbClr val="000000"/>
                   </a:solidFill>
@@ -15768,7 +15768,7 @@
             </a:ln>
             <a:extLst>
               <a:ext uri="{91240B29-F687-4f45-9708-019B960494DF}">
-                <a14:hiddenLine xmlns="" xmlns:a16="http://schemas.microsoft.com/office/drawing/2014/main" xmlns:a14="http://schemas.microsoft.com/office/drawing/2010/main" w="9525">
+                <a14:hiddenLine xmlns:a14="http://schemas.microsoft.com/office/drawing/2010/main" xmlns:a16="http://schemas.microsoft.com/office/drawing/2014/main" xmlns="" w="9525">
                   <a:solidFill>
                     <a:srgbClr val="000000"/>
                   </a:solidFill>
@@ -15817,7 +15817,7 @@
             </a:ln>
             <a:extLst>
               <a:ext uri="{91240B29-F687-4f45-9708-019B960494DF}">
-                <a14:hiddenLine xmlns="" xmlns:a16="http://schemas.microsoft.com/office/drawing/2014/main" xmlns:a14="http://schemas.microsoft.com/office/drawing/2010/main" w="9525">
+                <a14:hiddenLine xmlns:a14="http://schemas.microsoft.com/office/drawing/2010/main" xmlns:a16="http://schemas.microsoft.com/office/drawing/2014/main" xmlns="" w="9525">
                   <a:solidFill>
                     <a:srgbClr val="000000"/>
                   </a:solidFill>
@@ -15922,7 +15922,7 @@
             </a:ln>
             <a:extLst>
               <a:ext uri="{91240B29-F687-4f45-9708-019B960494DF}">
-                <a14:hiddenLine xmlns="" xmlns:a16="http://schemas.microsoft.com/office/drawing/2014/main" xmlns:a14="http://schemas.microsoft.com/office/drawing/2010/main" w="9525">
+                <a14:hiddenLine xmlns:a14="http://schemas.microsoft.com/office/drawing/2010/main" xmlns:a16="http://schemas.microsoft.com/office/drawing/2014/main" xmlns="" w="9525">
                   <a:solidFill>
                     <a:srgbClr val="000000"/>
                   </a:solidFill>
@@ -15999,7 +15999,7 @@
             </a:ln>
             <a:extLst>
               <a:ext uri="{91240B29-F687-4f45-9708-019B960494DF}">
-                <a14:hiddenLine xmlns="" xmlns:a16="http://schemas.microsoft.com/office/drawing/2014/main" xmlns:a14="http://schemas.microsoft.com/office/drawing/2010/main" w="9525">
+                <a14:hiddenLine xmlns:a14="http://schemas.microsoft.com/office/drawing/2010/main" xmlns:a16="http://schemas.microsoft.com/office/drawing/2014/main" xmlns="" w="9525">
                   <a:solidFill>
                     <a:srgbClr val="000000"/>
                   </a:solidFill>
@@ -16076,7 +16076,7 @@
             </a:ln>
             <a:extLst>
               <a:ext uri="{91240B29-F687-4f45-9708-019B960494DF}">
-                <a14:hiddenLine xmlns="" xmlns:a16="http://schemas.microsoft.com/office/drawing/2014/main" xmlns:a14="http://schemas.microsoft.com/office/drawing/2010/main" w="9525">
+                <a14:hiddenLine xmlns:a14="http://schemas.microsoft.com/office/drawing/2010/main" xmlns:a16="http://schemas.microsoft.com/office/drawing/2014/main" xmlns="" w="9525">
                   <a:solidFill>
                     <a:srgbClr val="000000"/>
                   </a:solidFill>
@@ -16181,7 +16181,7 @@
             </a:ln>
             <a:extLst>
               <a:ext uri="{91240B29-F687-4f45-9708-019B960494DF}">
-                <a14:hiddenLine xmlns="" xmlns:a16="http://schemas.microsoft.com/office/drawing/2014/main" xmlns:a14="http://schemas.microsoft.com/office/drawing/2010/main" w="9525">
+                <a14:hiddenLine xmlns:a14="http://schemas.microsoft.com/office/drawing/2010/main" xmlns:a16="http://schemas.microsoft.com/office/drawing/2014/main" xmlns="" w="9525">
                   <a:solidFill>
                     <a:srgbClr val="000000"/>
                   </a:solidFill>
@@ -16264,7 +16264,7 @@
             </a:ln>
             <a:extLst>
               <a:ext uri="{91240B29-F687-4f45-9708-019B960494DF}">
-                <a14:hiddenLine xmlns="" xmlns:a16="http://schemas.microsoft.com/office/drawing/2014/main" xmlns:a14="http://schemas.microsoft.com/office/drawing/2010/main" w="9525">
+                <a14:hiddenLine xmlns:a14="http://schemas.microsoft.com/office/drawing/2010/main" xmlns:a16="http://schemas.microsoft.com/office/drawing/2014/main" xmlns="" w="9525">
                   <a:solidFill>
                     <a:srgbClr val="000000"/>
                   </a:solidFill>
@@ -16341,7 +16341,7 @@
             </a:ln>
             <a:extLst>
               <a:ext uri="{91240B29-F687-4f45-9708-019B960494DF}">
-                <a14:hiddenLine xmlns="" xmlns:a16="http://schemas.microsoft.com/office/drawing/2014/main" xmlns:a14="http://schemas.microsoft.com/office/drawing/2010/main" w="9525">
+                <a14:hiddenLine xmlns:a14="http://schemas.microsoft.com/office/drawing/2010/main" xmlns:a16="http://schemas.microsoft.com/office/drawing/2014/main" xmlns="" w="9525">
                   <a:solidFill>
                     <a:srgbClr val="000000"/>
                   </a:solidFill>
@@ -16446,7 +16446,7 @@
             </a:ln>
             <a:extLst>
               <a:ext uri="{91240B29-F687-4f45-9708-019B960494DF}">
-                <a14:hiddenLine xmlns="" xmlns:a16="http://schemas.microsoft.com/office/drawing/2014/main" xmlns:a14="http://schemas.microsoft.com/office/drawing/2010/main" w="9525">
+                <a14:hiddenLine xmlns:a14="http://schemas.microsoft.com/office/drawing/2010/main" xmlns:a16="http://schemas.microsoft.com/office/drawing/2014/main" xmlns="" w="9525">
                   <a:solidFill>
                     <a:srgbClr val="000000"/>
                   </a:solidFill>
@@ -16523,7 +16523,7 @@
             </a:ln>
             <a:extLst>
               <a:ext uri="{91240B29-F687-4f45-9708-019B960494DF}">
-                <a14:hiddenLine xmlns="" xmlns:a16="http://schemas.microsoft.com/office/drawing/2014/main" xmlns:a14="http://schemas.microsoft.com/office/drawing/2010/main" w="9525">
+                <a14:hiddenLine xmlns:a14="http://schemas.microsoft.com/office/drawing/2010/main" xmlns:a16="http://schemas.microsoft.com/office/drawing/2014/main" xmlns="" w="9525">
                   <a:solidFill>
                     <a:srgbClr val="000000"/>
                   </a:solidFill>
@@ -16628,7 +16628,7 @@
             </a:ln>
             <a:extLst>
               <a:ext uri="{91240B29-F687-4f45-9708-019B960494DF}">
-                <a14:hiddenLine xmlns="" xmlns:a16="http://schemas.microsoft.com/office/drawing/2014/main" xmlns:a14="http://schemas.microsoft.com/office/drawing/2010/main" w="9525">
+                <a14:hiddenLine xmlns:a14="http://schemas.microsoft.com/office/drawing/2010/main" xmlns:a16="http://schemas.microsoft.com/office/drawing/2014/main" xmlns="" w="9525">
                   <a:solidFill>
                     <a:srgbClr val="000000"/>
                   </a:solidFill>
@@ -16705,7 +16705,7 @@
             </a:ln>
             <a:extLst>
               <a:ext uri="{91240B29-F687-4f45-9708-019B960494DF}">
-                <a14:hiddenLine xmlns="" xmlns:a16="http://schemas.microsoft.com/office/drawing/2014/main" xmlns:a14="http://schemas.microsoft.com/office/drawing/2010/main" w="9525">
+                <a14:hiddenLine xmlns:a14="http://schemas.microsoft.com/office/drawing/2010/main" xmlns:a16="http://schemas.microsoft.com/office/drawing/2014/main" xmlns="" w="9525">
                   <a:solidFill>
                     <a:srgbClr val="000000"/>
                   </a:solidFill>
@@ -16810,7 +16810,7 @@
             </a:ln>
             <a:extLst>
               <a:ext uri="{91240B29-F687-4f45-9708-019B960494DF}">
-                <a14:hiddenLine xmlns="" xmlns:a16="http://schemas.microsoft.com/office/drawing/2014/main" xmlns:a14="http://schemas.microsoft.com/office/drawing/2010/main" w="9525">
+                <a14:hiddenLine xmlns:a14="http://schemas.microsoft.com/office/drawing/2010/main" xmlns:a16="http://schemas.microsoft.com/office/drawing/2014/main" xmlns="" w="9525">
                   <a:solidFill>
                     <a:srgbClr val="000000"/>
                   </a:solidFill>
@@ -16859,7 +16859,7 @@
             </a:ln>
             <a:extLst>
               <a:ext uri="{91240B29-F687-4f45-9708-019B960494DF}">
-                <a14:hiddenLine xmlns="" xmlns:a16="http://schemas.microsoft.com/office/drawing/2014/main" xmlns:a14="http://schemas.microsoft.com/office/drawing/2010/main" w="9525">
+                <a14:hiddenLine xmlns:a14="http://schemas.microsoft.com/office/drawing/2010/main" xmlns:a16="http://schemas.microsoft.com/office/drawing/2014/main" xmlns="" w="9525">
                   <a:solidFill>
                     <a:srgbClr val="000000"/>
                   </a:solidFill>
@@ -16939,7 +16939,7 @@
             </a:ln>
             <a:extLst>
               <a:ext uri="{91240B29-F687-4f45-9708-019B960494DF}">
-                <a14:hiddenLine xmlns="" xmlns:a16="http://schemas.microsoft.com/office/drawing/2014/main" xmlns:a14="http://schemas.microsoft.com/office/drawing/2010/main" w="9525">
+                <a14:hiddenLine xmlns:a14="http://schemas.microsoft.com/office/drawing/2010/main" xmlns:a16="http://schemas.microsoft.com/office/drawing/2014/main" xmlns="" w="9525">
                   <a:solidFill>
                     <a:srgbClr val="000000"/>
                   </a:solidFill>
@@ -17044,7 +17044,7 @@
             </a:ln>
             <a:extLst>
               <a:ext uri="{91240B29-F687-4f45-9708-019B960494DF}">
-                <a14:hiddenLine xmlns="" xmlns:a16="http://schemas.microsoft.com/office/drawing/2014/main" xmlns:a14="http://schemas.microsoft.com/office/drawing/2010/main" w="9525">
+                <a14:hiddenLine xmlns:a14="http://schemas.microsoft.com/office/drawing/2010/main" xmlns:a16="http://schemas.microsoft.com/office/drawing/2014/main" xmlns="" w="9525">
                   <a:solidFill>
                     <a:srgbClr val="000000"/>
                   </a:solidFill>
@@ -17121,7 +17121,7 @@
             </a:ln>
             <a:extLst>
               <a:ext uri="{91240B29-F687-4f45-9708-019B960494DF}">
-                <a14:hiddenLine xmlns="" xmlns:a16="http://schemas.microsoft.com/office/drawing/2014/main" xmlns:a14="http://schemas.microsoft.com/office/drawing/2010/main" w="9525">
+                <a14:hiddenLine xmlns:a14="http://schemas.microsoft.com/office/drawing/2010/main" xmlns:a16="http://schemas.microsoft.com/office/drawing/2014/main" xmlns="" w="9525">
                   <a:solidFill>
                     <a:srgbClr val="000000"/>
                   </a:solidFill>
@@ -17226,7 +17226,7 @@
             </a:ln>
             <a:extLst>
               <a:ext uri="{91240B29-F687-4f45-9708-019B960494DF}">
-                <a14:hiddenLine xmlns="" xmlns:a16="http://schemas.microsoft.com/office/drawing/2014/main" xmlns:a14="http://schemas.microsoft.com/office/drawing/2010/main" w="9525">
+                <a14:hiddenLine xmlns:a14="http://schemas.microsoft.com/office/drawing/2010/main" xmlns:a16="http://schemas.microsoft.com/office/drawing/2014/main" xmlns="" w="9525">
                   <a:solidFill>
                     <a:srgbClr val="000000"/>
                   </a:solidFill>
@@ -17331,7 +17331,7 @@
             </a:ln>
             <a:extLst>
               <a:ext uri="{91240B29-F687-4f45-9708-019B960494DF}">
-                <a14:hiddenLine xmlns="" xmlns:a16="http://schemas.microsoft.com/office/drawing/2014/main" xmlns:a14="http://schemas.microsoft.com/office/drawing/2010/main" w="9525">
+                <a14:hiddenLine xmlns:a14="http://schemas.microsoft.com/office/drawing/2010/main" xmlns:a16="http://schemas.microsoft.com/office/drawing/2014/main" xmlns="" w="9525">
                   <a:solidFill>
                     <a:srgbClr val="000000"/>
                   </a:solidFill>
@@ -17411,7 +17411,7 @@
             </a:ln>
             <a:extLst>
               <a:ext uri="{91240B29-F687-4f45-9708-019B960494DF}">
-                <a14:hiddenLine xmlns="" xmlns:a16="http://schemas.microsoft.com/office/drawing/2014/main" xmlns:a14="http://schemas.microsoft.com/office/drawing/2010/main" w="9525">
+                <a14:hiddenLine xmlns:a14="http://schemas.microsoft.com/office/drawing/2010/main" xmlns:a16="http://schemas.microsoft.com/office/drawing/2014/main" xmlns="" w="9525">
                   <a:solidFill>
                     <a:srgbClr val="000000"/>
                   </a:solidFill>
@@ -17488,7 +17488,7 @@
             </a:ln>
             <a:extLst>
               <a:ext uri="{91240B29-F687-4f45-9708-019B960494DF}">
-                <a14:hiddenLine xmlns="" xmlns:a16="http://schemas.microsoft.com/office/drawing/2014/main" xmlns:a14="http://schemas.microsoft.com/office/drawing/2010/main" w="9525">
+                <a14:hiddenLine xmlns:a14="http://schemas.microsoft.com/office/drawing/2010/main" xmlns:a16="http://schemas.microsoft.com/office/drawing/2014/main" xmlns="" w="9525">
                   <a:solidFill>
                     <a:srgbClr val="000000"/>
                   </a:solidFill>
@@ -17593,7 +17593,7 @@
             </a:ln>
             <a:extLst>
               <a:ext uri="{91240B29-F687-4f45-9708-019B960494DF}">
-                <a14:hiddenLine xmlns="" xmlns:a16="http://schemas.microsoft.com/office/drawing/2014/main" xmlns:a14="http://schemas.microsoft.com/office/drawing/2010/main" w="9525">
+                <a14:hiddenLine xmlns:a14="http://schemas.microsoft.com/office/drawing/2010/main" xmlns:a16="http://schemas.microsoft.com/office/drawing/2014/main" xmlns="" w="9525">
                   <a:solidFill>
                     <a:srgbClr val="000000"/>
                   </a:solidFill>
@@ -17698,7 +17698,7 @@
             </a:ln>
             <a:extLst>
               <a:ext uri="{91240B29-F687-4f45-9708-019B960494DF}">
-                <a14:hiddenLine xmlns="" xmlns:a16="http://schemas.microsoft.com/office/drawing/2014/main" xmlns:a14="http://schemas.microsoft.com/office/drawing/2010/main" w="9525">
+                <a14:hiddenLine xmlns:a14="http://schemas.microsoft.com/office/drawing/2010/main" xmlns:a16="http://schemas.microsoft.com/office/drawing/2014/main" xmlns="" w="9525">
                   <a:solidFill>
                     <a:srgbClr val="000000"/>
                   </a:solidFill>
@@ -17775,7 +17775,7 @@
             </a:ln>
             <a:extLst>
               <a:ext uri="{91240B29-F687-4f45-9708-019B960494DF}">
-                <a14:hiddenLine xmlns="" xmlns:a16="http://schemas.microsoft.com/office/drawing/2014/main" xmlns:a14="http://schemas.microsoft.com/office/drawing/2010/main" w="9525">
+                <a14:hiddenLine xmlns:a14="http://schemas.microsoft.com/office/drawing/2010/main" xmlns:a16="http://schemas.microsoft.com/office/drawing/2014/main" xmlns="" w="9525">
                   <a:solidFill>
                     <a:srgbClr val="000000"/>
                   </a:solidFill>
@@ -17910,7 +17910,7 @@
             </a:ln>
             <a:extLst>
               <a:ext uri="{91240B29-F687-4f45-9708-019B960494DF}">
-                <a14:hiddenLine xmlns="" xmlns:a16="http://schemas.microsoft.com/office/drawing/2014/main" xmlns:a14="http://schemas.microsoft.com/office/drawing/2010/main" w="9525">
+                <a14:hiddenLine xmlns:a14="http://schemas.microsoft.com/office/drawing/2010/main" xmlns:a16="http://schemas.microsoft.com/office/drawing/2014/main" xmlns="" w="9525">
                   <a:solidFill>
                     <a:srgbClr val="000000"/>
                   </a:solidFill>
@@ -17993,7 +17993,7 @@
             </a:ln>
             <a:extLst>
               <a:ext uri="{91240B29-F687-4f45-9708-019B960494DF}">
-                <a14:hiddenLine xmlns="" xmlns:a16="http://schemas.microsoft.com/office/drawing/2014/main" xmlns:a14="http://schemas.microsoft.com/office/drawing/2010/main" w="9525">
+                <a14:hiddenLine xmlns:a14="http://schemas.microsoft.com/office/drawing/2010/main" xmlns:a16="http://schemas.microsoft.com/office/drawing/2014/main" xmlns="" w="9525">
                   <a:solidFill>
                     <a:srgbClr val="000000"/>
                   </a:solidFill>
@@ -18098,7 +18098,7 @@
             </a:ln>
             <a:extLst>
               <a:ext uri="{91240B29-F687-4f45-9708-019B960494DF}">
-                <a14:hiddenLine xmlns="" xmlns:a16="http://schemas.microsoft.com/office/drawing/2014/main" xmlns:a14="http://schemas.microsoft.com/office/drawing/2010/main" w="9525">
+                <a14:hiddenLine xmlns:a14="http://schemas.microsoft.com/office/drawing/2010/main" xmlns:a16="http://schemas.microsoft.com/office/drawing/2014/main" xmlns="" w="9525">
                   <a:solidFill>
                     <a:srgbClr val="000000"/>
                   </a:solidFill>
@@ -18245,7 +18245,7 @@
             </a:ln>
             <a:extLst>
               <a:ext uri="{91240B29-F687-4f45-9708-019B960494DF}">
-                <a14:hiddenLine xmlns="" xmlns:a16="http://schemas.microsoft.com/office/drawing/2014/main" xmlns:p14="http://schemas.microsoft.com/office/powerpoint/2010/main" xmlns:a14="http://schemas.microsoft.com/office/drawing/2010/main" w="9525">
+                <a14:hiddenLine xmlns:a14="http://schemas.microsoft.com/office/drawing/2010/main" xmlns:p14="http://schemas.microsoft.com/office/powerpoint/2010/main" xmlns:a16="http://schemas.microsoft.com/office/drawing/2014/main" xmlns="" w="9525">
                   <a:solidFill>
                     <a:srgbClr val="000000"/>
                   </a:solidFill>
@@ -18350,7 +18350,7 @@
             </a:ln>
             <a:extLst>
               <a:ext uri="{91240B29-F687-4f45-9708-019B960494DF}">
-                <a14:hiddenLine xmlns="" xmlns:a16="http://schemas.microsoft.com/office/drawing/2014/main" xmlns:p14="http://schemas.microsoft.com/office/powerpoint/2010/main" xmlns:a14="http://schemas.microsoft.com/office/drawing/2010/main" w="9525">
+                <a14:hiddenLine xmlns:a14="http://schemas.microsoft.com/office/drawing/2010/main" xmlns:p14="http://schemas.microsoft.com/office/powerpoint/2010/main" xmlns:a16="http://schemas.microsoft.com/office/drawing/2014/main" xmlns="" w="9525">
                   <a:solidFill>
                     <a:srgbClr val="000000"/>
                   </a:solidFill>
@@ -18455,7 +18455,7 @@
             </a:ln>
             <a:extLst>
               <a:ext uri="{91240B29-F687-4f45-9708-019B960494DF}">
-                <a14:hiddenLine xmlns="" xmlns:a16="http://schemas.microsoft.com/office/drawing/2014/main" xmlns:p14="http://schemas.microsoft.com/office/powerpoint/2010/main" xmlns:a14="http://schemas.microsoft.com/office/drawing/2010/main" w="9525">
+                <a14:hiddenLine xmlns:a14="http://schemas.microsoft.com/office/drawing/2010/main" xmlns:p14="http://schemas.microsoft.com/office/powerpoint/2010/main" xmlns:a16="http://schemas.microsoft.com/office/drawing/2014/main" xmlns="" w="9525">
                   <a:solidFill>
                     <a:srgbClr val="000000"/>
                   </a:solidFill>
@@ -18504,7 +18504,7 @@
             </a:ln>
             <a:extLst>
               <a:ext uri="{91240B29-F687-4f45-9708-019B960494DF}">
-                <a14:hiddenLine xmlns="" xmlns:a16="http://schemas.microsoft.com/office/drawing/2014/main" xmlns:p14="http://schemas.microsoft.com/office/powerpoint/2010/main" xmlns:a14="http://schemas.microsoft.com/office/drawing/2010/main" w="9525">
+                <a14:hiddenLine xmlns:a14="http://schemas.microsoft.com/office/drawing/2010/main" xmlns:p14="http://schemas.microsoft.com/office/powerpoint/2010/main" xmlns:a16="http://schemas.microsoft.com/office/drawing/2014/main" xmlns="" w="9525">
                   <a:solidFill>
                     <a:srgbClr val="000000"/>
                   </a:solidFill>
@@ -18609,7 +18609,7 @@
             </a:ln>
             <a:extLst>
               <a:ext uri="{91240B29-F687-4f45-9708-019B960494DF}">
-                <a14:hiddenLine xmlns="" xmlns:a16="http://schemas.microsoft.com/office/drawing/2014/main" xmlns:p14="http://schemas.microsoft.com/office/powerpoint/2010/main" xmlns:a14="http://schemas.microsoft.com/office/drawing/2010/main" w="9525">
+                <a14:hiddenLine xmlns:a14="http://schemas.microsoft.com/office/drawing/2010/main" xmlns:p14="http://schemas.microsoft.com/office/powerpoint/2010/main" xmlns:a16="http://schemas.microsoft.com/office/drawing/2014/main" xmlns="" w="9525">
                   <a:solidFill>
                     <a:srgbClr val="000000"/>
                   </a:solidFill>
@@ -18686,7 +18686,7 @@
             </a:ln>
             <a:extLst>
               <a:ext uri="{91240B29-F687-4f45-9708-019B960494DF}">
-                <a14:hiddenLine xmlns="" xmlns:a16="http://schemas.microsoft.com/office/drawing/2014/main" xmlns:p14="http://schemas.microsoft.com/office/powerpoint/2010/main" xmlns:a14="http://schemas.microsoft.com/office/drawing/2010/main" w="9525">
+                <a14:hiddenLine xmlns:a14="http://schemas.microsoft.com/office/drawing/2010/main" xmlns:p14="http://schemas.microsoft.com/office/powerpoint/2010/main" xmlns:a16="http://schemas.microsoft.com/office/drawing/2014/main" xmlns="" w="9525">
                   <a:solidFill>
                     <a:srgbClr val="000000"/>
                   </a:solidFill>
@@ -18763,7 +18763,7 @@
             </a:ln>
             <a:extLst>
               <a:ext uri="{91240B29-F687-4f45-9708-019B960494DF}">
-                <a14:hiddenLine xmlns="" xmlns:a16="http://schemas.microsoft.com/office/drawing/2014/main" xmlns:p14="http://schemas.microsoft.com/office/powerpoint/2010/main" xmlns:a14="http://schemas.microsoft.com/office/drawing/2010/main" w="9525">
+                <a14:hiddenLine xmlns:a14="http://schemas.microsoft.com/office/drawing/2010/main" xmlns:p14="http://schemas.microsoft.com/office/powerpoint/2010/main" xmlns:a16="http://schemas.microsoft.com/office/drawing/2014/main" xmlns="" w="9525">
                   <a:solidFill>
                     <a:srgbClr val="000000"/>
                   </a:solidFill>
@@ -18868,7 +18868,7 @@
             </a:ln>
             <a:extLst>
               <a:ext uri="{91240B29-F687-4f45-9708-019B960494DF}">
-                <a14:hiddenLine xmlns="" xmlns:a16="http://schemas.microsoft.com/office/drawing/2014/main" xmlns:p14="http://schemas.microsoft.com/office/powerpoint/2010/main" xmlns:a14="http://schemas.microsoft.com/office/drawing/2010/main" w="9525">
+                <a14:hiddenLine xmlns:a14="http://schemas.microsoft.com/office/drawing/2010/main" xmlns:p14="http://schemas.microsoft.com/office/powerpoint/2010/main" xmlns:a16="http://schemas.microsoft.com/office/drawing/2014/main" xmlns="" w="9525">
                   <a:solidFill>
                     <a:srgbClr val="000000"/>
                   </a:solidFill>
@@ -18945,7 +18945,7 @@
             </a:ln>
             <a:extLst>
               <a:ext uri="{91240B29-F687-4f45-9708-019B960494DF}">
-                <a14:hiddenLine xmlns="" xmlns:a16="http://schemas.microsoft.com/office/drawing/2014/main" xmlns:p14="http://schemas.microsoft.com/office/powerpoint/2010/main" xmlns:a14="http://schemas.microsoft.com/office/drawing/2010/main" w="9525">
+                <a14:hiddenLine xmlns:a14="http://schemas.microsoft.com/office/drawing/2010/main" xmlns:p14="http://schemas.microsoft.com/office/powerpoint/2010/main" xmlns:a16="http://schemas.microsoft.com/office/drawing/2014/main" xmlns="" w="9525">
                   <a:solidFill>
                     <a:srgbClr val="000000"/>
                   </a:solidFill>
@@ -19022,7 +19022,7 @@
             </a:ln>
             <a:extLst>
               <a:ext uri="{91240B29-F687-4f45-9708-019B960494DF}">
-                <a14:hiddenLine xmlns="" xmlns:a16="http://schemas.microsoft.com/office/drawing/2014/main" xmlns:p14="http://schemas.microsoft.com/office/powerpoint/2010/main" xmlns:a14="http://schemas.microsoft.com/office/drawing/2010/main" w="9525">
+                <a14:hiddenLine xmlns:a14="http://schemas.microsoft.com/office/drawing/2010/main" xmlns:p14="http://schemas.microsoft.com/office/powerpoint/2010/main" xmlns:a16="http://schemas.microsoft.com/office/drawing/2014/main" xmlns="" w="9525">
                   <a:solidFill>
                     <a:srgbClr val="000000"/>
                   </a:solidFill>
@@ -19127,7 +19127,7 @@
             </a:ln>
             <a:extLst>
               <a:ext uri="{91240B29-F687-4f45-9708-019B960494DF}">
-                <a14:hiddenLine xmlns="" xmlns:a16="http://schemas.microsoft.com/office/drawing/2014/main" xmlns:p14="http://schemas.microsoft.com/office/powerpoint/2010/main" xmlns:a14="http://schemas.microsoft.com/office/drawing/2010/main" w="9525">
+                <a14:hiddenLine xmlns:a14="http://schemas.microsoft.com/office/drawing/2010/main" xmlns:p14="http://schemas.microsoft.com/office/powerpoint/2010/main" xmlns:a16="http://schemas.microsoft.com/office/drawing/2014/main" xmlns="" w="9525">
                   <a:solidFill>
                     <a:srgbClr val="000000"/>
                   </a:solidFill>
@@ -19232,7 +19232,7 @@
             </a:ln>
             <a:extLst>
               <a:ext uri="{91240B29-F687-4f45-9708-019B960494DF}">
-                <a14:hiddenLine xmlns="" xmlns:a16="http://schemas.microsoft.com/office/drawing/2014/main" xmlns:p14="http://schemas.microsoft.com/office/powerpoint/2010/main" xmlns:a14="http://schemas.microsoft.com/office/drawing/2010/main" w="9525">
+                <a14:hiddenLine xmlns:a14="http://schemas.microsoft.com/office/drawing/2010/main" xmlns:p14="http://schemas.microsoft.com/office/powerpoint/2010/main" xmlns:a16="http://schemas.microsoft.com/office/drawing/2014/main" xmlns="" w="9525">
                   <a:solidFill>
                     <a:srgbClr val="000000"/>
                   </a:solidFill>
@@ -19309,7 +19309,7 @@
             </a:ln>
             <a:extLst>
               <a:ext uri="{91240B29-F687-4f45-9708-019B960494DF}">
-                <a14:hiddenLine xmlns="" xmlns:a16="http://schemas.microsoft.com/office/drawing/2014/main" xmlns:p14="http://schemas.microsoft.com/office/powerpoint/2010/main" xmlns:a14="http://schemas.microsoft.com/office/drawing/2010/main" w="9525">
+                <a14:hiddenLine xmlns:a14="http://schemas.microsoft.com/office/drawing/2010/main" xmlns:p14="http://schemas.microsoft.com/office/powerpoint/2010/main" xmlns:a16="http://schemas.microsoft.com/office/drawing/2014/main" xmlns="" w="9525">
                   <a:solidFill>
                     <a:srgbClr val="000000"/>
                   </a:solidFill>
@@ -19434,7 +19434,7 @@
             </a:ln>
             <a:extLst>
               <a:ext uri="{91240B29-F687-4f45-9708-019B960494DF}">
-                <a14:hiddenLine xmlns="" xmlns:a16="http://schemas.microsoft.com/office/drawing/2014/main" xmlns:p14="http://schemas.microsoft.com/office/powerpoint/2010/main" xmlns:a14="http://schemas.microsoft.com/office/drawing/2010/main" w="9525">
+                <a14:hiddenLine xmlns:a14="http://schemas.microsoft.com/office/drawing/2010/main" xmlns:p14="http://schemas.microsoft.com/office/powerpoint/2010/main" xmlns:a16="http://schemas.microsoft.com/office/drawing/2014/main" xmlns="" w="9525">
                   <a:solidFill>
                     <a:srgbClr val="000000"/>
                   </a:solidFill>
@@ -19511,7 +19511,7 @@
             </a:ln>
             <a:extLst>
               <a:ext uri="{91240B29-F687-4f45-9708-019B960494DF}">
-                <a14:hiddenLine xmlns="" xmlns:a16="http://schemas.microsoft.com/office/drawing/2014/main" xmlns:p14="http://schemas.microsoft.com/office/powerpoint/2010/main" xmlns:a14="http://schemas.microsoft.com/office/drawing/2010/main" w="9525">
+                <a14:hiddenLine xmlns:a14="http://schemas.microsoft.com/office/drawing/2010/main" xmlns:p14="http://schemas.microsoft.com/office/powerpoint/2010/main" xmlns:a16="http://schemas.microsoft.com/office/drawing/2014/main" xmlns="" w="9525">
                   <a:solidFill>
                     <a:srgbClr val="000000"/>
                   </a:solidFill>
@@ -19616,7 +19616,7 @@
             </a:ln>
             <a:extLst>
               <a:ext uri="{91240B29-F687-4f45-9708-019B960494DF}">
-                <a14:hiddenLine xmlns="" xmlns:a16="http://schemas.microsoft.com/office/drawing/2014/main" xmlns:p14="http://schemas.microsoft.com/office/powerpoint/2010/main" xmlns:a14="http://schemas.microsoft.com/office/drawing/2010/main" w="9525">
+                <a14:hiddenLine xmlns:a14="http://schemas.microsoft.com/office/drawing/2010/main" xmlns:p14="http://schemas.microsoft.com/office/powerpoint/2010/main" xmlns:a16="http://schemas.microsoft.com/office/drawing/2014/main" xmlns="" w="9525">
                   <a:solidFill>
                     <a:srgbClr val="000000"/>
                   </a:solidFill>
@@ -19721,7 +19721,7 @@
             </a:ln>
             <a:extLst>
               <a:ext uri="{91240B29-F687-4f45-9708-019B960494DF}">
-                <a14:hiddenLine xmlns="" xmlns:a16="http://schemas.microsoft.com/office/drawing/2014/main" xmlns:p14="http://schemas.microsoft.com/office/powerpoint/2010/main" xmlns:a14="http://schemas.microsoft.com/office/drawing/2010/main" w="9525">
+                <a14:hiddenLine xmlns:a14="http://schemas.microsoft.com/office/drawing/2010/main" xmlns:p14="http://schemas.microsoft.com/office/powerpoint/2010/main" xmlns:a16="http://schemas.microsoft.com/office/drawing/2014/main" xmlns="" w="9525">
                   <a:solidFill>
                     <a:srgbClr val="000000"/>
                   </a:solidFill>
@@ -19798,7 +19798,7 @@
             </a:ln>
             <a:extLst>
               <a:ext uri="{91240B29-F687-4f45-9708-019B960494DF}">
-                <a14:hiddenLine xmlns="" xmlns:a16="http://schemas.microsoft.com/office/drawing/2014/main" xmlns:p14="http://schemas.microsoft.com/office/powerpoint/2010/main" xmlns:a14="http://schemas.microsoft.com/office/drawing/2010/main" w="9525">
+                <a14:hiddenLine xmlns:a14="http://schemas.microsoft.com/office/drawing/2010/main" xmlns:p14="http://schemas.microsoft.com/office/powerpoint/2010/main" xmlns:a16="http://schemas.microsoft.com/office/drawing/2014/main" xmlns="" w="9525">
                   <a:solidFill>
                     <a:srgbClr val="000000"/>
                   </a:solidFill>
@@ -19903,7 +19903,7 @@
             </a:ln>
             <a:extLst>
               <a:ext uri="{91240B29-F687-4f45-9708-019B960494DF}">
-                <a14:hiddenLine xmlns="" xmlns:a16="http://schemas.microsoft.com/office/drawing/2014/main" xmlns:p14="http://schemas.microsoft.com/office/powerpoint/2010/main" xmlns:a14="http://schemas.microsoft.com/office/drawing/2010/main" w="9525">
+                <a14:hiddenLine xmlns:a14="http://schemas.microsoft.com/office/drawing/2010/main" xmlns:p14="http://schemas.microsoft.com/office/powerpoint/2010/main" xmlns:a16="http://schemas.microsoft.com/office/drawing/2014/main" xmlns="" w="9525">
                   <a:solidFill>
                     <a:srgbClr val="000000"/>
                   </a:solidFill>
@@ -20008,7 +20008,7 @@
             </a:ln>
             <a:extLst>
               <a:ext uri="{91240B29-F687-4f45-9708-019B960494DF}">
-                <a14:hiddenLine xmlns="" xmlns:a16="http://schemas.microsoft.com/office/drawing/2014/main" xmlns:p14="http://schemas.microsoft.com/office/powerpoint/2010/main" xmlns:a14="http://schemas.microsoft.com/office/drawing/2010/main" w="9525">
+                <a14:hiddenLine xmlns:a14="http://schemas.microsoft.com/office/drawing/2010/main" xmlns:p14="http://schemas.microsoft.com/office/powerpoint/2010/main" xmlns:a16="http://schemas.microsoft.com/office/drawing/2014/main" xmlns="" w="9525">
                   <a:solidFill>
                     <a:srgbClr val="000000"/>
                   </a:solidFill>
@@ -20079,7 +20079,7 @@
             </a:ln>
             <a:extLst>
               <a:ext uri="{91240B29-F687-4f45-9708-019B960494DF}">
-                <a14:hiddenLine xmlns="" xmlns:a16="http://schemas.microsoft.com/office/drawing/2014/main" xmlns:p14="http://schemas.microsoft.com/office/powerpoint/2010/main" xmlns:a14="http://schemas.microsoft.com/office/drawing/2010/main" w="9525">
+                <a14:hiddenLine xmlns:a14="http://schemas.microsoft.com/office/drawing/2010/main" xmlns:p14="http://schemas.microsoft.com/office/powerpoint/2010/main" xmlns:a16="http://schemas.microsoft.com/office/drawing/2014/main" xmlns="" w="9525">
                   <a:solidFill>
                     <a:srgbClr val="000000"/>
                   </a:solidFill>
@@ -20184,7 +20184,7 @@
             </a:ln>
             <a:extLst>
               <a:ext uri="{91240B29-F687-4f45-9708-019B960494DF}">
-                <a14:hiddenLine xmlns="" xmlns:a16="http://schemas.microsoft.com/office/drawing/2014/main" xmlns:p14="http://schemas.microsoft.com/office/powerpoint/2010/main" xmlns:a14="http://schemas.microsoft.com/office/drawing/2010/main" w="9525">
+                <a14:hiddenLine xmlns:a14="http://schemas.microsoft.com/office/drawing/2010/main" xmlns:p14="http://schemas.microsoft.com/office/powerpoint/2010/main" xmlns:a16="http://schemas.microsoft.com/office/drawing/2014/main" xmlns="" w="9525">
                   <a:solidFill>
                     <a:srgbClr val="000000"/>
                   </a:solidFill>
@@ -20255,7 +20255,7 @@
             </a:ln>
             <a:extLst>
               <a:ext uri="{91240B29-F687-4f45-9708-019B960494DF}">
-                <a14:hiddenLine xmlns="" xmlns:a16="http://schemas.microsoft.com/office/drawing/2014/main" xmlns:p14="http://schemas.microsoft.com/office/powerpoint/2010/main" xmlns:a14="http://schemas.microsoft.com/office/drawing/2010/main" w="9525">
+                <a14:hiddenLine xmlns:a14="http://schemas.microsoft.com/office/drawing/2010/main" xmlns:p14="http://schemas.microsoft.com/office/powerpoint/2010/main" xmlns:a16="http://schemas.microsoft.com/office/drawing/2014/main" xmlns="" w="9525">
                   <a:solidFill>
                     <a:srgbClr val="000000"/>
                   </a:solidFill>
@@ -20360,7 +20360,7 @@
             </a:ln>
             <a:extLst>
               <a:ext uri="{91240B29-F687-4f45-9708-019B960494DF}">
-                <a14:hiddenLine xmlns="" xmlns:a16="http://schemas.microsoft.com/office/drawing/2014/main" xmlns:p14="http://schemas.microsoft.com/office/powerpoint/2010/main" xmlns:a14="http://schemas.microsoft.com/office/drawing/2010/main" w="9525">
+                <a14:hiddenLine xmlns:a14="http://schemas.microsoft.com/office/drawing/2010/main" xmlns:p14="http://schemas.microsoft.com/office/powerpoint/2010/main" xmlns:a16="http://schemas.microsoft.com/office/drawing/2014/main" xmlns="" w="9525">
                   <a:solidFill>
                     <a:srgbClr val="000000"/>
                   </a:solidFill>
@@ -20443,7 +20443,7 @@
             </a:ln>
             <a:extLst>
               <a:ext uri="{91240B29-F687-4f45-9708-019B960494DF}">
-                <a14:hiddenLine xmlns="" xmlns:a16="http://schemas.microsoft.com/office/drawing/2014/main" xmlns:p14="http://schemas.microsoft.com/office/powerpoint/2010/main" xmlns:a14="http://schemas.microsoft.com/office/drawing/2010/main" w="9525">
+                <a14:hiddenLine xmlns:a14="http://schemas.microsoft.com/office/drawing/2010/main" xmlns:p14="http://schemas.microsoft.com/office/powerpoint/2010/main" xmlns:a16="http://schemas.microsoft.com/office/drawing/2014/main" xmlns="" w="9525">
                   <a:solidFill>
                     <a:srgbClr val="000000"/>
                   </a:solidFill>
@@ -20548,7 +20548,7 @@
             </a:ln>
             <a:extLst>
               <a:ext uri="{91240B29-F687-4f45-9708-019B960494DF}">
-                <a14:hiddenLine xmlns="" xmlns:a16="http://schemas.microsoft.com/office/drawing/2014/main" xmlns:p14="http://schemas.microsoft.com/office/powerpoint/2010/main" xmlns:a14="http://schemas.microsoft.com/office/drawing/2010/main" w="9525">
+                <a14:hiddenLine xmlns:a14="http://schemas.microsoft.com/office/drawing/2010/main" xmlns:p14="http://schemas.microsoft.com/office/powerpoint/2010/main" xmlns:a16="http://schemas.microsoft.com/office/drawing/2014/main" xmlns="" w="9525">
                   <a:solidFill>
                     <a:srgbClr val="000000"/>
                   </a:solidFill>
@@ -20631,7 +20631,7 @@
             </a:ln>
             <a:extLst>
               <a:ext uri="{91240B29-F687-4f45-9708-019B960494DF}">
-                <a14:hiddenLine xmlns="" xmlns:a16="http://schemas.microsoft.com/office/drawing/2014/main" xmlns:p14="http://schemas.microsoft.com/office/powerpoint/2010/main" xmlns:a14="http://schemas.microsoft.com/office/drawing/2010/main" w="9525">
+                <a14:hiddenLine xmlns:a14="http://schemas.microsoft.com/office/drawing/2010/main" xmlns:p14="http://schemas.microsoft.com/office/powerpoint/2010/main" xmlns:a16="http://schemas.microsoft.com/office/drawing/2014/main" xmlns="" w="9525">
                   <a:solidFill>
                     <a:srgbClr val="000000"/>
                   </a:solidFill>
@@ -20736,7 +20736,7 @@
             </a:ln>
             <a:extLst>
               <a:ext uri="{91240B29-F687-4f45-9708-019B960494DF}">
-                <a14:hiddenLine xmlns="" xmlns:a16="http://schemas.microsoft.com/office/drawing/2014/main" xmlns:p14="http://schemas.microsoft.com/office/powerpoint/2010/main" xmlns:a14="http://schemas.microsoft.com/office/drawing/2010/main" w="9525">
+                <a14:hiddenLine xmlns:a14="http://schemas.microsoft.com/office/drawing/2010/main" xmlns:p14="http://schemas.microsoft.com/office/powerpoint/2010/main" xmlns:a16="http://schemas.microsoft.com/office/drawing/2014/main" xmlns="" w="9525">
                   <a:solidFill>
                     <a:srgbClr val="000000"/>
                   </a:solidFill>
@@ -20785,7 +20785,7 @@
             </a:ln>
             <a:extLst>
               <a:ext uri="{91240B29-F687-4f45-9708-019B960494DF}">
-                <a14:hiddenLine xmlns="" xmlns:a16="http://schemas.microsoft.com/office/drawing/2014/main" xmlns:p14="http://schemas.microsoft.com/office/powerpoint/2010/main" xmlns:a14="http://schemas.microsoft.com/office/drawing/2010/main" w="9525">
+                <a14:hiddenLine xmlns:a14="http://schemas.microsoft.com/office/drawing/2010/main" xmlns:p14="http://schemas.microsoft.com/office/powerpoint/2010/main" xmlns:a16="http://schemas.microsoft.com/office/drawing/2014/main" xmlns="" w="9525">
                   <a:solidFill>
                     <a:srgbClr val="000000"/>
                   </a:solidFill>
@@ -20890,7 +20890,7 @@
             </a:ln>
             <a:extLst>
               <a:ext uri="{91240B29-F687-4f45-9708-019B960494DF}">
-                <a14:hiddenLine xmlns="" xmlns:a16="http://schemas.microsoft.com/office/drawing/2014/main" xmlns:p14="http://schemas.microsoft.com/office/powerpoint/2010/main" xmlns:a14="http://schemas.microsoft.com/office/drawing/2010/main" w="9525">
+                <a14:hiddenLine xmlns:a14="http://schemas.microsoft.com/office/drawing/2010/main" xmlns:p14="http://schemas.microsoft.com/office/powerpoint/2010/main" xmlns:a16="http://schemas.microsoft.com/office/drawing/2014/main" xmlns="" w="9525">
                   <a:solidFill>
                     <a:srgbClr val="000000"/>
                   </a:solidFill>
@@ -20967,7 +20967,7 @@
             </a:ln>
             <a:extLst>
               <a:ext uri="{91240B29-F687-4f45-9708-019B960494DF}">
-                <a14:hiddenLine xmlns="" xmlns:a16="http://schemas.microsoft.com/office/drawing/2014/main" xmlns:p14="http://schemas.microsoft.com/office/powerpoint/2010/main" xmlns:a14="http://schemas.microsoft.com/office/drawing/2010/main" w="9525">
+                <a14:hiddenLine xmlns:a14="http://schemas.microsoft.com/office/drawing/2010/main" xmlns:p14="http://schemas.microsoft.com/office/powerpoint/2010/main" xmlns:a16="http://schemas.microsoft.com/office/drawing/2014/main" xmlns="" w="9525">
                   <a:solidFill>
                     <a:srgbClr val="000000"/>
                   </a:solidFill>
@@ -21044,7 +21044,7 @@
             </a:ln>
             <a:extLst>
               <a:ext uri="{91240B29-F687-4f45-9708-019B960494DF}">
-                <a14:hiddenLine xmlns="" xmlns:a16="http://schemas.microsoft.com/office/drawing/2014/main" xmlns:p14="http://schemas.microsoft.com/office/powerpoint/2010/main" xmlns:a14="http://schemas.microsoft.com/office/drawing/2010/main" w="9525">
+                <a14:hiddenLine xmlns:a14="http://schemas.microsoft.com/office/drawing/2010/main" xmlns:p14="http://schemas.microsoft.com/office/powerpoint/2010/main" xmlns:a16="http://schemas.microsoft.com/office/drawing/2014/main" xmlns="" w="9525">
                   <a:solidFill>
                     <a:srgbClr val="000000"/>
                   </a:solidFill>
@@ -21149,7 +21149,7 @@
             </a:ln>
             <a:extLst>
               <a:ext uri="{91240B29-F687-4f45-9708-019B960494DF}">
-                <a14:hiddenLine xmlns="" xmlns:a16="http://schemas.microsoft.com/office/drawing/2014/main" xmlns:p14="http://schemas.microsoft.com/office/powerpoint/2010/main" xmlns:a14="http://schemas.microsoft.com/office/drawing/2010/main" w="9525">
+                <a14:hiddenLine xmlns:a14="http://schemas.microsoft.com/office/drawing/2010/main" xmlns:p14="http://schemas.microsoft.com/office/powerpoint/2010/main" xmlns:a16="http://schemas.microsoft.com/office/drawing/2014/main" xmlns="" w="9525">
                   <a:solidFill>
                     <a:srgbClr val="000000"/>
                   </a:solidFill>
@@ -21232,7 +21232,7 @@
             </a:ln>
             <a:extLst>
               <a:ext uri="{91240B29-F687-4f45-9708-019B960494DF}">
-                <a14:hiddenLine xmlns="" xmlns:a16="http://schemas.microsoft.com/office/drawing/2014/main" xmlns:p14="http://schemas.microsoft.com/office/powerpoint/2010/main" xmlns:a14="http://schemas.microsoft.com/office/drawing/2010/main" w="9525">
+                <a14:hiddenLine xmlns:a14="http://schemas.microsoft.com/office/drawing/2010/main" xmlns:p14="http://schemas.microsoft.com/office/powerpoint/2010/main" xmlns:a16="http://schemas.microsoft.com/office/drawing/2014/main" xmlns="" w="9525">
                   <a:solidFill>
                     <a:srgbClr val="000000"/>
                   </a:solidFill>
@@ -21309,7 +21309,7 @@
             </a:ln>
             <a:extLst>
               <a:ext uri="{91240B29-F687-4f45-9708-019B960494DF}">
-                <a14:hiddenLine xmlns="" xmlns:a16="http://schemas.microsoft.com/office/drawing/2014/main" xmlns:p14="http://schemas.microsoft.com/office/powerpoint/2010/main" xmlns:a14="http://schemas.microsoft.com/office/drawing/2010/main" w="9525">
+                <a14:hiddenLine xmlns:a14="http://schemas.microsoft.com/office/drawing/2010/main" xmlns:p14="http://schemas.microsoft.com/office/powerpoint/2010/main" xmlns:a16="http://schemas.microsoft.com/office/drawing/2014/main" xmlns="" w="9525">
                   <a:solidFill>
                     <a:srgbClr val="000000"/>
                   </a:solidFill>
@@ -21414,7 +21414,7 @@
             </a:ln>
             <a:extLst>
               <a:ext uri="{91240B29-F687-4f45-9708-019B960494DF}">
-                <a14:hiddenLine xmlns="" xmlns:a16="http://schemas.microsoft.com/office/drawing/2014/main" xmlns:p14="http://schemas.microsoft.com/office/powerpoint/2010/main" xmlns:a14="http://schemas.microsoft.com/office/drawing/2010/main" w="9525">
+                <a14:hiddenLine xmlns:a14="http://schemas.microsoft.com/office/drawing/2010/main" xmlns:p14="http://schemas.microsoft.com/office/powerpoint/2010/main" xmlns:a16="http://schemas.microsoft.com/office/drawing/2014/main" xmlns="" w="9525">
                   <a:solidFill>
                     <a:srgbClr val="000000"/>
                   </a:solidFill>
@@ -21491,7 +21491,7 @@
             </a:ln>
             <a:extLst>
               <a:ext uri="{91240B29-F687-4f45-9708-019B960494DF}">
-                <a14:hiddenLine xmlns="" xmlns:a16="http://schemas.microsoft.com/office/drawing/2014/main" xmlns:p14="http://schemas.microsoft.com/office/powerpoint/2010/main" xmlns:a14="http://schemas.microsoft.com/office/drawing/2010/main" w="9525">
+                <a14:hiddenLine xmlns:a14="http://schemas.microsoft.com/office/drawing/2010/main" xmlns:p14="http://schemas.microsoft.com/office/powerpoint/2010/main" xmlns:a16="http://schemas.microsoft.com/office/drawing/2014/main" xmlns="" w="9525">
                   <a:solidFill>
                     <a:srgbClr val="000000"/>
                   </a:solidFill>
@@ -21596,7 +21596,7 @@
             </a:ln>
             <a:extLst>
               <a:ext uri="{91240B29-F687-4f45-9708-019B960494DF}">
-                <a14:hiddenLine xmlns="" xmlns:a16="http://schemas.microsoft.com/office/drawing/2014/main" xmlns:p14="http://schemas.microsoft.com/office/powerpoint/2010/main" xmlns:a14="http://schemas.microsoft.com/office/drawing/2010/main" w="9525">
+                <a14:hiddenLine xmlns:a14="http://schemas.microsoft.com/office/drawing/2010/main" xmlns:p14="http://schemas.microsoft.com/office/powerpoint/2010/main" xmlns:a16="http://schemas.microsoft.com/office/drawing/2014/main" xmlns="" w="9525">
                   <a:solidFill>
                     <a:srgbClr val="000000"/>
                   </a:solidFill>
@@ -21673,7 +21673,7 @@
             </a:ln>
             <a:extLst>
               <a:ext uri="{91240B29-F687-4f45-9708-019B960494DF}">
-                <a14:hiddenLine xmlns="" xmlns:a16="http://schemas.microsoft.com/office/drawing/2014/main" xmlns:p14="http://schemas.microsoft.com/office/powerpoint/2010/main" xmlns:a14="http://schemas.microsoft.com/office/drawing/2010/main" w="9525">
+                <a14:hiddenLine xmlns:a14="http://schemas.microsoft.com/office/drawing/2010/main" xmlns:p14="http://schemas.microsoft.com/office/powerpoint/2010/main" xmlns:a16="http://schemas.microsoft.com/office/drawing/2014/main" xmlns="" w="9525">
                   <a:solidFill>
                     <a:srgbClr val="000000"/>
                   </a:solidFill>
@@ -21778,7 +21778,7 @@
             </a:ln>
             <a:extLst>
               <a:ext uri="{91240B29-F687-4f45-9708-019B960494DF}">
-                <a14:hiddenLine xmlns="" xmlns:a16="http://schemas.microsoft.com/office/drawing/2014/main" xmlns:p14="http://schemas.microsoft.com/office/powerpoint/2010/main" xmlns:a14="http://schemas.microsoft.com/office/drawing/2010/main" w="9525">
+                <a14:hiddenLine xmlns:a14="http://schemas.microsoft.com/office/drawing/2010/main" xmlns:p14="http://schemas.microsoft.com/office/powerpoint/2010/main" xmlns:a16="http://schemas.microsoft.com/office/drawing/2014/main" xmlns="" w="9525">
                   <a:solidFill>
                     <a:srgbClr val="000000"/>
                   </a:solidFill>
@@ -21827,7 +21827,7 @@
             </a:ln>
             <a:extLst>
               <a:ext uri="{91240B29-F687-4f45-9708-019B960494DF}">
-                <a14:hiddenLine xmlns="" xmlns:a16="http://schemas.microsoft.com/office/drawing/2014/main" xmlns:p14="http://schemas.microsoft.com/office/powerpoint/2010/main" xmlns:a14="http://schemas.microsoft.com/office/drawing/2010/main" w="9525">
+                <a14:hiddenLine xmlns:a14="http://schemas.microsoft.com/office/drawing/2010/main" xmlns:p14="http://schemas.microsoft.com/office/powerpoint/2010/main" xmlns:a16="http://schemas.microsoft.com/office/drawing/2014/main" xmlns="" w="9525">
                   <a:solidFill>
                     <a:srgbClr val="000000"/>
                   </a:solidFill>
@@ -21907,7 +21907,7 @@
             </a:ln>
             <a:extLst>
               <a:ext uri="{91240B29-F687-4f45-9708-019B960494DF}">
-                <a14:hiddenLine xmlns="" xmlns:a16="http://schemas.microsoft.com/office/drawing/2014/main" xmlns:p14="http://schemas.microsoft.com/office/powerpoint/2010/main" xmlns:a14="http://schemas.microsoft.com/office/drawing/2010/main" w="9525">
+                <a14:hiddenLine xmlns:a14="http://schemas.microsoft.com/office/drawing/2010/main" xmlns:p14="http://schemas.microsoft.com/office/powerpoint/2010/main" xmlns:a16="http://schemas.microsoft.com/office/drawing/2014/main" xmlns="" w="9525">
                   <a:solidFill>
                     <a:srgbClr val="000000"/>
                   </a:solidFill>
@@ -22012,7 +22012,7 @@
             </a:ln>
             <a:extLst>
               <a:ext uri="{91240B29-F687-4f45-9708-019B960494DF}">
-                <a14:hiddenLine xmlns="" xmlns:a16="http://schemas.microsoft.com/office/drawing/2014/main" xmlns:p14="http://schemas.microsoft.com/office/powerpoint/2010/main" xmlns:a14="http://schemas.microsoft.com/office/drawing/2010/main" w="9525">
+                <a14:hiddenLine xmlns:a14="http://schemas.microsoft.com/office/drawing/2010/main" xmlns:p14="http://schemas.microsoft.com/office/powerpoint/2010/main" xmlns:a16="http://schemas.microsoft.com/office/drawing/2014/main" xmlns="" w="9525">
                   <a:solidFill>
                     <a:srgbClr val="000000"/>
                   </a:solidFill>
@@ -22089,7 +22089,7 @@
             </a:ln>
             <a:extLst>
               <a:ext uri="{91240B29-F687-4f45-9708-019B960494DF}">
-                <a14:hiddenLine xmlns="" xmlns:a16="http://schemas.microsoft.com/office/drawing/2014/main" xmlns:p14="http://schemas.microsoft.com/office/powerpoint/2010/main" xmlns:a14="http://schemas.microsoft.com/office/drawing/2010/main" w="9525">
+                <a14:hiddenLine xmlns:a14="http://schemas.microsoft.com/office/drawing/2010/main" xmlns:p14="http://schemas.microsoft.com/office/powerpoint/2010/main" xmlns:a16="http://schemas.microsoft.com/office/drawing/2014/main" xmlns="" w="9525">
                   <a:solidFill>
                     <a:srgbClr val="000000"/>
                   </a:solidFill>
@@ -22194,7 +22194,7 @@
             </a:ln>
             <a:extLst>
               <a:ext uri="{91240B29-F687-4f45-9708-019B960494DF}">
-                <a14:hiddenLine xmlns="" xmlns:a16="http://schemas.microsoft.com/office/drawing/2014/main" xmlns:p14="http://schemas.microsoft.com/office/powerpoint/2010/main" xmlns:a14="http://schemas.microsoft.com/office/drawing/2010/main" w="9525">
+                <a14:hiddenLine xmlns:a14="http://schemas.microsoft.com/office/drawing/2010/main" xmlns:p14="http://schemas.microsoft.com/office/powerpoint/2010/main" xmlns:a16="http://schemas.microsoft.com/office/drawing/2014/main" xmlns="" w="9525">
                   <a:solidFill>
                     <a:srgbClr val="000000"/>
                   </a:solidFill>
@@ -22299,7 +22299,7 @@
             </a:ln>
             <a:extLst>
               <a:ext uri="{91240B29-F687-4f45-9708-019B960494DF}">
-                <a14:hiddenLine xmlns="" xmlns:a16="http://schemas.microsoft.com/office/drawing/2014/main" xmlns:p14="http://schemas.microsoft.com/office/powerpoint/2010/main" xmlns:a14="http://schemas.microsoft.com/office/drawing/2010/main" w="9525">
+                <a14:hiddenLine xmlns:a14="http://schemas.microsoft.com/office/drawing/2010/main" xmlns:p14="http://schemas.microsoft.com/office/powerpoint/2010/main" xmlns:a16="http://schemas.microsoft.com/office/drawing/2014/main" xmlns="" w="9525">
                   <a:solidFill>
                     <a:srgbClr val="000000"/>
                   </a:solidFill>
@@ -22379,7 +22379,7 @@
             </a:ln>
             <a:extLst>
               <a:ext uri="{91240B29-F687-4f45-9708-019B960494DF}">
-                <a14:hiddenLine xmlns="" xmlns:a16="http://schemas.microsoft.com/office/drawing/2014/main" xmlns:p14="http://schemas.microsoft.com/office/powerpoint/2010/main" xmlns:a14="http://schemas.microsoft.com/office/drawing/2010/main" w="9525">
+                <a14:hiddenLine xmlns:a14="http://schemas.microsoft.com/office/drawing/2010/main" xmlns:p14="http://schemas.microsoft.com/office/powerpoint/2010/main" xmlns:a16="http://schemas.microsoft.com/office/drawing/2014/main" xmlns="" w="9525">
                   <a:solidFill>
                     <a:srgbClr val="000000"/>
                   </a:solidFill>
@@ -22456,7 +22456,7 @@
             </a:ln>
             <a:extLst>
               <a:ext uri="{91240B29-F687-4f45-9708-019B960494DF}">
-                <a14:hiddenLine xmlns="" xmlns:a16="http://schemas.microsoft.com/office/drawing/2014/main" xmlns:p14="http://schemas.microsoft.com/office/powerpoint/2010/main" xmlns:a14="http://schemas.microsoft.com/office/drawing/2010/main" w="9525">
+                <a14:hiddenLine xmlns:a14="http://schemas.microsoft.com/office/drawing/2010/main" xmlns:p14="http://schemas.microsoft.com/office/powerpoint/2010/main" xmlns:a16="http://schemas.microsoft.com/office/drawing/2014/main" xmlns="" w="9525">
                   <a:solidFill>
                     <a:srgbClr val="000000"/>
                   </a:solidFill>
@@ -22561,7 +22561,7 @@
             </a:ln>
             <a:extLst>
               <a:ext uri="{91240B29-F687-4f45-9708-019B960494DF}">
-                <a14:hiddenLine xmlns="" xmlns:a16="http://schemas.microsoft.com/office/drawing/2014/main" xmlns:p14="http://schemas.microsoft.com/office/powerpoint/2010/main" xmlns:a14="http://schemas.microsoft.com/office/drawing/2010/main" w="9525">
+                <a14:hiddenLine xmlns:a14="http://schemas.microsoft.com/office/drawing/2010/main" xmlns:p14="http://schemas.microsoft.com/office/powerpoint/2010/main" xmlns:a16="http://schemas.microsoft.com/office/drawing/2014/main" xmlns="" w="9525">
                   <a:solidFill>
                     <a:srgbClr val="000000"/>
                   </a:solidFill>
@@ -22666,7 +22666,7 @@
             </a:ln>
             <a:extLst>
               <a:ext uri="{91240B29-F687-4f45-9708-019B960494DF}">
-                <a14:hiddenLine xmlns="" xmlns:a16="http://schemas.microsoft.com/office/drawing/2014/main" xmlns:p14="http://schemas.microsoft.com/office/powerpoint/2010/main" xmlns:a14="http://schemas.microsoft.com/office/drawing/2010/main" w="9525">
+                <a14:hiddenLine xmlns:a14="http://schemas.microsoft.com/office/drawing/2010/main" xmlns:p14="http://schemas.microsoft.com/office/powerpoint/2010/main" xmlns:a16="http://schemas.microsoft.com/office/drawing/2014/main" xmlns="" w="9525">
                   <a:solidFill>
                     <a:srgbClr val="000000"/>
                   </a:solidFill>
@@ -22743,7 +22743,7 @@
             </a:ln>
             <a:extLst>
               <a:ext uri="{91240B29-F687-4f45-9708-019B960494DF}">
-                <a14:hiddenLine xmlns="" xmlns:a16="http://schemas.microsoft.com/office/drawing/2014/main" xmlns:p14="http://schemas.microsoft.com/office/powerpoint/2010/main" xmlns:a14="http://schemas.microsoft.com/office/drawing/2010/main" w="9525">
+                <a14:hiddenLine xmlns:a14="http://schemas.microsoft.com/office/drawing/2010/main" xmlns:p14="http://schemas.microsoft.com/office/powerpoint/2010/main" xmlns:a16="http://schemas.microsoft.com/office/drawing/2014/main" xmlns="" w="9525">
                   <a:solidFill>
                     <a:srgbClr val="000000"/>
                   </a:solidFill>
@@ -22878,7 +22878,7 @@
             </a:ln>
             <a:extLst>
               <a:ext uri="{91240B29-F687-4f45-9708-019B960494DF}">
-                <a14:hiddenLine xmlns="" xmlns:a16="http://schemas.microsoft.com/office/drawing/2014/main" xmlns:p14="http://schemas.microsoft.com/office/powerpoint/2010/main" xmlns:a14="http://schemas.microsoft.com/office/drawing/2010/main" w="9525">
+                <a14:hiddenLine xmlns:a14="http://schemas.microsoft.com/office/drawing/2010/main" xmlns:p14="http://schemas.microsoft.com/office/powerpoint/2010/main" xmlns:a16="http://schemas.microsoft.com/office/drawing/2014/main" xmlns="" w="9525">
                   <a:solidFill>
                     <a:srgbClr val="000000"/>
                   </a:solidFill>
@@ -22961,7 +22961,7 @@
             </a:ln>
             <a:extLst>
               <a:ext uri="{91240B29-F687-4f45-9708-019B960494DF}">
-                <a14:hiddenLine xmlns="" xmlns:a16="http://schemas.microsoft.com/office/drawing/2014/main" xmlns:p14="http://schemas.microsoft.com/office/powerpoint/2010/main" xmlns:a14="http://schemas.microsoft.com/office/drawing/2010/main" w="9525">
+                <a14:hiddenLine xmlns:a14="http://schemas.microsoft.com/office/drawing/2010/main" xmlns:p14="http://schemas.microsoft.com/office/powerpoint/2010/main" xmlns:a16="http://schemas.microsoft.com/office/drawing/2014/main" xmlns="" w="9525">
                   <a:solidFill>
                     <a:srgbClr val="000000"/>
                   </a:solidFill>
@@ -23066,7 +23066,7 @@
             </a:ln>
             <a:extLst>
               <a:ext uri="{91240B29-F687-4f45-9708-019B960494DF}">
-                <a14:hiddenLine xmlns="" xmlns:a16="http://schemas.microsoft.com/office/drawing/2014/main" xmlns:p14="http://schemas.microsoft.com/office/powerpoint/2010/main" xmlns:a14="http://schemas.microsoft.com/office/drawing/2010/main" w="9525">
+                <a14:hiddenLine xmlns:a14="http://schemas.microsoft.com/office/drawing/2010/main" xmlns:p14="http://schemas.microsoft.com/office/powerpoint/2010/main" xmlns:a16="http://schemas.microsoft.com/office/drawing/2014/main" xmlns="" w="9525">
                   <a:solidFill>
                     <a:srgbClr val="000000"/>
                   </a:solidFill>
@@ -23134,7 +23134,7 @@
           <a:noFill/>
           <a:extLst>
             <a:ext uri="{909E8E84-426E-40dd-AFC4-6F175D3DCCD1}">
-              <a14:hiddenFill xmlns="" xmlns:a16="http://schemas.microsoft.com/office/drawing/2014/main" xmlns:p14="http://schemas.microsoft.com/office/powerpoint/2010/main" xmlns:a14="http://schemas.microsoft.com/office/drawing/2010/main">
+              <a14:hiddenFill xmlns:a14="http://schemas.microsoft.com/office/drawing/2010/main" xmlns:p14="http://schemas.microsoft.com/office/powerpoint/2010/main" xmlns:a16="http://schemas.microsoft.com/office/drawing/2014/main" xmlns="">
                 <a:solidFill>
                   <a:srgbClr val="FFFFFF"/>
                 </a:solidFill>
@@ -23334,7 +23334,7 @@
           <a:p>
             <a:r>
               <a:rPr lang="pt-PT" dirty="0"/>
-              <a:t>Utilizador (Viewer e </a:t>
+              <a:t>Utilizadores (Viewer e </a:t>
             </a:r>
             <a:r>
               <a:rPr lang="pt-PT" dirty="0" err="1"/>
@@ -23356,7 +23356,7 @@
           <a:p>
             <a:r>
               <a:rPr lang="pt-PT" dirty="0" err="1"/>
-              <a:t>Stream</a:t>
+              <a:t>Streams</a:t>
             </a:r>
             <a:r>
               <a:rPr lang="pt-PT" dirty="0"/>
@@ -23368,7 +23368,7 @@
             </a:r>
             <a:r>
               <a:rPr lang="pt-PT" dirty="0"/>
-              <a:t> podem criar e terminá-las, tal como ler as suas informações. Os </a:t>
+              <a:t> podem criar e terminar as mesmas, tal como consultar as suas informações. Os </a:t>
             </a:r>
             <a:r>
               <a:rPr lang="pt-PT" dirty="0" err="1"/>
@@ -23643,7 +23643,7 @@
             </a:ln>
             <a:extLst>
               <a:ext uri="{91240B29-F687-4f45-9708-019B960494DF}">
-                <a14:hiddenLine xmlns="" xmlns:a16="http://schemas.microsoft.com/office/drawing/2014/main" xmlns:p14="http://schemas.microsoft.com/office/powerpoint/2010/main" xmlns:a14="http://schemas.microsoft.com/office/drawing/2010/main" w="9525">
+                <a14:hiddenLine xmlns:a14="http://schemas.microsoft.com/office/drawing/2010/main" xmlns:p14="http://schemas.microsoft.com/office/powerpoint/2010/main" xmlns:a16="http://schemas.microsoft.com/office/drawing/2014/main" xmlns="" w="9525">
                   <a:solidFill>
                     <a:srgbClr val="000000"/>
                   </a:solidFill>
@@ -23748,7 +23748,7 @@
             </a:ln>
             <a:extLst>
               <a:ext uri="{91240B29-F687-4f45-9708-019B960494DF}">
-                <a14:hiddenLine xmlns="" xmlns:a16="http://schemas.microsoft.com/office/drawing/2014/main" xmlns:p14="http://schemas.microsoft.com/office/powerpoint/2010/main" xmlns:a14="http://schemas.microsoft.com/office/drawing/2010/main" w="9525">
+                <a14:hiddenLine xmlns:a14="http://schemas.microsoft.com/office/drawing/2010/main" xmlns:p14="http://schemas.microsoft.com/office/powerpoint/2010/main" xmlns:a16="http://schemas.microsoft.com/office/drawing/2014/main" xmlns="" w="9525">
                   <a:solidFill>
                     <a:srgbClr val="000000"/>
                   </a:solidFill>
@@ -23853,7 +23853,7 @@
             </a:ln>
             <a:extLst>
               <a:ext uri="{91240B29-F687-4f45-9708-019B960494DF}">
-                <a14:hiddenLine xmlns="" xmlns:a16="http://schemas.microsoft.com/office/drawing/2014/main" xmlns:p14="http://schemas.microsoft.com/office/powerpoint/2010/main" xmlns:a14="http://schemas.microsoft.com/office/drawing/2010/main" w="9525">
+                <a14:hiddenLine xmlns:a14="http://schemas.microsoft.com/office/drawing/2010/main" xmlns:p14="http://schemas.microsoft.com/office/powerpoint/2010/main" xmlns:a16="http://schemas.microsoft.com/office/drawing/2014/main" xmlns="" w="9525">
                   <a:solidFill>
                     <a:srgbClr val="000000"/>
                   </a:solidFill>
@@ -23930,7 +23930,7 @@
             </a:ln>
             <a:extLst>
               <a:ext uri="{91240B29-F687-4f45-9708-019B960494DF}">
-                <a14:hiddenLine xmlns="" xmlns:a16="http://schemas.microsoft.com/office/drawing/2014/main" xmlns:p14="http://schemas.microsoft.com/office/powerpoint/2010/main" xmlns:a14="http://schemas.microsoft.com/office/drawing/2010/main" w="9525">
+                <a14:hiddenLine xmlns:a14="http://schemas.microsoft.com/office/drawing/2010/main" xmlns:p14="http://schemas.microsoft.com/office/powerpoint/2010/main" xmlns:a16="http://schemas.microsoft.com/office/drawing/2014/main" xmlns="" w="9525">
                   <a:solidFill>
                     <a:srgbClr val="000000"/>
                   </a:solidFill>
@@ -24035,7 +24035,7 @@
             </a:ln>
             <a:extLst>
               <a:ext uri="{91240B29-F687-4f45-9708-019B960494DF}">
-                <a14:hiddenLine xmlns="" xmlns:a16="http://schemas.microsoft.com/office/drawing/2014/main" xmlns:p14="http://schemas.microsoft.com/office/powerpoint/2010/main" xmlns:a14="http://schemas.microsoft.com/office/drawing/2010/main" w="9525">
+                <a14:hiddenLine xmlns:a14="http://schemas.microsoft.com/office/drawing/2010/main" xmlns:p14="http://schemas.microsoft.com/office/powerpoint/2010/main" xmlns:a16="http://schemas.microsoft.com/office/drawing/2014/main" xmlns="" w="9525">
                   <a:solidFill>
                     <a:srgbClr val="000000"/>
                   </a:solidFill>
@@ -24112,7 +24112,7 @@
             </a:ln>
             <a:extLst>
               <a:ext uri="{91240B29-F687-4f45-9708-019B960494DF}">
-                <a14:hiddenLine xmlns="" xmlns:a16="http://schemas.microsoft.com/office/drawing/2014/main" xmlns:p14="http://schemas.microsoft.com/office/powerpoint/2010/main" xmlns:a14="http://schemas.microsoft.com/office/drawing/2010/main" w="9525">
+                <a14:hiddenLine xmlns:a14="http://schemas.microsoft.com/office/drawing/2010/main" xmlns:p14="http://schemas.microsoft.com/office/powerpoint/2010/main" xmlns:a16="http://schemas.microsoft.com/office/drawing/2014/main" xmlns="" w="9525">
                   <a:solidFill>
                     <a:srgbClr val="000000"/>
                   </a:solidFill>
@@ -24189,7 +24189,7 @@
             </a:ln>
             <a:extLst>
               <a:ext uri="{91240B29-F687-4f45-9708-019B960494DF}">
-                <a14:hiddenLine xmlns="" xmlns:a16="http://schemas.microsoft.com/office/drawing/2014/main" xmlns:p14="http://schemas.microsoft.com/office/powerpoint/2010/main" xmlns:a14="http://schemas.microsoft.com/office/drawing/2010/main" w="9525">
+                <a14:hiddenLine xmlns:a14="http://schemas.microsoft.com/office/drawing/2010/main" xmlns:p14="http://schemas.microsoft.com/office/powerpoint/2010/main" xmlns:a16="http://schemas.microsoft.com/office/drawing/2014/main" xmlns="" w="9525">
                   <a:solidFill>
                     <a:srgbClr val="000000"/>
                   </a:solidFill>
@@ -24294,7 +24294,7 @@
             </a:ln>
             <a:extLst>
               <a:ext uri="{91240B29-F687-4f45-9708-019B960494DF}">
-                <a14:hiddenLine xmlns="" xmlns:a16="http://schemas.microsoft.com/office/drawing/2014/main" xmlns:p14="http://schemas.microsoft.com/office/powerpoint/2010/main" xmlns:a14="http://schemas.microsoft.com/office/drawing/2010/main" w="9525">
+                <a14:hiddenLine xmlns:a14="http://schemas.microsoft.com/office/drawing/2010/main" xmlns:p14="http://schemas.microsoft.com/office/powerpoint/2010/main" xmlns:a16="http://schemas.microsoft.com/office/drawing/2014/main" xmlns="" w="9525">
                   <a:solidFill>
                     <a:srgbClr val="000000"/>
                   </a:solidFill>
@@ -24399,7 +24399,7 @@
             </a:ln>
             <a:extLst>
               <a:ext uri="{91240B29-F687-4f45-9708-019B960494DF}">
-                <a14:hiddenLine xmlns="" xmlns:a16="http://schemas.microsoft.com/office/drawing/2014/main" xmlns:p14="http://schemas.microsoft.com/office/powerpoint/2010/main" xmlns:a14="http://schemas.microsoft.com/office/drawing/2010/main" w="9525">
+                <a14:hiddenLine xmlns:a14="http://schemas.microsoft.com/office/drawing/2010/main" xmlns:p14="http://schemas.microsoft.com/office/powerpoint/2010/main" xmlns:a16="http://schemas.microsoft.com/office/drawing/2014/main" xmlns="" w="9525">
                   <a:solidFill>
                     <a:srgbClr val="000000"/>
                   </a:solidFill>
@@ -24476,7 +24476,7 @@
             </a:ln>
             <a:extLst>
               <a:ext uri="{91240B29-F687-4f45-9708-019B960494DF}">
-                <a14:hiddenLine xmlns="" xmlns:a16="http://schemas.microsoft.com/office/drawing/2014/main" xmlns:p14="http://schemas.microsoft.com/office/powerpoint/2010/main" xmlns:a14="http://schemas.microsoft.com/office/drawing/2010/main" w="9525">
+                <a14:hiddenLine xmlns:a14="http://schemas.microsoft.com/office/drawing/2010/main" xmlns:p14="http://schemas.microsoft.com/office/powerpoint/2010/main" xmlns:a16="http://schemas.microsoft.com/office/drawing/2014/main" xmlns="" w="9525">
                   <a:solidFill>
                     <a:srgbClr val="000000"/>
                   </a:solidFill>
@@ -24601,7 +24601,7 @@
             </a:ln>
             <a:extLst>
               <a:ext uri="{91240B29-F687-4f45-9708-019B960494DF}">
-                <a14:hiddenLine xmlns="" xmlns:a16="http://schemas.microsoft.com/office/drawing/2014/main" xmlns:p14="http://schemas.microsoft.com/office/powerpoint/2010/main" xmlns:a14="http://schemas.microsoft.com/office/drawing/2010/main" w="9525">
+                <a14:hiddenLine xmlns:a14="http://schemas.microsoft.com/office/drawing/2010/main" xmlns:p14="http://schemas.microsoft.com/office/powerpoint/2010/main" xmlns:a16="http://schemas.microsoft.com/office/drawing/2014/main" xmlns="" w="9525">
                   <a:solidFill>
                     <a:srgbClr val="000000"/>
                   </a:solidFill>
@@ -24715,7 +24715,7 @@
             </a:ln>
             <a:extLst>
               <a:ext uri="{91240B29-F687-4f45-9708-019B960494DF}">
-                <a14:hiddenLine xmlns="" xmlns:a16="http://schemas.microsoft.com/office/drawing/2014/main" xmlns:p14="http://schemas.microsoft.com/office/powerpoint/2010/main" xmlns:a14="http://schemas.microsoft.com/office/drawing/2010/main" w="9525">
+                <a14:hiddenLine xmlns:a14="http://schemas.microsoft.com/office/drawing/2010/main" xmlns:p14="http://schemas.microsoft.com/office/powerpoint/2010/main" xmlns:a16="http://schemas.microsoft.com/office/drawing/2014/main" xmlns="" w="9525">
                   <a:solidFill>
                     <a:srgbClr val="000000"/>
                   </a:solidFill>
@@ -24792,7 +24792,7 @@
             </a:ln>
             <a:extLst>
               <a:ext uri="{91240B29-F687-4f45-9708-019B960494DF}">
-                <a14:hiddenLine xmlns="" xmlns:a16="http://schemas.microsoft.com/office/drawing/2014/main" xmlns:p14="http://schemas.microsoft.com/office/powerpoint/2010/main" xmlns:a14="http://schemas.microsoft.com/office/drawing/2010/main" w="9525">
+                <a14:hiddenLine xmlns:a14="http://schemas.microsoft.com/office/drawing/2010/main" xmlns:p14="http://schemas.microsoft.com/office/powerpoint/2010/main" xmlns:a16="http://schemas.microsoft.com/office/drawing/2014/main" xmlns="" w="9525">
                   <a:solidFill>
                     <a:srgbClr val="000000"/>
                   </a:solidFill>
@@ -24869,7 +24869,7 @@
             </a:ln>
             <a:extLst>
               <a:ext uri="{91240B29-F687-4f45-9708-019B960494DF}">
-                <a14:hiddenLine xmlns="" xmlns:a16="http://schemas.microsoft.com/office/drawing/2014/main" xmlns:p14="http://schemas.microsoft.com/office/powerpoint/2010/main" xmlns:a14="http://schemas.microsoft.com/office/drawing/2010/main" w="9525">
+                <a14:hiddenLine xmlns:a14="http://schemas.microsoft.com/office/drawing/2010/main" xmlns:p14="http://schemas.microsoft.com/office/powerpoint/2010/main" xmlns:a16="http://schemas.microsoft.com/office/drawing/2014/main" xmlns="" w="9525">
                   <a:solidFill>
                     <a:srgbClr val="000000"/>
                   </a:solidFill>
@@ -24974,7 +24974,7 @@
             </a:ln>
             <a:extLst>
               <a:ext uri="{91240B29-F687-4f45-9708-019B960494DF}">
-                <a14:hiddenLine xmlns="" xmlns:a16="http://schemas.microsoft.com/office/drawing/2014/main" xmlns:p14="http://schemas.microsoft.com/office/powerpoint/2010/main" xmlns:a14="http://schemas.microsoft.com/office/drawing/2010/main" w="9525">
+                <a14:hiddenLine xmlns:a14="http://schemas.microsoft.com/office/drawing/2010/main" xmlns:p14="http://schemas.microsoft.com/office/powerpoint/2010/main" xmlns:a16="http://schemas.microsoft.com/office/drawing/2014/main" xmlns="" w="9525">
                   <a:solidFill>
                     <a:srgbClr val="000000"/>
                   </a:solidFill>
@@ -25023,7 +25023,7 @@
             </a:ln>
             <a:extLst>
               <a:ext uri="{91240B29-F687-4f45-9708-019B960494DF}">
-                <a14:hiddenLine xmlns="" xmlns:a16="http://schemas.microsoft.com/office/drawing/2014/main" xmlns:p14="http://schemas.microsoft.com/office/powerpoint/2010/main" xmlns:a14="http://schemas.microsoft.com/office/drawing/2010/main" w="9525">
+                <a14:hiddenLine xmlns:a14="http://schemas.microsoft.com/office/drawing/2010/main" xmlns:p14="http://schemas.microsoft.com/office/powerpoint/2010/main" xmlns:a16="http://schemas.microsoft.com/office/drawing/2014/main" xmlns="" w="9525">
                   <a:solidFill>
                     <a:srgbClr val="000000"/>
                   </a:solidFill>
@@ -25103,7 +25103,7 @@
             </a:ln>
             <a:extLst>
               <a:ext uri="{91240B29-F687-4f45-9708-019B960494DF}">
-                <a14:hiddenLine xmlns="" xmlns:a16="http://schemas.microsoft.com/office/drawing/2014/main" xmlns:p14="http://schemas.microsoft.com/office/powerpoint/2010/main" xmlns:a14="http://schemas.microsoft.com/office/drawing/2010/main" w="9525">
+                <a14:hiddenLine xmlns:a14="http://schemas.microsoft.com/office/drawing/2010/main" xmlns:p14="http://schemas.microsoft.com/office/powerpoint/2010/main" xmlns:a16="http://schemas.microsoft.com/office/drawing/2014/main" xmlns="" w="9525">
                   <a:solidFill>
                     <a:srgbClr val="000000"/>
                   </a:solidFill>
@@ -25208,7 +25208,7 @@
             </a:ln>
             <a:extLst>
               <a:ext uri="{91240B29-F687-4f45-9708-019B960494DF}">
-                <a14:hiddenLine xmlns="" xmlns:a16="http://schemas.microsoft.com/office/drawing/2014/main" xmlns:p14="http://schemas.microsoft.com/office/powerpoint/2010/main" xmlns:a14="http://schemas.microsoft.com/office/drawing/2010/main" w="9525">
+                <a14:hiddenLine xmlns:a14="http://schemas.microsoft.com/office/drawing/2010/main" xmlns:p14="http://schemas.microsoft.com/office/powerpoint/2010/main" xmlns:a16="http://schemas.microsoft.com/office/drawing/2014/main" xmlns="" w="9525">
                   <a:solidFill>
                     <a:srgbClr val="000000"/>
                   </a:solidFill>
@@ -25285,7 +25285,7 @@
             </a:ln>
             <a:extLst>
               <a:ext uri="{91240B29-F687-4f45-9708-019B960494DF}">
-                <a14:hiddenLine xmlns="" xmlns:a16="http://schemas.microsoft.com/office/drawing/2014/main" xmlns:p14="http://schemas.microsoft.com/office/powerpoint/2010/main" xmlns:a14="http://schemas.microsoft.com/office/drawing/2010/main" w="9525">
+                <a14:hiddenLine xmlns:a14="http://schemas.microsoft.com/office/drawing/2010/main" xmlns:p14="http://schemas.microsoft.com/office/powerpoint/2010/main" xmlns:a16="http://schemas.microsoft.com/office/drawing/2014/main" xmlns="" w="9525">
                   <a:solidFill>
                     <a:srgbClr val="000000"/>
                   </a:solidFill>
@@ -25390,7 +25390,7 @@
             </a:ln>
             <a:extLst>
               <a:ext uri="{91240B29-F687-4f45-9708-019B960494DF}">
-                <a14:hiddenLine xmlns="" xmlns:a16="http://schemas.microsoft.com/office/drawing/2014/main" xmlns:p14="http://schemas.microsoft.com/office/powerpoint/2010/main" xmlns:a14="http://schemas.microsoft.com/office/drawing/2010/main" w="9525">
+                <a14:hiddenLine xmlns:a14="http://schemas.microsoft.com/office/drawing/2010/main" xmlns:p14="http://schemas.microsoft.com/office/powerpoint/2010/main" xmlns:a16="http://schemas.microsoft.com/office/drawing/2014/main" xmlns="" w="9525">
                   <a:solidFill>
                     <a:srgbClr val="000000"/>
                   </a:solidFill>
@@ -25470,7 +25470,7 @@
             </a:ln>
             <a:extLst>
               <a:ext uri="{91240B29-F687-4f45-9708-019B960494DF}">
-                <a14:hiddenLine xmlns="" xmlns:a16="http://schemas.microsoft.com/office/drawing/2014/main" xmlns:p14="http://schemas.microsoft.com/office/powerpoint/2010/main" xmlns:a14="http://schemas.microsoft.com/office/drawing/2010/main" w="9525">
+                <a14:hiddenLine xmlns:a14="http://schemas.microsoft.com/office/drawing/2010/main" xmlns:p14="http://schemas.microsoft.com/office/powerpoint/2010/main" xmlns:a16="http://schemas.microsoft.com/office/drawing/2014/main" xmlns="" w="9525">
                   <a:solidFill>
                     <a:srgbClr val="000000"/>
                   </a:solidFill>
@@ -25547,7 +25547,7 @@
             </a:ln>
             <a:extLst>
               <a:ext uri="{91240B29-F687-4f45-9708-019B960494DF}">
-                <a14:hiddenLine xmlns="" xmlns:a16="http://schemas.microsoft.com/office/drawing/2014/main" xmlns:p14="http://schemas.microsoft.com/office/powerpoint/2010/main" xmlns:a14="http://schemas.microsoft.com/office/drawing/2010/main" w="9525">
+                <a14:hiddenLine xmlns:a14="http://schemas.microsoft.com/office/drawing/2010/main" xmlns:p14="http://schemas.microsoft.com/office/powerpoint/2010/main" xmlns:a16="http://schemas.microsoft.com/office/drawing/2014/main" xmlns="" w="9525">
                   <a:solidFill>
                     <a:srgbClr val="000000"/>
                   </a:solidFill>
@@ -25652,7 +25652,7 @@
             </a:ln>
             <a:extLst>
               <a:ext uri="{91240B29-F687-4f45-9708-019B960494DF}">
-                <a14:hiddenLine xmlns="" xmlns:a16="http://schemas.microsoft.com/office/drawing/2014/main" xmlns:p14="http://schemas.microsoft.com/office/powerpoint/2010/main" xmlns:a14="http://schemas.microsoft.com/office/drawing/2010/main" w="9525">
+                <a14:hiddenLine xmlns:a14="http://schemas.microsoft.com/office/drawing/2010/main" xmlns:p14="http://schemas.microsoft.com/office/powerpoint/2010/main" xmlns:a16="http://schemas.microsoft.com/office/drawing/2014/main" xmlns="" w="9525">
                   <a:solidFill>
                     <a:srgbClr val="000000"/>
                   </a:solidFill>
@@ -25757,7 +25757,7 @@
             </a:ln>
             <a:extLst>
               <a:ext uri="{91240B29-F687-4f45-9708-019B960494DF}">
-                <a14:hiddenLine xmlns="" xmlns:a16="http://schemas.microsoft.com/office/drawing/2014/main" xmlns:p14="http://schemas.microsoft.com/office/powerpoint/2010/main" xmlns:a14="http://schemas.microsoft.com/office/drawing/2010/main" w="9525">
+                <a14:hiddenLine xmlns:a14="http://schemas.microsoft.com/office/drawing/2010/main" xmlns:p14="http://schemas.microsoft.com/office/powerpoint/2010/main" xmlns:a16="http://schemas.microsoft.com/office/drawing/2014/main" xmlns="" w="9525">
                   <a:solidFill>
                     <a:srgbClr val="000000"/>
                   </a:solidFill>
@@ -25837,7 +25837,7 @@
             </a:ln>
             <a:extLst>
               <a:ext uri="{91240B29-F687-4f45-9708-019B960494DF}">
-                <a14:hiddenLine xmlns="" xmlns:a16="http://schemas.microsoft.com/office/drawing/2014/main" xmlns:p14="http://schemas.microsoft.com/office/powerpoint/2010/main" xmlns:a14="http://schemas.microsoft.com/office/drawing/2010/main" w="9525">
+                <a14:hiddenLine xmlns:a14="http://schemas.microsoft.com/office/drawing/2010/main" xmlns:p14="http://schemas.microsoft.com/office/powerpoint/2010/main" xmlns:a16="http://schemas.microsoft.com/office/drawing/2014/main" xmlns="" w="9525">
                   <a:solidFill>
                     <a:srgbClr val="000000"/>
                   </a:solidFill>
@@ -25972,7 +25972,7 @@
             </a:ln>
             <a:extLst>
               <a:ext uri="{91240B29-F687-4f45-9708-019B960494DF}">
-                <a14:hiddenLine xmlns="" xmlns:a16="http://schemas.microsoft.com/office/drawing/2014/main" xmlns:p14="http://schemas.microsoft.com/office/powerpoint/2010/main" xmlns:a14="http://schemas.microsoft.com/office/drawing/2010/main" w="9525">
+                <a14:hiddenLine xmlns:a14="http://schemas.microsoft.com/office/drawing/2010/main" xmlns:p14="http://schemas.microsoft.com/office/powerpoint/2010/main" xmlns:a16="http://schemas.microsoft.com/office/drawing/2014/main" xmlns="" w="9525">
                   <a:solidFill>
                     <a:srgbClr val="000000"/>
                   </a:solidFill>
@@ -26251,7 +26251,7 @@
             </a:ln>
             <a:extLst>
               <a:ext uri="{91240B29-F687-4f45-9708-019B960494DF}">
-                <a14:hiddenLine xmlns="" xmlns:a16="http://schemas.microsoft.com/office/drawing/2014/main" xmlns:p14="http://schemas.microsoft.com/office/powerpoint/2010/main" xmlns:a14="http://schemas.microsoft.com/office/drawing/2010/main" w="9525">
+                <a14:hiddenLine xmlns:a14="http://schemas.microsoft.com/office/drawing/2010/main" xmlns:p14="http://schemas.microsoft.com/office/powerpoint/2010/main" xmlns:a16="http://schemas.microsoft.com/office/drawing/2014/main" xmlns="" w="9525">
                   <a:solidFill>
                     <a:srgbClr val="000000"/>
                   </a:solidFill>
@@ -26381,7 +26381,7 @@
             </a:ln>
             <a:extLst>
               <a:ext uri="{91240B29-F687-4f45-9708-019B960494DF}">
-                <a14:hiddenLine xmlns="" xmlns:a16="http://schemas.microsoft.com/office/drawing/2014/main" xmlns:p14="http://schemas.microsoft.com/office/powerpoint/2010/main" xmlns:a14="http://schemas.microsoft.com/office/drawing/2010/main" w="9525">
+                <a14:hiddenLine xmlns:a14="http://schemas.microsoft.com/office/drawing/2010/main" xmlns:p14="http://schemas.microsoft.com/office/powerpoint/2010/main" xmlns:a16="http://schemas.microsoft.com/office/drawing/2014/main" xmlns="" w="9525">
                   <a:solidFill>
                     <a:srgbClr val="000000"/>
                   </a:solidFill>
@@ -26486,7 +26486,7 @@
             </a:ln>
             <a:extLst>
               <a:ext uri="{91240B29-F687-4f45-9708-019B960494DF}">
-                <a14:hiddenLine xmlns="" xmlns:a16="http://schemas.microsoft.com/office/drawing/2014/main" xmlns:p14="http://schemas.microsoft.com/office/powerpoint/2010/main" xmlns:a14="http://schemas.microsoft.com/office/drawing/2010/main" w="9525">
+                <a14:hiddenLine xmlns:a14="http://schemas.microsoft.com/office/drawing/2010/main" xmlns:p14="http://schemas.microsoft.com/office/powerpoint/2010/main" xmlns:a16="http://schemas.microsoft.com/office/drawing/2014/main" xmlns="" w="9525">
                   <a:solidFill>
                     <a:srgbClr val="000000"/>
                   </a:solidFill>
@@ -26566,7 +26566,7 @@
             </a:ln>
             <a:extLst>
               <a:ext uri="{91240B29-F687-4f45-9708-019B960494DF}">
-                <a14:hiddenLine xmlns="" xmlns:a16="http://schemas.microsoft.com/office/drawing/2014/main" xmlns:p14="http://schemas.microsoft.com/office/powerpoint/2010/main" xmlns:a14="http://schemas.microsoft.com/office/drawing/2010/main" w="9525">
+                <a14:hiddenLine xmlns:a14="http://schemas.microsoft.com/office/drawing/2010/main" xmlns:p14="http://schemas.microsoft.com/office/powerpoint/2010/main" xmlns:a16="http://schemas.microsoft.com/office/drawing/2014/main" xmlns="" w="9525">
                   <a:solidFill>
                     <a:srgbClr val="000000"/>
                   </a:solidFill>
@@ -26671,7 +26671,7 @@
             </a:ln>
             <a:extLst>
               <a:ext uri="{91240B29-F687-4f45-9708-019B960494DF}">
-                <a14:hiddenLine xmlns="" xmlns:a16="http://schemas.microsoft.com/office/drawing/2014/main" xmlns:p14="http://schemas.microsoft.com/office/powerpoint/2010/main" xmlns:a14="http://schemas.microsoft.com/office/drawing/2010/main" w="9525">
+                <a14:hiddenLine xmlns:a14="http://schemas.microsoft.com/office/drawing/2010/main" xmlns:p14="http://schemas.microsoft.com/office/powerpoint/2010/main" xmlns:a16="http://schemas.microsoft.com/office/drawing/2014/main" xmlns="" w="9525">
                   <a:solidFill>
                     <a:srgbClr val="000000"/>
                   </a:solidFill>
@@ -26754,7 +26754,7 @@
             </a:ln>
             <a:extLst>
               <a:ext uri="{91240B29-F687-4f45-9708-019B960494DF}">
-                <a14:hiddenLine xmlns="" xmlns:a16="http://schemas.microsoft.com/office/drawing/2014/main" xmlns:p14="http://schemas.microsoft.com/office/powerpoint/2010/main" xmlns:a14="http://schemas.microsoft.com/office/drawing/2010/main" w="9525">
+                <a14:hiddenLine xmlns:a14="http://schemas.microsoft.com/office/drawing/2010/main" xmlns:p14="http://schemas.microsoft.com/office/powerpoint/2010/main" xmlns:a16="http://schemas.microsoft.com/office/drawing/2014/main" xmlns="" w="9525">
                   <a:solidFill>
                     <a:srgbClr val="000000"/>
                   </a:solidFill>
@@ -26859,7 +26859,7 @@
             </a:ln>
             <a:extLst>
               <a:ext uri="{91240B29-F687-4f45-9708-019B960494DF}">
-                <a14:hiddenLine xmlns="" xmlns:a16="http://schemas.microsoft.com/office/drawing/2014/main" xmlns:p14="http://schemas.microsoft.com/office/powerpoint/2010/main" xmlns:a14="http://schemas.microsoft.com/office/drawing/2010/main" w="9525">
+                <a14:hiddenLine xmlns:a14="http://schemas.microsoft.com/office/drawing/2010/main" xmlns:p14="http://schemas.microsoft.com/office/powerpoint/2010/main" xmlns:a16="http://schemas.microsoft.com/office/drawing/2014/main" xmlns="" w="9525">
                   <a:solidFill>
                     <a:srgbClr val="000000"/>
                   </a:solidFill>
@@ -26942,7 +26942,7 @@
             </a:ln>
             <a:extLst>
               <a:ext uri="{91240B29-F687-4f45-9708-019B960494DF}">
-                <a14:hiddenLine xmlns="" xmlns:a16="http://schemas.microsoft.com/office/drawing/2014/main" xmlns:p14="http://schemas.microsoft.com/office/powerpoint/2010/main" xmlns:a14="http://schemas.microsoft.com/office/drawing/2010/main" w="9525">
+                <a14:hiddenLine xmlns:a14="http://schemas.microsoft.com/office/drawing/2010/main" xmlns:p14="http://schemas.microsoft.com/office/powerpoint/2010/main" xmlns:a16="http://schemas.microsoft.com/office/drawing/2014/main" xmlns="" w="9525">
                   <a:solidFill>
                     <a:srgbClr val="000000"/>
                   </a:solidFill>
@@ -27047,7 +27047,7 @@
             </a:ln>
             <a:extLst>
               <a:ext uri="{91240B29-F687-4f45-9708-019B960494DF}">
-                <a14:hiddenLine xmlns="" xmlns:a16="http://schemas.microsoft.com/office/drawing/2014/main" xmlns:p14="http://schemas.microsoft.com/office/powerpoint/2010/main" xmlns:a14="http://schemas.microsoft.com/office/drawing/2010/main" w="9525">
+                <a14:hiddenLine xmlns:a14="http://schemas.microsoft.com/office/drawing/2010/main" xmlns:p14="http://schemas.microsoft.com/office/powerpoint/2010/main" xmlns:a16="http://schemas.microsoft.com/office/drawing/2014/main" xmlns="" w="9525">
                   <a:solidFill>
                     <a:srgbClr val="000000"/>
                   </a:solidFill>
@@ -27096,7 +27096,7 @@
             </a:ln>
             <a:extLst>
               <a:ext uri="{91240B29-F687-4f45-9708-019B960494DF}">
-                <a14:hiddenLine xmlns="" xmlns:a16="http://schemas.microsoft.com/office/drawing/2014/main" xmlns:p14="http://schemas.microsoft.com/office/powerpoint/2010/main" xmlns:a14="http://schemas.microsoft.com/office/drawing/2010/main" w="9525">
+                <a14:hiddenLine xmlns:a14="http://schemas.microsoft.com/office/drawing/2010/main" xmlns:p14="http://schemas.microsoft.com/office/powerpoint/2010/main" xmlns:a16="http://schemas.microsoft.com/office/drawing/2014/main" xmlns="" w="9525">
                   <a:solidFill>
                     <a:srgbClr val="000000"/>
                   </a:solidFill>
@@ -27392,7 +27392,7 @@
             </a:ln>
             <a:extLst>
               <a:ext uri="{91240B29-F687-4f45-9708-019B960494DF}">
-                <a14:hiddenLine xmlns="" xmlns:a16="http://schemas.microsoft.com/office/drawing/2014/main" xmlns:p14="http://schemas.microsoft.com/office/powerpoint/2010/main" xmlns:a14="http://schemas.microsoft.com/office/drawing/2010/main" w="9525">
+                <a14:hiddenLine xmlns:a14="http://schemas.microsoft.com/office/drawing/2010/main" xmlns:p14="http://schemas.microsoft.com/office/powerpoint/2010/main" xmlns:a16="http://schemas.microsoft.com/office/drawing/2014/main" xmlns="" w="9525">
                   <a:solidFill>
                     <a:srgbClr val="000000"/>
                   </a:solidFill>
@@ -27497,7 +27497,7 @@
             </a:ln>
             <a:extLst>
               <a:ext uri="{91240B29-F687-4f45-9708-019B960494DF}">
-                <a14:hiddenLine xmlns="" xmlns:a16="http://schemas.microsoft.com/office/drawing/2014/main" xmlns:p14="http://schemas.microsoft.com/office/powerpoint/2010/main" xmlns:a14="http://schemas.microsoft.com/office/drawing/2010/main" w="9525">
+                <a14:hiddenLine xmlns:a14="http://schemas.microsoft.com/office/drawing/2010/main" xmlns:p14="http://schemas.microsoft.com/office/powerpoint/2010/main" xmlns:a16="http://schemas.microsoft.com/office/drawing/2014/main" xmlns="" w="9525">
                   <a:solidFill>
                     <a:srgbClr val="000000"/>
                   </a:solidFill>
@@ -27602,7 +27602,7 @@
             </a:ln>
             <a:extLst>
               <a:ext uri="{91240B29-F687-4f45-9708-019B960494DF}">
-                <a14:hiddenLine xmlns="" xmlns:a16="http://schemas.microsoft.com/office/drawing/2014/main" xmlns:p14="http://schemas.microsoft.com/office/powerpoint/2010/main" xmlns:a14="http://schemas.microsoft.com/office/drawing/2010/main" w="9525">
+                <a14:hiddenLine xmlns:a14="http://schemas.microsoft.com/office/drawing/2010/main" xmlns:p14="http://schemas.microsoft.com/office/powerpoint/2010/main" xmlns:a16="http://schemas.microsoft.com/office/drawing/2014/main" xmlns="" w="9525">
                   <a:solidFill>
                     <a:srgbClr val="000000"/>
                   </a:solidFill>
@@ -27679,7 +27679,7 @@
             </a:ln>
             <a:extLst>
               <a:ext uri="{91240B29-F687-4f45-9708-019B960494DF}">
-                <a14:hiddenLine xmlns="" xmlns:a16="http://schemas.microsoft.com/office/drawing/2014/main" xmlns:p14="http://schemas.microsoft.com/office/powerpoint/2010/main" xmlns:a14="http://schemas.microsoft.com/office/drawing/2010/main" w="9525">
+                <a14:hiddenLine xmlns:a14="http://schemas.microsoft.com/office/drawing/2010/main" xmlns:p14="http://schemas.microsoft.com/office/powerpoint/2010/main" xmlns:a16="http://schemas.microsoft.com/office/drawing/2014/main" xmlns="" w="9525">
                   <a:solidFill>
                     <a:srgbClr val="000000"/>
                   </a:solidFill>
@@ -27784,7 +27784,7 @@
             </a:ln>
             <a:extLst>
               <a:ext uri="{91240B29-F687-4f45-9708-019B960494DF}">
-                <a14:hiddenLine xmlns="" xmlns:a16="http://schemas.microsoft.com/office/drawing/2014/main" xmlns:p14="http://schemas.microsoft.com/office/powerpoint/2010/main" xmlns:a14="http://schemas.microsoft.com/office/drawing/2010/main" w="9525">
+                <a14:hiddenLine xmlns:a14="http://schemas.microsoft.com/office/drawing/2010/main" xmlns:p14="http://schemas.microsoft.com/office/powerpoint/2010/main" xmlns:a16="http://schemas.microsoft.com/office/drawing/2014/main" xmlns="" w="9525">
                   <a:solidFill>
                     <a:srgbClr val="000000"/>
                   </a:solidFill>
@@ -27861,7 +27861,7 @@
             </a:ln>
             <a:extLst>
               <a:ext uri="{91240B29-F687-4f45-9708-019B960494DF}">
-                <a14:hiddenLine xmlns="" xmlns:a16="http://schemas.microsoft.com/office/drawing/2014/main" xmlns:p14="http://schemas.microsoft.com/office/powerpoint/2010/main" xmlns:a14="http://schemas.microsoft.com/office/drawing/2010/main" w="9525">
+                <a14:hiddenLine xmlns:a14="http://schemas.microsoft.com/office/drawing/2010/main" xmlns:p14="http://schemas.microsoft.com/office/powerpoint/2010/main" xmlns:a16="http://schemas.microsoft.com/office/drawing/2014/main" xmlns="" w="9525">
                   <a:solidFill>
                     <a:srgbClr val="000000"/>
                   </a:solidFill>
@@ -27938,7 +27938,7 @@
             </a:ln>
             <a:extLst>
               <a:ext uri="{91240B29-F687-4f45-9708-019B960494DF}">
-                <a14:hiddenLine xmlns="" xmlns:a16="http://schemas.microsoft.com/office/drawing/2014/main" xmlns:p14="http://schemas.microsoft.com/office/powerpoint/2010/main" xmlns:a14="http://schemas.microsoft.com/office/drawing/2010/main" w="9525">
+                <a14:hiddenLine xmlns:a14="http://schemas.microsoft.com/office/drawing/2010/main" xmlns:p14="http://schemas.microsoft.com/office/powerpoint/2010/main" xmlns:a16="http://schemas.microsoft.com/office/drawing/2014/main" xmlns="" w="9525">
                   <a:solidFill>
                     <a:srgbClr val="000000"/>
                   </a:solidFill>
@@ -28043,7 +28043,7 @@
             </a:ln>
             <a:extLst>
               <a:ext uri="{91240B29-F687-4f45-9708-019B960494DF}">
-                <a14:hiddenLine xmlns="" xmlns:a16="http://schemas.microsoft.com/office/drawing/2014/main" xmlns:p14="http://schemas.microsoft.com/office/powerpoint/2010/main" xmlns:a14="http://schemas.microsoft.com/office/drawing/2010/main" w="9525">
+                <a14:hiddenLine xmlns:a14="http://schemas.microsoft.com/office/drawing/2010/main" xmlns:p14="http://schemas.microsoft.com/office/powerpoint/2010/main" xmlns:a16="http://schemas.microsoft.com/office/drawing/2014/main" xmlns="" w="9525">
                   <a:solidFill>
                     <a:srgbClr val="000000"/>
                   </a:solidFill>
@@ -28148,7 +28148,7 @@
             </a:ln>
             <a:extLst>
               <a:ext uri="{91240B29-F687-4f45-9708-019B960494DF}">
-                <a14:hiddenLine xmlns="" xmlns:a16="http://schemas.microsoft.com/office/drawing/2014/main" xmlns:p14="http://schemas.microsoft.com/office/powerpoint/2010/main" xmlns:a14="http://schemas.microsoft.com/office/drawing/2010/main" w="9525">
+                <a14:hiddenLine xmlns:a14="http://schemas.microsoft.com/office/drawing/2010/main" xmlns:p14="http://schemas.microsoft.com/office/powerpoint/2010/main" xmlns:a16="http://schemas.microsoft.com/office/drawing/2014/main" xmlns="" w="9525">
                   <a:solidFill>
                     <a:srgbClr val="000000"/>
                   </a:solidFill>
@@ -28225,7 +28225,7 @@
             </a:ln>
             <a:extLst>
               <a:ext uri="{91240B29-F687-4f45-9708-019B960494DF}">
-                <a14:hiddenLine xmlns="" xmlns:a16="http://schemas.microsoft.com/office/drawing/2014/main" xmlns:p14="http://schemas.microsoft.com/office/powerpoint/2010/main" xmlns:a14="http://schemas.microsoft.com/office/drawing/2010/main" w="9525">
+                <a14:hiddenLine xmlns:a14="http://schemas.microsoft.com/office/drawing/2010/main" xmlns:p14="http://schemas.microsoft.com/office/powerpoint/2010/main" xmlns:a16="http://schemas.microsoft.com/office/drawing/2014/main" xmlns="" w="9525">
                   <a:solidFill>
                     <a:srgbClr val="000000"/>
                   </a:solidFill>
@@ -28350,7 +28350,7 @@
             </a:ln>
             <a:extLst>
               <a:ext uri="{91240B29-F687-4f45-9708-019B960494DF}">
-                <a14:hiddenLine xmlns="" xmlns:a16="http://schemas.microsoft.com/office/drawing/2014/main" xmlns:p14="http://schemas.microsoft.com/office/powerpoint/2010/main" xmlns:a14="http://schemas.microsoft.com/office/drawing/2010/main" w="9525">
+                <a14:hiddenLine xmlns:a14="http://schemas.microsoft.com/office/drawing/2010/main" xmlns:p14="http://schemas.microsoft.com/office/powerpoint/2010/main" xmlns:a16="http://schemas.microsoft.com/office/drawing/2014/main" xmlns="" w="9525">
                   <a:solidFill>
                     <a:srgbClr val="000000"/>
                   </a:solidFill>
@@ -28464,7 +28464,7 @@
             </a:ln>
             <a:extLst>
               <a:ext uri="{91240B29-F687-4f45-9708-019B960494DF}">
-                <a14:hiddenLine xmlns="" xmlns:a16="http://schemas.microsoft.com/office/drawing/2014/main" xmlns:p14="http://schemas.microsoft.com/office/powerpoint/2010/main" xmlns:a14="http://schemas.microsoft.com/office/drawing/2010/main" w="9525">
+                <a14:hiddenLine xmlns:a14="http://schemas.microsoft.com/office/drawing/2010/main" xmlns:p14="http://schemas.microsoft.com/office/powerpoint/2010/main" xmlns:a16="http://schemas.microsoft.com/office/drawing/2014/main" xmlns="" w="9525">
                   <a:solidFill>
                     <a:srgbClr val="000000"/>
                   </a:solidFill>
@@ -28541,7 +28541,7 @@
             </a:ln>
             <a:extLst>
               <a:ext uri="{91240B29-F687-4f45-9708-019B960494DF}">
-                <a14:hiddenLine xmlns="" xmlns:a16="http://schemas.microsoft.com/office/drawing/2014/main" xmlns:p14="http://schemas.microsoft.com/office/powerpoint/2010/main" xmlns:a14="http://schemas.microsoft.com/office/drawing/2010/main" w="9525">
+                <a14:hiddenLine xmlns:a14="http://schemas.microsoft.com/office/drawing/2010/main" xmlns:p14="http://schemas.microsoft.com/office/powerpoint/2010/main" xmlns:a16="http://schemas.microsoft.com/office/drawing/2014/main" xmlns="" w="9525">
                   <a:solidFill>
                     <a:srgbClr val="000000"/>
                   </a:solidFill>
@@ -28618,7 +28618,7 @@
             </a:ln>
             <a:extLst>
               <a:ext uri="{91240B29-F687-4f45-9708-019B960494DF}">
-                <a14:hiddenLine xmlns="" xmlns:a16="http://schemas.microsoft.com/office/drawing/2014/main" xmlns:p14="http://schemas.microsoft.com/office/powerpoint/2010/main" xmlns:a14="http://schemas.microsoft.com/office/drawing/2010/main" w="9525">
+                <a14:hiddenLine xmlns:a14="http://schemas.microsoft.com/office/drawing/2010/main" xmlns:p14="http://schemas.microsoft.com/office/powerpoint/2010/main" xmlns:a16="http://schemas.microsoft.com/office/drawing/2014/main" xmlns="" w="9525">
                   <a:solidFill>
                     <a:srgbClr val="000000"/>
                   </a:solidFill>
@@ -28723,7 +28723,7 @@
             </a:ln>
             <a:extLst>
               <a:ext uri="{91240B29-F687-4f45-9708-019B960494DF}">
-                <a14:hiddenLine xmlns="" xmlns:a16="http://schemas.microsoft.com/office/drawing/2014/main" xmlns:p14="http://schemas.microsoft.com/office/powerpoint/2010/main" xmlns:a14="http://schemas.microsoft.com/office/drawing/2010/main" w="9525">
+                <a14:hiddenLine xmlns:a14="http://schemas.microsoft.com/office/drawing/2010/main" xmlns:p14="http://schemas.microsoft.com/office/powerpoint/2010/main" xmlns:a16="http://schemas.microsoft.com/office/drawing/2014/main" xmlns="" w="9525">
                   <a:solidFill>
                     <a:srgbClr val="000000"/>
                   </a:solidFill>
@@ -28772,7 +28772,7 @@
             </a:ln>
             <a:extLst>
               <a:ext uri="{91240B29-F687-4f45-9708-019B960494DF}">
-                <a14:hiddenLine xmlns="" xmlns:a16="http://schemas.microsoft.com/office/drawing/2014/main" xmlns:p14="http://schemas.microsoft.com/office/powerpoint/2010/main" xmlns:a14="http://schemas.microsoft.com/office/drawing/2010/main" w="9525">
+                <a14:hiddenLine xmlns:a14="http://schemas.microsoft.com/office/drawing/2010/main" xmlns:p14="http://schemas.microsoft.com/office/powerpoint/2010/main" xmlns:a16="http://schemas.microsoft.com/office/drawing/2014/main" xmlns="" w="9525">
                   <a:solidFill>
                     <a:srgbClr val="000000"/>
                   </a:solidFill>
@@ -28852,7 +28852,7 @@
             </a:ln>
             <a:extLst>
               <a:ext uri="{91240B29-F687-4f45-9708-019B960494DF}">
-                <a14:hiddenLine xmlns="" xmlns:a16="http://schemas.microsoft.com/office/drawing/2014/main" xmlns:p14="http://schemas.microsoft.com/office/powerpoint/2010/main" xmlns:a14="http://schemas.microsoft.com/office/drawing/2010/main" w="9525">
+                <a14:hiddenLine xmlns:a14="http://schemas.microsoft.com/office/drawing/2010/main" xmlns:p14="http://schemas.microsoft.com/office/powerpoint/2010/main" xmlns:a16="http://schemas.microsoft.com/office/drawing/2014/main" xmlns="" w="9525">
                   <a:solidFill>
                     <a:srgbClr val="000000"/>
                   </a:solidFill>
@@ -28957,7 +28957,7 @@
             </a:ln>
             <a:extLst>
               <a:ext uri="{91240B29-F687-4f45-9708-019B960494DF}">
-                <a14:hiddenLine xmlns="" xmlns:a16="http://schemas.microsoft.com/office/drawing/2014/main" xmlns:p14="http://schemas.microsoft.com/office/powerpoint/2010/main" xmlns:a14="http://schemas.microsoft.com/office/drawing/2010/main" w="9525">
+                <a14:hiddenLine xmlns:a14="http://schemas.microsoft.com/office/drawing/2010/main" xmlns:p14="http://schemas.microsoft.com/office/powerpoint/2010/main" xmlns:a16="http://schemas.microsoft.com/office/drawing/2014/main" xmlns="" w="9525">
                   <a:solidFill>
                     <a:srgbClr val="000000"/>
                   </a:solidFill>
@@ -29034,7 +29034,7 @@
             </a:ln>
             <a:extLst>
               <a:ext uri="{91240B29-F687-4f45-9708-019B960494DF}">
-                <a14:hiddenLine xmlns="" xmlns:a16="http://schemas.microsoft.com/office/drawing/2014/main" xmlns:p14="http://schemas.microsoft.com/office/powerpoint/2010/main" xmlns:a14="http://schemas.microsoft.com/office/drawing/2010/main" w="9525">
+                <a14:hiddenLine xmlns:a14="http://schemas.microsoft.com/office/drawing/2010/main" xmlns:p14="http://schemas.microsoft.com/office/powerpoint/2010/main" xmlns:a16="http://schemas.microsoft.com/office/drawing/2014/main" xmlns="" w="9525">
                   <a:solidFill>
                     <a:srgbClr val="000000"/>
                   </a:solidFill>
@@ -29139,7 +29139,7 @@
             </a:ln>
             <a:extLst>
               <a:ext uri="{91240B29-F687-4f45-9708-019B960494DF}">
-                <a14:hiddenLine xmlns="" xmlns:a16="http://schemas.microsoft.com/office/drawing/2014/main" xmlns:p14="http://schemas.microsoft.com/office/powerpoint/2010/main" xmlns:a14="http://schemas.microsoft.com/office/drawing/2010/main" w="9525">
+                <a14:hiddenLine xmlns:a14="http://schemas.microsoft.com/office/drawing/2010/main" xmlns:p14="http://schemas.microsoft.com/office/powerpoint/2010/main" xmlns:a16="http://schemas.microsoft.com/office/drawing/2014/main" xmlns="" w="9525">
                   <a:solidFill>
                     <a:srgbClr val="000000"/>
                   </a:solidFill>
@@ -29219,7 +29219,7 @@
             </a:ln>
             <a:extLst>
               <a:ext uri="{91240B29-F687-4f45-9708-019B960494DF}">
-                <a14:hiddenLine xmlns="" xmlns:a16="http://schemas.microsoft.com/office/drawing/2014/main" xmlns:p14="http://schemas.microsoft.com/office/powerpoint/2010/main" xmlns:a14="http://schemas.microsoft.com/office/drawing/2010/main" w="9525">
+                <a14:hiddenLine xmlns:a14="http://schemas.microsoft.com/office/drawing/2010/main" xmlns:p14="http://schemas.microsoft.com/office/powerpoint/2010/main" xmlns:a16="http://schemas.microsoft.com/office/drawing/2014/main" xmlns="" w="9525">
                   <a:solidFill>
                     <a:srgbClr val="000000"/>
                   </a:solidFill>
@@ -29296,7 +29296,7 @@
             </a:ln>
             <a:extLst>
               <a:ext uri="{91240B29-F687-4f45-9708-019B960494DF}">
-                <a14:hiddenLine xmlns="" xmlns:a16="http://schemas.microsoft.com/office/drawing/2014/main" xmlns:p14="http://schemas.microsoft.com/office/powerpoint/2010/main" xmlns:a14="http://schemas.microsoft.com/office/drawing/2010/main" w="9525">
+                <a14:hiddenLine xmlns:a14="http://schemas.microsoft.com/office/drawing/2010/main" xmlns:p14="http://schemas.microsoft.com/office/powerpoint/2010/main" xmlns:a16="http://schemas.microsoft.com/office/drawing/2014/main" xmlns="" w="9525">
                   <a:solidFill>
                     <a:srgbClr val="000000"/>
                   </a:solidFill>
@@ -29401,7 +29401,7 @@
             </a:ln>
             <a:extLst>
               <a:ext uri="{91240B29-F687-4f45-9708-019B960494DF}">
-                <a14:hiddenLine xmlns="" xmlns:a16="http://schemas.microsoft.com/office/drawing/2014/main" xmlns:p14="http://schemas.microsoft.com/office/powerpoint/2010/main" xmlns:a14="http://schemas.microsoft.com/office/drawing/2010/main" w="9525">
+                <a14:hiddenLine xmlns:a14="http://schemas.microsoft.com/office/drawing/2010/main" xmlns:p14="http://schemas.microsoft.com/office/powerpoint/2010/main" xmlns:a16="http://schemas.microsoft.com/office/drawing/2014/main" xmlns="" w="9525">
                   <a:solidFill>
                     <a:srgbClr val="000000"/>
                   </a:solidFill>
@@ -29506,7 +29506,7 @@
             </a:ln>
             <a:extLst>
               <a:ext uri="{91240B29-F687-4f45-9708-019B960494DF}">
-                <a14:hiddenLine xmlns="" xmlns:a16="http://schemas.microsoft.com/office/drawing/2014/main" xmlns:p14="http://schemas.microsoft.com/office/powerpoint/2010/main" xmlns:a14="http://schemas.microsoft.com/office/drawing/2010/main" w="9525">
+                <a14:hiddenLine xmlns:a14="http://schemas.microsoft.com/office/drawing/2010/main" xmlns:p14="http://schemas.microsoft.com/office/powerpoint/2010/main" xmlns:a16="http://schemas.microsoft.com/office/drawing/2014/main" xmlns="" w="9525">
                   <a:solidFill>
                     <a:srgbClr val="000000"/>
                   </a:solidFill>
@@ -29586,7 +29586,7 @@
             </a:ln>
             <a:extLst>
               <a:ext uri="{91240B29-F687-4f45-9708-019B960494DF}">
-                <a14:hiddenLine xmlns="" xmlns:a16="http://schemas.microsoft.com/office/drawing/2014/main" xmlns:p14="http://schemas.microsoft.com/office/powerpoint/2010/main" xmlns:a14="http://schemas.microsoft.com/office/drawing/2010/main" w="9525">
+                <a14:hiddenLine xmlns:a14="http://schemas.microsoft.com/office/drawing/2010/main" xmlns:p14="http://schemas.microsoft.com/office/powerpoint/2010/main" xmlns:a16="http://schemas.microsoft.com/office/drawing/2014/main" xmlns="" w="9525">
                   <a:solidFill>
                     <a:srgbClr val="000000"/>
                   </a:solidFill>
@@ -29721,7 +29721,7 @@
             </a:ln>
             <a:extLst>
               <a:ext uri="{91240B29-F687-4f45-9708-019B960494DF}">
-                <a14:hiddenLine xmlns="" xmlns:a16="http://schemas.microsoft.com/office/drawing/2014/main" xmlns:p14="http://schemas.microsoft.com/office/powerpoint/2010/main" xmlns:a14="http://schemas.microsoft.com/office/drawing/2010/main" w="9525">
+                <a14:hiddenLine xmlns:a14="http://schemas.microsoft.com/office/drawing/2010/main" xmlns:p14="http://schemas.microsoft.com/office/powerpoint/2010/main" xmlns:a16="http://schemas.microsoft.com/office/drawing/2014/main" xmlns="" w="9525">
                   <a:solidFill>
                     <a:srgbClr val="000000"/>
                   </a:solidFill>
@@ -30035,7 +30035,7 @@
             </a:ln>
             <a:extLst>
               <a:ext uri="{91240B29-F687-4f45-9708-019B960494DF}">
-                <a14:hiddenLine xmlns="" xmlns:a16="http://schemas.microsoft.com/office/drawing/2014/main" xmlns:p14="http://schemas.microsoft.com/office/powerpoint/2010/main" xmlns:a14="http://schemas.microsoft.com/office/drawing/2010/main" w="9525">
+                <a14:hiddenLine xmlns:a14="http://schemas.microsoft.com/office/drawing/2010/main" xmlns:p14="http://schemas.microsoft.com/office/powerpoint/2010/main" xmlns:a16="http://schemas.microsoft.com/office/drawing/2014/main" xmlns="" w="9525">
                   <a:solidFill>
                     <a:srgbClr val="000000"/>
                   </a:solidFill>
@@ -30165,7 +30165,7 @@
             </a:ln>
             <a:extLst>
               <a:ext uri="{91240B29-F687-4f45-9708-019B960494DF}">
-                <a14:hiddenLine xmlns="" xmlns:a16="http://schemas.microsoft.com/office/drawing/2014/main" xmlns:p14="http://schemas.microsoft.com/office/powerpoint/2010/main" xmlns:a14="http://schemas.microsoft.com/office/drawing/2010/main" w="9525">
+                <a14:hiddenLine xmlns:a14="http://schemas.microsoft.com/office/drawing/2010/main" xmlns:p14="http://schemas.microsoft.com/office/powerpoint/2010/main" xmlns:a16="http://schemas.microsoft.com/office/drawing/2014/main" xmlns="" w="9525">
                   <a:solidFill>
                     <a:srgbClr val="000000"/>
                   </a:solidFill>
@@ -30270,7 +30270,7 @@
             </a:ln>
             <a:extLst>
               <a:ext uri="{91240B29-F687-4f45-9708-019B960494DF}">
-                <a14:hiddenLine xmlns="" xmlns:a16="http://schemas.microsoft.com/office/drawing/2014/main" xmlns:p14="http://schemas.microsoft.com/office/powerpoint/2010/main" xmlns:a14="http://schemas.microsoft.com/office/drawing/2010/main" w="9525">
+                <a14:hiddenLine xmlns:a14="http://schemas.microsoft.com/office/drawing/2010/main" xmlns:p14="http://schemas.microsoft.com/office/powerpoint/2010/main" xmlns:a16="http://schemas.microsoft.com/office/drawing/2014/main" xmlns="" w="9525">
                   <a:solidFill>
                     <a:srgbClr val="000000"/>
                   </a:solidFill>
@@ -30350,7 +30350,7 @@
             </a:ln>
             <a:extLst>
               <a:ext uri="{91240B29-F687-4f45-9708-019B960494DF}">
-                <a14:hiddenLine xmlns="" xmlns:a16="http://schemas.microsoft.com/office/drawing/2014/main" xmlns:p14="http://schemas.microsoft.com/office/powerpoint/2010/main" xmlns:a14="http://schemas.microsoft.com/office/drawing/2010/main" w="9525">
+                <a14:hiddenLine xmlns:a14="http://schemas.microsoft.com/office/drawing/2010/main" xmlns:p14="http://schemas.microsoft.com/office/powerpoint/2010/main" xmlns:a16="http://schemas.microsoft.com/office/drawing/2014/main" xmlns="" w="9525">
                   <a:solidFill>
                     <a:srgbClr val="000000"/>
                   </a:solidFill>
@@ -30455,7 +30455,7 @@
             </a:ln>
             <a:extLst>
               <a:ext uri="{91240B29-F687-4f45-9708-019B960494DF}">
-                <a14:hiddenLine xmlns="" xmlns:a16="http://schemas.microsoft.com/office/drawing/2014/main" xmlns:p14="http://schemas.microsoft.com/office/powerpoint/2010/main" xmlns:a14="http://schemas.microsoft.com/office/drawing/2010/main" w="9525">
+                <a14:hiddenLine xmlns:a14="http://schemas.microsoft.com/office/drawing/2010/main" xmlns:p14="http://schemas.microsoft.com/office/powerpoint/2010/main" xmlns:a16="http://schemas.microsoft.com/office/drawing/2014/main" xmlns="" w="9525">
                   <a:solidFill>
                     <a:srgbClr val="000000"/>
                   </a:solidFill>
@@ -30538,7 +30538,7 @@
             </a:ln>
             <a:extLst>
               <a:ext uri="{91240B29-F687-4f45-9708-019B960494DF}">
-                <a14:hiddenLine xmlns="" xmlns:a16="http://schemas.microsoft.com/office/drawing/2014/main" xmlns:p14="http://schemas.microsoft.com/office/powerpoint/2010/main" xmlns:a14="http://schemas.microsoft.com/office/drawing/2010/main" w="9525">
+                <a14:hiddenLine xmlns:a14="http://schemas.microsoft.com/office/drawing/2010/main" xmlns:p14="http://schemas.microsoft.com/office/powerpoint/2010/main" xmlns:a16="http://schemas.microsoft.com/office/drawing/2014/main" xmlns="" w="9525">
                   <a:solidFill>
                     <a:srgbClr val="000000"/>
                   </a:solidFill>
@@ -30643,7 +30643,7 @@
             </a:ln>
             <a:extLst>
               <a:ext uri="{91240B29-F687-4f45-9708-019B960494DF}">
-                <a14:hiddenLine xmlns="" xmlns:a16="http://schemas.microsoft.com/office/drawing/2014/main" xmlns:p14="http://schemas.microsoft.com/office/powerpoint/2010/main" xmlns:a14="http://schemas.microsoft.com/office/drawing/2010/main" w="9525">
+                <a14:hiddenLine xmlns:a14="http://schemas.microsoft.com/office/drawing/2010/main" xmlns:p14="http://schemas.microsoft.com/office/powerpoint/2010/main" xmlns:a16="http://schemas.microsoft.com/office/drawing/2014/main" xmlns="" w="9525">
                   <a:solidFill>
                     <a:srgbClr val="000000"/>
                   </a:solidFill>
@@ -30726,7 +30726,7 @@
             </a:ln>
             <a:extLst>
               <a:ext uri="{91240B29-F687-4f45-9708-019B960494DF}">
-                <a14:hiddenLine xmlns="" xmlns:a16="http://schemas.microsoft.com/office/drawing/2014/main" xmlns:p14="http://schemas.microsoft.com/office/powerpoint/2010/main" xmlns:a14="http://schemas.microsoft.com/office/drawing/2010/main" w="9525">
+                <a14:hiddenLine xmlns:a14="http://schemas.microsoft.com/office/drawing/2010/main" xmlns:p14="http://schemas.microsoft.com/office/powerpoint/2010/main" xmlns:a16="http://schemas.microsoft.com/office/drawing/2014/main" xmlns="" w="9525">
                   <a:solidFill>
                     <a:srgbClr val="000000"/>
                   </a:solidFill>
@@ -30831,7 +30831,7 @@
             </a:ln>
             <a:extLst>
               <a:ext uri="{91240B29-F687-4f45-9708-019B960494DF}">
-                <a14:hiddenLine xmlns="" xmlns:a16="http://schemas.microsoft.com/office/drawing/2014/main" xmlns:p14="http://schemas.microsoft.com/office/powerpoint/2010/main" xmlns:a14="http://schemas.microsoft.com/office/drawing/2010/main" w="9525">
+                <a14:hiddenLine xmlns:a14="http://schemas.microsoft.com/office/drawing/2010/main" xmlns:p14="http://schemas.microsoft.com/office/powerpoint/2010/main" xmlns:a16="http://schemas.microsoft.com/office/drawing/2014/main" xmlns="" w="9525">
                   <a:solidFill>
                     <a:srgbClr val="000000"/>
                   </a:solidFill>
@@ -30880,7 +30880,7 @@
             </a:ln>
             <a:extLst>
               <a:ext uri="{91240B29-F687-4f45-9708-019B960494DF}">
-                <a14:hiddenLine xmlns="" xmlns:a16="http://schemas.microsoft.com/office/drawing/2014/main" xmlns:p14="http://schemas.microsoft.com/office/powerpoint/2010/main" xmlns:a14="http://schemas.microsoft.com/office/drawing/2010/main" w="9525">
+                <a14:hiddenLine xmlns:a14="http://schemas.microsoft.com/office/drawing/2010/main" xmlns:p14="http://schemas.microsoft.com/office/powerpoint/2010/main" xmlns:a16="http://schemas.microsoft.com/office/drawing/2014/main" xmlns="" w="9525">
                   <a:solidFill>
                     <a:srgbClr val="000000"/>
                   </a:solidFill>
@@ -31224,7 +31224,7 @@
             <a:pPr lvl="1"/>
             <a:r>
               <a:rPr lang="pt-PT" sz="2200" dirty="0"/>
-              <a:t>A principal dificuldade foi provavelmente a partilha de informação de objetos entre todas as classes (por exemplo, um objeto </a:t>
+              <a:t>A principal dificuldade foi, provavelmente, a partilha de informação de objetos entre todas as classes (por exemplo, um objeto </a:t>
             </a:r>
             <a:r>
               <a:rPr lang="pt-PT" sz="2200" dirty="0" err="1"/>
@@ -34113,7 +34113,7 @@
           <a:noFill/>
           <a:extLst>
             <a:ext uri="{909E8E84-426E-40dd-AFC4-6F175D3DCCD1}">
-              <a14:hiddenFill xmlns:a14="http://schemas.microsoft.com/office/drawing/2010/main" xmlns:p14="http://schemas.microsoft.com/office/powerpoint/2010/main" xmlns:a16="http://schemas.microsoft.com/office/drawing/2014/main" xmlns="">
+              <a14:hiddenFill xmlns="" xmlns:a16="http://schemas.microsoft.com/office/drawing/2014/main" xmlns:p14="http://schemas.microsoft.com/office/powerpoint/2010/main" xmlns:a14="http://schemas.microsoft.com/office/drawing/2010/main">
                 <a:solidFill>
                   <a:srgbClr val="FFFFFF"/>
                 </a:solidFill>
@@ -34234,7 +34234,7 @@
               </a:ln>
               <a:extLst>
                 <a:ext uri="{91240B29-F687-4f45-9708-019B960494DF}">
-                  <a14:hiddenLine xmlns:a14="http://schemas.microsoft.com/office/drawing/2010/main" xmlns:p14="http://schemas.microsoft.com/office/powerpoint/2010/main" xmlns:a16="http://schemas.microsoft.com/office/drawing/2014/main" xmlns="" w="9525">
+                  <a14:hiddenLine xmlns="" xmlns:a16="http://schemas.microsoft.com/office/drawing/2014/main" xmlns:p14="http://schemas.microsoft.com/office/powerpoint/2010/main" xmlns:a14="http://schemas.microsoft.com/office/drawing/2010/main" w="9525">
                     <a:solidFill>
                       <a:srgbClr val="000000"/>
                     </a:solidFill>
@@ -34339,7 +34339,7 @@
               </a:ln>
               <a:extLst>
                 <a:ext uri="{91240B29-F687-4f45-9708-019B960494DF}">
-                  <a14:hiddenLine xmlns:a14="http://schemas.microsoft.com/office/drawing/2010/main" xmlns:p14="http://schemas.microsoft.com/office/powerpoint/2010/main" xmlns:a16="http://schemas.microsoft.com/office/drawing/2014/main" xmlns="" w="9525">
+                  <a14:hiddenLine xmlns="" xmlns:a16="http://schemas.microsoft.com/office/drawing/2014/main" xmlns:p14="http://schemas.microsoft.com/office/powerpoint/2010/main" xmlns:a14="http://schemas.microsoft.com/office/drawing/2010/main" w="9525">
                     <a:solidFill>
                       <a:srgbClr val="000000"/>
                     </a:solidFill>
@@ -34444,7 +34444,7 @@
               </a:ln>
               <a:extLst>
                 <a:ext uri="{91240B29-F687-4f45-9708-019B960494DF}">
-                  <a14:hiddenLine xmlns:a14="http://schemas.microsoft.com/office/drawing/2010/main" xmlns:p14="http://schemas.microsoft.com/office/powerpoint/2010/main" xmlns:a16="http://schemas.microsoft.com/office/drawing/2014/main" xmlns="" w="9525">
+                  <a14:hiddenLine xmlns="" xmlns:a16="http://schemas.microsoft.com/office/drawing/2014/main" xmlns:p14="http://schemas.microsoft.com/office/powerpoint/2010/main" xmlns:a14="http://schemas.microsoft.com/office/drawing/2010/main" w="9525">
                     <a:solidFill>
                       <a:srgbClr val="000000"/>
                     </a:solidFill>
@@ -34521,7 +34521,7 @@
               </a:ln>
               <a:extLst>
                 <a:ext uri="{91240B29-F687-4f45-9708-019B960494DF}">
-                  <a14:hiddenLine xmlns:a14="http://schemas.microsoft.com/office/drawing/2010/main" xmlns:p14="http://schemas.microsoft.com/office/powerpoint/2010/main" xmlns:a16="http://schemas.microsoft.com/office/drawing/2014/main" xmlns="" w="9525">
+                  <a14:hiddenLine xmlns="" xmlns:a16="http://schemas.microsoft.com/office/drawing/2014/main" xmlns:p14="http://schemas.microsoft.com/office/powerpoint/2010/main" xmlns:a14="http://schemas.microsoft.com/office/drawing/2010/main" w="9525">
                     <a:solidFill>
                       <a:srgbClr val="000000"/>
                     </a:solidFill>
@@ -34626,7 +34626,7 @@
               </a:ln>
               <a:extLst>
                 <a:ext uri="{91240B29-F687-4f45-9708-019B960494DF}">
-                  <a14:hiddenLine xmlns:a14="http://schemas.microsoft.com/office/drawing/2010/main" xmlns:p14="http://schemas.microsoft.com/office/powerpoint/2010/main" xmlns:a16="http://schemas.microsoft.com/office/drawing/2014/main" xmlns="" w="9525">
+                  <a14:hiddenLine xmlns="" xmlns:a16="http://schemas.microsoft.com/office/drawing/2014/main" xmlns:p14="http://schemas.microsoft.com/office/powerpoint/2010/main" xmlns:a14="http://schemas.microsoft.com/office/drawing/2010/main" w="9525">
                     <a:solidFill>
                       <a:srgbClr val="000000"/>
                     </a:solidFill>
@@ -34703,7 +34703,7 @@
               </a:ln>
               <a:extLst>
                 <a:ext uri="{91240B29-F687-4f45-9708-019B960494DF}">
-                  <a14:hiddenLine xmlns:a14="http://schemas.microsoft.com/office/drawing/2010/main" xmlns:p14="http://schemas.microsoft.com/office/powerpoint/2010/main" xmlns:a16="http://schemas.microsoft.com/office/drawing/2014/main" xmlns="" w="9525">
+                  <a14:hiddenLine xmlns="" xmlns:a16="http://schemas.microsoft.com/office/drawing/2014/main" xmlns:p14="http://schemas.microsoft.com/office/powerpoint/2010/main" xmlns:a14="http://schemas.microsoft.com/office/drawing/2010/main" w="9525">
                     <a:solidFill>
                       <a:srgbClr val="000000"/>
                     </a:solidFill>
@@ -34780,7 +34780,7 @@
               </a:ln>
               <a:extLst>
                 <a:ext uri="{91240B29-F687-4f45-9708-019B960494DF}">
-                  <a14:hiddenLine xmlns:a14="http://schemas.microsoft.com/office/drawing/2010/main" xmlns:p14="http://schemas.microsoft.com/office/powerpoint/2010/main" xmlns:a16="http://schemas.microsoft.com/office/drawing/2014/main" xmlns="" w="9525">
+                  <a14:hiddenLine xmlns="" xmlns:a16="http://schemas.microsoft.com/office/drawing/2014/main" xmlns:p14="http://schemas.microsoft.com/office/powerpoint/2010/main" xmlns:a14="http://schemas.microsoft.com/office/drawing/2010/main" w="9525">
                     <a:solidFill>
                       <a:srgbClr val="000000"/>
                     </a:solidFill>
@@ -34885,7 +34885,7 @@
               </a:ln>
               <a:extLst>
                 <a:ext uri="{91240B29-F687-4f45-9708-019B960494DF}">
-                  <a14:hiddenLine xmlns:a14="http://schemas.microsoft.com/office/drawing/2010/main" xmlns:p14="http://schemas.microsoft.com/office/powerpoint/2010/main" xmlns:a16="http://schemas.microsoft.com/office/drawing/2014/main" xmlns="" w="9525">
+                  <a14:hiddenLine xmlns="" xmlns:a16="http://schemas.microsoft.com/office/drawing/2014/main" xmlns:p14="http://schemas.microsoft.com/office/powerpoint/2010/main" xmlns:a14="http://schemas.microsoft.com/office/drawing/2010/main" w="9525">
                     <a:solidFill>
                       <a:srgbClr val="000000"/>
                     </a:solidFill>
@@ -34990,7 +34990,7 @@
               </a:ln>
               <a:extLst>
                 <a:ext uri="{91240B29-F687-4f45-9708-019B960494DF}">
-                  <a14:hiddenLine xmlns:a14="http://schemas.microsoft.com/office/drawing/2010/main" xmlns:p14="http://schemas.microsoft.com/office/powerpoint/2010/main" xmlns:a16="http://schemas.microsoft.com/office/drawing/2014/main" xmlns="" w="9525">
+                  <a14:hiddenLine xmlns="" xmlns:a16="http://schemas.microsoft.com/office/drawing/2014/main" xmlns:p14="http://schemas.microsoft.com/office/powerpoint/2010/main" xmlns:a14="http://schemas.microsoft.com/office/drawing/2010/main" w="9525">
                     <a:solidFill>
                       <a:srgbClr val="000000"/>
                     </a:solidFill>
@@ -35067,7 +35067,7 @@
               </a:ln>
               <a:extLst>
                 <a:ext uri="{91240B29-F687-4f45-9708-019B960494DF}">
-                  <a14:hiddenLine xmlns:a14="http://schemas.microsoft.com/office/drawing/2010/main" xmlns:p14="http://schemas.microsoft.com/office/powerpoint/2010/main" xmlns:a16="http://schemas.microsoft.com/office/drawing/2014/main" xmlns="" w="9525">
+                  <a14:hiddenLine xmlns="" xmlns:a16="http://schemas.microsoft.com/office/drawing/2014/main" xmlns:p14="http://schemas.microsoft.com/office/powerpoint/2010/main" xmlns:a14="http://schemas.microsoft.com/office/drawing/2010/main" w="9525">
                     <a:solidFill>
                       <a:srgbClr val="000000"/>
                     </a:solidFill>
@@ -35192,7 +35192,7 @@
               </a:ln>
               <a:extLst>
                 <a:ext uri="{91240B29-F687-4f45-9708-019B960494DF}">
-                  <a14:hiddenLine xmlns:a14="http://schemas.microsoft.com/office/drawing/2010/main" xmlns:p14="http://schemas.microsoft.com/office/powerpoint/2010/main" xmlns:a16="http://schemas.microsoft.com/office/drawing/2014/main" xmlns="" w="9525">
+                  <a14:hiddenLine xmlns="" xmlns:a16="http://schemas.microsoft.com/office/drawing/2014/main" xmlns:p14="http://schemas.microsoft.com/office/powerpoint/2010/main" xmlns:a14="http://schemas.microsoft.com/office/drawing/2010/main" w="9525">
                     <a:solidFill>
                       <a:srgbClr val="000000"/>
                     </a:solidFill>
@@ -35306,7 +35306,7 @@
               </a:ln>
               <a:extLst>
                 <a:ext uri="{91240B29-F687-4f45-9708-019B960494DF}">
-                  <a14:hiddenLine xmlns:a14="http://schemas.microsoft.com/office/drawing/2010/main" xmlns:p14="http://schemas.microsoft.com/office/powerpoint/2010/main" xmlns:a16="http://schemas.microsoft.com/office/drawing/2014/main" xmlns="" w="9525">
+                  <a14:hiddenLine xmlns="" xmlns:a16="http://schemas.microsoft.com/office/drawing/2014/main" xmlns:p14="http://schemas.microsoft.com/office/powerpoint/2010/main" xmlns:a14="http://schemas.microsoft.com/office/drawing/2010/main" w="9525">
                     <a:solidFill>
                       <a:srgbClr val="000000"/>
                     </a:solidFill>
@@ -35383,7 +35383,7 @@
               </a:ln>
               <a:extLst>
                 <a:ext uri="{91240B29-F687-4f45-9708-019B960494DF}">
-                  <a14:hiddenLine xmlns:a14="http://schemas.microsoft.com/office/drawing/2010/main" xmlns:p14="http://schemas.microsoft.com/office/powerpoint/2010/main" xmlns:a16="http://schemas.microsoft.com/office/drawing/2014/main" xmlns="" w="9525">
+                  <a14:hiddenLine xmlns="" xmlns:a16="http://schemas.microsoft.com/office/drawing/2014/main" xmlns:p14="http://schemas.microsoft.com/office/powerpoint/2010/main" xmlns:a14="http://schemas.microsoft.com/office/drawing/2010/main" w="9525">
                     <a:solidFill>
                       <a:srgbClr val="000000"/>
                     </a:solidFill>
@@ -35460,7 +35460,7 @@
               </a:ln>
               <a:extLst>
                 <a:ext uri="{91240B29-F687-4f45-9708-019B960494DF}">
-                  <a14:hiddenLine xmlns:a14="http://schemas.microsoft.com/office/drawing/2010/main" xmlns:p14="http://schemas.microsoft.com/office/powerpoint/2010/main" xmlns:a16="http://schemas.microsoft.com/office/drawing/2014/main" xmlns="" w="9525">
+                  <a14:hiddenLine xmlns="" xmlns:a16="http://schemas.microsoft.com/office/drawing/2014/main" xmlns:p14="http://schemas.microsoft.com/office/powerpoint/2010/main" xmlns:a14="http://schemas.microsoft.com/office/drawing/2010/main" w="9525">
                     <a:solidFill>
                       <a:srgbClr val="000000"/>
                     </a:solidFill>
@@ -35565,7 +35565,7 @@
               </a:ln>
               <a:extLst>
                 <a:ext uri="{91240B29-F687-4f45-9708-019B960494DF}">
-                  <a14:hiddenLine xmlns:a14="http://schemas.microsoft.com/office/drawing/2010/main" xmlns:p14="http://schemas.microsoft.com/office/powerpoint/2010/main" xmlns:a16="http://schemas.microsoft.com/office/drawing/2014/main" xmlns="" w="9525">
+                  <a14:hiddenLine xmlns="" xmlns:a16="http://schemas.microsoft.com/office/drawing/2014/main" xmlns:p14="http://schemas.microsoft.com/office/powerpoint/2010/main" xmlns:a14="http://schemas.microsoft.com/office/drawing/2010/main" w="9525">
                     <a:solidFill>
                       <a:srgbClr val="000000"/>
                     </a:solidFill>
@@ -35614,7 +35614,7 @@
               </a:ln>
               <a:extLst>
                 <a:ext uri="{91240B29-F687-4f45-9708-019B960494DF}">
-                  <a14:hiddenLine xmlns:a14="http://schemas.microsoft.com/office/drawing/2010/main" xmlns:p14="http://schemas.microsoft.com/office/powerpoint/2010/main" xmlns:a16="http://schemas.microsoft.com/office/drawing/2014/main" xmlns="" w="9525">
+                  <a14:hiddenLine xmlns="" xmlns:a16="http://schemas.microsoft.com/office/drawing/2014/main" xmlns:p14="http://schemas.microsoft.com/office/powerpoint/2010/main" xmlns:a14="http://schemas.microsoft.com/office/drawing/2010/main" w="9525">
                     <a:solidFill>
                       <a:srgbClr val="000000"/>
                     </a:solidFill>
@@ -35694,7 +35694,7 @@
               </a:ln>
               <a:extLst>
                 <a:ext uri="{91240B29-F687-4f45-9708-019B960494DF}">
-                  <a14:hiddenLine xmlns:a14="http://schemas.microsoft.com/office/drawing/2010/main" xmlns:p14="http://schemas.microsoft.com/office/powerpoint/2010/main" xmlns:a16="http://schemas.microsoft.com/office/drawing/2014/main" xmlns="" w="9525">
+                  <a14:hiddenLine xmlns="" xmlns:a16="http://schemas.microsoft.com/office/drawing/2014/main" xmlns:p14="http://schemas.microsoft.com/office/powerpoint/2010/main" xmlns:a14="http://schemas.microsoft.com/office/drawing/2010/main" w="9525">
                     <a:solidFill>
                       <a:srgbClr val="000000"/>
                     </a:solidFill>
@@ -35799,7 +35799,7 @@
               </a:ln>
               <a:extLst>
                 <a:ext uri="{91240B29-F687-4f45-9708-019B960494DF}">
-                  <a14:hiddenLine xmlns:a14="http://schemas.microsoft.com/office/drawing/2010/main" xmlns:p14="http://schemas.microsoft.com/office/powerpoint/2010/main" xmlns:a16="http://schemas.microsoft.com/office/drawing/2014/main" xmlns="" w="9525">
+                  <a14:hiddenLine xmlns="" xmlns:a16="http://schemas.microsoft.com/office/drawing/2014/main" xmlns:p14="http://schemas.microsoft.com/office/powerpoint/2010/main" xmlns:a14="http://schemas.microsoft.com/office/drawing/2010/main" w="9525">
                     <a:solidFill>
                       <a:srgbClr val="000000"/>
                     </a:solidFill>
@@ -35876,7 +35876,7 @@
               </a:ln>
               <a:extLst>
                 <a:ext uri="{91240B29-F687-4f45-9708-019B960494DF}">
-                  <a14:hiddenLine xmlns:a14="http://schemas.microsoft.com/office/drawing/2010/main" xmlns:p14="http://schemas.microsoft.com/office/powerpoint/2010/main" xmlns:a16="http://schemas.microsoft.com/office/drawing/2014/main" xmlns="" w="9525">
+                  <a14:hiddenLine xmlns="" xmlns:a16="http://schemas.microsoft.com/office/drawing/2014/main" xmlns:p14="http://schemas.microsoft.com/office/powerpoint/2010/main" xmlns:a14="http://schemas.microsoft.com/office/drawing/2010/main" w="9525">
                     <a:solidFill>
                       <a:srgbClr val="000000"/>
                     </a:solidFill>
@@ -35981,7 +35981,7 @@
               </a:ln>
               <a:extLst>
                 <a:ext uri="{91240B29-F687-4f45-9708-019B960494DF}">
-                  <a14:hiddenLine xmlns:a14="http://schemas.microsoft.com/office/drawing/2010/main" xmlns:p14="http://schemas.microsoft.com/office/powerpoint/2010/main" xmlns:a16="http://schemas.microsoft.com/office/drawing/2014/main" xmlns="" w="9525">
+                  <a14:hiddenLine xmlns="" xmlns:a16="http://schemas.microsoft.com/office/drawing/2014/main" xmlns:p14="http://schemas.microsoft.com/office/powerpoint/2010/main" xmlns:a14="http://schemas.microsoft.com/office/drawing/2010/main" w="9525">
                     <a:solidFill>
                       <a:srgbClr val="000000"/>
                     </a:solidFill>
@@ -36061,7 +36061,7 @@
               </a:ln>
               <a:extLst>
                 <a:ext uri="{91240B29-F687-4f45-9708-019B960494DF}">
-                  <a14:hiddenLine xmlns:a14="http://schemas.microsoft.com/office/drawing/2010/main" xmlns:p14="http://schemas.microsoft.com/office/powerpoint/2010/main" xmlns:a16="http://schemas.microsoft.com/office/drawing/2014/main" xmlns="" w="9525">
+                  <a14:hiddenLine xmlns="" xmlns:a16="http://schemas.microsoft.com/office/drawing/2014/main" xmlns:p14="http://schemas.microsoft.com/office/powerpoint/2010/main" xmlns:a14="http://schemas.microsoft.com/office/drawing/2010/main" w="9525">
                     <a:solidFill>
                       <a:srgbClr val="000000"/>
                     </a:solidFill>
@@ -36138,7 +36138,7 @@
               </a:ln>
               <a:extLst>
                 <a:ext uri="{91240B29-F687-4f45-9708-019B960494DF}">
-                  <a14:hiddenLine xmlns:a14="http://schemas.microsoft.com/office/drawing/2010/main" xmlns:p14="http://schemas.microsoft.com/office/powerpoint/2010/main" xmlns:a16="http://schemas.microsoft.com/office/drawing/2014/main" xmlns="" w="9525">
+                  <a14:hiddenLine xmlns="" xmlns:a16="http://schemas.microsoft.com/office/drawing/2014/main" xmlns:p14="http://schemas.microsoft.com/office/powerpoint/2010/main" xmlns:a14="http://schemas.microsoft.com/office/drawing/2010/main" w="9525">
                     <a:solidFill>
                       <a:srgbClr val="000000"/>
                     </a:solidFill>
@@ -36243,7 +36243,7 @@
               </a:ln>
               <a:extLst>
                 <a:ext uri="{91240B29-F687-4f45-9708-019B960494DF}">
-                  <a14:hiddenLine xmlns:a14="http://schemas.microsoft.com/office/drawing/2010/main" xmlns:p14="http://schemas.microsoft.com/office/powerpoint/2010/main" xmlns:a16="http://schemas.microsoft.com/office/drawing/2014/main" xmlns="" w="9525">
+                  <a14:hiddenLine xmlns="" xmlns:a16="http://schemas.microsoft.com/office/drawing/2014/main" xmlns:p14="http://schemas.microsoft.com/office/powerpoint/2010/main" xmlns:a14="http://schemas.microsoft.com/office/drawing/2010/main" w="9525">
                     <a:solidFill>
                       <a:srgbClr val="000000"/>
                     </a:solidFill>
@@ -36348,7 +36348,7 @@
               </a:ln>
               <a:extLst>
                 <a:ext uri="{91240B29-F687-4f45-9708-019B960494DF}">
-                  <a14:hiddenLine xmlns:a14="http://schemas.microsoft.com/office/drawing/2010/main" xmlns:p14="http://schemas.microsoft.com/office/powerpoint/2010/main" xmlns:a16="http://schemas.microsoft.com/office/drawing/2014/main" xmlns="" w="9525">
+                  <a14:hiddenLine xmlns="" xmlns:a16="http://schemas.microsoft.com/office/drawing/2014/main" xmlns:p14="http://schemas.microsoft.com/office/powerpoint/2010/main" xmlns:a14="http://schemas.microsoft.com/office/drawing/2010/main" w="9525">
                     <a:solidFill>
                       <a:srgbClr val="000000"/>
                     </a:solidFill>
@@ -36428,7 +36428,7 @@
               </a:ln>
               <a:extLst>
                 <a:ext uri="{91240B29-F687-4f45-9708-019B960494DF}">
-                  <a14:hiddenLine xmlns:a14="http://schemas.microsoft.com/office/drawing/2010/main" xmlns:p14="http://schemas.microsoft.com/office/powerpoint/2010/main" xmlns:a16="http://schemas.microsoft.com/office/drawing/2014/main" xmlns="" w="9525">
+                  <a14:hiddenLine xmlns="" xmlns:a16="http://schemas.microsoft.com/office/drawing/2014/main" xmlns:p14="http://schemas.microsoft.com/office/powerpoint/2010/main" xmlns:a14="http://schemas.microsoft.com/office/drawing/2010/main" w="9525">
                     <a:solidFill>
                       <a:srgbClr val="000000"/>
                     </a:solidFill>
@@ -36563,7 +36563,7 @@
               </a:ln>
               <a:extLst>
                 <a:ext uri="{91240B29-F687-4f45-9708-019B960494DF}">
-                  <a14:hiddenLine xmlns:a14="http://schemas.microsoft.com/office/drawing/2010/main" xmlns:p14="http://schemas.microsoft.com/office/powerpoint/2010/main" xmlns:a16="http://schemas.microsoft.com/office/drawing/2014/main" xmlns="" w="9525">
+                  <a14:hiddenLine xmlns="" xmlns:a16="http://schemas.microsoft.com/office/drawing/2014/main" xmlns:p14="http://schemas.microsoft.com/office/powerpoint/2010/main" xmlns:a14="http://schemas.microsoft.com/office/drawing/2010/main" w="9525">
                     <a:solidFill>
                       <a:srgbClr val="000000"/>
                     </a:solidFill>
@@ -36691,7 +36691,7 @@
               </a:ln>
               <a:extLst>
                 <a:ext uri="{91240B29-F687-4f45-9708-019B960494DF}">
-                  <a14:hiddenLine xmlns:a14="http://schemas.microsoft.com/office/drawing/2010/main" xmlns:p14="http://schemas.microsoft.com/office/powerpoint/2010/main" xmlns:a16="http://schemas.microsoft.com/office/drawing/2014/main" xmlns="" w="9525">
+                  <a14:hiddenLine xmlns="" xmlns:a16="http://schemas.microsoft.com/office/drawing/2014/main" xmlns:p14="http://schemas.microsoft.com/office/powerpoint/2010/main" xmlns:a14="http://schemas.microsoft.com/office/drawing/2010/main" w="9525">
                     <a:solidFill>
                       <a:srgbClr val="000000"/>
                     </a:solidFill>
@@ -36821,7 +36821,7 @@
               </a:ln>
               <a:extLst>
                 <a:ext uri="{91240B29-F687-4f45-9708-019B960494DF}">
-                  <a14:hiddenLine xmlns:a14="http://schemas.microsoft.com/office/drawing/2010/main" xmlns:p14="http://schemas.microsoft.com/office/powerpoint/2010/main" xmlns:a16="http://schemas.microsoft.com/office/drawing/2014/main" xmlns="" w="9525">
+                  <a14:hiddenLine xmlns="" xmlns:a16="http://schemas.microsoft.com/office/drawing/2014/main" xmlns:p14="http://schemas.microsoft.com/office/powerpoint/2010/main" xmlns:a14="http://schemas.microsoft.com/office/drawing/2010/main" w="9525">
                     <a:solidFill>
                       <a:srgbClr val="000000"/>
                     </a:solidFill>
@@ -36926,7 +36926,7 @@
               </a:ln>
               <a:extLst>
                 <a:ext uri="{91240B29-F687-4f45-9708-019B960494DF}">
-                  <a14:hiddenLine xmlns:a14="http://schemas.microsoft.com/office/drawing/2010/main" xmlns:p14="http://schemas.microsoft.com/office/powerpoint/2010/main" xmlns:a16="http://schemas.microsoft.com/office/drawing/2014/main" xmlns="" w="9525">
+                  <a14:hiddenLine xmlns="" xmlns:a16="http://schemas.microsoft.com/office/drawing/2014/main" xmlns:p14="http://schemas.microsoft.com/office/powerpoint/2010/main" xmlns:a14="http://schemas.microsoft.com/office/drawing/2010/main" w="9525">
                     <a:solidFill>
                       <a:srgbClr val="000000"/>
                     </a:solidFill>
@@ -37006,7 +37006,7 @@
               </a:ln>
               <a:extLst>
                 <a:ext uri="{91240B29-F687-4f45-9708-019B960494DF}">
-                  <a14:hiddenLine xmlns:a14="http://schemas.microsoft.com/office/drawing/2010/main" xmlns:p14="http://schemas.microsoft.com/office/powerpoint/2010/main" xmlns:a16="http://schemas.microsoft.com/office/drawing/2014/main" xmlns="" w="9525">
+                  <a14:hiddenLine xmlns="" xmlns:a16="http://schemas.microsoft.com/office/drawing/2014/main" xmlns:p14="http://schemas.microsoft.com/office/powerpoint/2010/main" xmlns:a14="http://schemas.microsoft.com/office/drawing/2010/main" w="9525">
                     <a:solidFill>
                       <a:srgbClr val="000000"/>
                     </a:solidFill>
@@ -37111,7 +37111,7 @@
               </a:ln>
               <a:extLst>
                 <a:ext uri="{91240B29-F687-4f45-9708-019B960494DF}">
-                  <a14:hiddenLine xmlns:a14="http://schemas.microsoft.com/office/drawing/2010/main" xmlns:p14="http://schemas.microsoft.com/office/powerpoint/2010/main" xmlns:a16="http://schemas.microsoft.com/office/drawing/2014/main" xmlns="" w="9525">
+                  <a14:hiddenLine xmlns="" xmlns:a16="http://schemas.microsoft.com/office/drawing/2014/main" xmlns:p14="http://schemas.microsoft.com/office/powerpoint/2010/main" xmlns:a14="http://schemas.microsoft.com/office/drawing/2010/main" w="9525">
                     <a:solidFill>
                       <a:srgbClr val="000000"/>
                     </a:solidFill>
@@ -37194,7 +37194,7 @@
               </a:ln>
               <a:extLst>
                 <a:ext uri="{91240B29-F687-4f45-9708-019B960494DF}">
-                  <a14:hiddenLine xmlns:a14="http://schemas.microsoft.com/office/drawing/2010/main" xmlns:p14="http://schemas.microsoft.com/office/powerpoint/2010/main" xmlns:a16="http://schemas.microsoft.com/office/drawing/2014/main" xmlns="" w="9525">
+                  <a14:hiddenLine xmlns="" xmlns:a16="http://schemas.microsoft.com/office/drawing/2014/main" xmlns:p14="http://schemas.microsoft.com/office/powerpoint/2010/main" xmlns:a14="http://schemas.microsoft.com/office/drawing/2010/main" w="9525">
                     <a:solidFill>
                       <a:srgbClr val="000000"/>
                     </a:solidFill>
@@ -37299,7 +37299,7 @@
               </a:ln>
               <a:extLst>
                 <a:ext uri="{91240B29-F687-4f45-9708-019B960494DF}">
-                  <a14:hiddenLine xmlns:a14="http://schemas.microsoft.com/office/drawing/2010/main" xmlns:p14="http://schemas.microsoft.com/office/powerpoint/2010/main" xmlns:a16="http://schemas.microsoft.com/office/drawing/2014/main" xmlns="" w="9525">
+                  <a14:hiddenLine xmlns="" xmlns:a16="http://schemas.microsoft.com/office/drawing/2014/main" xmlns:p14="http://schemas.microsoft.com/office/powerpoint/2010/main" xmlns:a14="http://schemas.microsoft.com/office/drawing/2010/main" w="9525">
                     <a:solidFill>
                       <a:srgbClr val="000000"/>
                     </a:solidFill>
@@ -37382,7 +37382,7 @@
               </a:ln>
               <a:extLst>
                 <a:ext uri="{91240B29-F687-4f45-9708-019B960494DF}">
-                  <a14:hiddenLine xmlns:a14="http://schemas.microsoft.com/office/drawing/2010/main" xmlns:p14="http://schemas.microsoft.com/office/powerpoint/2010/main" xmlns:a16="http://schemas.microsoft.com/office/drawing/2014/main" xmlns="" w="9525">
+                  <a14:hiddenLine xmlns="" xmlns:a16="http://schemas.microsoft.com/office/drawing/2014/main" xmlns:p14="http://schemas.microsoft.com/office/powerpoint/2010/main" xmlns:a14="http://schemas.microsoft.com/office/drawing/2010/main" w="9525">
                     <a:solidFill>
                       <a:srgbClr val="000000"/>
                     </a:solidFill>
@@ -37487,7 +37487,7 @@
               </a:ln>
               <a:extLst>
                 <a:ext uri="{91240B29-F687-4f45-9708-019B960494DF}">
-                  <a14:hiddenLine xmlns:a14="http://schemas.microsoft.com/office/drawing/2010/main" xmlns:p14="http://schemas.microsoft.com/office/powerpoint/2010/main" xmlns:a16="http://schemas.microsoft.com/office/drawing/2014/main" xmlns="" w="9525">
+                  <a14:hiddenLine xmlns="" xmlns:a16="http://schemas.microsoft.com/office/drawing/2014/main" xmlns:p14="http://schemas.microsoft.com/office/powerpoint/2010/main" xmlns:a14="http://schemas.microsoft.com/office/drawing/2010/main" w="9525">
                     <a:solidFill>
                       <a:srgbClr val="000000"/>
                     </a:solidFill>
@@ -37536,7 +37536,7 @@
               </a:ln>
               <a:extLst>
                 <a:ext uri="{91240B29-F687-4f45-9708-019B960494DF}">
-                  <a14:hiddenLine xmlns:a14="http://schemas.microsoft.com/office/drawing/2010/main" xmlns:p14="http://schemas.microsoft.com/office/powerpoint/2010/main" xmlns:a16="http://schemas.microsoft.com/office/drawing/2014/main" xmlns="" w="9525">
+                  <a14:hiddenLine xmlns="" xmlns:a16="http://schemas.microsoft.com/office/drawing/2014/main" xmlns:p14="http://schemas.microsoft.com/office/powerpoint/2010/main" xmlns:a14="http://schemas.microsoft.com/office/drawing/2010/main" w="9525">
                     <a:solidFill>
                       <a:srgbClr val="000000"/>
                     </a:solidFill>

--- a/StreamZ.pptx
+++ b/StreamZ.pptx
@@ -226,7 +226,7 @@
           <a:p>
             <a:fld id="{2C6EE50A-DEFA-44F0-BA6D-8AF59745F88F}" type="datetimeFigureOut">
               <a:rPr lang="en-US" smtClean="0"/>
-              <a:t>11/19/2020</a:t>
+              <a:t>11/20/2020</a:t>
             </a:fld>
             <a:endParaRPr lang="en-US"/>
           </a:p>
@@ -384,7 +384,7 @@
           <a:p>
             <a:fld id="{4F1D87AD-7F15-454B-AEBB-C308D2F86D9B}" type="slidenum">
               <a:rPr lang="en-US" smtClean="0"/>
-              <a:t>‹nº›</a:t>
+              <a:t>‹#›</a:t>
             </a:fld>
             <a:endParaRPr lang="en-US"/>
           </a:p>
@@ -4775,7 +4775,7 @@
           <a:p>
             <a:fld id="{27DE8FD0-B8D1-4CF8-B65B-341A3FE1C371}" type="datetime1">
               <a:rPr lang="pt-PT" smtClean="0"/>
-              <a:t>19/11/2020</a:t>
+              <a:t>20/11/2020</a:t>
             </a:fld>
             <a:endParaRPr lang="pt-PT"/>
           </a:p>
@@ -4830,7 +4830,7 @@
           <a:p>
             <a:fld id="{40FE1B0E-D763-4525-8983-8614C84C5E4B}" type="slidenum">
               <a:rPr lang="pt-PT" smtClean="0"/>
-              <a:t>‹nº›</a:t>
+              <a:t>‹#›</a:t>
             </a:fld>
             <a:endParaRPr lang="pt-PT"/>
           </a:p>
@@ -5045,7 +5045,7 @@
           <a:p>
             <a:fld id="{E195478E-DBF5-43C3-A369-08A84CC12EB7}" type="datetime1">
               <a:rPr lang="pt-PT" smtClean="0"/>
-              <a:t>19/11/2020</a:t>
+              <a:t>20/11/2020</a:t>
             </a:fld>
             <a:endParaRPr lang="pt-PT"/>
           </a:p>
@@ -5090,7 +5090,7 @@
           <a:p>
             <a:fld id="{40FE1B0E-D763-4525-8983-8614C84C5E4B}" type="slidenum">
               <a:rPr lang="pt-PT" smtClean="0"/>
-              <a:t>‹nº›</a:t>
+              <a:t>‹#›</a:t>
             </a:fld>
             <a:endParaRPr lang="pt-PT"/>
           </a:p>
@@ -5244,7 +5244,7 @@
           <a:p>
             <a:fld id="{8260499F-8424-4F23-8E82-B14204570DD7}" type="datetime1">
               <a:rPr lang="pt-PT" smtClean="0"/>
-              <a:t>19/11/2020</a:t>
+              <a:t>20/11/2020</a:t>
             </a:fld>
             <a:endParaRPr lang="pt-PT"/>
           </a:p>
@@ -5289,7 +5289,7 @@
           <a:p>
             <a:fld id="{40FE1B0E-D763-4525-8983-8614C84C5E4B}" type="slidenum">
               <a:rPr lang="pt-PT" smtClean="0"/>
-              <a:t>‹nº›</a:t>
+              <a:t>‹#›</a:t>
             </a:fld>
             <a:endParaRPr lang="pt-PT"/>
           </a:p>
@@ -5510,7 +5510,7 @@
           <a:p>
             <a:fld id="{4846D8D5-C49C-4B12-95FD-F66350576C7D}" type="datetime1">
               <a:rPr lang="pt-PT" smtClean="0"/>
-              <a:t>19/11/2020</a:t>
+              <a:t>20/11/2020</a:t>
             </a:fld>
             <a:endParaRPr lang="pt-PT"/>
           </a:p>
@@ -5555,7 +5555,7 @@
           <a:p>
             <a:fld id="{40FE1B0E-D763-4525-8983-8614C84C5E4B}" type="slidenum">
               <a:rPr lang="pt-PT" smtClean="0"/>
-              <a:t>‹nº›</a:t>
+              <a:t>‹#›</a:t>
             </a:fld>
             <a:endParaRPr lang="pt-PT"/>
           </a:p>
@@ -5947,7 +5947,7 @@
           <a:p>
             <a:fld id="{5912AA66-6185-4FA3-A72C-E6CBCF0A6930}" type="datetime1">
               <a:rPr lang="pt-PT" smtClean="0"/>
-              <a:t>19/11/2020</a:t>
+              <a:t>20/11/2020</a:t>
             </a:fld>
             <a:endParaRPr lang="pt-PT"/>
           </a:p>
@@ -5992,7 +5992,7 @@
           <a:p>
             <a:fld id="{40FE1B0E-D763-4525-8983-8614C84C5E4B}" type="slidenum">
               <a:rPr lang="pt-PT" smtClean="0"/>
-              <a:t>‹nº›</a:t>
+              <a:t>‹#›</a:t>
             </a:fld>
             <a:endParaRPr lang="pt-PT"/>
           </a:p>
@@ -6496,7 +6496,7 @@
           <a:p>
             <a:fld id="{18853F53-A3A2-4982-B5B3-DDD492D2B770}" type="datetime1">
               <a:rPr lang="pt-PT" smtClean="0"/>
-              <a:t>19/11/2020</a:t>
+              <a:t>20/11/2020</a:t>
             </a:fld>
             <a:endParaRPr lang="pt-PT"/>
           </a:p>
@@ -6541,7 +6541,7 @@
           <a:p>
             <a:fld id="{40FE1B0E-D763-4525-8983-8614C84C5E4B}" type="slidenum">
               <a:rPr lang="pt-PT" smtClean="0"/>
-              <a:t>‹nº›</a:t>
+              <a:t>‹#›</a:t>
             </a:fld>
             <a:endParaRPr lang="pt-PT"/>
           </a:p>
@@ -7219,7 +7219,7 @@
           <a:p>
             <a:fld id="{2A2B9A31-2C19-477D-B1A5-188153B08B11}" type="datetime1">
               <a:rPr lang="pt-PT" smtClean="0"/>
-              <a:t>19/11/2020</a:t>
+              <a:t>20/11/2020</a:t>
             </a:fld>
             <a:endParaRPr lang="pt-PT"/>
           </a:p>
@@ -7264,7 +7264,7 @@
           <a:p>
             <a:fld id="{40FE1B0E-D763-4525-8983-8614C84C5E4B}" type="slidenum">
               <a:rPr lang="pt-PT" smtClean="0"/>
-              <a:t>‹nº›</a:t>
+              <a:t>‹#›</a:t>
             </a:fld>
             <a:endParaRPr lang="pt-PT"/>
           </a:p>
@@ -7392,7 +7392,7 @@
           <a:p>
             <a:fld id="{917FAF22-9758-4D36-8C39-FBAB9C6B0E56}" type="datetime1">
               <a:rPr lang="pt-PT" smtClean="0"/>
-              <a:t>19/11/2020</a:t>
+              <a:t>20/11/2020</a:t>
             </a:fld>
             <a:endParaRPr lang="pt-PT"/>
           </a:p>
@@ -7437,7 +7437,7 @@
           <a:p>
             <a:fld id="{40FE1B0E-D763-4525-8983-8614C84C5E4B}" type="slidenum">
               <a:rPr lang="pt-PT" smtClean="0"/>
-              <a:t>‹nº›</a:t>
+              <a:t>‹#›</a:t>
             </a:fld>
             <a:endParaRPr lang="pt-PT"/>
           </a:p>
@@ -7575,7 +7575,7 @@
           <a:p>
             <a:fld id="{22A86143-14B8-4393-8072-6285109451CD}" type="datetime1">
               <a:rPr lang="pt-PT" smtClean="0"/>
-              <a:t>19/11/2020</a:t>
+              <a:t>20/11/2020</a:t>
             </a:fld>
             <a:endParaRPr lang="pt-PT"/>
           </a:p>
@@ -7620,7 +7620,7 @@
           <a:p>
             <a:fld id="{40FE1B0E-D763-4525-8983-8614C84C5E4B}" type="slidenum">
               <a:rPr lang="pt-PT" smtClean="0"/>
-              <a:t>‹nº›</a:t>
+              <a:t>‹#›</a:t>
             </a:fld>
             <a:endParaRPr lang="pt-PT"/>
           </a:p>
@@ -7748,7 +7748,7 @@
           <a:p>
             <a:fld id="{AF72628B-060C-4ECB-955E-D39E4333B094}" type="datetime1">
               <a:rPr lang="pt-PT" smtClean="0"/>
-              <a:t>19/11/2020</a:t>
+              <a:t>20/11/2020</a:t>
             </a:fld>
             <a:endParaRPr lang="pt-PT"/>
           </a:p>
@@ -7793,7 +7793,7 @@
           <a:p>
             <a:fld id="{40FE1B0E-D763-4525-8983-8614C84C5E4B}" type="slidenum">
               <a:rPr lang="pt-PT" smtClean="0"/>
-              <a:t>‹nº›</a:t>
+              <a:t>‹#›</a:t>
             </a:fld>
             <a:endParaRPr lang="pt-PT"/>
           </a:p>
@@ -8001,7 +8001,7 @@
           <a:p>
             <a:fld id="{BFF7688C-C1A7-4ADF-844C-914343A5196F}" type="datetime1">
               <a:rPr lang="pt-PT" smtClean="0"/>
-              <a:t>19/11/2020</a:t>
+              <a:t>20/11/2020</a:t>
             </a:fld>
             <a:endParaRPr lang="pt-PT"/>
           </a:p>
@@ -8046,7 +8046,7 @@
           <a:p>
             <a:fld id="{40FE1B0E-D763-4525-8983-8614C84C5E4B}" type="slidenum">
               <a:rPr lang="pt-PT" smtClean="0"/>
-              <a:t>‹nº›</a:t>
+              <a:t>‹#›</a:t>
             </a:fld>
             <a:endParaRPr lang="pt-PT"/>
           </a:p>
@@ -8236,7 +8236,7 @@
           <a:p>
             <a:fld id="{1F636DAA-B9A4-4BD7-8FA9-71C8178E0C2D}" type="datetime1">
               <a:rPr lang="pt-PT" smtClean="0"/>
-              <a:t>19/11/2020</a:t>
+              <a:t>20/11/2020</a:t>
             </a:fld>
             <a:endParaRPr lang="pt-PT"/>
           </a:p>
@@ -8281,7 +8281,7 @@
           <a:p>
             <a:fld id="{40FE1B0E-D763-4525-8983-8614C84C5E4B}" type="slidenum">
               <a:rPr lang="pt-PT" smtClean="0"/>
-              <a:t>‹nº›</a:t>
+              <a:t>‹#›</a:t>
             </a:fld>
             <a:endParaRPr lang="pt-PT"/>
           </a:p>
@@ -8620,7 +8620,7 @@
           <a:p>
             <a:fld id="{6BA687B3-4116-4224-95AC-60ED592E9AE2}" type="datetime1">
               <a:rPr lang="pt-PT" smtClean="0"/>
-              <a:t>19/11/2020</a:t>
+              <a:t>20/11/2020</a:t>
             </a:fld>
             <a:endParaRPr lang="pt-PT"/>
           </a:p>
@@ -8665,7 +8665,7 @@
           <a:p>
             <a:fld id="{40FE1B0E-D763-4525-8983-8614C84C5E4B}" type="slidenum">
               <a:rPr lang="pt-PT" smtClean="0"/>
-              <a:t>‹nº›</a:t>
+              <a:t>‹#›</a:t>
             </a:fld>
             <a:endParaRPr lang="pt-PT"/>
           </a:p>
@@ -8741,7 +8741,7 @@
           <a:p>
             <a:fld id="{A4D0725B-1634-4FC2-BC65-86DC7EE043BE}" type="datetime1">
               <a:rPr lang="pt-PT" smtClean="0"/>
-              <a:t>19/11/2020</a:t>
+              <a:t>20/11/2020</a:t>
             </a:fld>
             <a:endParaRPr lang="pt-PT"/>
           </a:p>
@@ -8786,7 +8786,7 @@
           <a:p>
             <a:fld id="{40FE1B0E-D763-4525-8983-8614C84C5E4B}" type="slidenum">
               <a:rPr lang="pt-PT" smtClean="0"/>
-              <a:t>‹nº›</a:t>
+              <a:t>‹#›</a:t>
             </a:fld>
             <a:endParaRPr lang="pt-PT"/>
           </a:p>
@@ -8839,7 +8839,7 @@
           <a:p>
             <a:fld id="{5E0B111F-DDAD-46F2-AF00-A2166420382E}" type="datetime1">
               <a:rPr lang="pt-PT" smtClean="0"/>
-              <a:t>19/11/2020</a:t>
+              <a:t>20/11/2020</a:t>
             </a:fld>
             <a:endParaRPr lang="pt-PT"/>
           </a:p>
@@ -8884,7 +8884,7 @@
           <a:p>
             <a:fld id="{40FE1B0E-D763-4525-8983-8614C84C5E4B}" type="slidenum">
               <a:rPr lang="pt-PT" smtClean="0"/>
-              <a:t>‹nº›</a:t>
+              <a:t>‹#›</a:t>
             </a:fld>
             <a:endParaRPr lang="pt-PT"/>
           </a:p>
@@ -9091,7 +9091,7 @@
           <a:p>
             <a:fld id="{D34684B5-5D91-4586-A091-85811B1BBCE7}" type="datetime1">
               <a:rPr lang="pt-PT" smtClean="0"/>
-              <a:t>19/11/2020</a:t>
+              <a:t>20/11/2020</a:t>
             </a:fld>
             <a:endParaRPr lang="pt-PT"/>
           </a:p>
@@ -9136,7 +9136,7 @@
           <a:p>
             <a:fld id="{40FE1B0E-D763-4525-8983-8614C84C5E4B}" type="slidenum">
               <a:rPr lang="pt-PT" smtClean="0"/>
-              <a:t>‹nº›</a:t>
+              <a:t>‹#›</a:t>
             </a:fld>
             <a:endParaRPr lang="pt-PT"/>
           </a:p>
@@ -9374,7 +9374,7 @@
           <a:p>
             <a:fld id="{C02CEE88-EDC7-409F-915E-E3F464B307F7}" type="datetime1">
               <a:rPr lang="pt-PT" smtClean="0"/>
-              <a:t>19/11/2020</a:t>
+              <a:t>20/11/2020</a:t>
             </a:fld>
             <a:endParaRPr lang="pt-PT"/>
           </a:p>
@@ -9419,7 +9419,7 @@
           <a:p>
             <a:fld id="{40FE1B0E-D763-4525-8983-8614C84C5E4B}" type="slidenum">
               <a:rPr lang="pt-PT" smtClean="0"/>
-              <a:t>‹nº›</a:t>
+              <a:t>‹#›</a:t>
             </a:fld>
             <a:endParaRPr lang="pt-PT"/>
           </a:p>
@@ -12444,7 +12444,7 @@
           <a:p>
             <a:fld id="{79CFD873-FE55-4C14-B00F-33C689AAB81F}" type="datetime1">
               <a:rPr lang="pt-PT" smtClean="0"/>
-              <a:t>19/11/2020</a:t>
+              <a:t>20/11/2020</a:t>
             </a:fld>
             <a:endParaRPr lang="pt-PT"/>
           </a:p>
@@ -12525,7 +12525,7 @@
           <a:p>
             <a:fld id="{40FE1B0E-D763-4525-8983-8614C84C5E4B}" type="slidenum">
               <a:rPr lang="pt-PT" smtClean="0"/>
-              <a:t>‹nº›</a:t>
+              <a:t>‹#›</a:t>
             </a:fld>
             <a:endParaRPr lang="pt-PT"/>
           </a:p>
@@ -33032,7 +33032,7 @@
         </p:nvSpPr>
         <p:spPr>
           <a:xfrm>
-            <a:off x="2412277" y="4910796"/>
+            <a:off x="2412277" y="4927574"/>
             <a:ext cx="1489166" cy="574766"/>
           </a:xfrm>
           <a:prstGeom prst="rect">
@@ -33080,7 +33080,7 @@
         </p:nvSpPr>
         <p:spPr>
           <a:xfrm>
-            <a:off x="6174376" y="4910796"/>
+            <a:off x="6174376" y="4927574"/>
             <a:ext cx="1489166" cy="574766"/>
           </a:xfrm>
           <a:prstGeom prst="rect">
@@ -33128,7 +33128,7 @@
         </p:nvSpPr>
         <p:spPr>
           <a:xfrm>
-            <a:off x="4248699" y="4910796"/>
+            <a:off x="4248699" y="4927574"/>
             <a:ext cx="1489166" cy="574766"/>
           </a:xfrm>
           <a:prstGeom prst="rect">
@@ -33184,7 +33184,7 @@
         </p:nvSpPr>
         <p:spPr>
           <a:xfrm>
-            <a:off x="5124994" y="3139690"/>
+            <a:off x="5124994" y="3156468"/>
             <a:ext cx="1489166" cy="574766"/>
           </a:xfrm>
           <a:prstGeom prst="rect">
@@ -33232,7 +33232,7 @@
         </p:nvSpPr>
         <p:spPr>
           <a:xfrm>
-            <a:off x="1537063" y="3141617"/>
+            <a:off x="1537063" y="3158395"/>
             <a:ext cx="1489166" cy="574766"/>
           </a:xfrm>
           <a:prstGeom prst="rect">
@@ -33280,7 +33280,7 @@
         </p:nvSpPr>
         <p:spPr>
           <a:xfrm>
-            <a:off x="8712925" y="3139690"/>
+            <a:off x="8712925" y="3156468"/>
             <a:ext cx="1489166" cy="574766"/>
           </a:xfrm>
           <a:prstGeom prst="rect">
@@ -33392,82 +33392,6 @@
       </p:cxnSp>
       <p:cxnSp>
         <p:nvCxnSpPr>
-          <p:cNvPr id="24" name="Conexão reta 23">
-            <a:extLst>
-              <a:ext uri="{FF2B5EF4-FFF2-40B4-BE49-F238E27FC236}">
-                <a16:creationId xmlns:a16="http://schemas.microsoft.com/office/drawing/2014/main" id="{0192C01A-3CF4-409F-85F6-F58C70243001}"/>
-              </a:ext>
-            </a:extLst>
-          </p:cNvPr>
-          <p:cNvCxnSpPr>
-            <a:cxnSpLocks/>
-          </p:cNvCxnSpPr>
-          <p:nvPr/>
-        </p:nvCxnSpPr>
-        <p:spPr>
-          <a:xfrm>
-            <a:off x="5869577" y="2708026"/>
-            <a:ext cx="3587931" cy="0"/>
-          </a:xfrm>
-          <a:prstGeom prst="line">
-            <a:avLst/>
-          </a:prstGeom>
-        </p:spPr>
-        <p:style>
-          <a:lnRef idx="2">
-            <a:schemeClr val="accent2"/>
-          </a:lnRef>
-          <a:fillRef idx="0">
-            <a:schemeClr val="accent2"/>
-          </a:fillRef>
-          <a:effectRef idx="1">
-            <a:schemeClr val="accent2"/>
-          </a:effectRef>
-          <a:fontRef idx="minor">
-            <a:schemeClr val="tx1"/>
-          </a:fontRef>
-        </p:style>
-      </p:cxnSp>
-      <p:cxnSp>
-        <p:nvCxnSpPr>
-          <p:cNvPr id="29" name="Conexão reta 28">
-            <a:extLst>
-              <a:ext uri="{FF2B5EF4-FFF2-40B4-BE49-F238E27FC236}">
-                <a16:creationId xmlns:a16="http://schemas.microsoft.com/office/drawing/2014/main" id="{3B022947-F70E-4681-9566-264FC1909D01}"/>
-              </a:ext>
-            </a:extLst>
-          </p:cNvPr>
-          <p:cNvCxnSpPr>
-            <a:cxnSpLocks/>
-          </p:cNvCxnSpPr>
-          <p:nvPr/>
-        </p:nvCxnSpPr>
-        <p:spPr>
-          <a:xfrm>
-            <a:off x="2271056" y="2708026"/>
-            <a:ext cx="3587931" cy="0"/>
-          </a:xfrm>
-          <a:prstGeom prst="line">
-            <a:avLst/>
-          </a:prstGeom>
-        </p:spPr>
-        <p:style>
-          <a:lnRef idx="2">
-            <a:schemeClr val="accent2"/>
-          </a:lnRef>
-          <a:fillRef idx="0">
-            <a:schemeClr val="accent2"/>
-          </a:fillRef>
-          <a:effectRef idx="1">
-            <a:schemeClr val="accent2"/>
-          </a:effectRef>
-          <a:fontRef idx="minor">
-            <a:schemeClr val="tx1"/>
-          </a:fontRef>
-        </p:style>
-      </p:cxnSp>
-      <p:cxnSp>
-        <p:nvCxnSpPr>
           <p:cNvPr id="31" name="Conexão reta 30">
             <a:extLst>
               <a:ext uri="{FF2B5EF4-FFF2-40B4-BE49-F238E27FC236}">
@@ -33481,9 +33405,9 @@
           <p:nvPr/>
         </p:nvCxnSpPr>
         <p:spPr>
-          <a:xfrm>
-            <a:off x="2281646" y="2699657"/>
-            <a:ext cx="0" cy="448831"/>
+          <a:xfrm flipH="1">
+            <a:off x="2272937" y="1963443"/>
+            <a:ext cx="2843348" cy="1185045"/>
           </a:xfrm>
           <a:prstGeom prst="line">
             <a:avLst/>
@@ -33515,13 +33439,14 @@
           </p:cNvPr>
           <p:cNvCxnSpPr>
             <a:cxnSpLocks/>
+            <a:stCxn id="4" idx="3"/>
           </p:cNvCxnSpPr>
           <p:nvPr/>
         </p:nvCxnSpPr>
         <p:spPr>
           <a:xfrm>
-            <a:off x="9448799" y="2708026"/>
-            <a:ext cx="0" cy="448831"/>
+            <a:off x="6614160" y="1963443"/>
+            <a:ext cx="2834639" cy="1193414"/>
           </a:xfrm>
           <a:prstGeom prst="line">
             <a:avLst/>
@@ -33558,7 +33483,7 @@
         </p:nvCxnSpPr>
         <p:spPr>
           <a:xfrm>
-            <a:off x="2281646" y="3714456"/>
+            <a:off x="2281646" y="3731234"/>
             <a:ext cx="0" cy="639830"/>
           </a:xfrm>
           <a:prstGeom prst="line">
@@ -33596,7 +33521,7 @@
         </p:nvCxnSpPr>
         <p:spPr>
           <a:xfrm flipV="1">
-            <a:off x="1297577" y="4350189"/>
+            <a:off x="1297577" y="4366967"/>
             <a:ext cx="1859283" cy="4097"/>
           </a:xfrm>
           <a:prstGeom prst="line">
@@ -33634,7 +33559,7 @@
         </p:nvCxnSpPr>
         <p:spPr>
           <a:xfrm>
-            <a:off x="1306286" y="4341480"/>
+            <a:off x="1306286" y="4358258"/>
             <a:ext cx="0" cy="569316"/>
           </a:xfrm>
           <a:prstGeom prst="line">
@@ -33672,7 +33597,7 @@
         </p:nvCxnSpPr>
         <p:spPr>
           <a:xfrm>
-            <a:off x="3152506" y="4341480"/>
+            <a:off x="3152506" y="4358258"/>
             <a:ext cx="0" cy="569316"/>
           </a:xfrm>
           <a:prstGeom prst="line">
@@ -33710,7 +33635,7 @@
         </p:nvCxnSpPr>
         <p:spPr>
           <a:xfrm>
-            <a:off x="4980219" y="4358642"/>
+            <a:off x="4980219" y="4375420"/>
             <a:ext cx="1936276" cy="0"/>
           </a:xfrm>
           <a:prstGeom prst="line">
@@ -33748,7 +33673,7 @@
         </p:nvCxnSpPr>
         <p:spPr>
           <a:xfrm>
-            <a:off x="5869879" y="3718812"/>
+            <a:off x="5869879" y="3735590"/>
             <a:ext cx="0" cy="639830"/>
           </a:xfrm>
           <a:prstGeom prst="line">
@@ -33781,13 +33706,12 @@
           </p:cNvPr>
           <p:cNvCxnSpPr>
             <a:cxnSpLocks/>
-            <a:endCxn id="12" idx="0"/>
           </p:cNvCxnSpPr>
           <p:nvPr/>
         </p:nvCxnSpPr>
         <p:spPr>
           <a:xfrm>
-            <a:off x="4993282" y="4350189"/>
+            <a:off x="4993282" y="4366967"/>
             <a:ext cx="0" cy="560607"/>
           </a:xfrm>
           <a:prstGeom prst="line">
@@ -33825,7 +33749,7 @@
         </p:nvCxnSpPr>
         <p:spPr>
           <a:xfrm>
-            <a:off x="6918959" y="4351947"/>
+            <a:off x="6918959" y="4368725"/>
             <a:ext cx="4354" cy="569316"/>
           </a:xfrm>
           <a:prstGeom prst="line">
@@ -33861,7 +33785,7 @@
         </p:nvSpPr>
         <p:spPr>
           <a:xfrm>
-            <a:off x="8167057" y="1820666"/>
+            <a:off x="1395659" y="1272508"/>
             <a:ext cx="933402" cy="407242"/>
           </a:xfrm>
           <a:prstGeom prst="rect">
@@ -33905,29 +33829,38 @@
           </p:cNvPr>
           <p:cNvCxnSpPr>
             <a:cxnSpLocks/>
-            <a:stCxn id="14" idx="3"/>
+            <a:stCxn id="14" idx="1"/>
             <a:endCxn id="65" idx="2"/>
           </p:cNvCxnSpPr>
           <p:nvPr/>
         </p:nvCxnSpPr>
         <p:spPr>
-          <a:xfrm flipV="1">
-            <a:off x="6614160" y="2227908"/>
-            <a:ext cx="2019598" cy="1199165"/>
+          <a:xfrm flipH="1" flipV="1">
+            <a:off x="1862360" y="1679750"/>
+            <a:ext cx="3262634" cy="1764101"/>
           </a:xfrm>
           <a:prstGeom prst="line">
             <a:avLst/>
           </a:prstGeom>
+          <a:ln w="9525" cap="flat" cmpd="sng" algn="ctr">
+            <a:solidFill>
+              <a:schemeClr val="accent1"/>
+            </a:solidFill>
+            <a:prstDash val="dash"/>
+            <a:round/>
+            <a:headEnd type="none" w="med" len="med"/>
+            <a:tailEnd type="none" w="med" len="med"/>
+          </a:ln>
         </p:spPr>
         <p:style>
-          <a:lnRef idx="2">
-            <a:schemeClr val="accent1"/>
+          <a:lnRef idx="0">
+            <a:scrgbClr r="0" g="0" b="0"/>
           </a:lnRef>
           <a:fillRef idx="0">
-            <a:schemeClr val="accent1"/>
+            <a:scrgbClr r="0" g="0" b="0"/>
           </a:fillRef>
-          <a:effectRef idx="1">
-            <a:schemeClr val="accent1"/>
+          <a:effectRef idx="0">
+            <a:scrgbClr r="0" g="0" b="0"/>
           </a:effectRef>
           <a:fontRef idx="minor">
             <a:schemeClr val="tx1"/>
@@ -33945,28 +33878,508 @@
           </p:cNvPr>
           <p:cNvCxnSpPr>
             <a:cxnSpLocks/>
+            <a:stCxn id="16" idx="0"/>
             <a:endCxn id="65" idx="2"/>
           </p:cNvCxnSpPr>
           <p:nvPr/>
         </p:nvCxnSpPr>
         <p:spPr>
-          <a:xfrm flipV="1">
-            <a:off x="3010395" y="2227908"/>
-            <a:ext cx="5623363" cy="1199166"/>
+          <a:xfrm flipH="1" flipV="1">
+            <a:off x="1862360" y="1679750"/>
+            <a:ext cx="419286" cy="1478645"/>
           </a:xfrm>
           <a:prstGeom prst="line">
+            <a:avLst/>
+          </a:prstGeom>
+          <a:ln w="9525" cap="flat" cmpd="sng" algn="ctr">
+            <a:solidFill>
+              <a:schemeClr val="accent1"/>
+            </a:solidFill>
+            <a:prstDash val="dash"/>
+            <a:round/>
+            <a:headEnd type="none" w="med" len="med"/>
+            <a:tailEnd type="none" w="med" len="med"/>
+          </a:ln>
+        </p:spPr>
+        <p:style>
+          <a:lnRef idx="0">
+            <a:scrgbClr r="0" g="0" b="0"/>
+          </a:lnRef>
+          <a:fillRef idx="0">
+            <a:scrgbClr r="0" g="0" b="0"/>
+          </a:fillRef>
+          <a:effectRef idx="0">
+            <a:scrgbClr r="0" g="0" b="0"/>
+          </a:effectRef>
+          <a:fontRef idx="minor">
+            <a:schemeClr val="tx1"/>
+          </a:fontRef>
+        </p:style>
+      </p:cxnSp>
+      <p:sp>
+        <p:nvSpPr>
+          <p:cNvPr id="41" name="Isosceles Triangle 40">
+            <a:extLst>
+              <a:ext uri="{FF2B5EF4-FFF2-40B4-BE49-F238E27FC236}">
+                <a16:creationId xmlns:a16="http://schemas.microsoft.com/office/drawing/2014/main" id="{51C4F3D0-F52B-4C8E-BB48-2BBF730F9052}"/>
+              </a:ext>
+            </a:extLst>
+          </p:cNvPr>
+          <p:cNvSpPr/>
+          <p:nvPr/>
+        </p:nvSpPr>
+        <p:spPr>
+          <a:xfrm>
+            <a:off x="2192379" y="3978889"/>
+            <a:ext cx="186601" cy="151079"/>
+          </a:xfrm>
+          <a:prstGeom prst="triangle">
+            <a:avLst/>
+          </a:prstGeom>
+          <a:solidFill>
+            <a:srgbClr val="FF0000"/>
+          </a:solidFill>
+          <a:ln>
+            <a:solidFill>
+              <a:srgbClr val="FF0000"/>
+            </a:solidFill>
+          </a:ln>
+        </p:spPr>
+        <p:style>
+          <a:lnRef idx="2">
+            <a:schemeClr val="accent1">
+              <a:shade val="50000"/>
+            </a:schemeClr>
+          </a:lnRef>
+          <a:fillRef idx="1">
+            <a:schemeClr val="accent1"/>
+          </a:fillRef>
+          <a:effectRef idx="0">
+            <a:schemeClr val="accent1"/>
+          </a:effectRef>
+          <a:fontRef idx="minor">
+            <a:schemeClr val="lt1"/>
+          </a:fontRef>
+        </p:style>
+        <p:txBody>
+          <a:bodyPr rtlCol="0" anchor="ctr"/>
+          <a:lstStyle/>
+          <a:p>
+            <a:pPr algn="ctr"/>
+            <a:endParaRPr lang="pt-PT" dirty="0"/>
+          </a:p>
+        </p:txBody>
+      </p:sp>
+      <p:sp>
+        <p:nvSpPr>
+          <p:cNvPr id="42" name="Isosceles Triangle 41">
+            <a:extLst>
+              <a:ext uri="{FF2B5EF4-FFF2-40B4-BE49-F238E27FC236}">
+                <a16:creationId xmlns:a16="http://schemas.microsoft.com/office/drawing/2014/main" id="{0791D95B-F745-4843-80EE-2AD4BF2940DA}"/>
+              </a:ext>
+            </a:extLst>
+          </p:cNvPr>
+          <p:cNvSpPr/>
+          <p:nvPr/>
+        </p:nvSpPr>
+        <p:spPr>
+          <a:xfrm>
+            <a:off x="5783396" y="3975609"/>
+            <a:ext cx="186601" cy="151079"/>
+          </a:xfrm>
+          <a:prstGeom prst="triangle">
+            <a:avLst/>
+          </a:prstGeom>
+          <a:solidFill>
+            <a:srgbClr val="FF0000"/>
+          </a:solidFill>
+          <a:ln>
+            <a:solidFill>
+              <a:srgbClr val="FF0000"/>
+            </a:solidFill>
+          </a:ln>
+        </p:spPr>
+        <p:style>
+          <a:lnRef idx="2">
+            <a:schemeClr val="accent1">
+              <a:shade val="50000"/>
+            </a:schemeClr>
+          </a:lnRef>
+          <a:fillRef idx="1">
+            <a:schemeClr val="accent1"/>
+          </a:fillRef>
+          <a:effectRef idx="0">
+            <a:schemeClr val="accent1"/>
+          </a:effectRef>
+          <a:fontRef idx="minor">
+            <a:schemeClr val="lt1"/>
+          </a:fontRef>
+        </p:style>
+        <p:txBody>
+          <a:bodyPr rtlCol="0" anchor="ctr"/>
+          <a:lstStyle/>
+          <a:p>
+            <a:pPr algn="ctr"/>
+            <a:endParaRPr lang="pt-PT" dirty="0"/>
+          </a:p>
+        </p:txBody>
+      </p:sp>
+      <p:sp>
+        <p:nvSpPr>
+          <p:cNvPr id="47" name="Isosceles Triangle 46">
+            <a:extLst>
+              <a:ext uri="{FF2B5EF4-FFF2-40B4-BE49-F238E27FC236}">
+                <a16:creationId xmlns:a16="http://schemas.microsoft.com/office/drawing/2014/main" id="{96C0139A-AFC8-4D27-9B6A-D2415F5F3CD2}"/>
+              </a:ext>
+            </a:extLst>
+          </p:cNvPr>
+          <p:cNvSpPr/>
+          <p:nvPr/>
+        </p:nvSpPr>
+        <p:spPr>
+          <a:xfrm rot="20570292">
+            <a:off x="1929781" y="2148345"/>
+            <a:ext cx="186601" cy="151079"/>
+          </a:xfrm>
+          <a:prstGeom prst="triangle">
+            <a:avLst/>
+          </a:prstGeom>
+          <a:noFill/>
+          <a:ln>
+            <a:solidFill>
+              <a:schemeClr val="accent1"/>
+            </a:solidFill>
+          </a:ln>
+        </p:spPr>
+        <p:style>
+          <a:lnRef idx="2">
+            <a:schemeClr val="accent1">
+              <a:shade val="50000"/>
+            </a:schemeClr>
+          </a:lnRef>
+          <a:fillRef idx="1">
+            <a:schemeClr val="accent1"/>
+          </a:fillRef>
+          <a:effectRef idx="0">
+            <a:schemeClr val="accent1"/>
+          </a:effectRef>
+          <a:fontRef idx="minor">
+            <a:schemeClr val="lt1"/>
+          </a:fontRef>
+        </p:style>
+        <p:txBody>
+          <a:bodyPr rtlCol="0" anchor="ctr"/>
+          <a:lstStyle/>
+          <a:p>
+            <a:pPr algn="ctr"/>
+            <a:endParaRPr lang="pt-PT" dirty="0"/>
+          </a:p>
+        </p:txBody>
+      </p:sp>
+      <p:sp>
+        <p:nvSpPr>
+          <p:cNvPr id="5" name="Diamond 4">
+            <a:extLst>
+              <a:ext uri="{FF2B5EF4-FFF2-40B4-BE49-F238E27FC236}">
+                <a16:creationId xmlns:a16="http://schemas.microsoft.com/office/drawing/2014/main" id="{387BC191-13DC-46A5-9F33-BFC72C0F033D}"/>
+              </a:ext>
+            </a:extLst>
+          </p:cNvPr>
+          <p:cNvSpPr/>
+          <p:nvPr/>
+        </p:nvSpPr>
+        <p:spPr>
+          <a:xfrm rot="20049270">
+            <a:off x="4647187" y="2046544"/>
+            <a:ext cx="227812" cy="135533"/>
+          </a:xfrm>
+          <a:prstGeom prst="diamond">
+            <a:avLst/>
+          </a:prstGeom>
+          <a:noFill/>
+          <a:ln>
+            <a:solidFill>
+              <a:srgbClr val="FF0000"/>
+            </a:solidFill>
+          </a:ln>
+        </p:spPr>
+        <p:style>
+          <a:lnRef idx="2">
+            <a:schemeClr val="accent1">
+              <a:shade val="50000"/>
+            </a:schemeClr>
+          </a:lnRef>
+          <a:fillRef idx="1">
+            <a:schemeClr val="accent1"/>
+          </a:fillRef>
+          <a:effectRef idx="0">
+            <a:schemeClr val="accent1"/>
+          </a:effectRef>
+          <a:fontRef idx="minor">
+            <a:schemeClr val="lt1"/>
+          </a:fontRef>
+        </p:style>
+        <p:txBody>
+          <a:bodyPr rtlCol="0" anchor="ctr"/>
+          <a:lstStyle/>
+          <a:p>
+            <a:pPr algn="ctr"/>
+            <a:endParaRPr lang="pt-PT"/>
+          </a:p>
+        </p:txBody>
+      </p:sp>
+      <p:sp>
+        <p:nvSpPr>
+          <p:cNvPr id="39" name="Diamond 38">
+            <a:extLst>
+              <a:ext uri="{FF2B5EF4-FFF2-40B4-BE49-F238E27FC236}">
+                <a16:creationId xmlns:a16="http://schemas.microsoft.com/office/drawing/2014/main" id="{6BF83A6D-7E5C-4C6C-BA0C-4B6A0A450224}"/>
+              </a:ext>
+            </a:extLst>
+          </p:cNvPr>
+          <p:cNvSpPr/>
+          <p:nvPr/>
+        </p:nvSpPr>
+        <p:spPr>
+          <a:xfrm rot="16200000">
+            <a:off x="5758296" y="2367155"/>
+            <a:ext cx="227812" cy="135533"/>
+          </a:xfrm>
+          <a:prstGeom prst="diamond">
+            <a:avLst/>
+          </a:prstGeom>
+          <a:solidFill>
+            <a:srgbClr val="FF0000"/>
+          </a:solidFill>
+          <a:ln>
+            <a:solidFill>
+              <a:srgbClr val="FF0000"/>
+            </a:solidFill>
+          </a:ln>
+        </p:spPr>
+        <p:style>
+          <a:lnRef idx="2">
+            <a:schemeClr val="accent1">
+              <a:shade val="50000"/>
+            </a:schemeClr>
+          </a:lnRef>
+          <a:fillRef idx="1">
+            <a:schemeClr val="accent1"/>
+          </a:fillRef>
+          <a:effectRef idx="0">
+            <a:schemeClr val="accent1"/>
+          </a:effectRef>
+          <a:fontRef idx="minor">
+            <a:schemeClr val="lt1"/>
+          </a:fontRef>
+        </p:style>
+        <p:txBody>
+          <a:bodyPr rtlCol="0" anchor="ctr"/>
+          <a:lstStyle/>
+          <a:p>
+            <a:pPr algn="ctr"/>
+            <a:endParaRPr lang="pt-PT"/>
+          </a:p>
+        </p:txBody>
+      </p:sp>
+      <p:sp>
+        <p:nvSpPr>
+          <p:cNvPr id="49" name="Diamond 48">
+            <a:extLst>
+              <a:ext uri="{FF2B5EF4-FFF2-40B4-BE49-F238E27FC236}">
+                <a16:creationId xmlns:a16="http://schemas.microsoft.com/office/drawing/2014/main" id="{DE7DDFEE-8D68-431D-8074-C19D53C2178F}"/>
+              </a:ext>
+            </a:extLst>
+          </p:cNvPr>
+          <p:cNvSpPr/>
+          <p:nvPr/>
+        </p:nvSpPr>
+        <p:spPr>
+          <a:xfrm rot="12040735">
+            <a:off x="6839582" y="2038061"/>
+            <a:ext cx="227812" cy="135533"/>
+          </a:xfrm>
+          <a:prstGeom prst="diamond">
+            <a:avLst/>
+          </a:prstGeom>
+          <a:solidFill>
+            <a:srgbClr val="FF0000"/>
+          </a:solidFill>
+          <a:ln>
+            <a:solidFill>
+              <a:srgbClr val="FF0000"/>
+            </a:solidFill>
+          </a:ln>
+        </p:spPr>
+        <p:style>
+          <a:lnRef idx="2">
+            <a:schemeClr val="accent1">
+              <a:shade val="50000"/>
+            </a:schemeClr>
+          </a:lnRef>
+          <a:fillRef idx="1">
+            <a:schemeClr val="accent1"/>
+          </a:fillRef>
+          <a:effectRef idx="0">
+            <a:schemeClr val="accent1"/>
+          </a:effectRef>
+          <a:fontRef idx="minor">
+            <a:schemeClr val="lt1"/>
+          </a:fontRef>
+        </p:style>
+        <p:txBody>
+          <a:bodyPr rtlCol="0" anchor="ctr"/>
+          <a:lstStyle/>
+          <a:p>
+            <a:pPr algn="ctr"/>
+            <a:endParaRPr lang="pt-PT"/>
+          </a:p>
+        </p:txBody>
+      </p:sp>
+      <p:cxnSp>
+        <p:nvCxnSpPr>
+          <p:cNvPr id="62" name="Straight Arrow Connector 61">
+            <a:extLst>
+              <a:ext uri="{FF2B5EF4-FFF2-40B4-BE49-F238E27FC236}">
+                <a16:creationId xmlns:a16="http://schemas.microsoft.com/office/drawing/2014/main" id="{97C481F1-8E2C-43FD-B56D-3B8B71AB4A5E}"/>
+              </a:ext>
+            </a:extLst>
+          </p:cNvPr>
+          <p:cNvCxnSpPr>
+            <a:cxnSpLocks/>
+            <a:stCxn id="65" idx="2"/>
+            <a:endCxn id="18" idx="1"/>
+          </p:cNvCxnSpPr>
+          <p:nvPr/>
+        </p:nvCxnSpPr>
+        <p:spPr>
+          <a:xfrm>
+            <a:off x="1862360" y="1679750"/>
+            <a:ext cx="6850565" cy="1764101"/>
+          </a:xfrm>
+          <a:prstGeom prst="straightConnector1">
+            <a:avLst/>
+          </a:prstGeom>
+          <a:ln w="9525" cap="flat" cmpd="sng" algn="ctr">
+            <a:solidFill>
+              <a:schemeClr val="accent1"/>
+            </a:solidFill>
+            <a:prstDash val="dash"/>
+            <a:round/>
+            <a:headEnd type="none" w="med" len="med"/>
+            <a:tailEnd type="none" w="med" len="med"/>
+          </a:ln>
+        </p:spPr>
+        <p:style>
+          <a:lnRef idx="0">
+            <a:scrgbClr r="0" g="0" b="0"/>
+          </a:lnRef>
+          <a:fillRef idx="0">
+            <a:scrgbClr r="0" g="0" b="0"/>
+          </a:fillRef>
+          <a:effectRef idx="0">
+            <a:scrgbClr r="0" g="0" b="0"/>
+          </a:effectRef>
+          <a:fontRef idx="minor">
+            <a:schemeClr val="tx1"/>
+          </a:fontRef>
+        </p:style>
+      </p:cxnSp>
+      <p:sp>
+        <p:nvSpPr>
+          <p:cNvPr id="69" name="Retângulo 64">
+            <a:extLst>
+              <a:ext uri="{FF2B5EF4-FFF2-40B4-BE49-F238E27FC236}">
+                <a16:creationId xmlns:a16="http://schemas.microsoft.com/office/drawing/2014/main" id="{5819F120-5EC4-4CFD-89B6-271E1E650C6D}"/>
+              </a:ext>
+            </a:extLst>
+          </p:cNvPr>
+          <p:cNvSpPr/>
+          <p:nvPr/>
+        </p:nvSpPr>
+        <p:spPr>
+          <a:xfrm>
+            <a:off x="9739123" y="1272508"/>
+            <a:ext cx="1181034" cy="407242"/>
+          </a:xfrm>
+          <a:prstGeom prst="rect">
             <a:avLst/>
           </a:prstGeom>
         </p:spPr>
         <p:style>
           <a:lnRef idx="2">
-            <a:schemeClr val="accent1"/>
+            <a:schemeClr val="dk1"/>
+          </a:lnRef>
+          <a:fillRef idx="1">
+            <a:schemeClr val="lt1"/>
+          </a:fillRef>
+          <a:effectRef idx="0">
+            <a:schemeClr val="dk1"/>
+          </a:effectRef>
+          <a:fontRef idx="minor">
+            <a:schemeClr val="dk1"/>
+          </a:fontRef>
+        </p:style>
+        <p:txBody>
+          <a:bodyPr rtlCol="0" anchor="ctr"/>
+          <a:lstStyle/>
+          <a:p>
+            <a:pPr algn="ctr"/>
+            <a:r>
+              <a:rPr lang="en-US" dirty="0" err="1"/>
+              <a:t>Exc</a:t>
+            </a:r>
+            <a:r>
+              <a:rPr lang="pt-PT" dirty="0" err="1"/>
+              <a:t>eções</a:t>
+            </a:r>
+            <a:endParaRPr lang="pt-PT" dirty="0"/>
+          </a:p>
+        </p:txBody>
+      </p:sp>
+      <p:cxnSp>
+        <p:nvCxnSpPr>
+          <p:cNvPr id="70" name="Straight Connector 69">
+            <a:extLst>
+              <a:ext uri="{FF2B5EF4-FFF2-40B4-BE49-F238E27FC236}">
+                <a16:creationId xmlns:a16="http://schemas.microsoft.com/office/drawing/2014/main" id="{8CF54936-8397-4301-A764-76B71664F011}"/>
+              </a:ext>
+            </a:extLst>
+          </p:cNvPr>
+          <p:cNvCxnSpPr>
+            <a:cxnSpLocks/>
+            <a:stCxn id="69" idx="1"/>
+            <a:endCxn id="16" idx="3"/>
+          </p:cNvCxnSpPr>
+          <p:nvPr/>
+        </p:nvCxnSpPr>
+        <p:spPr>
+          <a:xfrm flipH="1">
+            <a:off x="3026229" y="1476129"/>
+            <a:ext cx="6712894" cy="1969649"/>
+          </a:xfrm>
+          <a:prstGeom prst="line">
+            <a:avLst/>
+          </a:prstGeom>
+          <a:ln w="9525" cap="flat" cmpd="sng" algn="ctr">
+            <a:solidFill>
+              <a:schemeClr val="accent1"/>
+            </a:solidFill>
+            <a:prstDash val="dash"/>
+            <a:round/>
+            <a:headEnd type="none" w="med" len="med"/>
+            <a:tailEnd type="none" w="med" len="med"/>
+          </a:ln>
+        </p:spPr>
+        <p:style>
+          <a:lnRef idx="0">
+            <a:scrgbClr r="0" g="0" b="0"/>
           </a:lnRef>
           <a:fillRef idx="0">
-            <a:schemeClr val="accent1"/>
+            <a:scrgbClr r="0" g="0" b="0"/>
           </a:fillRef>
-          <a:effectRef idx="1">
-            <a:schemeClr val="accent1"/>
+          <a:effectRef idx="0">
+            <a:scrgbClr r="0" g="0" b="0"/>
           </a:effectRef>
           <a:fontRef idx="minor">
             <a:schemeClr val="tx1"/>
@@ -33975,42 +34388,461 @@
       </p:cxnSp>
       <p:cxnSp>
         <p:nvCxnSpPr>
-          <p:cNvPr id="7" name="Conexão reta 6">
+          <p:cNvPr id="73" name="Straight Connector 72">
             <a:extLst>
               <a:ext uri="{FF2B5EF4-FFF2-40B4-BE49-F238E27FC236}">
-                <a16:creationId xmlns:a16="http://schemas.microsoft.com/office/drawing/2014/main" id="{63F4837D-A79A-4741-9175-151463BB3A58}"/>
+                <a16:creationId xmlns:a16="http://schemas.microsoft.com/office/drawing/2014/main" id="{A836678B-02FF-410A-AB38-E5A0A83ED27D}"/>
               </a:ext>
             </a:extLst>
           </p:cNvPr>
           <p:cNvCxnSpPr>
             <a:cxnSpLocks/>
+            <a:stCxn id="69" idx="1"/>
+            <a:endCxn id="14" idx="3"/>
           </p:cNvCxnSpPr>
           <p:nvPr/>
         </p:nvCxnSpPr>
         <p:spPr>
-          <a:xfrm flipH="1" flipV="1">
-            <a:off x="8633758" y="2227908"/>
-            <a:ext cx="277881" cy="894117"/>
+          <a:xfrm flipH="1">
+            <a:off x="6614160" y="1476129"/>
+            <a:ext cx="3124963" cy="1967722"/>
           </a:xfrm>
           <a:prstGeom prst="line">
             <a:avLst/>
           </a:prstGeom>
+          <a:ln w="9525" cap="flat" cmpd="sng" algn="ctr">
+            <a:solidFill>
+              <a:schemeClr val="accent1"/>
+            </a:solidFill>
+            <a:prstDash val="dash"/>
+            <a:round/>
+            <a:headEnd type="none" w="med" len="med"/>
+            <a:tailEnd type="none" w="med" len="med"/>
+          </a:ln>
         </p:spPr>
         <p:style>
-          <a:lnRef idx="2">
-            <a:schemeClr val="accent1"/>
+          <a:lnRef idx="0">
+            <a:scrgbClr r="0" g="0" b="0"/>
           </a:lnRef>
           <a:fillRef idx="0">
-            <a:schemeClr val="accent1"/>
+            <a:scrgbClr r="0" g="0" b="0"/>
           </a:fillRef>
-          <a:effectRef idx="1">
-            <a:schemeClr val="accent1"/>
+          <a:effectRef idx="0">
+            <a:scrgbClr r="0" g="0" b="0"/>
           </a:effectRef>
           <a:fontRef idx="minor">
             <a:schemeClr val="tx1"/>
           </a:fontRef>
         </p:style>
       </p:cxnSp>
+      <p:cxnSp>
+        <p:nvCxnSpPr>
+          <p:cNvPr id="75" name="Straight Connector 74">
+            <a:extLst>
+              <a:ext uri="{FF2B5EF4-FFF2-40B4-BE49-F238E27FC236}">
+                <a16:creationId xmlns:a16="http://schemas.microsoft.com/office/drawing/2014/main" id="{0518C022-2879-42F9-B8D2-7C8672F96537}"/>
+              </a:ext>
+            </a:extLst>
+          </p:cNvPr>
+          <p:cNvCxnSpPr>
+            <a:stCxn id="69" idx="2"/>
+            <a:endCxn id="18" idx="0"/>
+          </p:cNvCxnSpPr>
+          <p:nvPr/>
+        </p:nvCxnSpPr>
+        <p:spPr>
+          <a:xfrm flipH="1">
+            <a:off x="9457508" y="1679750"/>
+            <a:ext cx="872132" cy="1476718"/>
+          </a:xfrm>
+          <a:prstGeom prst="line">
+            <a:avLst/>
+          </a:prstGeom>
+          <a:ln w="9525" cap="flat" cmpd="sng" algn="ctr">
+            <a:solidFill>
+              <a:schemeClr val="accent1"/>
+            </a:solidFill>
+            <a:prstDash val="dash"/>
+            <a:round/>
+            <a:headEnd type="none" w="med" len="med"/>
+            <a:tailEnd type="none" w="med" len="med"/>
+          </a:ln>
+        </p:spPr>
+        <p:style>
+          <a:lnRef idx="0">
+            <a:scrgbClr r="0" g="0" b="0"/>
+          </a:lnRef>
+          <a:fillRef idx="0">
+            <a:scrgbClr r="0" g="0" b="0"/>
+          </a:fillRef>
+          <a:effectRef idx="0">
+            <a:scrgbClr r="0" g="0" b="0"/>
+          </a:effectRef>
+          <a:fontRef idx="minor">
+            <a:schemeClr val="tx1"/>
+          </a:fontRef>
+        </p:style>
+      </p:cxnSp>
+      <p:cxnSp>
+        <p:nvCxnSpPr>
+          <p:cNvPr id="80" name="Straight Connector 79">
+            <a:extLst>
+              <a:ext uri="{FF2B5EF4-FFF2-40B4-BE49-F238E27FC236}">
+                <a16:creationId xmlns:a16="http://schemas.microsoft.com/office/drawing/2014/main" id="{AE1D0B82-CBF8-4502-BE79-6DDA81B3F30B}"/>
+              </a:ext>
+            </a:extLst>
+          </p:cNvPr>
+          <p:cNvCxnSpPr>
+            <a:stCxn id="65" idx="3"/>
+            <a:endCxn id="69" idx="1"/>
+          </p:cNvCxnSpPr>
+          <p:nvPr/>
+        </p:nvCxnSpPr>
+        <p:spPr>
+          <a:xfrm>
+            <a:off x="2329061" y="1476129"/>
+            <a:ext cx="7410062" cy="0"/>
+          </a:xfrm>
+          <a:prstGeom prst="line">
+            <a:avLst/>
+          </a:prstGeom>
+          <a:ln w="9525" cap="flat" cmpd="sng" algn="ctr">
+            <a:solidFill>
+              <a:schemeClr val="accent1"/>
+            </a:solidFill>
+            <a:prstDash val="dash"/>
+            <a:round/>
+            <a:headEnd type="none" w="med" len="med"/>
+            <a:tailEnd type="none" w="med" len="med"/>
+          </a:ln>
+        </p:spPr>
+        <p:style>
+          <a:lnRef idx="0">
+            <a:scrgbClr r="0" g="0" b="0"/>
+          </a:lnRef>
+          <a:fillRef idx="0">
+            <a:scrgbClr r="0" g="0" b="0"/>
+          </a:fillRef>
+          <a:effectRef idx="0">
+            <a:scrgbClr r="0" g="0" b="0"/>
+          </a:effectRef>
+          <a:fontRef idx="minor">
+            <a:schemeClr val="tx1"/>
+          </a:fontRef>
+        </p:style>
+      </p:cxnSp>
+      <p:sp>
+        <p:nvSpPr>
+          <p:cNvPr id="81" name="Isosceles Triangle 80">
+            <a:extLst>
+              <a:ext uri="{FF2B5EF4-FFF2-40B4-BE49-F238E27FC236}">
+                <a16:creationId xmlns:a16="http://schemas.microsoft.com/office/drawing/2014/main" id="{28F4F9CB-E863-4B4E-A4C6-DCC01485A478}"/>
+              </a:ext>
+            </a:extLst>
+          </p:cNvPr>
+          <p:cNvSpPr/>
+          <p:nvPr/>
+        </p:nvSpPr>
+        <p:spPr>
+          <a:xfrm rot="5400000">
+            <a:off x="8240585" y="1408201"/>
+            <a:ext cx="186601" cy="151079"/>
+          </a:xfrm>
+          <a:prstGeom prst="triangle">
+            <a:avLst/>
+          </a:prstGeom>
+          <a:noFill/>
+          <a:ln>
+            <a:solidFill>
+              <a:schemeClr val="accent1"/>
+            </a:solidFill>
+          </a:ln>
+        </p:spPr>
+        <p:style>
+          <a:lnRef idx="2">
+            <a:schemeClr val="accent1">
+              <a:shade val="50000"/>
+            </a:schemeClr>
+          </a:lnRef>
+          <a:fillRef idx="1">
+            <a:schemeClr val="accent1"/>
+          </a:fillRef>
+          <a:effectRef idx="0">
+            <a:schemeClr val="accent1"/>
+          </a:effectRef>
+          <a:fontRef idx="minor">
+            <a:schemeClr val="lt1"/>
+          </a:fontRef>
+        </p:style>
+        <p:txBody>
+          <a:bodyPr rtlCol="0" anchor="ctr"/>
+          <a:lstStyle/>
+          <a:p>
+            <a:pPr algn="ctr"/>
+            <a:endParaRPr lang="pt-PT" dirty="0"/>
+          </a:p>
+        </p:txBody>
+      </p:sp>
+      <p:sp>
+        <p:nvSpPr>
+          <p:cNvPr id="82" name="Isosceles Triangle 81">
+            <a:extLst>
+              <a:ext uri="{FF2B5EF4-FFF2-40B4-BE49-F238E27FC236}">
+                <a16:creationId xmlns:a16="http://schemas.microsoft.com/office/drawing/2014/main" id="{777C70EF-2207-4C91-85E5-53A88FCBCE02}"/>
+              </a:ext>
+            </a:extLst>
+          </p:cNvPr>
+          <p:cNvSpPr/>
+          <p:nvPr/>
+        </p:nvSpPr>
+        <p:spPr>
+          <a:xfrm rot="18263478">
+            <a:off x="2451089" y="1974167"/>
+            <a:ext cx="186601" cy="151079"/>
+          </a:xfrm>
+          <a:prstGeom prst="triangle">
+            <a:avLst/>
+          </a:prstGeom>
+          <a:noFill/>
+          <a:ln>
+            <a:solidFill>
+              <a:schemeClr val="accent1"/>
+            </a:solidFill>
+          </a:ln>
+        </p:spPr>
+        <p:style>
+          <a:lnRef idx="2">
+            <a:schemeClr val="accent1">
+              <a:shade val="50000"/>
+            </a:schemeClr>
+          </a:lnRef>
+          <a:fillRef idx="1">
+            <a:schemeClr val="accent1"/>
+          </a:fillRef>
+          <a:effectRef idx="0">
+            <a:schemeClr val="accent1"/>
+          </a:effectRef>
+          <a:fontRef idx="minor">
+            <a:schemeClr val="lt1"/>
+          </a:fontRef>
+        </p:style>
+        <p:txBody>
+          <a:bodyPr rtlCol="0" anchor="ctr"/>
+          <a:lstStyle/>
+          <a:p>
+            <a:pPr algn="ctr"/>
+            <a:endParaRPr lang="pt-PT" dirty="0"/>
+          </a:p>
+        </p:txBody>
+      </p:sp>
+      <p:sp>
+        <p:nvSpPr>
+          <p:cNvPr id="83" name="Isosceles Triangle 82">
+            <a:extLst>
+              <a:ext uri="{FF2B5EF4-FFF2-40B4-BE49-F238E27FC236}">
+                <a16:creationId xmlns:a16="http://schemas.microsoft.com/office/drawing/2014/main" id="{93CD1D45-0E07-481A-8AFA-99D7240B1CBF}"/>
+              </a:ext>
+            </a:extLst>
+          </p:cNvPr>
+          <p:cNvSpPr/>
+          <p:nvPr/>
+        </p:nvSpPr>
+        <p:spPr>
+          <a:xfrm rot="17105258">
+            <a:off x="2914820" y="1899040"/>
+            <a:ext cx="186601" cy="151079"/>
+          </a:xfrm>
+          <a:prstGeom prst="triangle">
+            <a:avLst/>
+          </a:prstGeom>
+          <a:noFill/>
+          <a:ln>
+            <a:solidFill>
+              <a:schemeClr val="accent1"/>
+            </a:solidFill>
+          </a:ln>
+        </p:spPr>
+        <p:style>
+          <a:lnRef idx="2">
+            <a:schemeClr val="accent1">
+              <a:shade val="50000"/>
+            </a:schemeClr>
+          </a:lnRef>
+          <a:fillRef idx="1">
+            <a:schemeClr val="accent1"/>
+          </a:fillRef>
+          <a:effectRef idx="0">
+            <a:schemeClr val="accent1"/>
+          </a:effectRef>
+          <a:fontRef idx="minor">
+            <a:schemeClr val="lt1"/>
+          </a:fontRef>
+        </p:style>
+        <p:txBody>
+          <a:bodyPr rtlCol="0" anchor="ctr"/>
+          <a:lstStyle/>
+          <a:p>
+            <a:pPr algn="ctr"/>
+            <a:endParaRPr lang="pt-PT" dirty="0"/>
+          </a:p>
+        </p:txBody>
+      </p:sp>
+      <p:sp>
+        <p:nvSpPr>
+          <p:cNvPr id="84" name="Isosceles Triangle 83">
+            <a:extLst>
+              <a:ext uri="{FF2B5EF4-FFF2-40B4-BE49-F238E27FC236}">
+                <a16:creationId xmlns:a16="http://schemas.microsoft.com/office/drawing/2014/main" id="{125C413D-A505-4290-AE72-DEF599C52629}"/>
+              </a:ext>
+            </a:extLst>
+          </p:cNvPr>
+          <p:cNvSpPr/>
+          <p:nvPr/>
+        </p:nvSpPr>
+        <p:spPr>
+          <a:xfrm rot="4300628">
+            <a:off x="8608089" y="1707776"/>
+            <a:ext cx="186601" cy="151079"/>
+          </a:xfrm>
+          <a:prstGeom prst="triangle">
+            <a:avLst/>
+          </a:prstGeom>
+          <a:noFill/>
+          <a:ln>
+            <a:solidFill>
+              <a:schemeClr val="accent1"/>
+            </a:solidFill>
+          </a:ln>
+        </p:spPr>
+        <p:style>
+          <a:lnRef idx="2">
+            <a:schemeClr val="accent1">
+              <a:shade val="50000"/>
+            </a:schemeClr>
+          </a:lnRef>
+          <a:fillRef idx="1">
+            <a:schemeClr val="accent1"/>
+          </a:fillRef>
+          <a:effectRef idx="0">
+            <a:schemeClr val="accent1"/>
+          </a:effectRef>
+          <a:fontRef idx="minor">
+            <a:schemeClr val="lt1"/>
+          </a:fontRef>
+        </p:style>
+        <p:txBody>
+          <a:bodyPr rtlCol="0" anchor="ctr"/>
+          <a:lstStyle/>
+          <a:p>
+            <a:pPr algn="ctr"/>
+            <a:endParaRPr lang="pt-PT" dirty="0"/>
+          </a:p>
+        </p:txBody>
+      </p:sp>
+      <p:sp>
+        <p:nvSpPr>
+          <p:cNvPr id="85" name="Isosceles Triangle 84">
+            <a:extLst>
+              <a:ext uri="{FF2B5EF4-FFF2-40B4-BE49-F238E27FC236}">
+                <a16:creationId xmlns:a16="http://schemas.microsoft.com/office/drawing/2014/main" id="{FE28ACA8-9CBC-4B8C-8277-991AEE551EC2}"/>
+              </a:ext>
+            </a:extLst>
+          </p:cNvPr>
+          <p:cNvSpPr/>
+          <p:nvPr/>
+        </p:nvSpPr>
+        <p:spPr>
+          <a:xfrm rot="3041819">
+            <a:off x="9004389" y="1820010"/>
+            <a:ext cx="186601" cy="151079"/>
+          </a:xfrm>
+          <a:prstGeom prst="triangle">
+            <a:avLst/>
+          </a:prstGeom>
+          <a:noFill/>
+          <a:ln>
+            <a:solidFill>
+              <a:schemeClr val="accent1"/>
+            </a:solidFill>
+          </a:ln>
+        </p:spPr>
+        <p:style>
+          <a:lnRef idx="2">
+            <a:schemeClr val="accent1">
+              <a:shade val="50000"/>
+            </a:schemeClr>
+          </a:lnRef>
+          <a:fillRef idx="1">
+            <a:schemeClr val="accent1"/>
+          </a:fillRef>
+          <a:effectRef idx="0">
+            <a:schemeClr val="accent1"/>
+          </a:effectRef>
+          <a:fontRef idx="minor">
+            <a:schemeClr val="lt1"/>
+          </a:fontRef>
+        </p:style>
+        <p:txBody>
+          <a:bodyPr rtlCol="0" anchor="ctr"/>
+          <a:lstStyle/>
+          <a:p>
+            <a:pPr algn="ctr"/>
+            <a:endParaRPr lang="pt-PT" dirty="0"/>
+          </a:p>
+        </p:txBody>
+      </p:sp>
+      <p:sp>
+        <p:nvSpPr>
+          <p:cNvPr id="86" name="Isosceles Triangle 85">
+            <a:extLst>
+              <a:ext uri="{FF2B5EF4-FFF2-40B4-BE49-F238E27FC236}">
+                <a16:creationId xmlns:a16="http://schemas.microsoft.com/office/drawing/2014/main" id="{ACF70BA5-6F61-43A2-9DDE-38E1C2756AC4}"/>
+              </a:ext>
+            </a:extLst>
+          </p:cNvPr>
+          <p:cNvSpPr/>
+          <p:nvPr/>
+        </p:nvSpPr>
+        <p:spPr>
+          <a:xfrm rot="1537480">
+            <a:off x="9941082" y="2111948"/>
+            <a:ext cx="186601" cy="151079"/>
+          </a:xfrm>
+          <a:prstGeom prst="triangle">
+            <a:avLst/>
+          </a:prstGeom>
+          <a:noFill/>
+          <a:ln>
+            <a:solidFill>
+              <a:schemeClr val="accent1"/>
+            </a:solidFill>
+          </a:ln>
+        </p:spPr>
+        <p:style>
+          <a:lnRef idx="2">
+            <a:schemeClr val="accent1">
+              <a:shade val="50000"/>
+            </a:schemeClr>
+          </a:lnRef>
+          <a:fillRef idx="1">
+            <a:schemeClr val="accent1"/>
+          </a:fillRef>
+          <a:effectRef idx="0">
+            <a:schemeClr val="accent1"/>
+          </a:effectRef>
+          <a:fontRef idx="minor">
+            <a:schemeClr val="lt1"/>
+          </a:fontRef>
+        </p:style>
+        <p:txBody>
+          <a:bodyPr rtlCol="0" anchor="ctr"/>
+          <a:lstStyle/>
+          <a:p>
+            <a:pPr algn="ctr"/>
+            <a:endParaRPr lang="pt-PT" dirty="0"/>
+          </a:p>
+        </p:txBody>
+      </p:sp>
     </p:spTree>
     <p:extLst>
       <p:ext uri="{BB962C8B-B14F-4D97-AF65-F5344CB8AC3E}">
@@ -38284,14 +39116,6 @@
             <a:endParaRPr lang="pt-PT" dirty="0"/>
           </a:p>
           <a:p>
-            <a:pPr lvl="1"/>
-            <a:endParaRPr lang="pt-PT" dirty="0"/>
-          </a:p>
-          <a:p>
-            <a:pPr lvl="1"/>
-            <a:endParaRPr lang="pt-PT" dirty="0"/>
-          </a:p>
-          <a:p>
             <a:endParaRPr lang="pt-PT" dirty="0"/>
           </a:p>
         </p:txBody>

--- a/StreamZ.pptx
+++ b/StreamZ.pptx
@@ -384,7 +384,7 @@
           <a:p>
             <a:fld id="{4F1D87AD-7F15-454B-AEBB-C308D2F86D9B}" type="slidenum">
               <a:rPr lang="en-US" smtClean="0"/>
-              <a:t>‹#›</a:t>
+              <a:t>‹nº›</a:t>
             </a:fld>
             <a:endParaRPr lang="en-US"/>
           </a:p>
@@ -550,7 +550,7 @@
           <a:noFill/>
           <a:extLst>
             <a:ext uri="{909E8E84-426E-40dd-AFC4-6F175D3DCCD1}">
-              <a14:hiddenFill xmlns="" xmlns:a14="http://schemas.microsoft.com/office/drawing/2010/main">
+              <a14:hiddenFill xmlns:a14="http://schemas.microsoft.com/office/drawing/2010/main" xmlns="">
                 <a:solidFill>
                   <a:srgbClr val="FFFFFF"/>
                 </a:solidFill>
@@ -609,7 +609,7 @@
             </a:ln>
             <a:extLst>
               <a:ext uri="{91240B29-F687-4f45-9708-019B960494DF}">
-                <a14:hiddenLine xmlns="" xmlns:a14="http://schemas.microsoft.com/office/drawing/2010/main" w="9525">
+                <a14:hiddenLine xmlns:a14="http://schemas.microsoft.com/office/drawing/2010/main" xmlns="" w="9525">
                   <a:solidFill>
                     <a:srgbClr val="000000"/>
                   </a:solidFill>
@@ -699,7 +699,7 @@
             </a:ln>
             <a:extLst>
               <a:ext uri="{91240B29-F687-4f45-9708-019B960494DF}">
-                <a14:hiddenLine xmlns="" xmlns:a14="http://schemas.microsoft.com/office/drawing/2010/main" w="9525">
+                <a14:hiddenLine xmlns:a14="http://schemas.microsoft.com/office/drawing/2010/main" xmlns="" w="9525">
                   <a:solidFill>
                     <a:srgbClr val="000000"/>
                   </a:solidFill>
@@ -789,7 +789,7 @@
             </a:ln>
             <a:extLst>
               <a:ext uri="{91240B29-F687-4f45-9708-019B960494DF}">
-                <a14:hiddenLine xmlns="" xmlns:a14="http://schemas.microsoft.com/office/drawing/2010/main" w="9525">
+                <a14:hiddenLine xmlns:a14="http://schemas.microsoft.com/office/drawing/2010/main" xmlns="" w="9525">
                   <a:solidFill>
                     <a:srgbClr val="000000"/>
                   </a:solidFill>
@@ -823,7 +823,7 @@
             </a:ln>
             <a:extLst>
               <a:ext uri="{91240B29-F687-4f45-9708-019B960494DF}">
-                <a14:hiddenLine xmlns="" xmlns:a14="http://schemas.microsoft.com/office/drawing/2010/main" w="9525">
+                <a14:hiddenLine xmlns:a14="http://schemas.microsoft.com/office/drawing/2010/main" xmlns="" w="9525">
                   <a:solidFill>
                     <a:srgbClr val="000000"/>
                   </a:solidFill>
@@ -913,7 +913,7 @@
             </a:ln>
             <a:extLst>
               <a:ext uri="{91240B29-F687-4f45-9708-019B960494DF}">
-                <a14:hiddenLine xmlns="" xmlns:a14="http://schemas.microsoft.com/office/drawing/2010/main" w="9525">
+                <a14:hiddenLine xmlns:a14="http://schemas.microsoft.com/office/drawing/2010/main" xmlns="" w="9525">
                   <a:solidFill>
                     <a:srgbClr val="000000"/>
                   </a:solidFill>
@@ -975,7 +975,7 @@
             </a:ln>
             <a:extLst>
               <a:ext uri="{91240B29-F687-4f45-9708-019B960494DF}">
-                <a14:hiddenLine xmlns="" xmlns:a14="http://schemas.microsoft.com/office/drawing/2010/main" w="9525">
+                <a14:hiddenLine xmlns:a14="http://schemas.microsoft.com/office/drawing/2010/main" xmlns="" w="9525">
                   <a:solidFill>
                     <a:srgbClr val="000000"/>
                   </a:solidFill>
@@ -1037,7 +1037,7 @@
             </a:ln>
             <a:extLst>
               <a:ext uri="{91240B29-F687-4f45-9708-019B960494DF}">
-                <a14:hiddenLine xmlns="" xmlns:a14="http://schemas.microsoft.com/office/drawing/2010/main" w="9525">
+                <a14:hiddenLine xmlns:a14="http://schemas.microsoft.com/office/drawing/2010/main" xmlns="" w="9525">
                   <a:solidFill>
                     <a:srgbClr val="000000"/>
                   </a:solidFill>
@@ -1127,7 +1127,7 @@
             </a:ln>
             <a:extLst>
               <a:ext uri="{91240B29-F687-4f45-9708-019B960494DF}">
-                <a14:hiddenLine xmlns="" xmlns:a14="http://schemas.microsoft.com/office/drawing/2010/main" w="9525">
+                <a14:hiddenLine xmlns:a14="http://schemas.microsoft.com/office/drawing/2010/main" xmlns="" w="9525">
                   <a:solidFill>
                     <a:srgbClr val="000000"/>
                   </a:solidFill>
@@ -1189,7 +1189,7 @@
             </a:ln>
             <a:extLst>
               <a:ext uri="{91240B29-F687-4f45-9708-019B960494DF}">
-                <a14:hiddenLine xmlns="" xmlns:a14="http://schemas.microsoft.com/office/drawing/2010/main" w="9525">
+                <a14:hiddenLine xmlns:a14="http://schemas.microsoft.com/office/drawing/2010/main" xmlns="" w="9525">
                   <a:solidFill>
                     <a:srgbClr val="000000"/>
                   </a:solidFill>
@@ -1251,7 +1251,7 @@
             </a:ln>
             <a:extLst>
               <a:ext uri="{91240B29-F687-4f45-9708-019B960494DF}">
-                <a14:hiddenLine xmlns="" xmlns:a14="http://schemas.microsoft.com/office/drawing/2010/main" w="9525">
+                <a14:hiddenLine xmlns:a14="http://schemas.microsoft.com/office/drawing/2010/main" xmlns="" w="9525">
                   <a:solidFill>
                     <a:srgbClr val="000000"/>
                   </a:solidFill>
@@ -1341,7 +1341,7 @@
             </a:ln>
             <a:extLst>
               <a:ext uri="{91240B29-F687-4f45-9708-019B960494DF}">
-                <a14:hiddenLine xmlns="" xmlns:a14="http://schemas.microsoft.com/office/drawing/2010/main" w="9525">
+                <a14:hiddenLine xmlns:a14="http://schemas.microsoft.com/office/drawing/2010/main" xmlns="" w="9525">
                   <a:solidFill>
                     <a:srgbClr val="000000"/>
                   </a:solidFill>
@@ -1431,7 +1431,7 @@
             </a:ln>
             <a:extLst>
               <a:ext uri="{91240B29-F687-4f45-9708-019B960494DF}">
-                <a14:hiddenLine xmlns="" xmlns:a14="http://schemas.microsoft.com/office/drawing/2010/main" w="9525">
+                <a14:hiddenLine xmlns:a14="http://schemas.microsoft.com/office/drawing/2010/main" xmlns="" w="9525">
                   <a:solidFill>
                     <a:srgbClr val="000000"/>
                   </a:solidFill>
@@ -1493,7 +1493,7 @@
             </a:ln>
             <a:extLst>
               <a:ext uri="{91240B29-F687-4f45-9708-019B960494DF}">
-                <a14:hiddenLine xmlns="" xmlns:a14="http://schemas.microsoft.com/office/drawing/2010/main" w="9525">
+                <a14:hiddenLine xmlns:a14="http://schemas.microsoft.com/office/drawing/2010/main" xmlns="" w="9525">
                   <a:solidFill>
                     <a:srgbClr val="000000"/>
                   </a:solidFill>
@@ -1603,7 +1603,7 @@
             </a:ln>
             <a:extLst>
               <a:ext uri="{91240B29-F687-4f45-9708-019B960494DF}">
-                <a14:hiddenLine xmlns="" xmlns:a14="http://schemas.microsoft.com/office/drawing/2010/main" w="9525">
+                <a14:hiddenLine xmlns:a14="http://schemas.microsoft.com/office/drawing/2010/main" xmlns="" w="9525">
                   <a:solidFill>
                     <a:srgbClr val="000000"/>
                   </a:solidFill>
@@ -1665,7 +1665,7 @@
             </a:ln>
             <a:extLst>
               <a:ext uri="{91240B29-F687-4f45-9708-019B960494DF}">
-                <a14:hiddenLine xmlns="" xmlns:a14="http://schemas.microsoft.com/office/drawing/2010/main" w="9525">
+                <a14:hiddenLine xmlns:a14="http://schemas.microsoft.com/office/drawing/2010/main" xmlns="" w="9525">
                   <a:solidFill>
                     <a:srgbClr val="000000"/>
                   </a:solidFill>
@@ -1755,7 +1755,7 @@
             </a:ln>
             <a:extLst>
               <a:ext uri="{91240B29-F687-4f45-9708-019B960494DF}">
-                <a14:hiddenLine xmlns="" xmlns:a14="http://schemas.microsoft.com/office/drawing/2010/main" w="9525">
+                <a14:hiddenLine xmlns:a14="http://schemas.microsoft.com/office/drawing/2010/main" xmlns="" w="9525">
                   <a:solidFill>
                     <a:srgbClr val="000000"/>
                   </a:solidFill>
@@ -1845,7 +1845,7 @@
             </a:ln>
             <a:extLst>
               <a:ext uri="{91240B29-F687-4f45-9708-019B960494DF}">
-                <a14:hiddenLine xmlns="" xmlns:a14="http://schemas.microsoft.com/office/drawing/2010/main" w="9525">
+                <a14:hiddenLine xmlns:a14="http://schemas.microsoft.com/office/drawing/2010/main" xmlns="" w="9525">
                   <a:solidFill>
                     <a:srgbClr val="000000"/>
                   </a:solidFill>
@@ -1907,7 +1907,7 @@
             </a:ln>
             <a:extLst>
               <a:ext uri="{91240B29-F687-4f45-9708-019B960494DF}">
-                <a14:hiddenLine xmlns="" xmlns:a14="http://schemas.microsoft.com/office/drawing/2010/main" w="9525">
+                <a14:hiddenLine xmlns:a14="http://schemas.microsoft.com/office/drawing/2010/main" xmlns="" w="9525">
                   <a:solidFill>
                     <a:srgbClr val="000000"/>
                   </a:solidFill>
@@ -1997,7 +1997,7 @@
             </a:ln>
             <a:extLst>
               <a:ext uri="{91240B29-F687-4f45-9708-019B960494DF}">
-                <a14:hiddenLine xmlns="" xmlns:a14="http://schemas.microsoft.com/office/drawing/2010/main" w="9525">
+                <a14:hiddenLine xmlns:a14="http://schemas.microsoft.com/office/drawing/2010/main" xmlns="" w="9525">
                   <a:solidFill>
                     <a:srgbClr val="000000"/>
                   </a:solidFill>
@@ -2087,7 +2087,7 @@
             </a:ln>
             <a:extLst>
               <a:ext uri="{91240B29-F687-4f45-9708-019B960494DF}">
-                <a14:hiddenLine xmlns="" xmlns:a14="http://schemas.microsoft.com/office/drawing/2010/main" w="9525">
+                <a14:hiddenLine xmlns:a14="http://schemas.microsoft.com/office/drawing/2010/main" xmlns="" w="9525">
                   <a:solidFill>
                     <a:srgbClr val="000000"/>
                   </a:solidFill>
@@ -2143,7 +2143,7 @@
             </a:ln>
             <a:extLst>
               <a:ext uri="{91240B29-F687-4f45-9708-019B960494DF}">
-                <a14:hiddenLine xmlns="" xmlns:a14="http://schemas.microsoft.com/office/drawing/2010/main" w="9525">
+                <a14:hiddenLine xmlns:a14="http://schemas.microsoft.com/office/drawing/2010/main" xmlns="" w="9525">
                   <a:solidFill>
                     <a:srgbClr val="000000"/>
                   </a:solidFill>
@@ -2233,7 +2233,7 @@
             </a:ln>
             <a:extLst>
               <a:ext uri="{91240B29-F687-4f45-9708-019B960494DF}">
-                <a14:hiddenLine xmlns="" xmlns:a14="http://schemas.microsoft.com/office/drawing/2010/main" w="9525">
+                <a14:hiddenLine xmlns:a14="http://schemas.microsoft.com/office/drawing/2010/main" xmlns="" w="9525">
                   <a:solidFill>
                     <a:srgbClr val="000000"/>
                   </a:solidFill>
@@ -2289,7 +2289,7 @@
             </a:ln>
             <a:extLst>
               <a:ext uri="{91240B29-F687-4f45-9708-019B960494DF}">
-                <a14:hiddenLine xmlns="" xmlns:a14="http://schemas.microsoft.com/office/drawing/2010/main" w="9525">
+                <a14:hiddenLine xmlns:a14="http://schemas.microsoft.com/office/drawing/2010/main" xmlns="" w="9525">
                   <a:solidFill>
                     <a:srgbClr val="000000"/>
                   </a:solidFill>
@@ -2379,7 +2379,7 @@
             </a:ln>
             <a:extLst>
               <a:ext uri="{91240B29-F687-4f45-9708-019B960494DF}">
-                <a14:hiddenLine xmlns="" xmlns:a14="http://schemas.microsoft.com/office/drawing/2010/main" w="9525">
+                <a14:hiddenLine xmlns:a14="http://schemas.microsoft.com/office/drawing/2010/main" xmlns="" w="9525">
                   <a:solidFill>
                     <a:srgbClr val="000000"/>
                   </a:solidFill>
@@ -2447,7 +2447,7 @@
             </a:ln>
             <a:extLst>
               <a:ext uri="{91240B29-F687-4f45-9708-019B960494DF}">
-                <a14:hiddenLine xmlns="" xmlns:a14="http://schemas.microsoft.com/office/drawing/2010/main" w="9525">
+                <a14:hiddenLine xmlns:a14="http://schemas.microsoft.com/office/drawing/2010/main" xmlns="" w="9525">
                   <a:solidFill>
                     <a:srgbClr val="000000"/>
                   </a:solidFill>
@@ -2537,7 +2537,7 @@
             </a:ln>
             <a:extLst>
               <a:ext uri="{91240B29-F687-4f45-9708-019B960494DF}">
-                <a14:hiddenLine xmlns="" xmlns:a14="http://schemas.microsoft.com/office/drawing/2010/main" w="9525">
+                <a14:hiddenLine xmlns:a14="http://schemas.microsoft.com/office/drawing/2010/main" xmlns="" w="9525">
                   <a:solidFill>
                     <a:srgbClr val="000000"/>
                   </a:solidFill>
@@ -2605,7 +2605,7 @@
             </a:ln>
             <a:extLst>
               <a:ext uri="{91240B29-F687-4f45-9708-019B960494DF}">
-                <a14:hiddenLine xmlns="" xmlns:a14="http://schemas.microsoft.com/office/drawing/2010/main" w="9525">
+                <a14:hiddenLine xmlns:a14="http://schemas.microsoft.com/office/drawing/2010/main" xmlns="" w="9525">
                   <a:solidFill>
                     <a:srgbClr val="000000"/>
                   </a:solidFill>
@@ -2695,7 +2695,7 @@
             </a:ln>
             <a:extLst>
               <a:ext uri="{91240B29-F687-4f45-9708-019B960494DF}">
-                <a14:hiddenLine xmlns="" xmlns:a14="http://schemas.microsoft.com/office/drawing/2010/main" w="9525">
+                <a14:hiddenLine xmlns:a14="http://schemas.microsoft.com/office/drawing/2010/main" xmlns="" w="9525">
                   <a:solidFill>
                     <a:srgbClr val="000000"/>
                   </a:solidFill>
@@ -2729,7 +2729,7 @@
             </a:ln>
             <a:extLst>
               <a:ext uri="{91240B29-F687-4f45-9708-019B960494DF}">
-                <a14:hiddenLine xmlns="" xmlns:a14="http://schemas.microsoft.com/office/drawing/2010/main" w="9525">
+                <a14:hiddenLine xmlns:a14="http://schemas.microsoft.com/office/drawing/2010/main" xmlns="" w="9525">
                   <a:solidFill>
                     <a:srgbClr val="000000"/>
                   </a:solidFill>
@@ -2819,7 +2819,7 @@
             </a:ln>
             <a:extLst>
               <a:ext uri="{91240B29-F687-4f45-9708-019B960494DF}">
-                <a14:hiddenLine xmlns="" xmlns:a14="http://schemas.microsoft.com/office/drawing/2010/main" w="9525">
+                <a14:hiddenLine xmlns:a14="http://schemas.microsoft.com/office/drawing/2010/main" xmlns="" w="9525">
                   <a:solidFill>
                     <a:srgbClr val="000000"/>
                   </a:solidFill>
@@ -2881,7 +2881,7 @@
             </a:ln>
             <a:extLst>
               <a:ext uri="{91240B29-F687-4f45-9708-019B960494DF}">
-                <a14:hiddenLine xmlns="" xmlns:a14="http://schemas.microsoft.com/office/drawing/2010/main" w="9525">
+                <a14:hiddenLine xmlns:a14="http://schemas.microsoft.com/office/drawing/2010/main" xmlns="" w="9525">
                   <a:solidFill>
                     <a:srgbClr val="000000"/>
                   </a:solidFill>
@@ -2943,7 +2943,7 @@
             </a:ln>
             <a:extLst>
               <a:ext uri="{91240B29-F687-4f45-9708-019B960494DF}">
-                <a14:hiddenLine xmlns="" xmlns:a14="http://schemas.microsoft.com/office/drawing/2010/main" w="9525">
+                <a14:hiddenLine xmlns:a14="http://schemas.microsoft.com/office/drawing/2010/main" xmlns="" w="9525">
                   <a:solidFill>
                     <a:srgbClr val="000000"/>
                   </a:solidFill>
@@ -3033,7 +3033,7 @@
             </a:ln>
             <a:extLst>
               <a:ext uri="{91240B29-F687-4f45-9708-019B960494DF}">
-                <a14:hiddenLine xmlns="" xmlns:a14="http://schemas.microsoft.com/office/drawing/2010/main" w="9525">
+                <a14:hiddenLine xmlns:a14="http://schemas.microsoft.com/office/drawing/2010/main" xmlns="" w="9525">
                   <a:solidFill>
                     <a:srgbClr val="000000"/>
                   </a:solidFill>
@@ -3101,7 +3101,7 @@
             </a:ln>
             <a:extLst>
               <a:ext uri="{91240B29-F687-4f45-9708-019B960494DF}">
-                <a14:hiddenLine xmlns="" xmlns:a14="http://schemas.microsoft.com/office/drawing/2010/main" w="9525">
+                <a14:hiddenLine xmlns:a14="http://schemas.microsoft.com/office/drawing/2010/main" xmlns="" w="9525">
                   <a:solidFill>
                     <a:srgbClr val="000000"/>
                   </a:solidFill>
@@ -3163,7 +3163,7 @@
             </a:ln>
             <a:extLst>
               <a:ext uri="{91240B29-F687-4f45-9708-019B960494DF}">
-                <a14:hiddenLine xmlns="" xmlns:a14="http://schemas.microsoft.com/office/drawing/2010/main" w="9525">
+                <a14:hiddenLine xmlns:a14="http://schemas.microsoft.com/office/drawing/2010/main" xmlns="" w="9525">
                   <a:solidFill>
                     <a:srgbClr val="000000"/>
                   </a:solidFill>
@@ -3253,7 +3253,7 @@
             </a:ln>
             <a:extLst>
               <a:ext uri="{91240B29-F687-4f45-9708-019B960494DF}">
-                <a14:hiddenLine xmlns="" xmlns:a14="http://schemas.microsoft.com/office/drawing/2010/main" w="9525">
+                <a14:hiddenLine xmlns:a14="http://schemas.microsoft.com/office/drawing/2010/main" xmlns="" w="9525">
                   <a:solidFill>
                     <a:srgbClr val="000000"/>
                   </a:solidFill>
@@ -3315,7 +3315,7 @@
             </a:ln>
             <a:extLst>
               <a:ext uri="{91240B29-F687-4f45-9708-019B960494DF}">
-                <a14:hiddenLine xmlns="" xmlns:a14="http://schemas.microsoft.com/office/drawing/2010/main" w="9525">
+                <a14:hiddenLine xmlns:a14="http://schemas.microsoft.com/office/drawing/2010/main" xmlns="" w="9525">
                   <a:solidFill>
                     <a:srgbClr val="000000"/>
                   </a:solidFill>
@@ -3405,7 +3405,7 @@
             </a:ln>
             <a:extLst>
               <a:ext uri="{91240B29-F687-4f45-9708-019B960494DF}">
-                <a14:hiddenLine xmlns="" xmlns:a14="http://schemas.microsoft.com/office/drawing/2010/main" w="9525">
+                <a14:hiddenLine xmlns:a14="http://schemas.microsoft.com/office/drawing/2010/main" xmlns="" w="9525">
                   <a:solidFill>
                     <a:srgbClr val="000000"/>
                   </a:solidFill>
@@ -3467,7 +3467,7 @@
             </a:ln>
             <a:extLst>
               <a:ext uri="{91240B29-F687-4f45-9708-019B960494DF}">
-                <a14:hiddenLine xmlns="" xmlns:a14="http://schemas.microsoft.com/office/drawing/2010/main" w="9525">
+                <a14:hiddenLine xmlns:a14="http://schemas.microsoft.com/office/drawing/2010/main" xmlns="" w="9525">
                   <a:solidFill>
                     <a:srgbClr val="000000"/>
                   </a:solidFill>
@@ -3557,7 +3557,7 @@
             </a:ln>
             <a:extLst>
               <a:ext uri="{91240B29-F687-4f45-9708-019B960494DF}">
-                <a14:hiddenLine xmlns="" xmlns:a14="http://schemas.microsoft.com/office/drawing/2010/main" w="9525">
+                <a14:hiddenLine xmlns:a14="http://schemas.microsoft.com/office/drawing/2010/main" xmlns="" w="9525">
                   <a:solidFill>
                     <a:srgbClr val="000000"/>
                   </a:solidFill>
@@ -3591,7 +3591,7 @@
             </a:ln>
             <a:extLst>
               <a:ext uri="{91240B29-F687-4f45-9708-019B960494DF}">
-                <a14:hiddenLine xmlns="" xmlns:a14="http://schemas.microsoft.com/office/drawing/2010/main" w="9525">
+                <a14:hiddenLine xmlns:a14="http://schemas.microsoft.com/office/drawing/2010/main" xmlns="" w="9525">
                   <a:solidFill>
                     <a:srgbClr val="000000"/>
                   </a:solidFill>
@@ -3656,7 +3656,7 @@
             </a:ln>
             <a:extLst>
               <a:ext uri="{91240B29-F687-4f45-9708-019B960494DF}">
-                <a14:hiddenLine xmlns="" xmlns:a14="http://schemas.microsoft.com/office/drawing/2010/main" w="9525">
+                <a14:hiddenLine xmlns:a14="http://schemas.microsoft.com/office/drawing/2010/main" xmlns="" w="9525">
                   <a:solidFill>
                     <a:srgbClr val="000000"/>
                   </a:solidFill>
@@ -3746,7 +3746,7 @@
             </a:ln>
             <a:extLst>
               <a:ext uri="{91240B29-F687-4f45-9708-019B960494DF}">
-                <a14:hiddenLine xmlns="" xmlns:a14="http://schemas.microsoft.com/office/drawing/2010/main" w="9525">
+                <a14:hiddenLine xmlns:a14="http://schemas.microsoft.com/office/drawing/2010/main" xmlns="" w="9525">
                   <a:solidFill>
                     <a:srgbClr val="000000"/>
                   </a:solidFill>
@@ -3808,7 +3808,7 @@
             </a:ln>
             <a:extLst>
               <a:ext uri="{91240B29-F687-4f45-9708-019B960494DF}">
-                <a14:hiddenLine xmlns="" xmlns:a14="http://schemas.microsoft.com/office/drawing/2010/main" w="9525">
+                <a14:hiddenLine xmlns:a14="http://schemas.microsoft.com/office/drawing/2010/main" xmlns="" w="9525">
                   <a:solidFill>
                     <a:srgbClr val="000000"/>
                   </a:solidFill>
@@ -3898,7 +3898,7 @@
             </a:ln>
             <a:extLst>
               <a:ext uri="{91240B29-F687-4f45-9708-019B960494DF}">
-                <a14:hiddenLine xmlns="" xmlns:a14="http://schemas.microsoft.com/office/drawing/2010/main" w="9525">
+                <a14:hiddenLine xmlns:a14="http://schemas.microsoft.com/office/drawing/2010/main" xmlns="" w="9525">
                   <a:solidFill>
                     <a:srgbClr val="000000"/>
                   </a:solidFill>
@@ -3988,7 +3988,7 @@
             </a:ln>
             <a:extLst>
               <a:ext uri="{91240B29-F687-4f45-9708-019B960494DF}">
-                <a14:hiddenLine xmlns="" xmlns:a14="http://schemas.microsoft.com/office/drawing/2010/main" w="9525">
+                <a14:hiddenLine xmlns:a14="http://schemas.microsoft.com/office/drawing/2010/main" xmlns="" w="9525">
                   <a:solidFill>
                     <a:srgbClr val="000000"/>
                   </a:solidFill>
@@ -4053,7 +4053,7 @@
             </a:ln>
             <a:extLst>
               <a:ext uri="{91240B29-F687-4f45-9708-019B960494DF}">
-                <a14:hiddenLine xmlns="" xmlns:a14="http://schemas.microsoft.com/office/drawing/2010/main" w="9525">
+                <a14:hiddenLine xmlns:a14="http://schemas.microsoft.com/office/drawing/2010/main" xmlns="" w="9525">
                   <a:solidFill>
                     <a:srgbClr val="000000"/>
                   </a:solidFill>
@@ -4115,7 +4115,7 @@
             </a:ln>
             <a:extLst>
               <a:ext uri="{91240B29-F687-4f45-9708-019B960494DF}">
-                <a14:hiddenLine xmlns="" xmlns:a14="http://schemas.microsoft.com/office/drawing/2010/main" w="9525">
+                <a14:hiddenLine xmlns:a14="http://schemas.microsoft.com/office/drawing/2010/main" xmlns="" w="9525">
                   <a:solidFill>
                     <a:srgbClr val="000000"/>
                   </a:solidFill>
@@ -4205,7 +4205,7 @@
             </a:ln>
             <a:extLst>
               <a:ext uri="{91240B29-F687-4f45-9708-019B960494DF}">
-                <a14:hiddenLine xmlns="" xmlns:a14="http://schemas.microsoft.com/office/drawing/2010/main" w="9525">
+                <a14:hiddenLine xmlns:a14="http://schemas.microsoft.com/office/drawing/2010/main" xmlns="" w="9525">
                   <a:solidFill>
                     <a:srgbClr val="000000"/>
                   </a:solidFill>
@@ -4295,7 +4295,7 @@
             </a:ln>
             <a:extLst>
               <a:ext uri="{91240B29-F687-4f45-9708-019B960494DF}">
-                <a14:hiddenLine xmlns="" xmlns:a14="http://schemas.microsoft.com/office/drawing/2010/main" w="9525">
+                <a14:hiddenLine xmlns:a14="http://schemas.microsoft.com/office/drawing/2010/main" xmlns="" w="9525">
                   <a:solidFill>
                     <a:srgbClr val="000000"/>
                   </a:solidFill>
@@ -4357,7 +4357,7 @@
             </a:ln>
             <a:extLst>
               <a:ext uri="{91240B29-F687-4f45-9708-019B960494DF}">
-                <a14:hiddenLine xmlns="" xmlns:a14="http://schemas.microsoft.com/office/drawing/2010/main" w="9525">
+                <a14:hiddenLine xmlns:a14="http://schemas.microsoft.com/office/drawing/2010/main" xmlns="" w="9525">
                   <a:solidFill>
                     <a:srgbClr val="000000"/>
                   </a:solidFill>
@@ -4477,7 +4477,7 @@
             </a:ln>
             <a:extLst>
               <a:ext uri="{91240B29-F687-4f45-9708-019B960494DF}">
-                <a14:hiddenLine xmlns="" xmlns:a14="http://schemas.microsoft.com/office/drawing/2010/main" w="9525">
+                <a14:hiddenLine xmlns:a14="http://schemas.microsoft.com/office/drawing/2010/main" xmlns="" w="9525">
                   <a:solidFill>
                     <a:srgbClr val="000000"/>
                   </a:solidFill>
@@ -4545,7 +4545,7 @@
             </a:ln>
             <a:extLst>
               <a:ext uri="{91240B29-F687-4f45-9708-019B960494DF}">
-                <a14:hiddenLine xmlns="" xmlns:a14="http://schemas.microsoft.com/office/drawing/2010/main" w="9525">
+                <a14:hiddenLine xmlns:a14="http://schemas.microsoft.com/office/drawing/2010/main" xmlns="" w="9525">
                   <a:solidFill>
                     <a:srgbClr val="000000"/>
                   </a:solidFill>
@@ -4635,7 +4635,7 @@
             </a:ln>
             <a:extLst>
               <a:ext uri="{91240B29-F687-4f45-9708-019B960494DF}">
-                <a14:hiddenLine xmlns="" xmlns:a14="http://schemas.microsoft.com/office/drawing/2010/main" w="9525">
+                <a14:hiddenLine xmlns:a14="http://schemas.microsoft.com/office/drawing/2010/main" xmlns="" w="9525">
                   <a:solidFill>
                     <a:srgbClr val="000000"/>
                   </a:solidFill>
@@ -4830,7 +4830,7 @@
           <a:p>
             <a:fld id="{40FE1B0E-D763-4525-8983-8614C84C5E4B}" type="slidenum">
               <a:rPr lang="pt-PT" smtClean="0"/>
-              <a:t>‹#›</a:t>
+              <a:t>‹nº›</a:t>
             </a:fld>
             <a:endParaRPr lang="pt-PT"/>
           </a:p>
@@ -5090,7 +5090,7 @@
           <a:p>
             <a:fld id="{40FE1B0E-D763-4525-8983-8614C84C5E4B}" type="slidenum">
               <a:rPr lang="pt-PT" smtClean="0"/>
-              <a:t>‹#›</a:t>
+              <a:t>‹nº›</a:t>
             </a:fld>
             <a:endParaRPr lang="pt-PT"/>
           </a:p>
@@ -5289,7 +5289,7 @@
           <a:p>
             <a:fld id="{40FE1B0E-D763-4525-8983-8614C84C5E4B}" type="slidenum">
               <a:rPr lang="pt-PT" smtClean="0"/>
-              <a:t>‹#›</a:t>
+              <a:t>‹nº›</a:t>
             </a:fld>
             <a:endParaRPr lang="pt-PT"/>
           </a:p>
@@ -5555,7 +5555,7 @@
           <a:p>
             <a:fld id="{40FE1B0E-D763-4525-8983-8614C84C5E4B}" type="slidenum">
               <a:rPr lang="pt-PT" smtClean="0"/>
-              <a:t>‹#›</a:t>
+              <a:t>‹nº›</a:t>
             </a:fld>
             <a:endParaRPr lang="pt-PT"/>
           </a:p>
@@ -5992,7 +5992,7 @@
           <a:p>
             <a:fld id="{40FE1B0E-D763-4525-8983-8614C84C5E4B}" type="slidenum">
               <a:rPr lang="pt-PT" smtClean="0"/>
-              <a:t>‹#›</a:t>
+              <a:t>‹nº›</a:t>
             </a:fld>
             <a:endParaRPr lang="pt-PT"/>
           </a:p>
@@ -6541,7 +6541,7 @@
           <a:p>
             <a:fld id="{40FE1B0E-D763-4525-8983-8614C84C5E4B}" type="slidenum">
               <a:rPr lang="pt-PT" smtClean="0"/>
-              <a:t>‹#›</a:t>
+              <a:t>‹nº›</a:t>
             </a:fld>
             <a:endParaRPr lang="pt-PT"/>
           </a:p>
@@ -7264,7 +7264,7 @@
           <a:p>
             <a:fld id="{40FE1B0E-D763-4525-8983-8614C84C5E4B}" type="slidenum">
               <a:rPr lang="pt-PT" smtClean="0"/>
-              <a:t>‹#›</a:t>
+              <a:t>‹nº›</a:t>
             </a:fld>
             <a:endParaRPr lang="pt-PT"/>
           </a:p>
@@ -7437,7 +7437,7 @@
           <a:p>
             <a:fld id="{40FE1B0E-D763-4525-8983-8614C84C5E4B}" type="slidenum">
               <a:rPr lang="pt-PT" smtClean="0"/>
-              <a:t>‹#›</a:t>
+              <a:t>‹nº›</a:t>
             </a:fld>
             <a:endParaRPr lang="pt-PT"/>
           </a:p>
@@ -7620,7 +7620,7 @@
           <a:p>
             <a:fld id="{40FE1B0E-D763-4525-8983-8614C84C5E4B}" type="slidenum">
               <a:rPr lang="pt-PT" smtClean="0"/>
-              <a:t>‹#›</a:t>
+              <a:t>‹nº›</a:t>
             </a:fld>
             <a:endParaRPr lang="pt-PT"/>
           </a:p>
@@ -7793,7 +7793,7 @@
           <a:p>
             <a:fld id="{40FE1B0E-D763-4525-8983-8614C84C5E4B}" type="slidenum">
               <a:rPr lang="pt-PT" smtClean="0"/>
-              <a:t>‹#›</a:t>
+              <a:t>‹nº›</a:t>
             </a:fld>
             <a:endParaRPr lang="pt-PT"/>
           </a:p>
@@ -8046,7 +8046,7 @@
           <a:p>
             <a:fld id="{40FE1B0E-D763-4525-8983-8614C84C5E4B}" type="slidenum">
               <a:rPr lang="pt-PT" smtClean="0"/>
-              <a:t>‹#›</a:t>
+              <a:t>‹nº›</a:t>
             </a:fld>
             <a:endParaRPr lang="pt-PT"/>
           </a:p>
@@ -8281,7 +8281,7 @@
           <a:p>
             <a:fld id="{40FE1B0E-D763-4525-8983-8614C84C5E4B}" type="slidenum">
               <a:rPr lang="pt-PT" smtClean="0"/>
-              <a:t>‹#›</a:t>
+              <a:t>‹nº›</a:t>
             </a:fld>
             <a:endParaRPr lang="pt-PT"/>
           </a:p>
@@ -8665,7 +8665,7 @@
           <a:p>
             <a:fld id="{40FE1B0E-D763-4525-8983-8614C84C5E4B}" type="slidenum">
               <a:rPr lang="pt-PT" smtClean="0"/>
-              <a:t>‹#›</a:t>
+              <a:t>‹nº›</a:t>
             </a:fld>
             <a:endParaRPr lang="pt-PT"/>
           </a:p>
@@ -8786,7 +8786,7 @@
           <a:p>
             <a:fld id="{40FE1B0E-D763-4525-8983-8614C84C5E4B}" type="slidenum">
               <a:rPr lang="pt-PT" smtClean="0"/>
-              <a:t>‹#›</a:t>
+              <a:t>‹nº›</a:t>
             </a:fld>
             <a:endParaRPr lang="pt-PT"/>
           </a:p>
@@ -8884,7 +8884,7 @@
           <a:p>
             <a:fld id="{40FE1B0E-D763-4525-8983-8614C84C5E4B}" type="slidenum">
               <a:rPr lang="pt-PT" smtClean="0"/>
-              <a:t>‹#›</a:t>
+              <a:t>‹nº›</a:t>
             </a:fld>
             <a:endParaRPr lang="pt-PT"/>
           </a:p>
@@ -9136,7 +9136,7 @@
           <a:p>
             <a:fld id="{40FE1B0E-D763-4525-8983-8614C84C5E4B}" type="slidenum">
               <a:rPr lang="pt-PT" smtClean="0"/>
-              <a:t>‹#›</a:t>
+              <a:t>‹nº›</a:t>
             </a:fld>
             <a:endParaRPr lang="pt-PT"/>
           </a:p>
@@ -9419,7 +9419,7 @@
           <a:p>
             <a:fld id="{40FE1B0E-D763-4525-8983-8614C84C5E4B}" type="slidenum">
               <a:rPr lang="pt-PT" smtClean="0"/>
-              <a:t>‹#›</a:t>
+              <a:t>‹nº›</a:t>
             </a:fld>
             <a:endParaRPr lang="pt-PT"/>
           </a:p>
@@ -9500,7 +9500,7 @@
           <a:noFill/>
           <a:extLst>
             <a:ext uri="{909E8E84-426E-40dd-AFC4-6F175D3DCCD1}">
-              <a14:hiddenFill xmlns="" xmlns:a14="http://schemas.microsoft.com/office/drawing/2010/main">
+              <a14:hiddenFill xmlns:a14="http://schemas.microsoft.com/office/drawing/2010/main" xmlns="">
                 <a:solidFill>
                   <a:srgbClr val="FFFFFF"/>
                 </a:solidFill>
@@ -9574,7 +9574,7 @@
               </a:ln>
               <a:extLst>
                 <a:ext uri="{91240B29-F687-4f45-9708-019B960494DF}">
-                  <a14:hiddenLine xmlns="" xmlns:a14="http://schemas.microsoft.com/office/drawing/2010/main" w="9525">
+                  <a14:hiddenLine xmlns:a14="http://schemas.microsoft.com/office/drawing/2010/main" xmlns="" w="9525">
                     <a:solidFill>
                       <a:srgbClr val="000000"/>
                     </a:solidFill>
@@ -9664,7 +9664,7 @@
               </a:ln>
               <a:extLst>
                 <a:ext uri="{91240B29-F687-4f45-9708-019B960494DF}">
-                  <a14:hiddenLine xmlns="" xmlns:a14="http://schemas.microsoft.com/office/drawing/2010/main" w="9525">
+                  <a14:hiddenLine xmlns:a14="http://schemas.microsoft.com/office/drawing/2010/main" xmlns="" w="9525">
                     <a:solidFill>
                       <a:srgbClr val="000000"/>
                     </a:solidFill>
@@ -9754,7 +9754,7 @@
               </a:ln>
               <a:extLst>
                 <a:ext uri="{91240B29-F687-4f45-9708-019B960494DF}">
-                  <a14:hiddenLine xmlns="" xmlns:a14="http://schemas.microsoft.com/office/drawing/2010/main" w="9525">
+                  <a14:hiddenLine xmlns:a14="http://schemas.microsoft.com/office/drawing/2010/main" xmlns="" w="9525">
                     <a:solidFill>
                       <a:srgbClr val="000000"/>
                     </a:solidFill>
@@ -9816,7 +9816,7 @@
               </a:ln>
               <a:extLst>
                 <a:ext uri="{91240B29-F687-4f45-9708-019B960494DF}">
-                  <a14:hiddenLine xmlns="" xmlns:a14="http://schemas.microsoft.com/office/drawing/2010/main" w="9525">
+                  <a14:hiddenLine xmlns:a14="http://schemas.microsoft.com/office/drawing/2010/main" xmlns="" w="9525">
                     <a:solidFill>
                       <a:srgbClr val="000000"/>
                     </a:solidFill>
@@ -9906,7 +9906,7 @@
               </a:ln>
               <a:extLst>
                 <a:ext uri="{91240B29-F687-4f45-9708-019B960494DF}">
-                  <a14:hiddenLine xmlns="" xmlns:a14="http://schemas.microsoft.com/office/drawing/2010/main" w="9525">
+                  <a14:hiddenLine xmlns:a14="http://schemas.microsoft.com/office/drawing/2010/main" xmlns="" w="9525">
                     <a:solidFill>
                       <a:srgbClr val="000000"/>
                     </a:solidFill>
@@ -9968,7 +9968,7 @@
               </a:ln>
               <a:extLst>
                 <a:ext uri="{91240B29-F687-4f45-9708-019B960494DF}">
-                  <a14:hiddenLine xmlns="" xmlns:a14="http://schemas.microsoft.com/office/drawing/2010/main" w="9525">
+                  <a14:hiddenLine xmlns:a14="http://schemas.microsoft.com/office/drawing/2010/main" xmlns="" w="9525">
                     <a:solidFill>
                       <a:srgbClr val="000000"/>
                     </a:solidFill>
@@ -10030,7 +10030,7 @@
               </a:ln>
               <a:extLst>
                 <a:ext uri="{91240B29-F687-4f45-9708-019B960494DF}">
-                  <a14:hiddenLine xmlns="" xmlns:a14="http://schemas.microsoft.com/office/drawing/2010/main" w="9525">
+                  <a14:hiddenLine xmlns:a14="http://schemas.microsoft.com/office/drawing/2010/main" xmlns="" w="9525">
                     <a:solidFill>
                       <a:srgbClr val="000000"/>
                     </a:solidFill>
@@ -10120,7 +10120,7 @@
               </a:ln>
               <a:extLst>
                 <a:ext uri="{91240B29-F687-4f45-9708-019B960494DF}">
-                  <a14:hiddenLine xmlns="" xmlns:a14="http://schemas.microsoft.com/office/drawing/2010/main" w="9525">
+                  <a14:hiddenLine xmlns:a14="http://schemas.microsoft.com/office/drawing/2010/main" xmlns="" w="9525">
                     <a:solidFill>
                       <a:srgbClr val="000000"/>
                     </a:solidFill>
@@ -10210,7 +10210,7 @@
               </a:ln>
               <a:extLst>
                 <a:ext uri="{91240B29-F687-4f45-9708-019B960494DF}">
-                  <a14:hiddenLine xmlns="" xmlns:a14="http://schemas.microsoft.com/office/drawing/2010/main" w="9525">
+                  <a14:hiddenLine xmlns:a14="http://schemas.microsoft.com/office/drawing/2010/main" xmlns="" w="9525">
                     <a:solidFill>
                       <a:srgbClr val="000000"/>
                     </a:solidFill>
@@ -10272,7 +10272,7 @@
               </a:ln>
               <a:extLst>
                 <a:ext uri="{91240B29-F687-4f45-9708-019B960494DF}">
-                  <a14:hiddenLine xmlns="" xmlns:a14="http://schemas.microsoft.com/office/drawing/2010/main" w="9525">
+                  <a14:hiddenLine xmlns:a14="http://schemas.microsoft.com/office/drawing/2010/main" xmlns="" w="9525">
                     <a:solidFill>
                       <a:srgbClr val="000000"/>
                     </a:solidFill>
@@ -10382,7 +10382,7 @@
               </a:ln>
               <a:extLst>
                 <a:ext uri="{91240B29-F687-4f45-9708-019B960494DF}">
-                  <a14:hiddenLine xmlns="" xmlns:a14="http://schemas.microsoft.com/office/drawing/2010/main" w="9525">
+                  <a14:hiddenLine xmlns:a14="http://schemas.microsoft.com/office/drawing/2010/main" xmlns="" w="9525">
                     <a:solidFill>
                       <a:srgbClr val="000000"/>
                     </a:solidFill>
@@ -10466,7 +10466,7 @@
               </a:ln>
               <a:extLst>
                 <a:ext uri="{91240B29-F687-4f45-9708-019B960494DF}">
-                  <a14:hiddenLine xmlns="" xmlns:a14="http://schemas.microsoft.com/office/drawing/2010/main" w="9525">
+                  <a14:hiddenLine xmlns:a14="http://schemas.microsoft.com/office/drawing/2010/main" xmlns="" w="9525">
                     <a:solidFill>
                       <a:srgbClr val="000000"/>
                     </a:solidFill>
@@ -10528,7 +10528,7 @@
               </a:ln>
               <a:extLst>
                 <a:ext uri="{91240B29-F687-4f45-9708-019B960494DF}">
-                  <a14:hiddenLine xmlns="" xmlns:a14="http://schemas.microsoft.com/office/drawing/2010/main" w="9525">
+                  <a14:hiddenLine xmlns:a14="http://schemas.microsoft.com/office/drawing/2010/main" xmlns="" w="9525">
                     <a:solidFill>
                       <a:srgbClr val="000000"/>
                     </a:solidFill>
@@ -10590,7 +10590,7 @@
               </a:ln>
               <a:extLst>
                 <a:ext uri="{91240B29-F687-4f45-9708-019B960494DF}">
-                  <a14:hiddenLine xmlns="" xmlns:a14="http://schemas.microsoft.com/office/drawing/2010/main" w="9525">
+                  <a14:hiddenLine xmlns:a14="http://schemas.microsoft.com/office/drawing/2010/main" xmlns="" w="9525">
                     <a:solidFill>
                       <a:srgbClr val="000000"/>
                     </a:solidFill>
@@ -10680,7 +10680,7 @@
               </a:ln>
               <a:extLst>
                 <a:ext uri="{91240B29-F687-4f45-9708-019B960494DF}">
-                  <a14:hiddenLine xmlns="" xmlns:a14="http://schemas.microsoft.com/office/drawing/2010/main" w="9525">
+                  <a14:hiddenLine xmlns:a14="http://schemas.microsoft.com/office/drawing/2010/main" xmlns="" w="9525">
                     <a:solidFill>
                       <a:srgbClr val="000000"/>
                     </a:solidFill>
@@ -10714,7 +10714,7 @@
               </a:ln>
               <a:extLst>
                 <a:ext uri="{91240B29-F687-4f45-9708-019B960494DF}">
-                  <a14:hiddenLine xmlns="" xmlns:a14="http://schemas.microsoft.com/office/drawing/2010/main" w="9525">
+                  <a14:hiddenLine xmlns:a14="http://schemas.microsoft.com/office/drawing/2010/main" xmlns="" w="9525">
                     <a:solidFill>
                       <a:srgbClr val="000000"/>
                     </a:solidFill>
@@ -10779,7 +10779,7 @@
               </a:ln>
               <a:extLst>
                 <a:ext uri="{91240B29-F687-4f45-9708-019B960494DF}">
-                  <a14:hiddenLine xmlns="" xmlns:a14="http://schemas.microsoft.com/office/drawing/2010/main" w="9525">
+                  <a14:hiddenLine xmlns:a14="http://schemas.microsoft.com/office/drawing/2010/main" xmlns="" w="9525">
                     <a:solidFill>
                       <a:srgbClr val="000000"/>
                     </a:solidFill>
@@ -10869,7 +10869,7 @@
               </a:ln>
               <a:extLst>
                 <a:ext uri="{91240B29-F687-4f45-9708-019B960494DF}">
-                  <a14:hiddenLine xmlns="" xmlns:a14="http://schemas.microsoft.com/office/drawing/2010/main" w="9525">
+                  <a14:hiddenLine xmlns:a14="http://schemas.microsoft.com/office/drawing/2010/main" xmlns="" w="9525">
                     <a:solidFill>
                       <a:srgbClr val="000000"/>
                     </a:solidFill>
@@ -10931,7 +10931,7 @@
               </a:ln>
               <a:extLst>
                 <a:ext uri="{91240B29-F687-4f45-9708-019B960494DF}">
-                  <a14:hiddenLine xmlns="" xmlns:a14="http://schemas.microsoft.com/office/drawing/2010/main" w="9525">
+                  <a14:hiddenLine xmlns:a14="http://schemas.microsoft.com/office/drawing/2010/main" xmlns="" w="9525">
                     <a:solidFill>
                       <a:srgbClr val="000000"/>
                     </a:solidFill>
@@ -11021,7 +11021,7 @@
               </a:ln>
               <a:extLst>
                 <a:ext uri="{91240B29-F687-4f45-9708-019B960494DF}">
-                  <a14:hiddenLine xmlns="" xmlns:a14="http://schemas.microsoft.com/office/drawing/2010/main" w="9525">
+                  <a14:hiddenLine xmlns:a14="http://schemas.microsoft.com/office/drawing/2010/main" xmlns="" w="9525">
                     <a:solidFill>
                       <a:srgbClr val="000000"/>
                     </a:solidFill>
@@ -11086,7 +11086,7 @@
               </a:ln>
               <a:extLst>
                 <a:ext uri="{91240B29-F687-4f45-9708-019B960494DF}">
-                  <a14:hiddenLine xmlns="" xmlns:a14="http://schemas.microsoft.com/office/drawing/2010/main" w="9525">
+                  <a14:hiddenLine xmlns:a14="http://schemas.microsoft.com/office/drawing/2010/main" xmlns="" w="9525">
                     <a:solidFill>
                       <a:srgbClr val="000000"/>
                     </a:solidFill>
@@ -11148,7 +11148,7 @@
               </a:ln>
               <a:extLst>
                 <a:ext uri="{91240B29-F687-4f45-9708-019B960494DF}">
-                  <a14:hiddenLine xmlns="" xmlns:a14="http://schemas.microsoft.com/office/drawing/2010/main" w="9525">
+                  <a14:hiddenLine xmlns:a14="http://schemas.microsoft.com/office/drawing/2010/main" xmlns="" w="9525">
                     <a:solidFill>
                       <a:srgbClr val="000000"/>
                     </a:solidFill>
@@ -11238,7 +11238,7 @@
               </a:ln>
               <a:extLst>
                 <a:ext uri="{91240B29-F687-4f45-9708-019B960494DF}">
-                  <a14:hiddenLine xmlns="" xmlns:a14="http://schemas.microsoft.com/office/drawing/2010/main" w="9525">
+                  <a14:hiddenLine xmlns:a14="http://schemas.microsoft.com/office/drawing/2010/main" xmlns="" w="9525">
                     <a:solidFill>
                       <a:srgbClr val="000000"/>
                     </a:solidFill>
@@ -11328,7 +11328,7 @@
               </a:ln>
               <a:extLst>
                 <a:ext uri="{91240B29-F687-4f45-9708-019B960494DF}">
-                  <a14:hiddenLine xmlns="" xmlns:a14="http://schemas.microsoft.com/office/drawing/2010/main" w="9525">
+                  <a14:hiddenLine xmlns:a14="http://schemas.microsoft.com/office/drawing/2010/main" xmlns="" w="9525">
                     <a:solidFill>
                       <a:srgbClr val="000000"/>
                     </a:solidFill>
@@ -11393,7 +11393,7 @@
               </a:ln>
               <a:extLst>
                 <a:ext uri="{91240B29-F687-4f45-9708-019B960494DF}">
-                  <a14:hiddenLine xmlns="" xmlns:a14="http://schemas.microsoft.com/office/drawing/2010/main" w="9525">
+                  <a14:hiddenLine xmlns:a14="http://schemas.microsoft.com/office/drawing/2010/main" xmlns="" w="9525">
                     <a:solidFill>
                       <a:srgbClr val="000000"/>
                     </a:solidFill>
@@ -11513,7 +11513,7 @@
               </a:ln>
               <a:extLst>
                 <a:ext uri="{91240B29-F687-4f45-9708-019B960494DF}">
-                  <a14:hiddenLine xmlns="" xmlns:a14="http://schemas.microsoft.com/office/drawing/2010/main" w="9525">
+                  <a14:hiddenLine xmlns:a14="http://schemas.microsoft.com/office/drawing/2010/main" xmlns="" w="9525">
                     <a:solidFill>
                       <a:srgbClr val="000000"/>
                     </a:solidFill>
@@ -11594,7 +11594,7 @@
               </a:ln>
               <a:extLst>
                 <a:ext uri="{91240B29-F687-4f45-9708-019B960494DF}">
-                  <a14:hiddenLine xmlns="" xmlns:a14="http://schemas.microsoft.com/office/drawing/2010/main" w="9525">
+                  <a14:hiddenLine xmlns:a14="http://schemas.microsoft.com/office/drawing/2010/main" xmlns="" w="9525">
                     <a:solidFill>
                       <a:srgbClr val="000000"/>
                     </a:solidFill>
@@ -11709,7 +11709,7 @@
               </a:ln>
               <a:extLst>
                 <a:ext uri="{91240B29-F687-4f45-9708-019B960494DF}">
-                  <a14:hiddenLine xmlns="" xmlns:a14="http://schemas.microsoft.com/office/drawing/2010/main" w="9525">
+                  <a14:hiddenLine xmlns:a14="http://schemas.microsoft.com/office/drawing/2010/main" xmlns="" w="9525">
                     <a:solidFill>
                       <a:srgbClr val="000000"/>
                     </a:solidFill>
@@ -11799,7 +11799,7 @@
               </a:ln>
               <a:extLst>
                 <a:ext uri="{91240B29-F687-4f45-9708-019B960494DF}">
-                  <a14:hiddenLine xmlns="" xmlns:a14="http://schemas.microsoft.com/office/drawing/2010/main" w="9525">
+                  <a14:hiddenLine xmlns:a14="http://schemas.microsoft.com/office/drawing/2010/main" xmlns="" w="9525">
                     <a:solidFill>
                       <a:srgbClr val="000000"/>
                     </a:solidFill>
@@ -11864,7 +11864,7 @@
               </a:ln>
               <a:extLst>
                 <a:ext uri="{91240B29-F687-4f45-9708-019B960494DF}">
-                  <a14:hiddenLine xmlns="" xmlns:a14="http://schemas.microsoft.com/office/drawing/2010/main" w="9525">
+                  <a14:hiddenLine xmlns:a14="http://schemas.microsoft.com/office/drawing/2010/main" xmlns="" w="9525">
                     <a:solidFill>
                       <a:srgbClr val="000000"/>
                     </a:solidFill>
@@ -11954,7 +11954,7 @@
               </a:ln>
               <a:extLst>
                 <a:ext uri="{91240B29-F687-4f45-9708-019B960494DF}">
-                  <a14:hiddenLine xmlns="" xmlns:a14="http://schemas.microsoft.com/office/drawing/2010/main" w="9525">
+                  <a14:hiddenLine xmlns:a14="http://schemas.microsoft.com/office/drawing/2010/main" xmlns="" w="9525">
                     <a:solidFill>
                       <a:srgbClr val="000000"/>
                     </a:solidFill>
@@ -12022,7 +12022,7 @@
               </a:ln>
               <a:extLst>
                 <a:ext uri="{91240B29-F687-4f45-9708-019B960494DF}">
-                  <a14:hiddenLine xmlns="" xmlns:a14="http://schemas.microsoft.com/office/drawing/2010/main" w="9525">
+                  <a14:hiddenLine xmlns:a14="http://schemas.microsoft.com/office/drawing/2010/main" xmlns="" w="9525">
                     <a:solidFill>
                       <a:srgbClr val="000000"/>
                     </a:solidFill>
@@ -12112,7 +12112,7 @@
               </a:ln>
               <a:extLst>
                 <a:ext uri="{91240B29-F687-4f45-9708-019B960494DF}">
-                  <a14:hiddenLine xmlns="" xmlns:a14="http://schemas.microsoft.com/office/drawing/2010/main" w="9525">
+                  <a14:hiddenLine xmlns:a14="http://schemas.microsoft.com/office/drawing/2010/main" xmlns="" w="9525">
                     <a:solidFill>
                       <a:srgbClr val="000000"/>
                     </a:solidFill>
@@ -12180,7 +12180,7 @@
               </a:ln>
               <a:extLst>
                 <a:ext uri="{91240B29-F687-4f45-9708-019B960494DF}">
-                  <a14:hiddenLine xmlns="" xmlns:a14="http://schemas.microsoft.com/office/drawing/2010/main" w="9525">
+                  <a14:hiddenLine xmlns:a14="http://schemas.microsoft.com/office/drawing/2010/main" xmlns="" w="9525">
                     <a:solidFill>
                       <a:srgbClr val="000000"/>
                     </a:solidFill>
@@ -12270,7 +12270,7 @@
               </a:ln>
               <a:extLst>
                 <a:ext uri="{91240B29-F687-4f45-9708-019B960494DF}">
-                  <a14:hiddenLine xmlns="" xmlns:a14="http://schemas.microsoft.com/office/drawing/2010/main" w="9525">
+                  <a14:hiddenLine xmlns:a14="http://schemas.microsoft.com/office/drawing/2010/main" xmlns="" w="9525">
                     <a:solidFill>
                       <a:srgbClr val="000000"/>
                     </a:solidFill>
@@ -12304,7 +12304,7 @@
               </a:ln>
               <a:extLst>
                 <a:ext uri="{91240B29-F687-4f45-9708-019B960494DF}">
-                  <a14:hiddenLine xmlns="" xmlns:a14="http://schemas.microsoft.com/office/drawing/2010/main" w="9525">
+                  <a14:hiddenLine xmlns:a14="http://schemas.microsoft.com/office/drawing/2010/main" xmlns="" w="9525">
                     <a:solidFill>
                       <a:srgbClr val="000000"/>
                     </a:solidFill>
@@ -12525,7 +12525,7 @@
           <a:p>
             <a:fld id="{40FE1B0E-D763-4525-8983-8614C84C5E4B}" type="slidenum">
               <a:rPr lang="pt-PT" smtClean="0"/>
-              <a:t>‹#›</a:t>
+              <a:t>‹nº›</a:t>
             </a:fld>
             <a:endParaRPr lang="pt-PT"/>
           </a:p>
@@ -13185,7 +13185,7 @@
           <a:noFill/>
           <a:extLst>
             <a:ext uri="{909E8E84-426E-40dd-AFC4-6F175D3DCCD1}">
-              <a14:hiddenFill xmlns:a14="http://schemas.microsoft.com/office/drawing/2010/main" xmlns:a16="http://schemas.microsoft.com/office/drawing/2014/main" xmlns="">
+              <a14:hiddenFill xmlns="" xmlns:a16="http://schemas.microsoft.com/office/drawing/2014/main" xmlns:a14="http://schemas.microsoft.com/office/drawing/2010/main">
                 <a:solidFill>
                   <a:srgbClr val="FFFFFF"/>
                 </a:solidFill>
@@ -13277,7 +13277,7 @@
             </a:ln>
             <a:extLst>
               <a:ext uri="{91240B29-F687-4f45-9708-019B960494DF}">
-                <a14:hiddenLine xmlns:a14="http://schemas.microsoft.com/office/drawing/2010/main" xmlns:a16="http://schemas.microsoft.com/office/drawing/2014/main" xmlns="" w="9525">
+                <a14:hiddenLine xmlns="" xmlns:a16="http://schemas.microsoft.com/office/drawing/2014/main" xmlns:a14="http://schemas.microsoft.com/office/drawing/2010/main" w="9525">
                   <a:solidFill>
                     <a:srgbClr val="000000"/>
                   </a:solidFill>
@@ -13382,7 +13382,7 @@
             </a:ln>
             <a:extLst>
               <a:ext uri="{91240B29-F687-4f45-9708-019B960494DF}">
-                <a14:hiddenLine xmlns:a14="http://schemas.microsoft.com/office/drawing/2010/main" xmlns:a16="http://schemas.microsoft.com/office/drawing/2014/main" xmlns="" w="9525">
+                <a14:hiddenLine xmlns="" xmlns:a16="http://schemas.microsoft.com/office/drawing/2014/main" xmlns:a14="http://schemas.microsoft.com/office/drawing/2010/main" w="9525">
                   <a:solidFill>
                     <a:srgbClr val="000000"/>
                   </a:solidFill>
@@ -13487,7 +13487,7 @@
             </a:ln>
             <a:extLst>
               <a:ext uri="{91240B29-F687-4f45-9708-019B960494DF}">
-                <a14:hiddenLine xmlns:a14="http://schemas.microsoft.com/office/drawing/2010/main" xmlns:a16="http://schemas.microsoft.com/office/drawing/2014/main" xmlns="" w="9525">
+                <a14:hiddenLine xmlns="" xmlns:a16="http://schemas.microsoft.com/office/drawing/2014/main" xmlns:a14="http://schemas.microsoft.com/office/drawing/2010/main" w="9525">
                   <a:solidFill>
                     <a:srgbClr val="000000"/>
                   </a:solidFill>
@@ -13536,7 +13536,7 @@
             </a:ln>
             <a:extLst>
               <a:ext uri="{91240B29-F687-4f45-9708-019B960494DF}">
-                <a14:hiddenLine xmlns:a14="http://schemas.microsoft.com/office/drawing/2010/main" xmlns:a16="http://schemas.microsoft.com/office/drawing/2014/main" xmlns="" w="9525">
+                <a14:hiddenLine xmlns="" xmlns:a16="http://schemas.microsoft.com/office/drawing/2014/main" xmlns:a14="http://schemas.microsoft.com/office/drawing/2010/main" w="9525">
                   <a:solidFill>
                     <a:srgbClr val="000000"/>
                   </a:solidFill>
@@ -13641,7 +13641,7 @@
             </a:ln>
             <a:extLst>
               <a:ext uri="{91240B29-F687-4f45-9708-019B960494DF}">
-                <a14:hiddenLine xmlns:a14="http://schemas.microsoft.com/office/drawing/2010/main" xmlns:a16="http://schemas.microsoft.com/office/drawing/2014/main" xmlns="" w="9525">
+                <a14:hiddenLine xmlns="" xmlns:a16="http://schemas.microsoft.com/office/drawing/2014/main" xmlns:a14="http://schemas.microsoft.com/office/drawing/2010/main" w="9525">
                   <a:solidFill>
                     <a:srgbClr val="000000"/>
                   </a:solidFill>
@@ -13718,7 +13718,7 @@
             </a:ln>
             <a:extLst>
               <a:ext uri="{91240B29-F687-4f45-9708-019B960494DF}">
-                <a14:hiddenLine xmlns:a14="http://schemas.microsoft.com/office/drawing/2010/main" xmlns:a16="http://schemas.microsoft.com/office/drawing/2014/main" xmlns="" w="9525">
+                <a14:hiddenLine xmlns="" xmlns:a16="http://schemas.microsoft.com/office/drawing/2014/main" xmlns:a14="http://schemas.microsoft.com/office/drawing/2010/main" w="9525">
                   <a:solidFill>
                     <a:srgbClr val="000000"/>
                   </a:solidFill>
@@ -13795,7 +13795,7 @@
             </a:ln>
             <a:extLst>
               <a:ext uri="{91240B29-F687-4f45-9708-019B960494DF}">
-                <a14:hiddenLine xmlns:a14="http://schemas.microsoft.com/office/drawing/2010/main" xmlns:a16="http://schemas.microsoft.com/office/drawing/2014/main" xmlns="" w="9525">
+                <a14:hiddenLine xmlns="" xmlns:a16="http://schemas.microsoft.com/office/drawing/2014/main" xmlns:a14="http://schemas.microsoft.com/office/drawing/2010/main" w="9525">
                   <a:solidFill>
                     <a:srgbClr val="000000"/>
                   </a:solidFill>
@@ -13900,7 +13900,7 @@
             </a:ln>
             <a:extLst>
               <a:ext uri="{91240B29-F687-4f45-9708-019B960494DF}">
-                <a14:hiddenLine xmlns:a14="http://schemas.microsoft.com/office/drawing/2010/main" xmlns:a16="http://schemas.microsoft.com/office/drawing/2014/main" xmlns="" w="9525">
+                <a14:hiddenLine xmlns="" xmlns:a16="http://schemas.microsoft.com/office/drawing/2014/main" xmlns:a14="http://schemas.microsoft.com/office/drawing/2010/main" w="9525">
                   <a:solidFill>
                     <a:srgbClr val="000000"/>
                   </a:solidFill>
@@ -13977,7 +13977,7 @@
             </a:ln>
             <a:extLst>
               <a:ext uri="{91240B29-F687-4f45-9708-019B960494DF}">
-                <a14:hiddenLine xmlns:a14="http://schemas.microsoft.com/office/drawing/2010/main" xmlns:a16="http://schemas.microsoft.com/office/drawing/2014/main" xmlns="" w="9525">
+                <a14:hiddenLine xmlns="" xmlns:a16="http://schemas.microsoft.com/office/drawing/2014/main" xmlns:a14="http://schemas.microsoft.com/office/drawing/2010/main" w="9525">
                   <a:solidFill>
                     <a:srgbClr val="000000"/>
                   </a:solidFill>
@@ -14054,7 +14054,7 @@
             </a:ln>
             <a:extLst>
               <a:ext uri="{91240B29-F687-4f45-9708-019B960494DF}">
-                <a14:hiddenLine xmlns:a14="http://schemas.microsoft.com/office/drawing/2010/main" xmlns:a16="http://schemas.microsoft.com/office/drawing/2014/main" xmlns="" w="9525">
+                <a14:hiddenLine xmlns="" xmlns:a16="http://schemas.microsoft.com/office/drawing/2014/main" xmlns:a14="http://schemas.microsoft.com/office/drawing/2010/main" w="9525">
                   <a:solidFill>
                     <a:srgbClr val="000000"/>
                   </a:solidFill>
@@ -14159,7 +14159,7 @@
             </a:ln>
             <a:extLst>
               <a:ext uri="{91240B29-F687-4f45-9708-019B960494DF}">
-                <a14:hiddenLine xmlns:a14="http://schemas.microsoft.com/office/drawing/2010/main" xmlns:a16="http://schemas.microsoft.com/office/drawing/2014/main" xmlns="" w="9525">
+                <a14:hiddenLine xmlns="" xmlns:a16="http://schemas.microsoft.com/office/drawing/2014/main" xmlns:a14="http://schemas.microsoft.com/office/drawing/2010/main" w="9525">
                   <a:solidFill>
                     <a:srgbClr val="000000"/>
                   </a:solidFill>
@@ -14264,7 +14264,7 @@
             </a:ln>
             <a:extLst>
               <a:ext uri="{91240B29-F687-4f45-9708-019B960494DF}">
-                <a14:hiddenLine xmlns:a14="http://schemas.microsoft.com/office/drawing/2010/main" xmlns:a16="http://schemas.microsoft.com/office/drawing/2014/main" xmlns="" w="9525">
+                <a14:hiddenLine xmlns="" xmlns:a16="http://schemas.microsoft.com/office/drawing/2014/main" xmlns:a14="http://schemas.microsoft.com/office/drawing/2010/main" w="9525">
                   <a:solidFill>
                     <a:srgbClr val="000000"/>
                   </a:solidFill>
@@ -14341,7 +14341,7 @@
             </a:ln>
             <a:extLst>
               <a:ext uri="{91240B29-F687-4f45-9708-019B960494DF}">
-                <a14:hiddenLine xmlns:a14="http://schemas.microsoft.com/office/drawing/2010/main" xmlns:a16="http://schemas.microsoft.com/office/drawing/2014/main" xmlns="" w="9525">
+                <a14:hiddenLine xmlns="" xmlns:a16="http://schemas.microsoft.com/office/drawing/2014/main" xmlns:a14="http://schemas.microsoft.com/office/drawing/2010/main" w="9525">
                   <a:solidFill>
                     <a:srgbClr val="000000"/>
                   </a:solidFill>
@@ -14466,7 +14466,7 @@
             </a:ln>
             <a:extLst>
               <a:ext uri="{91240B29-F687-4f45-9708-019B960494DF}">
-                <a14:hiddenLine xmlns:a14="http://schemas.microsoft.com/office/drawing/2010/main" xmlns:a16="http://schemas.microsoft.com/office/drawing/2014/main" xmlns="" w="9525">
+                <a14:hiddenLine xmlns="" xmlns:a16="http://schemas.microsoft.com/office/drawing/2014/main" xmlns:a14="http://schemas.microsoft.com/office/drawing/2010/main" w="9525">
                   <a:solidFill>
                     <a:srgbClr val="000000"/>
                   </a:solidFill>
@@ -14543,7 +14543,7 @@
             </a:ln>
             <a:extLst>
               <a:ext uri="{91240B29-F687-4f45-9708-019B960494DF}">
-                <a14:hiddenLine xmlns:a14="http://schemas.microsoft.com/office/drawing/2010/main" xmlns:a16="http://schemas.microsoft.com/office/drawing/2014/main" xmlns="" w="9525">
+                <a14:hiddenLine xmlns="" xmlns:a16="http://schemas.microsoft.com/office/drawing/2014/main" xmlns:a14="http://schemas.microsoft.com/office/drawing/2010/main" w="9525">
                   <a:solidFill>
                     <a:srgbClr val="000000"/>
                   </a:solidFill>
@@ -14648,7 +14648,7 @@
             </a:ln>
             <a:extLst>
               <a:ext uri="{91240B29-F687-4f45-9708-019B960494DF}">
-                <a14:hiddenLine xmlns:a14="http://schemas.microsoft.com/office/drawing/2010/main" xmlns:a16="http://schemas.microsoft.com/office/drawing/2014/main" xmlns="" w="9525">
+                <a14:hiddenLine xmlns="" xmlns:a16="http://schemas.microsoft.com/office/drawing/2014/main" xmlns:a14="http://schemas.microsoft.com/office/drawing/2010/main" w="9525">
                   <a:solidFill>
                     <a:srgbClr val="000000"/>
                   </a:solidFill>
@@ -14753,7 +14753,7 @@
             </a:ln>
             <a:extLst>
               <a:ext uri="{91240B29-F687-4f45-9708-019B960494DF}">
-                <a14:hiddenLine xmlns:a14="http://schemas.microsoft.com/office/drawing/2010/main" xmlns:a16="http://schemas.microsoft.com/office/drawing/2014/main" xmlns="" w="9525">
+                <a14:hiddenLine xmlns="" xmlns:a16="http://schemas.microsoft.com/office/drawing/2014/main" xmlns:a14="http://schemas.microsoft.com/office/drawing/2010/main" w="9525">
                   <a:solidFill>
                     <a:srgbClr val="000000"/>
                   </a:solidFill>
@@ -14830,7 +14830,7 @@
             </a:ln>
             <a:extLst>
               <a:ext uri="{91240B29-F687-4f45-9708-019B960494DF}">
-                <a14:hiddenLine xmlns:a14="http://schemas.microsoft.com/office/drawing/2010/main" xmlns:a16="http://schemas.microsoft.com/office/drawing/2014/main" xmlns="" w="9525">
+                <a14:hiddenLine xmlns="" xmlns:a16="http://schemas.microsoft.com/office/drawing/2014/main" xmlns:a14="http://schemas.microsoft.com/office/drawing/2010/main" w="9525">
                   <a:solidFill>
                     <a:srgbClr val="000000"/>
                   </a:solidFill>
@@ -14935,7 +14935,7 @@
             </a:ln>
             <a:extLst>
               <a:ext uri="{91240B29-F687-4f45-9708-019B960494DF}">
-                <a14:hiddenLine xmlns:a14="http://schemas.microsoft.com/office/drawing/2010/main" xmlns:a16="http://schemas.microsoft.com/office/drawing/2014/main" xmlns="" w="9525">
+                <a14:hiddenLine xmlns="" xmlns:a16="http://schemas.microsoft.com/office/drawing/2014/main" xmlns:a14="http://schemas.microsoft.com/office/drawing/2010/main" w="9525">
                   <a:solidFill>
                     <a:srgbClr val="000000"/>
                   </a:solidFill>
@@ -15040,7 +15040,7 @@
             </a:ln>
             <a:extLst>
               <a:ext uri="{91240B29-F687-4f45-9708-019B960494DF}">
-                <a14:hiddenLine xmlns:a14="http://schemas.microsoft.com/office/drawing/2010/main" xmlns:a16="http://schemas.microsoft.com/office/drawing/2014/main" xmlns="" w="9525">
+                <a14:hiddenLine xmlns="" xmlns:a16="http://schemas.microsoft.com/office/drawing/2014/main" xmlns:a14="http://schemas.microsoft.com/office/drawing/2010/main" w="9525">
                   <a:solidFill>
                     <a:srgbClr val="000000"/>
                   </a:solidFill>
@@ -15111,7 +15111,7 @@
             </a:ln>
             <a:extLst>
               <a:ext uri="{91240B29-F687-4f45-9708-019B960494DF}">
-                <a14:hiddenLine xmlns:a14="http://schemas.microsoft.com/office/drawing/2010/main" xmlns:a16="http://schemas.microsoft.com/office/drawing/2014/main" xmlns="" w="9525">
+                <a14:hiddenLine xmlns="" xmlns:a16="http://schemas.microsoft.com/office/drawing/2014/main" xmlns:a14="http://schemas.microsoft.com/office/drawing/2010/main" w="9525">
                   <a:solidFill>
                     <a:srgbClr val="000000"/>
                   </a:solidFill>
@@ -15216,7 +15216,7 @@
             </a:ln>
             <a:extLst>
               <a:ext uri="{91240B29-F687-4f45-9708-019B960494DF}">
-                <a14:hiddenLine xmlns:a14="http://schemas.microsoft.com/office/drawing/2010/main" xmlns:a16="http://schemas.microsoft.com/office/drawing/2014/main" xmlns="" w="9525">
+                <a14:hiddenLine xmlns="" xmlns:a16="http://schemas.microsoft.com/office/drawing/2014/main" xmlns:a14="http://schemas.microsoft.com/office/drawing/2010/main" w="9525">
                   <a:solidFill>
                     <a:srgbClr val="000000"/>
                   </a:solidFill>
@@ -15287,7 +15287,7 @@
             </a:ln>
             <a:extLst>
               <a:ext uri="{91240B29-F687-4f45-9708-019B960494DF}">
-                <a14:hiddenLine xmlns:a14="http://schemas.microsoft.com/office/drawing/2010/main" xmlns:a16="http://schemas.microsoft.com/office/drawing/2014/main" xmlns="" w="9525">
+                <a14:hiddenLine xmlns="" xmlns:a16="http://schemas.microsoft.com/office/drawing/2014/main" xmlns:a14="http://schemas.microsoft.com/office/drawing/2010/main" w="9525">
                   <a:solidFill>
                     <a:srgbClr val="000000"/>
                   </a:solidFill>
@@ -15392,7 +15392,7 @@
             </a:ln>
             <a:extLst>
               <a:ext uri="{91240B29-F687-4f45-9708-019B960494DF}">
-                <a14:hiddenLine xmlns:a14="http://schemas.microsoft.com/office/drawing/2010/main" xmlns:a16="http://schemas.microsoft.com/office/drawing/2014/main" xmlns="" w="9525">
+                <a14:hiddenLine xmlns="" xmlns:a16="http://schemas.microsoft.com/office/drawing/2014/main" xmlns:a14="http://schemas.microsoft.com/office/drawing/2010/main" w="9525">
                   <a:solidFill>
                     <a:srgbClr val="000000"/>
                   </a:solidFill>
@@ -15475,7 +15475,7 @@
             </a:ln>
             <a:extLst>
               <a:ext uri="{91240B29-F687-4f45-9708-019B960494DF}">
-                <a14:hiddenLine xmlns:a14="http://schemas.microsoft.com/office/drawing/2010/main" xmlns:a16="http://schemas.microsoft.com/office/drawing/2014/main" xmlns="" w="9525">
+                <a14:hiddenLine xmlns="" xmlns:a16="http://schemas.microsoft.com/office/drawing/2014/main" xmlns:a14="http://schemas.microsoft.com/office/drawing/2010/main" w="9525">
                   <a:solidFill>
                     <a:srgbClr val="000000"/>
                   </a:solidFill>
@@ -15580,7 +15580,7 @@
             </a:ln>
             <a:extLst>
               <a:ext uri="{91240B29-F687-4f45-9708-019B960494DF}">
-                <a14:hiddenLine xmlns:a14="http://schemas.microsoft.com/office/drawing/2010/main" xmlns:a16="http://schemas.microsoft.com/office/drawing/2014/main" xmlns="" w="9525">
+                <a14:hiddenLine xmlns="" xmlns:a16="http://schemas.microsoft.com/office/drawing/2014/main" xmlns:a14="http://schemas.microsoft.com/office/drawing/2010/main" w="9525">
                   <a:solidFill>
                     <a:srgbClr val="000000"/>
                   </a:solidFill>
@@ -15663,7 +15663,7 @@
             </a:ln>
             <a:extLst>
               <a:ext uri="{91240B29-F687-4f45-9708-019B960494DF}">
-                <a14:hiddenLine xmlns:a14="http://schemas.microsoft.com/office/drawing/2010/main" xmlns:a16="http://schemas.microsoft.com/office/drawing/2014/main" xmlns="" w="9525">
+                <a14:hiddenLine xmlns="" xmlns:a16="http://schemas.microsoft.com/office/drawing/2014/main" xmlns:a14="http://schemas.microsoft.com/office/drawing/2010/main" w="9525">
                   <a:solidFill>
                     <a:srgbClr val="000000"/>
                   </a:solidFill>
@@ -15768,7 +15768,7 @@
             </a:ln>
             <a:extLst>
               <a:ext uri="{91240B29-F687-4f45-9708-019B960494DF}">
-                <a14:hiddenLine xmlns:a14="http://schemas.microsoft.com/office/drawing/2010/main" xmlns:a16="http://schemas.microsoft.com/office/drawing/2014/main" xmlns="" w="9525">
+                <a14:hiddenLine xmlns="" xmlns:a16="http://schemas.microsoft.com/office/drawing/2014/main" xmlns:a14="http://schemas.microsoft.com/office/drawing/2010/main" w="9525">
                   <a:solidFill>
                     <a:srgbClr val="000000"/>
                   </a:solidFill>
@@ -15817,7 +15817,7 @@
             </a:ln>
             <a:extLst>
               <a:ext uri="{91240B29-F687-4f45-9708-019B960494DF}">
-                <a14:hiddenLine xmlns:a14="http://schemas.microsoft.com/office/drawing/2010/main" xmlns:a16="http://schemas.microsoft.com/office/drawing/2014/main" xmlns="" w="9525">
+                <a14:hiddenLine xmlns="" xmlns:a16="http://schemas.microsoft.com/office/drawing/2014/main" xmlns:a14="http://schemas.microsoft.com/office/drawing/2010/main" w="9525">
                   <a:solidFill>
                     <a:srgbClr val="000000"/>
                   </a:solidFill>
@@ -15922,7 +15922,7 @@
             </a:ln>
             <a:extLst>
               <a:ext uri="{91240B29-F687-4f45-9708-019B960494DF}">
-                <a14:hiddenLine xmlns:a14="http://schemas.microsoft.com/office/drawing/2010/main" xmlns:a16="http://schemas.microsoft.com/office/drawing/2014/main" xmlns="" w="9525">
+                <a14:hiddenLine xmlns="" xmlns:a16="http://schemas.microsoft.com/office/drawing/2014/main" xmlns:a14="http://schemas.microsoft.com/office/drawing/2010/main" w="9525">
                   <a:solidFill>
                     <a:srgbClr val="000000"/>
                   </a:solidFill>
@@ -15999,7 +15999,7 @@
             </a:ln>
             <a:extLst>
               <a:ext uri="{91240B29-F687-4f45-9708-019B960494DF}">
-                <a14:hiddenLine xmlns:a14="http://schemas.microsoft.com/office/drawing/2010/main" xmlns:a16="http://schemas.microsoft.com/office/drawing/2014/main" xmlns="" w="9525">
+                <a14:hiddenLine xmlns="" xmlns:a16="http://schemas.microsoft.com/office/drawing/2014/main" xmlns:a14="http://schemas.microsoft.com/office/drawing/2010/main" w="9525">
                   <a:solidFill>
                     <a:srgbClr val="000000"/>
                   </a:solidFill>
@@ -16076,7 +16076,7 @@
             </a:ln>
             <a:extLst>
               <a:ext uri="{91240B29-F687-4f45-9708-019B960494DF}">
-                <a14:hiddenLine xmlns:a14="http://schemas.microsoft.com/office/drawing/2010/main" xmlns:a16="http://schemas.microsoft.com/office/drawing/2014/main" xmlns="" w="9525">
+                <a14:hiddenLine xmlns="" xmlns:a16="http://schemas.microsoft.com/office/drawing/2014/main" xmlns:a14="http://schemas.microsoft.com/office/drawing/2010/main" w="9525">
                   <a:solidFill>
                     <a:srgbClr val="000000"/>
                   </a:solidFill>
@@ -16181,7 +16181,7 @@
             </a:ln>
             <a:extLst>
               <a:ext uri="{91240B29-F687-4f45-9708-019B960494DF}">
-                <a14:hiddenLine xmlns:a14="http://schemas.microsoft.com/office/drawing/2010/main" xmlns:a16="http://schemas.microsoft.com/office/drawing/2014/main" xmlns="" w="9525">
+                <a14:hiddenLine xmlns="" xmlns:a16="http://schemas.microsoft.com/office/drawing/2014/main" xmlns:a14="http://schemas.microsoft.com/office/drawing/2010/main" w="9525">
                   <a:solidFill>
                     <a:srgbClr val="000000"/>
                   </a:solidFill>
@@ -16264,7 +16264,7 @@
             </a:ln>
             <a:extLst>
               <a:ext uri="{91240B29-F687-4f45-9708-019B960494DF}">
-                <a14:hiddenLine xmlns:a14="http://schemas.microsoft.com/office/drawing/2010/main" xmlns:a16="http://schemas.microsoft.com/office/drawing/2014/main" xmlns="" w="9525">
+                <a14:hiddenLine xmlns="" xmlns:a16="http://schemas.microsoft.com/office/drawing/2014/main" xmlns:a14="http://schemas.microsoft.com/office/drawing/2010/main" w="9525">
                   <a:solidFill>
                     <a:srgbClr val="000000"/>
                   </a:solidFill>
@@ -16341,7 +16341,7 @@
             </a:ln>
             <a:extLst>
               <a:ext uri="{91240B29-F687-4f45-9708-019B960494DF}">
-                <a14:hiddenLine xmlns:a14="http://schemas.microsoft.com/office/drawing/2010/main" xmlns:a16="http://schemas.microsoft.com/office/drawing/2014/main" xmlns="" w="9525">
+                <a14:hiddenLine xmlns="" xmlns:a16="http://schemas.microsoft.com/office/drawing/2014/main" xmlns:a14="http://schemas.microsoft.com/office/drawing/2010/main" w="9525">
                   <a:solidFill>
                     <a:srgbClr val="000000"/>
                   </a:solidFill>
@@ -16446,7 +16446,7 @@
             </a:ln>
             <a:extLst>
               <a:ext uri="{91240B29-F687-4f45-9708-019B960494DF}">
-                <a14:hiddenLine xmlns:a14="http://schemas.microsoft.com/office/drawing/2010/main" xmlns:a16="http://schemas.microsoft.com/office/drawing/2014/main" xmlns="" w="9525">
+                <a14:hiddenLine xmlns="" xmlns:a16="http://schemas.microsoft.com/office/drawing/2014/main" xmlns:a14="http://schemas.microsoft.com/office/drawing/2010/main" w="9525">
                   <a:solidFill>
                     <a:srgbClr val="000000"/>
                   </a:solidFill>
@@ -16523,7 +16523,7 @@
             </a:ln>
             <a:extLst>
               <a:ext uri="{91240B29-F687-4f45-9708-019B960494DF}">
-                <a14:hiddenLine xmlns:a14="http://schemas.microsoft.com/office/drawing/2010/main" xmlns:a16="http://schemas.microsoft.com/office/drawing/2014/main" xmlns="" w="9525">
+                <a14:hiddenLine xmlns="" xmlns:a16="http://schemas.microsoft.com/office/drawing/2014/main" xmlns:a14="http://schemas.microsoft.com/office/drawing/2010/main" w="9525">
                   <a:solidFill>
                     <a:srgbClr val="000000"/>
                   </a:solidFill>
@@ -16628,7 +16628,7 @@
             </a:ln>
             <a:extLst>
               <a:ext uri="{91240B29-F687-4f45-9708-019B960494DF}">
-                <a14:hiddenLine xmlns:a14="http://schemas.microsoft.com/office/drawing/2010/main" xmlns:a16="http://schemas.microsoft.com/office/drawing/2014/main" xmlns="" w="9525">
+                <a14:hiddenLine xmlns="" xmlns:a16="http://schemas.microsoft.com/office/drawing/2014/main" xmlns:a14="http://schemas.microsoft.com/office/drawing/2010/main" w="9525">
                   <a:solidFill>
                     <a:srgbClr val="000000"/>
                   </a:solidFill>
@@ -16705,7 +16705,7 @@
             </a:ln>
             <a:extLst>
               <a:ext uri="{91240B29-F687-4f45-9708-019B960494DF}">
-                <a14:hiddenLine xmlns:a14="http://schemas.microsoft.com/office/drawing/2010/main" xmlns:a16="http://schemas.microsoft.com/office/drawing/2014/main" xmlns="" w="9525">
+                <a14:hiddenLine xmlns="" xmlns:a16="http://schemas.microsoft.com/office/drawing/2014/main" xmlns:a14="http://schemas.microsoft.com/office/drawing/2010/main" w="9525">
                   <a:solidFill>
                     <a:srgbClr val="000000"/>
                   </a:solidFill>
@@ -16810,7 +16810,7 @@
             </a:ln>
             <a:extLst>
               <a:ext uri="{91240B29-F687-4f45-9708-019B960494DF}">
-                <a14:hiddenLine xmlns:a14="http://schemas.microsoft.com/office/drawing/2010/main" xmlns:a16="http://schemas.microsoft.com/office/drawing/2014/main" xmlns="" w="9525">
+                <a14:hiddenLine xmlns="" xmlns:a16="http://schemas.microsoft.com/office/drawing/2014/main" xmlns:a14="http://schemas.microsoft.com/office/drawing/2010/main" w="9525">
                   <a:solidFill>
                     <a:srgbClr val="000000"/>
                   </a:solidFill>
@@ -16859,7 +16859,7 @@
             </a:ln>
             <a:extLst>
               <a:ext uri="{91240B29-F687-4f45-9708-019B960494DF}">
-                <a14:hiddenLine xmlns:a14="http://schemas.microsoft.com/office/drawing/2010/main" xmlns:a16="http://schemas.microsoft.com/office/drawing/2014/main" xmlns="" w="9525">
+                <a14:hiddenLine xmlns="" xmlns:a16="http://schemas.microsoft.com/office/drawing/2014/main" xmlns:a14="http://schemas.microsoft.com/office/drawing/2010/main" w="9525">
                   <a:solidFill>
                     <a:srgbClr val="000000"/>
                   </a:solidFill>
@@ -16939,7 +16939,7 @@
             </a:ln>
             <a:extLst>
               <a:ext uri="{91240B29-F687-4f45-9708-019B960494DF}">
-                <a14:hiddenLine xmlns:a14="http://schemas.microsoft.com/office/drawing/2010/main" xmlns:a16="http://schemas.microsoft.com/office/drawing/2014/main" xmlns="" w="9525">
+                <a14:hiddenLine xmlns="" xmlns:a16="http://schemas.microsoft.com/office/drawing/2014/main" xmlns:a14="http://schemas.microsoft.com/office/drawing/2010/main" w="9525">
                   <a:solidFill>
                     <a:srgbClr val="000000"/>
                   </a:solidFill>
@@ -17044,7 +17044,7 @@
             </a:ln>
             <a:extLst>
               <a:ext uri="{91240B29-F687-4f45-9708-019B960494DF}">
-                <a14:hiddenLine xmlns:a14="http://schemas.microsoft.com/office/drawing/2010/main" xmlns:a16="http://schemas.microsoft.com/office/drawing/2014/main" xmlns="" w="9525">
+                <a14:hiddenLine xmlns="" xmlns:a16="http://schemas.microsoft.com/office/drawing/2014/main" xmlns:a14="http://schemas.microsoft.com/office/drawing/2010/main" w="9525">
                   <a:solidFill>
                     <a:srgbClr val="000000"/>
                   </a:solidFill>
@@ -17121,7 +17121,7 @@
             </a:ln>
             <a:extLst>
               <a:ext uri="{91240B29-F687-4f45-9708-019B960494DF}">
-                <a14:hiddenLine xmlns:a14="http://schemas.microsoft.com/office/drawing/2010/main" xmlns:a16="http://schemas.microsoft.com/office/drawing/2014/main" xmlns="" w="9525">
+                <a14:hiddenLine xmlns="" xmlns:a16="http://schemas.microsoft.com/office/drawing/2014/main" xmlns:a14="http://schemas.microsoft.com/office/drawing/2010/main" w="9525">
                   <a:solidFill>
                     <a:srgbClr val="000000"/>
                   </a:solidFill>
@@ -17226,7 +17226,7 @@
             </a:ln>
             <a:extLst>
               <a:ext uri="{91240B29-F687-4f45-9708-019B960494DF}">
-                <a14:hiddenLine xmlns:a14="http://schemas.microsoft.com/office/drawing/2010/main" xmlns:a16="http://schemas.microsoft.com/office/drawing/2014/main" xmlns="" w="9525">
+                <a14:hiddenLine xmlns="" xmlns:a16="http://schemas.microsoft.com/office/drawing/2014/main" xmlns:a14="http://schemas.microsoft.com/office/drawing/2010/main" w="9525">
                   <a:solidFill>
                     <a:srgbClr val="000000"/>
                   </a:solidFill>
@@ -17331,7 +17331,7 @@
             </a:ln>
             <a:extLst>
               <a:ext uri="{91240B29-F687-4f45-9708-019B960494DF}">
-                <a14:hiddenLine xmlns:a14="http://schemas.microsoft.com/office/drawing/2010/main" xmlns:a16="http://schemas.microsoft.com/office/drawing/2014/main" xmlns="" w="9525">
+                <a14:hiddenLine xmlns="" xmlns:a16="http://schemas.microsoft.com/office/drawing/2014/main" xmlns:a14="http://schemas.microsoft.com/office/drawing/2010/main" w="9525">
                   <a:solidFill>
                     <a:srgbClr val="000000"/>
                   </a:solidFill>
@@ -17411,7 +17411,7 @@
             </a:ln>
             <a:extLst>
               <a:ext uri="{91240B29-F687-4f45-9708-019B960494DF}">
-                <a14:hiddenLine xmlns:a14="http://schemas.microsoft.com/office/drawing/2010/main" xmlns:a16="http://schemas.microsoft.com/office/drawing/2014/main" xmlns="" w="9525">
+                <a14:hiddenLine xmlns="" xmlns:a16="http://schemas.microsoft.com/office/drawing/2014/main" xmlns:a14="http://schemas.microsoft.com/office/drawing/2010/main" w="9525">
                   <a:solidFill>
                     <a:srgbClr val="000000"/>
                   </a:solidFill>
@@ -17488,7 +17488,7 @@
             </a:ln>
             <a:extLst>
               <a:ext uri="{91240B29-F687-4f45-9708-019B960494DF}">
-                <a14:hiddenLine xmlns:a14="http://schemas.microsoft.com/office/drawing/2010/main" xmlns:a16="http://schemas.microsoft.com/office/drawing/2014/main" xmlns="" w="9525">
+                <a14:hiddenLine xmlns="" xmlns:a16="http://schemas.microsoft.com/office/drawing/2014/main" xmlns:a14="http://schemas.microsoft.com/office/drawing/2010/main" w="9525">
                   <a:solidFill>
                     <a:srgbClr val="000000"/>
                   </a:solidFill>
@@ -17593,7 +17593,7 @@
             </a:ln>
             <a:extLst>
               <a:ext uri="{91240B29-F687-4f45-9708-019B960494DF}">
-                <a14:hiddenLine xmlns:a14="http://schemas.microsoft.com/office/drawing/2010/main" xmlns:a16="http://schemas.microsoft.com/office/drawing/2014/main" xmlns="" w="9525">
+                <a14:hiddenLine xmlns="" xmlns:a16="http://schemas.microsoft.com/office/drawing/2014/main" xmlns:a14="http://schemas.microsoft.com/office/drawing/2010/main" w="9525">
                   <a:solidFill>
                     <a:srgbClr val="000000"/>
                   </a:solidFill>
@@ -17698,7 +17698,7 @@
             </a:ln>
             <a:extLst>
               <a:ext uri="{91240B29-F687-4f45-9708-019B960494DF}">
-                <a14:hiddenLine xmlns:a14="http://schemas.microsoft.com/office/drawing/2010/main" xmlns:a16="http://schemas.microsoft.com/office/drawing/2014/main" xmlns="" w="9525">
+                <a14:hiddenLine xmlns="" xmlns:a16="http://schemas.microsoft.com/office/drawing/2014/main" xmlns:a14="http://schemas.microsoft.com/office/drawing/2010/main" w="9525">
                   <a:solidFill>
                     <a:srgbClr val="000000"/>
                   </a:solidFill>
@@ -17775,7 +17775,7 @@
             </a:ln>
             <a:extLst>
               <a:ext uri="{91240B29-F687-4f45-9708-019B960494DF}">
-                <a14:hiddenLine xmlns:a14="http://schemas.microsoft.com/office/drawing/2010/main" xmlns:a16="http://schemas.microsoft.com/office/drawing/2014/main" xmlns="" w="9525">
+                <a14:hiddenLine xmlns="" xmlns:a16="http://schemas.microsoft.com/office/drawing/2014/main" xmlns:a14="http://schemas.microsoft.com/office/drawing/2010/main" w="9525">
                   <a:solidFill>
                     <a:srgbClr val="000000"/>
                   </a:solidFill>
@@ -17910,7 +17910,7 @@
             </a:ln>
             <a:extLst>
               <a:ext uri="{91240B29-F687-4f45-9708-019B960494DF}">
-                <a14:hiddenLine xmlns:a14="http://schemas.microsoft.com/office/drawing/2010/main" xmlns:a16="http://schemas.microsoft.com/office/drawing/2014/main" xmlns="" w="9525">
+                <a14:hiddenLine xmlns="" xmlns:a16="http://schemas.microsoft.com/office/drawing/2014/main" xmlns:a14="http://schemas.microsoft.com/office/drawing/2010/main" w="9525">
                   <a:solidFill>
                     <a:srgbClr val="000000"/>
                   </a:solidFill>
@@ -17993,7 +17993,7 @@
             </a:ln>
             <a:extLst>
               <a:ext uri="{91240B29-F687-4f45-9708-019B960494DF}">
-                <a14:hiddenLine xmlns:a14="http://schemas.microsoft.com/office/drawing/2010/main" xmlns:a16="http://schemas.microsoft.com/office/drawing/2014/main" xmlns="" w="9525">
+                <a14:hiddenLine xmlns="" xmlns:a16="http://schemas.microsoft.com/office/drawing/2014/main" xmlns:a14="http://schemas.microsoft.com/office/drawing/2010/main" w="9525">
                   <a:solidFill>
                     <a:srgbClr val="000000"/>
                   </a:solidFill>
@@ -18098,7 +18098,7 @@
             </a:ln>
             <a:extLst>
               <a:ext uri="{91240B29-F687-4f45-9708-019B960494DF}">
-                <a14:hiddenLine xmlns:a14="http://schemas.microsoft.com/office/drawing/2010/main" xmlns:a16="http://schemas.microsoft.com/office/drawing/2014/main" xmlns="" w="9525">
+                <a14:hiddenLine xmlns="" xmlns:a16="http://schemas.microsoft.com/office/drawing/2014/main" xmlns:a14="http://schemas.microsoft.com/office/drawing/2010/main" w="9525">
                   <a:solidFill>
                     <a:srgbClr val="000000"/>
                   </a:solidFill>
@@ -18245,7 +18245,7 @@
             </a:ln>
             <a:extLst>
               <a:ext uri="{91240B29-F687-4f45-9708-019B960494DF}">
-                <a14:hiddenLine xmlns:a14="http://schemas.microsoft.com/office/drawing/2010/main" xmlns:p14="http://schemas.microsoft.com/office/powerpoint/2010/main" xmlns:a16="http://schemas.microsoft.com/office/drawing/2014/main" xmlns="" w="9525">
+                <a14:hiddenLine xmlns="" xmlns:a16="http://schemas.microsoft.com/office/drawing/2014/main" xmlns:p14="http://schemas.microsoft.com/office/powerpoint/2010/main" xmlns:a14="http://schemas.microsoft.com/office/drawing/2010/main" w="9525">
                   <a:solidFill>
                     <a:srgbClr val="000000"/>
                   </a:solidFill>
@@ -18350,7 +18350,7 @@
             </a:ln>
             <a:extLst>
               <a:ext uri="{91240B29-F687-4f45-9708-019B960494DF}">
-                <a14:hiddenLine xmlns:a14="http://schemas.microsoft.com/office/drawing/2010/main" xmlns:p14="http://schemas.microsoft.com/office/powerpoint/2010/main" xmlns:a16="http://schemas.microsoft.com/office/drawing/2014/main" xmlns="" w="9525">
+                <a14:hiddenLine xmlns="" xmlns:a16="http://schemas.microsoft.com/office/drawing/2014/main" xmlns:p14="http://schemas.microsoft.com/office/powerpoint/2010/main" xmlns:a14="http://schemas.microsoft.com/office/drawing/2010/main" w="9525">
                   <a:solidFill>
                     <a:srgbClr val="000000"/>
                   </a:solidFill>
@@ -18455,7 +18455,7 @@
             </a:ln>
             <a:extLst>
               <a:ext uri="{91240B29-F687-4f45-9708-019B960494DF}">
-                <a14:hiddenLine xmlns:a14="http://schemas.microsoft.com/office/drawing/2010/main" xmlns:p14="http://schemas.microsoft.com/office/powerpoint/2010/main" xmlns:a16="http://schemas.microsoft.com/office/drawing/2014/main" xmlns="" w="9525">
+                <a14:hiddenLine xmlns="" xmlns:a16="http://schemas.microsoft.com/office/drawing/2014/main" xmlns:p14="http://schemas.microsoft.com/office/powerpoint/2010/main" xmlns:a14="http://schemas.microsoft.com/office/drawing/2010/main" w="9525">
                   <a:solidFill>
                     <a:srgbClr val="000000"/>
                   </a:solidFill>
@@ -18504,7 +18504,7 @@
             </a:ln>
             <a:extLst>
               <a:ext uri="{91240B29-F687-4f45-9708-019B960494DF}">
-                <a14:hiddenLine xmlns:a14="http://schemas.microsoft.com/office/drawing/2010/main" xmlns:p14="http://schemas.microsoft.com/office/powerpoint/2010/main" xmlns:a16="http://schemas.microsoft.com/office/drawing/2014/main" xmlns="" w="9525">
+                <a14:hiddenLine xmlns="" xmlns:a16="http://schemas.microsoft.com/office/drawing/2014/main" xmlns:p14="http://schemas.microsoft.com/office/powerpoint/2010/main" xmlns:a14="http://schemas.microsoft.com/office/drawing/2010/main" w="9525">
                   <a:solidFill>
                     <a:srgbClr val="000000"/>
                   </a:solidFill>
@@ -18609,7 +18609,7 @@
             </a:ln>
             <a:extLst>
               <a:ext uri="{91240B29-F687-4f45-9708-019B960494DF}">
-                <a14:hiddenLine xmlns:a14="http://schemas.microsoft.com/office/drawing/2010/main" xmlns:p14="http://schemas.microsoft.com/office/powerpoint/2010/main" xmlns:a16="http://schemas.microsoft.com/office/drawing/2014/main" xmlns="" w="9525">
+                <a14:hiddenLine xmlns="" xmlns:a16="http://schemas.microsoft.com/office/drawing/2014/main" xmlns:p14="http://schemas.microsoft.com/office/powerpoint/2010/main" xmlns:a14="http://schemas.microsoft.com/office/drawing/2010/main" w="9525">
                   <a:solidFill>
                     <a:srgbClr val="000000"/>
                   </a:solidFill>
@@ -18686,7 +18686,7 @@
             </a:ln>
             <a:extLst>
               <a:ext uri="{91240B29-F687-4f45-9708-019B960494DF}">
-                <a14:hiddenLine xmlns:a14="http://schemas.microsoft.com/office/drawing/2010/main" xmlns:p14="http://schemas.microsoft.com/office/powerpoint/2010/main" xmlns:a16="http://schemas.microsoft.com/office/drawing/2014/main" xmlns="" w="9525">
+                <a14:hiddenLine xmlns="" xmlns:a16="http://schemas.microsoft.com/office/drawing/2014/main" xmlns:p14="http://schemas.microsoft.com/office/powerpoint/2010/main" xmlns:a14="http://schemas.microsoft.com/office/drawing/2010/main" w="9525">
                   <a:solidFill>
                     <a:srgbClr val="000000"/>
                   </a:solidFill>
@@ -18763,7 +18763,7 @@
             </a:ln>
             <a:extLst>
               <a:ext uri="{91240B29-F687-4f45-9708-019B960494DF}">
-                <a14:hiddenLine xmlns:a14="http://schemas.microsoft.com/office/drawing/2010/main" xmlns:p14="http://schemas.microsoft.com/office/powerpoint/2010/main" xmlns:a16="http://schemas.microsoft.com/office/drawing/2014/main" xmlns="" w="9525">
+                <a14:hiddenLine xmlns="" xmlns:a16="http://schemas.microsoft.com/office/drawing/2014/main" xmlns:p14="http://schemas.microsoft.com/office/powerpoint/2010/main" xmlns:a14="http://schemas.microsoft.com/office/drawing/2010/main" w="9525">
                   <a:solidFill>
                     <a:srgbClr val="000000"/>
                   </a:solidFill>
@@ -18868,7 +18868,7 @@
             </a:ln>
             <a:extLst>
               <a:ext uri="{91240B29-F687-4f45-9708-019B960494DF}">
-                <a14:hiddenLine xmlns:a14="http://schemas.microsoft.com/office/drawing/2010/main" xmlns:p14="http://schemas.microsoft.com/office/powerpoint/2010/main" xmlns:a16="http://schemas.microsoft.com/office/drawing/2014/main" xmlns="" w="9525">
+                <a14:hiddenLine xmlns="" xmlns:a16="http://schemas.microsoft.com/office/drawing/2014/main" xmlns:p14="http://schemas.microsoft.com/office/powerpoint/2010/main" xmlns:a14="http://schemas.microsoft.com/office/drawing/2010/main" w="9525">
                   <a:solidFill>
                     <a:srgbClr val="000000"/>
                   </a:solidFill>
@@ -18945,7 +18945,7 @@
             </a:ln>
             <a:extLst>
               <a:ext uri="{91240B29-F687-4f45-9708-019B960494DF}">
-                <a14:hiddenLine xmlns:a14="http://schemas.microsoft.com/office/drawing/2010/main" xmlns:p14="http://schemas.microsoft.com/office/powerpoint/2010/main" xmlns:a16="http://schemas.microsoft.com/office/drawing/2014/main" xmlns="" w="9525">
+                <a14:hiddenLine xmlns="" xmlns:a16="http://schemas.microsoft.com/office/drawing/2014/main" xmlns:p14="http://schemas.microsoft.com/office/powerpoint/2010/main" xmlns:a14="http://schemas.microsoft.com/office/drawing/2010/main" w="9525">
                   <a:solidFill>
                     <a:srgbClr val="000000"/>
                   </a:solidFill>
@@ -19022,7 +19022,7 @@
             </a:ln>
             <a:extLst>
               <a:ext uri="{91240B29-F687-4f45-9708-019B960494DF}">
-                <a14:hiddenLine xmlns:a14="http://schemas.microsoft.com/office/drawing/2010/main" xmlns:p14="http://schemas.microsoft.com/office/powerpoint/2010/main" xmlns:a16="http://schemas.microsoft.com/office/drawing/2014/main" xmlns="" w="9525">
+                <a14:hiddenLine xmlns="" xmlns:a16="http://schemas.microsoft.com/office/drawing/2014/main" xmlns:p14="http://schemas.microsoft.com/office/powerpoint/2010/main" xmlns:a14="http://schemas.microsoft.com/office/drawing/2010/main" w="9525">
                   <a:solidFill>
                     <a:srgbClr val="000000"/>
                   </a:solidFill>
@@ -19127,7 +19127,7 @@
             </a:ln>
             <a:extLst>
               <a:ext uri="{91240B29-F687-4f45-9708-019B960494DF}">
-                <a14:hiddenLine xmlns:a14="http://schemas.microsoft.com/office/drawing/2010/main" xmlns:p14="http://schemas.microsoft.com/office/powerpoint/2010/main" xmlns:a16="http://schemas.microsoft.com/office/drawing/2014/main" xmlns="" w="9525">
+                <a14:hiddenLine xmlns="" xmlns:a16="http://schemas.microsoft.com/office/drawing/2014/main" xmlns:p14="http://schemas.microsoft.com/office/powerpoint/2010/main" xmlns:a14="http://schemas.microsoft.com/office/drawing/2010/main" w="9525">
                   <a:solidFill>
                     <a:srgbClr val="000000"/>
                   </a:solidFill>
@@ -19232,7 +19232,7 @@
             </a:ln>
             <a:extLst>
               <a:ext uri="{91240B29-F687-4f45-9708-019B960494DF}">
-                <a14:hiddenLine xmlns:a14="http://schemas.microsoft.com/office/drawing/2010/main" xmlns:p14="http://schemas.microsoft.com/office/powerpoint/2010/main" xmlns:a16="http://schemas.microsoft.com/office/drawing/2014/main" xmlns="" w="9525">
+                <a14:hiddenLine xmlns="" xmlns:a16="http://schemas.microsoft.com/office/drawing/2014/main" xmlns:p14="http://schemas.microsoft.com/office/powerpoint/2010/main" xmlns:a14="http://schemas.microsoft.com/office/drawing/2010/main" w="9525">
                   <a:solidFill>
                     <a:srgbClr val="000000"/>
                   </a:solidFill>
@@ -19309,7 +19309,7 @@
             </a:ln>
             <a:extLst>
               <a:ext uri="{91240B29-F687-4f45-9708-019B960494DF}">
-                <a14:hiddenLine xmlns:a14="http://schemas.microsoft.com/office/drawing/2010/main" xmlns:p14="http://schemas.microsoft.com/office/powerpoint/2010/main" xmlns:a16="http://schemas.microsoft.com/office/drawing/2014/main" xmlns="" w="9525">
+                <a14:hiddenLine xmlns="" xmlns:a16="http://schemas.microsoft.com/office/drawing/2014/main" xmlns:p14="http://schemas.microsoft.com/office/powerpoint/2010/main" xmlns:a14="http://schemas.microsoft.com/office/drawing/2010/main" w="9525">
                   <a:solidFill>
                     <a:srgbClr val="000000"/>
                   </a:solidFill>
@@ -19434,7 +19434,7 @@
             </a:ln>
             <a:extLst>
               <a:ext uri="{91240B29-F687-4f45-9708-019B960494DF}">
-                <a14:hiddenLine xmlns:a14="http://schemas.microsoft.com/office/drawing/2010/main" xmlns:p14="http://schemas.microsoft.com/office/powerpoint/2010/main" xmlns:a16="http://schemas.microsoft.com/office/drawing/2014/main" xmlns="" w="9525">
+                <a14:hiddenLine xmlns="" xmlns:a16="http://schemas.microsoft.com/office/drawing/2014/main" xmlns:p14="http://schemas.microsoft.com/office/powerpoint/2010/main" xmlns:a14="http://schemas.microsoft.com/office/drawing/2010/main" w="9525">
                   <a:solidFill>
                     <a:srgbClr val="000000"/>
                   </a:solidFill>
@@ -19511,7 +19511,7 @@
             </a:ln>
             <a:extLst>
               <a:ext uri="{91240B29-F687-4f45-9708-019B960494DF}">
-                <a14:hiddenLine xmlns:a14="http://schemas.microsoft.com/office/drawing/2010/main" xmlns:p14="http://schemas.microsoft.com/office/powerpoint/2010/main" xmlns:a16="http://schemas.microsoft.com/office/drawing/2014/main" xmlns="" w="9525">
+                <a14:hiddenLine xmlns="" xmlns:a16="http://schemas.microsoft.com/office/drawing/2014/main" xmlns:p14="http://schemas.microsoft.com/office/powerpoint/2010/main" xmlns:a14="http://schemas.microsoft.com/office/drawing/2010/main" w="9525">
                   <a:solidFill>
                     <a:srgbClr val="000000"/>
                   </a:solidFill>
@@ -19616,7 +19616,7 @@
             </a:ln>
             <a:extLst>
               <a:ext uri="{91240B29-F687-4f45-9708-019B960494DF}">
-                <a14:hiddenLine xmlns:a14="http://schemas.microsoft.com/office/drawing/2010/main" xmlns:p14="http://schemas.microsoft.com/office/powerpoint/2010/main" xmlns:a16="http://schemas.microsoft.com/office/drawing/2014/main" xmlns="" w="9525">
+                <a14:hiddenLine xmlns="" xmlns:a16="http://schemas.microsoft.com/office/drawing/2014/main" xmlns:p14="http://schemas.microsoft.com/office/powerpoint/2010/main" xmlns:a14="http://schemas.microsoft.com/office/drawing/2010/main" w="9525">
                   <a:solidFill>
                     <a:srgbClr val="000000"/>
                   </a:solidFill>
@@ -19721,7 +19721,7 @@
             </a:ln>
             <a:extLst>
               <a:ext uri="{91240B29-F687-4f45-9708-019B960494DF}">
-                <a14:hiddenLine xmlns:a14="http://schemas.microsoft.com/office/drawing/2010/main" xmlns:p14="http://schemas.microsoft.com/office/powerpoint/2010/main" xmlns:a16="http://schemas.microsoft.com/office/drawing/2014/main" xmlns="" w="9525">
+                <a14:hiddenLine xmlns="" xmlns:a16="http://schemas.microsoft.com/office/drawing/2014/main" xmlns:p14="http://schemas.microsoft.com/office/powerpoint/2010/main" xmlns:a14="http://schemas.microsoft.com/office/drawing/2010/main" w="9525">
                   <a:solidFill>
                     <a:srgbClr val="000000"/>
                   </a:solidFill>
@@ -19798,7 +19798,7 @@
             </a:ln>
             <a:extLst>
               <a:ext uri="{91240B29-F687-4f45-9708-019B960494DF}">
-                <a14:hiddenLine xmlns:a14="http://schemas.microsoft.com/office/drawing/2010/main" xmlns:p14="http://schemas.microsoft.com/office/powerpoint/2010/main" xmlns:a16="http://schemas.microsoft.com/office/drawing/2014/main" xmlns="" w="9525">
+                <a14:hiddenLine xmlns="" xmlns:a16="http://schemas.microsoft.com/office/drawing/2014/main" xmlns:p14="http://schemas.microsoft.com/office/powerpoint/2010/main" xmlns:a14="http://schemas.microsoft.com/office/drawing/2010/main" w="9525">
                   <a:solidFill>
                     <a:srgbClr val="000000"/>
                   </a:solidFill>
@@ -19903,7 +19903,7 @@
             </a:ln>
             <a:extLst>
               <a:ext uri="{91240B29-F687-4f45-9708-019B960494DF}">
-                <a14:hiddenLine xmlns:a14="http://schemas.microsoft.com/office/drawing/2010/main" xmlns:p14="http://schemas.microsoft.com/office/powerpoint/2010/main" xmlns:a16="http://schemas.microsoft.com/office/drawing/2014/main" xmlns="" w="9525">
+                <a14:hiddenLine xmlns="" xmlns:a16="http://schemas.microsoft.com/office/drawing/2014/main" xmlns:p14="http://schemas.microsoft.com/office/powerpoint/2010/main" xmlns:a14="http://schemas.microsoft.com/office/drawing/2010/main" w="9525">
                   <a:solidFill>
                     <a:srgbClr val="000000"/>
                   </a:solidFill>
@@ -20008,7 +20008,7 @@
             </a:ln>
             <a:extLst>
               <a:ext uri="{91240B29-F687-4f45-9708-019B960494DF}">
-                <a14:hiddenLine xmlns:a14="http://schemas.microsoft.com/office/drawing/2010/main" xmlns:p14="http://schemas.microsoft.com/office/powerpoint/2010/main" xmlns:a16="http://schemas.microsoft.com/office/drawing/2014/main" xmlns="" w="9525">
+                <a14:hiddenLine xmlns="" xmlns:a16="http://schemas.microsoft.com/office/drawing/2014/main" xmlns:p14="http://schemas.microsoft.com/office/powerpoint/2010/main" xmlns:a14="http://schemas.microsoft.com/office/drawing/2010/main" w="9525">
                   <a:solidFill>
                     <a:srgbClr val="000000"/>
                   </a:solidFill>
@@ -20079,7 +20079,7 @@
             </a:ln>
             <a:extLst>
               <a:ext uri="{91240B29-F687-4f45-9708-019B960494DF}">
-                <a14:hiddenLine xmlns:a14="http://schemas.microsoft.com/office/drawing/2010/main" xmlns:p14="http://schemas.microsoft.com/office/powerpoint/2010/main" xmlns:a16="http://schemas.microsoft.com/office/drawing/2014/main" xmlns="" w="9525">
+                <a14:hiddenLine xmlns="" xmlns:a16="http://schemas.microsoft.com/office/drawing/2014/main" xmlns:p14="http://schemas.microsoft.com/office/powerpoint/2010/main" xmlns:a14="http://schemas.microsoft.com/office/drawing/2010/main" w="9525">
                   <a:solidFill>
                     <a:srgbClr val="000000"/>
                   </a:solidFill>
@@ -20184,7 +20184,7 @@
             </a:ln>
             <a:extLst>
               <a:ext uri="{91240B29-F687-4f45-9708-019B960494DF}">
-                <a14:hiddenLine xmlns:a14="http://schemas.microsoft.com/office/drawing/2010/main" xmlns:p14="http://schemas.microsoft.com/office/powerpoint/2010/main" xmlns:a16="http://schemas.microsoft.com/office/drawing/2014/main" xmlns="" w="9525">
+                <a14:hiddenLine xmlns="" xmlns:a16="http://schemas.microsoft.com/office/drawing/2014/main" xmlns:p14="http://schemas.microsoft.com/office/powerpoint/2010/main" xmlns:a14="http://schemas.microsoft.com/office/drawing/2010/main" w="9525">
                   <a:solidFill>
                     <a:srgbClr val="000000"/>
                   </a:solidFill>
@@ -20255,7 +20255,7 @@
             </a:ln>
             <a:extLst>
               <a:ext uri="{91240B29-F687-4f45-9708-019B960494DF}">
-                <a14:hiddenLine xmlns:a14="http://schemas.microsoft.com/office/drawing/2010/main" xmlns:p14="http://schemas.microsoft.com/office/powerpoint/2010/main" xmlns:a16="http://schemas.microsoft.com/office/drawing/2014/main" xmlns="" w="9525">
+                <a14:hiddenLine xmlns="" xmlns:a16="http://schemas.microsoft.com/office/drawing/2014/main" xmlns:p14="http://schemas.microsoft.com/office/powerpoint/2010/main" xmlns:a14="http://schemas.microsoft.com/office/drawing/2010/main" w="9525">
                   <a:solidFill>
                     <a:srgbClr val="000000"/>
                   </a:solidFill>
@@ -20360,7 +20360,7 @@
             </a:ln>
             <a:extLst>
               <a:ext uri="{91240B29-F687-4f45-9708-019B960494DF}">
-                <a14:hiddenLine xmlns:a14="http://schemas.microsoft.com/office/drawing/2010/main" xmlns:p14="http://schemas.microsoft.com/office/powerpoint/2010/main" xmlns:a16="http://schemas.microsoft.com/office/drawing/2014/main" xmlns="" w="9525">
+                <a14:hiddenLine xmlns="" xmlns:a16="http://schemas.microsoft.com/office/drawing/2014/main" xmlns:p14="http://schemas.microsoft.com/office/powerpoint/2010/main" xmlns:a14="http://schemas.microsoft.com/office/drawing/2010/main" w="9525">
                   <a:solidFill>
                     <a:srgbClr val="000000"/>
                   </a:solidFill>
@@ -20443,7 +20443,7 @@
             </a:ln>
             <a:extLst>
               <a:ext uri="{91240B29-F687-4f45-9708-019B960494DF}">
-                <a14:hiddenLine xmlns:a14="http://schemas.microsoft.com/office/drawing/2010/main" xmlns:p14="http://schemas.microsoft.com/office/powerpoint/2010/main" xmlns:a16="http://schemas.microsoft.com/office/drawing/2014/main" xmlns="" w="9525">
+                <a14:hiddenLine xmlns="" xmlns:a16="http://schemas.microsoft.com/office/drawing/2014/main" xmlns:p14="http://schemas.microsoft.com/office/powerpoint/2010/main" xmlns:a14="http://schemas.microsoft.com/office/drawing/2010/main" w="9525">
                   <a:solidFill>
                     <a:srgbClr val="000000"/>
                   </a:solidFill>
@@ -20548,7 +20548,7 @@
             </a:ln>
             <a:extLst>
               <a:ext uri="{91240B29-F687-4f45-9708-019B960494DF}">
-                <a14:hiddenLine xmlns:a14="http://schemas.microsoft.com/office/drawing/2010/main" xmlns:p14="http://schemas.microsoft.com/office/powerpoint/2010/main" xmlns:a16="http://schemas.microsoft.com/office/drawing/2014/main" xmlns="" w="9525">
+                <a14:hiddenLine xmlns="" xmlns:a16="http://schemas.microsoft.com/office/drawing/2014/main" xmlns:p14="http://schemas.microsoft.com/office/powerpoint/2010/main" xmlns:a14="http://schemas.microsoft.com/office/drawing/2010/main" w="9525">
                   <a:solidFill>
                     <a:srgbClr val="000000"/>
                   </a:solidFill>
@@ -20631,7 +20631,7 @@
             </a:ln>
             <a:extLst>
               <a:ext uri="{91240B29-F687-4f45-9708-019B960494DF}">
-                <a14:hiddenLine xmlns:a14="http://schemas.microsoft.com/office/drawing/2010/main" xmlns:p14="http://schemas.microsoft.com/office/powerpoint/2010/main" xmlns:a16="http://schemas.microsoft.com/office/drawing/2014/main" xmlns="" w="9525">
+                <a14:hiddenLine xmlns="" xmlns:a16="http://schemas.microsoft.com/office/drawing/2014/main" xmlns:p14="http://schemas.microsoft.com/office/powerpoint/2010/main" xmlns:a14="http://schemas.microsoft.com/office/drawing/2010/main" w="9525">
                   <a:solidFill>
                     <a:srgbClr val="000000"/>
                   </a:solidFill>
@@ -20736,7 +20736,7 @@
             </a:ln>
             <a:extLst>
               <a:ext uri="{91240B29-F687-4f45-9708-019B960494DF}">
-                <a14:hiddenLine xmlns:a14="http://schemas.microsoft.com/office/drawing/2010/main" xmlns:p14="http://schemas.microsoft.com/office/powerpoint/2010/main" xmlns:a16="http://schemas.microsoft.com/office/drawing/2014/main" xmlns="" w="9525">
+                <a14:hiddenLine xmlns="" xmlns:a16="http://schemas.microsoft.com/office/drawing/2014/main" xmlns:p14="http://schemas.microsoft.com/office/powerpoint/2010/main" xmlns:a14="http://schemas.microsoft.com/office/drawing/2010/main" w="9525">
                   <a:solidFill>
                     <a:srgbClr val="000000"/>
                   </a:solidFill>
@@ -20785,7 +20785,7 @@
             </a:ln>
             <a:extLst>
               <a:ext uri="{91240B29-F687-4f45-9708-019B960494DF}">
-                <a14:hiddenLine xmlns:a14="http://schemas.microsoft.com/office/drawing/2010/main" xmlns:p14="http://schemas.microsoft.com/office/powerpoint/2010/main" xmlns:a16="http://schemas.microsoft.com/office/drawing/2014/main" xmlns="" w="9525">
+                <a14:hiddenLine xmlns="" xmlns:a16="http://schemas.microsoft.com/office/drawing/2014/main" xmlns:p14="http://schemas.microsoft.com/office/powerpoint/2010/main" xmlns:a14="http://schemas.microsoft.com/office/drawing/2010/main" w="9525">
                   <a:solidFill>
                     <a:srgbClr val="000000"/>
                   </a:solidFill>
@@ -20890,7 +20890,7 @@
             </a:ln>
             <a:extLst>
               <a:ext uri="{91240B29-F687-4f45-9708-019B960494DF}">
-                <a14:hiddenLine xmlns:a14="http://schemas.microsoft.com/office/drawing/2010/main" xmlns:p14="http://schemas.microsoft.com/office/powerpoint/2010/main" xmlns:a16="http://schemas.microsoft.com/office/drawing/2014/main" xmlns="" w="9525">
+                <a14:hiddenLine xmlns="" xmlns:a16="http://schemas.microsoft.com/office/drawing/2014/main" xmlns:p14="http://schemas.microsoft.com/office/powerpoint/2010/main" xmlns:a14="http://schemas.microsoft.com/office/drawing/2010/main" w="9525">
                   <a:solidFill>
                     <a:srgbClr val="000000"/>
                   </a:solidFill>
@@ -20967,7 +20967,7 @@
             </a:ln>
             <a:extLst>
               <a:ext uri="{91240B29-F687-4f45-9708-019B960494DF}">
-                <a14:hiddenLine xmlns:a14="http://schemas.microsoft.com/office/drawing/2010/main" xmlns:p14="http://schemas.microsoft.com/office/powerpoint/2010/main" xmlns:a16="http://schemas.microsoft.com/office/drawing/2014/main" xmlns="" w="9525">
+                <a14:hiddenLine xmlns="" xmlns:a16="http://schemas.microsoft.com/office/drawing/2014/main" xmlns:p14="http://schemas.microsoft.com/office/powerpoint/2010/main" xmlns:a14="http://schemas.microsoft.com/office/drawing/2010/main" w="9525">
                   <a:solidFill>
                     <a:srgbClr val="000000"/>
                   </a:solidFill>
@@ -21044,7 +21044,7 @@
             </a:ln>
             <a:extLst>
               <a:ext uri="{91240B29-F687-4f45-9708-019B960494DF}">
-                <a14:hiddenLine xmlns:a14="http://schemas.microsoft.com/office/drawing/2010/main" xmlns:p14="http://schemas.microsoft.com/office/powerpoint/2010/main" xmlns:a16="http://schemas.microsoft.com/office/drawing/2014/main" xmlns="" w="9525">
+                <a14:hiddenLine xmlns="" xmlns:a16="http://schemas.microsoft.com/office/drawing/2014/main" xmlns:p14="http://schemas.microsoft.com/office/powerpoint/2010/main" xmlns:a14="http://schemas.microsoft.com/office/drawing/2010/main" w="9525">
                   <a:solidFill>
                     <a:srgbClr val="000000"/>
                   </a:solidFill>
@@ -21149,7 +21149,7 @@
             </a:ln>
             <a:extLst>
               <a:ext uri="{91240B29-F687-4f45-9708-019B960494DF}">
-                <a14:hiddenLine xmlns:a14="http://schemas.microsoft.com/office/drawing/2010/main" xmlns:p14="http://schemas.microsoft.com/office/powerpoint/2010/main" xmlns:a16="http://schemas.microsoft.com/office/drawing/2014/main" xmlns="" w="9525">
+                <a14:hiddenLine xmlns="" xmlns:a16="http://schemas.microsoft.com/office/drawing/2014/main" xmlns:p14="http://schemas.microsoft.com/office/powerpoint/2010/main" xmlns:a14="http://schemas.microsoft.com/office/drawing/2010/main" w="9525">
                   <a:solidFill>
                     <a:srgbClr val="000000"/>
                   </a:solidFill>
@@ -21232,7 +21232,7 @@
             </a:ln>
             <a:extLst>
               <a:ext uri="{91240B29-F687-4f45-9708-019B960494DF}">
-                <a14:hiddenLine xmlns:a14="http://schemas.microsoft.com/office/drawing/2010/main" xmlns:p14="http://schemas.microsoft.com/office/powerpoint/2010/main" xmlns:a16="http://schemas.microsoft.com/office/drawing/2014/main" xmlns="" w="9525">
+                <a14:hiddenLine xmlns="" xmlns:a16="http://schemas.microsoft.com/office/drawing/2014/main" xmlns:p14="http://schemas.microsoft.com/office/powerpoint/2010/main" xmlns:a14="http://schemas.microsoft.com/office/drawing/2010/main" w="9525">
                   <a:solidFill>
                     <a:srgbClr val="000000"/>
                   </a:solidFill>
@@ -21309,7 +21309,7 @@
             </a:ln>
             <a:extLst>
               <a:ext uri="{91240B29-F687-4f45-9708-019B960494DF}">
-                <a14:hiddenLine xmlns:a14="http://schemas.microsoft.com/office/drawing/2010/main" xmlns:p14="http://schemas.microsoft.com/office/powerpoint/2010/main" xmlns:a16="http://schemas.microsoft.com/office/drawing/2014/main" xmlns="" w="9525">
+                <a14:hiddenLine xmlns="" xmlns:a16="http://schemas.microsoft.com/office/drawing/2014/main" xmlns:p14="http://schemas.microsoft.com/office/powerpoint/2010/main" xmlns:a14="http://schemas.microsoft.com/office/drawing/2010/main" w="9525">
                   <a:solidFill>
                     <a:srgbClr val="000000"/>
                   </a:solidFill>
@@ -21414,7 +21414,7 @@
             </a:ln>
             <a:extLst>
               <a:ext uri="{91240B29-F687-4f45-9708-019B960494DF}">
-                <a14:hiddenLine xmlns:a14="http://schemas.microsoft.com/office/drawing/2010/main" xmlns:p14="http://schemas.microsoft.com/office/powerpoint/2010/main" xmlns:a16="http://schemas.microsoft.com/office/drawing/2014/main" xmlns="" w="9525">
+                <a14:hiddenLine xmlns="" xmlns:a16="http://schemas.microsoft.com/office/drawing/2014/main" xmlns:p14="http://schemas.microsoft.com/office/powerpoint/2010/main" xmlns:a14="http://schemas.microsoft.com/office/drawing/2010/main" w="9525">
                   <a:solidFill>
                     <a:srgbClr val="000000"/>
                   </a:solidFill>
@@ -21491,7 +21491,7 @@
             </a:ln>
             <a:extLst>
               <a:ext uri="{91240B29-F687-4f45-9708-019B960494DF}">
-                <a14:hiddenLine xmlns:a14="http://schemas.microsoft.com/office/drawing/2010/main" xmlns:p14="http://schemas.microsoft.com/office/powerpoint/2010/main" xmlns:a16="http://schemas.microsoft.com/office/drawing/2014/main" xmlns="" w="9525">
+                <a14:hiddenLine xmlns="" xmlns:a16="http://schemas.microsoft.com/office/drawing/2014/main" xmlns:p14="http://schemas.microsoft.com/office/powerpoint/2010/main" xmlns:a14="http://schemas.microsoft.com/office/drawing/2010/main" w="9525">
                   <a:solidFill>
                     <a:srgbClr val="000000"/>
                   </a:solidFill>
@@ -21596,7 +21596,7 @@
             </a:ln>
             <a:extLst>
               <a:ext uri="{91240B29-F687-4f45-9708-019B960494DF}">
-                <a14:hiddenLine xmlns:a14="http://schemas.microsoft.com/office/drawing/2010/main" xmlns:p14="http://schemas.microsoft.com/office/powerpoint/2010/main" xmlns:a16="http://schemas.microsoft.com/office/drawing/2014/main" xmlns="" w="9525">
+                <a14:hiddenLine xmlns="" xmlns:a16="http://schemas.microsoft.com/office/drawing/2014/main" xmlns:p14="http://schemas.microsoft.com/office/powerpoint/2010/main" xmlns:a14="http://schemas.microsoft.com/office/drawing/2010/main" w="9525">
                   <a:solidFill>
                     <a:srgbClr val="000000"/>
                   </a:solidFill>
@@ -21673,7 +21673,7 @@
             </a:ln>
             <a:extLst>
               <a:ext uri="{91240B29-F687-4f45-9708-019B960494DF}">
-                <a14:hiddenLine xmlns:a14="http://schemas.microsoft.com/office/drawing/2010/main" xmlns:p14="http://schemas.microsoft.com/office/powerpoint/2010/main" xmlns:a16="http://schemas.microsoft.com/office/drawing/2014/main" xmlns="" w="9525">
+                <a14:hiddenLine xmlns="" xmlns:a16="http://schemas.microsoft.com/office/drawing/2014/main" xmlns:p14="http://schemas.microsoft.com/office/powerpoint/2010/main" xmlns:a14="http://schemas.microsoft.com/office/drawing/2010/main" w="9525">
                   <a:solidFill>
                     <a:srgbClr val="000000"/>
                   </a:solidFill>
@@ -21778,7 +21778,7 @@
             </a:ln>
             <a:extLst>
               <a:ext uri="{91240B29-F687-4f45-9708-019B960494DF}">
-                <a14:hiddenLine xmlns:a14="http://schemas.microsoft.com/office/drawing/2010/main" xmlns:p14="http://schemas.microsoft.com/office/powerpoint/2010/main" xmlns:a16="http://schemas.microsoft.com/office/drawing/2014/main" xmlns="" w="9525">
+                <a14:hiddenLine xmlns="" xmlns:a16="http://schemas.microsoft.com/office/drawing/2014/main" xmlns:p14="http://schemas.microsoft.com/office/powerpoint/2010/main" xmlns:a14="http://schemas.microsoft.com/office/drawing/2010/main" w="9525">
                   <a:solidFill>
                     <a:srgbClr val="000000"/>
                   </a:solidFill>
@@ -21827,7 +21827,7 @@
             </a:ln>
             <a:extLst>
               <a:ext uri="{91240B29-F687-4f45-9708-019B960494DF}">
-                <a14:hiddenLine xmlns:a14="http://schemas.microsoft.com/office/drawing/2010/main" xmlns:p14="http://schemas.microsoft.com/office/powerpoint/2010/main" xmlns:a16="http://schemas.microsoft.com/office/drawing/2014/main" xmlns="" w="9525">
+                <a14:hiddenLine xmlns="" xmlns:a16="http://schemas.microsoft.com/office/drawing/2014/main" xmlns:p14="http://schemas.microsoft.com/office/powerpoint/2010/main" xmlns:a14="http://schemas.microsoft.com/office/drawing/2010/main" w="9525">
                   <a:solidFill>
                     <a:srgbClr val="000000"/>
                   </a:solidFill>
@@ -21907,7 +21907,7 @@
             </a:ln>
             <a:extLst>
               <a:ext uri="{91240B29-F687-4f45-9708-019B960494DF}">
-                <a14:hiddenLine xmlns:a14="http://schemas.microsoft.com/office/drawing/2010/main" xmlns:p14="http://schemas.microsoft.com/office/powerpoint/2010/main" xmlns:a16="http://schemas.microsoft.com/office/drawing/2014/main" xmlns="" w="9525">
+                <a14:hiddenLine xmlns="" xmlns:a16="http://schemas.microsoft.com/office/drawing/2014/main" xmlns:p14="http://schemas.microsoft.com/office/powerpoint/2010/main" xmlns:a14="http://schemas.microsoft.com/office/drawing/2010/main" w="9525">
                   <a:solidFill>
                     <a:srgbClr val="000000"/>
                   </a:solidFill>
@@ -22012,7 +22012,7 @@
             </a:ln>
             <a:extLst>
               <a:ext uri="{91240B29-F687-4f45-9708-019B960494DF}">
-                <a14:hiddenLine xmlns:a14="http://schemas.microsoft.com/office/drawing/2010/main" xmlns:p14="http://schemas.microsoft.com/office/powerpoint/2010/main" xmlns:a16="http://schemas.microsoft.com/office/drawing/2014/main" xmlns="" w="9525">
+                <a14:hiddenLine xmlns="" xmlns:a16="http://schemas.microsoft.com/office/drawing/2014/main" xmlns:p14="http://schemas.microsoft.com/office/powerpoint/2010/main" xmlns:a14="http://schemas.microsoft.com/office/drawing/2010/main" w="9525">
                   <a:solidFill>
                     <a:srgbClr val="000000"/>
                   </a:solidFill>
@@ -22089,7 +22089,7 @@
             </a:ln>
             <a:extLst>
               <a:ext uri="{91240B29-F687-4f45-9708-019B960494DF}">
-                <a14:hiddenLine xmlns:a14="http://schemas.microsoft.com/office/drawing/2010/main" xmlns:p14="http://schemas.microsoft.com/office/powerpoint/2010/main" xmlns:a16="http://schemas.microsoft.com/office/drawing/2014/main" xmlns="" w="9525">
+                <a14:hiddenLine xmlns="" xmlns:a16="http://schemas.microsoft.com/office/drawing/2014/main" xmlns:p14="http://schemas.microsoft.com/office/powerpoint/2010/main" xmlns:a14="http://schemas.microsoft.com/office/drawing/2010/main" w="9525">
                   <a:solidFill>
                     <a:srgbClr val="000000"/>
                   </a:solidFill>
@@ -22194,7 +22194,7 @@
             </a:ln>
             <a:extLst>
               <a:ext uri="{91240B29-F687-4f45-9708-019B960494DF}">
-                <a14:hiddenLine xmlns:a14="http://schemas.microsoft.com/office/drawing/2010/main" xmlns:p14="http://schemas.microsoft.com/office/powerpoint/2010/main" xmlns:a16="http://schemas.microsoft.com/office/drawing/2014/main" xmlns="" w="9525">
+                <a14:hiddenLine xmlns="" xmlns:a16="http://schemas.microsoft.com/office/drawing/2014/main" xmlns:p14="http://schemas.microsoft.com/office/powerpoint/2010/main" xmlns:a14="http://schemas.microsoft.com/office/drawing/2010/main" w="9525">
                   <a:solidFill>
                     <a:srgbClr val="000000"/>
                   </a:solidFill>
@@ -22299,7 +22299,7 @@
             </a:ln>
             <a:extLst>
               <a:ext uri="{91240B29-F687-4f45-9708-019B960494DF}">
-                <a14:hiddenLine xmlns:a14="http://schemas.microsoft.com/office/drawing/2010/main" xmlns:p14="http://schemas.microsoft.com/office/powerpoint/2010/main" xmlns:a16="http://schemas.microsoft.com/office/drawing/2014/main" xmlns="" w="9525">
+                <a14:hiddenLine xmlns="" xmlns:a16="http://schemas.microsoft.com/office/drawing/2014/main" xmlns:p14="http://schemas.microsoft.com/office/powerpoint/2010/main" xmlns:a14="http://schemas.microsoft.com/office/drawing/2010/main" w="9525">
                   <a:solidFill>
                     <a:srgbClr val="000000"/>
                   </a:solidFill>
@@ -22379,7 +22379,7 @@
             </a:ln>
             <a:extLst>
               <a:ext uri="{91240B29-F687-4f45-9708-019B960494DF}">
-                <a14:hiddenLine xmlns:a14="http://schemas.microsoft.com/office/drawing/2010/main" xmlns:p14="http://schemas.microsoft.com/office/powerpoint/2010/main" xmlns:a16="http://schemas.microsoft.com/office/drawing/2014/main" xmlns="" w="9525">
+                <a14:hiddenLine xmlns="" xmlns:a16="http://schemas.microsoft.com/office/drawing/2014/main" xmlns:p14="http://schemas.microsoft.com/office/powerpoint/2010/main" xmlns:a14="http://schemas.microsoft.com/office/drawing/2010/main" w="9525">
                   <a:solidFill>
                     <a:srgbClr val="000000"/>
                   </a:solidFill>
@@ -22456,7 +22456,7 @@
             </a:ln>
             <a:extLst>
               <a:ext uri="{91240B29-F687-4f45-9708-019B960494DF}">
-                <a14:hiddenLine xmlns:a14="http://schemas.microsoft.com/office/drawing/2010/main" xmlns:p14="http://schemas.microsoft.com/office/powerpoint/2010/main" xmlns:a16="http://schemas.microsoft.com/office/drawing/2014/main" xmlns="" w="9525">
+                <a14:hiddenLine xmlns="" xmlns:a16="http://schemas.microsoft.com/office/drawing/2014/main" xmlns:p14="http://schemas.microsoft.com/office/powerpoint/2010/main" xmlns:a14="http://schemas.microsoft.com/office/drawing/2010/main" w="9525">
                   <a:solidFill>
                     <a:srgbClr val="000000"/>
                   </a:solidFill>
@@ -22561,7 +22561,7 @@
             </a:ln>
             <a:extLst>
               <a:ext uri="{91240B29-F687-4f45-9708-019B960494DF}">
-                <a14:hiddenLine xmlns:a14="http://schemas.microsoft.com/office/drawing/2010/main" xmlns:p14="http://schemas.microsoft.com/office/powerpoint/2010/main" xmlns:a16="http://schemas.microsoft.com/office/drawing/2014/main" xmlns="" w="9525">
+                <a14:hiddenLine xmlns="" xmlns:a16="http://schemas.microsoft.com/office/drawing/2014/main" xmlns:p14="http://schemas.microsoft.com/office/powerpoint/2010/main" xmlns:a14="http://schemas.microsoft.com/office/drawing/2010/main" w="9525">
                   <a:solidFill>
                     <a:srgbClr val="000000"/>
                   </a:solidFill>
@@ -22666,7 +22666,7 @@
             </a:ln>
             <a:extLst>
               <a:ext uri="{91240B29-F687-4f45-9708-019B960494DF}">
-                <a14:hiddenLine xmlns:a14="http://schemas.microsoft.com/office/drawing/2010/main" xmlns:p14="http://schemas.microsoft.com/office/powerpoint/2010/main" xmlns:a16="http://schemas.microsoft.com/office/drawing/2014/main" xmlns="" w="9525">
+                <a14:hiddenLine xmlns="" xmlns:a16="http://schemas.microsoft.com/office/drawing/2014/main" xmlns:p14="http://schemas.microsoft.com/office/powerpoint/2010/main" xmlns:a14="http://schemas.microsoft.com/office/drawing/2010/main" w="9525">
                   <a:solidFill>
                     <a:srgbClr val="000000"/>
                   </a:solidFill>
@@ -22743,7 +22743,7 @@
             </a:ln>
             <a:extLst>
               <a:ext uri="{91240B29-F687-4f45-9708-019B960494DF}">
-                <a14:hiddenLine xmlns:a14="http://schemas.microsoft.com/office/drawing/2010/main" xmlns:p14="http://schemas.microsoft.com/office/powerpoint/2010/main" xmlns:a16="http://schemas.microsoft.com/office/drawing/2014/main" xmlns="" w="9525">
+                <a14:hiddenLine xmlns="" xmlns:a16="http://schemas.microsoft.com/office/drawing/2014/main" xmlns:p14="http://schemas.microsoft.com/office/powerpoint/2010/main" xmlns:a14="http://schemas.microsoft.com/office/drawing/2010/main" w="9525">
                   <a:solidFill>
                     <a:srgbClr val="000000"/>
                   </a:solidFill>
@@ -22878,7 +22878,7 @@
             </a:ln>
             <a:extLst>
               <a:ext uri="{91240B29-F687-4f45-9708-019B960494DF}">
-                <a14:hiddenLine xmlns:a14="http://schemas.microsoft.com/office/drawing/2010/main" xmlns:p14="http://schemas.microsoft.com/office/powerpoint/2010/main" xmlns:a16="http://schemas.microsoft.com/office/drawing/2014/main" xmlns="" w="9525">
+                <a14:hiddenLine xmlns="" xmlns:a16="http://schemas.microsoft.com/office/drawing/2014/main" xmlns:p14="http://schemas.microsoft.com/office/powerpoint/2010/main" xmlns:a14="http://schemas.microsoft.com/office/drawing/2010/main" w="9525">
                   <a:solidFill>
                     <a:srgbClr val="000000"/>
                   </a:solidFill>
@@ -22961,7 +22961,7 @@
             </a:ln>
             <a:extLst>
               <a:ext uri="{91240B29-F687-4f45-9708-019B960494DF}">
-                <a14:hiddenLine xmlns:a14="http://schemas.microsoft.com/office/drawing/2010/main" xmlns:p14="http://schemas.microsoft.com/office/powerpoint/2010/main" xmlns:a16="http://schemas.microsoft.com/office/drawing/2014/main" xmlns="" w="9525">
+                <a14:hiddenLine xmlns="" xmlns:a16="http://schemas.microsoft.com/office/drawing/2014/main" xmlns:p14="http://schemas.microsoft.com/office/powerpoint/2010/main" xmlns:a14="http://schemas.microsoft.com/office/drawing/2010/main" w="9525">
                   <a:solidFill>
                     <a:srgbClr val="000000"/>
                   </a:solidFill>
@@ -23066,7 +23066,7 @@
             </a:ln>
             <a:extLst>
               <a:ext uri="{91240B29-F687-4f45-9708-019B960494DF}">
-                <a14:hiddenLine xmlns:a14="http://schemas.microsoft.com/office/drawing/2010/main" xmlns:p14="http://schemas.microsoft.com/office/powerpoint/2010/main" xmlns:a16="http://schemas.microsoft.com/office/drawing/2014/main" xmlns="" w="9525">
+                <a14:hiddenLine xmlns="" xmlns:a16="http://schemas.microsoft.com/office/drawing/2014/main" xmlns:p14="http://schemas.microsoft.com/office/powerpoint/2010/main" xmlns:a14="http://schemas.microsoft.com/office/drawing/2010/main" w="9525">
                   <a:solidFill>
                     <a:srgbClr val="000000"/>
                   </a:solidFill>
@@ -23134,7 +23134,7 @@
           <a:noFill/>
           <a:extLst>
             <a:ext uri="{909E8E84-426E-40dd-AFC4-6F175D3DCCD1}">
-              <a14:hiddenFill xmlns:a14="http://schemas.microsoft.com/office/drawing/2010/main" xmlns:p14="http://schemas.microsoft.com/office/powerpoint/2010/main" xmlns:a16="http://schemas.microsoft.com/office/drawing/2014/main" xmlns="">
+              <a14:hiddenFill xmlns="" xmlns:a16="http://schemas.microsoft.com/office/drawing/2014/main" xmlns:p14="http://schemas.microsoft.com/office/powerpoint/2010/main" xmlns:a14="http://schemas.microsoft.com/office/drawing/2010/main">
                 <a:solidFill>
                   <a:srgbClr val="FFFFFF"/>
                 </a:solidFill>
@@ -23643,7 +23643,7 @@
             </a:ln>
             <a:extLst>
               <a:ext uri="{91240B29-F687-4f45-9708-019B960494DF}">
-                <a14:hiddenLine xmlns:a14="http://schemas.microsoft.com/office/drawing/2010/main" xmlns:p14="http://schemas.microsoft.com/office/powerpoint/2010/main" xmlns:a16="http://schemas.microsoft.com/office/drawing/2014/main" xmlns="" w="9525">
+                <a14:hiddenLine xmlns="" xmlns:a16="http://schemas.microsoft.com/office/drawing/2014/main" xmlns:p14="http://schemas.microsoft.com/office/powerpoint/2010/main" xmlns:a14="http://schemas.microsoft.com/office/drawing/2010/main" w="9525">
                   <a:solidFill>
                     <a:srgbClr val="000000"/>
                   </a:solidFill>
@@ -23748,7 +23748,7 @@
             </a:ln>
             <a:extLst>
               <a:ext uri="{91240B29-F687-4f45-9708-019B960494DF}">
-                <a14:hiddenLine xmlns:a14="http://schemas.microsoft.com/office/drawing/2010/main" xmlns:p14="http://schemas.microsoft.com/office/powerpoint/2010/main" xmlns:a16="http://schemas.microsoft.com/office/drawing/2014/main" xmlns="" w="9525">
+                <a14:hiddenLine xmlns="" xmlns:a16="http://schemas.microsoft.com/office/drawing/2014/main" xmlns:p14="http://schemas.microsoft.com/office/powerpoint/2010/main" xmlns:a14="http://schemas.microsoft.com/office/drawing/2010/main" w="9525">
                   <a:solidFill>
                     <a:srgbClr val="000000"/>
                   </a:solidFill>
@@ -23853,7 +23853,7 @@
             </a:ln>
             <a:extLst>
               <a:ext uri="{91240B29-F687-4f45-9708-019B960494DF}">
-                <a14:hiddenLine xmlns:a14="http://schemas.microsoft.com/office/drawing/2010/main" xmlns:p14="http://schemas.microsoft.com/office/powerpoint/2010/main" xmlns:a16="http://schemas.microsoft.com/office/drawing/2014/main" xmlns="" w="9525">
+                <a14:hiddenLine xmlns="" xmlns:a16="http://schemas.microsoft.com/office/drawing/2014/main" xmlns:p14="http://schemas.microsoft.com/office/powerpoint/2010/main" xmlns:a14="http://schemas.microsoft.com/office/drawing/2010/main" w="9525">
                   <a:solidFill>
                     <a:srgbClr val="000000"/>
                   </a:solidFill>
@@ -23930,7 +23930,7 @@
             </a:ln>
             <a:extLst>
               <a:ext uri="{91240B29-F687-4f45-9708-019B960494DF}">
-                <a14:hiddenLine xmlns:a14="http://schemas.microsoft.com/office/drawing/2010/main" xmlns:p14="http://schemas.microsoft.com/office/powerpoint/2010/main" xmlns:a16="http://schemas.microsoft.com/office/drawing/2014/main" xmlns="" w="9525">
+                <a14:hiddenLine xmlns="" xmlns:a16="http://schemas.microsoft.com/office/drawing/2014/main" xmlns:p14="http://schemas.microsoft.com/office/powerpoint/2010/main" xmlns:a14="http://schemas.microsoft.com/office/drawing/2010/main" w="9525">
                   <a:solidFill>
                     <a:srgbClr val="000000"/>
                   </a:solidFill>
@@ -24035,7 +24035,7 @@
             </a:ln>
             <a:extLst>
               <a:ext uri="{91240B29-F687-4f45-9708-019B960494DF}">
-                <a14:hiddenLine xmlns:a14="http://schemas.microsoft.com/office/drawing/2010/main" xmlns:p14="http://schemas.microsoft.com/office/powerpoint/2010/main" xmlns:a16="http://schemas.microsoft.com/office/drawing/2014/main" xmlns="" w="9525">
+                <a14:hiddenLine xmlns="" xmlns:a16="http://schemas.microsoft.com/office/drawing/2014/main" xmlns:p14="http://schemas.microsoft.com/office/powerpoint/2010/main" xmlns:a14="http://schemas.microsoft.com/office/drawing/2010/main" w="9525">
                   <a:solidFill>
                     <a:srgbClr val="000000"/>
                   </a:solidFill>
@@ -24112,7 +24112,7 @@
             </a:ln>
             <a:extLst>
               <a:ext uri="{91240B29-F687-4f45-9708-019B960494DF}">
-                <a14:hiddenLine xmlns:a14="http://schemas.microsoft.com/office/drawing/2010/main" xmlns:p14="http://schemas.microsoft.com/office/powerpoint/2010/main" xmlns:a16="http://schemas.microsoft.com/office/drawing/2014/main" xmlns="" w="9525">
+                <a14:hiddenLine xmlns="" xmlns:a16="http://schemas.microsoft.com/office/drawing/2014/main" xmlns:p14="http://schemas.microsoft.com/office/powerpoint/2010/main" xmlns:a14="http://schemas.microsoft.com/office/drawing/2010/main" w="9525">
                   <a:solidFill>
                     <a:srgbClr val="000000"/>
                   </a:solidFill>
@@ -24189,7 +24189,7 @@
             </a:ln>
             <a:extLst>
               <a:ext uri="{91240B29-F687-4f45-9708-019B960494DF}">
-                <a14:hiddenLine xmlns:a14="http://schemas.microsoft.com/office/drawing/2010/main" xmlns:p14="http://schemas.microsoft.com/office/powerpoint/2010/main" xmlns:a16="http://schemas.microsoft.com/office/drawing/2014/main" xmlns="" w="9525">
+                <a14:hiddenLine xmlns="" xmlns:a16="http://schemas.microsoft.com/office/drawing/2014/main" xmlns:p14="http://schemas.microsoft.com/office/powerpoint/2010/main" xmlns:a14="http://schemas.microsoft.com/office/drawing/2010/main" w="9525">
                   <a:solidFill>
                     <a:srgbClr val="000000"/>
                   </a:solidFill>
@@ -24294,7 +24294,7 @@
             </a:ln>
             <a:extLst>
               <a:ext uri="{91240B29-F687-4f45-9708-019B960494DF}">
-                <a14:hiddenLine xmlns:a14="http://schemas.microsoft.com/office/drawing/2010/main" xmlns:p14="http://schemas.microsoft.com/office/powerpoint/2010/main" xmlns:a16="http://schemas.microsoft.com/office/drawing/2014/main" xmlns="" w="9525">
+                <a14:hiddenLine xmlns="" xmlns:a16="http://schemas.microsoft.com/office/drawing/2014/main" xmlns:p14="http://schemas.microsoft.com/office/powerpoint/2010/main" xmlns:a14="http://schemas.microsoft.com/office/drawing/2010/main" w="9525">
                   <a:solidFill>
                     <a:srgbClr val="000000"/>
                   </a:solidFill>
@@ -24399,7 +24399,7 @@
             </a:ln>
             <a:extLst>
               <a:ext uri="{91240B29-F687-4f45-9708-019B960494DF}">
-                <a14:hiddenLine xmlns:a14="http://schemas.microsoft.com/office/drawing/2010/main" xmlns:p14="http://schemas.microsoft.com/office/powerpoint/2010/main" xmlns:a16="http://schemas.microsoft.com/office/drawing/2014/main" xmlns="" w="9525">
+                <a14:hiddenLine xmlns="" xmlns:a16="http://schemas.microsoft.com/office/drawing/2014/main" xmlns:p14="http://schemas.microsoft.com/office/powerpoint/2010/main" xmlns:a14="http://schemas.microsoft.com/office/drawing/2010/main" w="9525">
                   <a:solidFill>
                     <a:srgbClr val="000000"/>
                   </a:solidFill>
@@ -24476,7 +24476,7 @@
             </a:ln>
             <a:extLst>
               <a:ext uri="{91240B29-F687-4f45-9708-019B960494DF}">
-                <a14:hiddenLine xmlns:a14="http://schemas.microsoft.com/office/drawing/2010/main" xmlns:p14="http://schemas.microsoft.com/office/powerpoint/2010/main" xmlns:a16="http://schemas.microsoft.com/office/drawing/2014/main" xmlns="" w="9525">
+                <a14:hiddenLine xmlns="" xmlns:a16="http://schemas.microsoft.com/office/drawing/2014/main" xmlns:p14="http://schemas.microsoft.com/office/powerpoint/2010/main" xmlns:a14="http://schemas.microsoft.com/office/drawing/2010/main" w="9525">
                   <a:solidFill>
                     <a:srgbClr val="000000"/>
                   </a:solidFill>
@@ -24601,7 +24601,7 @@
             </a:ln>
             <a:extLst>
               <a:ext uri="{91240B29-F687-4f45-9708-019B960494DF}">
-                <a14:hiddenLine xmlns:a14="http://schemas.microsoft.com/office/drawing/2010/main" xmlns:p14="http://schemas.microsoft.com/office/powerpoint/2010/main" xmlns:a16="http://schemas.microsoft.com/office/drawing/2014/main" xmlns="" w="9525">
+                <a14:hiddenLine xmlns="" xmlns:a16="http://schemas.microsoft.com/office/drawing/2014/main" xmlns:p14="http://schemas.microsoft.com/office/powerpoint/2010/main" xmlns:a14="http://schemas.microsoft.com/office/drawing/2010/main" w="9525">
                   <a:solidFill>
                     <a:srgbClr val="000000"/>
                   </a:solidFill>
@@ -24715,7 +24715,7 @@
             </a:ln>
             <a:extLst>
               <a:ext uri="{91240B29-F687-4f45-9708-019B960494DF}">
-                <a14:hiddenLine xmlns:a14="http://schemas.microsoft.com/office/drawing/2010/main" xmlns:p14="http://schemas.microsoft.com/office/powerpoint/2010/main" xmlns:a16="http://schemas.microsoft.com/office/drawing/2014/main" xmlns="" w="9525">
+                <a14:hiddenLine xmlns="" xmlns:a16="http://schemas.microsoft.com/office/drawing/2014/main" xmlns:p14="http://schemas.microsoft.com/office/powerpoint/2010/main" xmlns:a14="http://schemas.microsoft.com/office/drawing/2010/main" w="9525">
                   <a:solidFill>
                     <a:srgbClr val="000000"/>
                   </a:solidFill>
@@ -24792,7 +24792,7 @@
             </a:ln>
             <a:extLst>
               <a:ext uri="{91240B29-F687-4f45-9708-019B960494DF}">
-                <a14:hiddenLine xmlns:a14="http://schemas.microsoft.com/office/drawing/2010/main" xmlns:p14="http://schemas.microsoft.com/office/powerpoint/2010/main" xmlns:a16="http://schemas.microsoft.com/office/drawing/2014/main" xmlns="" w="9525">
+                <a14:hiddenLine xmlns="" xmlns:a16="http://schemas.microsoft.com/office/drawing/2014/main" xmlns:p14="http://schemas.microsoft.com/office/powerpoint/2010/main" xmlns:a14="http://schemas.microsoft.com/office/drawing/2010/main" w="9525">
                   <a:solidFill>
                     <a:srgbClr val="000000"/>
                   </a:solidFill>
@@ -24869,7 +24869,7 @@
             </a:ln>
             <a:extLst>
               <a:ext uri="{91240B29-F687-4f45-9708-019B960494DF}">
-                <a14:hiddenLine xmlns:a14="http://schemas.microsoft.com/office/drawing/2010/main" xmlns:p14="http://schemas.microsoft.com/office/powerpoint/2010/main" xmlns:a16="http://schemas.microsoft.com/office/drawing/2014/main" xmlns="" w="9525">
+                <a14:hiddenLine xmlns="" xmlns:a16="http://schemas.microsoft.com/office/drawing/2014/main" xmlns:p14="http://schemas.microsoft.com/office/powerpoint/2010/main" xmlns:a14="http://schemas.microsoft.com/office/drawing/2010/main" w="9525">
                   <a:solidFill>
                     <a:srgbClr val="000000"/>
                   </a:solidFill>
@@ -24974,7 +24974,7 @@
             </a:ln>
             <a:extLst>
               <a:ext uri="{91240B29-F687-4f45-9708-019B960494DF}">
-                <a14:hiddenLine xmlns:a14="http://schemas.microsoft.com/office/drawing/2010/main" xmlns:p14="http://schemas.microsoft.com/office/powerpoint/2010/main" xmlns:a16="http://schemas.microsoft.com/office/drawing/2014/main" xmlns="" w="9525">
+                <a14:hiddenLine xmlns="" xmlns:a16="http://schemas.microsoft.com/office/drawing/2014/main" xmlns:p14="http://schemas.microsoft.com/office/powerpoint/2010/main" xmlns:a14="http://schemas.microsoft.com/office/drawing/2010/main" w="9525">
                   <a:solidFill>
                     <a:srgbClr val="000000"/>
                   </a:solidFill>
@@ -25023,7 +25023,7 @@
             </a:ln>
             <a:extLst>
               <a:ext uri="{91240B29-F687-4f45-9708-019B960494DF}">
-                <a14:hiddenLine xmlns:a14="http://schemas.microsoft.com/office/drawing/2010/main" xmlns:p14="http://schemas.microsoft.com/office/powerpoint/2010/main" xmlns:a16="http://schemas.microsoft.com/office/drawing/2014/main" xmlns="" w="9525">
+                <a14:hiddenLine xmlns="" xmlns:a16="http://schemas.microsoft.com/office/drawing/2014/main" xmlns:p14="http://schemas.microsoft.com/office/powerpoint/2010/main" xmlns:a14="http://schemas.microsoft.com/office/drawing/2010/main" w="9525">
                   <a:solidFill>
                     <a:srgbClr val="000000"/>
                   </a:solidFill>
@@ -25103,7 +25103,7 @@
             </a:ln>
             <a:extLst>
               <a:ext uri="{91240B29-F687-4f45-9708-019B960494DF}">
-                <a14:hiddenLine xmlns:a14="http://schemas.microsoft.com/office/drawing/2010/main" xmlns:p14="http://schemas.microsoft.com/office/powerpoint/2010/main" xmlns:a16="http://schemas.microsoft.com/office/drawing/2014/main" xmlns="" w="9525">
+                <a14:hiddenLine xmlns="" xmlns:a16="http://schemas.microsoft.com/office/drawing/2014/main" xmlns:p14="http://schemas.microsoft.com/office/powerpoint/2010/main" xmlns:a14="http://schemas.microsoft.com/office/drawing/2010/main" w="9525">
                   <a:solidFill>
                     <a:srgbClr val="000000"/>
                   </a:solidFill>
@@ -25208,7 +25208,7 @@
             </a:ln>
             <a:extLst>
               <a:ext uri="{91240B29-F687-4f45-9708-019B960494DF}">
-                <a14:hiddenLine xmlns:a14="http://schemas.microsoft.com/office/drawing/2010/main" xmlns:p14="http://schemas.microsoft.com/office/powerpoint/2010/main" xmlns:a16="http://schemas.microsoft.com/office/drawing/2014/main" xmlns="" w="9525">
+                <a14:hiddenLine xmlns="" xmlns:a16="http://schemas.microsoft.com/office/drawing/2014/main" xmlns:p14="http://schemas.microsoft.com/office/powerpoint/2010/main" xmlns:a14="http://schemas.microsoft.com/office/drawing/2010/main" w="9525">
                   <a:solidFill>
                     <a:srgbClr val="000000"/>
                   </a:solidFill>
@@ -25285,7 +25285,7 @@
             </a:ln>
             <a:extLst>
               <a:ext uri="{91240B29-F687-4f45-9708-019B960494DF}">
-                <a14:hiddenLine xmlns:a14="http://schemas.microsoft.com/office/drawing/2010/main" xmlns:p14="http://schemas.microsoft.com/office/powerpoint/2010/main" xmlns:a16="http://schemas.microsoft.com/office/drawing/2014/main" xmlns="" w="9525">
+                <a14:hiddenLine xmlns="" xmlns:a16="http://schemas.microsoft.com/office/drawing/2014/main" xmlns:p14="http://schemas.microsoft.com/office/powerpoint/2010/main" xmlns:a14="http://schemas.microsoft.com/office/drawing/2010/main" w="9525">
                   <a:solidFill>
                     <a:srgbClr val="000000"/>
                   </a:solidFill>
@@ -25390,7 +25390,7 @@
             </a:ln>
             <a:extLst>
               <a:ext uri="{91240B29-F687-4f45-9708-019B960494DF}">
-                <a14:hiddenLine xmlns:a14="http://schemas.microsoft.com/office/drawing/2010/main" xmlns:p14="http://schemas.microsoft.com/office/powerpoint/2010/main" xmlns:a16="http://schemas.microsoft.com/office/drawing/2014/main" xmlns="" w="9525">
+                <a14:hiddenLine xmlns="" xmlns:a16="http://schemas.microsoft.com/office/drawing/2014/main" xmlns:p14="http://schemas.microsoft.com/office/powerpoint/2010/main" xmlns:a14="http://schemas.microsoft.com/office/drawing/2010/main" w="9525">
                   <a:solidFill>
                     <a:srgbClr val="000000"/>
                   </a:solidFill>
@@ -25470,7 +25470,7 @@
             </a:ln>
             <a:extLst>
               <a:ext uri="{91240B29-F687-4f45-9708-019B960494DF}">
-                <a14:hiddenLine xmlns:a14="http://schemas.microsoft.com/office/drawing/2010/main" xmlns:p14="http://schemas.microsoft.com/office/powerpoint/2010/main" xmlns:a16="http://schemas.microsoft.com/office/drawing/2014/main" xmlns="" w="9525">
+                <a14:hiddenLine xmlns="" xmlns:a16="http://schemas.microsoft.com/office/drawing/2014/main" xmlns:p14="http://schemas.microsoft.com/office/powerpoint/2010/main" xmlns:a14="http://schemas.microsoft.com/office/drawing/2010/main" w="9525">
                   <a:solidFill>
                     <a:srgbClr val="000000"/>
                   </a:solidFill>
@@ -25547,7 +25547,7 @@
             </a:ln>
             <a:extLst>
               <a:ext uri="{91240B29-F687-4f45-9708-019B960494DF}">
-                <a14:hiddenLine xmlns:a14="http://schemas.microsoft.com/office/drawing/2010/main" xmlns:p14="http://schemas.microsoft.com/office/powerpoint/2010/main" xmlns:a16="http://schemas.microsoft.com/office/drawing/2014/main" xmlns="" w="9525">
+                <a14:hiddenLine xmlns="" xmlns:a16="http://schemas.microsoft.com/office/drawing/2014/main" xmlns:p14="http://schemas.microsoft.com/office/powerpoint/2010/main" xmlns:a14="http://schemas.microsoft.com/office/drawing/2010/main" w="9525">
                   <a:solidFill>
                     <a:srgbClr val="000000"/>
                   </a:solidFill>
@@ -25652,7 +25652,7 @@
             </a:ln>
             <a:extLst>
               <a:ext uri="{91240B29-F687-4f45-9708-019B960494DF}">
-                <a14:hiddenLine xmlns:a14="http://schemas.microsoft.com/office/drawing/2010/main" xmlns:p14="http://schemas.microsoft.com/office/powerpoint/2010/main" xmlns:a16="http://schemas.microsoft.com/office/drawing/2014/main" xmlns="" w="9525">
+                <a14:hiddenLine xmlns="" xmlns:a16="http://schemas.microsoft.com/office/drawing/2014/main" xmlns:p14="http://schemas.microsoft.com/office/powerpoint/2010/main" xmlns:a14="http://schemas.microsoft.com/office/drawing/2010/main" w="9525">
                   <a:solidFill>
                     <a:srgbClr val="000000"/>
                   </a:solidFill>
@@ -25757,7 +25757,7 @@
             </a:ln>
             <a:extLst>
               <a:ext uri="{91240B29-F687-4f45-9708-019B960494DF}">
-                <a14:hiddenLine xmlns:a14="http://schemas.microsoft.com/office/drawing/2010/main" xmlns:p14="http://schemas.microsoft.com/office/powerpoint/2010/main" xmlns:a16="http://schemas.microsoft.com/office/drawing/2014/main" xmlns="" w="9525">
+                <a14:hiddenLine xmlns="" xmlns:a16="http://schemas.microsoft.com/office/drawing/2014/main" xmlns:p14="http://schemas.microsoft.com/office/powerpoint/2010/main" xmlns:a14="http://schemas.microsoft.com/office/drawing/2010/main" w="9525">
                   <a:solidFill>
                     <a:srgbClr val="000000"/>
                   </a:solidFill>
@@ -25837,7 +25837,7 @@
             </a:ln>
             <a:extLst>
               <a:ext uri="{91240B29-F687-4f45-9708-019B960494DF}">
-                <a14:hiddenLine xmlns:a14="http://schemas.microsoft.com/office/drawing/2010/main" xmlns:p14="http://schemas.microsoft.com/office/powerpoint/2010/main" xmlns:a16="http://schemas.microsoft.com/office/drawing/2014/main" xmlns="" w="9525">
+                <a14:hiddenLine xmlns="" xmlns:a16="http://schemas.microsoft.com/office/drawing/2014/main" xmlns:p14="http://schemas.microsoft.com/office/powerpoint/2010/main" xmlns:a14="http://schemas.microsoft.com/office/drawing/2010/main" w="9525">
                   <a:solidFill>
                     <a:srgbClr val="000000"/>
                   </a:solidFill>
@@ -25972,7 +25972,7 @@
             </a:ln>
             <a:extLst>
               <a:ext uri="{91240B29-F687-4f45-9708-019B960494DF}">
-                <a14:hiddenLine xmlns:a14="http://schemas.microsoft.com/office/drawing/2010/main" xmlns:p14="http://schemas.microsoft.com/office/powerpoint/2010/main" xmlns:a16="http://schemas.microsoft.com/office/drawing/2014/main" xmlns="" w="9525">
+                <a14:hiddenLine xmlns="" xmlns:a16="http://schemas.microsoft.com/office/drawing/2014/main" xmlns:p14="http://schemas.microsoft.com/office/powerpoint/2010/main" xmlns:a14="http://schemas.microsoft.com/office/drawing/2010/main" w="9525">
                   <a:solidFill>
                     <a:srgbClr val="000000"/>
                   </a:solidFill>
@@ -26251,7 +26251,7 @@
             </a:ln>
             <a:extLst>
               <a:ext uri="{91240B29-F687-4f45-9708-019B960494DF}">
-                <a14:hiddenLine xmlns:a14="http://schemas.microsoft.com/office/drawing/2010/main" xmlns:p14="http://schemas.microsoft.com/office/powerpoint/2010/main" xmlns:a16="http://schemas.microsoft.com/office/drawing/2014/main" xmlns="" w="9525">
+                <a14:hiddenLine xmlns="" xmlns:a16="http://schemas.microsoft.com/office/drawing/2014/main" xmlns:p14="http://schemas.microsoft.com/office/powerpoint/2010/main" xmlns:a14="http://schemas.microsoft.com/office/drawing/2010/main" w="9525">
                   <a:solidFill>
                     <a:srgbClr val="000000"/>
                   </a:solidFill>
@@ -26381,7 +26381,7 @@
             </a:ln>
             <a:extLst>
               <a:ext uri="{91240B29-F687-4f45-9708-019B960494DF}">
-                <a14:hiddenLine xmlns:a14="http://schemas.microsoft.com/office/drawing/2010/main" xmlns:p14="http://schemas.microsoft.com/office/powerpoint/2010/main" xmlns:a16="http://schemas.microsoft.com/office/drawing/2014/main" xmlns="" w="9525">
+                <a14:hiddenLine xmlns="" xmlns:a16="http://schemas.microsoft.com/office/drawing/2014/main" xmlns:p14="http://schemas.microsoft.com/office/powerpoint/2010/main" xmlns:a14="http://schemas.microsoft.com/office/drawing/2010/main" w="9525">
                   <a:solidFill>
                     <a:srgbClr val="000000"/>
                   </a:solidFill>
@@ -26486,7 +26486,7 @@
             </a:ln>
             <a:extLst>
               <a:ext uri="{91240B29-F687-4f45-9708-019B960494DF}">
-                <a14:hiddenLine xmlns:a14="http://schemas.microsoft.com/office/drawing/2010/main" xmlns:p14="http://schemas.microsoft.com/office/powerpoint/2010/main" xmlns:a16="http://schemas.microsoft.com/office/drawing/2014/main" xmlns="" w="9525">
+                <a14:hiddenLine xmlns="" xmlns:a16="http://schemas.microsoft.com/office/drawing/2014/main" xmlns:p14="http://schemas.microsoft.com/office/powerpoint/2010/main" xmlns:a14="http://schemas.microsoft.com/office/drawing/2010/main" w="9525">
                   <a:solidFill>
                     <a:srgbClr val="000000"/>
                   </a:solidFill>
@@ -26566,7 +26566,7 @@
             </a:ln>
             <a:extLst>
               <a:ext uri="{91240B29-F687-4f45-9708-019B960494DF}">
-                <a14:hiddenLine xmlns:a14="http://schemas.microsoft.com/office/drawing/2010/main" xmlns:p14="http://schemas.microsoft.com/office/powerpoint/2010/main" xmlns:a16="http://schemas.microsoft.com/office/drawing/2014/main" xmlns="" w="9525">
+                <a14:hiddenLine xmlns="" xmlns:a16="http://schemas.microsoft.com/office/drawing/2014/main" xmlns:p14="http://schemas.microsoft.com/office/powerpoint/2010/main" xmlns:a14="http://schemas.microsoft.com/office/drawing/2010/main" w="9525">
                   <a:solidFill>
                     <a:srgbClr val="000000"/>
                   </a:solidFill>
@@ -26671,7 +26671,7 @@
             </a:ln>
             <a:extLst>
               <a:ext uri="{91240B29-F687-4f45-9708-019B960494DF}">
-                <a14:hiddenLine xmlns:a14="http://schemas.microsoft.com/office/drawing/2010/main" xmlns:p14="http://schemas.microsoft.com/office/powerpoint/2010/main" xmlns:a16="http://schemas.microsoft.com/office/drawing/2014/main" xmlns="" w="9525">
+                <a14:hiddenLine xmlns="" xmlns:a16="http://schemas.microsoft.com/office/drawing/2014/main" xmlns:p14="http://schemas.microsoft.com/office/powerpoint/2010/main" xmlns:a14="http://schemas.microsoft.com/office/drawing/2010/main" w="9525">
                   <a:solidFill>
                     <a:srgbClr val="000000"/>
                   </a:solidFill>
@@ -26754,7 +26754,7 @@
             </a:ln>
             <a:extLst>
               <a:ext uri="{91240B29-F687-4f45-9708-019B960494DF}">
-                <a14:hiddenLine xmlns:a14="http://schemas.microsoft.com/office/drawing/2010/main" xmlns:p14="http://schemas.microsoft.com/office/powerpoint/2010/main" xmlns:a16="http://schemas.microsoft.com/office/drawing/2014/main" xmlns="" w="9525">
+                <a14:hiddenLine xmlns="" xmlns:a16="http://schemas.microsoft.com/office/drawing/2014/main" xmlns:p14="http://schemas.microsoft.com/office/powerpoint/2010/main" xmlns:a14="http://schemas.microsoft.com/office/drawing/2010/main" w="9525">
                   <a:solidFill>
                     <a:srgbClr val="000000"/>
                   </a:solidFill>
@@ -26859,7 +26859,7 @@
             </a:ln>
             <a:extLst>
               <a:ext uri="{91240B29-F687-4f45-9708-019B960494DF}">
-                <a14:hiddenLine xmlns:a14="http://schemas.microsoft.com/office/drawing/2010/main" xmlns:p14="http://schemas.microsoft.com/office/powerpoint/2010/main" xmlns:a16="http://schemas.microsoft.com/office/drawing/2014/main" xmlns="" w="9525">
+                <a14:hiddenLine xmlns="" xmlns:a16="http://schemas.microsoft.com/office/drawing/2014/main" xmlns:p14="http://schemas.microsoft.com/office/powerpoint/2010/main" xmlns:a14="http://schemas.microsoft.com/office/drawing/2010/main" w="9525">
                   <a:solidFill>
                     <a:srgbClr val="000000"/>
                   </a:solidFill>
@@ -26942,7 +26942,7 @@
             </a:ln>
             <a:extLst>
               <a:ext uri="{91240B29-F687-4f45-9708-019B960494DF}">
-                <a14:hiddenLine xmlns:a14="http://schemas.microsoft.com/office/drawing/2010/main" xmlns:p14="http://schemas.microsoft.com/office/powerpoint/2010/main" xmlns:a16="http://schemas.microsoft.com/office/drawing/2014/main" xmlns="" w="9525">
+                <a14:hiddenLine xmlns="" xmlns:a16="http://schemas.microsoft.com/office/drawing/2014/main" xmlns:p14="http://schemas.microsoft.com/office/powerpoint/2010/main" xmlns:a14="http://schemas.microsoft.com/office/drawing/2010/main" w="9525">
                   <a:solidFill>
                     <a:srgbClr val="000000"/>
                   </a:solidFill>
@@ -27047,7 +27047,7 @@
             </a:ln>
             <a:extLst>
               <a:ext uri="{91240B29-F687-4f45-9708-019B960494DF}">
-                <a14:hiddenLine xmlns:a14="http://schemas.microsoft.com/office/drawing/2010/main" xmlns:p14="http://schemas.microsoft.com/office/powerpoint/2010/main" xmlns:a16="http://schemas.microsoft.com/office/drawing/2014/main" xmlns="" w="9525">
+                <a14:hiddenLine xmlns="" xmlns:a16="http://schemas.microsoft.com/office/drawing/2014/main" xmlns:p14="http://schemas.microsoft.com/office/powerpoint/2010/main" xmlns:a14="http://schemas.microsoft.com/office/drawing/2010/main" w="9525">
                   <a:solidFill>
                     <a:srgbClr val="000000"/>
                   </a:solidFill>
@@ -27096,7 +27096,7 @@
             </a:ln>
             <a:extLst>
               <a:ext uri="{91240B29-F687-4f45-9708-019B960494DF}">
-                <a14:hiddenLine xmlns:a14="http://schemas.microsoft.com/office/drawing/2010/main" xmlns:p14="http://schemas.microsoft.com/office/powerpoint/2010/main" xmlns:a16="http://schemas.microsoft.com/office/drawing/2014/main" xmlns="" w="9525">
+                <a14:hiddenLine xmlns="" xmlns:a16="http://schemas.microsoft.com/office/drawing/2014/main" xmlns:p14="http://schemas.microsoft.com/office/powerpoint/2010/main" xmlns:a14="http://schemas.microsoft.com/office/drawing/2010/main" w="9525">
                   <a:solidFill>
                     <a:srgbClr val="000000"/>
                   </a:solidFill>
@@ -27392,7 +27392,7 @@
             </a:ln>
             <a:extLst>
               <a:ext uri="{91240B29-F687-4f45-9708-019B960494DF}">
-                <a14:hiddenLine xmlns:a14="http://schemas.microsoft.com/office/drawing/2010/main" xmlns:p14="http://schemas.microsoft.com/office/powerpoint/2010/main" xmlns:a16="http://schemas.microsoft.com/office/drawing/2014/main" xmlns="" w="9525">
+                <a14:hiddenLine xmlns="" xmlns:a16="http://schemas.microsoft.com/office/drawing/2014/main" xmlns:p14="http://schemas.microsoft.com/office/powerpoint/2010/main" xmlns:a14="http://schemas.microsoft.com/office/drawing/2010/main" w="9525">
                   <a:solidFill>
                     <a:srgbClr val="000000"/>
                   </a:solidFill>
@@ -27497,7 +27497,7 @@
             </a:ln>
             <a:extLst>
               <a:ext uri="{91240B29-F687-4f45-9708-019B960494DF}">
-                <a14:hiddenLine xmlns:a14="http://schemas.microsoft.com/office/drawing/2010/main" xmlns:p14="http://schemas.microsoft.com/office/powerpoint/2010/main" xmlns:a16="http://schemas.microsoft.com/office/drawing/2014/main" xmlns="" w="9525">
+                <a14:hiddenLine xmlns="" xmlns:a16="http://schemas.microsoft.com/office/drawing/2014/main" xmlns:p14="http://schemas.microsoft.com/office/powerpoint/2010/main" xmlns:a14="http://schemas.microsoft.com/office/drawing/2010/main" w="9525">
                   <a:solidFill>
                     <a:srgbClr val="000000"/>
                   </a:solidFill>
@@ -27602,7 +27602,7 @@
             </a:ln>
             <a:extLst>
               <a:ext uri="{91240B29-F687-4f45-9708-019B960494DF}">
-                <a14:hiddenLine xmlns:a14="http://schemas.microsoft.com/office/drawing/2010/main" xmlns:p14="http://schemas.microsoft.com/office/powerpoint/2010/main" xmlns:a16="http://schemas.microsoft.com/office/drawing/2014/main" xmlns="" w="9525">
+                <a14:hiddenLine xmlns="" xmlns:a16="http://schemas.microsoft.com/office/drawing/2014/main" xmlns:p14="http://schemas.microsoft.com/office/powerpoint/2010/main" xmlns:a14="http://schemas.microsoft.com/office/drawing/2010/main" w="9525">
                   <a:solidFill>
                     <a:srgbClr val="000000"/>
                   </a:solidFill>
@@ -27679,7 +27679,7 @@
             </a:ln>
             <a:extLst>
               <a:ext uri="{91240B29-F687-4f45-9708-019B960494DF}">
-                <a14:hiddenLine xmlns:a14="http://schemas.microsoft.com/office/drawing/2010/main" xmlns:p14="http://schemas.microsoft.com/office/powerpoint/2010/main" xmlns:a16="http://schemas.microsoft.com/office/drawing/2014/main" xmlns="" w="9525">
+                <a14:hiddenLine xmlns="" xmlns:a16="http://schemas.microsoft.com/office/drawing/2014/main" xmlns:p14="http://schemas.microsoft.com/office/powerpoint/2010/main" xmlns:a14="http://schemas.microsoft.com/office/drawing/2010/main" w="9525">
                   <a:solidFill>
                     <a:srgbClr val="000000"/>
                   </a:solidFill>
@@ -27784,7 +27784,7 @@
             </a:ln>
             <a:extLst>
               <a:ext uri="{91240B29-F687-4f45-9708-019B960494DF}">
-                <a14:hiddenLine xmlns:a14="http://schemas.microsoft.com/office/drawing/2010/main" xmlns:p14="http://schemas.microsoft.com/office/powerpoint/2010/main" xmlns:a16="http://schemas.microsoft.com/office/drawing/2014/main" xmlns="" w="9525">
+                <a14:hiddenLine xmlns="" xmlns:a16="http://schemas.microsoft.com/office/drawing/2014/main" xmlns:p14="http://schemas.microsoft.com/office/powerpoint/2010/main" xmlns:a14="http://schemas.microsoft.com/office/drawing/2010/main" w="9525">
                   <a:solidFill>
                     <a:srgbClr val="000000"/>
                   </a:solidFill>
@@ -27861,7 +27861,7 @@
             </a:ln>
             <a:extLst>
               <a:ext uri="{91240B29-F687-4f45-9708-019B960494DF}">
-                <a14:hiddenLine xmlns:a14="http://schemas.microsoft.com/office/drawing/2010/main" xmlns:p14="http://schemas.microsoft.com/office/powerpoint/2010/main" xmlns:a16="http://schemas.microsoft.com/office/drawing/2014/main" xmlns="" w="9525">
+                <a14:hiddenLine xmlns="" xmlns:a16="http://schemas.microsoft.com/office/drawing/2014/main" xmlns:p14="http://schemas.microsoft.com/office/powerpoint/2010/main" xmlns:a14="http://schemas.microsoft.com/office/drawing/2010/main" w="9525">
                   <a:solidFill>
                     <a:srgbClr val="000000"/>
                   </a:solidFill>
@@ -27938,7 +27938,7 @@
             </a:ln>
             <a:extLst>
               <a:ext uri="{91240B29-F687-4f45-9708-019B960494DF}">
-                <a14:hiddenLine xmlns:a14="http://schemas.microsoft.com/office/drawing/2010/main" xmlns:p14="http://schemas.microsoft.com/office/powerpoint/2010/main" xmlns:a16="http://schemas.microsoft.com/office/drawing/2014/main" xmlns="" w="9525">
+                <a14:hiddenLine xmlns="" xmlns:a16="http://schemas.microsoft.com/office/drawing/2014/main" xmlns:p14="http://schemas.microsoft.com/office/powerpoint/2010/main" xmlns:a14="http://schemas.microsoft.com/office/drawing/2010/main" w="9525">
                   <a:solidFill>
                     <a:srgbClr val="000000"/>
                   </a:solidFill>
@@ -28043,7 +28043,7 @@
             </a:ln>
             <a:extLst>
               <a:ext uri="{91240B29-F687-4f45-9708-019B960494DF}">
-                <a14:hiddenLine xmlns:a14="http://schemas.microsoft.com/office/drawing/2010/main" xmlns:p14="http://schemas.microsoft.com/office/powerpoint/2010/main" xmlns:a16="http://schemas.microsoft.com/office/drawing/2014/main" xmlns="" w="9525">
+                <a14:hiddenLine xmlns="" xmlns:a16="http://schemas.microsoft.com/office/drawing/2014/main" xmlns:p14="http://schemas.microsoft.com/office/powerpoint/2010/main" xmlns:a14="http://schemas.microsoft.com/office/drawing/2010/main" w="9525">
                   <a:solidFill>
                     <a:srgbClr val="000000"/>
                   </a:solidFill>
@@ -28148,7 +28148,7 @@
             </a:ln>
             <a:extLst>
               <a:ext uri="{91240B29-F687-4f45-9708-019B960494DF}">
-                <a14:hiddenLine xmlns:a14="http://schemas.microsoft.com/office/drawing/2010/main" xmlns:p14="http://schemas.microsoft.com/office/powerpoint/2010/main" xmlns:a16="http://schemas.microsoft.com/office/drawing/2014/main" xmlns="" w="9525">
+                <a14:hiddenLine xmlns="" xmlns:a16="http://schemas.microsoft.com/office/drawing/2014/main" xmlns:p14="http://schemas.microsoft.com/office/powerpoint/2010/main" xmlns:a14="http://schemas.microsoft.com/office/drawing/2010/main" w="9525">
                   <a:solidFill>
                     <a:srgbClr val="000000"/>
                   </a:solidFill>
@@ -28225,7 +28225,7 @@
             </a:ln>
             <a:extLst>
               <a:ext uri="{91240B29-F687-4f45-9708-019B960494DF}">
-                <a14:hiddenLine xmlns:a14="http://schemas.microsoft.com/office/drawing/2010/main" xmlns:p14="http://schemas.microsoft.com/office/powerpoint/2010/main" xmlns:a16="http://schemas.microsoft.com/office/drawing/2014/main" xmlns="" w="9525">
+                <a14:hiddenLine xmlns="" xmlns:a16="http://schemas.microsoft.com/office/drawing/2014/main" xmlns:p14="http://schemas.microsoft.com/office/powerpoint/2010/main" xmlns:a14="http://schemas.microsoft.com/office/drawing/2010/main" w="9525">
                   <a:solidFill>
                     <a:srgbClr val="000000"/>
                   </a:solidFill>
@@ -28350,7 +28350,7 @@
             </a:ln>
             <a:extLst>
               <a:ext uri="{91240B29-F687-4f45-9708-019B960494DF}">
-                <a14:hiddenLine xmlns:a14="http://schemas.microsoft.com/office/drawing/2010/main" xmlns:p14="http://schemas.microsoft.com/office/powerpoint/2010/main" xmlns:a16="http://schemas.microsoft.com/office/drawing/2014/main" xmlns="" w="9525">
+                <a14:hiddenLine xmlns="" xmlns:a16="http://schemas.microsoft.com/office/drawing/2014/main" xmlns:p14="http://schemas.microsoft.com/office/powerpoint/2010/main" xmlns:a14="http://schemas.microsoft.com/office/drawing/2010/main" w="9525">
                   <a:solidFill>
                     <a:srgbClr val="000000"/>
                   </a:solidFill>
@@ -28464,7 +28464,7 @@
             </a:ln>
             <a:extLst>
               <a:ext uri="{91240B29-F687-4f45-9708-019B960494DF}">
-                <a14:hiddenLine xmlns:a14="http://schemas.microsoft.com/office/drawing/2010/main" xmlns:p14="http://schemas.microsoft.com/office/powerpoint/2010/main" xmlns:a16="http://schemas.microsoft.com/office/drawing/2014/main" xmlns="" w="9525">
+                <a14:hiddenLine xmlns="" xmlns:a16="http://schemas.microsoft.com/office/drawing/2014/main" xmlns:p14="http://schemas.microsoft.com/office/powerpoint/2010/main" xmlns:a14="http://schemas.microsoft.com/office/drawing/2010/main" w="9525">
                   <a:solidFill>
                     <a:srgbClr val="000000"/>
                   </a:solidFill>
@@ -28541,7 +28541,7 @@
             </a:ln>
             <a:extLst>
               <a:ext uri="{91240B29-F687-4f45-9708-019B960494DF}">
-                <a14:hiddenLine xmlns:a14="http://schemas.microsoft.com/office/drawing/2010/main" xmlns:p14="http://schemas.microsoft.com/office/powerpoint/2010/main" xmlns:a16="http://schemas.microsoft.com/office/drawing/2014/main" xmlns="" w="9525">
+                <a14:hiddenLine xmlns="" xmlns:a16="http://schemas.microsoft.com/office/drawing/2014/main" xmlns:p14="http://schemas.microsoft.com/office/powerpoint/2010/main" xmlns:a14="http://schemas.microsoft.com/office/drawing/2010/main" w="9525">
                   <a:solidFill>
                     <a:srgbClr val="000000"/>
                   </a:solidFill>
@@ -28618,7 +28618,7 @@
             </a:ln>
             <a:extLst>
               <a:ext uri="{91240B29-F687-4f45-9708-019B960494DF}">
-                <a14:hiddenLine xmlns:a14="http://schemas.microsoft.com/office/drawing/2010/main" xmlns:p14="http://schemas.microsoft.com/office/powerpoint/2010/main" xmlns:a16="http://schemas.microsoft.com/office/drawing/2014/main" xmlns="" w="9525">
+                <a14:hiddenLine xmlns="" xmlns:a16="http://schemas.microsoft.com/office/drawing/2014/main" xmlns:p14="http://schemas.microsoft.com/office/powerpoint/2010/main" xmlns:a14="http://schemas.microsoft.com/office/drawing/2010/main" w="9525">
                   <a:solidFill>
                     <a:srgbClr val="000000"/>
                   </a:solidFill>
@@ -28723,7 +28723,7 @@
             </a:ln>
             <a:extLst>
               <a:ext uri="{91240B29-F687-4f45-9708-019B960494DF}">
-                <a14:hiddenLine xmlns:a14="http://schemas.microsoft.com/office/drawing/2010/main" xmlns:p14="http://schemas.microsoft.com/office/powerpoint/2010/main" xmlns:a16="http://schemas.microsoft.com/office/drawing/2014/main" xmlns="" w="9525">
+                <a14:hiddenLine xmlns="" xmlns:a16="http://schemas.microsoft.com/office/drawing/2014/main" xmlns:p14="http://schemas.microsoft.com/office/powerpoint/2010/main" xmlns:a14="http://schemas.microsoft.com/office/drawing/2010/main" w="9525">
                   <a:solidFill>
                     <a:srgbClr val="000000"/>
                   </a:solidFill>
@@ -28772,7 +28772,7 @@
             </a:ln>
             <a:extLst>
               <a:ext uri="{91240B29-F687-4f45-9708-019B960494DF}">
-                <a14:hiddenLine xmlns:a14="http://schemas.microsoft.com/office/drawing/2010/main" xmlns:p14="http://schemas.microsoft.com/office/powerpoint/2010/main" xmlns:a16="http://schemas.microsoft.com/office/drawing/2014/main" xmlns="" w="9525">
+                <a14:hiddenLine xmlns="" xmlns:a16="http://schemas.microsoft.com/office/drawing/2014/main" xmlns:p14="http://schemas.microsoft.com/office/powerpoint/2010/main" xmlns:a14="http://schemas.microsoft.com/office/drawing/2010/main" w="9525">
                   <a:solidFill>
                     <a:srgbClr val="000000"/>
                   </a:solidFill>
@@ -28852,7 +28852,7 @@
             </a:ln>
             <a:extLst>
               <a:ext uri="{91240B29-F687-4f45-9708-019B960494DF}">
-                <a14:hiddenLine xmlns:a14="http://schemas.microsoft.com/office/drawing/2010/main" xmlns:p14="http://schemas.microsoft.com/office/powerpoint/2010/main" xmlns:a16="http://schemas.microsoft.com/office/drawing/2014/main" xmlns="" w="9525">
+                <a14:hiddenLine xmlns="" xmlns:a16="http://schemas.microsoft.com/office/drawing/2014/main" xmlns:p14="http://schemas.microsoft.com/office/powerpoint/2010/main" xmlns:a14="http://schemas.microsoft.com/office/drawing/2010/main" w="9525">
                   <a:solidFill>
                     <a:srgbClr val="000000"/>
                   </a:solidFill>
@@ -28957,7 +28957,7 @@
             </a:ln>
             <a:extLst>
               <a:ext uri="{91240B29-F687-4f45-9708-019B960494DF}">
-                <a14:hiddenLine xmlns:a14="http://schemas.microsoft.com/office/drawing/2010/main" xmlns:p14="http://schemas.microsoft.com/office/powerpoint/2010/main" xmlns:a16="http://schemas.microsoft.com/office/drawing/2014/main" xmlns="" w="9525">
+                <a14:hiddenLine xmlns="" xmlns:a16="http://schemas.microsoft.com/office/drawing/2014/main" xmlns:p14="http://schemas.microsoft.com/office/powerpoint/2010/main" xmlns:a14="http://schemas.microsoft.com/office/drawing/2010/main" w="9525">
                   <a:solidFill>
                     <a:srgbClr val="000000"/>
                   </a:solidFill>
@@ -29034,7 +29034,7 @@
             </a:ln>
             <a:extLst>
               <a:ext uri="{91240B29-F687-4f45-9708-019B960494DF}">
-                <a14:hiddenLine xmlns:a14="http://schemas.microsoft.com/office/drawing/2010/main" xmlns:p14="http://schemas.microsoft.com/office/powerpoint/2010/main" xmlns:a16="http://schemas.microsoft.com/office/drawing/2014/main" xmlns="" w="9525">
+                <a14:hiddenLine xmlns="" xmlns:a16="http://schemas.microsoft.com/office/drawing/2014/main" xmlns:p14="http://schemas.microsoft.com/office/powerpoint/2010/main" xmlns:a14="http://schemas.microsoft.com/office/drawing/2010/main" w="9525">
                   <a:solidFill>
                     <a:srgbClr val="000000"/>
                   </a:solidFill>
@@ -29139,7 +29139,7 @@
             </a:ln>
             <a:extLst>
               <a:ext uri="{91240B29-F687-4f45-9708-019B960494DF}">
-                <a14:hiddenLine xmlns:a14="http://schemas.microsoft.com/office/drawing/2010/main" xmlns:p14="http://schemas.microsoft.com/office/powerpoint/2010/main" xmlns:a16="http://schemas.microsoft.com/office/drawing/2014/main" xmlns="" w="9525">
+                <a14:hiddenLine xmlns="" xmlns:a16="http://schemas.microsoft.com/office/drawing/2014/main" xmlns:p14="http://schemas.microsoft.com/office/powerpoint/2010/main" xmlns:a14="http://schemas.microsoft.com/office/drawing/2010/main" w="9525">
                   <a:solidFill>
                     <a:srgbClr val="000000"/>
                   </a:solidFill>
@@ -29219,7 +29219,7 @@
             </a:ln>
             <a:extLst>
               <a:ext uri="{91240B29-F687-4f45-9708-019B960494DF}">
-                <a14:hiddenLine xmlns:a14="http://schemas.microsoft.com/office/drawing/2010/main" xmlns:p14="http://schemas.microsoft.com/office/powerpoint/2010/main" xmlns:a16="http://schemas.microsoft.com/office/drawing/2014/main" xmlns="" w="9525">
+                <a14:hiddenLine xmlns="" xmlns:a16="http://schemas.microsoft.com/office/drawing/2014/main" xmlns:p14="http://schemas.microsoft.com/office/powerpoint/2010/main" xmlns:a14="http://schemas.microsoft.com/office/drawing/2010/main" w="9525">
                   <a:solidFill>
                     <a:srgbClr val="000000"/>
                   </a:solidFill>
@@ -29296,7 +29296,7 @@
             </a:ln>
             <a:extLst>
               <a:ext uri="{91240B29-F687-4f45-9708-019B960494DF}">
-                <a14:hiddenLine xmlns:a14="http://schemas.microsoft.com/office/drawing/2010/main" xmlns:p14="http://schemas.microsoft.com/office/powerpoint/2010/main" xmlns:a16="http://schemas.microsoft.com/office/drawing/2014/main" xmlns="" w="9525">
+                <a14:hiddenLine xmlns="" xmlns:a16="http://schemas.microsoft.com/office/drawing/2014/main" xmlns:p14="http://schemas.microsoft.com/office/powerpoint/2010/main" xmlns:a14="http://schemas.microsoft.com/office/drawing/2010/main" w="9525">
                   <a:solidFill>
                     <a:srgbClr val="000000"/>
                   </a:solidFill>
@@ -29401,7 +29401,7 @@
             </a:ln>
             <a:extLst>
               <a:ext uri="{91240B29-F687-4f45-9708-019B960494DF}">
-                <a14:hiddenLine xmlns:a14="http://schemas.microsoft.com/office/drawing/2010/main" xmlns:p14="http://schemas.microsoft.com/office/powerpoint/2010/main" xmlns:a16="http://schemas.microsoft.com/office/drawing/2014/main" xmlns="" w="9525">
+                <a14:hiddenLine xmlns="" xmlns:a16="http://schemas.microsoft.com/office/drawing/2014/main" xmlns:p14="http://schemas.microsoft.com/office/powerpoint/2010/main" xmlns:a14="http://schemas.microsoft.com/office/drawing/2010/main" w="9525">
                   <a:solidFill>
                     <a:srgbClr val="000000"/>
                   </a:solidFill>
@@ -29506,7 +29506,7 @@
             </a:ln>
             <a:extLst>
               <a:ext uri="{91240B29-F687-4f45-9708-019B960494DF}">
-                <a14:hiddenLine xmlns:a14="http://schemas.microsoft.com/office/drawing/2010/main" xmlns:p14="http://schemas.microsoft.com/office/powerpoint/2010/main" xmlns:a16="http://schemas.microsoft.com/office/drawing/2014/main" xmlns="" w="9525">
+                <a14:hiddenLine xmlns="" xmlns:a16="http://schemas.microsoft.com/office/drawing/2014/main" xmlns:p14="http://schemas.microsoft.com/office/powerpoint/2010/main" xmlns:a14="http://schemas.microsoft.com/office/drawing/2010/main" w="9525">
                   <a:solidFill>
                     <a:srgbClr val="000000"/>
                   </a:solidFill>
@@ -29586,7 +29586,7 @@
             </a:ln>
             <a:extLst>
               <a:ext uri="{91240B29-F687-4f45-9708-019B960494DF}">
-                <a14:hiddenLine xmlns:a14="http://schemas.microsoft.com/office/drawing/2010/main" xmlns:p14="http://schemas.microsoft.com/office/powerpoint/2010/main" xmlns:a16="http://schemas.microsoft.com/office/drawing/2014/main" xmlns="" w="9525">
+                <a14:hiddenLine xmlns="" xmlns:a16="http://schemas.microsoft.com/office/drawing/2014/main" xmlns:p14="http://schemas.microsoft.com/office/powerpoint/2010/main" xmlns:a14="http://schemas.microsoft.com/office/drawing/2010/main" w="9525">
                   <a:solidFill>
                     <a:srgbClr val="000000"/>
                   </a:solidFill>
@@ -29721,7 +29721,7 @@
             </a:ln>
             <a:extLst>
               <a:ext uri="{91240B29-F687-4f45-9708-019B960494DF}">
-                <a14:hiddenLine xmlns:a14="http://schemas.microsoft.com/office/drawing/2010/main" xmlns:p14="http://schemas.microsoft.com/office/powerpoint/2010/main" xmlns:a16="http://schemas.microsoft.com/office/drawing/2014/main" xmlns="" w="9525">
+                <a14:hiddenLine xmlns="" xmlns:a16="http://schemas.microsoft.com/office/drawing/2014/main" xmlns:p14="http://schemas.microsoft.com/office/powerpoint/2010/main" xmlns:a14="http://schemas.microsoft.com/office/drawing/2010/main" w="9525">
                   <a:solidFill>
                     <a:srgbClr val="000000"/>
                   </a:solidFill>
@@ -30035,7 +30035,7 @@
             </a:ln>
             <a:extLst>
               <a:ext uri="{91240B29-F687-4f45-9708-019B960494DF}">
-                <a14:hiddenLine xmlns:a14="http://schemas.microsoft.com/office/drawing/2010/main" xmlns:p14="http://schemas.microsoft.com/office/powerpoint/2010/main" xmlns:a16="http://schemas.microsoft.com/office/drawing/2014/main" xmlns="" w="9525">
+                <a14:hiddenLine xmlns="" xmlns:a16="http://schemas.microsoft.com/office/drawing/2014/main" xmlns:p14="http://schemas.microsoft.com/office/powerpoint/2010/main" xmlns:a14="http://schemas.microsoft.com/office/drawing/2010/main" w="9525">
                   <a:solidFill>
                     <a:srgbClr val="000000"/>
                   </a:solidFill>
@@ -30165,7 +30165,7 @@
             </a:ln>
             <a:extLst>
               <a:ext uri="{91240B29-F687-4f45-9708-019B960494DF}">
-                <a14:hiddenLine xmlns:a14="http://schemas.microsoft.com/office/drawing/2010/main" xmlns:p14="http://schemas.microsoft.com/office/powerpoint/2010/main" xmlns:a16="http://schemas.microsoft.com/office/drawing/2014/main" xmlns="" w="9525">
+                <a14:hiddenLine xmlns="" xmlns:a16="http://schemas.microsoft.com/office/drawing/2014/main" xmlns:p14="http://schemas.microsoft.com/office/powerpoint/2010/main" xmlns:a14="http://schemas.microsoft.com/office/drawing/2010/main" w="9525">
                   <a:solidFill>
                     <a:srgbClr val="000000"/>
                   </a:solidFill>
@@ -30270,7 +30270,7 @@
             </a:ln>
             <a:extLst>
               <a:ext uri="{91240B29-F687-4f45-9708-019B960494DF}">
-                <a14:hiddenLine xmlns:a14="http://schemas.microsoft.com/office/drawing/2010/main" xmlns:p14="http://schemas.microsoft.com/office/powerpoint/2010/main" xmlns:a16="http://schemas.microsoft.com/office/drawing/2014/main" xmlns="" w="9525">
+                <a14:hiddenLine xmlns="" xmlns:a16="http://schemas.microsoft.com/office/drawing/2014/main" xmlns:p14="http://schemas.microsoft.com/office/powerpoint/2010/main" xmlns:a14="http://schemas.microsoft.com/office/drawing/2010/main" w="9525">
                   <a:solidFill>
                     <a:srgbClr val="000000"/>
                   </a:solidFill>
@@ -30350,7 +30350,7 @@
             </a:ln>
             <a:extLst>
               <a:ext uri="{91240B29-F687-4f45-9708-019B960494DF}">
-                <a14:hiddenLine xmlns:a14="http://schemas.microsoft.com/office/drawing/2010/main" xmlns:p14="http://schemas.microsoft.com/office/powerpoint/2010/main" xmlns:a16="http://schemas.microsoft.com/office/drawing/2014/main" xmlns="" w="9525">
+                <a14:hiddenLine xmlns="" xmlns:a16="http://schemas.microsoft.com/office/drawing/2014/main" xmlns:p14="http://schemas.microsoft.com/office/powerpoint/2010/main" xmlns:a14="http://schemas.microsoft.com/office/drawing/2010/main" w="9525">
                   <a:solidFill>
                     <a:srgbClr val="000000"/>
                   </a:solidFill>
@@ -30455,7 +30455,7 @@
             </a:ln>
             <a:extLst>
               <a:ext uri="{91240B29-F687-4f45-9708-019B960494DF}">
-                <a14:hiddenLine xmlns:a14="http://schemas.microsoft.com/office/drawing/2010/main" xmlns:p14="http://schemas.microsoft.com/office/powerpoint/2010/main" xmlns:a16="http://schemas.microsoft.com/office/drawing/2014/main" xmlns="" w="9525">
+                <a14:hiddenLine xmlns="" xmlns:a16="http://schemas.microsoft.com/office/drawing/2014/main" xmlns:p14="http://schemas.microsoft.com/office/powerpoint/2010/main" xmlns:a14="http://schemas.microsoft.com/office/drawing/2010/main" w="9525">
                   <a:solidFill>
                     <a:srgbClr val="000000"/>
                   </a:solidFill>
@@ -30538,7 +30538,7 @@
             </a:ln>
             <a:extLst>
               <a:ext uri="{91240B29-F687-4f45-9708-019B960494DF}">
-                <a14:hiddenLine xmlns:a14="http://schemas.microsoft.com/office/drawing/2010/main" xmlns:p14="http://schemas.microsoft.com/office/powerpoint/2010/main" xmlns:a16="http://schemas.microsoft.com/office/drawing/2014/main" xmlns="" w="9525">
+                <a14:hiddenLine xmlns="" xmlns:a16="http://schemas.microsoft.com/office/drawing/2014/main" xmlns:p14="http://schemas.microsoft.com/office/powerpoint/2010/main" xmlns:a14="http://schemas.microsoft.com/office/drawing/2010/main" w="9525">
                   <a:solidFill>
                     <a:srgbClr val="000000"/>
                   </a:solidFill>
@@ -30643,7 +30643,7 @@
             </a:ln>
             <a:extLst>
               <a:ext uri="{91240B29-F687-4f45-9708-019B960494DF}">
-                <a14:hiddenLine xmlns:a14="http://schemas.microsoft.com/office/drawing/2010/main" xmlns:p14="http://schemas.microsoft.com/office/powerpoint/2010/main" xmlns:a16="http://schemas.microsoft.com/office/drawing/2014/main" xmlns="" w="9525">
+                <a14:hiddenLine xmlns="" xmlns:a16="http://schemas.microsoft.com/office/drawing/2014/main" xmlns:p14="http://schemas.microsoft.com/office/powerpoint/2010/main" xmlns:a14="http://schemas.microsoft.com/office/drawing/2010/main" w="9525">
                   <a:solidFill>
                     <a:srgbClr val="000000"/>
                   </a:solidFill>
@@ -30726,7 +30726,7 @@
             </a:ln>
             <a:extLst>
               <a:ext uri="{91240B29-F687-4f45-9708-019B960494DF}">
-                <a14:hiddenLine xmlns:a14="http://schemas.microsoft.com/office/drawing/2010/main" xmlns:p14="http://schemas.microsoft.com/office/powerpoint/2010/main" xmlns:a16="http://schemas.microsoft.com/office/drawing/2014/main" xmlns="" w="9525">
+                <a14:hiddenLine xmlns="" xmlns:a16="http://schemas.microsoft.com/office/drawing/2014/main" xmlns:p14="http://schemas.microsoft.com/office/powerpoint/2010/main" xmlns:a14="http://schemas.microsoft.com/office/drawing/2010/main" w="9525">
                   <a:solidFill>
                     <a:srgbClr val="000000"/>
                   </a:solidFill>
@@ -30831,7 +30831,7 @@
             </a:ln>
             <a:extLst>
               <a:ext uri="{91240B29-F687-4f45-9708-019B960494DF}">
-                <a14:hiddenLine xmlns:a14="http://schemas.microsoft.com/office/drawing/2010/main" xmlns:p14="http://schemas.microsoft.com/office/powerpoint/2010/main" xmlns:a16="http://schemas.microsoft.com/office/drawing/2014/main" xmlns="" w="9525">
+                <a14:hiddenLine xmlns="" xmlns:a16="http://schemas.microsoft.com/office/drawing/2014/main" xmlns:p14="http://schemas.microsoft.com/office/powerpoint/2010/main" xmlns:a14="http://schemas.microsoft.com/office/drawing/2010/main" w="9525">
                   <a:solidFill>
                     <a:srgbClr val="000000"/>
                   </a:solidFill>
@@ -30880,7 +30880,7 @@
             </a:ln>
             <a:extLst>
               <a:ext uri="{91240B29-F687-4f45-9708-019B960494DF}">
-                <a14:hiddenLine xmlns:a14="http://schemas.microsoft.com/office/drawing/2010/main" xmlns:p14="http://schemas.microsoft.com/office/powerpoint/2010/main" xmlns:a16="http://schemas.microsoft.com/office/drawing/2014/main" xmlns="" w="9525">
+                <a14:hiddenLine xmlns="" xmlns:a16="http://schemas.microsoft.com/office/drawing/2014/main" xmlns:p14="http://schemas.microsoft.com/office/powerpoint/2010/main" xmlns:a14="http://schemas.microsoft.com/office/drawing/2010/main" w="9525">
                   <a:solidFill>
                     <a:srgbClr val="000000"/>
                   </a:solidFill>
@@ -34945,7 +34945,7 @@
           <a:noFill/>
           <a:extLst>
             <a:ext uri="{909E8E84-426E-40dd-AFC4-6F175D3DCCD1}">
-              <a14:hiddenFill xmlns="" xmlns:a16="http://schemas.microsoft.com/office/drawing/2014/main" xmlns:p14="http://schemas.microsoft.com/office/powerpoint/2010/main" xmlns:a14="http://schemas.microsoft.com/office/drawing/2010/main">
+              <a14:hiddenFill xmlns:a14="http://schemas.microsoft.com/office/drawing/2010/main" xmlns:p14="http://schemas.microsoft.com/office/powerpoint/2010/main" xmlns:a16="http://schemas.microsoft.com/office/drawing/2014/main" xmlns="">
                 <a:solidFill>
                   <a:srgbClr val="FFFFFF"/>
                 </a:solidFill>
@@ -35066,7 +35066,7 @@
               </a:ln>
               <a:extLst>
                 <a:ext uri="{91240B29-F687-4f45-9708-019B960494DF}">
-                  <a14:hiddenLine xmlns="" xmlns:a16="http://schemas.microsoft.com/office/drawing/2014/main" xmlns:p14="http://schemas.microsoft.com/office/powerpoint/2010/main" xmlns:a14="http://schemas.microsoft.com/office/drawing/2010/main" w="9525">
+                  <a14:hiddenLine xmlns:a14="http://schemas.microsoft.com/office/drawing/2010/main" xmlns:p14="http://schemas.microsoft.com/office/powerpoint/2010/main" xmlns:a16="http://schemas.microsoft.com/office/drawing/2014/main" xmlns="" w="9525">
                     <a:solidFill>
                       <a:srgbClr val="000000"/>
                     </a:solidFill>
@@ -35171,7 +35171,7 @@
               </a:ln>
               <a:extLst>
                 <a:ext uri="{91240B29-F687-4f45-9708-019B960494DF}">
-                  <a14:hiddenLine xmlns="" xmlns:a16="http://schemas.microsoft.com/office/drawing/2014/main" xmlns:p14="http://schemas.microsoft.com/office/powerpoint/2010/main" xmlns:a14="http://schemas.microsoft.com/office/drawing/2010/main" w="9525">
+                  <a14:hiddenLine xmlns:a14="http://schemas.microsoft.com/office/drawing/2010/main" xmlns:p14="http://schemas.microsoft.com/office/powerpoint/2010/main" xmlns:a16="http://schemas.microsoft.com/office/drawing/2014/main" xmlns="" w="9525">
                     <a:solidFill>
                       <a:srgbClr val="000000"/>
                     </a:solidFill>
@@ -35276,7 +35276,7 @@
               </a:ln>
               <a:extLst>
                 <a:ext uri="{91240B29-F687-4f45-9708-019B960494DF}">
-                  <a14:hiddenLine xmlns="" xmlns:a16="http://schemas.microsoft.com/office/drawing/2014/main" xmlns:p14="http://schemas.microsoft.com/office/powerpoint/2010/main" xmlns:a14="http://schemas.microsoft.com/office/drawing/2010/main" w="9525">
+                  <a14:hiddenLine xmlns:a14="http://schemas.microsoft.com/office/drawing/2010/main" xmlns:p14="http://schemas.microsoft.com/office/powerpoint/2010/main" xmlns:a16="http://schemas.microsoft.com/office/drawing/2014/main" xmlns="" w="9525">
                     <a:solidFill>
                       <a:srgbClr val="000000"/>
                     </a:solidFill>
@@ -35353,7 +35353,7 @@
               </a:ln>
               <a:extLst>
                 <a:ext uri="{91240B29-F687-4f45-9708-019B960494DF}">
-                  <a14:hiddenLine xmlns="" xmlns:a16="http://schemas.microsoft.com/office/drawing/2014/main" xmlns:p14="http://schemas.microsoft.com/office/powerpoint/2010/main" xmlns:a14="http://schemas.microsoft.com/office/drawing/2010/main" w="9525">
+                  <a14:hiddenLine xmlns:a14="http://schemas.microsoft.com/office/drawing/2010/main" xmlns:p14="http://schemas.microsoft.com/office/powerpoint/2010/main" xmlns:a16="http://schemas.microsoft.com/office/drawing/2014/main" xmlns="" w="9525">
                     <a:solidFill>
                       <a:srgbClr val="000000"/>
                     </a:solidFill>
@@ -35458,7 +35458,7 @@
               </a:ln>
               <a:extLst>
                 <a:ext uri="{91240B29-F687-4f45-9708-019B960494DF}">
-                  <a14:hiddenLine xmlns="" xmlns:a16="http://schemas.microsoft.com/office/drawing/2014/main" xmlns:p14="http://schemas.microsoft.com/office/powerpoint/2010/main" xmlns:a14="http://schemas.microsoft.com/office/drawing/2010/main" w="9525">
+                  <a14:hiddenLine xmlns:a14="http://schemas.microsoft.com/office/drawing/2010/main" xmlns:p14="http://schemas.microsoft.com/office/powerpoint/2010/main" xmlns:a16="http://schemas.microsoft.com/office/drawing/2014/main" xmlns="" w="9525">
                     <a:solidFill>
                       <a:srgbClr val="000000"/>
                     </a:solidFill>
@@ -35535,7 +35535,7 @@
               </a:ln>
               <a:extLst>
                 <a:ext uri="{91240B29-F687-4f45-9708-019B960494DF}">
-                  <a14:hiddenLine xmlns="" xmlns:a16="http://schemas.microsoft.com/office/drawing/2014/main" xmlns:p14="http://schemas.microsoft.com/office/powerpoint/2010/main" xmlns:a14="http://schemas.microsoft.com/office/drawing/2010/main" w="9525">
+                  <a14:hiddenLine xmlns:a14="http://schemas.microsoft.com/office/drawing/2010/main" xmlns:p14="http://schemas.microsoft.com/office/powerpoint/2010/main" xmlns:a16="http://schemas.microsoft.com/office/drawing/2014/main" xmlns="" w="9525">
                     <a:solidFill>
                       <a:srgbClr val="000000"/>
                     </a:solidFill>
@@ -35612,7 +35612,7 @@
               </a:ln>
               <a:extLst>
                 <a:ext uri="{91240B29-F687-4f45-9708-019B960494DF}">
-                  <a14:hiddenLine xmlns="" xmlns:a16="http://schemas.microsoft.com/office/drawing/2014/main" xmlns:p14="http://schemas.microsoft.com/office/powerpoint/2010/main" xmlns:a14="http://schemas.microsoft.com/office/drawing/2010/main" w="9525">
+                  <a14:hiddenLine xmlns:a14="http://schemas.microsoft.com/office/drawing/2010/main" xmlns:p14="http://schemas.microsoft.com/office/powerpoint/2010/main" xmlns:a16="http://schemas.microsoft.com/office/drawing/2014/main" xmlns="" w="9525">
                     <a:solidFill>
                       <a:srgbClr val="000000"/>
                     </a:solidFill>
@@ -35717,7 +35717,7 @@
               </a:ln>
               <a:extLst>
                 <a:ext uri="{91240B29-F687-4f45-9708-019B960494DF}">
-                  <a14:hiddenLine xmlns="" xmlns:a16="http://schemas.microsoft.com/office/drawing/2014/main" xmlns:p14="http://schemas.microsoft.com/office/powerpoint/2010/main" xmlns:a14="http://schemas.microsoft.com/office/drawing/2010/main" w="9525">
+                  <a14:hiddenLine xmlns:a14="http://schemas.microsoft.com/office/drawing/2010/main" xmlns:p14="http://schemas.microsoft.com/office/powerpoint/2010/main" xmlns:a16="http://schemas.microsoft.com/office/drawing/2014/main" xmlns="" w="9525">
                     <a:solidFill>
                       <a:srgbClr val="000000"/>
                     </a:solidFill>
@@ -35822,7 +35822,7 @@
               </a:ln>
               <a:extLst>
                 <a:ext uri="{91240B29-F687-4f45-9708-019B960494DF}">
-                  <a14:hiddenLine xmlns="" xmlns:a16="http://schemas.microsoft.com/office/drawing/2014/main" xmlns:p14="http://schemas.microsoft.com/office/powerpoint/2010/main" xmlns:a14="http://schemas.microsoft.com/office/drawing/2010/main" w="9525">
+                  <a14:hiddenLine xmlns:a14="http://schemas.microsoft.com/office/drawing/2010/main" xmlns:p14="http://schemas.microsoft.com/office/powerpoint/2010/main" xmlns:a16="http://schemas.microsoft.com/office/drawing/2014/main" xmlns="" w="9525">
                     <a:solidFill>
                       <a:srgbClr val="000000"/>
                     </a:solidFill>
@@ -35899,7 +35899,7 @@
               </a:ln>
               <a:extLst>
                 <a:ext uri="{91240B29-F687-4f45-9708-019B960494DF}">
-                  <a14:hiddenLine xmlns="" xmlns:a16="http://schemas.microsoft.com/office/drawing/2014/main" xmlns:p14="http://schemas.microsoft.com/office/powerpoint/2010/main" xmlns:a14="http://schemas.microsoft.com/office/drawing/2010/main" w="9525">
+                  <a14:hiddenLine xmlns:a14="http://schemas.microsoft.com/office/drawing/2010/main" xmlns:p14="http://schemas.microsoft.com/office/powerpoint/2010/main" xmlns:a16="http://schemas.microsoft.com/office/drawing/2014/main" xmlns="" w="9525">
                     <a:solidFill>
                       <a:srgbClr val="000000"/>
                     </a:solidFill>
@@ -36024,7 +36024,7 @@
               </a:ln>
               <a:extLst>
                 <a:ext uri="{91240B29-F687-4f45-9708-019B960494DF}">
-                  <a14:hiddenLine xmlns="" xmlns:a16="http://schemas.microsoft.com/office/drawing/2014/main" xmlns:p14="http://schemas.microsoft.com/office/powerpoint/2010/main" xmlns:a14="http://schemas.microsoft.com/office/drawing/2010/main" w="9525">
+                  <a14:hiddenLine xmlns:a14="http://schemas.microsoft.com/office/drawing/2010/main" xmlns:p14="http://schemas.microsoft.com/office/powerpoint/2010/main" xmlns:a16="http://schemas.microsoft.com/office/drawing/2014/main" xmlns="" w="9525">
                     <a:solidFill>
                       <a:srgbClr val="000000"/>
                     </a:solidFill>
@@ -36138,7 +36138,7 @@
               </a:ln>
               <a:extLst>
                 <a:ext uri="{91240B29-F687-4f45-9708-019B960494DF}">
-                  <a14:hiddenLine xmlns="" xmlns:a16="http://schemas.microsoft.com/office/drawing/2014/main" xmlns:p14="http://schemas.microsoft.com/office/powerpoint/2010/main" xmlns:a14="http://schemas.microsoft.com/office/drawing/2010/main" w="9525">
+                  <a14:hiddenLine xmlns:a14="http://schemas.microsoft.com/office/drawing/2010/main" xmlns:p14="http://schemas.microsoft.com/office/powerpoint/2010/main" xmlns:a16="http://schemas.microsoft.com/office/drawing/2014/main" xmlns="" w="9525">
                     <a:solidFill>
                       <a:srgbClr val="000000"/>
                     </a:solidFill>
@@ -36215,7 +36215,7 @@
               </a:ln>
               <a:extLst>
                 <a:ext uri="{91240B29-F687-4f45-9708-019B960494DF}">
-                  <a14:hiddenLine xmlns="" xmlns:a16="http://schemas.microsoft.com/office/drawing/2014/main" xmlns:p14="http://schemas.microsoft.com/office/powerpoint/2010/main" xmlns:a14="http://schemas.microsoft.com/office/drawing/2010/main" w="9525">
+                  <a14:hiddenLine xmlns:a14="http://schemas.microsoft.com/office/drawing/2010/main" xmlns:p14="http://schemas.microsoft.com/office/powerpoint/2010/main" xmlns:a16="http://schemas.microsoft.com/office/drawing/2014/main" xmlns="" w="9525">
                     <a:solidFill>
                       <a:srgbClr val="000000"/>
                     </a:solidFill>
@@ -36292,7 +36292,7 @@
               </a:ln>
               <a:extLst>
                 <a:ext uri="{91240B29-F687-4f45-9708-019B960494DF}">
-                  <a14:hiddenLine xmlns="" xmlns:a16="http://schemas.microsoft.com/office/drawing/2014/main" xmlns:p14="http://schemas.microsoft.com/office/powerpoint/2010/main" xmlns:a14="http://schemas.microsoft.com/office/drawing/2010/main" w="9525">
+                  <a14:hiddenLine xmlns:a14="http://schemas.microsoft.com/office/drawing/2010/main" xmlns:p14="http://schemas.microsoft.com/office/powerpoint/2010/main" xmlns:a16="http://schemas.microsoft.com/office/drawing/2014/main" xmlns="" w="9525">
                     <a:solidFill>
                       <a:srgbClr val="000000"/>
                     </a:solidFill>
@@ -36397,7 +36397,7 @@
               </a:ln>
               <a:extLst>
                 <a:ext uri="{91240B29-F687-4f45-9708-019B960494DF}">
-                  <a14:hiddenLine xmlns="" xmlns:a16="http://schemas.microsoft.com/office/drawing/2014/main" xmlns:p14="http://schemas.microsoft.com/office/powerpoint/2010/main" xmlns:a14="http://schemas.microsoft.com/office/drawing/2010/main" w="9525">
+                  <a14:hiddenLine xmlns:a14="http://schemas.microsoft.com/office/drawing/2010/main" xmlns:p14="http://schemas.microsoft.com/office/powerpoint/2010/main" xmlns:a16="http://schemas.microsoft.com/office/drawing/2014/main" xmlns="" w="9525">
                     <a:solidFill>
                       <a:srgbClr val="000000"/>
                     </a:solidFill>
@@ -36446,7 +36446,7 @@
               </a:ln>
               <a:extLst>
                 <a:ext uri="{91240B29-F687-4f45-9708-019B960494DF}">
-                  <a14:hiddenLine xmlns="" xmlns:a16="http://schemas.microsoft.com/office/drawing/2014/main" xmlns:p14="http://schemas.microsoft.com/office/powerpoint/2010/main" xmlns:a14="http://schemas.microsoft.com/office/drawing/2010/main" w="9525">
+                  <a14:hiddenLine xmlns:a14="http://schemas.microsoft.com/office/drawing/2010/main" xmlns:p14="http://schemas.microsoft.com/office/powerpoint/2010/main" xmlns:a16="http://schemas.microsoft.com/office/drawing/2014/main" xmlns="" w="9525">
                     <a:solidFill>
                       <a:srgbClr val="000000"/>
                     </a:solidFill>
@@ -36526,7 +36526,7 @@
               </a:ln>
               <a:extLst>
                 <a:ext uri="{91240B29-F687-4f45-9708-019B960494DF}">
-                  <a14:hiddenLine xmlns="" xmlns:a16="http://schemas.microsoft.com/office/drawing/2014/main" xmlns:p14="http://schemas.microsoft.com/office/powerpoint/2010/main" xmlns:a14="http://schemas.microsoft.com/office/drawing/2010/main" w="9525">
+                  <a14:hiddenLine xmlns:a14="http://schemas.microsoft.com/office/drawing/2010/main" xmlns:p14="http://schemas.microsoft.com/office/powerpoint/2010/main" xmlns:a16="http://schemas.microsoft.com/office/drawing/2014/main" xmlns="" w="9525">
                     <a:solidFill>
                       <a:srgbClr val="000000"/>
                     </a:solidFill>
@@ -36631,7 +36631,7 @@
               </a:ln>
               <a:extLst>
                 <a:ext uri="{91240B29-F687-4f45-9708-019B960494DF}">
-                  <a14:hiddenLine xmlns="" xmlns:a16="http://schemas.microsoft.com/office/drawing/2014/main" xmlns:p14="http://schemas.microsoft.com/office/powerpoint/2010/main" xmlns:a14="http://schemas.microsoft.com/office/drawing/2010/main" w="9525">
+                  <a14:hiddenLine xmlns:a14="http://schemas.microsoft.com/office/drawing/2010/main" xmlns:p14="http://schemas.microsoft.com/office/powerpoint/2010/main" xmlns:a16="http://schemas.microsoft.com/office/drawing/2014/main" xmlns="" w="9525">
                     <a:solidFill>
                       <a:srgbClr val="000000"/>
                     </a:solidFill>
@@ -36708,7 +36708,7 @@
               </a:ln>
               <a:extLst>
                 <a:ext uri="{91240B29-F687-4f45-9708-019B960494DF}">
-                  <a14:hiddenLine xmlns="" xmlns:a16="http://schemas.microsoft.com/office/drawing/2014/main" xmlns:p14="http://schemas.microsoft.com/office/powerpoint/2010/main" xmlns:a14="http://schemas.microsoft.com/office/drawing/2010/main" w="9525">
+                  <a14:hiddenLine xmlns:a14="http://schemas.microsoft.com/office/drawing/2010/main" xmlns:p14="http://schemas.microsoft.com/office/powerpoint/2010/main" xmlns:a16="http://schemas.microsoft.com/office/drawing/2014/main" xmlns="" w="9525">
                     <a:solidFill>
                       <a:srgbClr val="000000"/>
                     </a:solidFill>
@@ -36813,7 +36813,7 @@
               </a:ln>
               <a:extLst>
                 <a:ext uri="{91240B29-F687-4f45-9708-019B960494DF}">
-                  <a14:hiddenLine xmlns="" xmlns:a16="http://schemas.microsoft.com/office/drawing/2014/main" xmlns:p14="http://schemas.microsoft.com/office/powerpoint/2010/main" xmlns:a14="http://schemas.microsoft.com/office/drawing/2010/main" w="9525">
+                  <a14:hiddenLine xmlns:a14="http://schemas.microsoft.com/office/drawing/2010/main" xmlns:p14="http://schemas.microsoft.com/office/powerpoint/2010/main" xmlns:a16="http://schemas.microsoft.com/office/drawing/2014/main" xmlns="" w="9525">
                     <a:solidFill>
                       <a:srgbClr val="000000"/>
                     </a:solidFill>
@@ -36893,7 +36893,7 @@
               </a:ln>
               <a:extLst>
                 <a:ext uri="{91240B29-F687-4f45-9708-019B960494DF}">
-                  <a14:hiddenLine xmlns="" xmlns:a16="http://schemas.microsoft.com/office/drawing/2014/main" xmlns:p14="http://schemas.microsoft.com/office/powerpoint/2010/main" xmlns:a14="http://schemas.microsoft.com/office/drawing/2010/main" w="9525">
+                  <a14:hiddenLine xmlns:a14="http://schemas.microsoft.com/office/drawing/2010/main" xmlns:p14="http://schemas.microsoft.com/office/powerpoint/2010/main" xmlns:a16="http://schemas.microsoft.com/office/drawing/2014/main" xmlns="" w="9525">
                     <a:solidFill>
                       <a:srgbClr val="000000"/>
                     </a:solidFill>
@@ -36970,7 +36970,7 @@
               </a:ln>
               <a:extLst>
                 <a:ext uri="{91240B29-F687-4f45-9708-019B960494DF}">
-                  <a14:hiddenLine xmlns="" xmlns:a16="http://schemas.microsoft.com/office/drawing/2014/main" xmlns:p14="http://schemas.microsoft.com/office/powerpoint/2010/main" xmlns:a14="http://schemas.microsoft.com/office/drawing/2010/main" w="9525">
+                  <a14:hiddenLine xmlns:a14="http://schemas.microsoft.com/office/drawing/2010/main" xmlns:p14="http://schemas.microsoft.com/office/powerpoint/2010/main" xmlns:a16="http://schemas.microsoft.com/office/drawing/2014/main" xmlns="" w="9525">
                     <a:solidFill>
                       <a:srgbClr val="000000"/>
                     </a:solidFill>
@@ -37075,7 +37075,7 @@
               </a:ln>
               <a:extLst>
                 <a:ext uri="{91240B29-F687-4f45-9708-019B960494DF}">
-                  <a14:hiddenLine xmlns="" xmlns:a16="http://schemas.microsoft.com/office/drawing/2014/main" xmlns:p14="http://schemas.microsoft.com/office/powerpoint/2010/main" xmlns:a14="http://schemas.microsoft.com/office/drawing/2010/main" w="9525">
+                  <a14:hiddenLine xmlns:a14="http://schemas.microsoft.com/office/drawing/2010/main" xmlns:p14="http://schemas.microsoft.com/office/powerpoint/2010/main" xmlns:a16="http://schemas.microsoft.com/office/drawing/2014/main" xmlns="" w="9525">
                     <a:solidFill>
                       <a:srgbClr val="000000"/>
                     </a:solidFill>
@@ -37180,7 +37180,7 @@
               </a:ln>
               <a:extLst>
                 <a:ext uri="{91240B29-F687-4f45-9708-019B960494DF}">
-                  <a14:hiddenLine xmlns="" xmlns:a16="http://schemas.microsoft.com/office/drawing/2014/main" xmlns:p14="http://schemas.microsoft.com/office/powerpoint/2010/main" xmlns:a14="http://schemas.microsoft.com/office/drawing/2010/main" w="9525">
+                  <a14:hiddenLine xmlns:a14="http://schemas.microsoft.com/office/drawing/2010/main" xmlns:p14="http://schemas.microsoft.com/office/powerpoint/2010/main" xmlns:a16="http://schemas.microsoft.com/office/drawing/2014/main" xmlns="" w="9525">
                     <a:solidFill>
                       <a:srgbClr val="000000"/>
                     </a:solidFill>
@@ -37260,7 +37260,7 @@
               </a:ln>
               <a:extLst>
                 <a:ext uri="{91240B29-F687-4f45-9708-019B960494DF}">
-                  <a14:hiddenLine xmlns="" xmlns:a16="http://schemas.microsoft.com/office/drawing/2014/main" xmlns:p14="http://schemas.microsoft.com/office/powerpoint/2010/main" xmlns:a14="http://schemas.microsoft.com/office/drawing/2010/main" w="9525">
+                  <a14:hiddenLine xmlns:a14="http://schemas.microsoft.com/office/drawing/2010/main" xmlns:p14="http://schemas.microsoft.com/office/powerpoint/2010/main" xmlns:a16="http://schemas.microsoft.com/office/drawing/2014/main" xmlns="" w="9525">
                     <a:solidFill>
                       <a:srgbClr val="000000"/>
                     </a:solidFill>
@@ -37395,7 +37395,7 @@
               </a:ln>
               <a:extLst>
                 <a:ext uri="{91240B29-F687-4f45-9708-019B960494DF}">
-                  <a14:hiddenLine xmlns="" xmlns:a16="http://schemas.microsoft.com/office/drawing/2014/main" xmlns:p14="http://schemas.microsoft.com/office/powerpoint/2010/main" xmlns:a14="http://schemas.microsoft.com/office/drawing/2010/main" w="9525">
+                  <a14:hiddenLine xmlns:a14="http://schemas.microsoft.com/office/drawing/2010/main" xmlns:p14="http://schemas.microsoft.com/office/powerpoint/2010/main" xmlns:a16="http://schemas.microsoft.com/office/drawing/2014/main" xmlns="" w="9525">
                     <a:solidFill>
                       <a:srgbClr val="000000"/>
                     </a:solidFill>
@@ -37523,7 +37523,7 @@
               </a:ln>
               <a:extLst>
                 <a:ext uri="{91240B29-F687-4f45-9708-019B960494DF}">
-                  <a14:hiddenLine xmlns="" xmlns:a16="http://schemas.microsoft.com/office/drawing/2014/main" xmlns:p14="http://schemas.microsoft.com/office/powerpoint/2010/main" xmlns:a14="http://schemas.microsoft.com/office/drawing/2010/main" w="9525">
+                  <a14:hiddenLine xmlns:a14="http://schemas.microsoft.com/office/drawing/2010/main" xmlns:p14="http://schemas.microsoft.com/office/powerpoint/2010/main" xmlns:a16="http://schemas.microsoft.com/office/drawing/2014/main" xmlns="" w="9525">
                     <a:solidFill>
                       <a:srgbClr val="000000"/>
                     </a:solidFill>
@@ -37653,7 +37653,7 @@
               </a:ln>
               <a:extLst>
                 <a:ext uri="{91240B29-F687-4f45-9708-019B960494DF}">
-                  <a14:hiddenLine xmlns="" xmlns:a16="http://schemas.microsoft.com/office/drawing/2014/main" xmlns:p14="http://schemas.microsoft.com/office/powerpoint/2010/main" xmlns:a14="http://schemas.microsoft.com/office/drawing/2010/main" w="9525">
+                  <a14:hiddenLine xmlns:a14="http://schemas.microsoft.com/office/drawing/2010/main" xmlns:p14="http://schemas.microsoft.com/office/powerpoint/2010/main" xmlns:a16="http://schemas.microsoft.com/office/drawing/2014/main" xmlns="" w="9525">
                     <a:solidFill>
                       <a:srgbClr val="000000"/>
                     </a:solidFill>
@@ -37758,7 +37758,7 @@
               </a:ln>
               <a:extLst>
                 <a:ext uri="{91240B29-F687-4f45-9708-019B960494DF}">
-                  <a14:hiddenLine xmlns="" xmlns:a16="http://schemas.microsoft.com/office/drawing/2014/main" xmlns:p14="http://schemas.microsoft.com/office/powerpoint/2010/main" xmlns:a14="http://schemas.microsoft.com/office/drawing/2010/main" w="9525">
+                  <a14:hiddenLine xmlns:a14="http://schemas.microsoft.com/office/drawing/2010/main" xmlns:p14="http://schemas.microsoft.com/office/powerpoint/2010/main" xmlns:a16="http://schemas.microsoft.com/office/drawing/2014/main" xmlns="" w="9525">
                     <a:solidFill>
                       <a:srgbClr val="000000"/>
                     </a:solidFill>
@@ -37838,7 +37838,7 @@
               </a:ln>
               <a:extLst>
                 <a:ext uri="{91240B29-F687-4f45-9708-019B960494DF}">
-                  <a14:hiddenLine xmlns="" xmlns:a16="http://schemas.microsoft.com/office/drawing/2014/main" xmlns:p14="http://schemas.microsoft.com/office/powerpoint/2010/main" xmlns:a14="http://schemas.microsoft.com/office/drawing/2010/main" w="9525">
+                  <a14:hiddenLine xmlns:a14="http://schemas.microsoft.com/office/drawing/2010/main" xmlns:p14="http://schemas.microsoft.com/office/powerpoint/2010/main" xmlns:a16="http://schemas.microsoft.com/office/drawing/2014/main" xmlns="" w="9525">
                     <a:solidFill>
                       <a:srgbClr val="000000"/>
                     </a:solidFill>
@@ -37943,7 +37943,7 @@
               </a:ln>
               <a:extLst>
                 <a:ext uri="{91240B29-F687-4f45-9708-019B960494DF}">
-                  <a14:hiddenLine xmlns="" xmlns:a16="http://schemas.microsoft.com/office/drawing/2014/main" xmlns:p14="http://schemas.microsoft.com/office/powerpoint/2010/main" xmlns:a14="http://schemas.microsoft.com/office/drawing/2010/main" w="9525">
+                  <a14:hiddenLine xmlns:a14="http://schemas.microsoft.com/office/drawing/2010/main" xmlns:p14="http://schemas.microsoft.com/office/powerpoint/2010/main" xmlns:a16="http://schemas.microsoft.com/office/drawing/2014/main" xmlns="" w="9525">
                     <a:solidFill>
                       <a:srgbClr val="000000"/>
                     </a:solidFill>
@@ -38026,7 +38026,7 @@
               </a:ln>
               <a:extLst>
                 <a:ext uri="{91240B29-F687-4f45-9708-019B960494DF}">
-                  <a14:hiddenLine xmlns="" xmlns:a16="http://schemas.microsoft.com/office/drawing/2014/main" xmlns:p14="http://schemas.microsoft.com/office/powerpoint/2010/main" xmlns:a14="http://schemas.microsoft.com/office/drawing/2010/main" w="9525">
+                  <a14:hiddenLine xmlns:a14="http://schemas.microsoft.com/office/drawing/2010/main" xmlns:p14="http://schemas.microsoft.com/office/powerpoint/2010/main" xmlns:a16="http://schemas.microsoft.com/office/drawing/2014/main" xmlns="" w="9525">
                     <a:solidFill>
                       <a:srgbClr val="000000"/>
                     </a:solidFill>
@@ -38131,7 +38131,7 @@
               </a:ln>
               <a:extLst>
                 <a:ext uri="{91240B29-F687-4f45-9708-019B960494DF}">
-                  <a14:hiddenLine xmlns="" xmlns:a16="http://schemas.microsoft.com/office/drawing/2014/main" xmlns:p14="http://schemas.microsoft.com/office/powerpoint/2010/main" xmlns:a14="http://schemas.microsoft.com/office/drawing/2010/main" w="9525">
+                  <a14:hiddenLine xmlns:a14="http://schemas.microsoft.com/office/drawing/2010/main" xmlns:p14="http://schemas.microsoft.com/office/powerpoint/2010/main" xmlns:a16="http://schemas.microsoft.com/office/drawing/2014/main" xmlns="" w="9525">
                     <a:solidFill>
                       <a:srgbClr val="000000"/>
                     </a:solidFill>
@@ -38214,7 +38214,7 @@
               </a:ln>
               <a:extLst>
                 <a:ext uri="{91240B29-F687-4f45-9708-019B960494DF}">
-                  <a14:hiddenLine xmlns="" xmlns:a16="http://schemas.microsoft.com/office/drawing/2014/main" xmlns:p14="http://schemas.microsoft.com/office/powerpoint/2010/main" xmlns:a14="http://schemas.microsoft.com/office/drawing/2010/main" w="9525">
+                  <a14:hiddenLine xmlns:a14="http://schemas.microsoft.com/office/drawing/2010/main" xmlns:p14="http://schemas.microsoft.com/office/powerpoint/2010/main" xmlns:a16="http://schemas.microsoft.com/office/drawing/2014/main" xmlns="" w="9525">
                     <a:solidFill>
                       <a:srgbClr val="000000"/>
                     </a:solidFill>
@@ -38319,7 +38319,7 @@
               </a:ln>
               <a:extLst>
                 <a:ext uri="{91240B29-F687-4f45-9708-019B960494DF}">
-                  <a14:hiddenLine xmlns="" xmlns:a16="http://schemas.microsoft.com/office/drawing/2014/main" xmlns:p14="http://schemas.microsoft.com/office/powerpoint/2010/main" xmlns:a14="http://schemas.microsoft.com/office/drawing/2010/main" w="9525">
+                  <a14:hiddenLine xmlns:a14="http://schemas.microsoft.com/office/drawing/2010/main" xmlns:p14="http://schemas.microsoft.com/office/powerpoint/2010/main" xmlns:a16="http://schemas.microsoft.com/office/drawing/2014/main" xmlns="" w="9525">
                     <a:solidFill>
                       <a:srgbClr val="000000"/>
                     </a:solidFill>
@@ -38368,7 +38368,7 @@
               </a:ln>
               <a:extLst>
                 <a:ext uri="{91240B29-F687-4f45-9708-019B960494DF}">
-                  <a14:hiddenLine xmlns="" xmlns:a16="http://schemas.microsoft.com/office/drawing/2014/main" xmlns:p14="http://schemas.microsoft.com/office/powerpoint/2010/main" xmlns:a14="http://schemas.microsoft.com/office/drawing/2010/main" w="9525">
+                  <a14:hiddenLine xmlns:a14="http://schemas.microsoft.com/office/drawing/2010/main" xmlns:p14="http://schemas.microsoft.com/office/powerpoint/2010/main" xmlns:a16="http://schemas.microsoft.com/office/drawing/2014/main" xmlns="" w="9525">
                     <a:solidFill>
                       <a:srgbClr val="000000"/>
                     </a:solidFill>
@@ -38533,14 +38533,13 @@
               </a:ext>
             </a:extLst>
           </a:blip>
-          <a:stretch>
-            <a:fillRect/>
-          </a:stretch>
+          <a:srcRect/>
+          <a:stretch/>
         </p:blipFill>
         <p:spPr>
           <a:xfrm>
-            <a:off x="212467" y="28841"/>
-            <a:ext cx="11582918" cy="6833922"/>
+            <a:off x="217414" y="28841"/>
+            <a:ext cx="11573023" cy="6833922"/>
           </a:xfrm>
           <a:prstGeom prst="rect">
             <a:avLst/>
